--- a/Mid-term Presentation.pptx
+++ b/Mid-term Presentation.pptx
@@ -323,7 +323,7 @@
               <a:pPr>
                 <a:defRPr/>
               </a:pPr>
-              <a:t>16/07/2024</a:t>
+              <a:t>26/07/2024</a:t>
             </a:fld>
             <a:endParaRPr lang="en-GB"/>
           </a:p>
@@ -542,7 +542,7 @@
               <a:pPr>
                 <a:defRPr/>
               </a:pPr>
-              <a:t>16/07/2024</a:t>
+              <a:t>26/07/2024</a:t>
             </a:fld>
             <a:endParaRPr lang="en-GB"/>
           </a:p>
@@ -12382,7 +12382,7 @@
             </a:r>
             <a:r>
               <a:rPr lang="en-US" sz="1200" baseline="30000" dirty="0" err="1"/>
-              <a:t>st</a:t>
+              <a:t>th</a:t>
             </a:r>
             <a:r>
               <a:rPr lang="en-US" sz="1200" dirty="0"/>
@@ -13371,10 +13371,9 @@
           <a:lstStyle/>
           <a:p>
             <a:r>
-              <a:rPr lang="en-GB" dirty="0" err="1"/>
-              <a:t>Methology</a:t>
-            </a:r>
-            <a:endParaRPr lang="en-GB" dirty="0"/>
+              <a:rPr lang="en-GB" dirty="0"/>
+              <a:t>Methodology</a:t>
+            </a:r>
           </a:p>
         </p:txBody>
       </p:sp>
@@ -14979,7 +14978,7 @@
               <a:rPr lang="en-GB" sz="1600" dirty="0">
                 <a:latin typeface="+mn-lt"/>
               </a:rPr>
-              <a:t>Background</a:t>
+              <a:t>Background*</a:t>
             </a:r>
           </a:p>
           <a:p>
@@ -14994,7 +14993,7 @@
               <a:rPr lang="en-GB" sz="1600" dirty="0">
                 <a:latin typeface="+mn-lt"/>
               </a:rPr>
-              <a:t>Problem Formulation</a:t>
+              <a:t>Problem Formulation* (what is challenging)</a:t>
             </a:r>
           </a:p>
           <a:p>
@@ -15009,7 +15008,7 @@
               <a:rPr lang="en-GB" sz="1600" dirty="0">
                 <a:latin typeface="+mn-lt"/>
               </a:rPr>
-              <a:t>Literature Review</a:t>
+              <a:t>Literature Review*</a:t>
             </a:r>
           </a:p>
           <a:p>
@@ -15039,7 +15038,7 @@
               <a:rPr lang="en-GB" sz="1600" dirty="0">
                 <a:latin typeface="+mn-lt"/>
               </a:rPr>
-              <a:t>Implementation - Training</a:t>
+              <a:t>Implementation – Training Preliminary Result</a:t>
             </a:r>
           </a:p>
           <a:p>
@@ -15054,7 +15053,7 @@
               <a:rPr lang="en-GB" sz="1600" dirty="0">
                 <a:latin typeface="+mn-lt"/>
               </a:rPr>
-              <a:t>Evaluation</a:t>
+              <a:t>Outlook</a:t>
             </a:r>
           </a:p>
         </p:txBody>

--- a/Mid-term Presentation.pptx
+++ b/Mid-term Presentation.pptx
@@ -13,35 +13,37 @@
     <p:sldMasterId id="2147483724" r:id="rId9"/>
   </p:sldMasterIdLst>
   <p:notesMasterIdLst>
-    <p:notesMasterId r:id="rId33"/>
+    <p:notesMasterId r:id="rId35"/>
   </p:notesMasterIdLst>
   <p:handoutMasterIdLst>
-    <p:handoutMasterId r:id="rId34"/>
+    <p:handoutMasterId r:id="rId36"/>
   </p:handoutMasterIdLst>
   <p:sldIdLst>
     <p:sldId id="355" r:id="rId10"/>
     <p:sldId id="453" r:id="rId11"/>
     <p:sldId id="492" r:id="rId12"/>
     <p:sldId id="486" r:id="rId13"/>
-    <p:sldId id="487" r:id="rId14"/>
-    <p:sldId id="488" r:id="rId15"/>
-    <p:sldId id="493" r:id="rId16"/>
-    <p:sldId id="489" r:id="rId17"/>
-    <p:sldId id="491" r:id="rId18"/>
-    <p:sldId id="490" r:id="rId19"/>
-    <p:sldId id="494" r:id="rId20"/>
-    <p:sldId id="495" r:id="rId21"/>
-    <p:sldId id="496" r:id="rId22"/>
-    <p:sldId id="497" r:id="rId23"/>
-    <p:sldId id="498" r:id="rId24"/>
-    <p:sldId id="499" r:id="rId25"/>
-    <p:sldId id="500" r:id="rId26"/>
-    <p:sldId id="502" r:id="rId27"/>
-    <p:sldId id="501" r:id="rId28"/>
-    <p:sldId id="503" r:id="rId29"/>
-    <p:sldId id="504" r:id="rId30"/>
-    <p:sldId id="506" r:id="rId31"/>
-    <p:sldId id="505" r:id="rId32"/>
+    <p:sldId id="507" r:id="rId14"/>
+    <p:sldId id="508" r:id="rId15"/>
+    <p:sldId id="487" r:id="rId16"/>
+    <p:sldId id="488" r:id="rId17"/>
+    <p:sldId id="493" r:id="rId18"/>
+    <p:sldId id="489" r:id="rId19"/>
+    <p:sldId id="491" r:id="rId20"/>
+    <p:sldId id="490" r:id="rId21"/>
+    <p:sldId id="494" r:id="rId22"/>
+    <p:sldId id="495" r:id="rId23"/>
+    <p:sldId id="496" r:id="rId24"/>
+    <p:sldId id="497" r:id="rId25"/>
+    <p:sldId id="498" r:id="rId26"/>
+    <p:sldId id="499" r:id="rId27"/>
+    <p:sldId id="500" r:id="rId28"/>
+    <p:sldId id="502" r:id="rId29"/>
+    <p:sldId id="501" r:id="rId30"/>
+    <p:sldId id="503" r:id="rId31"/>
+    <p:sldId id="504" r:id="rId32"/>
+    <p:sldId id="506" r:id="rId33"/>
+    <p:sldId id="505" r:id="rId34"/>
   </p:sldIdLst>
   <p:sldSz cx="9144000" cy="5143500" type="screen16x9"/>
   <p:notesSz cx="9925050" cy="6665913"/>
@@ -323,7 +325,7 @@
               <a:pPr>
                 <a:defRPr/>
               </a:pPr>
-              <a:t>26/07/2024</a:t>
+              <a:t>12/08/2024</a:t>
             </a:fld>
             <a:endParaRPr lang="en-GB"/>
           </a:p>
@@ -542,7 +544,7 @@
               <a:pPr>
                 <a:defRPr/>
               </a:pPr>
-              <a:t>26/07/2024</a:t>
+              <a:t>12/08/2024</a:t>
             </a:fld>
             <a:endParaRPr lang="en-GB"/>
           </a:p>
@@ -1117,6 +1119,192 @@
 </p:notes>
 </file>
 
+<file path=ppt/notesSlides/notesSlide3.xml><?xml version="1.0" encoding="utf-8"?>
+<p:notes xmlns:a="http://schemas.openxmlformats.org/drawingml/2006/main" xmlns:r="http://schemas.openxmlformats.org/officeDocument/2006/relationships" xmlns:p="http://schemas.openxmlformats.org/presentationml/2006/main">
+  <p:cSld>
+    <p:spTree>
+      <p:nvGrpSpPr>
+        <p:cNvPr id="1" name=""/>
+        <p:cNvGrpSpPr/>
+        <p:nvPr/>
+      </p:nvGrpSpPr>
+      <p:grpSpPr>
+        <a:xfrm>
+          <a:off x="0" y="0"/>
+          <a:ext cx="0" cy="0"/>
+          <a:chOff x="0" y="0"/>
+          <a:chExt cx="0" cy="0"/>
+        </a:xfrm>
+      </p:grpSpPr>
+      <p:sp>
+        <p:nvSpPr>
+          <p:cNvPr id="2" name="Slide Image Placeholder 1"/>
+          <p:cNvSpPr>
+            <a:spLocks noGrp="1" noRot="1" noChangeAspect="1"/>
+          </p:cNvSpPr>
+          <p:nvPr>
+            <p:ph type="sldImg"/>
+          </p:nvPr>
+        </p:nvSpPr>
+        <p:spPr/>
+      </p:sp>
+      <p:sp>
+        <p:nvSpPr>
+          <p:cNvPr id="3" name="Notes Placeholder 2"/>
+          <p:cNvSpPr>
+            <a:spLocks noGrp="1"/>
+          </p:cNvSpPr>
+          <p:nvPr>
+            <p:ph type="body" idx="1"/>
+          </p:nvPr>
+        </p:nvSpPr>
+        <p:spPr/>
+        <p:txBody>
+          <a:bodyPr/>
+          <a:lstStyle/>
+          <a:p>
+            <a:r>
+              <a:rPr lang="en-GB" dirty="0"/>
+              <a:t>A roadmap for global energy sector proposed by International Energy Agency</a:t>
+            </a:r>
+          </a:p>
+        </p:txBody>
+      </p:sp>
+      <p:sp>
+        <p:nvSpPr>
+          <p:cNvPr id="4" name="Slide Number Placeholder 3"/>
+          <p:cNvSpPr>
+            <a:spLocks noGrp="1"/>
+          </p:cNvSpPr>
+          <p:nvPr>
+            <p:ph type="sldNum" sz="quarter" idx="5"/>
+          </p:nvPr>
+        </p:nvSpPr>
+        <p:spPr/>
+        <p:txBody>
+          <a:bodyPr/>
+          <a:lstStyle/>
+          <a:p>
+            <a:pPr>
+              <a:defRPr/>
+            </a:pPr>
+            <a:fld id="{00AFC6D0-44D5-4EB7-828F-6F464F83D79A}" type="slidenum">
+              <a:rPr lang="en-GB" smtClean="0"/>
+              <a:pPr>
+                <a:defRPr/>
+              </a:pPr>
+              <a:t>5</a:t>
+            </a:fld>
+            <a:endParaRPr lang="en-GB"/>
+          </a:p>
+        </p:txBody>
+      </p:sp>
+    </p:spTree>
+    <p:extLst>
+      <p:ext uri="{BB962C8B-B14F-4D97-AF65-F5344CB8AC3E}">
+        <p14:creationId xmlns:p14="http://schemas.microsoft.com/office/powerpoint/2010/main" val="3106399797"/>
+      </p:ext>
+    </p:extLst>
+  </p:cSld>
+  <p:clrMapOvr>
+    <a:masterClrMapping/>
+  </p:clrMapOvr>
+</p:notes>
+</file>
+
+<file path=ppt/notesSlides/notesSlide4.xml><?xml version="1.0" encoding="utf-8"?>
+<p:notes xmlns:a="http://schemas.openxmlformats.org/drawingml/2006/main" xmlns:r="http://schemas.openxmlformats.org/officeDocument/2006/relationships" xmlns:p="http://schemas.openxmlformats.org/presentationml/2006/main">
+  <p:cSld>
+    <p:spTree>
+      <p:nvGrpSpPr>
+        <p:cNvPr id="1" name=""/>
+        <p:cNvGrpSpPr/>
+        <p:nvPr/>
+      </p:nvGrpSpPr>
+      <p:grpSpPr>
+        <a:xfrm>
+          <a:off x="0" y="0"/>
+          <a:ext cx="0" cy="0"/>
+          <a:chOff x="0" y="0"/>
+          <a:chExt cx="0" cy="0"/>
+        </a:xfrm>
+      </p:grpSpPr>
+      <p:sp>
+        <p:nvSpPr>
+          <p:cNvPr id="2" name="Slide Image Placeholder 1"/>
+          <p:cNvSpPr>
+            <a:spLocks noGrp="1" noRot="1" noChangeAspect="1"/>
+          </p:cNvSpPr>
+          <p:nvPr>
+            <p:ph type="sldImg"/>
+          </p:nvPr>
+        </p:nvSpPr>
+        <p:spPr/>
+      </p:sp>
+      <p:sp>
+        <p:nvSpPr>
+          <p:cNvPr id="3" name="Notes Placeholder 2"/>
+          <p:cNvSpPr>
+            <a:spLocks noGrp="1"/>
+          </p:cNvSpPr>
+          <p:nvPr>
+            <p:ph type="body" idx="1"/>
+          </p:nvPr>
+        </p:nvSpPr>
+        <p:spPr/>
+        <p:txBody>
+          <a:bodyPr/>
+          <a:lstStyle/>
+          <a:p>
+            <a:r>
+              <a:rPr lang="en-GB" dirty="0"/>
+              <a:t>A roadmap for global energy sector proposed by International Energy Agency</a:t>
+            </a:r>
+          </a:p>
+        </p:txBody>
+      </p:sp>
+      <p:sp>
+        <p:nvSpPr>
+          <p:cNvPr id="4" name="Slide Number Placeholder 3"/>
+          <p:cNvSpPr>
+            <a:spLocks noGrp="1"/>
+          </p:cNvSpPr>
+          <p:nvPr>
+            <p:ph type="sldNum" sz="quarter" idx="5"/>
+          </p:nvPr>
+        </p:nvSpPr>
+        <p:spPr/>
+        <p:txBody>
+          <a:bodyPr/>
+          <a:lstStyle/>
+          <a:p>
+            <a:pPr>
+              <a:defRPr/>
+            </a:pPr>
+            <a:fld id="{00AFC6D0-44D5-4EB7-828F-6F464F83D79A}" type="slidenum">
+              <a:rPr lang="en-GB" smtClean="0"/>
+              <a:pPr>
+                <a:defRPr/>
+              </a:pPr>
+              <a:t>6</a:t>
+            </a:fld>
+            <a:endParaRPr lang="en-GB"/>
+          </a:p>
+        </p:txBody>
+      </p:sp>
+    </p:spTree>
+    <p:extLst>
+      <p:ext uri="{BB962C8B-B14F-4D97-AF65-F5344CB8AC3E}">
+        <p14:creationId xmlns:p14="http://schemas.microsoft.com/office/powerpoint/2010/main" val="1525292390"/>
+      </p:ext>
+    </p:extLst>
+  </p:cSld>
+  <p:clrMapOvr>
+    <a:masterClrMapping/>
+  </p:clrMapOvr>
+</p:notes>
+</file>
+
 <file path=ppt/slideLayouts/slideLayout1.xml><?xml version="1.0" encoding="utf-8"?>
 <p:sldLayout xmlns:a="http://schemas.openxmlformats.org/drawingml/2006/main" xmlns:r="http://schemas.openxmlformats.org/officeDocument/2006/relationships" xmlns:p="http://schemas.openxmlformats.org/presentationml/2006/main" preserve="1" userDrawn="1">
   <p:cSld name="Start">
@@ -12424,7 +12612,7 @@
           <p:cNvPr id="2" name="Content Placeholder 1">
             <a:extLst>
               <a:ext uri="{FF2B5EF4-FFF2-40B4-BE49-F238E27FC236}">
-                <a16:creationId xmlns:a16="http://schemas.microsoft.com/office/drawing/2014/main" id="{6F225F2B-E877-0585-C48D-7D0891CF1937}"/>
+                <a16:creationId xmlns:a16="http://schemas.microsoft.com/office/drawing/2014/main" id="{9DBCA52E-228A-7854-AD31-6ECC38C0D541}"/>
               </a:ext>
             </a:extLst>
           </p:cNvPr>
@@ -12440,7 +12628,10 @@
           <a:bodyPr/>
           <a:lstStyle/>
           <a:p>
-            <a:endParaRPr lang="en-GB"/>
+            <a:r>
+              <a:rPr lang="en-GB" dirty="0"/>
+              <a:t>Project Goals</a:t>
+            </a:r>
           </a:p>
         </p:txBody>
       </p:sp>
@@ -12449,7 +12640,7 @@
           <p:cNvPr id="3" name="Title 2">
             <a:extLst>
               <a:ext uri="{FF2B5EF4-FFF2-40B4-BE49-F238E27FC236}">
-                <a16:creationId xmlns:a16="http://schemas.microsoft.com/office/drawing/2014/main" id="{1D1FDA49-0395-4CBE-3B54-1829C4C917AF}"/>
+                <a16:creationId xmlns:a16="http://schemas.microsoft.com/office/drawing/2014/main" id="{4020BA70-2DD6-F5EF-0E3D-9AB550347B91}"/>
               </a:ext>
             </a:extLst>
           </p:cNvPr>
@@ -12460,20 +12651,12 @@
             <p:ph type="title"/>
           </p:nvPr>
         </p:nvSpPr>
-        <p:spPr>
-          <a:xfrm>
-            <a:off x="319090" y="972000"/>
-            <a:ext cx="8508999" cy="380745"/>
-          </a:xfrm>
-        </p:spPr>
+        <p:spPr/>
         <p:txBody>
           <a:bodyPr/>
           <a:lstStyle/>
           <a:p>
-            <a:r>
-              <a:rPr lang="en-GB" dirty="0"/>
-              <a:t>Objective</a:t>
-            </a:r>
+            <a:endParaRPr lang="en-GB"/>
           </a:p>
         </p:txBody>
       </p:sp>
@@ -12482,7 +12665,7 @@
           <p:cNvPr id="4" name="Slide Number Placeholder 3">
             <a:extLst>
               <a:ext uri="{FF2B5EF4-FFF2-40B4-BE49-F238E27FC236}">
-                <a16:creationId xmlns:a16="http://schemas.microsoft.com/office/drawing/2014/main" id="{1BD14BBD-CAB7-9A4E-C4D4-41390712BD0A}"/>
+                <a16:creationId xmlns:a16="http://schemas.microsoft.com/office/drawing/2014/main" id="{18C6AC36-ABB6-CC34-9769-7C56CD9F12BA}"/>
               </a:ext>
             </a:extLst>
           </p:cNvPr>
@@ -12512,7 +12695,7 @@
           <p:cNvPr id="6" name="Fußzeilenplatzhalter 4">
             <a:extLst>
               <a:ext uri="{FF2B5EF4-FFF2-40B4-BE49-F238E27FC236}">
-                <a16:creationId xmlns:a16="http://schemas.microsoft.com/office/drawing/2014/main" id="{F7EE7C5C-F409-C3B8-F3D9-17F33BF0E8C4}"/>
+                <a16:creationId xmlns:a16="http://schemas.microsoft.com/office/drawing/2014/main" id="{FC361F43-074B-7D3C-28AF-48A3D593B457}"/>
               </a:ext>
             </a:extLst>
           </p:cNvPr>
@@ -12682,7 +12865,7 @@
     </p:spTree>
     <p:extLst>
       <p:ext uri="{BB962C8B-B14F-4D97-AF65-F5344CB8AC3E}">
-        <p14:creationId xmlns:p14="http://schemas.microsoft.com/office/powerpoint/2010/main" val="2760411313"/>
+        <p14:creationId xmlns:p14="http://schemas.microsoft.com/office/powerpoint/2010/main" val="3453784700"/>
       </p:ext>
     </p:extLst>
   </p:cSld>
@@ -12711,6 +12894,69 @@
       </p:grpSpPr>
       <p:sp>
         <p:nvSpPr>
+          <p:cNvPr id="2" name="Title 1">
+            <a:extLst>
+              <a:ext uri="{FF2B5EF4-FFF2-40B4-BE49-F238E27FC236}">
+                <a16:creationId xmlns:a16="http://schemas.microsoft.com/office/drawing/2014/main" id="{DFE7BBAD-C53B-2C58-EB5A-C6B98E80A983}"/>
+              </a:ext>
+            </a:extLst>
+          </p:cNvPr>
+          <p:cNvSpPr>
+            <a:spLocks noGrp="1"/>
+          </p:cNvSpPr>
+          <p:nvPr>
+            <p:ph type="title"/>
+          </p:nvPr>
+        </p:nvSpPr>
+        <p:spPr>
+          <a:xfrm>
+            <a:off x="319090" y="972000"/>
+            <a:ext cx="8508999" cy="380745"/>
+          </a:xfrm>
+        </p:spPr>
+        <p:txBody>
+          <a:bodyPr/>
+          <a:lstStyle/>
+          <a:p>
+            <a:r>
+              <a:rPr lang="en-GB" dirty="0"/>
+              <a:t>Problem Formulation</a:t>
+            </a:r>
+          </a:p>
+        </p:txBody>
+      </p:sp>
+    </p:spTree>
+    <p:extLst>
+      <p:ext uri="{BB962C8B-B14F-4D97-AF65-F5344CB8AC3E}">
+        <p14:creationId xmlns:p14="http://schemas.microsoft.com/office/powerpoint/2010/main" val="2451599247"/>
+      </p:ext>
+    </p:extLst>
+  </p:cSld>
+  <p:clrMapOvr>
+    <a:masterClrMapping/>
+  </p:clrMapOvr>
+</p:sld>
+</file>
+
+<file path=ppt/slides/slide12.xml><?xml version="1.0" encoding="utf-8"?>
+<p:sld xmlns:a="http://schemas.openxmlformats.org/drawingml/2006/main" xmlns:r="http://schemas.openxmlformats.org/officeDocument/2006/relationships" xmlns:p="http://schemas.openxmlformats.org/presentationml/2006/main">
+  <p:cSld>
+    <p:spTree>
+      <p:nvGrpSpPr>
+        <p:cNvPr id="1" name=""/>
+        <p:cNvGrpSpPr/>
+        <p:nvPr/>
+      </p:nvGrpSpPr>
+      <p:grpSpPr>
+        <a:xfrm>
+          <a:off x="0" y="0"/>
+          <a:ext cx="0" cy="0"/>
+          <a:chOff x="0" y="0"/>
+          <a:chExt cx="0" cy="0"/>
+        </a:xfrm>
+      </p:grpSpPr>
+      <p:sp>
+        <p:nvSpPr>
           <p:cNvPr id="2" name="Content Placeholder 1">
             <a:extLst>
               <a:ext uri="{FF2B5EF4-FFF2-40B4-BE49-F238E27FC236}">
@@ -12762,7 +13008,7 @@
           <a:p>
             <a:r>
               <a:rPr lang="en-GB" dirty="0"/>
-              <a:t>Constraints</a:t>
+              <a:t>Objective</a:t>
             </a:r>
           </a:p>
         </p:txBody>
@@ -12791,7 +13037,7 @@
             <a:fld id="{CE58CB1E-F828-4F11-99E0-327109AF9DA4}" type="slidenum">
               <a:rPr lang="de-DE" smtClean="0"/>
               <a:pPr/>
-              <a:t>11</a:t>
+              <a:t>12</a:t>
             </a:fld>
             <a:endParaRPr lang="de-DE"/>
           </a:p>
@@ -12802,7 +13048,7 @@
           <p:cNvPr id="6" name="Fußzeilenplatzhalter 4">
             <a:extLst>
               <a:ext uri="{FF2B5EF4-FFF2-40B4-BE49-F238E27FC236}">
-                <a16:creationId xmlns:a16="http://schemas.microsoft.com/office/drawing/2014/main" id="{220E5D03-F78B-CDDA-B1F3-6F1AA4B2B661}"/>
+                <a16:creationId xmlns:a16="http://schemas.microsoft.com/office/drawing/2014/main" id="{F7EE7C5C-F409-C3B8-F3D9-17F33BF0E8C4}"/>
               </a:ext>
             </a:extLst>
           </p:cNvPr>
@@ -12972,70 +13218,7 @@
     </p:spTree>
     <p:extLst>
       <p:ext uri="{BB962C8B-B14F-4D97-AF65-F5344CB8AC3E}">
-        <p14:creationId xmlns:p14="http://schemas.microsoft.com/office/powerpoint/2010/main" val="23539303"/>
-      </p:ext>
-    </p:extLst>
-  </p:cSld>
-  <p:clrMapOvr>
-    <a:masterClrMapping/>
-  </p:clrMapOvr>
-</p:sld>
-</file>
-
-<file path=ppt/slides/slide12.xml><?xml version="1.0" encoding="utf-8"?>
-<p:sld xmlns:a="http://schemas.openxmlformats.org/drawingml/2006/main" xmlns:r="http://schemas.openxmlformats.org/officeDocument/2006/relationships" xmlns:p="http://schemas.openxmlformats.org/presentationml/2006/main">
-  <p:cSld>
-    <p:spTree>
-      <p:nvGrpSpPr>
-        <p:cNvPr id="1" name=""/>
-        <p:cNvGrpSpPr/>
-        <p:nvPr/>
-      </p:nvGrpSpPr>
-      <p:grpSpPr>
-        <a:xfrm>
-          <a:off x="0" y="0"/>
-          <a:ext cx="0" cy="0"/>
-          <a:chOff x="0" y="0"/>
-          <a:chExt cx="0" cy="0"/>
-        </a:xfrm>
-      </p:grpSpPr>
-      <p:sp>
-        <p:nvSpPr>
-          <p:cNvPr id="2" name="Title 1">
-            <a:extLst>
-              <a:ext uri="{FF2B5EF4-FFF2-40B4-BE49-F238E27FC236}">
-                <a16:creationId xmlns:a16="http://schemas.microsoft.com/office/drawing/2014/main" id="{7ED5D507-D67B-6AC1-0238-269C4F29E49B}"/>
-              </a:ext>
-            </a:extLst>
-          </p:cNvPr>
-          <p:cNvSpPr>
-            <a:spLocks noGrp="1"/>
-          </p:cNvSpPr>
-          <p:nvPr>
-            <p:ph type="title"/>
-          </p:nvPr>
-        </p:nvSpPr>
-        <p:spPr>
-          <a:xfrm>
-            <a:off x="319090" y="972000"/>
-            <a:ext cx="8508999" cy="380745"/>
-          </a:xfrm>
-        </p:spPr>
-        <p:txBody>
-          <a:bodyPr/>
-          <a:lstStyle/>
-          <a:p>
-            <a:r>
-              <a:rPr lang="en-GB" dirty="0"/>
-              <a:t>Literature Review</a:t>
-            </a:r>
-          </a:p>
-        </p:txBody>
-      </p:sp>
-    </p:spTree>
-    <p:extLst>
-      <p:ext uri="{BB962C8B-B14F-4D97-AF65-F5344CB8AC3E}">
-        <p14:creationId xmlns:p14="http://schemas.microsoft.com/office/powerpoint/2010/main" val="2334249610"/>
+        <p14:creationId xmlns:p14="http://schemas.microsoft.com/office/powerpoint/2010/main" val="2760411313"/>
       </p:ext>
     </p:extLst>
   </p:cSld>
@@ -13067,7 +13250,7 @@
           <p:cNvPr id="2" name="Content Placeholder 1">
             <a:extLst>
               <a:ext uri="{FF2B5EF4-FFF2-40B4-BE49-F238E27FC236}">
-                <a16:creationId xmlns:a16="http://schemas.microsoft.com/office/drawing/2014/main" id="{9C300E5C-DB56-B06F-0A36-FFC1625D460A}"/>
+                <a16:creationId xmlns:a16="http://schemas.microsoft.com/office/drawing/2014/main" id="{6F225F2B-E877-0585-C48D-7D0891CF1937}"/>
               </a:ext>
             </a:extLst>
           </p:cNvPr>
@@ -13092,7 +13275,7 @@
           <p:cNvPr id="3" name="Title 2">
             <a:extLst>
               <a:ext uri="{FF2B5EF4-FFF2-40B4-BE49-F238E27FC236}">
-                <a16:creationId xmlns:a16="http://schemas.microsoft.com/office/drawing/2014/main" id="{3B5FAB1A-47FF-47CD-FDFB-BF81679F53B4}"/>
+                <a16:creationId xmlns:a16="http://schemas.microsoft.com/office/drawing/2014/main" id="{1D1FDA49-0395-4CBE-3B54-1829C4C917AF}"/>
               </a:ext>
             </a:extLst>
           </p:cNvPr>
@@ -13103,12 +13286,20 @@
             <p:ph type="title"/>
           </p:nvPr>
         </p:nvSpPr>
-        <p:spPr/>
+        <p:spPr>
+          <a:xfrm>
+            <a:off x="319090" y="972000"/>
+            <a:ext cx="8508999" cy="380745"/>
+          </a:xfrm>
+        </p:spPr>
         <p:txBody>
           <a:bodyPr/>
           <a:lstStyle/>
           <a:p>
-            <a:endParaRPr lang="en-GB"/>
+            <a:r>
+              <a:rPr lang="en-GB" dirty="0"/>
+              <a:t>Constraints</a:t>
+            </a:r>
           </a:p>
         </p:txBody>
       </p:sp>
@@ -13117,7 +13308,7 @@
           <p:cNvPr id="4" name="Slide Number Placeholder 3">
             <a:extLst>
               <a:ext uri="{FF2B5EF4-FFF2-40B4-BE49-F238E27FC236}">
-                <a16:creationId xmlns:a16="http://schemas.microsoft.com/office/drawing/2014/main" id="{E9FF1159-EFF3-44E1-CF6A-DE5FBAF63DEF}"/>
+                <a16:creationId xmlns:a16="http://schemas.microsoft.com/office/drawing/2014/main" id="{1BD14BBD-CAB7-9A4E-C4D4-41390712BD0A}"/>
               </a:ext>
             </a:extLst>
           </p:cNvPr>
@@ -13147,7 +13338,7 @@
           <p:cNvPr id="6" name="Fußzeilenplatzhalter 4">
             <a:extLst>
               <a:ext uri="{FF2B5EF4-FFF2-40B4-BE49-F238E27FC236}">
-                <a16:creationId xmlns:a16="http://schemas.microsoft.com/office/drawing/2014/main" id="{5FE82B01-5AA4-84C9-537E-BFDC063ED314}"/>
+                <a16:creationId xmlns:a16="http://schemas.microsoft.com/office/drawing/2014/main" id="{220E5D03-F78B-CDDA-B1F3-6F1AA4B2B661}"/>
               </a:ext>
             </a:extLst>
           </p:cNvPr>
@@ -13317,7 +13508,7 @@
     </p:spTree>
     <p:extLst>
       <p:ext uri="{BB962C8B-B14F-4D97-AF65-F5344CB8AC3E}">
-        <p14:creationId xmlns:p14="http://schemas.microsoft.com/office/powerpoint/2010/main" val="4094512194"/>
+        <p14:creationId xmlns:p14="http://schemas.microsoft.com/office/powerpoint/2010/main" val="23539303"/>
       </p:ext>
     </p:extLst>
   </p:cSld>
@@ -13349,7 +13540,7 @@
           <p:cNvPr id="2" name="Title 1">
             <a:extLst>
               <a:ext uri="{FF2B5EF4-FFF2-40B4-BE49-F238E27FC236}">
-                <a16:creationId xmlns:a16="http://schemas.microsoft.com/office/drawing/2014/main" id="{8E453491-810A-9FBC-9787-3FF7D02A51B7}"/>
+                <a16:creationId xmlns:a16="http://schemas.microsoft.com/office/drawing/2014/main" id="{7ED5D507-D67B-6AC1-0238-269C4F29E49B}"/>
               </a:ext>
             </a:extLst>
           </p:cNvPr>
@@ -13372,7 +13563,7 @@
           <a:p>
             <a:r>
               <a:rPr lang="en-GB" dirty="0"/>
-              <a:t>Methodology</a:t>
+              <a:t>Literature Review</a:t>
             </a:r>
           </a:p>
         </p:txBody>
@@ -13380,7 +13571,7 @@
     </p:spTree>
     <p:extLst>
       <p:ext uri="{BB962C8B-B14F-4D97-AF65-F5344CB8AC3E}">
-        <p14:creationId xmlns:p14="http://schemas.microsoft.com/office/powerpoint/2010/main" val="2763552171"/>
+        <p14:creationId xmlns:p14="http://schemas.microsoft.com/office/powerpoint/2010/main" val="2334249610"/>
       </p:ext>
     </p:extLst>
   </p:cSld>
@@ -13412,7 +13603,7 @@
           <p:cNvPr id="2" name="Content Placeholder 1">
             <a:extLst>
               <a:ext uri="{FF2B5EF4-FFF2-40B4-BE49-F238E27FC236}">
-                <a16:creationId xmlns:a16="http://schemas.microsoft.com/office/drawing/2014/main" id="{D52AD3E0-997E-B96A-A3CF-16BF88622766}"/>
+                <a16:creationId xmlns:a16="http://schemas.microsoft.com/office/drawing/2014/main" id="{9C300E5C-DB56-B06F-0A36-FFC1625D460A}"/>
               </a:ext>
             </a:extLst>
           </p:cNvPr>
@@ -13437,7 +13628,7 @@
           <p:cNvPr id="3" name="Title 2">
             <a:extLst>
               <a:ext uri="{FF2B5EF4-FFF2-40B4-BE49-F238E27FC236}">
-                <a16:creationId xmlns:a16="http://schemas.microsoft.com/office/drawing/2014/main" id="{690116AF-AB1B-B27B-3E68-376FA95B9048}"/>
+                <a16:creationId xmlns:a16="http://schemas.microsoft.com/office/drawing/2014/main" id="{3B5FAB1A-47FF-47CD-FDFB-BF81679F53B4}"/>
               </a:ext>
             </a:extLst>
           </p:cNvPr>
@@ -13448,20 +13639,12 @@
             <p:ph type="title"/>
           </p:nvPr>
         </p:nvSpPr>
-        <p:spPr>
-          <a:xfrm>
-            <a:off x="319090" y="972000"/>
-            <a:ext cx="8508999" cy="380745"/>
-          </a:xfrm>
-        </p:spPr>
+        <p:spPr/>
         <p:txBody>
           <a:bodyPr/>
           <a:lstStyle/>
           <a:p>
-            <a:r>
-              <a:rPr lang="en-GB" dirty="0"/>
-              <a:t>Markov Decision Process</a:t>
-            </a:r>
+            <a:endParaRPr lang="en-GB"/>
           </a:p>
         </p:txBody>
       </p:sp>
@@ -13470,7 +13653,7 @@
           <p:cNvPr id="4" name="Slide Number Placeholder 3">
             <a:extLst>
               <a:ext uri="{FF2B5EF4-FFF2-40B4-BE49-F238E27FC236}">
-                <a16:creationId xmlns:a16="http://schemas.microsoft.com/office/drawing/2014/main" id="{0957F4F7-FA44-6087-7F49-8BE7CA90A774}"/>
+                <a16:creationId xmlns:a16="http://schemas.microsoft.com/office/drawing/2014/main" id="{E9FF1159-EFF3-44E1-CF6A-DE5FBAF63DEF}"/>
               </a:ext>
             </a:extLst>
           </p:cNvPr>
@@ -13500,7 +13683,7 @@
           <p:cNvPr id="6" name="Fußzeilenplatzhalter 4">
             <a:extLst>
               <a:ext uri="{FF2B5EF4-FFF2-40B4-BE49-F238E27FC236}">
-                <a16:creationId xmlns:a16="http://schemas.microsoft.com/office/drawing/2014/main" id="{959DA8CC-68D7-6BBA-1AA4-7BD93D4C7D24}"/>
+                <a16:creationId xmlns:a16="http://schemas.microsoft.com/office/drawing/2014/main" id="{5FE82B01-5AA4-84C9-537E-BFDC063ED314}"/>
               </a:ext>
             </a:extLst>
           </p:cNvPr>
@@ -13670,7 +13853,7 @@
     </p:spTree>
     <p:extLst>
       <p:ext uri="{BB962C8B-B14F-4D97-AF65-F5344CB8AC3E}">
-        <p14:creationId xmlns:p14="http://schemas.microsoft.com/office/powerpoint/2010/main" val="3422835339"/>
+        <p14:creationId xmlns:p14="http://schemas.microsoft.com/office/powerpoint/2010/main" val="4094512194"/>
       </p:ext>
     </p:extLst>
   </p:cSld>
@@ -13699,10 +13882,73 @@
       </p:grpSpPr>
       <p:sp>
         <p:nvSpPr>
+          <p:cNvPr id="2" name="Title 1">
+            <a:extLst>
+              <a:ext uri="{FF2B5EF4-FFF2-40B4-BE49-F238E27FC236}">
+                <a16:creationId xmlns:a16="http://schemas.microsoft.com/office/drawing/2014/main" id="{8E453491-810A-9FBC-9787-3FF7D02A51B7}"/>
+              </a:ext>
+            </a:extLst>
+          </p:cNvPr>
+          <p:cNvSpPr>
+            <a:spLocks noGrp="1"/>
+          </p:cNvSpPr>
+          <p:nvPr>
+            <p:ph type="title"/>
+          </p:nvPr>
+        </p:nvSpPr>
+        <p:spPr>
+          <a:xfrm>
+            <a:off x="319090" y="972000"/>
+            <a:ext cx="8508999" cy="380745"/>
+          </a:xfrm>
+        </p:spPr>
+        <p:txBody>
+          <a:bodyPr/>
+          <a:lstStyle/>
+          <a:p>
+            <a:r>
+              <a:rPr lang="en-GB" dirty="0"/>
+              <a:t>Methodology</a:t>
+            </a:r>
+          </a:p>
+        </p:txBody>
+      </p:sp>
+    </p:spTree>
+    <p:extLst>
+      <p:ext uri="{BB962C8B-B14F-4D97-AF65-F5344CB8AC3E}">
+        <p14:creationId xmlns:p14="http://schemas.microsoft.com/office/powerpoint/2010/main" val="2763552171"/>
+      </p:ext>
+    </p:extLst>
+  </p:cSld>
+  <p:clrMapOvr>
+    <a:masterClrMapping/>
+  </p:clrMapOvr>
+</p:sld>
+</file>
+
+<file path=ppt/slides/slide17.xml><?xml version="1.0" encoding="utf-8"?>
+<p:sld xmlns:a="http://schemas.openxmlformats.org/drawingml/2006/main" xmlns:r="http://schemas.openxmlformats.org/officeDocument/2006/relationships" xmlns:p="http://schemas.openxmlformats.org/presentationml/2006/main">
+  <p:cSld>
+    <p:spTree>
+      <p:nvGrpSpPr>
+        <p:cNvPr id="1" name=""/>
+        <p:cNvGrpSpPr/>
+        <p:nvPr/>
+      </p:nvGrpSpPr>
+      <p:grpSpPr>
+        <a:xfrm>
+          <a:off x="0" y="0"/>
+          <a:ext cx="0" cy="0"/>
+          <a:chOff x="0" y="0"/>
+          <a:chExt cx="0" cy="0"/>
+        </a:xfrm>
+      </p:grpSpPr>
+      <p:sp>
+        <p:nvSpPr>
           <p:cNvPr id="2" name="Content Placeholder 1">
             <a:extLst>
               <a:ext uri="{FF2B5EF4-FFF2-40B4-BE49-F238E27FC236}">
-                <a16:creationId xmlns:a16="http://schemas.microsoft.com/office/drawing/2014/main" id="{A8536EE9-6FBB-D2D3-BC4F-23806F102B94}"/>
+                <a16:creationId xmlns:a16="http://schemas.microsoft.com/office/drawing/2014/main" id="{D52AD3E0-997E-B96A-A3CF-16BF88622766}"/>
               </a:ext>
             </a:extLst>
           </p:cNvPr>
@@ -13727,7 +13973,7 @@
           <p:cNvPr id="3" name="Title 2">
             <a:extLst>
               <a:ext uri="{FF2B5EF4-FFF2-40B4-BE49-F238E27FC236}">
-                <a16:creationId xmlns:a16="http://schemas.microsoft.com/office/drawing/2014/main" id="{7C712CB2-5B99-184D-757F-ABF2243E9B12}"/>
+                <a16:creationId xmlns:a16="http://schemas.microsoft.com/office/drawing/2014/main" id="{690116AF-AB1B-B27B-3E68-376FA95B9048}"/>
               </a:ext>
             </a:extLst>
           </p:cNvPr>
@@ -13750,7 +13996,7 @@
           <a:p>
             <a:r>
               <a:rPr lang="en-GB" dirty="0"/>
-              <a:t>Actor-Critic Framework</a:t>
+              <a:t>Markov Decision Process</a:t>
             </a:r>
           </a:p>
         </p:txBody>
@@ -13760,7 +14006,7 @@
           <p:cNvPr id="4" name="Slide Number Placeholder 3">
             <a:extLst>
               <a:ext uri="{FF2B5EF4-FFF2-40B4-BE49-F238E27FC236}">
-                <a16:creationId xmlns:a16="http://schemas.microsoft.com/office/drawing/2014/main" id="{604D6851-3417-1596-57A7-978351BA6007}"/>
+                <a16:creationId xmlns:a16="http://schemas.microsoft.com/office/drawing/2014/main" id="{0957F4F7-FA44-6087-7F49-8BE7CA90A774}"/>
               </a:ext>
             </a:extLst>
           </p:cNvPr>
@@ -13779,7 +14025,7 @@
             <a:fld id="{CE58CB1E-F828-4F11-99E0-327109AF9DA4}" type="slidenum">
               <a:rPr lang="de-DE" smtClean="0"/>
               <a:pPr/>
-              <a:t>16</a:t>
+              <a:t>17</a:t>
             </a:fld>
             <a:endParaRPr lang="de-DE"/>
           </a:p>
@@ -13790,7 +14036,7 @@
           <p:cNvPr id="6" name="Fußzeilenplatzhalter 4">
             <a:extLst>
               <a:ext uri="{FF2B5EF4-FFF2-40B4-BE49-F238E27FC236}">
-                <a16:creationId xmlns:a16="http://schemas.microsoft.com/office/drawing/2014/main" id="{7805BC9D-4D6F-A053-0504-0E9908ABE56B}"/>
+                <a16:creationId xmlns:a16="http://schemas.microsoft.com/office/drawing/2014/main" id="{959DA8CC-68D7-6BBA-1AA4-7BD93D4C7D24}"/>
               </a:ext>
             </a:extLst>
           </p:cNvPr>
@@ -13960,7 +14206,7 @@
     </p:spTree>
     <p:extLst>
       <p:ext uri="{BB962C8B-B14F-4D97-AF65-F5344CB8AC3E}">
-        <p14:creationId xmlns:p14="http://schemas.microsoft.com/office/powerpoint/2010/main" val="3158509232"/>
+        <p14:creationId xmlns:p14="http://schemas.microsoft.com/office/powerpoint/2010/main" val="3422835339"/>
       </p:ext>
     </p:extLst>
   </p:cSld>
@@ -13970,7 +14216,7 @@
 </p:sld>
 </file>
 
-<file path=ppt/slides/slide17.xml><?xml version="1.0" encoding="utf-8"?>
+<file path=ppt/slides/slide18.xml><?xml version="1.0" encoding="utf-8"?>
 <p:sld xmlns:a="http://schemas.openxmlformats.org/drawingml/2006/main" xmlns:r="http://schemas.openxmlformats.org/officeDocument/2006/relationships" xmlns:p="http://schemas.openxmlformats.org/presentationml/2006/main">
   <p:cSld>
     <p:spTree>
@@ -13992,7 +14238,7 @@
           <p:cNvPr id="2" name="Content Placeholder 1">
             <a:extLst>
               <a:ext uri="{FF2B5EF4-FFF2-40B4-BE49-F238E27FC236}">
-                <a16:creationId xmlns:a16="http://schemas.microsoft.com/office/drawing/2014/main" id="{9267299A-E9EA-55CB-8507-AD3A93995602}"/>
+                <a16:creationId xmlns:a16="http://schemas.microsoft.com/office/drawing/2014/main" id="{A8536EE9-6FBB-D2D3-BC4F-23806F102B94}"/>
               </a:ext>
             </a:extLst>
           </p:cNvPr>
@@ -14017,7 +14263,7 @@
           <p:cNvPr id="3" name="Title 2">
             <a:extLst>
               <a:ext uri="{FF2B5EF4-FFF2-40B4-BE49-F238E27FC236}">
-                <a16:creationId xmlns:a16="http://schemas.microsoft.com/office/drawing/2014/main" id="{6BC5F5E4-BDFA-446B-9599-2EC720C8B078}"/>
+                <a16:creationId xmlns:a16="http://schemas.microsoft.com/office/drawing/2014/main" id="{7C712CB2-5B99-184D-757F-ABF2243E9B12}"/>
               </a:ext>
             </a:extLst>
           </p:cNvPr>
@@ -14040,7 +14286,7 @@
           <a:p>
             <a:r>
               <a:rPr lang="en-GB" dirty="0"/>
-              <a:t>PPO</a:t>
+              <a:t>Actor-Critic Framework</a:t>
             </a:r>
           </a:p>
         </p:txBody>
@@ -14050,7 +14296,7 @@
           <p:cNvPr id="4" name="Slide Number Placeholder 3">
             <a:extLst>
               <a:ext uri="{FF2B5EF4-FFF2-40B4-BE49-F238E27FC236}">
-                <a16:creationId xmlns:a16="http://schemas.microsoft.com/office/drawing/2014/main" id="{737E7406-EC1B-AC81-0601-FBE1FEC2C41D}"/>
+                <a16:creationId xmlns:a16="http://schemas.microsoft.com/office/drawing/2014/main" id="{604D6851-3417-1596-57A7-978351BA6007}"/>
               </a:ext>
             </a:extLst>
           </p:cNvPr>
@@ -14069,7 +14315,7 @@
             <a:fld id="{CE58CB1E-F828-4F11-99E0-327109AF9DA4}" type="slidenum">
               <a:rPr lang="de-DE" smtClean="0"/>
               <a:pPr/>
-              <a:t>17</a:t>
+              <a:t>18</a:t>
             </a:fld>
             <a:endParaRPr lang="de-DE"/>
           </a:p>
@@ -14080,7 +14326,7 @@
           <p:cNvPr id="6" name="Fußzeilenplatzhalter 4">
             <a:extLst>
               <a:ext uri="{FF2B5EF4-FFF2-40B4-BE49-F238E27FC236}">
-                <a16:creationId xmlns:a16="http://schemas.microsoft.com/office/drawing/2014/main" id="{74360814-D793-0080-C8EE-928CEBDECBDC}"/>
+                <a16:creationId xmlns:a16="http://schemas.microsoft.com/office/drawing/2014/main" id="{7805BC9D-4D6F-A053-0504-0E9908ABE56B}"/>
               </a:ext>
             </a:extLst>
           </p:cNvPr>
@@ -14250,70 +14496,7 @@
     </p:spTree>
     <p:extLst>
       <p:ext uri="{BB962C8B-B14F-4D97-AF65-F5344CB8AC3E}">
-        <p14:creationId xmlns:p14="http://schemas.microsoft.com/office/powerpoint/2010/main" val="2767526303"/>
-      </p:ext>
-    </p:extLst>
-  </p:cSld>
-  <p:clrMapOvr>
-    <a:masterClrMapping/>
-  </p:clrMapOvr>
-</p:sld>
-</file>
-
-<file path=ppt/slides/slide18.xml><?xml version="1.0" encoding="utf-8"?>
-<p:sld xmlns:a="http://schemas.openxmlformats.org/drawingml/2006/main" xmlns:r="http://schemas.openxmlformats.org/officeDocument/2006/relationships" xmlns:p="http://schemas.openxmlformats.org/presentationml/2006/main">
-  <p:cSld>
-    <p:spTree>
-      <p:nvGrpSpPr>
-        <p:cNvPr id="1" name=""/>
-        <p:cNvGrpSpPr/>
-        <p:nvPr/>
-      </p:nvGrpSpPr>
-      <p:grpSpPr>
-        <a:xfrm>
-          <a:off x="0" y="0"/>
-          <a:ext cx="0" cy="0"/>
-          <a:chOff x="0" y="0"/>
-          <a:chExt cx="0" cy="0"/>
-        </a:xfrm>
-      </p:grpSpPr>
-      <p:sp>
-        <p:nvSpPr>
-          <p:cNvPr id="2" name="Title 1">
-            <a:extLst>
-              <a:ext uri="{FF2B5EF4-FFF2-40B4-BE49-F238E27FC236}">
-                <a16:creationId xmlns:a16="http://schemas.microsoft.com/office/drawing/2014/main" id="{1BFB172F-3F32-DE9C-0EAB-7D8486ECEC79}"/>
-              </a:ext>
-            </a:extLst>
-          </p:cNvPr>
-          <p:cNvSpPr>
-            <a:spLocks noGrp="1"/>
-          </p:cNvSpPr>
-          <p:nvPr>
-            <p:ph type="title"/>
-          </p:nvPr>
-        </p:nvSpPr>
-        <p:spPr>
-          <a:xfrm>
-            <a:off x="319090" y="972000"/>
-            <a:ext cx="8508999" cy="380745"/>
-          </a:xfrm>
-        </p:spPr>
-        <p:txBody>
-          <a:bodyPr/>
-          <a:lstStyle/>
-          <a:p>
-            <a:r>
-              <a:rPr lang="en-GB" dirty="0"/>
-              <a:t>Implementation - Training</a:t>
-            </a:r>
-          </a:p>
-        </p:txBody>
-      </p:sp>
-    </p:spTree>
-    <p:extLst>
-      <p:ext uri="{BB962C8B-B14F-4D97-AF65-F5344CB8AC3E}">
-        <p14:creationId xmlns:p14="http://schemas.microsoft.com/office/powerpoint/2010/main" val="3902790334"/>
+        <p14:creationId xmlns:p14="http://schemas.microsoft.com/office/powerpoint/2010/main" val="3158509232"/>
       </p:ext>
     </p:extLst>
   </p:cSld>
@@ -14345,7 +14528,7 @@
           <p:cNvPr id="2" name="Content Placeholder 1">
             <a:extLst>
               <a:ext uri="{FF2B5EF4-FFF2-40B4-BE49-F238E27FC236}">
-                <a16:creationId xmlns:a16="http://schemas.microsoft.com/office/drawing/2014/main" id="{1CD2F961-05C2-522B-39A1-74AEFCB64A51}"/>
+                <a16:creationId xmlns:a16="http://schemas.microsoft.com/office/drawing/2014/main" id="{9267299A-E9EA-55CB-8507-AD3A93995602}"/>
               </a:ext>
             </a:extLst>
           </p:cNvPr>
@@ -14361,28 +14544,7 @@
           <a:bodyPr/>
           <a:lstStyle/>
           <a:p>
-            <a:r>
-              <a:rPr lang="en-GB" dirty="0"/>
-              <a:t>Environment:</a:t>
-            </a:r>
-          </a:p>
-          <a:p>
-            <a:r>
-              <a:rPr lang="en-GB" dirty="0"/>
-              <a:t>State:</a:t>
-            </a:r>
-          </a:p>
-          <a:p>
-            <a:r>
-              <a:rPr lang="en-GB" dirty="0"/>
-              <a:t>Action:</a:t>
-            </a:r>
-          </a:p>
-          <a:p>
-            <a:r>
-              <a:rPr lang="en-GB" dirty="0"/>
-              <a:t>Reward:</a:t>
-            </a:r>
+            <a:endParaRPr lang="en-GB"/>
           </a:p>
         </p:txBody>
       </p:sp>
@@ -14391,7 +14553,7 @@
           <p:cNvPr id="3" name="Title 2">
             <a:extLst>
               <a:ext uri="{FF2B5EF4-FFF2-40B4-BE49-F238E27FC236}">
-                <a16:creationId xmlns:a16="http://schemas.microsoft.com/office/drawing/2014/main" id="{330A6640-DCB1-B2DE-7DF0-B33552471931}"/>
+                <a16:creationId xmlns:a16="http://schemas.microsoft.com/office/drawing/2014/main" id="{6BC5F5E4-BDFA-446B-9599-2EC720C8B078}"/>
               </a:ext>
             </a:extLst>
           </p:cNvPr>
@@ -14414,7 +14576,7 @@
           <a:p>
             <a:r>
               <a:rPr lang="en-GB" dirty="0"/>
-              <a:t>Critical Components in RL</a:t>
+              <a:t>PPO</a:t>
             </a:r>
           </a:p>
         </p:txBody>
@@ -14424,7 +14586,7 @@
           <p:cNvPr id="4" name="Slide Number Placeholder 3">
             <a:extLst>
               <a:ext uri="{FF2B5EF4-FFF2-40B4-BE49-F238E27FC236}">
-                <a16:creationId xmlns:a16="http://schemas.microsoft.com/office/drawing/2014/main" id="{72D8B1F9-D91A-D57A-9DA1-037B38FF2C3C}"/>
+                <a16:creationId xmlns:a16="http://schemas.microsoft.com/office/drawing/2014/main" id="{737E7406-EC1B-AC81-0601-FBE1FEC2C41D}"/>
               </a:ext>
             </a:extLst>
           </p:cNvPr>
@@ -14454,7 +14616,7 @@
           <p:cNvPr id="6" name="Fußzeilenplatzhalter 4">
             <a:extLst>
               <a:ext uri="{FF2B5EF4-FFF2-40B4-BE49-F238E27FC236}">
-                <a16:creationId xmlns:a16="http://schemas.microsoft.com/office/drawing/2014/main" id="{9B4DF47D-2ED0-EAD2-B1B0-96A4301B23FE}"/>
+                <a16:creationId xmlns:a16="http://schemas.microsoft.com/office/drawing/2014/main" id="{74360814-D793-0080-C8EE-928CEBDECBDC}"/>
               </a:ext>
             </a:extLst>
           </p:cNvPr>
@@ -14624,7 +14786,7 @@
     </p:spTree>
     <p:extLst>
       <p:ext uri="{BB962C8B-B14F-4D97-AF65-F5344CB8AC3E}">
-        <p14:creationId xmlns:p14="http://schemas.microsoft.com/office/powerpoint/2010/main" val="457143516"/>
+        <p14:creationId xmlns:p14="http://schemas.microsoft.com/office/powerpoint/2010/main" val="2767526303"/>
       </p:ext>
     </p:extLst>
   </p:cSld>
@@ -15038,7 +15200,7 @@
               <a:rPr lang="en-GB" sz="1600" dirty="0">
                 <a:latin typeface="+mn-lt"/>
               </a:rPr>
-              <a:t>Implementation – Training Preliminary Result</a:t>
+              <a:t>Implementation – Training Preliminary Result?</a:t>
             </a:r>
           </a:p>
           <a:p>
@@ -15090,6 +15252,69 @@
       </p:grpSpPr>
       <p:sp>
         <p:nvSpPr>
+          <p:cNvPr id="2" name="Title 1">
+            <a:extLst>
+              <a:ext uri="{FF2B5EF4-FFF2-40B4-BE49-F238E27FC236}">
+                <a16:creationId xmlns:a16="http://schemas.microsoft.com/office/drawing/2014/main" id="{1BFB172F-3F32-DE9C-0EAB-7D8486ECEC79}"/>
+              </a:ext>
+            </a:extLst>
+          </p:cNvPr>
+          <p:cNvSpPr>
+            <a:spLocks noGrp="1"/>
+          </p:cNvSpPr>
+          <p:nvPr>
+            <p:ph type="title"/>
+          </p:nvPr>
+        </p:nvSpPr>
+        <p:spPr>
+          <a:xfrm>
+            <a:off x="319090" y="972000"/>
+            <a:ext cx="8508999" cy="380745"/>
+          </a:xfrm>
+        </p:spPr>
+        <p:txBody>
+          <a:bodyPr/>
+          <a:lstStyle/>
+          <a:p>
+            <a:r>
+              <a:rPr lang="en-GB" dirty="0"/>
+              <a:t>Implementation - Training</a:t>
+            </a:r>
+          </a:p>
+        </p:txBody>
+      </p:sp>
+    </p:spTree>
+    <p:extLst>
+      <p:ext uri="{BB962C8B-B14F-4D97-AF65-F5344CB8AC3E}">
+        <p14:creationId xmlns:p14="http://schemas.microsoft.com/office/powerpoint/2010/main" val="3902790334"/>
+      </p:ext>
+    </p:extLst>
+  </p:cSld>
+  <p:clrMapOvr>
+    <a:masterClrMapping/>
+  </p:clrMapOvr>
+</p:sld>
+</file>
+
+<file path=ppt/slides/slide21.xml><?xml version="1.0" encoding="utf-8"?>
+<p:sld xmlns:a="http://schemas.openxmlformats.org/drawingml/2006/main" xmlns:r="http://schemas.openxmlformats.org/officeDocument/2006/relationships" xmlns:p="http://schemas.openxmlformats.org/presentationml/2006/main">
+  <p:cSld>
+    <p:spTree>
+      <p:nvGrpSpPr>
+        <p:cNvPr id="1" name=""/>
+        <p:cNvGrpSpPr/>
+        <p:nvPr/>
+      </p:nvGrpSpPr>
+      <p:grpSpPr>
+        <a:xfrm>
+          <a:off x="0" y="0"/>
+          <a:ext cx="0" cy="0"/>
+          <a:chOff x="0" y="0"/>
+          <a:chExt cx="0" cy="0"/>
+        </a:xfrm>
+      </p:grpSpPr>
+      <p:sp>
+        <p:nvSpPr>
           <p:cNvPr id="2" name="Content Placeholder 1">
             <a:extLst>
               <a:ext uri="{FF2B5EF4-FFF2-40B4-BE49-F238E27FC236}">
@@ -15111,23 +15336,26 @@
           <a:p>
             <a:r>
               <a:rPr lang="en-GB" dirty="0"/>
-              <a:t>Renewable power generation</a:t>
+              <a:t>Environment:</a:t>
             </a:r>
           </a:p>
           <a:p>
             <a:r>
               <a:rPr lang="en-GB" dirty="0"/>
-              <a:t>Power consumption</a:t>
+              <a:t>State:</a:t>
             </a:r>
           </a:p>
           <a:p>
             <a:r>
               <a:rPr lang="en-GB" dirty="0"/>
-              <a:t>Charging/discharging demands</a:t>
-            </a:r>
-          </a:p>
-          <a:p>
-            <a:endParaRPr lang="en-GB" dirty="0"/>
+              <a:t>Action:</a:t>
+            </a:r>
+          </a:p>
+          <a:p>
+            <a:r>
+              <a:rPr lang="en-GB" dirty="0"/>
+              <a:t>Reward:</a:t>
+            </a:r>
           </a:p>
         </p:txBody>
       </p:sp>
@@ -15159,7 +15387,7 @@
           <a:p>
             <a:r>
               <a:rPr lang="en-GB" dirty="0"/>
-              <a:t>Uncertainty</a:t>
+              <a:t>Critical Components in RL</a:t>
             </a:r>
           </a:p>
         </p:txBody>
@@ -15188,7 +15416,7 @@
             <a:fld id="{CE58CB1E-F828-4F11-99E0-327109AF9DA4}" type="slidenum">
               <a:rPr lang="de-DE" smtClean="0"/>
               <a:pPr/>
-              <a:t>20</a:t>
+              <a:t>21</a:t>
             </a:fld>
             <a:endParaRPr lang="de-DE"/>
           </a:p>
@@ -15369,7 +15597,7 @@
     </p:spTree>
     <p:extLst>
       <p:ext uri="{BB962C8B-B14F-4D97-AF65-F5344CB8AC3E}">
-        <p14:creationId xmlns:p14="http://schemas.microsoft.com/office/powerpoint/2010/main" val="3860156319"/>
+        <p14:creationId xmlns:p14="http://schemas.microsoft.com/office/powerpoint/2010/main" val="457143516"/>
       </p:ext>
     </p:extLst>
   </p:cSld>
@@ -15379,7 +15607,7 @@
 </p:sld>
 </file>
 
-<file path=ppt/slides/slide21.xml><?xml version="1.0" encoding="utf-8"?>
+<file path=ppt/slides/slide22.xml><?xml version="1.0" encoding="utf-8"?>
 <p:sld xmlns:a="http://schemas.openxmlformats.org/drawingml/2006/main" xmlns:r="http://schemas.openxmlformats.org/officeDocument/2006/relationships" xmlns:p="http://schemas.openxmlformats.org/presentationml/2006/main">
   <p:cSld>
     <p:spTree>
@@ -15417,6 +15645,24 @@
           <a:bodyPr/>
           <a:lstStyle/>
           <a:p>
+            <a:r>
+              <a:rPr lang="en-GB" dirty="0"/>
+              <a:t>Renewable power generation</a:t>
+            </a:r>
+          </a:p>
+          <a:p>
+            <a:r>
+              <a:rPr lang="en-GB" dirty="0"/>
+              <a:t>Power consumption</a:t>
+            </a:r>
+          </a:p>
+          <a:p>
+            <a:r>
+              <a:rPr lang="en-GB" dirty="0"/>
+              <a:t>Charging/discharging demands</a:t>
+            </a:r>
+          </a:p>
+          <a:p>
             <a:endParaRPr lang="en-GB" dirty="0"/>
           </a:p>
         </p:txBody>
@@ -15449,7 +15695,7 @@
           <a:p>
             <a:r>
               <a:rPr lang="en-GB" dirty="0"/>
-              <a:t>Assumptions</a:t>
+              <a:t>Uncertainty</a:t>
             </a:r>
           </a:p>
         </p:txBody>
@@ -15478,7 +15724,7 @@
             <a:fld id="{CE58CB1E-F828-4F11-99E0-327109AF9DA4}" type="slidenum">
               <a:rPr lang="de-DE" smtClean="0"/>
               <a:pPr/>
-              <a:t>21</a:t>
+              <a:t>22</a:t>
             </a:fld>
             <a:endParaRPr lang="de-DE"/>
           </a:p>
@@ -15659,7 +15905,7 @@
     </p:spTree>
     <p:extLst>
       <p:ext uri="{BB962C8B-B14F-4D97-AF65-F5344CB8AC3E}">
-        <p14:creationId xmlns:p14="http://schemas.microsoft.com/office/powerpoint/2010/main" val="3509784463"/>
+        <p14:creationId xmlns:p14="http://schemas.microsoft.com/office/powerpoint/2010/main" val="3860156319"/>
       </p:ext>
     </p:extLst>
   </p:cSld>
@@ -15669,7 +15915,7 @@
 </p:sld>
 </file>
 
-<file path=ppt/slides/slide22.xml><?xml version="1.0" encoding="utf-8"?>
+<file path=ppt/slides/slide23.xml><?xml version="1.0" encoding="utf-8"?>
 <p:sld xmlns:a="http://schemas.openxmlformats.org/drawingml/2006/main" xmlns:r="http://schemas.openxmlformats.org/officeDocument/2006/relationships" xmlns:p="http://schemas.openxmlformats.org/presentationml/2006/main">
   <p:cSld>
     <p:spTree>
@@ -15739,13 +15985,8 @@
           <a:p>
             <a:r>
               <a:rPr lang="en-GB" dirty="0"/>
-              <a:t>Neural Network </a:t>
-            </a:r>
-            <a:r>
-              <a:rPr lang="en-GB" dirty="0" err="1"/>
-              <a:t>Architechture</a:t>
-            </a:r>
-            <a:endParaRPr lang="en-GB" dirty="0"/>
+              <a:t>Assumptions</a:t>
+            </a:r>
           </a:p>
         </p:txBody>
       </p:sp>
@@ -15773,7 +16014,7 @@
             <a:fld id="{CE58CB1E-F828-4F11-99E0-327109AF9DA4}" type="slidenum">
               <a:rPr lang="de-DE" smtClean="0"/>
               <a:pPr/>
-              <a:t>22</a:t>
+              <a:t>23</a:t>
             </a:fld>
             <a:endParaRPr lang="de-DE"/>
           </a:p>
@@ -15954,7 +16195,7 @@
     </p:spTree>
     <p:extLst>
       <p:ext uri="{BB962C8B-B14F-4D97-AF65-F5344CB8AC3E}">
-        <p14:creationId xmlns:p14="http://schemas.microsoft.com/office/powerpoint/2010/main" val="471611025"/>
+        <p14:creationId xmlns:p14="http://schemas.microsoft.com/office/powerpoint/2010/main" val="3509784463"/>
       </p:ext>
     </p:extLst>
   </p:cSld>
@@ -15964,7 +16205,7 @@
 </p:sld>
 </file>
 
-<file path=ppt/slides/slide23.xml><?xml version="1.0" encoding="utf-8"?>
+<file path=ppt/slides/slide24.xml><?xml version="1.0" encoding="utf-8"?>
 <p:sld xmlns:a="http://schemas.openxmlformats.org/drawingml/2006/main" xmlns:r="http://schemas.openxmlformats.org/officeDocument/2006/relationships" xmlns:p="http://schemas.openxmlformats.org/presentationml/2006/main">
   <p:cSld>
     <p:spTree>
@@ -16034,8 +16275,13 @@
           <a:p>
             <a:r>
               <a:rPr lang="en-GB" dirty="0"/>
-              <a:t>Training Performance</a:t>
-            </a:r>
+              <a:t>Neural Network </a:t>
+            </a:r>
+            <a:r>
+              <a:rPr lang="en-GB" dirty="0" err="1"/>
+              <a:t>Architechture</a:t>
+            </a:r>
+            <a:endParaRPr lang="en-GB" dirty="0"/>
           </a:p>
         </p:txBody>
       </p:sp>
@@ -16063,7 +16309,7 @@
             <a:fld id="{CE58CB1E-F828-4F11-99E0-327109AF9DA4}" type="slidenum">
               <a:rPr lang="de-DE" smtClean="0"/>
               <a:pPr/>
-              <a:t>23</a:t>
+              <a:t>24</a:t>
             </a:fld>
             <a:endParaRPr lang="de-DE"/>
           </a:p>
@@ -16244,7 +16490,7 @@
     </p:spTree>
     <p:extLst>
       <p:ext uri="{BB962C8B-B14F-4D97-AF65-F5344CB8AC3E}">
-        <p14:creationId xmlns:p14="http://schemas.microsoft.com/office/powerpoint/2010/main" val="3279206508"/>
+        <p14:creationId xmlns:p14="http://schemas.microsoft.com/office/powerpoint/2010/main" val="471611025"/>
       </p:ext>
     </p:extLst>
   </p:cSld>
@@ -16254,7 +16500,7 @@
 </p:sld>
 </file>
 
-<file path=ppt/slides/slide3.xml><?xml version="1.0" encoding="utf-8"?>
+<file path=ppt/slides/slide25.xml><?xml version="1.0" encoding="utf-8"?>
 <p:sld xmlns:a="http://schemas.openxmlformats.org/drawingml/2006/main" xmlns:r="http://schemas.openxmlformats.org/officeDocument/2006/relationships" xmlns:p="http://schemas.openxmlformats.org/presentationml/2006/main">
   <p:cSld>
     <p:spTree>
@@ -16273,10 +16519,35 @@
       </p:grpSpPr>
       <p:sp>
         <p:nvSpPr>
-          <p:cNvPr id="2" name="Title 1">
+          <p:cNvPr id="2" name="Content Placeholder 1">
             <a:extLst>
               <a:ext uri="{FF2B5EF4-FFF2-40B4-BE49-F238E27FC236}">
-                <a16:creationId xmlns:a16="http://schemas.microsoft.com/office/drawing/2014/main" id="{66412E80-5070-1AA4-D008-83732B8F4CDA}"/>
+                <a16:creationId xmlns:a16="http://schemas.microsoft.com/office/drawing/2014/main" id="{1CD2F961-05C2-522B-39A1-74AEFCB64A51}"/>
+              </a:ext>
+            </a:extLst>
+          </p:cNvPr>
+          <p:cNvSpPr>
+            <a:spLocks noGrp="1"/>
+          </p:cNvSpPr>
+          <p:nvPr>
+            <p:ph idx="1"/>
+          </p:nvPr>
+        </p:nvSpPr>
+        <p:spPr/>
+        <p:txBody>
+          <a:bodyPr/>
+          <a:lstStyle/>
+          <a:p>
+            <a:endParaRPr lang="en-GB" dirty="0"/>
+          </a:p>
+        </p:txBody>
+      </p:sp>
+      <p:sp>
+        <p:nvSpPr>
+          <p:cNvPr id="3" name="Title 2">
+            <a:extLst>
+              <a:ext uri="{FF2B5EF4-FFF2-40B4-BE49-F238E27FC236}">
+                <a16:creationId xmlns:a16="http://schemas.microsoft.com/office/drawing/2014/main" id="{330A6640-DCB1-B2DE-7DF0-B33552471931}"/>
               </a:ext>
             </a:extLst>
           </p:cNvPr>
@@ -16299,97 +16570,7 @@
           <a:p>
             <a:r>
               <a:rPr lang="en-GB" dirty="0"/>
-              <a:t>Background</a:t>
-            </a:r>
-          </a:p>
-        </p:txBody>
-      </p:sp>
-    </p:spTree>
-    <p:extLst>
-      <p:ext uri="{BB962C8B-B14F-4D97-AF65-F5344CB8AC3E}">
-        <p14:creationId xmlns:p14="http://schemas.microsoft.com/office/powerpoint/2010/main" val="4148902536"/>
-      </p:ext>
-    </p:extLst>
-  </p:cSld>
-  <p:clrMapOvr>
-    <a:masterClrMapping/>
-  </p:clrMapOvr>
-</p:sld>
-</file>
-
-<file path=ppt/slides/slide4.xml><?xml version="1.0" encoding="utf-8"?>
-<p:sld xmlns:a="http://schemas.openxmlformats.org/drawingml/2006/main" xmlns:r="http://schemas.openxmlformats.org/officeDocument/2006/relationships" xmlns:p="http://schemas.openxmlformats.org/presentationml/2006/main">
-  <p:cSld>
-    <p:spTree>
-      <p:nvGrpSpPr>
-        <p:cNvPr id="1" name=""/>
-        <p:cNvGrpSpPr/>
-        <p:nvPr/>
-      </p:nvGrpSpPr>
-      <p:grpSpPr>
-        <a:xfrm>
-          <a:off x="0" y="0"/>
-          <a:ext cx="0" cy="0"/>
-          <a:chOff x="0" y="0"/>
-          <a:chExt cx="0" cy="0"/>
-        </a:xfrm>
-      </p:grpSpPr>
-      <p:sp>
-        <p:nvSpPr>
-          <p:cNvPr id="2" name="Content Placeholder 1">
-            <a:extLst>
-              <a:ext uri="{FF2B5EF4-FFF2-40B4-BE49-F238E27FC236}">
-                <a16:creationId xmlns:a16="http://schemas.microsoft.com/office/drawing/2014/main" id="{59620150-C1C5-A784-7661-12BD8178387F}"/>
-              </a:ext>
-            </a:extLst>
-          </p:cNvPr>
-          <p:cNvSpPr>
-            <a:spLocks noGrp="1"/>
-          </p:cNvSpPr>
-          <p:nvPr>
-            <p:ph idx="1"/>
-          </p:nvPr>
-        </p:nvSpPr>
-        <p:spPr>
-          <a:xfrm>
-            <a:off x="319090" y="1704507"/>
-            <a:ext cx="8508999" cy="2991318"/>
-          </a:xfrm>
-        </p:spPr>
-        <p:txBody>
-          <a:bodyPr/>
-          <a:lstStyle/>
-          <a:p>
-            <a:r>
-              <a:rPr lang="en-GB" dirty="0"/>
-              <a:t>Talk about current power grid challenges:</a:t>
-            </a:r>
-          </a:p>
-          <a:p>
-            <a:pPr marL="342900" indent="-342900">
-              <a:buAutoNum type="arabicPeriod"/>
-            </a:pPr>
-            <a:r>
-              <a:rPr lang="en-GB" dirty="0"/>
-              <a:t>Integration of Renewable energy</a:t>
-            </a:r>
-          </a:p>
-          <a:p>
-            <a:pPr marL="342900" indent="-342900">
-              <a:buAutoNum type="arabicPeriod"/>
-            </a:pPr>
-            <a:r>
-              <a:rPr lang="en-GB" dirty="0"/>
-              <a:t>Increasing overall power consumption</a:t>
-            </a:r>
-          </a:p>
-          <a:p>
-            <a:pPr marL="342900" indent="-342900">
-              <a:buAutoNum type="arabicPeriod"/>
-            </a:pPr>
-            <a:r>
-              <a:rPr lang="en-GB" dirty="0"/>
-              <a:t>Increasing power consumption from EV</a:t>
+              <a:t>Training Performance</a:t>
             </a:r>
           </a:p>
         </p:txBody>
@@ -16399,7 +16580,7 @@
           <p:cNvPr id="4" name="Slide Number Placeholder 3">
             <a:extLst>
               <a:ext uri="{FF2B5EF4-FFF2-40B4-BE49-F238E27FC236}">
-                <a16:creationId xmlns:a16="http://schemas.microsoft.com/office/drawing/2014/main" id="{635D27B6-C60E-B825-3BF8-5231FF2153E6}"/>
+                <a16:creationId xmlns:a16="http://schemas.microsoft.com/office/drawing/2014/main" id="{72D8B1F9-D91A-D57A-9DA1-037B38FF2C3C}"/>
               </a:ext>
             </a:extLst>
           </p:cNvPr>
@@ -16418,7 +16599,7 @@
             <a:fld id="{CE58CB1E-F828-4F11-99E0-327109AF9DA4}" type="slidenum">
               <a:rPr lang="de-DE" smtClean="0"/>
               <a:pPr/>
-              <a:t>4</a:t>
+              <a:t>25</a:t>
             </a:fld>
             <a:endParaRPr lang="de-DE"/>
           </a:p>
@@ -16426,158 +16607,10 @@
       </p:sp>
       <p:sp>
         <p:nvSpPr>
-          <p:cNvPr id="7" name="Pentagon 19">
+          <p:cNvPr id="6" name="Fußzeilenplatzhalter 4">
             <a:extLst>
               <a:ext uri="{FF2B5EF4-FFF2-40B4-BE49-F238E27FC236}">
-                <a16:creationId xmlns:a16="http://schemas.microsoft.com/office/drawing/2014/main" id="{CF556683-D812-99F5-CBE2-BF4CC08D2938}"/>
-              </a:ext>
-            </a:extLst>
-          </p:cNvPr>
-          <p:cNvSpPr/>
-          <p:nvPr/>
-        </p:nvSpPr>
-        <p:spPr bwMode="auto">
-          <a:xfrm>
-            <a:off x="0" y="223416"/>
-            <a:ext cx="1655556" cy="426446"/>
-          </a:xfrm>
-          <a:prstGeom prst="homePlate">
-            <a:avLst/>
-          </a:prstGeom>
-          <a:solidFill>
-            <a:srgbClr val="0070C0"/>
-          </a:solidFill>
-          <a:ln w="9525" cap="flat" cmpd="sng" algn="ctr">
-            <a:noFill/>
-            <a:prstDash val="solid"/>
-            <a:round/>
-            <a:headEnd type="none" w="med" len="med"/>
-            <a:tailEnd type="none" w="med" len="med"/>
-          </a:ln>
-          <a:effectLst/>
-        </p:spPr>
-        <p:txBody>
-          <a:bodyPr rot="0" spcFirstLastPara="0" vertOverflow="overflow" horzOverflow="overflow" vert="horz" wrap="square" lIns="91440" tIns="45720" rIns="91440" bIns="45720" numCol="1" spcCol="0" rtlCol="0" fromWordArt="0" anchor="ctr" anchorCtr="0" forceAA="0" compatLnSpc="1">
-            <a:prstTxWarp prst="textNoShape">
-              <a:avLst/>
-            </a:prstTxWarp>
-            <a:noAutofit/>
-          </a:bodyPr>
-          <a:lstStyle/>
-          <a:p>
-            <a:pPr marL="0" marR="0" indent="0" algn="ctr" defTabSz="914400" rtl="0" eaLnBrk="0" fontAlgn="base" latinLnBrk="0" hangingPunct="0">
-              <a:lnSpc>
-                <a:spcPct val="100000"/>
-              </a:lnSpc>
-              <a:spcBef>
-                <a:spcPct val="0"/>
-              </a:spcBef>
-              <a:spcAft>
-                <a:spcPct val="0"/>
-              </a:spcAft>
-              <a:buClrTx/>
-              <a:buSzTx/>
-              <a:buFontTx/>
-              <a:buNone/>
-              <a:tabLst/>
-            </a:pPr>
-            <a:r>
-              <a:rPr kumimoji="0" lang="en-GB" sz="1400" b="0" i="0" u="none" strike="noStrike" cap="none" normalizeH="0" baseline="0" dirty="0">
-                <a:ln>
-                  <a:noFill/>
-                </a:ln>
-                <a:solidFill>
-                  <a:schemeClr val="bg1"/>
-                </a:solidFill>
-                <a:effectLst/>
-                <a:latin typeface="Helvetica Neue" charset="0"/>
-              </a:rPr>
-              <a:t>Background</a:t>
-            </a:r>
-          </a:p>
-        </p:txBody>
-      </p:sp>
-      <p:sp>
-        <p:nvSpPr>
-          <p:cNvPr id="8" name="Chevron 21">
-            <a:extLst>
-              <a:ext uri="{FF2B5EF4-FFF2-40B4-BE49-F238E27FC236}">
-                <a16:creationId xmlns:a16="http://schemas.microsoft.com/office/drawing/2014/main" id="{79C86842-17AA-F194-1F05-686FB27F1768}"/>
-              </a:ext>
-            </a:extLst>
-          </p:cNvPr>
-          <p:cNvSpPr/>
-          <p:nvPr/>
-        </p:nvSpPr>
-        <p:spPr bwMode="auto">
-          <a:xfrm>
-            <a:off x="1352574" y="223416"/>
-            <a:ext cx="1655556" cy="426446"/>
-          </a:xfrm>
-          <a:prstGeom prst="chevron">
-            <a:avLst/>
-          </a:prstGeom>
-          <a:solidFill>
-            <a:schemeClr val="bg1">
-              <a:lumMod val="95000"/>
-            </a:schemeClr>
-          </a:solidFill>
-          <a:ln w="9525" cap="flat" cmpd="sng" algn="ctr">
-            <a:noFill/>
-            <a:prstDash val="solid"/>
-            <a:round/>
-            <a:headEnd type="none" w="med" len="med"/>
-            <a:tailEnd type="none" w="med" len="med"/>
-          </a:ln>
-          <a:effectLst/>
-        </p:spPr>
-        <p:txBody>
-          <a:bodyPr rot="0" spcFirstLastPara="0" vertOverflow="overflow" horzOverflow="overflow" vert="horz" wrap="square" lIns="91440" tIns="45720" rIns="91440" bIns="45720" numCol="1" spcCol="0" rtlCol="0" fromWordArt="0" anchor="ctr" anchorCtr="0" forceAA="0" compatLnSpc="1">
-            <a:prstTxWarp prst="textNoShape">
-              <a:avLst/>
-            </a:prstTxWarp>
-            <a:noAutofit/>
-          </a:bodyPr>
-          <a:lstStyle/>
-          <a:p>
-            <a:pPr marL="0" marR="0" indent="0" algn="ctr" defTabSz="914400" rtl="0" eaLnBrk="0" fontAlgn="base" latinLnBrk="0" hangingPunct="0">
-              <a:lnSpc>
-                <a:spcPct val="100000"/>
-              </a:lnSpc>
-              <a:spcBef>
-                <a:spcPct val="0"/>
-              </a:spcBef>
-              <a:spcAft>
-                <a:spcPct val="0"/>
-              </a:spcAft>
-              <a:buClrTx/>
-              <a:buSzTx/>
-              <a:buFontTx/>
-              <a:buNone/>
-              <a:tabLst/>
-            </a:pPr>
-            <a:r>
-              <a:rPr kumimoji="0" lang="en-GB" sz="1400" b="0" i="0" u="none" strike="noStrike" cap="none" normalizeH="0" baseline="0" dirty="0">
-                <a:ln>
-                  <a:noFill/>
-                </a:ln>
-                <a:solidFill>
-                  <a:schemeClr val="bg1"/>
-                </a:solidFill>
-                <a:effectLst/>
-                <a:latin typeface="Helvetica Neue" charset="0"/>
-              </a:rPr>
-              <a:t>Problem Formulation</a:t>
-            </a:r>
-          </a:p>
-        </p:txBody>
-      </p:sp>
-      <p:sp>
-        <p:nvSpPr>
-          <p:cNvPr id="11" name="Fußzeilenplatzhalter 4">
-            <a:extLst>
-              <a:ext uri="{FF2B5EF4-FFF2-40B4-BE49-F238E27FC236}">
-                <a16:creationId xmlns:a16="http://schemas.microsoft.com/office/drawing/2014/main" id="{36A10820-5156-9626-3090-35B7CE1964D2}"/>
+                <a16:creationId xmlns:a16="http://schemas.microsoft.com/office/drawing/2014/main" id="{9B4DF47D-2ED0-EAD2-B1B0-96A4301B23FE}"/>
               </a:ext>
             </a:extLst>
           </p:cNvPr>
@@ -16744,12 +16777,42 @@
           </a:p>
         </p:txBody>
       </p:sp>
-      <p:sp>
-        <p:nvSpPr>
-          <p:cNvPr id="15" name="Title 14">
+    </p:spTree>
+    <p:extLst>
+      <p:ext uri="{BB962C8B-B14F-4D97-AF65-F5344CB8AC3E}">
+        <p14:creationId xmlns:p14="http://schemas.microsoft.com/office/powerpoint/2010/main" val="3279206508"/>
+      </p:ext>
+    </p:extLst>
+  </p:cSld>
+  <p:clrMapOvr>
+    <a:masterClrMapping/>
+  </p:clrMapOvr>
+</p:sld>
+</file>
+
+<file path=ppt/slides/slide3.xml><?xml version="1.0" encoding="utf-8"?>
+<p:sld xmlns:a="http://schemas.openxmlformats.org/drawingml/2006/main" xmlns:r="http://schemas.openxmlformats.org/officeDocument/2006/relationships" xmlns:p="http://schemas.openxmlformats.org/presentationml/2006/main">
+  <p:cSld>
+    <p:spTree>
+      <p:nvGrpSpPr>
+        <p:cNvPr id="1" name=""/>
+        <p:cNvGrpSpPr/>
+        <p:nvPr/>
+      </p:nvGrpSpPr>
+      <p:grpSpPr>
+        <a:xfrm>
+          <a:off x="0" y="0"/>
+          <a:ext cx="0" cy="0"/>
+          <a:chOff x="0" y="0"/>
+          <a:chExt cx="0" cy="0"/>
+        </a:xfrm>
+      </p:grpSpPr>
+      <p:sp>
+        <p:nvSpPr>
+          <p:cNvPr id="2" name="Title 1">
             <a:extLst>
               <a:ext uri="{FF2B5EF4-FFF2-40B4-BE49-F238E27FC236}">
-                <a16:creationId xmlns:a16="http://schemas.microsoft.com/office/drawing/2014/main" id="{24684729-02E9-1C59-9856-A4E3F44A6C56}"/>
+                <a16:creationId xmlns:a16="http://schemas.microsoft.com/office/drawing/2014/main" id="{66412E80-5070-1AA4-D008-83732B8F4CDA}"/>
               </a:ext>
             </a:extLst>
           </p:cNvPr>
@@ -16760,21 +16823,149 @@
             <p:ph type="title"/>
           </p:nvPr>
         </p:nvSpPr>
-        <p:spPr/>
+        <p:spPr>
+          <a:xfrm>
+            <a:off x="319090" y="972000"/>
+            <a:ext cx="8508999" cy="380745"/>
+          </a:xfrm>
+        </p:spPr>
         <p:txBody>
           <a:bodyPr/>
           <a:lstStyle/>
           <a:p>
-            <a:endParaRPr lang="en-GB" dirty="0"/>
-          </a:p>
-        </p:txBody>
-      </p:sp>
-      <p:sp>
-        <p:nvSpPr>
-          <p:cNvPr id="17" name="Chevron 21">
+            <a:r>
+              <a:rPr lang="en-GB" dirty="0"/>
+              <a:t>Background</a:t>
+            </a:r>
+          </a:p>
+        </p:txBody>
+      </p:sp>
+    </p:spTree>
+    <p:extLst>
+      <p:ext uri="{BB962C8B-B14F-4D97-AF65-F5344CB8AC3E}">
+        <p14:creationId xmlns:p14="http://schemas.microsoft.com/office/powerpoint/2010/main" val="4148902536"/>
+      </p:ext>
+    </p:extLst>
+  </p:cSld>
+  <p:clrMapOvr>
+    <a:masterClrMapping/>
+  </p:clrMapOvr>
+</p:sld>
+</file>
+
+<file path=ppt/slides/slide4.xml><?xml version="1.0" encoding="utf-8"?>
+<p:sld xmlns:a="http://schemas.openxmlformats.org/drawingml/2006/main" xmlns:r="http://schemas.openxmlformats.org/officeDocument/2006/relationships" xmlns:p="http://schemas.openxmlformats.org/presentationml/2006/main">
+  <p:cSld>
+    <p:spTree>
+      <p:nvGrpSpPr>
+        <p:cNvPr id="1" name=""/>
+        <p:cNvGrpSpPr/>
+        <p:nvPr/>
+      </p:nvGrpSpPr>
+      <p:grpSpPr>
+        <a:xfrm>
+          <a:off x="0" y="0"/>
+          <a:ext cx="0" cy="0"/>
+          <a:chOff x="0" y="0"/>
+          <a:chExt cx="0" cy="0"/>
+        </a:xfrm>
+      </p:grpSpPr>
+      <p:sp>
+        <p:nvSpPr>
+          <p:cNvPr id="2" name="Content Placeholder 1">
             <a:extLst>
               <a:ext uri="{FF2B5EF4-FFF2-40B4-BE49-F238E27FC236}">
-                <a16:creationId xmlns:a16="http://schemas.microsoft.com/office/drawing/2014/main" id="{70F7EE6D-C8D4-7150-2902-3E776F72A5D4}"/>
+                <a16:creationId xmlns:a16="http://schemas.microsoft.com/office/drawing/2014/main" id="{59620150-C1C5-A784-7661-12BD8178387F}"/>
+              </a:ext>
+            </a:extLst>
+          </p:cNvPr>
+          <p:cNvSpPr>
+            <a:spLocks noGrp="1"/>
+          </p:cNvSpPr>
+          <p:nvPr>
+            <p:ph idx="1"/>
+          </p:nvPr>
+        </p:nvSpPr>
+        <p:spPr>
+          <a:xfrm>
+            <a:off x="319090" y="1704507"/>
+            <a:ext cx="8508999" cy="2991318"/>
+          </a:xfrm>
+        </p:spPr>
+        <p:txBody>
+          <a:bodyPr/>
+          <a:lstStyle/>
+          <a:p>
+            <a:r>
+              <a:rPr lang="en-GB" dirty="0"/>
+              <a:t>Talk about current power grid challenges:</a:t>
+            </a:r>
+          </a:p>
+          <a:p>
+            <a:pPr marL="342900" indent="-342900">
+              <a:buAutoNum type="arabicPeriod"/>
+            </a:pPr>
+            <a:r>
+              <a:rPr lang="en-GB" dirty="0"/>
+              <a:t>Integration of Renewable energy</a:t>
+            </a:r>
+          </a:p>
+          <a:p>
+            <a:pPr marL="342900" indent="-342900">
+              <a:buAutoNum type="arabicPeriod"/>
+            </a:pPr>
+            <a:r>
+              <a:rPr lang="en-GB" dirty="0"/>
+              <a:t>Increasing overall power consumption</a:t>
+            </a:r>
+          </a:p>
+          <a:p>
+            <a:pPr marL="342900" indent="-342900">
+              <a:buAutoNum type="arabicPeriod"/>
+            </a:pPr>
+            <a:r>
+              <a:rPr lang="en-GB" dirty="0"/>
+              <a:t>Increasing power consumption from EV</a:t>
+            </a:r>
+          </a:p>
+        </p:txBody>
+      </p:sp>
+      <p:sp>
+        <p:nvSpPr>
+          <p:cNvPr id="4" name="Slide Number Placeholder 3">
+            <a:extLst>
+              <a:ext uri="{FF2B5EF4-FFF2-40B4-BE49-F238E27FC236}">
+                <a16:creationId xmlns:a16="http://schemas.microsoft.com/office/drawing/2014/main" id="{635D27B6-C60E-B825-3BF8-5231FF2153E6}"/>
+              </a:ext>
+            </a:extLst>
+          </p:cNvPr>
+          <p:cNvSpPr>
+            <a:spLocks noGrp="1"/>
+          </p:cNvSpPr>
+          <p:nvPr>
+            <p:ph type="sldNum" sz="quarter" idx="11"/>
+          </p:nvPr>
+        </p:nvSpPr>
+        <p:spPr/>
+        <p:txBody>
+          <a:bodyPr/>
+          <a:lstStyle/>
+          <a:p>
+            <a:fld id="{CE58CB1E-F828-4F11-99E0-327109AF9DA4}" type="slidenum">
+              <a:rPr lang="de-DE" smtClean="0"/>
+              <a:pPr/>
+              <a:t>4</a:t>
+            </a:fld>
+            <a:endParaRPr lang="de-DE"/>
+          </a:p>
+        </p:txBody>
+      </p:sp>
+      <p:sp>
+        <p:nvSpPr>
+          <p:cNvPr id="7" name="Pentagon 19">
+            <a:extLst>
+              <a:ext uri="{FF2B5EF4-FFF2-40B4-BE49-F238E27FC236}">
+                <a16:creationId xmlns:a16="http://schemas.microsoft.com/office/drawing/2014/main" id="{CF556683-D812-99F5-CBE2-BF4CC08D2938}"/>
               </a:ext>
             </a:extLst>
           </p:cNvPr>
@@ -16783,16 +16974,14 @@
         </p:nvSpPr>
         <p:spPr bwMode="auto">
           <a:xfrm>
-            <a:off x="2705148" y="223416"/>
+            <a:off x="0" y="195135"/>
             <a:ext cx="1655556" cy="426446"/>
           </a:xfrm>
-          <a:prstGeom prst="chevron">
+          <a:prstGeom prst="homePlate">
             <a:avLst/>
           </a:prstGeom>
           <a:solidFill>
-            <a:schemeClr val="bg1">
-              <a:lumMod val="95000"/>
-            </a:schemeClr>
+            <a:srgbClr val="0070C0"/>
           </a:solidFill>
           <a:ln w="9525" cap="flat" cmpd="sng" algn="ctr">
             <a:noFill/>
@@ -16839,17 +17028,17 @@
                 <a:effectLst/>
                 <a:latin typeface="Helvetica Neue" charset="0"/>
               </a:rPr>
-              <a:t>Literature Review</a:t>
-            </a:r>
-          </a:p>
-        </p:txBody>
-      </p:sp>
-      <p:sp>
-        <p:nvSpPr>
-          <p:cNvPr id="18" name="Chevron 21">
+              <a:t>Background</a:t>
+            </a:r>
+          </a:p>
+        </p:txBody>
+      </p:sp>
+      <p:sp>
+        <p:nvSpPr>
+          <p:cNvPr id="8" name="Chevron 21">
             <a:extLst>
               <a:ext uri="{FF2B5EF4-FFF2-40B4-BE49-F238E27FC236}">
-                <a16:creationId xmlns:a16="http://schemas.microsoft.com/office/drawing/2014/main" id="{78B2D0C4-94F0-1C9B-87BF-3921FC9065AE}"/>
+                <a16:creationId xmlns:a16="http://schemas.microsoft.com/office/drawing/2014/main" id="{79C86842-17AA-F194-1F05-686FB27F1768}"/>
               </a:ext>
             </a:extLst>
           </p:cNvPr>
@@ -16858,7 +17047,7 @@
         </p:nvSpPr>
         <p:spPr bwMode="auto">
           <a:xfrm>
-            <a:off x="4157299" y="223416"/>
+            <a:off x="1352574" y="195135"/>
             <a:ext cx="1655556" cy="426446"/>
           </a:xfrm>
           <a:prstGeom prst="chevron">
@@ -16914,130 +17103,17 @@
                 <a:effectLst/>
                 <a:latin typeface="Helvetica Neue" charset="0"/>
               </a:rPr>
-              <a:t>Methodology</a:t>
-            </a:r>
-          </a:p>
-        </p:txBody>
-      </p:sp>
-    </p:spTree>
-    <p:extLst>
-      <p:ext uri="{BB962C8B-B14F-4D97-AF65-F5344CB8AC3E}">
-        <p14:creationId xmlns:p14="http://schemas.microsoft.com/office/powerpoint/2010/main" val="205001959"/>
-      </p:ext>
-    </p:extLst>
-  </p:cSld>
-  <p:clrMapOvr>
-    <a:masterClrMapping/>
-  </p:clrMapOvr>
-</p:sld>
-</file>
-
-<file path=ppt/slides/slide5.xml><?xml version="1.0" encoding="utf-8"?>
-<p:sld xmlns:a="http://schemas.openxmlformats.org/drawingml/2006/main" xmlns:r="http://schemas.openxmlformats.org/officeDocument/2006/relationships" xmlns:p="http://schemas.openxmlformats.org/presentationml/2006/main">
-  <p:cSld>
-    <p:spTree>
-      <p:nvGrpSpPr>
-        <p:cNvPr id="1" name=""/>
-        <p:cNvGrpSpPr/>
-        <p:nvPr/>
-      </p:nvGrpSpPr>
-      <p:grpSpPr>
-        <a:xfrm>
-          <a:off x="0" y="0"/>
-          <a:ext cx="0" cy="0"/>
-          <a:chOff x="0" y="0"/>
-          <a:chExt cx="0" cy="0"/>
-        </a:xfrm>
-      </p:grpSpPr>
-      <p:sp>
-        <p:nvSpPr>
-          <p:cNvPr id="2" name="Content Placeholder 1">
+              <a:t>Problem Formulation</a:t>
+            </a:r>
+          </a:p>
+        </p:txBody>
+      </p:sp>
+      <p:sp>
+        <p:nvSpPr>
+          <p:cNvPr id="11" name="Fußzeilenplatzhalter 4">
             <a:extLst>
               <a:ext uri="{FF2B5EF4-FFF2-40B4-BE49-F238E27FC236}">
-                <a16:creationId xmlns:a16="http://schemas.microsoft.com/office/drawing/2014/main" id="{B09F7E02-F7BA-FEAB-86F6-CE7FE5BD723D}"/>
-              </a:ext>
-            </a:extLst>
-          </p:cNvPr>
-          <p:cNvSpPr>
-            <a:spLocks noGrp="1"/>
-          </p:cNvSpPr>
-          <p:nvPr>
-            <p:ph idx="1"/>
-          </p:nvPr>
-        </p:nvSpPr>
-        <p:spPr/>
-        <p:txBody>
-          <a:bodyPr/>
-          <a:lstStyle/>
-          <a:p>
-            <a:r>
-              <a:rPr lang="en-GB" dirty="0"/>
-              <a:t>Who cares about the problem? Why is the problem important for them?</a:t>
-            </a:r>
-          </a:p>
-        </p:txBody>
-      </p:sp>
-      <p:sp>
-        <p:nvSpPr>
-          <p:cNvPr id="3" name="Title 2">
-            <a:extLst>
-              <a:ext uri="{FF2B5EF4-FFF2-40B4-BE49-F238E27FC236}">
-                <a16:creationId xmlns:a16="http://schemas.microsoft.com/office/drawing/2014/main" id="{2205F221-DD06-3596-C330-06FF75A51F0E}"/>
-              </a:ext>
-            </a:extLst>
-          </p:cNvPr>
-          <p:cNvSpPr>
-            <a:spLocks noGrp="1"/>
-          </p:cNvSpPr>
-          <p:nvPr>
-            <p:ph type="title"/>
-          </p:nvPr>
-        </p:nvSpPr>
-        <p:spPr/>
-        <p:txBody>
-          <a:bodyPr/>
-          <a:lstStyle/>
-          <a:p>
-            <a:endParaRPr lang="en-GB"/>
-          </a:p>
-        </p:txBody>
-      </p:sp>
-      <p:sp>
-        <p:nvSpPr>
-          <p:cNvPr id="4" name="Slide Number Placeholder 3">
-            <a:extLst>
-              <a:ext uri="{FF2B5EF4-FFF2-40B4-BE49-F238E27FC236}">
-                <a16:creationId xmlns:a16="http://schemas.microsoft.com/office/drawing/2014/main" id="{8ADBAD59-86BD-1963-3290-00F9E48F5A99}"/>
-              </a:ext>
-            </a:extLst>
-          </p:cNvPr>
-          <p:cNvSpPr>
-            <a:spLocks noGrp="1"/>
-          </p:cNvSpPr>
-          <p:nvPr>
-            <p:ph type="sldNum" sz="quarter" idx="11"/>
-          </p:nvPr>
-        </p:nvSpPr>
-        <p:spPr/>
-        <p:txBody>
-          <a:bodyPr/>
-          <a:lstStyle/>
-          <a:p>
-            <a:fld id="{CE58CB1E-F828-4F11-99E0-327109AF9DA4}" type="slidenum">
-              <a:rPr lang="de-DE" smtClean="0"/>
-              <a:pPr/>
-              <a:t>5</a:t>
-            </a:fld>
-            <a:endParaRPr lang="de-DE"/>
-          </a:p>
-        </p:txBody>
-      </p:sp>
-      <p:sp>
-        <p:nvSpPr>
-          <p:cNvPr id="6" name="Fußzeilenplatzhalter 4">
-            <a:extLst>
-              <a:ext uri="{FF2B5EF4-FFF2-40B4-BE49-F238E27FC236}">
-                <a16:creationId xmlns:a16="http://schemas.microsoft.com/office/drawing/2014/main" id="{BEAD0A3D-D1CA-F119-EBDD-E65080E09F1C}"/>
+                <a16:creationId xmlns:a16="http://schemas.microsoft.com/office/drawing/2014/main" id="{36A10820-5156-9626-3090-35B7CE1964D2}"/>
               </a:ext>
             </a:extLst>
           </p:cNvPr>
@@ -17204,10 +17280,260 @@
           </a:p>
         </p:txBody>
       </p:sp>
+      <p:sp>
+        <p:nvSpPr>
+          <p:cNvPr id="15" name="Title 14">
+            <a:extLst>
+              <a:ext uri="{FF2B5EF4-FFF2-40B4-BE49-F238E27FC236}">
+                <a16:creationId xmlns:a16="http://schemas.microsoft.com/office/drawing/2014/main" id="{24684729-02E9-1C59-9856-A4E3F44A6C56}"/>
+              </a:ext>
+            </a:extLst>
+          </p:cNvPr>
+          <p:cNvSpPr>
+            <a:spLocks noGrp="1"/>
+          </p:cNvSpPr>
+          <p:nvPr>
+            <p:ph type="title"/>
+          </p:nvPr>
+        </p:nvSpPr>
+        <p:spPr/>
+        <p:txBody>
+          <a:bodyPr/>
+          <a:lstStyle/>
+          <a:p>
+            <a:endParaRPr lang="en-GB" dirty="0"/>
+          </a:p>
+        </p:txBody>
+      </p:sp>
+      <p:sp>
+        <p:nvSpPr>
+          <p:cNvPr id="17" name="Chevron 21">
+            <a:extLst>
+              <a:ext uri="{FF2B5EF4-FFF2-40B4-BE49-F238E27FC236}">
+                <a16:creationId xmlns:a16="http://schemas.microsoft.com/office/drawing/2014/main" id="{70F7EE6D-C8D4-7150-2902-3E776F72A5D4}"/>
+              </a:ext>
+            </a:extLst>
+          </p:cNvPr>
+          <p:cNvSpPr/>
+          <p:nvPr/>
+        </p:nvSpPr>
+        <p:spPr bwMode="auto">
+          <a:xfrm>
+            <a:off x="2705148" y="195135"/>
+            <a:ext cx="1655556" cy="426446"/>
+          </a:xfrm>
+          <a:prstGeom prst="chevron">
+            <a:avLst/>
+          </a:prstGeom>
+          <a:solidFill>
+            <a:schemeClr val="bg1">
+              <a:lumMod val="95000"/>
+            </a:schemeClr>
+          </a:solidFill>
+          <a:ln w="9525" cap="flat" cmpd="sng" algn="ctr">
+            <a:noFill/>
+            <a:prstDash val="solid"/>
+            <a:round/>
+            <a:headEnd type="none" w="med" len="med"/>
+            <a:tailEnd type="none" w="med" len="med"/>
+          </a:ln>
+          <a:effectLst/>
+        </p:spPr>
+        <p:txBody>
+          <a:bodyPr rot="0" spcFirstLastPara="0" vertOverflow="overflow" horzOverflow="overflow" vert="horz" wrap="square" lIns="91440" tIns="45720" rIns="91440" bIns="45720" numCol="1" spcCol="0" rtlCol="0" fromWordArt="0" anchor="ctr" anchorCtr="0" forceAA="0" compatLnSpc="1">
+            <a:prstTxWarp prst="textNoShape">
+              <a:avLst/>
+            </a:prstTxWarp>
+            <a:noAutofit/>
+          </a:bodyPr>
+          <a:lstStyle/>
+          <a:p>
+            <a:pPr marL="0" marR="0" indent="0" algn="ctr" defTabSz="914400" rtl="0" eaLnBrk="0" fontAlgn="base" latinLnBrk="0" hangingPunct="0">
+              <a:lnSpc>
+                <a:spcPct val="100000"/>
+              </a:lnSpc>
+              <a:spcBef>
+                <a:spcPct val="0"/>
+              </a:spcBef>
+              <a:spcAft>
+                <a:spcPct val="0"/>
+              </a:spcAft>
+              <a:buClrTx/>
+              <a:buSzTx/>
+              <a:buFontTx/>
+              <a:buNone/>
+              <a:tabLst/>
+            </a:pPr>
+            <a:r>
+              <a:rPr kumimoji="0" lang="en-GB" sz="1400" b="0" i="0" u="none" strike="noStrike" cap="none" normalizeH="0" baseline="0" dirty="0">
+                <a:ln>
+                  <a:noFill/>
+                </a:ln>
+                <a:solidFill>
+                  <a:schemeClr val="bg1"/>
+                </a:solidFill>
+                <a:effectLst/>
+                <a:latin typeface="Helvetica Neue" charset="0"/>
+              </a:rPr>
+              <a:t>Literature Review</a:t>
+            </a:r>
+          </a:p>
+        </p:txBody>
+      </p:sp>
+      <p:sp>
+        <p:nvSpPr>
+          <p:cNvPr id="18" name="Chevron 21">
+            <a:extLst>
+              <a:ext uri="{FF2B5EF4-FFF2-40B4-BE49-F238E27FC236}">
+                <a16:creationId xmlns:a16="http://schemas.microsoft.com/office/drawing/2014/main" id="{78B2D0C4-94F0-1C9B-87BF-3921FC9065AE}"/>
+              </a:ext>
+            </a:extLst>
+          </p:cNvPr>
+          <p:cNvSpPr/>
+          <p:nvPr/>
+        </p:nvSpPr>
+        <p:spPr bwMode="auto">
+          <a:xfrm>
+            <a:off x="4157299" y="195135"/>
+            <a:ext cx="1655556" cy="426446"/>
+          </a:xfrm>
+          <a:prstGeom prst="chevron">
+            <a:avLst/>
+          </a:prstGeom>
+          <a:solidFill>
+            <a:schemeClr val="bg1">
+              <a:lumMod val="95000"/>
+            </a:schemeClr>
+          </a:solidFill>
+          <a:ln w="9525" cap="flat" cmpd="sng" algn="ctr">
+            <a:noFill/>
+            <a:prstDash val="solid"/>
+            <a:round/>
+            <a:headEnd type="none" w="med" len="med"/>
+            <a:tailEnd type="none" w="med" len="med"/>
+          </a:ln>
+          <a:effectLst/>
+        </p:spPr>
+        <p:txBody>
+          <a:bodyPr rot="0" spcFirstLastPara="0" vertOverflow="overflow" horzOverflow="overflow" vert="horz" wrap="square" lIns="91440" tIns="45720" rIns="91440" bIns="45720" numCol="1" spcCol="0" rtlCol="0" fromWordArt="0" anchor="ctr" anchorCtr="0" forceAA="0" compatLnSpc="1">
+            <a:prstTxWarp prst="textNoShape">
+              <a:avLst/>
+            </a:prstTxWarp>
+            <a:noAutofit/>
+          </a:bodyPr>
+          <a:lstStyle/>
+          <a:p>
+            <a:pPr marL="0" marR="0" indent="0" algn="ctr" defTabSz="914400" rtl="0" eaLnBrk="0" fontAlgn="base" latinLnBrk="0" hangingPunct="0">
+              <a:lnSpc>
+                <a:spcPct val="100000"/>
+              </a:lnSpc>
+              <a:spcBef>
+                <a:spcPct val="0"/>
+              </a:spcBef>
+              <a:spcAft>
+                <a:spcPct val="0"/>
+              </a:spcAft>
+              <a:buClrTx/>
+              <a:buSzTx/>
+              <a:buFontTx/>
+              <a:buNone/>
+              <a:tabLst/>
+            </a:pPr>
+            <a:r>
+              <a:rPr kumimoji="0" lang="en-GB" sz="1400" b="0" i="0" u="none" strike="noStrike" cap="none" normalizeH="0" baseline="0" dirty="0">
+                <a:ln>
+                  <a:noFill/>
+                </a:ln>
+                <a:solidFill>
+                  <a:schemeClr val="bg1"/>
+                </a:solidFill>
+                <a:effectLst/>
+                <a:latin typeface="Helvetica Neue" charset="0"/>
+              </a:rPr>
+              <a:t>Methodology</a:t>
+            </a:r>
+          </a:p>
+        </p:txBody>
+      </p:sp>
+      <p:sp>
+        <p:nvSpPr>
+          <p:cNvPr id="3" name="Chevron 21">
+            <a:extLst>
+              <a:ext uri="{FF2B5EF4-FFF2-40B4-BE49-F238E27FC236}">
+                <a16:creationId xmlns:a16="http://schemas.microsoft.com/office/drawing/2014/main" id="{80AF392C-A898-A0D4-6227-55CAE67374DF}"/>
+              </a:ext>
+            </a:extLst>
+          </p:cNvPr>
+          <p:cNvSpPr/>
+          <p:nvPr/>
+        </p:nvSpPr>
+        <p:spPr bwMode="auto">
+          <a:xfrm>
+            <a:off x="5601171" y="195135"/>
+            <a:ext cx="1655556" cy="426446"/>
+          </a:xfrm>
+          <a:prstGeom prst="chevron">
+            <a:avLst/>
+          </a:prstGeom>
+          <a:solidFill>
+            <a:schemeClr val="bg1">
+              <a:lumMod val="95000"/>
+            </a:schemeClr>
+          </a:solidFill>
+          <a:ln w="9525" cap="flat" cmpd="sng" algn="ctr">
+            <a:noFill/>
+            <a:prstDash val="solid"/>
+            <a:round/>
+            <a:headEnd type="none" w="med" len="med"/>
+            <a:tailEnd type="none" w="med" len="med"/>
+          </a:ln>
+          <a:effectLst/>
+        </p:spPr>
+        <p:txBody>
+          <a:bodyPr rot="0" spcFirstLastPara="0" vertOverflow="overflow" horzOverflow="overflow" vert="horz" wrap="square" lIns="91440" tIns="45720" rIns="91440" bIns="45720" numCol="1" spcCol="0" rtlCol="0" fromWordArt="0" anchor="ctr" anchorCtr="0" forceAA="0" compatLnSpc="1">
+            <a:prstTxWarp prst="textNoShape">
+              <a:avLst/>
+            </a:prstTxWarp>
+            <a:noAutofit/>
+          </a:bodyPr>
+          <a:lstStyle/>
+          <a:p>
+            <a:pPr marL="0" marR="0" indent="0" algn="ctr" defTabSz="914400" rtl="0" eaLnBrk="0" fontAlgn="base" latinLnBrk="0" hangingPunct="0">
+              <a:lnSpc>
+                <a:spcPct val="100000"/>
+              </a:lnSpc>
+              <a:spcBef>
+                <a:spcPct val="0"/>
+              </a:spcBef>
+              <a:spcAft>
+                <a:spcPct val="0"/>
+              </a:spcAft>
+              <a:buClrTx/>
+              <a:buSzTx/>
+              <a:buFontTx/>
+              <a:buNone/>
+              <a:tabLst/>
+            </a:pPr>
+            <a:r>
+              <a:rPr kumimoji="0" lang="en-GB" sz="1400" b="0" i="0" u="none" strike="noStrike" cap="none" normalizeH="0" baseline="0" dirty="0">
+                <a:ln>
+                  <a:noFill/>
+                </a:ln>
+                <a:solidFill>
+                  <a:schemeClr val="bg1"/>
+                </a:solidFill>
+                <a:effectLst/>
+                <a:latin typeface="Helvetica Neue" charset="0"/>
+              </a:rPr>
+              <a:t>Outlook</a:t>
+            </a:r>
+          </a:p>
+        </p:txBody>
+      </p:sp>
     </p:spTree>
     <p:extLst>
       <p:ext uri="{BB962C8B-B14F-4D97-AF65-F5344CB8AC3E}">
-        <p14:creationId xmlns:p14="http://schemas.microsoft.com/office/powerpoint/2010/main" val="1765357275"/>
+        <p14:creationId xmlns:p14="http://schemas.microsoft.com/office/powerpoint/2010/main" val="205001959"/>
       </p:ext>
     </p:extLst>
   </p:cSld>
@@ -17217,7 +17543,7 @@
 </p:sld>
 </file>
 
-<file path=ppt/slides/slide6.xml><?xml version="1.0" encoding="utf-8"?>
+<file path=ppt/slides/slide5.xml><?xml version="1.0" encoding="utf-8"?>
 <p:sld xmlns:a="http://schemas.openxmlformats.org/drawingml/2006/main" xmlns:r="http://schemas.openxmlformats.org/officeDocument/2006/relationships" xmlns:p="http://schemas.openxmlformats.org/presentationml/2006/main">
   <p:cSld>
     <p:spTree>
@@ -17236,71 +17562,10 @@
       </p:grpSpPr>
       <p:sp>
         <p:nvSpPr>
-          <p:cNvPr id="2" name="Content Placeholder 1">
-            <a:extLst>
-              <a:ext uri="{FF2B5EF4-FFF2-40B4-BE49-F238E27FC236}">
-                <a16:creationId xmlns:a16="http://schemas.microsoft.com/office/drawing/2014/main" id="{B09F7E02-F7BA-FEAB-86F6-CE7FE5BD723D}"/>
-              </a:ext>
-            </a:extLst>
-          </p:cNvPr>
-          <p:cNvSpPr>
-            <a:spLocks noGrp="1"/>
-          </p:cNvSpPr>
-          <p:nvPr>
-            <p:ph idx="1"/>
-          </p:nvPr>
-        </p:nvSpPr>
-        <p:spPr/>
-        <p:txBody>
-          <a:bodyPr/>
-          <a:lstStyle/>
-          <a:p>
-            <a:r>
-              <a:rPr lang="en-GB" dirty="0"/>
-              <a:t>Possible solutions: mathematical optimization </a:t>
-            </a:r>
-            <a:r>
-              <a:rPr lang="en-GB" dirty="0" err="1"/>
-              <a:t>v.s</a:t>
-            </a:r>
-            <a:r>
-              <a:rPr lang="en-GB" dirty="0"/>
-              <a:t>. reinforcement learning</a:t>
-            </a:r>
-          </a:p>
-        </p:txBody>
-      </p:sp>
-      <p:sp>
-        <p:nvSpPr>
-          <p:cNvPr id="3" name="Title 2">
-            <a:extLst>
-              <a:ext uri="{FF2B5EF4-FFF2-40B4-BE49-F238E27FC236}">
-                <a16:creationId xmlns:a16="http://schemas.microsoft.com/office/drawing/2014/main" id="{2205F221-DD06-3596-C330-06FF75A51F0E}"/>
-              </a:ext>
-            </a:extLst>
-          </p:cNvPr>
-          <p:cNvSpPr>
-            <a:spLocks noGrp="1"/>
-          </p:cNvSpPr>
-          <p:nvPr>
-            <p:ph type="title"/>
-          </p:nvPr>
-        </p:nvSpPr>
-        <p:spPr/>
-        <p:txBody>
-          <a:bodyPr/>
-          <a:lstStyle/>
-          <a:p>
-            <a:endParaRPr lang="en-GB"/>
-          </a:p>
-        </p:txBody>
-      </p:sp>
-      <p:sp>
-        <p:nvSpPr>
           <p:cNvPr id="4" name="Slide Number Placeholder 3">
             <a:extLst>
               <a:ext uri="{FF2B5EF4-FFF2-40B4-BE49-F238E27FC236}">
-                <a16:creationId xmlns:a16="http://schemas.microsoft.com/office/drawing/2014/main" id="{8ADBAD59-86BD-1963-3290-00F9E48F5A99}"/>
+                <a16:creationId xmlns:a16="http://schemas.microsoft.com/office/drawing/2014/main" id="{635D27B6-C60E-B825-3BF8-5231FF2153E6}"/>
               </a:ext>
             </a:extLst>
           </p:cNvPr>
@@ -17319,7 +17584,7 @@
             <a:fld id="{CE58CB1E-F828-4F11-99E0-327109AF9DA4}" type="slidenum">
               <a:rPr lang="de-DE" smtClean="0"/>
               <a:pPr/>
-              <a:t>6</a:t>
+              <a:t>5</a:t>
             </a:fld>
             <a:endParaRPr lang="de-DE"/>
           </a:p>
@@ -17327,10 +17592,158 @@
       </p:sp>
       <p:sp>
         <p:nvSpPr>
-          <p:cNvPr id="6" name="Fußzeilenplatzhalter 4">
+          <p:cNvPr id="7" name="Pentagon 19">
             <a:extLst>
               <a:ext uri="{FF2B5EF4-FFF2-40B4-BE49-F238E27FC236}">
-                <a16:creationId xmlns:a16="http://schemas.microsoft.com/office/drawing/2014/main" id="{B2097AF6-3CCB-F0B5-D176-059CE3D6F2DE}"/>
+                <a16:creationId xmlns:a16="http://schemas.microsoft.com/office/drawing/2014/main" id="{CF556683-D812-99F5-CBE2-BF4CC08D2938}"/>
+              </a:ext>
+            </a:extLst>
+          </p:cNvPr>
+          <p:cNvSpPr/>
+          <p:nvPr/>
+        </p:nvSpPr>
+        <p:spPr bwMode="auto">
+          <a:xfrm>
+            <a:off x="0" y="195135"/>
+            <a:ext cx="1655556" cy="426446"/>
+          </a:xfrm>
+          <a:prstGeom prst="homePlate">
+            <a:avLst/>
+          </a:prstGeom>
+          <a:solidFill>
+            <a:srgbClr val="0070C0"/>
+          </a:solidFill>
+          <a:ln w="9525" cap="flat" cmpd="sng" algn="ctr">
+            <a:noFill/>
+            <a:prstDash val="solid"/>
+            <a:round/>
+            <a:headEnd type="none" w="med" len="med"/>
+            <a:tailEnd type="none" w="med" len="med"/>
+          </a:ln>
+          <a:effectLst/>
+        </p:spPr>
+        <p:txBody>
+          <a:bodyPr rot="0" spcFirstLastPara="0" vertOverflow="overflow" horzOverflow="overflow" vert="horz" wrap="square" lIns="91440" tIns="45720" rIns="91440" bIns="45720" numCol="1" spcCol="0" rtlCol="0" fromWordArt="0" anchor="ctr" anchorCtr="0" forceAA="0" compatLnSpc="1">
+            <a:prstTxWarp prst="textNoShape">
+              <a:avLst/>
+            </a:prstTxWarp>
+            <a:noAutofit/>
+          </a:bodyPr>
+          <a:lstStyle/>
+          <a:p>
+            <a:pPr marL="0" marR="0" indent="0" algn="ctr" defTabSz="914400" rtl="0" eaLnBrk="0" fontAlgn="base" latinLnBrk="0" hangingPunct="0">
+              <a:lnSpc>
+                <a:spcPct val="100000"/>
+              </a:lnSpc>
+              <a:spcBef>
+                <a:spcPct val="0"/>
+              </a:spcBef>
+              <a:spcAft>
+                <a:spcPct val="0"/>
+              </a:spcAft>
+              <a:buClrTx/>
+              <a:buSzTx/>
+              <a:buFontTx/>
+              <a:buNone/>
+              <a:tabLst/>
+            </a:pPr>
+            <a:r>
+              <a:rPr kumimoji="0" lang="en-GB" sz="1400" b="0" i="0" u="none" strike="noStrike" cap="none" normalizeH="0" baseline="0" dirty="0">
+                <a:ln>
+                  <a:noFill/>
+                </a:ln>
+                <a:solidFill>
+                  <a:schemeClr val="bg1"/>
+                </a:solidFill>
+                <a:effectLst/>
+                <a:latin typeface="Helvetica Neue" charset="0"/>
+              </a:rPr>
+              <a:t>Background</a:t>
+            </a:r>
+          </a:p>
+        </p:txBody>
+      </p:sp>
+      <p:sp>
+        <p:nvSpPr>
+          <p:cNvPr id="8" name="Chevron 21">
+            <a:extLst>
+              <a:ext uri="{FF2B5EF4-FFF2-40B4-BE49-F238E27FC236}">
+                <a16:creationId xmlns:a16="http://schemas.microsoft.com/office/drawing/2014/main" id="{79C86842-17AA-F194-1F05-686FB27F1768}"/>
+              </a:ext>
+            </a:extLst>
+          </p:cNvPr>
+          <p:cNvSpPr/>
+          <p:nvPr/>
+        </p:nvSpPr>
+        <p:spPr bwMode="auto">
+          <a:xfrm>
+            <a:off x="1352574" y="195135"/>
+            <a:ext cx="1655556" cy="426446"/>
+          </a:xfrm>
+          <a:prstGeom prst="chevron">
+            <a:avLst/>
+          </a:prstGeom>
+          <a:solidFill>
+            <a:schemeClr val="bg1">
+              <a:lumMod val="95000"/>
+            </a:schemeClr>
+          </a:solidFill>
+          <a:ln w="9525" cap="flat" cmpd="sng" algn="ctr">
+            <a:noFill/>
+            <a:prstDash val="solid"/>
+            <a:round/>
+            <a:headEnd type="none" w="med" len="med"/>
+            <a:tailEnd type="none" w="med" len="med"/>
+          </a:ln>
+          <a:effectLst/>
+        </p:spPr>
+        <p:txBody>
+          <a:bodyPr rot="0" spcFirstLastPara="0" vertOverflow="overflow" horzOverflow="overflow" vert="horz" wrap="square" lIns="91440" tIns="45720" rIns="91440" bIns="45720" numCol="1" spcCol="0" rtlCol="0" fromWordArt="0" anchor="ctr" anchorCtr="0" forceAA="0" compatLnSpc="1">
+            <a:prstTxWarp prst="textNoShape">
+              <a:avLst/>
+            </a:prstTxWarp>
+            <a:noAutofit/>
+          </a:bodyPr>
+          <a:lstStyle/>
+          <a:p>
+            <a:pPr marL="0" marR="0" indent="0" algn="ctr" defTabSz="914400" rtl="0" eaLnBrk="0" fontAlgn="base" latinLnBrk="0" hangingPunct="0">
+              <a:lnSpc>
+                <a:spcPct val="100000"/>
+              </a:lnSpc>
+              <a:spcBef>
+                <a:spcPct val="0"/>
+              </a:spcBef>
+              <a:spcAft>
+                <a:spcPct val="0"/>
+              </a:spcAft>
+              <a:buClrTx/>
+              <a:buSzTx/>
+              <a:buFontTx/>
+              <a:buNone/>
+              <a:tabLst/>
+            </a:pPr>
+            <a:r>
+              <a:rPr kumimoji="0" lang="en-GB" sz="1400" b="0" i="0" u="none" strike="noStrike" cap="none" normalizeH="0" baseline="0" dirty="0">
+                <a:ln>
+                  <a:noFill/>
+                </a:ln>
+                <a:solidFill>
+                  <a:schemeClr val="bg1"/>
+                </a:solidFill>
+                <a:effectLst/>
+                <a:latin typeface="Helvetica Neue" charset="0"/>
+              </a:rPr>
+              <a:t>Problem Formulation</a:t>
+            </a:r>
+          </a:p>
+        </p:txBody>
+      </p:sp>
+      <p:sp>
+        <p:nvSpPr>
+          <p:cNvPr id="11" name="Fußzeilenplatzhalter 4">
+            <a:extLst>
+              <a:ext uri="{FF2B5EF4-FFF2-40B4-BE49-F238E27FC236}">
+                <a16:creationId xmlns:a16="http://schemas.microsoft.com/office/drawing/2014/main" id="{36A10820-5156-9626-3090-35B7CE1964D2}"/>
               </a:ext>
             </a:extLst>
           </p:cNvPr>
@@ -17497,10 +17910,467 @@
           </a:p>
         </p:txBody>
       </p:sp>
+      <p:sp>
+        <p:nvSpPr>
+          <p:cNvPr id="17" name="Chevron 21">
+            <a:extLst>
+              <a:ext uri="{FF2B5EF4-FFF2-40B4-BE49-F238E27FC236}">
+                <a16:creationId xmlns:a16="http://schemas.microsoft.com/office/drawing/2014/main" id="{70F7EE6D-C8D4-7150-2902-3E776F72A5D4}"/>
+              </a:ext>
+            </a:extLst>
+          </p:cNvPr>
+          <p:cNvSpPr/>
+          <p:nvPr/>
+        </p:nvSpPr>
+        <p:spPr bwMode="auto">
+          <a:xfrm>
+            <a:off x="2705148" y="195135"/>
+            <a:ext cx="1655556" cy="426446"/>
+          </a:xfrm>
+          <a:prstGeom prst="chevron">
+            <a:avLst/>
+          </a:prstGeom>
+          <a:solidFill>
+            <a:schemeClr val="bg1">
+              <a:lumMod val="95000"/>
+            </a:schemeClr>
+          </a:solidFill>
+          <a:ln w="9525" cap="flat" cmpd="sng" algn="ctr">
+            <a:noFill/>
+            <a:prstDash val="solid"/>
+            <a:round/>
+            <a:headEnd type="none" w="med" len="med"/>
+            <a:tailEnd type="none" w="med" len="med"/>
+          </a:ln>
+          <a:effectLst/>
+        </p:spPr>
+        <p:txBody>
+          <a:bodyPr rot="0" spcFirstLastPara="0" vertOverflow="overflow" horzOverflow="overflow" vert="horz" wrap="square" lIns="91440" tIns="45720" rIns="91440" bIns="45720" numCol="1" spcCol="0" rtlCol="0" fromWordArt="0" anchor="ctr" anchorCtr="0" forceAA="0" compatLnSpc="1">
+            <a:prstTxWarp prst="textNoShape">
+              <a:avLst/>
+            </a:prstTxWarp>
+            <a:noAutofit/>
+          </a:bodyPr>
+          <a:lstStyle/>
+          <a:p>
+            <a:pPr marL="0" marR="0" indent="0" algn="ctr" defTabSz="914400" rtl="0" eaLnBrk="0" fontAlgn="base" latinLnBrk="0" hangingPunct="0">
+              <a:lnSpc>
+                <a:spcPct val="100000"/>
+              </a:lnSpc>
+              <a:spcBef>
+                <a:spcPct val="0"/>
+              </a:spcBef>
+              <a:spcAft>
+                <a:spcPct val="0"/>
+              </a:spcAft>
+              <a:buClrTx/>
+              <a:buSzTx/>
+              <a:buFontTx/>
+              <a:buNone/>
+              <a:tabLst/>
+            </a:pPr>
+            <a:r>
+              <a:rPr kumimoji="0" lang="en-GB" sz="1400" b="0" i="0" u="none" strike="noStrike" cap="none" normalizeH="0" baseline="0" dirty="0">
+                <a:ln>
+                  <a:noFill/>
+                </a:ln>
+                <a:solidFill>
+                  <a:schemeClr val="bg1"/>
+                </a:solidFill>
+                <a:effectLst/>
+                <a:latin typeface="Helvetica Neue" charset="0"/>
+              </a:rPr>
+              <a:t>Literature Review</a:t>
+            </a:r>
+          </a:p>
+        </p:txBody>
+      </p:sp>
+      <p:sp>
+        <p:nvSpPr>
+          <p:cNvPr id="18" name="Chevron 21">
+            <a:extLst>
+              <a:ext uri="{FF2B5EF4-FFF2-40B4-BE49-F238E27FC236}">
+                <a16:creationId xmlns:a16="http://schemas.microsoft.com/office/drawing/2014/main" id="{78B2D0C4-94F0-1C9B-87BF-3921FC9065AE}"/>
+              </a:ext>
+            </a:extLst>
+          </p:cNvPr>
+          <p:cNvSpPr/>
+          <p:nvPr/>
+        </p:nvSpPr>
+        <p:spPr bwMode="auto">
+          <a:xfrm>
+            <a:off x="4157299" y="195135"/>
+            <a:ext cx="1655556" cy="426446"/>
+          </a:xfrm>
+          <a:prstGeom prst="chevron">
+            <a:avLst/>
+          </a:prstGeom>
+          <a:solidFill>
+            <a:schemeClr val="bg1">
+              <a:lumMod val="95000"/>
+            </a:schemeClr>
+          </a:solidFill>
+          <a:ln w="9525" cap="flat" cmpd="sng" algn="ctr">
+            <a:noFill/>
+            <a:prstDash val="solid"/>
+            <a:round/>
+            <a:headEnd type="none" w="med" len="med"/>
+            <a:tailEnd type="none" w="med" len="med"/>
+          </a:ln>
+          <a:effectLst/>
+        </p:spPr>
+        <p:txBody>
+          <a:bodyPr rot="0" spcFirstLastPara="0" vertOverflow="overflow" horzOverflow="overflow" vert="horz" wrap="square" lIns="91440" tIns="45720" rIns="91440" bIns="45720" numCol="1" spcCol="0" rtlCol="0" fromWordArt="0" anchor="ctr" anchorCtr="0" forceAA="0" compatLnSpc="1">
+            <a:prstTxWarp prst="textNoShape">
+              <a:avLst/>
+            </a:prstTxWarp>
+            <a:noAutofit/>
+          </a:bodyPr>
+          <a:lstStyle/>
+          <a:p>
+            <a:pPr marL="0" marR="0" indent="0" algn="ctr" defTabSz="914400" rtl="0" eaLnBrk="0" fontAlgn="base" latinLnBrk="0" hangingPunct="0">
+              <a:lnSpc>
+                <a:spcPct val="100000"/>
+              </a:lnSpc>
+              <a:spcBef>
+                <a:spcPct val="0"/>
+              </a:spcBef>
+              <a:spcAft>
+                <a:spcPct val="0"/>
+              </a:spcAft>
+              <a:buClrTx/>
+              <a:buSzTx/>
+              <a:buFontTx/>
+              <a:buNone/>
+              <a:tabLst/>
+            </a:pPr>
+            <a:r>
+              <a:rPr kumimoji="0" lang="en-GB" sz="1400" b="0" i="0" u="none" strike="noStrike" cap="none" normalizeH="0" baseline="0" dirty="0">
+                <a:ln>
+                  <a:noFill/>
+                </a:ln>
+                <a:solidFill>
+                  <a:schemeClr val="bg1"/>
+                </a:solidFill>
+                <a:effectLst/>
+                <a:latin typeface="Helvetica Neue" charset="0"/>
+              </a:rPr>
+              <a:t>Methodology</a:t>
+            </a:r>
+          </a:p>
+        </p:txBody>
+      </p:sp>
+      <p:sp>
+        <p:nvSpPr>
+          <p:cNvPr id="3" name="Chevron 21">
+            <a:extLst>
+              <a:ext uri="{FF2B5EF4-FFF2-40B4-BE49-F238E27FC236}">
+                <a16:creationId xmlns:a16="http://schemas.microsoft.com/office/drawing/2014/main" id="{80AF392C-A898-A0D4-6227-55CAE67374DF}"/>
+              </a:ext>
+            </a:extLst>
+          </p:cNvPr>
+          <p:cNvSpPr/>
+          <p:nvPr/>
+        </p:nvSpPr>
+        <p:spPr bwMode="auto">
+          <a:xfrm>
+            <a:off x="5601171" y="195135"/>
+            <a:ext cx="1655556" cy="426446"/>
+          </a:xfrm>
+          <a:prstGeom prst="chevron">
+            <a:avLst/>
+          </a:prstGeom>
+          <a:solidFill>
+            <a:schemeClr val="bg1">
+              <a:lumMod val="95000"/>
+            </a:schemeClr>
+          </a:solidFill>
+          <a:ln w="9525" cap="flat" cmpd="sng" algn="ctr">
+            <a:noFill/>
+            <a:prstDash val="solid"/>
+            <a:round/>
+            <a:headEnd type="none" w="med" len="med"/>
+            <a:tailEnd type="none" w="med" len="med"/>
+          </a:ln>
+          <a:effectLst/>
+        </p:spPr>
+        <p:txBody>
+          <a:bodyPr rot="0" spcFirstLastPara="0" vertOverflow="overflow" horzOverflow="overflow" vert="horz" wrap="square" lIns="91440" tIns="45720" rIns="91440" bIns="45720" numCol="1" spcCol="0" rtlCol="0" fromWordArt="0" anchor="ctr" anchorCtr="0" forceAA="0" compatLnSpc="1">
+            <a:prstTxWarp prst="textNoShape">
+              <a:avLst/>
+            </a:prstTxWarp>
+            <a:noAutofit/>
+          </a:bodyPr>
+          <a:lstStyle/>
+          <a:p>
+            <a:pPr marL="0" marR="0" indent="0" algn="ctr" defTabSz="914400" rtl="0" eaLnBrk="0" fontAlgn="base" latinLnBrk="0" hangingPunct="0">
+              <a:lnSpc>
+                <a:spcPct val="100000"/>
+              </a:lnSpc>
+              <a:spcBef>
+                <a:spcPct val="0"/>
+              </a:spcBef>
+              <a:spcAft>
+                <a:spcPct val="0"/>
+              </a:spcAft>
+              <a:buClrTx/>
+              <a:buSzTx/>
+              <a:buFontTx/>
+              <a:buNone/>
+              <a:tabLst/>
+            </a:pPr>
+            <a:r>
+              <a:rPr kumimoji="0" lang="en-GB" sz="1400" b="0" i="0" u="none" strike="noStrike" cap="none" normalizeH="0" baseline="0" dirty="0">
+                <a:ln>
+                  <a:noFill/>
+                </a:ln>
+                <a:solidFill>
+                  <a:schemeClr val="bg1"/>
+                </a:solidFill>
+                <a:effectLst/>
+                <a:latin typeface="Helvetica Neue" charset="0"/>
+              </a:rPr>
+              <a:t>Outlook</a:t>
+            </a:r>
+          </a:p>
+        </p:txBody>
+      </p:sp>
+      <p:pic>
+        <p:nvPicPr>
+          <p:cNvPr id="2050" name="Picture 2">
+            <a:extLst>
+              <a:ext uri="{FF2B5EF4-FFF2-40B4-BE49-F238E27FC236}">
+                <a16:creationId xmlns:a16="http://schemas.microsoft.com/office/drawing/2014/main" id="{A2C22009-16B5-2B69-E96A-1F56547D1976}"/>
+              </a:ext>
+            </a:extLst>
+          </p:cNvPr>
+          <p:cNvPicPr>
+            <a:picLocks noChangeAspect="1" noChangeArrowheads="1"/>
+          </p:cNvPicPr>
+          <p:nvPr/>
+        </p:nvPicPr>
+        <p:blipFill>
+          <a:blip r:embed="rId3">
+            <a:extLst>
+              <a:ext uri="{28A0092B-C50C-407E-A947-70E740481C1C}">
+                <a14:useLocalDpi xmlns:a14="http://schemas.microsoft.com/office/drawing/2010/main" val="0"/>
+              </a:ext>
+            </a:extLst>
+          </a:blip>
+          <a:srcRect/>
+          <a:stretch>
+            <a:fillRect/>
+          </a:stretch>
+        </p:blipFill>
+        <p:spPr bwMode="auto">
+          <a:xfrm>
+            <a:off x="603391" y="1373740"/>
+            <a:ext cx="3864841" cy="2790747"/>
+          </a:xfrm>
+          <a:prstGeom prst="rect">
+            <a:avLst/>
+          </a:prstGeom>
+          <a:noFill/>
+          <a:extLst>
+            <a:ext uri="{909E8E84-426E-40DD-AFC4-6F175D3DCCD1}">
+              <a14:hiddenFill xmlns:a14="http://schemas.microsoft.com/office/drawing/2010/main">
+                <a:solidFill>
+                  <a:srgbClr val="FFFFFF"/>
+                </a:solidFill>
+              </a14:hiddenFill>
+            </a:ext>
+          </a:extLst>
+        </p:spPr>
+      </p:pic>
+      <p:sp>
+        <p:nvSpPr>
+          <p:cNvPr id="12" name="TextBox 11">
+            <a:extLst>
+              <a:ext uri="{FF2B5EF4-FFF2-40B4-BE49-F238E27FC236}">
+                <a16:creationId xmlns:a16="http://schemas.microsoft.com/office/drawing/2014/main" id="{83103FEA-F3D3-6EAF-FEA1-A6A8CF42E3E7}"/>
+              </a:ext>
+            </a:extLst>
+          </p:cNvPr>
+          <p:cNvSpPr txBox="1"/>
+          <p:nvPr/>
+        </p:nvSpPr>
+        <p:spPr>
+          <a:xfrm>
+            <a:off x="603392" y="4164488"/>
+            <a:ext cx="3864841" cy="128625"/>
+          </a:xfrm>
+          <a:prstGeom prst="rect">
+            <a:avLst/>
+          </a:prstGeom>
+          <a:noFill/>
+        </p:spPr>
+        <p:txBody>
+          <a:bodyPr wrap="none" lIns="0" tIns="0" rIns="0" bIns="0" rtlCol="0">
+            <a:spAutoFit/>
+          </a:bodyPr>
+          <a:lstStyle/>
+          <a:p>
+            <a:pPr>
+              <a:lnSpc>
+                <a:spcPct val="114000"/>
+              </a:lnSpc>
+            </a:pPr>
+            <a:r>
+              <a:rPr lang="en-GB" sz="800" b="0" i="0" u="none" strike="noStrike" dirty="0" err="1">
+                <a:solidFill>
+                  <a:srgbClr val="222222"/>
+                </a:solidFill>
+                <a:effectLst/>
+                <a:latin typeface="Arial" panose="020B0604020202020204" pitchFamily="34" charset="0"/>
+              </a:rPr>
+              <a:t>Bouckaert</a:t>
+            </a:r>
+            <a:r>
+              <a:rPr lang="en-GB" sz="800" b="0" i="0" u="none" strike="noStrike" dirty="0">
+                <a:solidFill>
+                  <a:srgbClr val="222222"/>
+                </a:solidFill>
+                <a:effectLst/>
+                <a:latin typeface="Arial" panose="020B0604020202020204" pitchFamily="34" charset="0"/>
+              </a:rPr>
+              <a:t> et al. "Net zero by 2050: A roadmap for the global energy sector." (2021).</a:t>
+            </a:r>
+            <a:endParaRPr lang="en-GB" sz="800" dirty="0">
+              <a:latin typeface="+mn-lt"/>
+            </a:endParaRPr>
+          </a:p>
+        </p:txBody>
+      </p:sp>
+      <p:sp>
+        <p:nvSpPr>
+          <p:cNvPr id="13" name="TextBox 12">
+            <a:extLst>
+              <a:ext uri="{FF2B5EF4-FFF2-40B4-BE49-F238E27FC236}">
+                <a16:creationId xmlns:a16="http://schemas.microsoft.com/office/drawing/2014/main" id="{E24A3C1A-CB8F-449C-65BB-740530DDAEC9}"/>
+              </a:ext>
+            </a:extLst>
+          </p:cNvPr>
+          <p:cNvSpPr txBox="1"/>
+          <p:nvPr/>
+        </p:nvSpPr>
+        <p:spPr>
+          <a:xfrm>
+            <a:off x="4957326" y="1808614"/>
+            <a:ext cx="3014079" cy="257250"/>
+          </a:xfrm>
+          <a:prstGeom prst="rect">
+            <a:avLst/>
+          </a:prstGeom>
+          <a:noFill/>
+        </p:spPr>
+        <p:txBody>
+          <a:bodyPr wrap="square" lIns="0" tIns="0" rIns="0" bIns="0" rtlCol="0">
+            <a:spAutoFit/>
+          </a:bodyPr>
+          <a:lstStyle/>
+          <a:p>
+            <a:pPr>
+              <a:lnSpc>
+                <a:spcPct val="114000"/>
+              </a:lnSpc>
+            </a:pPr>
+            <a:r>
+              <a:rPr lang="en-GB" sz="1600" dirty="0">
+                <a:latin typeface="+mn-lt"/>
+              </a:rPr>
+              <a:t>Renewable Energy Integration</a:t>
+            </a:r>
+          </a:p>
+        </p:txBody>
+      </p:sp>
+      <p:sp>
+        <p:nvSpPr>
+          <p:cNvPr id="14" name="TextBox 13">
+            <a:extLst>
+              <a:ext uri="{FF2B5EF4-FFF2-40B4-BE49-F238E27FC236}">
+                <a16:creationId xmlns:a16="http://schemas.microsoft.com/office/drawing/2014/main" id="{1847E2E6-09E7-4300-79EC-9B8734FF3495}"/>
+              </a:ext>
+            </a:extLst>
+          </p:cNvPr>
+          <p:cNvSpPr txBox="1"/>
+          <p:nvPr/>
+        </p:nvSpPr>
+        <p:spPr>
+          <a:xfrm>
+            <a:off x="4957326" y="2623238"/>
+            <a:ext cx="3014079" cy="257250"/>
+          </a:xfrm>
+          <a:prstGeom prst="rect">
+            <a:avLst/>
+          </a:prstGeom>
+          <a:noFill/>
+        </p:spPr>
+        <p:txBody>
+          <a:bodyPr wrap="square" lIns="0" tIns="0" rIns="0" bIns="0" rtlCol="0">
+            <a:spAutoFit/>
+          </a:bodyPr>
+          <a:lstStyle/>
+          <a:p>
+            <a:pPr>
+              <a:lnSpc>
+                <a:spcPct val="114000"/>
+              </a:lnSpc>
+            </a:pPr>
+            <a:r>
+              <a:rPr lang="en-GB" sz="1600" dirty="0">
+                <a:latin typeface="+mn-lt"/>
+              </a:rPr>
+              <a:t>Energy Efficiency Enhancement</a:t>
+            </a:r>
+          </a:p>
+        </p:txBody>
+      </p:sp>
+      <p:sp>
+        <p:nvSpPr>
+          <p:cNvPr id="16" name="TextBox 15">
+            <a:extLst>
+              <a:ext uri="{FF2B5EF4-FFF2-40B4-BE49-F238E27FC236}">
+                <a16:creationId xmlns:a16="http://schemas.microsoft.com/office/drawing/2014/main" id="{8CA60A4A-CEE1-CEF8-AA6C-6E8CCC2F4E50}"/>
+              </a:ext>
+            </a:extLst>
+          </p:cNvPr>
+          <p:cNvSpPr txBox="1"/>
+          <p:nvPr/>
+        </p:nvSpPr>
+        <p:spPr>
+          <a:xfrm>
+            <a:off x="4957326" y="3437862"/>
+            <a:ext cx="3470161" cy="257250"/>
+          </a:xfrm>
+          <a:prstGeom prst="rect">
+            <a:avLst/>
+          </a:prstGeom>
+          <a:noFill/>
+        </p:spPr>
+        <p:txBody>
+          <a:bodyPr wrap="square" lIns="0" tIns="0" rIns="0" bIns="0" rtlCol="0">
+            <a:spAutoFit/>
+          </a:bodyPr>
+          <a:lstStyle/>
+          <a:p>
+            <a:pPr>
+              <a:lnSpc>
+                <a:spcPct val="114000"/>
+              </a:lnSpc>
+            </a:pPr>
+            <a:r>
+              <a:rPr lang="en-GB" sz="1600" dirty="0">
+                <a:latin typeface="+mn-lt"/>
+              </a:rPr>
+              <a:t>Low Carbon Emission Transportation</a:t>
+            </a:r>
+          </a:p>
+        </p:txBody>
+      </p:sp>
     </p:spTree>
     <p:extLst>
       <p:ext uri="{BB962C8B-B14F-4D97-AF65-F5344CB8AC3E}">
-        <p14:creationId xmlns:p14="http://schemas.microsoft.com/office/powerpoint/2010/main" val="445645378"/>
+        <p14:creationId xmlns:p14="http://schemas.microsoft.com/office/powerpoint/2010/main" val="1354767508"/>
       </p:ext>
     </p:extLst>
   </p:cSld>
@@ -17510,7 +18380,7 @@
 </p:sld>
 </file>
 
-<file path=ppt/slides/slide7.xml><?xml version="1.0" encoding="utf-8"?>
+<file path=ppt/slides/slide6.xml><?xml version="1.0" encoding="utf-8"?>
 <p:sld xmlns:a="http://schemas.openxmlformats.org/drawingml/2006/main" xmlns:r="http://schemas.openxmlformats.org/officeDocument/2006/relationships" xmlns:p="http://schemas.openxmlformats.org/presentationml/2006/main">
   <p:cSld>
     <p:spTree>
@@ -17529,63 +18399,10 @@
       </p:grpSpPr>
       <p:sp>
         <p:nvSpPr>
-          <p:cNvPr id="2" name="Content Placeholder 1">
-            <a:extLst>
-              <a:ext uri="{FF2B5EF4-FFF2-40B4-BE49-F238E27FC236}">
-                <a16:creationId xmlns:a16="http://schemas.microsoft.com/office/drawing/2014/main" id="{B936D1C0-BA1C-56FB-C0DC-5BF59B237622}"/>
-              </a:ext>
-            </a:extLst>
-          </p:cNvPr>
-          <p:cNvSpPr>
-            <a:spLocks noGrp="1"/>
-          </p:cNvSpPr>
-          <p:nvPr>
-            <p:ph idx="1"/>
-          </p:nvPr>
-        </p:nvSpPr>
-        <p:spPr/>
-        <p:txBody>
-          <a:bodyPr/>
-          <a:lstStyle/>
-          <a:p>
-            <a:r>
-              <a:rPr lang="en-GB" dirty="0"/>
-              <a:t>Explain more about RL</a:t>
-            </a:r>
-          </a:p>
-        </p:txBody>
-      </p:sp>
-      <p:sp>
-        <p:nvSpPr>
-          <p:cNvPr id="3" name="Title 2">
-            <a:extLst>
-              <a:ext uri="{FF2B5EF4-FFF2-40B4-BE49-F238E27FC236}">
-                <a16:creationId xmlns:a16="http://schemas.microsoft.com/office/drawing/2014/main" id="{54A1A9CA-C09D-D8C1-566C-1AA7F9177855}"/>
-              </a:ext>
-            </a:extLst>
-          </p:cNvPr>
-          <p:cNvSpPr>
-            <a:spLocks noGrp="1"/>
-          </p:cNvSpPr>
-          <p:nvPr>
-            <p:ph type="title"/>
-          </p:nvPr>
-        </p:nvSpPr>
-        <p:spPr/>
-        <p:txBody>
-          <a:bodyPr/>
-          <a:lstStyle/>
-          <a:p>
-            <a:endParaRPr lang="en-GB" dirty="0"/>
-          </a:p>
-        </p:txBody>
-      </p:sp>
-      <p:sp>
-        <p:nvSpPr>
           <p:cNvPr id="4" name="Slide Number Placeholder 3">
             <a:extLst>
               <a:ext uri="{FF2B5EF4-FFF2-40B4-BE49-F238E27FC236}">
-                <a16:creationId xmlns:a16="http://schemas.microsoft.com/office/drawing/2014/main" id="{D0881605-5AA8-D008-7E6E-B12BF0F978D6}"/>
+                <a16:creationId xmlns:a16="http://schemas.microsoft.com/office/drawing/2014/main" id="{635D27B6-C60E-B825-3BF8-5231FF2153E6}"/>
               </a:ext>
             </a:extLst>
           </p:cNvPr>
@@ -17604,7 +18421,7 @@
             <a:fld id="{CE58CB1E-F828-4F11-99E0-327109AF9DA4}" type="slidenum">
               <a:rPr lang="de-DE" smtClean="0"/>
               <a:pPr/>
-              <a:t>7</a:t>
+              <a:t>6</a:t>
             </a:fld>
             <a:endParaRPr lang="de-DE"/>
           </a:p>
@@ -17612,10 +18429,10 @@
       </p:sp>
       <p:sp>
         <p:nvSpPr>
-          <p:cNvPr id="6" name="Fußzeilenplatzhalter 4">
+          <p:cNvPr id="11" name="Fußzeilenplatzhalter 4">
             <a:extLst>
               <a:ext uri="{FF2B5EF4-FFF2-40B4-BE49-F238E27FC236}">
-                <a16:creationId xmlns:a16="http://schemas.microsoft.com/office/drawing/2014/main" id="{62052A25-E5A9-F308-CA34-C36D2764C96D}"/>
+                <a16:creationId xmlns:a16="http://schemas.microsoft.com/office/drawing/2014/main" id="{36A10820-5156-9626-3090-35B7CE1964D2}"/>
               </a:ext>
             </a:extLst>
           </p:cNvPr>
@@ -17782,10 +18599,740 @@
           </a:p>
         </p:txBody>
       </p:sp>
+      <p:grpSp>
+        <p:nvGrpSpPr>
+          <p:cNvPr id="19" name="Group 18">
+            <a:extLst>
+              <a:ext uri="{FF2B5EF4-FFF2-40B4-BE49-F238E27FC236}">
+                <a16:creationId xmlns:a16="http://schemas.microsoft.com/office/drawing/2014/main" id="{C799477B-4373-8802-1045-E2C7FEFCD5D8}"/>
+              </a:ext>
+            </a:extLst>
+          </p:cNvPr>
+          <p:cNvGrpSpPr/>
+          <p:nvPr/>
+        </p:nvGrpSpPr>
+        <p:grpSpPr>
+          <a:xfrm>
+            <a:off x="0" y="195135"/>
+            <a:ext cx="7256727" cy="426446"/>
+            <a:chOff x="0" y="195135"/>
+            <a:chExt cx="7256727" cy="426446"/>
+          </a:xfrm>
+        </p:grpSpPr>
+        <p:sp>
+          <p:nvSpPr>
+            <p:cNvPr id="7" name="Pentagon 19">
+              <a:extLst>
+                <a:ext uri="{FF2B5EF4-FFF2-40B4-BE49-F238E27FC236}">
+                  <a16:creationId xmlns:a16="http://schemas.microsoft.com/office/drawing/2014/main" id="{CF556683-D812-99F5-CBE2-BF4CC08D2938}"/>
+                </a:ext>
+              </a:extLst>
+            </p:cNvPr>
+            <p:cNvSpPr/>
+            <p:nvPr/>
+          </p:nvSpPr>
+          <p:spPr bwMode="auto">
+            <a:xfrm>
+              <a:off x="0" y="195135"/>
+              <a:ext cx="1655556" cy="426446"/>
+            </a:xfrm>
+            <a:prstGeom prst="homePlate">
+              <a:avLst/>
+            </a:prstGeom>
+            <a:solidFill>
+              <a:srgbClr val="0070C0"/>
+            </a:solidFill>
+            <a:ln w="9525" cap="flat" cmpd="sng" algn="ctr">
+              <a:noFill/>
+              <a:prstDash val="solid"/>
+              <a:round/>
+              <a:headEnd type="none" w="med" len="med"/>
+              <a:tailEnd type="none" w="med" len="med"/>
+            </a:ln>
+            <a:effectLst/>
+          </p:spPr>
+          <p:txBody>
+            <a:bodyPr rot="0" spcFirstLastPara="0" vertOverflow="overflow" horzOverflow="overflow" vert="horz" wrap="square" lIns="91440" tIns="45720" rIns="91440" bIns="45720" numCol="1" spcCol="0" rtlCol="0" fromWordArt="0" anchor="ctr" anchorCtr="0" forceAA="0" compatLnSpc="1">
+              <a:prstTxWarp prst="textNoShape">
+                <a:avLst/>
+              </a:prstTxWarp>
+              <a:noAutofit/>
+            </a:bodyPr>
+            <a:lstStyle/>
+            <a:p>
+              <a:pPr marL="0" marR="0" indent="0" algn="ctr" defTabSz="914400" rtl="0" eaLnBrk="0" fontAlgn="base" latinLnBrk="0" hangingPunct="0">
+                <a:lnSpc>
+                  <a:spcPct val="100000"/>
+                </a:lnSpc>
+                <a:spcBef>
+                  <a:spcPct val="0"/>
+                </a:spcBef>
+                <a:spcAft>
+                  <a:spcPct val="0"/>
+                </a:spcAft>
+                <a:buClrTx/>
+                <a:buSzTx/>
+                <a:buFontTx/>
+                <a:buNone/>
+                <a:tabLst/>
+              </a:pPr>
+              <a:r>
+                <a:rPr kumimoji="0" lang="en-GB" sz="1400" b="0" i="0" u="none" strike="noStrike" cap="none" normalizeH="0" baseline="0" dirty="0">
+                  <a:ln>
+                    <a:noFill/>
+                  </a:ln>
+                  <a:solidFill>
+                    <a:schemeClr val="bg1"/>
+                  </a:solidFill>
+                  <a:effectLst/>
+                  <a:latin typeface="Helvetica Neue" charset="0"/>
+                </a:rPr>
+                <a:t>Background</a:t>
+              </a:r>
+            </a:p>
+          </p:txBody>
+        </p:sp>
+        <p:sp>
+          <p:nvSpPr>
+            <p:cNvPr id="8" name="Chevron 21">
+              <a:extLst>
+                <a:ext uri="{FF2B5EF4-FFF2-40B4-BE49-F238E27FC236}">
+                  <a16:creationId xmlns:a16="http://schemas.microsoft.com/office/drawing/2014/main" id="{79C86842-17AA-F194-1F05-686FB27F1768}"/>
+                </a:ext>
+              </a:extLst>
+            </p:cNvPr>
+            <p:cNvSpPr/>
+            <p:nvPr/>
+          </p:nvSpPr>
+          <p:spPr bwMode="auto">
+            <a:xfrm>
+              <a:off x="1352574" y="195135"/>
+              <a:ext cx="1655556" cy="426446"/>
+            </a:xfrm>
+            <a:prstGeom prst="chevron">
+              <a:avLst/>
+            </a:prstGeom>
+            <a:solidFill>
+              <a:schemeClr val="bg1">
+                <a:lumMod val="95000"/>
+              </a:schemeClr>
+            </a:solidFill>
+            <a:ln w="9525" cap="flat" cmpd="sng" algn="ctr">
+              <a:noFill/>
+              <a:prstDash val="solid"/>
+              <a:round/>
+              <a:headEnd type="none" w="med" len="med"/>
+              <a:tailEnd type="none" w="med" len="med"/>
+            </a:ln>
+            <a:effectLst/>
+          </p:spPr>
+          <p:txBody>
+            <a:bodyPr rot="0" spcFirstLastPara="0" vertOverflow="overflow" horzOverflow="overflow" vert="horz" wrap="square" lIns="91440" tIns="45720" rIns="91440" bIns="45720" numCol="1" spcCol="0" rtlCol="0" fromWordArt="0" anchor="ctr" anchorCtr="0" forceAA="0" compatLnSpc="1">
+              <a:prstTxWarp prst="textNoShape">
+                <a:avLst/>
+              </a:prstTxWarp>
+              <a:noAutofit/>
+            </a:bodyPr>
+            <a:lstStyle/>
+            <a:p>
+              <a:pPr marL="0" marR="0" indent="0" algn="ctr" defTabSz="914400" rtl="0" eaLnBrk="0" fontAlgn="base" latinLnBrk="0" hangingPunct="0">
+                <a:lnSpc>
+                  <a:spcPct val="100000"/>
+                </a:lnSpc>
+                <a:spcBef>
+                  <a:spcPct val="0"/>
+                </a:spcBef>
+                <a:spcAft>
+                  <a:spcPct val="0"/>
+                </a:spcAft>
+                <a:buClrTx/>
+                <a:buSzTx/>
+                <a:buFontTx/>
+                <a:buNone/>
+                <a:tabLst/>
+              </a:pPr>
+              <a:r>
+                <a:rPr kumimoji="0" lang="en-GB" sz="1400" b="0" i="0" u="none" strike="noStrike" cap="none" normalizeH="0" baseline="0" dirty="0">
+                  <a:ln>
+                    <a:noFill/>
+                  </a:ln>
+                  <a:solidFill>
+                    <a:schemeClr val="bg1"/>
+                  </a:solidFill>
+                  <a:effectLst/>
+                  <a:latin typeface="Helvetica Neue" charset="0"/>
+                </a:rPr>
+                <a:t>Problem Formulation</a:t>
+              </a:r>
+            </a:p>
+          </p:txBody>
+        </p:sp>
+        <p:sp>
+          <p:nvSpPr>
+            <p:cNvPr id="17" name="Chevron 21">
+              <a:extLst>
+                <a:ext uri="{FF2B5EF4-FFF2-40B4-BE49-F238E27FC236}">
+                  <a16:creationId xmlns:a16="http://schemas.microsoft.com/office/drawing/2014/main" id="{70F7EE6D-C8D4-7150-2902-3E776F72A5D4}"/>
+                </a:ext>
+              </a:extLst>
+            </p:cNvPr>
+            <p:cNvSpPr/>
+            <p:nvPr/>
+          </p:nvSpPr>
+          <p:spPr bwMode="auto">
+            <a:xfrm>
+              <a:off x="2705148" y="195135"/>
+              <a:ext cx="1655556" cy="426446"/>
+            </a:xfrm>
+            <a:prstGeom prst="chevron">
+              <a:avLst/>
+            </a:prstGeom>
+            <a:solidFill>
+              <a:schemeClr val="bg1">
+                <a:lumMod val="95000"/>
+              </a:schemeClr>
+            </a:solidFill>
+            <a:ln w="9525" cap="flat" cmpd="sng" algn="ctr">
+              <a:noFill/>
+              <a:prstDash val="solid"/>
+              <a:round/>
+              <a:headEnd type="none" w="med" len="med"/>
+              <a:tailEnd type="none" w="med" len="med"/>
+            </a:ln>
+            <a:effectLst/>
+          </p:spPr>
+          <p:txBody>
+            <a:bodyPr rot="0" spcFirstLastPara="0" vertOverflow="overflow" horzOverflow="overflow" vert="horz" wrap="square" lIns="91440" tIns="45720" rIns="91440" bIns="45720" numCol="1" spcCol="0" rtlCol="0" fromWordArt="0" anchor="ctr" anchorCtr="0" forceAA="0" compatLnSpc="1">
+              <a:prstTxWarp prst="textNoShape">
+                <a:avLst/>
+              </a:prstTxWarp>
+              <a:noAutofit/>
+            </a:bodyPr>
+            <a:lstStyle/>
+            <a:p>
+              <a:pPr marL="0" marR="0" indent="0" algn="ctr" defTabSz="914400" rtl="0" eaLnBrk="0" fontAlgn="base" latinLnBrk="0" hangingPunct="0">
+                <a:lnSpc>
+                  <a:spcPct val="100000"/>
+                </a:lnSpc>
+                <a:spcBef>
+                  <a:spcPct val="0"/>
+                </a:spcBef>
+                <a:spcAft>
+                  <a:spcPct val="0"/>
+                </a:spcAft>
+                <a:buClrTx/>
+                <a:buSzTx/>
+                <a:buFontTx/>
+                <a:buNone/>
+                <a:tabLst/>
+              </a:pPr>
+              <a:r>
+                <a:rPr kumimoji="0" lang="en-GB" sz="1400" b="0" i="0" u="none" strike="noStrike" cap="none" normalizeH="0" baseline="0" dirty="0">
+                  <a:ln>
+                    <a:noFill/>
+                  </a:ln>
+                  <a:solidFill>
+                    <a:schemeClr val="bg1"/>
+                  </a:solidFill>
+                  <a:effectLst/>
+                  <a:latin typeface="Helvetica Neue" charset="0"/>
+                </a:rPr>
+                <a:t>Literature Review</a:t>
+              </a:r>
+            </a:p>
+          </p:txBody>
+        </p:sp>
+        <p:sp>
+          <p:nvSpPr>
+            <p:cNvPr id="18" name="Chevron 21">
+              <a:extLst>
+                <a:ext uri="{FF2B5EF4-FFF2-40B4-BE49-F238E27FC236}">
+                  <a16:creationId xmlns:a16="http://schemas.microsoft.com/office/drawing/2014/main" id="{78B2D0C4-94F0-1C9B-87BF-3921FC9065AE}"/>
+                </a:ext>
+              </a:extLst>
+            </p:cNvPr>
+            <p:cNvSpPr/>
+            <p:nvPr/>
+          </p:nvSpPr>
+          <p:spPr bwMode="auto">
+            <a:xfrm>
+              <a:off x="4157299" y="195135"/>
+              <a:ext cx="1655556" cy="426446"/>
+            </a:xfrm>
+            <a:prstGeom prst="chevron">
+              <a:avLst/>
+            </a:prstGeom>
+            <a:solidFill>
+              <a:schemeClr val="bg1">
+                <a:lumMod val="95000"/>
+              </a:schemeClr>
+            </a:solidFill>
+            <a:ln w="9525" cap="flat" cmpd="sng" algn="ctr">
+              <a:noFill/>
+              <a:prstDash val="solid"/>
+              <a:round/>
+              <a:headEnd type="none" w="med" len="med"/>
+              <a:tailEnd type="none" w="med" len="med"/>
+            </a:ln>
+            <a:effectLst/>
+          </p:spPr>
+          <p:txBody>
+            <a:bodyPr rot="0" spcFirstLastPara="0" vertOverflow="overflow" horzOverflow="overflow" vert="horz" wrap="square" lIns="91440" tIns="45720" rIns="91440" bIns="45720" numCol="1" spcCol="0" rtlCol="0" fromWordArt="0" anchor="ctr" anchorCtr="0" forceAA="0" compatLnSpc="1">
+              <a:prstTxWarp prst="textNoShape">
+                <a:avLst/>
+              </a:prstTxWarp>
+              <a:noAutofit/>
+            </a:bodyPr>
+            <a:lstStyle/>
+            <a:p>
+              <a:pPr marL="0" marR="0" indent="0" algn="ctr" defTabSz="914400" rtl="0" eaLnBrk="0" fontAlgn="base" latinLnBrk="0" hangingPunct="0">
+                <a:lnSpc>
+                  <a:spcPct val="100000"/>
+                </a:lnSpc>
+                <a:spcBef>
+                  <a:spcPct val="0"/>
+                </a:spcBef>
+                <a:spcAft>
+                  <a:spcPct val="0"/>
+                </a:spcAft>
+                <a:buClrTx/>
+                <a:buSzTx/>
+                <a:buFontTx/>
+                <a:buNone/>
+                <a:tabLst/>
+              </a:pPr>
+              <a:r>
+                <a:rPr kumimoji="0" lang="en-GB" sz="1400" b="0" i="0" u="none" strike="noStrike" cap="none" normalizeH="0" baseline="0" dirty="0">
+                  <a:ln>
+                    <a:noFill/>
+                  </a:ln>
+                  <a:solidFill>
+                    <a:schemeClr val="bg1"/>
+                  </a:solidFill>
+                  <a:effectLst/>
+                  <a:latin typeface="Helvetica Neue" charset="0"/>
+                </a:rPr>
+                <a:t>Methodology</a:t>
+              </a:r>
+            </a:p>
+          </p:txBody>
+        </p:sp>
+        <p:sp>
+          <p:nvSpPr>
+            <p:cNvPr id="3" name="Chevron 21">
+              <a:extLst>
+                <a:ext uri="{FF2B5EF4-FFF2-40B4-BE49-F238E27FC236}">
+                  <a16:creationId xmlns:a16="http://schemas.microsoft.com/office/drawing/2014/main" id="{80AF392C-A898-A0D4-6227-55CAE67374DF}"/>
+                </a:ext>
+              </a:extLst>
+            </p:cNvPr>
+            <p:cNvSpPr/>
+            <p:nvPr/>
+          </p:nvSpPr>
+          <p:spPr bwMode="auto">
+            <a:xfrm>
+              <a:off x="5601171" y="195135"/>
+              <a:ext cx="1655556" cy="426446"/>
+            </a:xfrm>
+            <a:prstGeom prst="chevron">
+              <a:avLst/>
+            </a:prstGeom>
+            <a:solidFill>
+              <a:schemeClr val="bg1">
+                <a:lumMod val="95000"/>
+              </a:schemeClr>
+            </a:solidFill>
+            <a:ln w="9525" cap="flat" cmpd="sng" algn="ctr">
+              <a:noFill/>
+              <a:prstDash val="solid"/>
+              <a:round/>
+              <a:headEnd type="none" w="med" len="med"/>
+              <a:tailEnd type="none" w="med" len="med"/>
+            </a:ln>
+            <a:effectLst/>
+          </p:spPr>
+          <p:txBody>
+            <a:bodyPr rot="0" spcFirstLastPara="0" vertOverflow="overflow" horzOverflow="overflow" vert="horz" wrap="square" lIns="91440" tIns="45720" rIns="91440" bIns="45720" numCol="1" spcCol="0" rtlCol="0" fromWordArt="0" anchor="ctr" anchorCtr="0" forceAA="0" compatLnSpc="1">
+              <a:prstTxWarp prst="textNoShape">
+                <a:avLst/>
+              </a:prstTxWarp>
+              <a:noAutofit/>
+            </a:bodyPr>
+            <a:lstStyle/>
+            <a:p>
+              <a:pPr marL="0" marR="0" indent="0" algn="ctr" defTabSz="914400" rtl="0" eaLnBrk="0" fontAlgn="base" latinLnBrk="0" hangingPunct="0">
+                <a:lnSpc>
+                  <a:spcPct val="100000"/>
+                </a:lnSpc>
+                <a:spcBef>
+                  <a:spcPct val="0"/>
+                </a:spcBef>
+                <a:spcAft>
+                  <a:spcPct val="0"/>
+                </a:spcAft>
+                <a:buClrTx/>
+                <a:buSzTx/>
+                <a:buFontTx/>
+                <a:buNone/>
+                <a:tabLst/>
+              </a:pPr>
+              <a:r>
+                <a:rPr kumimoji="0" lang="en-GB" sz="1400" b="0" i="0" u="none" strike="noStrike" cap="none" normalizeH="0" baseline="0" dirty="0">
+                  <a:ln>
+                    <a:noFill/>
+                  </a:ln>
+                  <a:solidFill>
+                    <a:schemeClr val="bg1"/>
+                  </a:solidFill>
+                  <a:effectLst/>
+                  <a:latin typeface="Helvetica Neue" charset="0"/>
+                </a:rPr>
+                <a:t>Outlook</a:t>
+              </a:r>
+            </a:p>
+          </p:txBody>
+        </p:sp>
+      </p:grpSp>
+      <p:sp>
+        <p:nvSpPr>
+          <p:cNvPr id="2" name="TextBox 1">
+            <a:extLst>
+              <a:ext uri="{FF2B5EF4-FFF2-40B4-BE49-F238E27FC236}">
+                <a16:creationId xmlns:a16="http://schemas.microsoft.com/office/drawing/2014/main" id="{30872CD0-1E87-1CA8-CA1B-582416573C62}"/>
+              </a:ext>
+            </a:extLst>
+          </p:cNvPr>
+          <p:cNvSpPr txBox="1"/>
+          <p:nvPr/>
+        </p:nvSpPr>
+        <p:spPr>
+          <a:xfrm>
+            <a:off x="223306" y="2299812"/>
+            <a:ext cx="5213022" cy="257250"/>
+          </a:xfrm>
+          <a:prstGeom prst="rect">
+            <a:avLst/>
+          </a:prstGeom>
+          <a:noFill/>
+        </p:spPr>
+        <p:txBody>
+          <a:bodyPr wrap="square" lIns="0" tIns="0" rIns="0" bIns="0" rtlCol="0">
+            <a:spAutoFit/>
+          </a:bodyPr>
+          <a:lstStyle/>
+          <a:p>
+            <a:pPr>
+              <a:lnSpc>
+                <a:spcPct val="114000"/>
+              </a:lnSpc>
+            </a:pPr>
+            <a:r>
+              <a:rPr lang="en-GB" sz="1600" dirty="0">
+                <a:latin typeface="+mn-lt"/>
+              </a:rPr>
+              <a:t>Rising Penetration of Intermittent Renewable Energy</a:t>
+            </a:r>
+          </a:p>
+        </p:txBody>
+      </p:sp>
+      <p:sp>
+        <p:nvSpPr>
+          <p:cNvPr id="5" name="TextBox 4">
+            <a:extLst>
+              <a:ext uri="{FF2B5EF4-FFF2-40B4-BE49-F238E27FC236}">
+                <a16:creationId xmlns:a16="http://schemas.microsoft.com/office/drawing/2014/main" id="{AE616EBA-9C12-C211-48A5-68ECB110337A}"/>
+              </a:ext>
+            </a:extLst>
+          </p:cNvPr>
+          <p:cNvSpPr txBox="1"/>
+          <p:nvPr/>
+        </p:nvSpPr>
+        <p:spPr>
+          <a:xfrm>
+            <a:off x="228220" y="2619801"/>
+            <a:ext cx="5213022" cy="257250"/>
+          </a:xfrm>
+          <a:prstGeom prst="rect">
+            <a:avLst/>
+          </a:prstGeom>
+          <a:noFill/>
+        </p:spPr>
+        <p:txBody>
+          <a:bodyPr wrap="square" lIns="0" tIns="0" rIns="0" bIns="0" rtlCol="0">
+            <a:spAutoFit/>
+          </a:bodyPr>
+          <a:lstStyle/>
+          <a:p>
+            <a:pPr>
+              <a:lnSpc>
+                <a:spcPct val="114000"/>
+              </a:lnSpc>
+            </a:pPr>
+            <a:r>
+              <a:rPr lang="en-GB" sz="1600" dirty="0">
+                <a:latin typeface="+mn-lt"/>
+              </a:rPr>
+              <a:t>Extreme Weather</a:t>
+            </a:r>
+          </a:p>
+        </p:txBody>
+      </p:sp>
+      <p:sp>
+        <p:nvSpPr>
+          <p:cNvPr id="6" name="TextBox 5">
+            <a:extLst>
+              <a:ext uri="{FF2B5EF4-FFF2-40B4-BE49-F238E27FC236}">
+                <a16:creationId xmlns:a16="http://schemas.microsoft.com/office/drawing/2014/main" id="{6AA521FC-A74F-AB7A-A9F6-1ED6C510C238}"/>
+              </a:ext>
+            </a:extLst>
+          </p:cNvPr>
+          <p:cNvSpPr txBox="1"/>
+          <p:nvPr/>
+        </p:nvSpPr>
+        <p:spPr>
+          <a:xfrm>
+            <a:off x="5436328" y="2414581"/>
+            <a:ext cx="3454472" cy="257250"/>
+          </a:xfrm>
+          <a:prstGeom prst="rect">
+            <a:avLst/>
+          </a:prstGeom>
+          <a:noFill/>
+        </p:spPr>
+        <p:txBody>
+          <a:bodyPr wrap="none" lIns="0" tIns="0" rIns="0" bIns="0" rtlCol="0">
+            <a:spAutoFit/>
+          </a:bodyPr>
+          <a:lstStyle/>
+          <a:p>
+            <a:pPr>
+              <a:lnSpc>
+                <a:spcPct val="114000"/>
+              </a:lnSpc>
+            </a:pPr>
+            <a:r>
+              <a:rPr lang="en-GB" sz="1600" dirty="0">
+                <a:latin typeface="+mn-lt"/>
+              </a:rPr>
+              <a:t>High Uncertainty of Power Generation</a:t>
+            </a:r>
+          </a:p>
+        </p:txBody>
+      </p:sp>
+      <p:sp>
+        <p:nvSpPr>
+          <p:cNvPr id="9" name="TextBox 8">
+            <a:extLst>
+              <a:ext uri="{FF2B5EF4-FFF2-40B4-BE49-F238E27FC236}">
+                <a16:creationId xmlns:a16="http://schemas.microsoft.com/office/drawing/2014/main" id="{E3065D81-7565-A325-97F8-1C1AA571ED61}"/>
+              </a:ext>
+            </a:extLst>
+          </p:cNvPr>
+          <p:cNvSpPr txBox="1"/>
+          <p:nvPr/>
+        </p:nvSpPr>
+        <p:spPr>
+          <a:xfrm>
+            <a:off x="5436328" y="3019532"/>
+            <a:ext cx="3497752" cy="257250"/>
+          </a:xfrm>
+          <a:prstGeom prst="rect">
+            <a:avLst/>
+          </a:prstGeom>
+          <a:noFill/>
+        </p:spPr>
+        <p:txBody>
+          <a:bodyPr wrap="none" lIns="0" tIns="0" rIns="0" bIns="0" rtlCol="0">
+            <a:spAutoFit/>
+          </a:bodyPr>
+          <a:lstStyle/>
+          <a:p>
+            <a:pPr>
+              <a:lnSpc>
+                <a:spcPct val="114000"/>
+              </a:lnSpc>
+            </a:pPr>
+            <a:r>
+              <a:rPr lang="en-GB" sz="1600" dirty="0">
+                <a:latin typeface="+mn-lt"/>
+              </a:rPr>
+              <a:t>Constantly Increasing Energy Demand</a:t>
+            </a:r>
+          </a:p>
+        </p:txBody>
+      </p:sp>
+      <p:sp>
+        <p:nvSpPr>
+          <p:cNvPr id="10" name="TextBox 9">
+            <a:extLst>
+              <a:ext uri="{FF2B5EF4-FFF2-40B4-BE49-F238E27FC236}">
+                <a16:creationId xmlns:a16="http://schemas.microsoft.com/office/drawing/2014/main" id="{70993080-45FC-7F0A-2B35-15A165F9A025}"/>
+              </a:ext>
+            </a:extLst>
+          </p:cNvPr>
+          <p:cNvSpPr txBox="1"/>
+          <p:nvPr/>
+        </p:nvSpPr>
+        <p:spPr>
+          <a:xfrm>
+            <a:off x="245098" y="3659510"/>
+            <a:ext cx="3770644" cy="257250"/>
+          </a:xfrm>
+          <a:prstGeom prst="rect">
+            <a:avLst/>
+          </a:prstGeom>
+          <a:noFill/>
+        </p:spPr>
+        <p:txBody>
+          <a:bodyPr wrap="square" lIns="0" tIns="0" rIns="0" bIns="0" rtlCol="0">
+            <a:spAutoFit/>
+          </a:bodyPr>
+          <a:lstStyle/>
+          <a:p>
+            <a:pPr>
+              <a:lnSpc>
+                <a:spcPct val="114000"/>
+              </a:lnSpc>
+            </a:pPr>
+            <a:r>
+              <a:rPr lang="en-GB" sz="1600" dirty="0">
+                <a:latin typeface="+mn-lt"/>
+              </a:rPr>
+              <a:t>Rising Popularity of EVs</a:t>
+            </a:r>
+          </a:p>
+        </p:txBody>
+      </p:sp>
+      <p:sp>
+        <p:nvSpPr>
+          <p:cNvPr id="15" name="TextBox 14">
+            <a:extLst>
+              <a:ext uri="{FF2B5EF4-FFF2-40B4-BE49-F238E27FC236}">
+                <a16:creationId xmlns:a16="http://schemas.microsoft.com/office/drawing/2014/main" id="{4E476F31-5B23-F4A6-FFC0-0D455F30C250}"/>
+              </a:ext>
+            </a:extLst>
+          </p:cNvPr>
+          <p:cNvSpPr txBox="1"/>
+          <p:nvPr/>
+        </p:nvSpPr>
+        <p:spPr>
+          <a:xfrm>
+            <a:off x="5436328" y="3659510"/>
+            <a:ext cx="3157979" cy="257250"/>
+          </a:xfrm>
+          <a:prstGeom prst="rect">
+            <a:avLst/>
+          </a:prstGeom>
+          <a:noFill/>
+        </p:spPr>
+        <p:txBody>
+          <a:bodyPr wrap="square" lIns="0" tIns="0" rIns="0" bIns="0" rtlCol="0">
+            <a:spAutoFit/>
+          </a:bodyPr>
+          <a:lstStyle/>
+          <a:p>
+            <a:pPr>
+              <a:lnSpc>
+                <a:spcPct val="114000"/>
+              </a:lnSpc>
+            </a:pPr>
+            <a:r>
+              <a:rPr lang="en-GB" sz="1600" dirty="0">
+                <a:latin typeface="+mn-lt"/>
+              </a:rPr>
+              <a:t>Increasing EV Charging Demand</a:t>
+            </a:r>
+          </a:p>
+        </p:txBody>
+      </p:sp>
+      <p:sp>
+        <p:nvSpPr>
+          <p:cNvPr id="20" name="Title 2">
+            <a:extLst>
+              <a:ext uri="{FF2B5EF4-FFF2-40B4-BE49-F238E27FC236}">
+                <a16:creationId xmlns:a16="http://schemas.microsoft.com/office/drawing/2014/main" id="{41A9B2FB-3139-88C1-8D4A-12ADFA6CA66F}"/>
+              </a:ext>
+            </a:extLst>
+          </p:cNvPr>
+          <p:cNvSpPr>
+            <a:spLocks noGrp="1"/>
+          </p:cNvSpPr>
+          <p:nvPr>
+            <p:ph type="title"/>
+          </p:nvPr>
+        </p:nvSpPr>
+        <p:spPr>
+          <a:xfrm>
+            <a:off x="319090" y="972000"/>
+            <a:ext cx="8508999" cy="377796"/>
+          </a:xfrm>
+        </p:spPr>
+        <p:txBody>
+          <a:bodyPr/>
+          <a:lstStyle/>
+          <a:p>
+            <a:r>
+              <a:rPr lang="en-GB" sz="2400" dirty="0"/>
+              <a:t>“Security- and Human-</a:t>
+            </a:r>
+            <a:r>
+              <a:rPr lang="en-GB" sz="2400" dirty="0" err="1"/>
+              <a:t>centered</a:t>
+            </a:r>
+            <a:r>
+              <a:rPr lang="en-GB" sz="2400" dirty="0"/>
+              <a:t> Energy Transition”</a:t>
+            </a:r>
+          </a:p>
+        </p:txBody>
+      </p:sp>
+      <p:sp>
+        <p:nvSpPr>
+          <p:cNvPr id="23" name="TextBox 22">
+            <a:extLst>
+              <a:ext uri="{FF2B5EF4-FFF2-40B4-BE49-F238E27FC236}">
+                <a16:creationId xmlns:a16="http://schemas.microsoft.com/office/drawing/2014/main" id="{58081B74-0C71-BD74-057A-5204E0A3C9D7}"/>
+              </a:ext>
+            </a:extLst>
+          </p:cNvPr>
+          <p:cNvSpPr txBox="1"/>
+          <p:nvPr/>
+        </p:nvSpPr>
+        <p:spPr>
+          <a:xfrm>
+            <a:off x="289217" y="1382161"/>
+            <a:ext cx="8508999" cy="215444"/>
+          </a:xfrm>
+          <a:prstGeom prst="rect">
+            <a:avLst/>
+          </a:prstGeom>
+          <a:noFill/>
+        </p:spPr>
+        <p:txBody>
+          <a:bodyPr wrap="square">
+            <a:spAutoFit/>
+          </a:bodyPr>
+          <a:lstStyle/>
+          <a:p>
+            <a:r>
+              <a:rPr lang="en-GB" sz="800" dirty="0"/>
+              <a:t>IEA (2023), World Energy Outlook 2023, IEA, Paris https://</a:t>
+            </a:r>
+            <a:r>
+              <a:rPr lang="en-GB" sz="800" dirty="0" err="1"/>
+              <a:t>www.iea.org</a:t>
+            </a:r>
+            <a:r>
+              <a:rPr lang="en-GB" sz="800" dirty="0"/>
+              <a:t>/reports/world-energy-outlook-2023, Licence: CC BY 4.0 (report); CC BY NC SA 4.0 (Annex A)</a:t>
+            </a:r>
+          </a:p>
+        </p:txBody>
+      </p:sp>
     </p:spTree>
     <p:extLst>
       <p:ext uri="{BB962C8B-B14F-4D97-AF65-F5344CB8AC3E}">
-        <p14:creationId xmlns:p14="http://schemas.microsoft.com/office/powerpoint/2010/main" val="1551450061"/>
+        <p14:creationId xmlns:p14="http://schemas.microsoft.com/office/powerpoint/2010/main" val="2829396792"/>
       </p:ext>
     </p:extLst>
   </p:cSld>
@@ -17795,7 +19342,7 @@
 </p:sld>
 </file>
 
-<file path=ppt/slides/slide8.xml><?xml version="1.0" encoding="utf-8"?>
+<file path=ppt/slides/slide7.xml><?xml version="1.0" encoding="utf-8"?>
 <p:sld xmlns:a="http://schemas.openxmlformats.org/drawingml/2006/main" xmlns:r="http://schemas.openxmlformats.org/officeDocument/2006/relationships" xmlns:p="http://schemas.openxmlformats.org/presentationml/2006/main">
   <p:cSld>
     <p:spTree>
@@ -17817,7 +19364,7 @@
           <p:cNvPr id="2" name="Content Placeholder 1">
             <a:extLst>
               <a:ext uri="{FF2B5EF4-FFF2-40B4-BE49-F238E27FC236}">
-                <a16:creationId xmlns:a16="http://schemas.microsoft.com/office/drawing/2014/main" id="{9DBCA52E-228A-7854-AD31-6ECC38C0D541}"/>
+                <a16:creationId xmlns:a16="http://schemas.microsoft.com/office/drawing/2014/main" id="{B09F7E02-F7BA-FEAB-86F6-CE7FE5BD723D}"/>
               </a:ext>
             </a:extLst>
           </p:cNvPr>
@@ -17835,7 +19382,7 @@
           <a:p>
             <a:r>
               <a:rPr lang="en-GB" dirty="0"/>
-              <a:t>Project Goals</a:t>
+              <a:t>Who cares about the problem? Why is the problem important for them?</a:t>
             </a:r>
           </a:p>
         </p:txBody>
@@ -17845,7 +19392,7 @@
           <p:cNvPr id="3" name="Title 2">
             <a:extLst>
               <a:ext uri="{FF2B5EF4-FFF2-40B4-BE49-F238E27FC236}">
-                <a16:creationId xmlns:a16="http://schemas.microsoft.com/office/drawing/2014/main" id="{4020BA70-2DD6-F5EF-0E3D-9AB550347B91}"/>
+                <a16:creationId xmlns:a16="http://schemas.microsoft.com/office/drawing/2014/main" id="{2205F221-DD06-3596-C330-06FF75A51F0E}"/>
               </a:ext>
             </a:extLst>
           </p:cNvPr>
@@ -17861,7 +19408,7 @@
           <a:bodyPr/>
           <a:lstStyle/>
           <a:p>
-            <a:endParaRPr lang="en-GB"/>
+            <a:endParaRPr lang="en-GB" dirty="0"/>
           </a:p>
         </p:txBody>
       </p:sp>
@@ -17870,7 +19417,7 @@
           <p:cNvPr id="4" name="Slide Number Placeholder 3">
             <a:extLst>
               <a:ext uri="{FF2B5EF4-FFF2-40B4-BE49-F238E27FC236}">
-                <a16:creationId xmlns:a16="http://schemas.microsoft.com/office/drawing/2014/main" id="{18C6AC36-ABB6-CC34-9769-7C56CD9F12BA}"/>
+                <a16:creationId xmlns:a16="http://schemas.microsoft.com/office/drawing/2014/main" id="{8ADBAD59-86BD-1963-3290-00F9E48F5A99}"/>
               </a:ext>
             </a:extLst>
           </p:cNvPr>
@@ -17889,7 +19436,7 @@
             <a:fld id="{CE58CB1E-F828-4F11-99E0-327109AF9DA4}" type="slidenum">
               <a:rPr lang="de-DE" smtClean="0"/>
               <a:pPr/>
-              <a:t>8</a:t>
+              <a:t>7</a:t>
             </a:fld>
             <a:endParaRPr lang="de-DE"/>
           </a:p>
@@ -17900,7 +19447,7 @@
           <p:cNvPr id="6" name="Fußzeilenplatzhalter 4">
             <a:extLst>
               <a:ext uri="{FF2B5EF4-FFF2-40B4-BE49-F238E27FC236}">
-                <a16:creationId xmlns:a16="http://schemas.microsoft.com/office/drawing/2014/main" id="{FC361F43-074B-7D3C-28AF-48A3D593B457}"/>
+                <a16:creationId xmlns:a16="http://schemas.microsoft.com/office/drawing/2014/main" id="{BEAD0A3D-D1CA-F119-EBDD-E65080E09F1C}"/>
               </a:ext>
             </a:extLst>
           </p:cNvPr>
@@ -18067,10 +19614,697 @@
           </a:p>
         </p:txBody>
       </p:sp>
+      <p:grpSp>
+        <p:nvGrpSpPr>
+          <p:cNvPr id="11" name="Group 10">
+            <a:extLst>
+              <a:ext uri="{FF2B5EF4-FFF2-40B4-BE49-F238E27FC236}">
+                <a16:creationId xmlns:a16="http://schemas.microsoft.com/office/drawing/2014/main" id="{69F25379-2398-F1ED-3376-C18C0A9C51D8}"/>
+              </a:ext>
+            </a:extLst>
+          </p:cNvPr>
+          <p:cNvGrpSpPr/>
+          <p:nvPr/>
+        </p:nvGrpSpPr>
+        <p:grpSpPr>
+          <a:xfrm>
+            <a:off x="0" y="195135"/>
+            <a:ext cx="7256727" cy="426446"/>
+            <a:chOff x="0" y="195135"/>
+            <a:chExt cx="7256727" cy="426446"/>
+          </a:xfrm>
+        </p:grpSpPr>
+        <p:sp>
+          <p:nvSpPr>
+            <p:cNvPr id="5" name="Pentagon 19">
+              <a:extLst>
+                <a:ext uri="{FF2B5EF4-FFF2-40B4-BE49-F238E27FC236}">
+                  <a16:creationId xmlns:a16="http://schemas.microsoft.com/office/drawing/2014/main" id="{328A0AF8-6A67-556F-5C87-15545E5DBFF8}"/>
+                </a:ext>
+              </a:extLst>
+            </p:cNvPr>
+            <p:cNvSpPr/>
+            <p:nvPr/>
+          </p:nvSpPr>
+          <p:spPr bwMode="auto">
+            <a:xfrm>
+              <a:off x="0" y="195135"/>
+              <a:ext cx="1655556" cy="426446"/>
+            </a:xfrm>
+            <a:prstGeom prst="homePlate">
+              <a:avLst/>
+            </a:prstGeom>
+            <a:solidFill>
+              <a:srgbClr val="0070C0"/>
+            </a:solidFill>
+            <a:ln w="9525" cap="flat" cmpd="sng" algn="ctr">
+              <a:noFill/>
+              <a:prstDash val="solid"/>
+              <a:round/>
+              <a:headEnd type="none" w="med" len="med"/>
+              <a:tailEnd type="none" w="med" len="med"/>
+            </a:ln>
+            <a:effectLst/>
+          </p:spPr>
+          <p:txBody>
+            <a:bodyPr rot="0" spcFirstLastPara="0" vertOverflow="overflow" horzOverflow="overflow" vert="horz" wrap="square" lIns="91440" tIns="45720" rIns="91440" bIns="45720" numCol="1" spcCol="0" rtlCol="0" fromWordArt="0" anchor="ctr" anchorCtr="0" forceAA="0" compatLnSpc="1">
+              <a:prstTxWarp prst="textNoShape">
+                <a:avLst/>
+              </a:prstTxWarp>
+              <a:noAutofit/>
+            </a:bodyPr>
+            <a:lstStyle/>
+            <a:p>
+              <a:pPr marL="0" marR="0" indent="0" algn="ctr" defTabSz="914400" rtl="0" eaLnBrk="0" fontAlgn="base" latinLnBrk="0" hangingPunct="0">
+                <a:lnSpc>
+                  <a:spcPct val="100000"/>
+                </a:lnSpc>
+                <a:spcBef>
+                  <a:spcPct val="0"/>
+                </a:spcBef>
+                <a:spcAft>
+                  <a:spcPct val="0"/>
+                </a:spcAft>
+                <a:buClrTx/>
+                <a:buSzTx/>
+                <a:buFontTx/>
+                <a:buNone/>
+                <a:tabLst/>
+              </a:pPr>
+              <a:r>
+                <a:rPr kumimoji="0" lang="en-GB" sz="1400" b="0" i="0" u="none" strike="noStrike" cap="none" normalizeH="0" baseline="0" dirty="0">
+                  <a:ln>
+                    <a:noFill/>
+                  </a:ln>
+                  <a:solidFill>
+                    <a:schemeClr val="bg1"/>
+                  </a:solidFill>
+                  <a:effectLst/>
+                  <a:latin typeface="Helvetica Neue" charset="0"/>
+                </a:rPr>
+                <a:t>Background</a:t>
+              </a:r>
+            </a:p>
+          </p:txBody>
+        </p:sp>
+        <p:sp>
+          <p:nvSpPr>
+            <p:cNvPr id="7" name="Chevron 21">
+              <a:extLst>
+                <a:ext uri="{FF2B5EF4-FFF2-40B4-BE49-F238E27FC236}">
+                  <a16:creationId xmlns:a16="http://schemas.microsoft.com/office/drawing/2014/main" id="{E3E5F189-7340-7F7E-50D9-3CC83AEF686E}"/>
+                </a:ext>
+              </a:extLst>
+            </p:cNvPr>
+            <p:cNvSpPr/>
+            <p:nvPr/>
+          </p:nvSpPr>
+          <p:spPr bwMode="auto">
+            <a:xfrm>
+              <a:off x="1352574" y="195135"/>
+              <a:ext cx="1655556" cy="426446"/>
+            </a:xfrm>
+            <a:prstGeom prst="chevron">
+              <a:avLst/>
+            </a:prstGeom>
+            <a:solidFill>
+              <a:schemeClr val="bg1">
+                <a:lumMod val="95000"/>
+              </a:schemeClr>
+            </a:solidFill>
+            <a:ln w="9525" cap="flat" cmpd="sng" algn="ctr">
+              <a:noFill/>
+              <a:prstDash val="solid"/>
+              <a:round/>
+              <a:headEnd type="none" w="med" len="med"/>
+              <a:tailEnd type="none" w="med" len="med"/>
+            </a:ln>
+            <a:effectLst/>
+          </p:spPr>
+          <p:txBody>
+            <a:bodyPr rot="0" spcFirstLastPara="0" vertOverflow="overflow" horzOverflow="overflow" vert="horz" wrap="square" lIns="91440" tIns="45720" rIns="91440" bIns="45720" numCol="1" spcCol="0" rtlCol="0" fromWordArt="0" anchor="ctr" anchorCtr="0" forceAA="0" compatLnSpc="1">
+              <a:prstTxWarp prst="textNoShape">
+                <a:avLst/>
+              </a:prstTxWarp>
+              <a:noAutofit/>
+            </a:bodyPr>
+            <a:lstStyle/>
+            <a:p>
+              <a:pPr marL="0" marR="0" indent="0" algn="ctr" defTabSz="914400" rtl="0" eaLnBrk="0" fontAlgn="base" latinLnBrk="0" hangingPunct="0">
+                <a:lnSpc>
+                  <a:spcPct val="100000"/>
+                </a:lnSpc>
+                <a:spcBef>
+                  <a:spcPct val="0"/>
+                </a:spcBef>
+                <a:spcAft>
+                  <a:spcPct val="0"/>
+                </a:spcAft>
+                <a:buClrTx/>
+                <a:buSzTx/>
+                <a:buFontTx/>
+                <a:buNone/>
+                <a:tabLst/>
+              </a:pPr>
+              <a:r>
+                <a:rPr kumimoji="0" lang="en-GB" sz="1400" b="0" i="0" u="none" strike="noStrike" cap="none" normalizeH="0" baseline="0" dirty="0">
+                  <a:ln>
+                    <a:noFill/>
+                  </a:ln>
+                  <a:solidFill>
+                    <a:schemeClr val="bg1"/>
+                  </a:solidFill>
+                  <a:effectLst/>
+                  <a:latin typeface="Helvetica Neue" charset="0"/>
+                </a:rPr>
+                <a:t>Problem Formulation</a:t>
+              </a:r>
+            </a:p>
+          </p:txBody>
+        </p:sp>
+        <p:sp>
+          <p:nvSpPr>
+            <p:cNvPr id="8" name="Chevron 21">
+              <a:extLst>
+                <a:ext uri="{FF2B5EF4-FFF2-40B4-BE49-F238E27FC236}">
+                  <a16:creationId xmlns:a16="http://schemas.microsoft.com/office/drawing/2014/main" id="{6F26CBD2-F5AF-720E-9E1E-F5D5A82DBAC8}"/>
+                </a:ext>
+              </a:extLst>
+            </p:cNvPr>
+            <p:cNvSpPr/>
+            <p:nvPr/>
+          </p:nvSpPr>
+          <p:spPr bwMode="auto">
+            <a:xfrm>
+              <a:off x="2705148" y="195135"/>
+              <a:ext cx="1655556" cy="426446"/>
+            </a:xfrm>
+            <a:prstGeom prst="chevron">
+              <a:avLst/>
+            </a:prstGeom>
+            <a:solidFill>
+              <a:schemeClr val="bg1">
+                <a:lumMod val="95000"/>
+              </a:schemeClr>
+            </a:solidFill>
+            <a:ln w="9525" cap="flat" cmpd="sng" algn="ctr">
+              <a:noFill/>
+              <a:prstDash val="solid"/>
+              <a:round/>
+              <a:headEnd type="none" w="med" len="med"/>
+              <a:tailEnd type="none" w="med" len="med"/>
+            </a:ln>
+            <a:effectLst/>
+          </p:spPr>
+          <p:txBody>
+            <a:bodyPr rot="0" spcFirstLastPara="0" vertOverflow="overflow" horzOverflow="overflow" vert="horz" wrap="square" lIns="91440" tIns="45720" rIns="91440" bIns="45720" numCol="1" spcCol="0" rtlCol="0" fromWordArt="0" anchor="ctr" anchorCtr="0" forceAA="0" compatLnSpc="1">
+              <a:prstTxWarp prst="textNoShape">
+                <a:avLst/>
+              </a:prstTxWarp>
+              <a:noAutofit/>
+            </a:bodyPr>
+            <a:lstStyle/>
+            <a:p>
+              <a:pPr marL="0" marR="0" indent="0" algn="ctr" defTabSz="914400" rtl="0" eaLnBrk="0" fontAlgn="base" latinLnBrk="0" hangingPunct="0">
+                <a:lnSpc>
+                  <a:spcPct val="100000"/>
+                </a:lnSpc>
+                <a:spcBef>
+                  <a:spcPct val="0"/>
+                </a:spcBef>
+                <a:spcAft>
+                  <a:spcPct val="0"/>
+                </a:spcAft>
+                <a:buClrTx/>
+                <a:buSzTx/>
+                <a:buFontTx/>
+                <a:buNone/>
+                <a:tabLst/>
+              </a:pPr>
+              <a:r>
+                <a:rPr kumimoji="0" lang="en-GB" sz="1400" b="0" i="0" u="none" strike="noStrike" cap="none" normalizeH="0" baseline="0" dirty="0">
+                  <a:ln>
+                    <a:noFill/>
+                  </a:ln>
+                  <a:solidFill>
+                    <a:schemeClr val="bg1"/>
+                  </a:solidFill>
+                  <a:effectLst/>
+                  <a:latin typeface="Helvetica Neue" charset="0"/>
+                </a:rPr>
+                <a:t>Literature Review</a:t>
+              </a:r>
+            </a:p>
+          </p:txBody>
+        </p:sp>
+        <p:sp>
+          <p:nvSpPr>
+            <p:cNvPr id="9" name="Chevron 21">
+              <a:extLst>
+                <a:ext uri="{FF2B5EF4-FFF2-40B4-BE49-F238E27FC236}">
+                  <a16:creationId xmlns:a16="http://schemas.microsoft.com/office/drawing/2014/main" id="{39A379AC-B1A1-B201-CABF-796ECF3A8756}"/>
+                </a:ext>
+              </a:extLst>
+            </p:cNvPr>
+            <p:cNvSpPr/>
+            <p:nvPr/>
+          </p:nvSpPr>
+          <p:spPr bwMode="auto">
+            <a:xfrm>
+              <a:off x="4157299" y="195135"/>
+              <a:ext cx="1655556" cy="426446"/>
+            </a:xfrm>
+            <a:prstGeom prst="chevron">
+              <a:avLst/>
+            </a:prstGeom>
+            <a:solidFill>
+              <a:schemeClr val="bg1">
+                <a:lumMod val="95000"/>
+              </a:schemeClr>
+            </a:solidFill>
+            <a:ln w="9525" cap="flat" cmpd="sng" algn="ctr">
+              <a:noFill/>
+              <a:prstDash val="solid"/>
+              <a:round/>
+              <a:headEnd type="none" w="med" len="med"/>
+              <a:tailEnd type="none" w="med" len="med"/>
+            </a:ln>
+            <a:effectLst/>
+          </p:spPr>
+          <p:txBody>
+            <a:bodyPr rot="0" spcFirstLastPara="0" vertOverflow="overflow" horzOverflow="overflow" vert="horz" wrap="square" lIns="91440" tIns="45720" rIns="91440" bIns="45720" numCol="1" spcCol="0" rtlCol="0" fromWordArt="0" anchor="ctr" anchorCtr="0" forceAA="0" compatLnSpc="1">
+              <a:prstTxWarp prst="textNoShape">
+                <a:avLst/>
+              </a:prstTxWarp>
+              <a:noAutofit/>
+            </a:bodyPr>
+            <a:lstStyle/>
+            <a:p>
+              <a:pPr marL="0" marR="0" indent="0" algn="ctr" defTabSz="914400" rtl="0" eaLnBrk="0" fontAlgn="base" latinLnBrk="0" hangingPunct="0">
+                <a:lnSpc>
+                  <a:spcPct val="100000"/>
+                </a:lnSpc>
+                <a:spcBef>
+                  <a:spcPct val="0"/>
+                </a:spcBef>
+                <a:spcAft>
+                  <a:spcPct val="0"/>
+                </a:spcAft>
+                <a:buClrTx/>
+                <a:buSzTx/>
+                <a:buFontTx/>
+                <a:buNone/>
+                <a:tabLst/>
+              </a:pPr>
+              <a:r>
+                <a:rPr kumimoji="0" lang="en-GB" sz="1400" b="0" i="0" u="none" strike="noStrike" cap="none" normalizeH="0" baseline="0" dirty="0">
+                  <a:ln>
+                    <a:noFill/>
+                  </a:ln>
+                  <a:solidFill>
+                    <a:schemeClr val="bg1"/>
+                  </a:solidFill>
+                  <a:effectLst/>
+                  <a:latin typeface="Helvetica Neue" charset="0"/>
+                </a:rPr>
+                <a:t>Methodology</a:t>
+              </a:r>
+            </a:p>
+          </p:txBody>
+        </p:sp>
+        <p:sp>
+          <p:nvSpPr>
+            <p:cNvPr id="10" name="Chevron 21">
+              <a:extLst>
+                <a:ext uri="{FF2B5EF4-FFF2-40B4-BE49-F238E27FC236}">
+                  <a16:creationId xmlns:a16="http://schemas.microsoft.com/office/drawing/2014/main" id="{3000C852-2421-11D6-F1F9-F1FD3270C42A}"/>
+                </a:ext>
+              </a:extLst>
+            </p:cNvPr>
+            <p:cNvSpPr/>
+            <p:nvPr/>
+          </p:nvSpPr>
+          <p:spPr bwMode="auto">
+            <a:xfrm>
+              <a:off x="5601171" y="195135"/>
+              <a:ext cx="1655556" cy="426446"/>
+            </a:xfrm>
+            <a:prstGeom prst="chevron">
+              <a:avLst/>
+            </a:prstGeom>
+            <a:solidFill>
+              <a:schemeClr val="bg1">
+                <a:lumMod val="95000"/>
+              </a:schemeClr>
+            </a:solidFill>
+            <a:ln w="9525" cap="flat" cmpd="sng" algn="ctr">
+              <a:noFill/>
+              <a:prstDash val="solid"/>
+              <a:round/>
+              <a:headEnd type="none" w="med" len="med"/>
+              <a:tailEnd type="none" w="med" len="med"/>
+            </a:ln>
+            <a:effectLst/>
+          </p:spPr>
+          <p:txBody>
+            <a:bodyPr rot="0" spcFirstLastPara="0" vertOverflow="overflow" horzOverflow="overflow" vert="horz" wrap="square" lIns="91440" tIns="45720" rIns="91440" bIns="45720" numCol="1" spcCol="0" rtlCol="0" fromWordArt="0" anchor="ctr" anchorCtr="0" forceAA="0" compatLnSpc="1">
+              <a:prstTxWarp prst="textNoShape">
+                <a:avLst/>
+              </a:prstTxWarp>
+              <a:noAutofit/>
+            </a:bodyPr>
+            <a:lstStyle/>
+            <a:p>
+              <a:pPr marL="0" marR="0" indent="0" algn="ctr" defTabSz="914400" rtl="0" eaLnBrk="0" fontAlgn="base" latinLnBrk="0" hangingPunct="0">
+                <a:lnSpc>
+                  <a:spcPct val="100000"/>
+                </a:lnSpc>
+                <a:spcBef>
+                  <a:spcPct val="0"/>
+                </a:spcBef>
+                <a:spcAft>
+                  <a:spcPct val="0"/>
+                </a:spcAft>
+                <a:buClrTx/>
+                <a:buSzTx/>
+                <a:buFontTx/>
+                <a:buNone/>
+                <a:tabLst/>
+              </a:pPr>
+              <a:r>
+                <a:rPr kumimoji="0" lang="en-GB" sz="1400" b="0" i="0" u="none" strike="noStrike" cap="none" normalizeH="0" baseline="0" dirty="0">
+                  <a:ln>
+                    <a:noFill/>
+                  </a:ln>
+                  <a:solidFill>
+                    <a:schemeClr val="bg1"/>
+                  </a:solidFill>
+                  <a:effectLst/>
+                  <a:latin typeface="Helvetica Neue" charset="0"/>
+                </a:rPr>
+                <a:t>Outlook</a:t>
+              </a:r>
+            </a:p>
+          </p:txBody>
+        </p:sp>
+      </p:grpSp>
     </p:spTree>
     <p:extLst>
       <p:ext uri="{BB962C8B-B14F-4D97-AF65-F5344CB8AC3E}">
-        <p14:creationId xmlns:p14="http://schemas.microsoft.com/office/powerpoint/2010/main" val="3453784700"/>
+        <p14:creationId xmlns:p14="http://schemas.microsoft.com/office/powerpoint/2010/main" val="1765357275"/>
+      </p:ext>
+    </p:extLst>
+  </p:cSld>
+  <p:clrMapOvr>
+    <a:masterClrMapping/>
+  </p:clrMapOvr>
+</p:sld>
+</file>
+
+<file path=ppt/slides/slide8.xml><?xml version="1.0" encoding="utf-8"?>
+<p:sld xmlns:a="http://schemas.openxmlformats.org/drawingml/2006/main" xmlns:r="http://schemas.openxmlformats.org/officeDocument/2006/relationships" xmlns:p="http://schemas.openxmlformats.org/presentationml/2006/main">
+  <p:cSld>
+    <p:spTree>
+      <p:nvGrpSpPr>
+        <p:cNvPr id="1" name=""/>
+        <p:cNvGrpSpPr/>
+        <p:nvPr/>
+      </p:nvGrpSpPr>
+      <p:grpSpPr>
+        <a:xfrm>
+          <a:off x="0" y="0"/>
+          <a:ext cx="0" cy="0"/>
+          <a:chOff x="0" y="0"/>
+          <a:chExt cx="0" cy="0"/>
+        </a:xfrm>
+      </p:grpSpPr>
+      <p:sp>
+        <p:nvSpPr>
+          <p:cNvPr id="2" name="Content Placeholder 1">
+            <a:extLst>
+              <a:ext uri="{FF2B5EF4-FFF2-40B4-BE49-F238E27FC236}">
+                <a16:creationId xmlns:a16="http://schemas.microsoft.com/office/drawing/2014/main" id="{B09F7E02-F7BA-FEAB-86F6-CE7FE5BD723D}"/>
+              </a:ext>
+            </a:extLst>
+          </p:cNvPr>
+          <p:cNvSpPr>
+            <a:spLocks noGrp="1"/>
+          </p:cNvSpPr>
+          <p:nvPr>
+            <p:ph idx="1"/>
+          </p:nvPr>
+        </p:nvSpPr>
+        <p:spPr/>
+        <p:txBody>
+          <a:bodyPr/>
+          <a:lstStyle/>
+          <a:p>
+            <a:r>
+              <a:rPr lang="en-GB" dirty="0"/>
+              <a:t>Possible solutions: mathematical optimization </a:t>
+            </a:r>
+            <a:r>
+              <a:rPr lang="en-GB" dirty="0" err="1"/>
+              <a:t>v.s</a:t>
+            </a:r>
+            <a:r>
+              <a:rPr lang="en-GB" dirty="0"/>
+              <a:t>. reinforcement learning</a:t>
+            </a:r>
+          </a:p>
+        </p:txBody>
+      </p:sp>
+      <p:sp>
+        <p:nvSpPr>
+          <p:cNvPr id="3" name="Title 2">
+            <a:extLst>
+              <a:ext uri="{FF2B5EF4-FFF2-40B4-BE49-F238E27FC236}">
+                <a16:creationId xmlns:a16="http://schemas.microsoft.com/office/drawing/2014/main" id="{2205F221-DD06-3596-C330-06FF75A51F0E}"/>
+              </a:ext>
+            </a:extLst>
+          </p:cNvPr>
+          <p:cNvSpPr>
+            <a:spLocks noGrp="1"/>
+          </p:cNvSpPr>
+          <p:nvPr>
+            <p:ph type="title"/>
+          </p:nvPr>
+        </p:nvSpPr>
+        <p:spPr/>
+        <p:txBody>
+          <a:bodyPr/>
+          <a:lstStyle/>
+          <a:p>
+            <a:endParaRPr lang="en-GB"/>
+          </a:p>
+        </p:txBody>
+      </p:sp>
+      <p:sp>
+        <p:nvSpPr>
+          <p:cNvPr id="4" name="Slide Number Placeholder 3">
+            <a:extLst>
+              <a:ext uri="{FF2B5EF4-FFF2-40B4-BE49-F238E27FC236}">
+                <a16:creationId xmlns:a16="http://schemas.microsoft.com/office/drawing/2014/main" id="{8ADBAD59-86BD-1963-3290-00F9E48F5A99}"/>
+              </a:ext>
+            </a:extLst>
+          </p:cNvPr>
+          <p:cNvSpPr>
+            <a:spLocks noGrp="1"/>
+          </p:cNvSpPr>
+          <p:nvPr>
+            <p:ph type="sldNum" sz="quarter" idx="11"/>
+          </p:nvPr>
+        </p:nvSpPr>
+        <p:spPr/>
+        <p:txBody>
+          <a:bodyPr/>
+          <a:lstStyle/>
+          <a:p>
+            <a:fld id="{CE58CB1E-F828-4F11-99E0-327109AF9DA4}" type="slidenum">
+              <a:rPr lang="de-DE" smtClean="0"/>
+              <a:pPr/>
+              <a:t>8</a:t>
+            </a:fld>
+            <a:endParaRPr lang="de-DE"/>
+          </a:p>
+        </p:txBody>
+      </p:sp>
+      <p:sp>
+        <p:nvSpPr>
+          <p:cNvPr id="6" name="Fußzeilenplatzhalter 4">
+            <a:extLst>
+              <a:ext uri="{FF2B5EF4-FFF2-40B4-BE49-F238E27FC236}">
+                <a16:creationId xmlns:a16="http://schemas.microsoft.com/office/drawing/2014/main" id="{B2097AF6-3CCB-F0B5-D176-059CE3D6F2DE}"/>
+              </a:ext>
+            </a:extLst>
+          </p:cNvPr>
+          <p:cNvSpPr txBox="1">
+            <a:spLocks/>
+          </p:cNvSpPr>
+          <p:nvPr/>
+        </p:nvSpPr>
+        <p:spPr>
+          <a:xfrm>
+            <a:off x="311162" y="4854985"/>
+            <a:ext cx="7795890" cy="273844"/>
+          </a:xfrm>
+          <a:prstGeom prst="rect">
+            <a:avLst/>
+          </a:prstGeom>
+        </p:spPr>
+        <p:txBody>
+          <a:bodyPr/>
+          <a:lstStyle>
+            <a:defPPr>
+              <a:defRPr lang="de-DE"/>
+            </a:defPPr>
+            <a:lvl1pPr algn="l" rtl="0" fontAlgn="base">
+              <a:spcBef>
+                <a:spcPct val="0"/>
+              </a:spcBef>
+              <a:spcAft>
+                <a:spcPct val="0"/>
+              </a:spcAft>
+              <a:defRPr kern="1200">
+                <a:solidFill>
+                  <a:schemeClr val="tx1"/>
+                </a:solidFill>
+                <a:latin typeface="Arial" charset="0"/>
+                <a:ea typeface="+mn-ea"/>
+                <a:cs typeface="Arial" charset="0"/>
+              </a:defRPr>
+            </a:lvl1pPr>
+            <a:lvl2pPr marL="457200" algn="l" rtl="0" fontAlgn="base">
+              <a:spcBef>
+                <a:spcPct val="0"/>
+              </a:spcBef>
+              <a:spcAft>
+                <a:spcPct val="0"/>
+              </a:spcAft>
+              <a:defRPr kern="1200">
+                <a:solidFill>
+                  <a:schemeClr val="tx1"/>
+                </a:solidFill>
+                <a:latin typeface="Arial" charset="0"/>
+                <a:ea typeface="+mn-ea"/>
+                <a:cs typeface="Arial" charset="0"/>
+              </a:defRPr>
+            </a:lvl2pPr>
+            <a:lvl3pPr marL="914400" algn="l" rtl="0" fontAlgn="base">
+              <a:spcBef>
+                <a:spcPct val="0"/>
+              </a:spcBef>
+              <a:spcAft>
+                <a:spcPct val="0"/>
+              </a:spcAft>
+              <a:defRPr kern="1200">
+                <a:solidFill>
+                  <a:schemeClr val="tx1"/>
+                </a:solidFill>
+                <a:latin typeface="Arial" charset="0"/>
+                <a:ea typeface="+mn-ea"/>
+                <a:cs typeface="Arial" charset="0"/>
+              </a:defRPr>
+            </a:lvl3pPr>
+            <a:lvl4pPr marL="1371600" algn="l" rtl="0" fontAlgn="base">
+              <a:spcBef>
+                <a:spcPct val="0"/>
+              </a:spcBef>
+              <a:spcAft>
+                <a:spcPct val="0"/>
+              </a:spcAft>
+              <a:defRPr kern="1200">
+                <a:solidFill>
+                  <a:schemeClr val="tx1"/>
+                </a:solidFill>
+                <a:latin typeface="Arial" charset="0"/>
+                <a:ea typeface="+mn-ea"/>
+                <a:cs typeface="Arial" charset="0"/>
+              </a:defRPr>
+            </a:lvl4pPr>
+            <a:lvl5pPr marL="1828800" algn="l" rtl="0" fontAlgn="base">
+              <a:spcBef>
+                <a:spcPct val="0"/>
+              </a:spcBef>
+              <a:spcAft>
+                <a:spcPct val="0"/>
+              </a:spcAft>
+              <a:defRPr kern="1200">
+                <a:solidFill>
+                  <a:schemeClr val="tx1"/>
+                </a:solidFill>
+                <a:latin typeface="Arial" charset="0"/>
+                <a:ea typeface="+mn-ea"/>
+                <a:cs typeface="Arial" charset="0"/>
+              </a:defRPr>
+            </a:lvl5pPr>
+            <a:lvl6pPr marL="2286000" algn="l" defTabSz="914400" rtl="0" eaLnBrk="1" latinLnBrk="0" hangingPunct="1">
+              <a:defRPr kern="1200">
+                <a:solidFill>
+                  <a:schemeClr val="tx1"/>
+                </a:solidFill>
+                <a:latin typeface="Arial" charset="0"/>
+                <a:ea typeface="+mn-ea"/>
+                <a:cs typeface="Arial" charset="0"/>
+              </a:defRPr>
+            </a:lvl6pPr>
+            <a:lvl7pPr marL="2743200" algn="l" defTabSz="914400" rtl="0" eaLnBrk="1" latinLnBrk="0" hangingPunct="1">
+              <a:defRPr kern="1200">
+                <a:solidFill>
+                  <a:schemeClr val="tx1"/>
+                </a:solidFill>
+                <a:latin typeface="Arial" charset="0"/>
+                <a:ea typeface="+mn-ea"/>
+                <a:cs typeface="Arial" charset="0"/>
+              </a:defRPr>
+            </a:lvl7pPr>
+            <a:lvl8pPr marL="3200400" algn="l" defTabSz="914400" rtl="0" eaLnBrk="1" latinLnBrk="0" hangingPunct="1">
+              <a:defRPr kern="1200">
+                <a:solidFill>
+                  <a:schemeClr val="tx1"/>
+                </a:solidFill>
+                <a:latin typeface="Arial" charset="0"/>
+                <a:ea typeface="+mn-ea"/>
+                <a:cs typeface="Arial" charset="0"/>
+              </a:defRPr>
+            </a:lvl8pPr>
+            <a:lvl9pPr marL="3657600" algn="l" defTabSz="914400" rtl="0" eaLnBrk="1" latinLnBrk="0" hangingPunct="1">
+              <a:defRPr kern="1200">
+                <a:solidFill>
+                  <a:schemeClr val="tx1"/>
+                </a:solidFill>
+                <a:latin typeface="Arial" charset="0"/>
+                <a:ea typeface="+mn-ea"/>
+                <a:cs typeface="Arial" charset="0"/>
+              </a:defRPr>
+            </a:lvl9pPr>
+          </a:lstStyle>
+          <a:p>
+            <a:r>
+              <a:rPr lang="en-US" sz="1100" dirty="0">
+                <a:latin typeface="Arial"/>
+                <a:cs typeface="Arial"/>
+              </a:rPr>
+              <a:t>Chia-Ling Yang | </a:t>
+            </a:r>
+            <a:r>
+              <a:rPr lang="en-GB" sz="1100" b="0" i="0" u="none" strike="noStrike" dirty="0">
+                <a:effectLst/>
+                <a:latin typeface="Arial" panose="020B0604020202020204" pitchFamily="34" charset="0"/>
+              </a:rPr>
+              <a:t>Exploring Reinforcement Learning Solutions for EV-aware Optimal Power Flow Under Uncertainty</a:t>
+            </a:r>
+            <a:endParaRPr lang="en-US" sz="1100" dirty="0">
+              <a:latin typeface="Arial"/>
+              <a:cs typeface="Arial"/>
+            </a:endParaRPr>
+          </a:p>
+        </p:txBody>
+      </p:sp>
+    </p:spTree>
+    <p:extLst>
+      <p:ext uri="{BB962C8B-B14F-4D97-AF65-F5344CB8AC3E}">
+        <p14:creationId xmlns:p14="http://schemas.microsoft.com/office/powerpoint/2010/main" val="445645378"/>
       </p:ext>
     </p:extLst>
   </p:cSld>
@@ -18099,10 +20333,38 @@
       </p:grpSpPr>
       <p:sp>
         <p:nvSpPr>
-          <p:cNvPr id="2" name="Title 1">
+          <p:cNvPr id="2" name="Content Placeholder 1">
             <a:extLst>
               <a:ext uri="{FF2B5EF4-FFF2-40B4-BE49-F238E27FC236}">
-                <a16:creationId xmlns:a16="http://schemas.microsoft.com/office/drawing/2014/main" id="{DFE7BBAD-C53B-2C58-EB5A-C6B98E80A983}"/>
+                <a16:creationId xmlns:a16="http://schemas.microsoft.com/office/drawing/2014/main" id="{B936D1C0-BA1C-56FB-C0DC-5BF59B237622}"/>
+              </a:ext>
+            </a:extLst>
+          </p:cNvPr>
+          <p:cNvSpPr>
+            <a:spLocks noGrp="1"/>
+          </p:cNvSpPr>
+          <p:nvPr>
+            <p:ph idx="1"/>
+          </p:nvPr>
+        </p:nvSpPr>
+        <p:spPr/>
+        <p:txBody>
+          <a:bodyPr/>
+          <a:lstStyle/>
+          <a:p>
+            <a:r>
+              <a:rPr lang="en-GB" dirty="0"/>
+              <a:t>Explain more about RL</a:t>
+            </a:r>
+          </a:p>
+        </p:txBody>
+      </p:sp>
+      <p:sp>
+        <p:nvSpPr>
+          <p:cNvPr id="3" name="Title 2">
+            <a:extLst>
+              <a:ext uri="{FF2B5EF4-FFF2-40B4-BE49-F238E27FC236}">
+                <a16:creationId xmlns:a16="http://schemas.microsoft.com/office/drawing/2014/main" id="{54A1A9CA-C09D-D8C1-566C-1AA7F9177855}"/>
               </a:ext>
             </a:extLst>
           </p:cNvPr>
@@ -18113,27 +20375,221 @@
             <p:ph type="title"/>
           </p:nvPr>
         </p:nvSpPr>
+        <p:spPr/>
+        <p:txBody>
+          <a:bodyPr/>
+          <a:lstStyle/>
+          <a:p>
+            <a:endParaRPr lang="en-GB" dirty="0"/>
+          </a:p>
+        </p:txBody>
+      </p:sp>
+      <p:sp>
+        <p:nvSpPr>
+          <p:cNvPr id="4" name="Slide Number Placeholder 3">
+            <a:extLst>
+              <a:ext uri="{FF2B5EF4-FFF2-40B4-BE49-F238E27FC236}">
+                <a16:creationId xmlns:a16="http://schemas.microsoft.com/office/drawing/2014/main" id="{D0881605-5AA8-D008-7E6E-B12BF0F978D6}"/>
+              </a:ext>
+            </a:extLst>
+          </p:cNvPr>
+          <p:cNvSpPr>
+            <a:spLocks noGrp="1"/>
+          </p:cNvSpPr>
+          <p:nvPr>
+            <p:ph type="sldNum" sz="quarter" idx="11"/>
+          </p:nvPr>
+        </p:nvSpPr>
+        <p:spPr/>
+        <p:txBody>
+          <a:bodyPr/>
+          <a:lstStyle/>
+          <a:p>
+            <a:fld id="{CE58CB1E-F828-4F11-99E0-327109AF9DA4}" type="slidenum">
+              <a:rPr lang="de-DE" smtClean="0"/>
+              <a:pPr/>
+              <a:t>9</a:t>
+            </a:fld>
+            <a:endParaRPr lang="de-DE"/>
+          </a:p>
+        </p:txBody>
+      </p:sp>
+      <p:sp>
+        <p:nvSpPr>
+          <p:cNvPr id="6" name="Fußzeilenplatzhalter 4">
+            <a:extLst>
+              <a:ext uri="{FF2B5EF4-FFF2-40B4-BE49-F238E27FC236}">
+                <a16:creationId xmlns:a16="http://schemas.microsoft.com/office/drawing/2014/main" id="{62052A25-E5A9-F308-CA34-C36D2764C96D}"/>
+              </a:ext>
+            </a:extLst>
+          </p:cNvPr>
+          <p:cNvSpPr txBox="1">
+            <a:spLocks/>
+          </p:cNvSpPr>
+          <p:nvPr/>
+        </p:nvSpPr>
         <p:spPr>
           <a:xfrm>
-            <a:off x="319090" y="972000"/>
-            <a:ext cx="8508999" cy="380745"/>
+            <a:off x="311162" y="4854985"/>
+            <a:ext cx="7795890" cy="273844"/>
           </a:xfrm>
+          <a:prstGeom prst="rect">
+            <a:avLst/>
+          </a:prstGeom>
         </p:spPr>
         <p:txBody>
           <a:bodyPr/>
-          <a:lstStyle/>
-          <a:p>
-            <a:r>
-              <a:rPr lang="en-GB" dirty="0"/>
-              <a:t>Problem Formulation</a:t>
-            </a:r>
+          <a:lstStyle>
+            <a:defPPr>
+              <a:defRPr lang="de-DE"/>
+            </a:defPPr>
+            <a:lvl1pPr algn="l" rtl="0" fontAlgn="base">
+              <a:spcBef>
+                <a:spcPct val="0"/>
+              </a:spcBef>
+              <a:spcAft>
+                <a:spcPct val="0"/>
+              </a:spcAft>
+              <a:defRPr kern="1200">
+                <a:solidFill>
+                  <a:schemeClr val="tx1"/>
+                </a:solidFill>
+                <a:latin typeface="Arial" charset="0"/>
+                <a:ea typeface="+mn-ea"/>
+                <a:cs typeface="Arial" charset="0"/>
+              </a:defRPr>
+            </a:lvl1pPr>
+            <a:lvl2pPr marL="457200" algn="l" rtl="0" fontAlgn="base">
+              <a:spcBef>
+                <a:spcPct val="0"/>
+              </a:spcBef>
+              <a:spcAft>
+                <a:spcPct val="0"/>
+              </a:spcAft>
+              <a:defRPr kern="1200">
+                <a:solidFill>
+                  <a:schemeClr val="tx1"/>
+                </a:solidFill>
+                <a:latin typeface="Arial" charset="0"/>
+                <a:ea typeface="+mn-ea"/>
+                <a:cs typeface="Arial" charset="0"/>
+              </a:defRPr>
+            </a:lvl2pPr>
+            <a:lvl3pPr marL="914400" algn="l" rtl="0" fontAlgn="base">
+              <a:spcBef>
+                <a:spcPct val="0"/>
+              </a:spcBef>
+              <a:spcAft>
+                <a:spcPct val="0"/>
+              </a:spcAft>
+              <a:defRPr kern="1200">
+                <a:solidFill>
+                  <a:schemeClr val="tx1"/>
+                </a:solidFill>
+                <a:latin typeface="Arial" charset="0"/>
+                <a:ea typeface="+mn-ea"/>
+                <a:cs typeface="Arial" charset="0"/>
+              </a:defRPr>
+            </a:lvl3pPr>
+            <a:lvl4pPr marL="1371600" algn="l" rtl="0" fontAlgn="base">
+              <a:spcBef>
+                <a:spcPct val="0"/>
+              </a:spcBef>
+              <a:spcAft>
+                <a:spcPct val="0"/>
+              </a:spcAft>
+              <a:defRPr kern="1200">
+                <a:solidFill>
+                  <a:schemeClr val="tx1"/>
+                </a:solidFill>
+                <a:latin typeface="Arial" charset="0"/>
+                <a:ea typeface="+mn-ea"/>
+                <a:cs typeface="Arial" charset="0"/>
+              </a:defRPr>
+            </a:lvl4pPr>
+            <a:lvl5pPr marL="1828800" algn="l" rtl="0" fontAlgn="base">
+              <a:spcBef>
+                <a:spcPct val="0"/>
+              </a:spcBef>
+              <a:spcAft>
+                <a:spcPct val="0"/>
+              </a:spcAft>
+              <a:defRPr kern="1200">
+                <a:solidFill>
+                  <a:schemeClr val="tx1"/>
+                </a:solidFill>
+                <a:latin typeface="Arial" charset="0"/>
+                <a:ea typeface="+mn-ea"/>
+                <a:cs typeface="Arial" charset="0"/>
+              </a:defRPr>
+            </a:lvl5pPr>
+            <a:lvl6pPr marL="2286000" algn="l" defTabSz="914400" rtl="0" eaLnBrk="1" latinLnBrk="0" hangingPunct="1">
+              <a:defRPr kern="1200">
+                <a:solidFill>
+                  <a:schemeClr val="tx1"/>
+                </a:solidFill>
+                <a:latin typeface="Arial" charset="0"/>
+                <a:ea typeface="+mn-ea"/>
+                <a:cs typeface="Arial" charset="0"/>
+              </a:defRPr>
+            </a:lvl6pPr>
+            <a:lvl7pPr marL="2743200" algn="l" defTabSz="914400" rtl="0" eaLnBrk="1" latinLnBrk="0" hangingPunct="1">
+              <a:defRPr kern="1200">
+                <a:solidFill>
+                  <a:schemeClr val="tx1"/>
+                </a:solidFill>
+                <a:latin typeface="Arial" charset="0"/>
+                <a:ea typeface="+mn-ea"/>
+                <a:cs typeface="Arial" charset="0"/>
+              </a:defRPr>
+            </a:lvl7pPr>
+            <a:lvl8pPr marL="3200400" algn="l" defTabSz="914400" rtl="0" eaLnBrk="1" latinLnBrk="0" hangingPunct="1">
+              <a:defRPr kern="1200">
+                <a:solidFill>
+                  <a:schemeClr val="tx1"/>
+                </a:solidFill>
+                <a:latin typeface="Arial" charset="0"/>
+                <a:ea typeface="+mn-ea"/>
+                <a:cs typeface="Arial" charset="0"/>
+              </a:defRPr>
+            </a:lvl8pPr>
+            <a:lvl9pPr marL="3657600" algn="l" defTabSz="914400" rtl="0" eaLnBrk="1" latinLnBrk="0" hangingPunct="1">
+              <a:defRPr kern="1200">
+                <a:solidFill>
+                  <a:schemeClr val="tx1"/>
+                </a:solidFill>
+                <a:latin typeface="Arial" charset="0"/>
+                <a:ea typeface="+mn-ea"/>
+                <a:cs typeface="Arial" charset="0"/>
+              </a:defRPr>
+            </a:lvl9pPr>
+          </a:lstStyle>
+          <a:p>
+            <a:r>
+              <a:rPr lang="en-US" sz="1100" dirty="0">
+                <a:latin typeface="Arial"/>
+                <a:cs typeface="Arial"/>
+              </a:rPr>
+              <a:t>Chia-Ling Yang | </a:t>
+            </a:r>
+            <a:r>
+              <a:rPr lang="en-GB" sz="1100" b="0" i="0" u="none" strike="noStrike" dirty="0">
+                <a:effectLst/>
+                <a:latin typeface="Arial" panose="020B0604020202020204" pitchFamily="34" charset="0"/>
+              </a:rPr>
+              <a:t>Exploring Reinforcement Learning Solutions for EV-aware Optimal Power Flow Under Uncertainty</a:t>
+            </a:r>
+            <a:endParaRPr lang="en-US" sz="1100" dirty="0">
+              <a:latin typeface="Arial"/>
+              <a:cs typeface="Arial"/>
+            </a:endParaRPr>
           </a:p>
         </p:txBody>
       </p:sp>
     </p:spTree>
     <p:extLst>
       <p:ext uri="{BB962C8B-B14F-4D97-AF65-F5344CB8AC3E}">
-        <p14:creationId xmlns:p14="http://schemas.microsoft.com/office/powerpoint/2010/main" val="2451599247"/>
+        <p14:creationId xmlns:p14="http://schemas.microsoft.com/office/powerpoint/2010/main" val="1551450061"/>
       </p:ext>
     </p:extLst>
   </p:cSld>

--- a/Mid-term Presentation.pptx
+++ b/Mid-term Presentation.pptx
@@ -325,7 +325,7 @@
               <a:pPr>
                 <a:defRPr/>
               </a:pPr>
-              <a:t>12/08/2024</a:t>
+              <a:t>13/08/2024</a:t>
             </a:fld>
             <a:endParaRPr lang="en-GB"/>
           </a:p>
@@ -544,7 +544,7 @@
               <a:pPr>
                 <a:defRPr/>
               </a:pPr>
-              <a:t>12/08/2024</a:t>
+              <a:t>13/08/2024</a:t>
             </a:fld>
             <a:endParaRPr lang="en-GB"/>
           </a:p>
@@ -20586,6 +20586,1788 @@
           </a:p>
         </p:txBody>
       </p:sp>
+      <p:grpSp>
+        <p:nvGrpSpPr>
+          <p:cNvPr id="71" name="Group 70">
+            <a:extLst>
+              <a:ext uri="{FF2B5EF4-FFF2-40B4-BE49-F238E27FC236}">
+                <a16:creationId xmlns:a16="http://schemas.microsoft.com/office/drawing/2014/main" id="{7A1C47DB-C79E-0FB3-4598-560BD2B6E5DB}"/>
+              </a:ext>
+            </a:extLst>
+          </p:cNvPr>
+          <p:cNvGrpSpPr/>
+          <p:nvPr/>
+        </p:nvGrpSpPr>
+        <p:grpSpPr>
+          <a:xfrm>
+            <a:off x="2647394" y="1965045"/>
+            <a:ext cx="6177516" cy="2307265"/>
+            <a:chOff x="1541721" y="1892595"/>
+            <a:chExt cx="6177516" cy="2307265"/>
+          </a:xfrm>
+        </p:grpSpPr>
+        <p:sp>
+          <p:nvSpPr>
+            <p:cNvPr id="70" name="Rectangle 69">
+              <a:extLst>
+                <a:ext uri="{FF2B5EF4-FFF2-40B4-BE49-F238E27FC236}">
+                  <a16:creationId xmlns:a16="http://schemas.microsoft.com/office/drawing/2014/main" id="{891E0EBD-037A-DC15-8561-9E0CD31087D7}"/>
+                </a:ext>
+              </a:extLst>
+            </p:cNvPr>
+            <p:cNvSpPr/>
+            <p:nvPr/>
+          </p:nvSpPr>
+          <p:spPr>
+            <a:xfrm>
+              <a:off x="1541721" y="1892595"/>
+              <a:ext cx="6177516" cy="2307265"/>
+            </a:xfrm>
+            <a:prstGeom prst="rect">
+              <a:avLst/>
+            </a:prstGeom>
+            <a:solidFill>
+              <a:schemeClr val="bg1"/>
+            </a:solidFill>
+            <a:ln>
+              <a:noFill/>
+            </a:ln>
+          </p:spPr>
+          <p:style>
+            <a:lnRef idx="2">
+              <a:schemeClr val="accent1">
+                <a:shade val="50000"/>
+              </a:schemeClr>
+            </a:lnRef>
+            <a:fillRef idx="1">
+              <a:schemeClr val="accent1"/>
+            </a:fillRef>
+            <a:effectRef idx="0">
+              <a:schemeClr val="accent1"/>
+            </a:effectRef>
+            <a:fontRef idx="minor">
+              <a:schemeClr val="lt1"/>
+            </a:fontRef>
+          </p:style>
+          <p:txBody>
+            <a:bodyPr rot="0" spcFirstLastPara="0" vertOverflow="overflow" horzOverflow="overflow" vert="horz" wrap="square" lIns="91440" tIns="45720" rIns="91440" bIns="45720" numCol="1" spcCol="0" rtlCol="0" fromWordArt="0" anchor="t" anchorCtr="0" forceAA="0" compatLnSpc="1">
+              <a:prstTxWarp prst="textNoShape">
+                <a:avLst/>
+              </a:prstTxWarp>
+              <a:noAutofit/>
+            </a:bodyPr>
+            <a:lstStyle/>
+            <a:p>
+              <a:pPr algn="ctr">
+                <a:lnSpc>
+                  <a:spcPct val="114000"/>
+                </a:lnSpc>
+              </a:pPr>
+              <a:endParaRPr lang="en-GB" dirty="0"/>
+            </a:p>
+          </p:txBody>
+        </p:sp>
+        <p:grpSp>
+          <p:nvGrpSpPr>
+            <p:cNvPr id="8" name="Group 7">
+              <a:extLst>
+                <a:ext uri="{FF2B5EF4-FFF2-40B4-BE49-F238E27FC236}">
+                  <a16:creationId xmlns:a16="http://schemas.microsoft.com/office/drawing/2014/main" id="{D6C57025-57DC-B41F-1276-4A6664B7CA81}"/>
+                </a:ext>
+              </a:extLst>
+            </p:cNvPr>
+            <p:cNvGrpSpPr/>
+            <p:nvPr/>
+          </p:nvGrpSpPr>
+          <p:grpSpPr>
+            <a:xfrm>
+              <a:off x="1828800" y="2076843"/>
+              <a:ext cx="5759559" cy="989814"/>
+              <a:chOff x="1828800" y="2076843"/>
+              <a:chExt cx="5759559" cy="989814"/>
+            </a:xfrm>
+          </p:grpSpPr>
+          <p:sp>
+            <p:nvSpPr>
+              <p:cNvPr id="5" name="Rounded Rectangle 4">
+                <a:extLst>
+                  <a:ext uri="{FF2B5EF4-FFF2-40B4-BE49-F238E27FC236}">
+                    <a16:creationId xmlns:a16="http://schemas.microsoft.com/office/drawing/2014/main" id="{0BB25CEE-0CCC-8454-B4A3-FDD0C6630DEC}"/>
+                  </a:ext>
+                </a:extLst>
+              </p:cNvPr>
+              <p:cNvSpPr/>
+              <p:nvPr/>
+            </p:nvSpPr>
+            <p:spPr>
+              <a:xfrm>
+                <a:off x="1828800" y="2076843"/>
+                <a:ext cx="5759559" cy="989814"/>
+              </a:xfrm>
+              <a:prstGeom prst="roundRect">
+                <a:avLst/>
+              </a:prstGeom>
+              <a:solidFill>
+                <a:schemeClr val="accent2">
+                  <a:alpha val="50000"/>
+                </a:schemeClr>
+              </a:solidFill>
+              <a:ln>
+                <a:noFill/>
+              </a:ln>
+            </p:spPr>
+            <p:style>
+              <a:lnRef idx="0">
+                <a:scrgbClr r="0" g="0" b="0"/>
+              </a:lnRef>
+              <a:fillRef idx="0">
+                <a:scrgbClr r="0" g="0" b="0"/>
+              </a:fillRef>
+              <a:effectRef idx="0">
+                <a:scrgbClr r="0" g="0" b="0"/>
+              </a:effectRef>
+              <a:fontRef idx="minor">
+                <a:schemeClr val="lt1"/>
+              </a:fontRef>
+            </p:style>
+            <p:txBody>
+              <a:bodyPr rot="0" spcFirstLastPara="0" vertOverflow="overflow" horzOverflow="overflow" vert="horz" wrap="square" lIns="91440" tIns="45720" rIns="91440" bIns="45720" numCol="1" spcCol="0" rtlCol="0" fromWordArt="0" anchor="t" anchorCtr="0" forceAA="0" compatLnSpc="1">
+                <a:prstTxWarp prst="textNoShape">
+                  <a:avLst/>
+                </a:prstTxWarp>
+                <a:noAutofit/>
+              </a:bodyPr>
+              <a:lstStyle/>
+              <a:p>
+                <a:pPr algn="ctr">
+                  <a:lnSpc>
+                    <a:spcPct val="114000"/>
+                  </a:lnSpc>
+                </a:pPr>
+                <a:endParaRPr lang="en-GB" dirty="0"/>
+              </a:p>
+            </p:txBody>
+          </p:sp>
+          <p:sp>
+            <p:nvSpPr>
+              <p:cNvPr id="7" name="TextBox 6">
+                <a:extLst>
+                  <a:ext uri="{FF2B5EF4-FFF2-40B4-BE49-F238E27FC236}">
+                    <a16:creationId xmlns:a16="http://schemas.microsoft.com/office/drawing/2014/main" id="{B23BA324-A8DB-143D-7894-9FF90ADCBF31}"/>
+                  </a:ext>
+                </a:extLst>
+              </p:cNvPr>
+              <p:cNvSpPr txBox="1"/>
+              <p:nvPr/>
+            </p:nvSpPr>
+            <p:spPr>
+              <a:xfrm>
+                <a:off x="6169729" y="2161903"/>
+                <a:ext cx="1344202" cy="257250"/>
+              </a:xfrm>
+              <a:prstGeom prst="rect">
+                <a:avLst/>
+              </a:prstGeom>
+              <a:noFill/>
+            </p:spPr>
+            <p:txBody>
+              <a:bodyPr wrap="square" lIns="0" tIns="0" rIns="0" bIns="0" rtlCol="0">
+                <a:spAutoFit/>
+              </a:bodyPr>
+              <a:lstStyle/>
+              <a:p>
+                <a:pPr>
+                  <a:lnSpc>
+                    <a:spcPct val="114000"/>
+                  </a:lnSpc>
+                </a:pPr>
+                <a:r>
+                  <a:rPr lang="en-GB" sz="1600" b="1" dirty="0">
+                    <a:solidFill>
+                      <a:schemeClr val="tx2"/>
+                    </a:solidFill>
+                    <a:latin typeface="+mn-lt"/>
+                  </a:rPr>
+                  <a:t>Environment</a:t>
+                </a:r>
+              </a:p>
+            </p:txBody>
+          </p:sp>
+        </p:grpSp>
+        <p:grpSp>
+          <p:nvGrpSpPr>
+            <p:cNvPr id="10" name="Group 9">
+              <a:extLst>
+                <a:ext uri="{FF2B5EF4-FFF2-40B4-BE49-F238E27FC236}">
+                  <a16:creationId xmlns:a16="http://schemas.microsoft.com/office/drawing/2014/main" id="{ADA9D58A-3A24-91B3-86A3-C3F8C1920F9A}"/>
+                </a:ext>
+              </a:extLst>
+            </p:cNvPr>
+            <p:cNvGrpSpPr/>
+            <p:nvPr/>
+          </p:nvGrpSpPr>
+          <p:grpSpPr>
+            <a:xfrm>
+              <a:off x="3095282" y="3368969"/>
+              <a:ext cx="2465547" cy="707336"/>
+              <a:chOff x="2635499" y="2076843"/>
+              <a:chExt cx="4990157" cy="707336"/>
+            </a:xfrm>
+          </p:grpSpPr>
+          <p:sp>
+            <p:nvSpPr>
+              <p:cNvPr id="11" name="Rounded Rectangle 10">
+                <a:extLst>
+                  <a:ext uri="{FF2B5EF4-FFF2-40B4-BE49-F238E27FC236}">
+                    <a16:creationId xmlns:a16="http://schemas.microsoft.com/office/drawing/2014/main" id="{5C607A80-3217-767A-5848-8624E14D61BF}"/>
+                  </a:ext>
+                </a:extLst>
+              </p:cNvPr>
+              <p:cNvSpPr/>
+              <p:nvPr/>
+            </p:nvSpPr>
+            <p:spPr>
+              <a:xfrm>
+                <a:off x="2635499" y="2076843"/>
+                <a:ext cx="4990157" cy="707336"/>
+              </a:xfrm>
+              <a:prstGeom prst="roundRect">
+                <a:avLst/>
+              </a:prstGeom>
+              <a:solidFill>
+                <a:schemeClr val="accent6">
+                  <a:alpha val="25000"/>
+                </a:schemeClr>
+              </a:solidFill>
+              <a:ln>
+                <a:noFill/>
+              </a:ln>
+            </p:spPr>
+            <p:style>
+              <a:lnRef idx="0">
+                <a:scrgbClr r="0" g="0" b="0"/>
+              </a:lnRef>
+              <a:fillRef idx="0">
+                <a:scrgbClr r="0" g="0" b="0"/>
+              </a:fillRef>
+              <a:effectRef idx="0">
+                <a:scrgbClr r="0" g="0" b="0"/>
+              </a:effectRef>
+              <a:fontRef idx="minor">
+                <a:schemeClr val="lt1"/>
+              </a:fontRef>
+            </p:style>
+            <p:txBody>
+              <a:bodyPr rot="0" spcFirstLastPara="0" vertOverflow="overflow" horzOverflow="overflow" vert="horz" wrap="square" lIns="91440" tIns="45720" rIns="91440" bIns="45720" numCol="1" spcCol="0" rtlCol="0" fromWordArt="0" anchor="t" anchorCtr="0" forceAA="0" compatLnSpc="1">
+                <a:prstTxWarp prst="textNoShape">
+                  <a:avLst/>
+                </a:prstTxWarp>
+                <a:noAutofit/>
+              </a:bodyPr>
+              <a:lstStyle/>
+              <a:p>
+                <a:pPr algn="ctr">
+                  <a:lnSpc>
+                    <a:spcPct val="114000"/>
+                  </a:lnSpc>
+                </a:pPr>
+                <a:endParaRPr lang="en-GB" dirty="0">
+                  <a:solidFill>
+                    <a:schemeClr val="tx1"/>
+                  </a:solidFill>
+                </a:endParaRPr>
+              </a:p>
+            </p:txBody>
+          </p:sp>
+          <p:sp>
+            <p:nvSpPr>
+              <p:cNvPr id="12" name="TextBox 11">
+                <a:extLst>
+                  <a:ext uri="{FF2B5EF4-FFF2-40B4-BE49-F238E27FC236}">
+                    <a16:creationId xmlns:a16="http://schemas.microsoft.com/office/drawing/2014/main" id="{A1DC1FDB-804A-1025-90DF-9B015B60EF48}"/>
+                  </a:ext>
+                </a:extLst>
+              </p:cNvPr>
+              <p:cNvSpPr txBox="1"/>
+              <p:nvPr/>
+            </p:nvSpPr>
+            <p:spPr>
+              <a:xfrm>
+                <a:off x="6280555" y="2161903"/>
+                <a:ext cx="1233376" cy="257250"/>
+              </a:xfrm>
+              <a:prstGeom prst="rect">
+                <a:avLst/>
+              </a:prstGeom>
+              <a:noFill/>
+            </p:spPr>
+            <p:txBody>
+              <a:bodyPr wrap="square" lIns="0" tIns="0" rIns="0" bIns="0" rtlCol="0">
+                <a:spAutoFit/>
+              </a:bodyPr>
+              <a:lstStyle/>
+              <a:p>
+                <a:pPr algn="ctr">
+                  <a:lnSpc>
+                    <a:spcPct val="114000"/>
+                  </a:lnSpc>
+                </a:pPr>
+                <a:r>
+                  <a:rPr lang="en-GB" sz="1600" b="1" dirty="0">
+                    <a:solidFill>
+                      <a:schemeClr val="accent6"/>
+                    </a:solidFill>
+                    <a:latin typeface="+mn-lt"/>
+                  </a:rPr>
+                  <a:t>Agent</a:t>
+                </a:r>
+              </a:p>
+            </p:txBody>
+          </p:sp>
+        </p:grpSp>
+        <p:grpSp>
+          <p:nvGrpSpPr>
+            <p:cNvPr id="16" name="Group 15">
+              <a:extLst>
+                <a:ext uri="{FF2B5EF4-FFF2-40B4-BE49-F238E27FC236}">
+                  <a16:creationId xmlns:a16="http://schemas.microsoft.com/office/drawing/2014/main" id="{D5CFA6C5-E894-DBD4-75A5-1A4F460A9024}"/>
+                </a:ext>
+              </a:extLst>
+            </p:cNvPr>
+            <p:cNvGrpSpPr/>
+            <p:nvPr/>
+          </p:nvGrpSpPr>
+          <p:grpSpPr>
+            <a:xfrm>
+              <a:off x="2797571" y="2284423"/>
+              <a:ext cx="595423" cy="590895"/>
+              <a:chOff x="1467293" y="2262904"/>
+              <a:chExt cx="595423" cy="590895"/>
+            </a:xfrm>
+          </p:grpSpPr>
+          <p:sp>
+            <p:nvSpPr>
+              <p:cNvPr id="13" name="Oval 12">
+                <a:extLst>
+                  <a:ext uri="{FF2B5EF4-FFF2-40B4-BE49-F238E27FC236}">
+                    <a16:creationId xmlns:a16="http://schemas.microsoft.com/office/drawing/2014/main" id="{539AC701-273E-C0B1-C44C-E0226DCD97EC}"/>
+                  </a:ext>
+                </a:extLst>
+              </p:cNvPr>
+              <p:cNvSpPr/>
+              <p:nvPr/>
+            </p:nvSpPr>
+            <p:spPr>
+              <a:xfrm>
+                <a:off x="1467293" y="2262904"/>
+                <a:ext cx="595423" cy="590895"/>
+              </a:xfrm>
+              <a:prstGeom prst="ellipse">
+                <a:avLst/>
+              </a:prstGeom>
+              <a:noFill/>
+              <a:ln>
+                <a:solidFill>
+                  <a:schemeClr val="accent1"/>
+                </a:solidFill>
+              </a:ln>
+            </p:spPr>
+            <p:style>
+              <a:lnRef idx="2">
+                <a:schemeClr val="accent1">
+                  <a:shade val="50000"/>
+                </a:schemeClr>
+              </a:lnRef>
+              <a:fillRef idx="1">
+                <a:schemeClr val="accent1"/>
+              </a:fillRef>
+              <a:effectRef idx="0">
+                <a:schemeClr val="accent1"/>
+              </a:effectRef>
+              <a:fontRef idx="minor">
+                <a:schemeClr val="lt1"/>
+              </a:fontRef>
+            </p:style>
+            <p:txBody>
+              <a:bodyPr rot="0" spcFirstLastPara="0" vertOverflow="overflow" horzOverflow="overflow" vert="horz" wrap="square" lIns="91440" tIns="45720" rIns="91440" bIns="45720" numCol="1" spcCol="0" rtlCol="0" fromWordArt="0" anchor="t" anchorCtr="0" forceAA="0" compatLnSpc="1">
+                <a:prstTxWarp prst="textNoShape">
+                  <a:avLst/>
+                </a:prstTxWarp>
+                <a:noAutofit/>
+              </a:bodyPr>
+              <a:lstStyle/>
+              <a:p>
+                <a:pPr algn="ctr">
+                  <a:lnSpc>
+                    <a:spcPct val="114000"/>
+                  </a:lnSpc>
+                </a:pPr>
+                <a:endParaRPr lang="en-GB" dirty="0"/>
+              </a:p>
+            </p:txBody>
+          </p:sp>
+          <mc:AlternateContent xmlns:mc="http://schemas.openxmlformats.org/markup-compatibility/2006">
+            <mc:Choice xmlns:a14="http://schemas.microsoft.com/office/drawing/2010/main" Requires="a14">
+              <p:sp>
+                <p:nvSpPr>
+                  <p:cNvPr id="14" name="TextBox 13">
+                    <a:extLst>
+                      <a:ext uri="{FF2B5EF4-FFF2-40B4-BE49-F238E27FC236}">
+                        <a16:creationId xmlns:a16="http://schemas.microsoft.com/office/drawing/2014/main" id="{CF932177-8DF5-CCE5-49E4-9BBE8914669F}"/>
+                      </a:ext>
+                    </a:extLst>
+                  </p:cNvPr>
+                  <p:cNvSpPr txBox="1"/>
+                  <p:nvPr/>
+                </p:nvSpPr>
+                <p:spPr>
+                  <a:xfrm>
+                    <a:off x="1622551" y="2354194"/>
+                    <a:ext cx="280269" cy="350865"/>
+                  </a:xfrm>
+                  <a:prstGeom prst="rect">
+                    <a:avLst/>
+                  </a:prstGeom>
+                  <a:noFill/>
+                </p:spPr>
+                <p:txBody>
+                  <a:bodyPr wrap="none" lIns="0" tIns="0" rIns="0" bIns="0" rtlCol="0" anchor="ctr">
+                    <a:spAutoFit/>
+                  </a:bodyPr>
+                  <a:lstStyle/>
+                  <a:p>
+                    <a:pPr>
+                      <a:lnSpc>
+                        <a:spcPct val="114000"/>
+                      </a:lnSpc>
+                    </a:pPr>
+                    <a14:m>
+                      <m:oMathPara xmlns:m="http://schemas.openxmlformats.org/officeDocument/2006/math">
+                        <m:oMathParaPr>
+                          <m:jc m:val="centerGroup"/>
+                        </m:oMathParaPr>
+                        <m:oMath xmlns:m="http://schemas.openxmlformats.org/officeDocument/2006/math">
+                          <m:sSub>
+                            <m:sSubPr>
+                              <m:ctrlPr>
+                                <a:rPr lang="en-GB" sz="2000" i="1" smtClean="0">
+                                  <a:latin typeface="Cambria Math" panose="02040503050406030204" pitchFamily="18" charset="0"/>
+                                </a:rPr>
+                              </m:ctrlPr>
+                            </m:sSubPr>
+                            <m:e>
+                              <m:r>
+                                <a:rPr lang="en-US" sz="2000" b="0" i="1" smtClean="0">
+                                  <a:latin typeface="Cambria Math" panose="02040503050406030204" pitchFamily="18" charset="0"/>
+                                </a:rPr>
+                                <m:t>𝑠</m:t>
+                              </m:r>
+                            </m:e>
+                            <m:sub>
+                              <m:r>
+                                <a:rPr lang="en-US" sz="2000" b="0" i="1" smtClean="0">
+                                  <a:latin typeface="Cambria Math" panose="02040503050406030204" pitchFamily="18" charset="0"/>
+                                </a:rPr>
+                                <m:t>𝑡</m:t>
+                              </m:r>
+                            </m:sub>
+                          </m:sSub>
+                        </m:oMath>
+                      </m:oMathPara>
+                    </a14:m>
+                    <a:endParaRPr lang="en-GB" sz="2000" dirty="0" err="1">
+                      <a:latin typeface="+mn-lt"/>
+                    </a:endParaRPr>
+                  </a:p>
+                </p:txBody>
+              </p:sp>
+            </mc:Choice>
+            <mc:Fallback>
+              <p:sp>
+                <p:nvSpPr>
+                  <p:cNvPr id="14" name="TextBox 13">
+                    <a:extLst>
+                      <a:ext uri="{FF2B5EF4-FFF2-40B4-BE49-F238E27FC236}">
+                        <a16:creationId xmlns:a16="http://schemas.microsoft.com/office/drawing/2014/main" id="{CF932177-8DF5-CCE5-49E4-9BBE8914669F}"/>
+                      </a:ext>
+                    </a:extLst>
+                  </p:cNvPr>
+                  <p:cNvSpPr txBox="1">
+                    <a:spLocks noRot="1" noChangeAspect="1" noMove="1" noResize="1" noEditPoints="1" noAdjustHandles="1" noChangeArrowheads="1" noChangeShapeType="1" noTextEdit="1"/>
+                  </p:cNvSpPr>
+                  <p:nvPr/>
+                </p:nvSpPr>
+                <p:spPr>
+                  <a:xfrm>
+                    <a:off x="1622551" y="2354194"/>
+                    <a:ext cx="280269" cy="350865"/>
+                  </a:xfrm>
+                  <a:prstGeom prst="rect">
+                    <a:avLst/>
+                  </a:prstGeom>
+                  <a:blipFill>
+                    <a:blip r:embed="rId2"/>
+                    <a:stretch>
+                      <a:fillRect l="-8696" r="-4348" b="-6897"/>
+                    </a:stretch>
+                  </a:blipFill>
+                </p:spPr>
+                <p:txBody>
+                  <a:bodyPr/>
+                  <a:lstStyle/>
+                  <a:p>
+                    <a:r>
+                      <a:rPr lang="en-GB">
+                        <a:noFill/>
+                      </a:rPr>
+                      <a:t> </a:t>
+                    </a:r>
+                  </a:p>
+                </p:txBody>
+              </p:sp>
+            </mc:Fallback>
+          </mc:AlternateContent>
+        </p:grpSp>
+        <p:grpSp>
+          <p:nvGrpSpPr>
+            <p:cNvPr id="17" name="Group 16">
+              <a:extLst>
+                <a:ext uri="{FF2B5EF4-FFF2-40B4-BE49-F238E27FC236}">
+                  <a16:creationId xmlns:a16="http://schemas.microsoft.com/office/drawing/2014/main" id="{EE545178-AD1F-C708-7B26-FE06AD375FDF}"/>
+                </a:ext>
+              </a:extLst>
+            </p:cNvPr>
+            <p:cNvGrpSpPr/>
+            <p:nvPr/>
+          </p:nvGrpSpPr>
+          <p:grpSpPr>
+            <a:xfrm>
+              <a:off x="4965407" y="2284423"/>
+              <a:ext cx="595423" cy="590895"/>
+              <a:chOff x="1467293" y="2262904"/>
+              <a:chExt cx="595423" cy="590895"/>
+            </a:xfrm>
+          </p:grpSpPr>
+          <p:sp>
+            <p:nvSpPr>
+              <p:cNvPr id="18" name="Oval 17">
+                <a:extLst>
+                  <a:ext uri="{FF2B5EF4-FFF2-40B4-BE49-F238E27FC236}">
+                    <a16:creationId xmlns:a16="http://schemas.microsoft.com/office/drawing/2014/main" id="{5D7CEFCC-3120-4857-DD64-1974A0A2CB70}"/>
+                  </a:ext>
+                </a:extLst>
+              </p:cNvPr>
+              <p:cNvSpPr/>
+              <p:nvPr/>
+            </p:nvSpPr>
+            <p:spPr>
+              <a:xfrm>
+                <a:off x="1467293" y="2262904"/>
+                <a:ext cx="595423" cy="590895"/>
+              </a:xfrm>
+              <a:prstGeom prst="ellipse">
+                <a:avLst/>
+              </a:prstGeom>
+              <a:noFill/>
+              <a:ln>
+                <a:solidFill>
+                  <a:schemeClr val="accent1"/>
+                </a:solidFill>
+              </a:ln>
+            </p:spPr>
+            <p:style>
+              <a:lnRef idx="2">
+                <a:schemeClr val="accent1">
+                  <a:shade val="50000"/>
+                </a:schemeClr>
+              </a:lnRef>
+              <a:fillRef idx="1">
+                <a:schemeClr val="accent1"/>
+              </a:fillRef>
+              <a:effectRef idx="0">
+                <a:schemeClr val="accent1"/>
+              </a:effectRef>
+              <a:fontRef idx="minor">
+                <a:schemeClr val="lt1"/>
+              </a:fontRef>
+            </p:style>
+            <p:txBody>
+              <a:bodyPr rot="0" spcFirstLastPara="0" vertOverflow="overflow" horzOverflow="overflow" vert="horz" wrap="square" lIns="91440" tIns="45720" rIns="91440" bIns="45720" numCol="1" spcCol="0" rtlCol="0" fromWordArt="0" anchor="t" anchorCtr="0" forceAA="0" compatLnSpc="1">
+                <a:prstTxWarp prst="textNoShape">
+                  <a:avLst/>
+                </a:prstTxWarp>
+                <a:noAutofit/>
+              </a:bodyPr>
+              <a:lstStyle/>
+              <a:p>
+                <a:pPr algn="ctr">
+                  <a:lnSpc>
+                    <a:spcPct val="114000"/>
+                  </a:lnSpc>
+                </a:pPr>
+                <a:endParaRPr lang="en-GB" dirty="0"/>
+              </a:p>
+            </p:txBody>
+          </p:sp>
+          <mc:AlternateContent xmlns:mc="http://schemas.openxmlformats.org/markup-compatibility/2006">
+            <mc:Choice xmlns:a14="http://schemas.microsoft.com/office/drawing/2010/main" Requires="a14">
+              <p:sp>
+                <p:nvSpPr>
+                  <p:cNvPr id="19" name="TextBox 18">
+                    <a:extLst>
+                      <a:ext uri="{FF2B5EF4-FFF2-40B4-BE49-F238E27FC236}">
+                        <a16:creationId xmlns:a16="http://schemas.microsoft.com/office/drawing/2014/main" id="{B471D11E-F3A5-7223-1052-0ADBF4B17A30}"/>
+                      </a:ext>
+                    </a:extLst>
+                  </p:cNvPr>
+                  <p:cNvSpPr txBox="1"/>
+                  <p:nvPr/>
+                </p:nvSpPr>
+                <p:spPr>
+                  <a:xfrm>
+                    <a:off x="1528017" y="2354194"/>
+                    <a:ext cx="525528" cy="350865"/>
+                  </a:xfrm>
+                  <a:prstGeom prst="rect">
+                    <a:avLst/>
+                  </a:prstGeom>
+                  <a:noFill/>
+                </p:spPr>
+                <p:txBody>
+                  <a:bodyPr wrap="none" lIns="0" tIns="0" rIns="0" bIns="0" rtlCol="0" anchor="ctr">
+                    <a:spAutoFit/>
+                  </a:bodyPr>
+                  <a:lstStyle/>
+                  <a:p>
+                    <a:pPr>
+                      <a:lnSpc>
+                        <a:spcPct val="114000"/>
+                      </a:lnSpc>
+                    </a:pPr>
+                    <a14:m>
+                      <m:oMathPara xmlns:m="http://schemas.openxmlformats.org/officeDocument/2006/math">
+                        <m:oMathParaPr>
+                          <m:jc m:val="centerGroup"/>
+                        </m:oMathParaPr>
+                        <m:oMath xmlns:m="http://schemas.openxmlformats.org/officeDocument/2006/math">
+                          <m:sSub>
+                            <m:sSubPr>
+                              <m:ctrlPr>
+                                <a:rPr lang="en-GB" sz="2000" i="1" smtClean="0">
+                                  <a:latin typeface="Cambria Math" panose="02040503050406030204" pitchFamily="18" charset="0"/>
+                                </a:rPr>
+                              </m:ctrlPr>
+                            </m:sSubPr>
+                            <m:e>
+                              <m:r>
+                                <a:rPr lang="en-US" sz="2000" b="0" i="1" smtClean="0">
+                                  <a:latin typeface="Cambria Math" panose="02040503050406030204" pitchFamily="18" charset="0"/>
+                                </a:rPr>
+                                <m:t>𝑠</m:t>
+                              </m:r>
+                            </m:e>
+                            <m:sub>
+                              <m:r>
+                                <a:rPr lang="en-US" sz="2000" b="0" i="1" smtClean="0">
+                                  <a:latin typeface="Cambria Math" panose="02040503050406030204" pitchFamily="18" charset="0"/>
+                                </a:rPr>
+                                <m:t>𝑡</m:t>
+                              </m:r>
+                              <m:r>
+                                <a:rPr lang="en-US" sz="2000" b="0" i="1" smtClean="0">
+                                  <a:latin typeface="Cambria Math" panose="02040503050406030204" pitchFamily="18" charset="0"/>
+                                </a:rPr>
+                                <m:t>+1</m:t>
+                              </m:r>
+                            </m:sub>
+                          </m:sSub>
+                        </m:oMath>
+                      </m:oMathPara>
+                    </a14:m>
+                    <a:endParaRPr lang="en-GB" sz="2000" dirty="0" err="1">
+                      <a:latin typeface="+mn-lt"/>
+                    </a:endParaRPr>
+                  </a:p>
+                </p:txBody>
+              </p:sp>
+            </mc:Choice>
+            <mc:Fallback>
+              <p:sp>
+                <p:nvSpPr>
+                  <p:cNvPr id="19" name="TextBox 18">
+                    <a:extLst>
+                      <a:ext uri="{FF2B5EF4-FFF2-40B4-BE49-F238E27FC236}">
+                        <a16:creationId xmlns:a16="http://schemas.microsoft.com/office/drawing/2014/main" id="{B471D11E-F3A5-7223-1052-0ADBF4B17A30}"/>
+                      </a:ext>
+                    </a:extLst>
+                  </p:cNvPr>
+                  <p:cNvSpPr txBox="1">
+                    <a:spLocks noRot="1" noChangeAspect="1" noMove="1" noResize="1" noEditPoints="1" noAdjustHandles="1" noChangeArrowheads="1" noChangeShapeType="1" noTextEdit="1"/>
+                  </p:cNvSpPr>
+                  <p:nvPr/>
+                </p:nvSpPr>
+                <p:spPr>
+                  <a:xfrm>
+                    <a:off x="1528017" y="2354194"/>
+                    <a:ext cx="525528" cy="350865"/>
+                  </a:xfrm>
+                  <a:prstGeom prst="rect">
+                    <a:avLst/>
+                  </a:prstGeom>
+                  <a:blipFill>
+                    <a:blip r:embed="rId3"/>
+                    <a:stretch>
+                      <a:fillRect l="-4651" r="-2326" b="-6897"/>
+                    </a:stretch>
+                  </a:blipFill>
+                </p:spPr>
+                <p:txBody>
+                  <a:bodyPr/>
+                  <a:lstStyle/>
+                  <a:p>
+                    <a:r>
+                      <a:rPr lang="en-GB">
+                        <a:noFill/>
+                      </a:rPr>
+                      <a:t> </a:t>
+                    </a:r>
+                  </a:p>
+                </p:txBody>
+              </p:sp>
+            </mc:Fallback>
+          </mc:AlternateContent>
+        </p:grpSp>
+        <p:cxnSp>
+          <p:nvCxnSpPr>
+            <p:cNvPr id="22" name="Straight Arrow Connector 21">
+              <a:extLst>
+                <a:ext uri="{FF2B5EF4-FFF2-40B4-BE49-F238E27FC236}">
+                  <a16:creationId xmlns:a16="http://schemas.microsoft.com/office/drawing/2014/main" id="{0F78D6B2-7A1F-8B8E-E982-6EC5995BFE48}"/>
+                </a:ext>
+              </a:extLst>
+            </p:cNvPr>
+            <p:cNvCxnSpPr/>
+            <p:nvPr/>
+          </p:nvCxnSpPr>
+          <p:spPr>
+            <a:xfrm>
+              <a:off x="2042660" y="2571750"/>
+              <a:ext cx="754911" cy="0"/>
+            </a:xfrm>
+            <a:prstGeom prst="straightConnector1">
+              <a:avLst/>
+            </a:prstGeom>
+            <a:ln w="28575">
+              <a:solidFill>
+                <a:schemeClr val="tx1"/>
+              </a:solidFill>
+              <a:prstDash val="sysDot"/>
+              <a:tailEnd type="triangle"/>
+            </a:ln>
+          </p:spPr>
+          <p:style>
+            <a:lnRef idx="1">
+              <a:schemeClr val="accent1"/>
+            </a:lnRef>
+            <a:fillRef idx="0">
+              <a:schemeClr val="accent1"/>
+            </a:fillRef>
+            <a:effectRef idx="0">
+              <a:schemeClr val="accent1"/>
+            </a:effectRef>
+            <a:fontRef idx="minor">
+              <a:schemeClr val="tx1"/>
+            </a:fontRef>
+          </p:style>
+        </p:cxnSp>
+        <p:cxnSp>
+          <p:nvCxnSpPr>
+            <p:cNvPr id="23" name="Straight Arrow Connector 22">
+              <a:extLst>
+                <a:ext uri="{FF2B5EF4-FFF2-40B4-BE49-F238E27FC236}">
+                  <a16:creationId xmlns:a16="http://schemas.microsoft.com/office/drawing/2014/main" id="{E5A730E3-E10E-F150-16B5-ED59BF42BEAA}"/>
+                </a:ext>
+              </a:extLst>
+            </p:cNvPr>
+            <p:cNvCxnSpPr/>
+            <p:nvPr/>
+          </p:nvCxnSpPr>
+          <p:spPr>
+            <a:xfrm>
+              <a:off x="5560830" y="2571750"/>
+              <a:ext cx="754911" cy="0"/>
+            </a:xfrm>
+            <a:prstGeom prst="straightConnector1">
+              <a:avLst/>
+            </a:prstGeom>
+            <a:ln w="28575">
+              <a:solidFill>
+                <a:schemeClr val="tx1"/>
+              </a:solidFill>
+              <a:prstDash val="sysDot"/>
+              <a:tailEnd type="triangle"/>
+            </a:ln>
+          </p:spPr>
+          <p:style>
+            <a:lnRef idx="1">
+              <a:schemeClr val="accent1"/>
+            </a:lnRef>
+            <a:fillRef idx="0">
+              <a:schemeClr val="accent1"/>
+            </a:fillRef>
+            <a:effectRef idx="0">
+              <a:schemeClr val="accent1"/>
+            </a:effectRef>
+            <a:fontRef idx="minor">
+              <a:schemeClr val="tx1"/>
+            </a:fontRef>
+          </p:style>
+        </p:cxnSp>
+        <p:cxnSp>
+          <p:nvCxnSpPr>
+            <p:cNvPr id="24" name="Straight Arrow Connector 23">
+              <a:extLst>
+                <a:ext uri="{FF2B5EF4-FFF2-40B4-BE49-F238E27FC236}">
+                  <a16:creationId xmlns:a16="http://schemas.microsoft.com/office/drawing/2014/main" id="{5B70B3A1-B02F-EBA2-0D8F-FB58B1C88368}"/>
+                </a:ext>
+              </a:extLst>
+            </p:cNvPr>
+            <p:cNvCxnSpPr>
+              <a:cxnSpLocks/>
+              <a:stCxn id="13" idx="6"/>
+              <a:endCxn id="18" idx="2"/>
+            </p:cNvCxnSpPr>
+            <p:nvPr/>
+          </p:nvCxnSpPr>
+          <p:spPr>
+            <a:xfrm>
+              <a:off x="3392994" y="2579871"/>
+              <a:ext cx="1572413" cy="0"/>
+            </a:xfrm>
+            <a:prstGeom prst="straightConnector1">
+              <a:avLst/>
+            </a:prstGeom>
+            <a:ln w="28575">
+              <a:solidFill>
+                <a:schemeClr val="tx1"/>
+              </a:solidFill>
+              <a:tailEnd type="triangle"/>
+            </a:ln>
+          </p:spPr>
+          <p:style>
+            <a:lnRef idx="1">
+              <a:schemeClr val="accent1"/>
+            </a:lnRef>
+            <a:fillRef idx="0">
+              <a:schemeClr val="accent1"/>
+            </a:fillRef>
+            <a:effectRef idx="0">
+              <a:schemeClr val="accent1"/>
+            </a:effectRef>
+            <a:fontRef idx="minor">
+              <a:schemeClr val="tx1"/>
+            </a:fontRef>
+          </p:style>
+        </p:cxnSp>
+        <mc:AlternateContent xmlns:mc="http://schemas.openxmlformats.org/markup-compatibility/2006">
+          <mc:Choice xmlns:a14="http://schemas.microsoft.com/office/drawing/2010/main" Requires="a14">
+            <p:sp>
+              <p:nvSpPr>
+                <p:cNvPr id="27" name="TextBox 26">
+                  <a:extLst>
+                    <a:ext uri="{FF2B5EF4-FFF2-40B4-BE49-F238E27FC236}">
+                      <a16:creationId xmlns:a16="http://schemas.microsoft.com/office/drawing/2014/main" id="{88921A5D-7252-53FF-441C-112C1FDE6FD5}"/>
+                    </a:ext>
+                  </a:extLst>
+                </p:cNvPr>
+                <p:cNvSpPr txBox="1"/>
+                <p:nvPr/>
+              </p:nvSpPr>
+              <p:spPr>
+                <a:xfrm>
+                  <a:off x="3709325" y="2937535"/>
+                  <a:ext cx="362893" cy="439701"/>
+                </a:xfrm>
+                <a:prstGeom prst="roundRect">
+                  <a:avLst/>
+                </a:prstGeom>
+                <a:noFill/>
+                <a:ln w="19050">
+                  <a:noFill/>
+                </a:ln>
+              </p:spPr>
+              <p:txBody>
+                <a:bodyPr wrap="square" anchor="ctr">
+                  <a:spAutoFit/>
+                </a:bodyPr>
+                <a:lstStyle/>
+                <a:p>
+                  <a:pPr algn="ctr">
+                    <a:lnSpc>
+                      <a:spcPct val="114000"/>
+                    </a:lnSpc>
+                  </a:pPr>
+                  <a14:m>
+                    <m:oMathPara xmlns:m="http://schemas.openxmlformats.org/officeDocument/2006/math">
+                      <m:oMathParaPr>
+                        <m:jc m:val="center"/>
+                      </m:oMathParaPr>
+                      <m:oMath xmlns:m="http://schemas.openxmlformats.org/officeDocument/2006/math">
+                        <m:sSub>
+                          <m:sSubPr>
+                            <m:ctrlPr>
+                              <a:rPr lang="en-GB" i="1" smtClean="0">
+                                <a:solidFill>
+                                  <a:schemeClr val="tx1"/>
+                                </a:solidFill>
+                                <a:latin typeface="Cambria Math" panose="02040503050406030204" pitchFamily="18" charset="0"/>
+                              </a:rPr>
+                            </m:ctrlPr>
+                          </m:sSubPr>
+                          <m:e>
+                            <m:r>
+                              <a:rPr lang="en-US" b="0" i="1" smtClean="0">
+                                <a:solidFill>
+                                  <a:schemeClr val="tx1"/>
+                                </a:solidFill>
+                                <a:latin typeface="Cambria Math" panose="02040503050406030204" pitchFamily="18" charset="0"/>
+                              </a:rPr>
+                              <m:t>𝑎</m:t>
+                            </m:r>
+                          </m:e>
+                          <m:sub>
+                            <m:r>
+                              <a:rPr lang="en-US" b="0" i="1" smtClean="0">
+                                <a:solidFill>
+                                  <a:schemeClr val="tx1"/>
+                                </a:solidFill>
+                                <a:latin typeface="Cambria Math" panose="02040503050406030204" pitchFamily="18" charset="0"/>
+                              </a:rPr>
+                              <m:t>𝑡</m:t>
+                            </m:r>
+                          </m:sub>
+                        </m:sSub>
+                      </m:oMath>
+                    </m:oMathPara>
+                  </a14:m>
+                  <a:endParaRPr lang="en-GB" dirty="0">
+                    <a:solidFill>
+                      <a:schemeClr val="tx1"/>
+                    </a:solidFill>
+                  </a:endParaRPr>
+                </a:p>
+              </p:txBody>
+            </p:sp>
+          </mc:Choice>
+          <mc:Fallback>
+            <p:sp>
+              <p:nvSpPr>
+                <p:cNvPr id="27" name="TextBox 26">
+                  <a:extLst>
+                    <a:ext uri="{FF2B5EF4-FFF2-40B4-BE49-F238E27FC236}">
+                      <a16:creationId xmlns:a16="http://schemas.microsoft.com/office/drawing/2014/main" id="{88921A5D-7252-53FF-441C-112C1FDE6FD5}"/>
+                    </a:ext>
+                  </a:extLst>
+                </p:cNvPr>
+                <p:cNvSpPr txBox="1">
+                  <a:spLocks noRot="1" noChangeAspect="1" noMove="1" noResize="1" noEditPoints="1" noAdjustHandles="1" noChangeArrowheads="1" noChangeShapeType="1" noTextEdit="1"/>
+                </p:cNvSpPr>
+                <p:nvPr/>
+              </p:nvSpPr>
+              <p:spPr>
+                <a:xfrm>
+                  <a:off x="3709325" y="2937535"/>
+                  <a:ext cx="362893" cy="439701"/>
+                </a:xfrm>
+                <a:prstGeom prst="roundRect">
+                  <a:avLst/>
+                </a:prstGeom>
+                <a:blipFill>
+                  <a:blip r:embed="rId4"/>
+                  <a:stretch>
+                    <a:fillRect l="-6897"/>
+                  </a:stretch>
+                </a:blipFill>
+                <a:ln w="19050">
+                  <a:noFill/>
+                </a:ln>
+              </p:spPr>
+              <p:txBody>
+                <a:bodyPr/>
+                <a:lstStyle/>
+                <a:p>
+                  <a:r>
+                    <a:rPr lang="en-GB">
+                      <a:noFill/>
+                    </a:rPr>
+                    <a:t> </a:t>
+                  </a:r>
+                </a:p>
+              </p:txBody>
+            </p:sp>
+          </mc:Fallback>
+        </mc:AlternateContent>
+        <mc:AlternateContent xmlns:mc="http://schemas.openxmlformats.org/markup-compatibility/2006">
+          <mc:Choice xmlns:a14="http://schemas.microsoft.com/office/drawing/2010/main" Requires="a14">
+            <p:sp>
+              <p:nvSpPr>
+                <p:cNvPr id="28" name="TextBox 27">
+                  <a:extLst>
+                    <a:ext uri="{FF2B5EF4-FFF2-40B4-BE49-F238E27FC236}">
+                      <a16:creationId xmlns:a16="http://schemas.microsoft.com/office/drawing/2014/main" id="{9E7E7109-1AB3-F949-7BFF-C64A835F4E1A}"/>
+                    </a:ext>
+                  </a:extLst>
+                </p:cNvPr>
+                <p:cNvSpPr txBox="1"/>
+                <p:nvPr/>
+              </p:nvSpPr>
+              <p:spPr>
+                <a:xfrm>
+                  <a:off x="3408732" y="2174712"/>
+                  <a:ext cx="1482248" cy="408125"/>
+                </a:xfrm>
+                <a:prstGeom prst="rect">
+                  <a:avLst/>
+                </a:prstGeom>
+                <a:noFill/>
+              </p:spPr>
+              <p:txBody>
+                <a:bodyPr wrap="square">
+                  <a:spAutoFit/>
+                </a:bodyPr>
+                <a:lstStyle/>
+                <a:p>
+                  <a:pPr algn="ctr">
+                    <a:lnSpc>
+                      <a:spcPct val="114000"/>
+                    </a:lnSpc>
+                  </a:pPr>
+                  <a14:m>
+                    <m:oMathPara xmlns:m="http://schemas.openxmlformats.org/officeDocument/2006/math">
+                      <m:oMathParaPr>
+                        <m:jc m:val="centerGroup"/>
+                      </m:oMathParaPr>
+                      <m:oMath xmlns:m="http://schemas.openxmlformats.org/officeDocument/2006/math">
+                        <m:r>
+                          <a:rPr lang="en-GB" i="1" smtClean="0">
+                            <a:solidFill>
+                              <a:schemeClr val="tx1"/>
+                            </a:solidFill>
+                            <a:latin typeface="Cambria Math" panose="02040503050406030204" pitchFamily="18" charset="0"/>
+                            <a:ea typeface="Cambria Math" panose="02040503050406030204" pitchFamily="18" charset="0"/>
+                          </a:rPr>
+                          <m:t>ℙ</m:t>
+                        </m:r>
+                        <m:r>
+                          <a:rPr lang="en-US" b="0" i="1" smtClean="0">
+                            <a:solidFill>
+                              <a:schemeClr val="tx1"/>
+                            </a:solidFill>
+                            <a:latin typeface="Cambria Math" panose="02040503050406030204" pitchFamily="18" charset="0"/>
+                            <a:ea typeface="Cambria Math" panose="02040503050406030204" pitchFamily="18" charset="0"/>
+                          </a:rPr>
+                          <m:t>(</m:t>
+                        </m:r>
+                        <m:sSub>
+                          <m:sSubPr>
+                            <m:ctrlPr>
+                              <a:rPr lang="en-US" b="0" i="1" smtClean="0">
+                                <a:solidFill>
+                                  <a:schemeClr val="tx1"/>
+                                </a:solidFill>
+                                <a:latin typeface="Cambria Math" panose="02040503050406030204" pitchFamily="18" charset="0"/>
+                                <a:ea typeface="Cambria Math" panose="02040503050406030204" pitchFamily="18" charset="0"/>
+                              </a:rPr>
+                            </m:ctrlPr>
+                          </m:sSubPr>
+                          <m:e>
+                            <m:r>
+                              <a:rPr lang="en-US" b="0" i="1" smtClean="0">
+                                <a:solidFill>
+                                  <a:schemeClr val="tx1"/>
+                                </a:solidFill>
+                                <a:latin typeface="Cambria Math" panose="02040503050406030204" pitchFamily="18" charset="0"/>
+                                <a:ea typeface="Cambria Math" panose="02040503050406030204" pitchFamily="18" charset="0"/>
+                              </a:rPr>
+                              <m:t>𝑠</m:t>
+                            </m:r>
+                          </m:e>
+                          <m:sub>
+                            <m:r>
+                              <a:rPr lang="en-US" b="0" i="1" smtClean="0">
+                                <a:solidFill>
+                                  <a:schemeClr val="tx1"/>
+                                </a:solidFill>
+                                <a:latin typeface="Cambria Math" panose="02040503050406030204" pitchFamily="18" charset="0"/>
+                                <a:ea typeface="Cambria Math" panose="02040503050406030204" pitchFamily="18" charset="0"/>
+                              </a:rPr>
+                              <m:t>𝑡</m:t>
+                            </m:r>
+                            <m:r>
+                              <a:rPr lang="en-US" b="0" i="1" smtClean="0">
+                                <a:solidFill>
+                                  <a:schemeClr val="tx1"/>
+                                </a:solidFill>
+                                <a:latin typeface="Cambria Math" panose="02040503050406030204" pitchFamily="18" charset="0"/>
+                                <a:ea typeface="Cambria Math" panose="02040503050406030204" pitchFamily="18" charset="0"/>
+                              </a:rPr>
+                              <m:t>+1</m:t>
+                            </m:r>
+                          </m:sub>
+                        </m:sSub>
+                        <m:r>
+                          <a:rPr lang="en-US" b="0" i="1" smtClean="0">
+                            <a:solidFill>
+                              <a:schemeClr val="tx1"/>
+                            </a:solidFill>
+                            <a:latin typeface="Cambria Math" panose="02040503050406030204" pitchFamily="18" charset="0"/>
+                            <a:ea typeface="Cambria Math" panose="02040503050406030204" pitchFamily="18" charset="0"/>
+                          </a:rPr>
+                          <m:t>|</m:t>
+                        </m:r>
+                        <m:sSub>
+                          <m:sSubPr>
+                            <m:ctrlPr>
+                              <a:rPr lang="en-US" b="0" i="1" smtClean="0">
+                                <a:solidFill>
+                                  <a:schemeClr val="tx1"/>
+                                </a:solidFill>
+                                <a:latin typeface="Cambria Math" panose="02040503050406030204" pitchFamily="18" charset="0"/>
+                                <a:ea typeface="Cambria Math" panose="02040503050406030204" pitchFamily="18" charset="0"/>
+                              </a:rPr>
+                            </m:ctrlPr>
+                          </m:sSubPr>
+                          <m:e>
+                            <m:r>
+                              <a:rPr lang="en-US" b="0" i="1" smtClean="0">
+                                <a:solidFill>
+                                  <a:schemeClr val="tx1"/>
+                                </a:solidFill>
+                                <a:latin typeface="Cambria Math" panose="02040503050406030204" pitchFamily="18" charset="0"/>
+                                <a:ea typeface="Cambria Math" panose="02040503050406030204" pitchFamily="18" charset="0"/>
+                              </a:rPr>
+                              <m:t>𝑠</m:t>
+                            </m:r>
+                          </m:e>
+                          <m:sub>
+                            <m:r>
+                              <a:rPr lang="en-US" b="0" i="1" smtClean="0">
+                                <a:solidFill>
+                                  <a:schemeClr val="tx1"/>
+                                </a:solidFill>
+                                <a:latin typeface="Cambria Math" panose="02040503050406030204" pitchFamily="18" charset="0"/>
+                                <a:ea typeface="Cambria Math" panose="02040503050406030204" pitchFamily="18" charset="0"/>
+                              </a:rPr>
+                              <m:t>𝑡</m:t>
+                            </m:r>
+                          </m:sub>
+                        </m:sSub>
+                        <m:r>
+                          <a:rPr lang="en-US" b="0" i="1" smtClean="0">
+                            <a:solidFill>
+                              <a:schemeClr val="tx1"/>
+                            </a:solidFill>
+                            <a:latin typeface="Cambria Math" panose="02040503050406030204" pitchFamily="18" charset="0"/>
+                            <a:ea typeface="Cambria Math" panose="02040503050406030204" pitchFamily="18" charset="0"/>
+                          </a:rPr>
+                          <m:t>,</m:t>
+                        </m:r>
+                        <m:sSub>
+                          <m:sSubPr>
+                            <m:ctrlPr>
+                              <a:rPr lang="en-US" b="0" i="1" smtClean="0">
+                                <a:solidFill>
+                                  <a:schemeClr val="tx1"/>
+                                </a:solidFill>
+                                <a:latin typeface="Cambria Math" panose="02040503050406030204" pitchFamily="18" charset="0"/>
+                                <a:ea typeface="Cambria Math" panose="02040503050406030204" pitchFamily="18" charset="0"/>
+                              </a:rPr>
+                            </m:ctrlPr>
+                          </m:sSubPr>
+                          <m:e>
+                            <m:r>
+                              <a:rPr lang="en-US" b="0" i="1" smtClean="0">
+                                <a:solidFill>
+                                  <a:schemeClr val="tx1"/>
+                                </a:solidFill>
+                                <a:latin typeface="Cambria Math" panose="02040503050406030204" pitchFamily="18" charset="0"/>
+                                <a:ea typeface="Cambria Math" panose="02040503050406030204" pitchFamily="18" charset="0"/>
+                              </a:rPr>
+                              <m:t>𝑎</m:t>
+                            </m:r>
+                          </m:e>
+                          <m:sub>
+                            <m:r>
+                              <a:rPr lang="en-US" b="0" i="1" smtClean="0">
+                                <a:solidFill>
+                                  <a:schemeClr val="tx1"/>
+                                </a:solidFill>
+                                <a:latin typeface="Cambria Math" panose="02040503050406030204" pitchFamily="18" charset="0"/>
+                                <a:ea typeface="Cambria Math" panose="02040503050406030204" pitchFamily="18" charset="0"/>
+                              </a:rPr>
+                              <m:t>𝑡</m:t>
+                            </m:r>
+                          </m:sub>
+                        </m:sSub>
+                        <m:r>
+                          <a:rPr lang="en-US" b="0" i="1" smtClean="0">
+                            <a:solidFill>
+                              <a:schemeClr val="tx1"/>
+                            </a:solidFill>
+                            <a:latin typeface="Cambria Math" panose="02040503050406030204" pitchFamily="18" charset="0"/>
+                            <a:ea typeface="Cambria Math" panose="02040503050406030204" pitchFamily="18" charset="0"/>
+                          </a:rPr>
+                          <m:t>)</m:t>
+                        </m:r>
+                      </m:oMath>
+                    </m:oMathPara>
+                  </a14:m>
+                  <a:endParaRPr lang="en-GB" dirty="0">
+                    <a:solidFill>
+                      <a:schemeClr val="tx1"/>
+                    </a:solidFill>
+                  </a:endParaRPr>
+                </a:p>
+              </p:txBody>
+            </p:sp>
+          </mc:Choice>
+          <mc:Fallback>
+            <p:sp>
+              <p:nvSpPr>
+                <p:cNvPr id="28" name="TextBox 27">
+                  <a:extLst>
+                    <a:ext uri="{FF2B5EF4-FFF2-40B4-BE49-F238E27FC236}">
+                      <a16:creationId xmlns:a16="http://schemas.microsoft.com/office/drawing/2014/main" id="{9E7E7109-1AB3-F949-7BFF-C64A835F4E1A}"/>
+                    </a:ext>
+                  </a:extLst>
+                </p:cNvPr>
+                <p:cNvSpPr txBox="1">
+                  <a:spLocks noRot="1" noChangeAspect="1" noMove="1" noResize="1" noEditPoints="1" noAdjustHandles="1" noChangeArrowheads="1" noChangeShapeType="1" noTextEdit="1"/>
+                </p:cNvSpPr>
+                <p:nvPr/>
+              </p:nvSpPr>
+              <p:spPr>
+                <a:xfrm>
+                  <a:off x="3408732" y="2174712"/>
+                  <a:ext cx="1482248" cy="408125"/>
+                </a:xfrm>
+                <a:prstGeom prst="rect">
+                  <a:avLst/>
+                </a:prstGeom>
+                <a:blipFill>
+                  <a:blip r:embed="rId5"/>
+                  <a:stretch>
+                    <a:fillRect l="-1695" b="-6061"/>
+                  </a:stretch>
+                </a:blipFill>
+              </p:spPr>
+              <p:txBody>
+                <a:bodyPr/>
+                <a:lstStyle/>
+                <a:p>
+                  <a:r>
+                    <a:rPr lang="en-GB">
+                      <a:noFill/>
+                    </a:rPr>
+                    <a:t> </a:t>
+                  </a:r>
+                </a:p>
+              </p:txBody>
+            </p:sp>
+          </mc:Fallback>
+        </mc:AlternateContent>
+        <mc:AlternateContent xmlns:mc="http://schemas.openxmlformats.org/markup-compatibility/2006">
+          <mc:Choice xmlns:a14="http://schemas.microsoft.com/office/drawing/2010/main" Requires="a14">
+            <p:sp>
+              <p:nvSpPr>
+                <p:cNvPr id="49" name="TextBox 48">
+                  <a:extLst>
+                    <a:ext uri="{FF2B5EF4-FFF2-40B4-BE49-F238E27FC236}">
+                      <a16:creationId xmlns:a16="http://schemas.microsoft.com/office/drawing/2014/main" id="{03CDD8C2-7A76-5282-C04C-F7ECD6BDC8E7}"/>
+                    </a:ext>
+                  </a:extLst>
+                </p:cNvPr>
+                <p:cNvSpPr txBox="1"/>
+                <p:nvPr/>
+              </p:nvSpPr>
+              <p:spPr>
+                <a:xfrm>
+                  <a:off x="3273819" y="3582654"/>
+                  <a:ext cx="988692" cy="408125"/>
+                </a:xfrm>
+                <a:prstGeom prst="rect">
+                  <a:avLst/>
+                </a:prstGeom>
+                <a:noFill/>
+                <a:ln w="28575">
+                  <a:solidFill>
+                    <a:schemeClr val="accent6"/>
+                  </a:solidFill>
+                </a:ln>
+              </p:spPr>
+              <p:txBody>
+                <a:bodyPr wrap="square" anchor="ctr">
+                  <a:spAutoFit/>
+                </a:bodyPr>
+                <a:lstStyle/>
+                <a:p>
+                  <a:pPr algn="ctr">
+                    <a:lnSpc>
+                      <a:spcPct val="114000"/>
+                    </a:lnSpc>
+                  </a:pPr>
+                  <a14:m>
+                    <m:oMathPara xmlns:m="http://schemas.openxmlformats.org/officeDocument/2006/math">
+                      <m:oMathParaPr>
+                        <m:jc m:val="center"/>
+                      </m:oMathParaPr>
+                      <m:oMath xmlns:m="http://schemas.openxmlformats.org/officeDocument/2006/math">
+                        <m:r>
+                          <a:rPr lang="en-GB" i="1" smtClean="0">
+                            <a:solidFill>
+                              <a:schemeClr val="tx1"/>
+                            </a:solidFill>
+                            <a:latin typeface="Cambria Math" panose="02040503050406030204" pitchFamily="18" charset="0"/>
+                            <a:ea typeface="Cambria Math" panose="02040503050406030204" pitchFamily="18" charset="0"/>
+                          </a:rPr>
+                          <m:t>𝜋</m:t>
+                        </m:r>
+                        <m:r>
+                          <a:rPr lang="en-US" b="0" i="1" smtClean="0">
+                            <a:solidFill>
+                              <a:schemeClr val="tx1"/>
+                            </a:solidFill>
+                            <a:latin typeface="Cambria Math" panose="02040503050406030204" pitchFamily="18" charset="0"/>
+                            <a:ea typeface="Cambria Math" panose="02040503050406030204" pitchFamily="18" charset="0"/>
+                          </a:rPr>
+                          <m:t>(</m:t>
+                        </m:r>
+                        <m:sSub>
+                          <m:sSubPr>
+                            <m:ctrlPr>
+                              <a:rPr lang="en-US" b="0" i="1" smtClean="0">
+                                <a:solidFill>
+                                  <a:schemeClr val="tx1"/>
+                                </a:solidFill>
+                                <a:latin typeface="Cambria Math" panose="02040503050406030204" pitchFamily="18" charset="0"/>
+                                <a:ea typeface="Cambria Math" panose="02040503050406030204" pitchFamily="18" charset="0"/>
+                              </a:rPr>
+                            </m:ctrlPr>
+                          </m:sSubPr>
+                          <m:e>
+                            <m:r>
+                              <a:rPr lang="en-US" b="0" i="1" smtClean="0">
+                                <a:solidFill>
+                                  <a:schemeClr val="tx1"/>
+                                </a:solidFill>
+                                <a:latin typeface="Cambria Math" panose="02040503050406030204" pitchFamily="18" charset="0"/>
+                                <a:ea typeface="Cambria Math" panose="02040503050406030204" pitchFamily="18" charset="0"/>
+                              </a:rPr>
+                              <m:t>𝑎</m:t>
+                            </m:r>
+                          </m:e>
+                          <m:sub>
+                            <m:r>
+                              <a:rPr lang="en-US" b="0" i="1" smtClean="0">
+                                <a:solidFill>
+                                  <a:schemeClr val="tx1"/>
+                                </a:solidFill>
+                                <a:latin typeface="Cambria Math" panose="02040503050406030204" pitchFamily="18" charset="0"/>
+                                <a:ea typeface="Cambria Math" panose="02040503050406030204" pitchFamily="18" charset="0"/>
+                              </a:rPr>
+                              <m:t>𝑡</m:t>
+                            </m:r>
+                          </m:sub>
+                        </m:sSub>
+                        <m:r>
+                          <a:rPr lang="en-US" b="0" i="1" smtClean="0">
+                            <a:solidFill>
+                              <a:schemeClr val="tx1"/>
+                            </a:solidFill>
+                            <a:latin typeface="Cambria Math" panose="02040503050406030204" pitchFamily="18" charset="0"/>
+                            <a:ea typeface="Cambria Math" panose="02040503050406030204" pitchFamily="18" charset="0"/>
+                          </a:rPr>
+                          <m:t>|</m:t>
+                        </m:r>
+                        <m:sSub>
+                          <m:sSubPr>
+                            <m:ctrlPr>
+                              <a:rPr lang="en-US" b="0" i="1" smtClean="0">
+                                <a:solidFill>
+                                  <a:schemeClr val="tx1"/>
+                                </a:solidFill>
+                                <a:latin typeface="Cambria Math" panose="02040503050406030204" pitchFamily="18" charset="0"/>
+                                <a:ea typeface="Cambria Math" panose="02040503050406030204" pitchFamily="18" charset="0"/>
+                              </a:rPr>
+                            </m:ctrlPr>
+                          </m:sSubPr>
+                          <m:e>
+                            <m:r>
+                              <a:rPr lang="en-US" b="0" i="1" smtClean="0">
+                                <a:solidFill>
+                                  <a:schemeClr val="tx1"/>
+                                </a:solidFill>
+                                <a:latin typeface="Cambria Math" panose="02040503050406030204" pitchFamily="18" charset="0"/>
+                                <a:ea typeface="Cambria Math" panose="02040503050406030204" pitchFamily="18" charset="0"/>
+                              </a:rPr>
+                              <m:t>𝑠</m:t>
+                            </m:r>
+                          </m:e>
+                          <m:sub>
+                            <m:r>
+                              <a:rPr lang="en-US" b="0" i="1" smtClean="0">
+                                <a:solidFill>
+                                  <a:schemeClr val="tx1"/>
+                                </a:solidFill>
+                                <a:latin typeface="Cambria Math" panose="02040503050406030204" pitchFamily="18" charset="0"/>
+                                <a:ea typeface="Cambria Math" panose="02040503050406030204" pitchFamily="18" charset="0"/>
+                              </a:rPr>
+                              <m:t>𝑡</m:t>
+                            </m:r>
+                          </m:sub>
+                        </m:sSub>
+                        <m:r>
+                          <a:rPr lang="en-US" b="0" i="1" smtClean="0">
+                            <a:solidFill>
+                              <a:schemeClr val="tx1"/>
+                            </a:solidFill>
+                            <a:latin typeface="Cambria Math" panose="02040503050406030204" pitchFamily="18" charset="0"/>
+                            <a:ea typeface="Cambria Math" panose="02040503050406030204" pitchFamily="18" charset="0"/>
+                          </a:rPr>
+                          <m:t>)</m:t>
+                        </m:r>
+                      </m:oMath>
+                    </m:oMathPara>
+                  </a14:m>
+                  <a:endParaRPr lang="en-GB" dirty="0">
+                    <a:solidFill>
+                      <a:schemeClr val="tx1"/>
+                    </a:solidFill>
+                  </a:endParaRPr>
+                </a:p>
+              </p:txBody>
+            </p:sp>
+          </mc:Choice>
+          <mc:Fallback>
+            <p:sp>
+              <p:nvSpPr>
+                <p:cNvPr id="49" name="TextBox 48">
+                  <a:extLst>
+                    <a:ext uri="{FF2B5EF4-FFF2-40B4-BE49-F238E27FC236}">
+                      <a16:creationId xmlns:a16="http://schemas.microsoft.com/office/drawing/2014/main" id="{03CDD8C2-7A76-5282-C04C-F7ECD6BDC8E7}"/>
+                    </a:ext>
+                  </a:extLst>
+                </p:cNvPr>
+                <p:cNvSpPr txBox="1">
+                  <a:spLocks noRot="1" noChangeAspect="1" noMove="1" noResize="1" noEditPoints="1" noAdjustHandles="1" noChangeArrowheads="1" noChangeShapeType="1" noTextEdit="1"/>
+                </p:cNvSpPr>
+                <p:nvPr/>
+              </p:nvSpPr>
+              <p:spPr>
+                <a:xfrm>
+                  <a:off x="3273819" y="3582654"/>
+                  <a:ext cx="988692" cy="408125"/>
+                </a:xfrm>
+                <a:prstGeom prst="rect">
+                  <a:avLst/>
+                </a:prstGeom>
+                <a:blipFill>
+                  <a:blip r:embed="rId6"/>
+                  <a:stretch>
+                    <a:fillRect b="-2857"/>
+                  </a:stretch>
+                </a:blipFill>
+                <a:ln w="28575">
+                  <a:solidFill>
+                    <a:schemeClr val="accent6"/>
+                  </a:solidFill>
+                </a:ln>
+              </p:spPr>
+              <p:txBody>
+                <a:bodyPr/>
+                <a:lstStyle/>
+                <a:p>
+                  <a:r>
+                    <a:rPr lang="en-GB">
+                      <a:noFill/>
+                    </a:rPr>
+                    <a:t> </a:t>
+                  </a:r>
+                </a:p>
+              </p:txBody>
+            </p:sp>
+          </mc:Fallback>
+        </mc:AlternateContent>
+        <p:cxnSp>
+          <p:nvCxnSpPr>
+            <p:cNvPr id="58" name="Straight Arrow Connector 57">
+              <a:extLst>
+                <a:ext uri="{FF2B5EF4-FFF2-40B4-BE49-F238E27FC236}">
+                  <a16:creationId xmlns:a16="http://schemas.microsoft.com/office/drawing/2014/main" id="{9C8E8C20-B235-B760-D144-E78DC10973AD}"/>
+                </a:ext>
+              </a:extLst>
+            </p:cNvPr>
+            <p:cNvCxnSpPr/>
+            <p:nvPr/>
+          </p:nvCxnSpPr>
+          <p:spPr>
+            <a:xfrm flipH="1" flipV="1">
+              <a:off x="4027660" y="2619202"/>
+              <a:ext cx="1" cy="956315"/>
+            </a:xfrm>
+            <a:prstGeom prst="straightConnector1">
+              <a:avLst/>
+            </a:prstGeom>
+            <a:ln w="28575">
+              <a:solidFill>
+                <a:schemeClr val="accent6"/>
+              </a:solidFill>
+              <a:tailEnd type="triangle"/>
+            </a:ln>
+          </p:spPr>
+          <p:style>
+            <a:lnRef idx="1">
+              <a:schemeClr val="accent1"/>
+            </a:lnRef>
+            <a:fillRef idx="0">
+              <a:schemeClr val="accent1"/>
+            </a:fillRef>
+            <a:effectRef idx="0">
+              <a:schemeClr val="accent1"/>
+            </a:effectRef>
+            <a:fontRef idx="minor">
+              <a:schemeClr val="tx1"/>
+            </a:fontRef>
+          </p:style>
+        </p:cxnSp>
+        <mc:AlternateContent xmlns:mc="http://schemas.openxmlformats.org/markup-compatibility/2006">
+          <mc:Choice xmlns:a14="http://schemas.microsoft.com/office/drawing/2010/main" Requires="a14">
+            <p:sp>
+              <p:nvSpPr>
+                <p:cNvPr id="59" name="TextBox 58">
+                  <a:extLst>
+                    <a:ext uri="{FF2B5EF4-FFF2-40B4-BE49-F238E27FC236}">
+                      <a16:creationId xmlns:a16="http://schemas.microsoft.com/office/drawing/2014/main" id="{ADBC4B18-31B4-D88A-1DB3-7B17FD02E8E6}"/>
+                    </a:ext>
+                  </a:extLst>
+                </p:cNvPr>
+                <p:cNvSpPr txBox="1"/>
+                <p:nvPr/>
+              </p:nvSpPr>
+              <p:spPr>
+                <a:xfrm>
+                  <a:off x="4600829" y="2944675"/>
+                  <a:ext cx="362893" cy="439701"/>
+                </a:xfrm>
+                <a:prstGeom prst="roundRect">
+                  <a:avLst/>
+                </a:prstGeom>
+                <a:noFill/>
+                <a:ln w="19050">
+                  <a:noFill/>
+                </a:ln>
+              </p:spPr>
+              <p:txBody>
+                <a:bodyPr wrap="square" anchor="ctr">
+                  <a:spAutoFit/>
+                </a:bodyPr>
+                <a:lstStyle/>
+                <a:p>
+                  <a:pPr algn="ctr">
+                    <a:lnSpc>
+                      <a:spcPct val="114000"/>
+                    </a:lnSpc>
+                  </a:pPr>
+                  <a14:m>
+                    <m:oMathPara xmlns:m="http://schemas.openxmlformats.org/officeDocument/2006/math">
+                      <m:oMathParaPr>
+                        <m:jc m:val="center"/>
+                      </m:oMathParaPr>
+                      <m:oMath xmlns:m="http://schemas.openxmlformats.org/officeDocument/2006/math">
+                        <m:sSub>
+                          <m:sSubPr>
+                            <m:ctrlPr>
+                              <a:rPr lang="en-GB" i="1" smtClean="0">
+                                <a:solidFill>
+                                  <a:schemeClr val="tx1"/>
+                                </a:solidFill>
+                                <a:latin typeface="Cambria Math" panose="02040503050406030204" pitchFamily="18" charset="0"/>
+                              </a:rPr>
+                            </m:ctrlPr>
+                          </m:sSubPr>
+                          <m:e>
+                            <m:r>
+                              <a:rPr lang="en-US" b="0" i="1" smtClean="0">
+                                <a:solidFill>
+                                  <a:schemeClr val="tx1"/>
+                                </a:solidFill>
+                                <a:latin typeface="Cambria Math" panose="02040503050406030204" pitchFamily="18" charset="0"/>
+                              </a:rPr>
+                              <m:t>𝑟</m:t>
+                            </m:r>
+                          </m:e>
+                          <m:sub>
+                            <m:r>
+                              <a:rPr lang="en-US" b="0" i="1" smtClean="0">
+                                <a:solidFill>
+                                  <a:schemeClr val="tx1"/>
+                                </a:solidFill>
+                                <a:latin typeface="Cambria Math" panose="02040503050406030204" pitchFamily="18" charset="0"/>
+                              </a:rPr>
+                              <m:t>𝑡</m:t>
+                            </m:r>
+                          </m:sub>
+                        </m:sSub>
+                      </m:oMath>
+                    </m:oMathPara>
+                  </a14:m>
+                  <a:endParaRPr lang="en-GB" dirty="0">
+                    <a:solidFill>
+                      <a:schemeClr val="tx1"/>
+                    </a:solidFill>
+                  </a:endParaRPr>
+                </a:p>
+              </p:txBody>
+            </p:sp>
+          </mc:Choice>
+          <mc:Fallback>
+            <p:sp>
+              <p:nvSpPr>
+                <p:cNvPr id="59" name="TextBox 58">
+                  <a:extLst>
+                    <a:ext uri="{FF2B5EF4-FFF2-40B4-BE49-F238E27FC236}">
+                      <a16:creationId xmlns:a16="http://schemas.microsoft.com/office/drawing/2014/main" id="{ADBC4B18-31B4-D88A-1DB3-7B17FD02E8E6}"/>
+                    </a:ext>
+                  </a:extLst>
+                </p:cNvPr>
+                <p:cNvSpPr txBox="1">
+                  <a:spLocks noRot="1" noChangeAspect="1" noMove="1" noResize="1" noEditPoints="1" noAdjustHandles="1" noChangeArrowheads="1" noChangeShapeType="1" noTextEdit="1"/>
+                </p:cNvSpPr>
+                <p:nvPr/>
+              </p:nvSpPr>
+              <p:spPr>
+                <a:xfrm>
+                  <a:off x="4600829" y="2944675"/>
+                  <a:ext cx="362893" cy="439701"/>
+                </a:xfrm>
+                <a:prstGeom prst="roundRect">
+                  <a:avLst/>
+                </a:prstGeom>
+                <a:blipFill>
+                  <a:blip r:embed="rId7"/>
+                  <a:stretch>
+                    <a:fillRect/>
+                  </a:stretch>
+                </a:blipFill>
+                <a:ln w="19050">
+                  <a:noFill/>
+                </a:ln>
+              </p:spPr>
+              <p:txBody>
+                <a:bodyPr/>
+                <a:lstStyle/>
+                <a:p>
+                  <a:r>
+                    <a:rPr lang="en-GB">
+                      <a:noFill/>
+                    </a:rPr>
+                    <a:t> </a:t>
+                  </a:r>
+                </a:p>
+              </p:txBody>
+            </p:sp>
+          </mc:Fallback>
+        </mc:AlternateContent>
+        <p:cxnSp>
+          <p:nvCxnSpPr>
+            <p:cNvPr id="60" name="Straight Arrow Connector 59">
+              <a:extLst>
+                <a:ext uri="{FF2B5EF4-FFF2-40B4-BE49-F238E27FC236}">
+                  <a16:creationId xmlns:a16="http://schemas.microsoft.com/office/drawing/2014/main" id="{500B14B6-7921-C7C1-07E6-93B4A88A18BC}"/>
+                </a:ext>
+              </a:extLst>
+            </p:cNvPr>
+            <p:cNvCxnSpPr>
+              <a:cxnSpLocks/>
+            </p:cNvCxnSpPr>
+            <p:nvPr/>
+          </p:nvCxnSpPr>
+          <p:spPr>
+            <a:xfrm>
+              <a:off x="4597315" y="2628025"/>
+              <a:ext cx="1" cy="959853"/>
+            </a:xfrm>
+            <a:prstGeom prst="straightConnector1">
+              <a:avLst/>
+            </a:prstGeom>
+            <a:ln w="28575">
+              <a:solidFill>
+                <a:srgbClr val="0065BD"/>
+              </a:solidFill>
+              <a:tailEnd type="triangle"/>
+            </a:ln>
+          </p:spPr>
+          <p:style>
+            <a:lnRef idx="1">
+              <a:schemeClr val="accent1"/>
+            </a:lnRef>
+            <a:fillRef idx="0">
+              <a:schemeClr val="accent1"/>
+            </a:fillRef>
+            <a:effectRef idx="0">
+              <a:schemeClr val="accent1"/>
+            </a:effectRef>
+            <a:fontRef idx="minor">
+              <a:schemeClr val="tx1"/>
+            </a:fontRef>
+          </p:style>
+        </p:cxnSp>
+        <p:cxnSp>
+          <p:nvCxnSpPr>
+            <p:cNvPr id="67" name="Straight Arrow Connector 66">
+              <a:extLst>
+                <a:ext uri="{FF2B5EF4-FFF2-40B4-BE49-F238E27FC236}">
+                  <a16:creationId xmlns:a16="http://schemas.microsoft.com/office/drawing/2014/main" id="{E94BE973-FE50-681E-6B6A-6B92DE66B201}"/>
+                </a:ext>
+              </a:extLst>
+            </p:cNvPr>
+            <p:cNvCxnSpPr>
+              <a:cxnSpLocks/>
+              <a:stCxn id="13" idx="4"/>
+            </p:cNvCxnSpPr>
+            <p:nvPr/>
+          </p:nvCxnSpPr>
+          <p:spPr>
+            <a:xfrm>
+              <a:off x="3095283" y="2875318"/>
+              <a:ext cx="357071" cy="707336"/>
+            </a:xfrm>
+            <a:prstGeom prst="straightConnector1">
+              <a:avLst/>
+            </a:prstGeom>
+            <a:ln w="28575">
+              <a:solidFill>
+                <a:srgbClr val="0065BD"/>
+              </a:solidFill>
+              <a:tailEnd type="triangle"/>
+            </a:ln>
+          </p:spPr>
+          <p:style>
+            <a:lnRef idx="1">
+              <a:schemeClr val="accent1"/>
+            </a:lnRef>
+            <a:fillRef idx="0">
+              <a:schemeClr val="accent1"/>
+            </a:fillRef>
+            <a:effectRef idx="0">
+              <a:schemeClr val="accent1"/>
+            </a:effectRef>
+            <a:fontRef idx="minor">
+              <a:schemeClr val="tx1"/>
+            </a:fontRef>
+          </p:style>
+        </p:cxnSp>
+      </p:grpSp>
     </p:spTree>
     <p:extLst>
       <p:ext uri="{BB962C8B-B14F-4D97-AF65-F5344CB8AC3E}">

--- a/Mid-term Presentation.pptx
+++ b/Mid-term Presentation.pptx
@@ -326,7 +326,7 @@
               <a:pPr>
                 <a:defRPr/>
               </a:pPr>
-              <a:t>15/08/2024</a:t>
+              <a:t>16/08/2024</a:t>
             </a:fld>
             <a:endParaRPr lang="en-GB"/>
           </a:p>
@@ -545,7 +545,7 @@
               <a:pPr>
                 <a:defRPr/>
               </a:pPr>
-              <a:t>15/08/2024</a:t>
+              <a:t>16/08/2024</a:t>
             </a:fld>
             <a:endParaRPr lang="en-GB"/>
           </a:p>
@@ -16094,10 +16094,10 @@
       </p:grpSp>
       <p:grpSp>
         <p:nvGrpSpPr>
-          <p:cNvPr id="380" name="Group 379">
+          <p:cNvPr id="13" name="Group 12">
             <a:extLst>
               <a:ext uri="{FF2B5EF4-FFF2-40B4-BE49-F238E27FC236}">
-                <a16:creationId xmlns:a16="http://schemas.microsoft.com/office/drawing/2014/main" id="{86EF3EB8-E506-5048-C771-9C89E0E7C15E}"/>
+                <a16:creationId xmlns:a16="http://schemas.microsoft.com/office/drawing/2014/main" id="{3640CD87-BC63-AB54-2609-C5594668272A}"/>
               </a:ext>
             </a:extLst>
           </p:cNvPr>
@@ -16106,9 +16106,9 @@
         </p:nvGrpSpPr>
         <p:grpSpPr>
           <a:xfrm>
-            <a:off x="4638906" y="1441040"/>
+            <a:off x="4656725" y="1441040"/>
             <a:ext cx="3468145" cy="3190433"/>
-            <a:chOff x="4638906" y="1441040"/>
+            <a:chOff x="4656725" y="1441040"/>
             <a:chExt cx="3468145" cy="3190433"/>
           </a:xfrm>
         </p:grpSpPr>
@@ -16126,7 +16126,7 @@
           </p:nvSpPr>
           <p:spPr>
             <a:xfrm>
-              <a:off x="4638906" y="1441040"/>
+              <a:off x="4656725" y="1441040"/>
               <a:ext cx="3468145" cy="3190433"/>
             </a:xfrm>
             <a:prstGeom prst="rect">
@@ -16175,10 +16175,10 @@
         </p:sp>
         <p:grpSp>
           <p:nvGrpSpPr>
-            <p:cNvPr id="378" name="Group 377">
+            <p:cNvPr id="12" name="Group 11">
               <a:extLst>
                 <a:ext uri="{FF2B5EF4-FFF2-40B4-BE49-F238E27FC236}">
-                  <a16:creationId xmlns:a16="http://schemas.microsoft.com/office/drawing/2014/main" id="{2D03D6A6-F13E-B893-4910-CE97CF3AB0AD}"/>
+                  <a16:creationId xmlns:a16="http://schemas.microsoft.com/office/drawing/2014/main" id="{9D8846FA-A646-21D9-667B-AE0A9D29270C}"/>
                 </a:ext>
               </a:extLst>
             </p:cNvPr>
@@ -16187,9 +16187,9 @@
           </p:nvGrpSpPr>
           <p:grpSpPr>
             <a:xfrm>
-              <a:off x="4729189" y="1600200"/>
+              <a:off x="4747008" y="1600200"/>
               <a:ext cx="3256156" cy="2843746"/>
-              <a:chOff x="4296937" y="1397071"/>
+              <a:chOff x="4747008" y="1600200"/>
               <a:chExt cx="3256156" cy="2843746"/>
             </a:xfrm>
           </p:grpSpPr>
@@ -16207,7 +16207,7 @@
             </p:nvSpPr>
             <p:spPr>
               <a:xfrm>
-                <a:off x="4296937" y="1428616"/>
+                <a:off x="4747008" y="1631745"/>
                 <a:ext cx="3256156" cy="1432910"/>
               </a:xfrm>
               <a:prstGeom prst="roundRect">
@@ -16272,7 +16272,7 @@
             </p:nvGrpSpPr>
             <p:grpSpPr>
               <a:xfrm>
-                <a:off x="4629085" y="1718469"/>
+                <a:off x="5079156" y="1921598"/>
                 <a:ext cx="854654" cy="1088610"/>
                 <a:chOff x="4164503" y="2116841"/>
                 <a:chExt cx="854654" cy="1088610"/>
@@ -19564,7 +19564,7 @@
             </p:nvGrpSpPr>
             <p:grpSpPr>
               <a:xfrm>
-                <a:off x="6258223" y="1709371"/>
+                <a:off x="6708294" y="1912500"/>
                 <a:ext cx="854654" cy="1088610"/>
                 <a:chOff x="4164503" y="2116841"/>
                 <a:chExt cx="854654" cy="1088610"/>
@@ -22856,7 +22856,7 @@
             </p:nvGrpSpPr>
             <p:grpSpPr>
               <a:xfrm>
-                <a:off x="4572000" y="3244784"/>
+                <a:off x="5022071" y="3447913"/>
                 <a:ext cx="2563841" cy="996033"/>
                 <a:chOff x="3692824" y="2149293"/>
                 <a:chExt cx="4530554" cy="1063951"/>
@@ -22985,7 +22985,7 @@
                 </p:nvSpPr>
                 <p:spPr>
                   <a:xfrm>
-                    <a:off x="4560243" y="1400949"/>
+                    <a:off x="5010314" y="1604078"/>
                     <a:ext cx="988692" cy="337913"/>
                   </a:xfrm>
                   <a:prstGeom prst="rect">
@@ -23122,7 +23122,7 @@
                 </p:nvSpPr>
                 <p:spPr>
                   <a:xfrm>
-                    <a:off x="4560243" y="1400949"/>
+                    <a:off x="5010314" y="1604078"/>
                     <a:ext cx="988692" cy="337913"/>
                   </a:xfrm>
                   <a:prstGeom prst="rect">
@@ -23169,7 +23169,7 @@
             </p:nvCxnSpPr>
             <p:spPr>
               <a:xfrm flipV="1">
-                <a:off x="6448834" y="2839426"/>
+                <a:off x="6898905" y="3042555"/>
                 <a:ext cx="0" cy="405358"/>
               </a:xfrm>
               <a:prstGeom prst="straightConnector1">
@@ -23213,7 +23213,7 @@
                 </p:nvSpPr>
                 <p:spPr>
                   <a:xfrm>
-                    <a:off x="6209269" y="2845953"/>
+                    <a:off x="6659340" y="3049082"/>
                     <a:ext cx="362893" cy="439701"/>
                   </a:xfrm>
                   <a:prstGeom prst="roundRect">
@@ -23279,7 +23279,7 @@
                 </p:nvSpPr>
                 <p:spPr>
                   <a:xfrm>
-                    <a:off x="6209269" y="2845953"/>
+                    <a:off x="6659340" y="3049082"/>
                     <a:ext cx="362893" cy="439701"/>
                   </a:xfrm>
                   <a:prstGeom prst="roundRect">
@@ -23324,7 +23324,7 @@
             </p:nvGrpSpPr>
             <p:grpSpPr>
               <a:xfrm>
-                <a:off x="4887254" y="3515105"/>
+                <a:off x="5337325" y="3718234"/>
                 <a:ext cx="1877502" cy="379673"/>
                 <a:chOff x="4174461" y="2263299"/>
                 <a:chExt cx="1877502" cy="379673"/>
@@ -23391,8 +23391,8 @@
                 </a:p>
               </p:txBody>
             </p:sp>
-            <mc:AlternateContent xmlns:mc="http://schemas.openxmlformats.org/markup-compatibility/2006">
-              <mc:Choice xmlns:a14="http://schemas.microsoft.com/office/drawing/2010/main" Requires="a14">
+            <mc:AlternateContent xmlns:mc="http://schemas.openxmlformats.org/markup-compatibility/2006" xmlns:a14="http://schemas.microsoft.com/office/drawing/2010/main">
+              <mc:Choice Requires="a14">
                 <p:sp>
                   <p:nvSpPr>
                     <p:cNvPr id="321" name="TextBox 320">
@@ -23448,7 +23448,7 @@
                   </p:txBody>
                 </p:sp>
               </mc:Choice>
-              <mc:Fallback>
+              <mc:Fallback xmlns="">
                 <p:sp>
                   <p:nvSpPr>
                     <p:cNvPr id="321" name="TextBox 320">
@@ -23554,8 +23554,8 @@
                 </a:p>
               </p:txBody>
             </p:sp>
-            <mc:AlternateContent xmlns:mc="http://schemas.openxmlformats.org/markup-compatibility/2006">
-              <mc:Choice xmlns:a14="http://schemas.microsoft.com/office/drawing/2010/main" Requires="a14">
+            <mc:AlternateContent xmlns:mc="http://schemas.openxmlformats.org/markup-compatibility/2006" xmlns:a14="http://schemas.microsoft.com/office/drawing/2010/main">
+              <mc:Choice Requires="a14">
                 <p:sp>
                   <p:nvSpPr>
                     <p:cNvPr id="323" name="TextBox 322">
@@ -23630,7 +23630,7 @@
                   </p:txBody>
                 </p:sp>
               </mc:Choice>
-              <mc:Fallback>
+              <mc:Fallback xmlns="">
                 <p:sp>
                   <p:nvSpPr>
                     <p:cNvPr id="323" name="TextBox 322">
@@ -23739,7 +23739,7 @@
             </p:nvCxnSpPr>
             <p:spPr>
               <a:xfrm flipV="1">
-                <a:off x="6584756" y="2834877"/>
+                <a:off x="7034827" y="3038006"/>
                 <a:ext cx="0" cy="692084"/>
               </a:xfrm>
               <a:prstGeom prst="straightConnector1">
@@ -23783,7 +23783,7 @@
             </p:nvCxnSpPr>
             <p:spPr>
               <a:xfrm flipV="1">
-                <a:off x="5051068" y="2834877"/>
+                <a:off x="5501139" y="3038006"/>
                 <a:ext cx="9502" cy="705763"/>
               </a:xfrm>
               <a:prstGeom prst="straightConnector1">
@@ -23827,7 +23827,7 @@
             </p:nvCxnSpPr>
             <p:spPr>
               <a:xfrm>
-                <a:off x="5419171" y="2873989"/>
+                <a:off x="5869242" y="3077118"/>
                 <a:ext cx="0" cy="392454"/>
               </a:xfrm>
               <a:prstGeom prst="straightConnector1">
@@ -23871,7 +23871,7 @@
                 </p:nvSpPr>
                 <p:spPr>
                   <a:xfrm>
-                    <a:off x="5172659" y="2861733"/>
+                    <a:off x="5622730" y="3064862"/>
                     <a:ext cx="252810" cy="439701"/>
                   </a:xfrm>
                   <a:prstGeom prst="roundRect">
@@ -23937,7 +23937,7 @@
                 </p:nvSpPr>
                 <p:spPr>
                   <a:xfrm>
-                    <a:off x="5172659" y="2861733"/>
+                    <a:off x="5622730" y="3064862"/>
                     <a:ext cx="252810" cy="439701"/>
                   </a:xfrm>
                   <a:prstGeom prst="roundRect">
@@ -23946,7 +23946,7 @@
                   <a:blipFill>
                     <a:blip r:embed="rId6"/>
                     <a:stretch>
-                      <a:fillRect l="-14286"/>
+                      <a:fillRect l="-9524"/>
                     </a:stretch>
                   </a:blipFill>
                   <a:ln w="19050">
@@ -23984,7 +23984,7 @@
             </p:nvCxnSpPr>
             <p:spPr>
               <a:xfrm>
-                <a:off x="5661104" y="1940424"/>
+                <a:off x="6098187" y="2554432"/>
                 <a:ext cx="489600" cy="0"/>
               </a:xfrm>
               <a:prstGeom prst="straightConnector1">
@@ -24028,7 +24028,7 @@
             </p:nvCxnSpPr>
             <p:spPr>
               <a:xfrm flipH="1">
-                <a:off x="5664919" y="2341142"/>
+                <a:off x="6052365" y="2186689"/>
                 <a:ext cx="489545" cy="0"/>
               </a:xfrm>
               <a:prstGeom prst="straightConnector1">
@@ -24072,7 +24072,7 @@
                 </p:nvSpPr>
                 <p:spPr>
                   <a:xfrm>
-                    <a:off x="5925015" y="1397071"/>
+                    <a:off x="6375086" y="1600200"/>
                     <a:ext cx="1592235" cy="337913"/>
                   </a:xfrm>
                   <a:prstGeom prst="rect">
@@ -24234,7 +24234,7 @@
                 </p:nvSpPr>
                 <p:spPr>
                   <a:xfrm>
-                    <a:off x="5925015" y="1397071"/>
+                    <a:off x="6375086" y="1600200"/>
                     <a:ext cx="1592235" cy="337913"/>
                   </a:xfrm>
                   <a:prstGeom prst="rect">
@@ -24283,7 +24283,7 @@
             </p:nvCxnSpPr>
             <p:spPr>
               <a:xfrm flipV="1">
-                <a:off x="5194533" y="2845953"/>
+                <a:off x="5644604" y="3049082"/>
                 <a:ext cx="1196183" cy="733729"/>
               </a:xfrm>
               <a:prstGeom prst="straightConnector1">
@@ -24311,54 +24311,6 @@
               </a:fontRef>
             </p:style>
           </p:cxnSp>
-          <p:sp>
-            <p:nvSpPr>
-              <p:cNvPr id="376" name="TextBox 375">
-                <a:extLst>
-                  <a:ext uri="{FF2B5EF4-FFF2-40B4-BE49-F238E27FC236}">
-                    <a16:creationId xmlns:a16="http://schemas.microsoft.com/office/drawing/2014/main" id="{130C9A73-D1EE-5598-D84F-DA03B3243D65}"/>
-                  </a:ext>
-                </a:extLst>
-              </p:cNvPr>
-              <p:cNvSpPr txBox="1"/>
-              <p:nvPr/>
-            </p:nvSpPr>
-            <p:spPr>
-              <a:xfrm>
-                <a:off x="5572461" y="1703094"/>
-                <a:ext cx="633422" cy="193002"/>
-              </a:xfrm>
-              <a:prstGeom prst="rect">
-                <a:avLst/>
-              </a:prstGeom>
-              <a:noFill/>
-            </p:spPr>
-            <p:txBody>
-              <a:bodyPr wrap="square" lIns="0" tIns="0" rIns="0" bIns="0" rtlCol="0">
-                <a:spAutoFit/>
-              </a:bodyPr>
-              <a:lstStyle/>
-              <a:p>
-                <a:pPr>
-                  <a:lnSpc>
-                    <a:spcPct val="114000"/>
-                  </a:lnSpc>
-                </a:pPr>
-                <a:r>
-                  <a:rPr lang="en-GB" sz="1200" dirty="0">
-                    <a:latin typeface="+mn-lt"/>
-                  </a:rPr>
-                  <a:t>update </a:t>
-                </a:r>
-                <a:r>
-                  <a:rPr lang="en-GB" sz="1200" i="1" dirty="0">
-                    <a:latin typeface="+mn-lt"/>
-                  </a:rPr>
-                  <a:t>w</a:t>
-                </a:r>
-              </a:p>
-            </p:txBody>
-          </p:sp>
           <mc:AlternateContent xmlns:mc="http://schemas.openxmlformats.org/markup-compatibility/2006">
             <mc:Choice xmlns:a14="http://schemas.microsoft.com/office/drawing/2010/main" Requires="a14">
               <p:sp>
@@ -24375,8 +24327,8 @@
                 </p:nvSpPr>
                 <p:spPr>
                   <a:xfrm>
-                    <a:off x="5589193" y="2116206"/>
-                    <a:ext cx="633422" cy="193002"/>
+                    <a:off x="6146439" y="1934207"/>
+                    <a:ext cx="411569" cy="245580"/>
                   </a:xfrm>
                   <a:prstGeom prst="rect">
                     <a:avLst/>
@@ -24394,32 +24346,59 @@
                         <a:spcPct val="114000"/>
                       </a:lnSpc>
                     </a:pPr>
-                    <a:r>
-                      <a:rPr lang="en-GB" sz="1200" dirty="0">
-                        <a:latin typeface="+mn-lt"/>
-                      </a:rPr>
-                      <a:t>update </a:t>
-                    </a:r>
                     <a14:m>
-                      <m:oMath xmlns:m="http://schemas.openxmlformats.org/officeDocument/2006/math">
-                        <m:r>
-                          <a:rPr lang="en-US" sz="1200" b="0" i="1" smtClean="0">
-                            <a:solidFill>
-                              <a:schemeClr val="tx1"/>
-                            </a:solidFill>
-                            <a:latin typeface="Cambria Math" panose="02040503050406030204" pitchFamily="18" charset="0"/>
-                            <a:ea typeface="Cambria Math" panose="02040503050406030204" pitchFamily="18" charset="0"/>
-                          </a:rPr>
-                          <m:t>𝜃</m:t>
-                        </m:r>
-                      </m:oMath>
+                      <m:oMathPara xmlns:m="http://schemas.openxmlformats.org/officeDocument/2006/math">
+                        <m:oMathParaPr>
+                          <m:jc m:val="centerGroup"/>
+                        </m:oMathParaPr>
+                        <m:oMath xmlns:m="http://schemas.openxmlformats.org/officeDocument/2006/math">
+                          <m:r>
+                            <a:rPr lang="en-US" sz="1400" b="0" i="1" smtClean="0">
+                              <a:solidFill>
+                                <a:schemeClr val="tx1"/>
+                              </a:solidFill>
+                              <a:latin typeface="Cambria Math" panose="02040503050406030204" pitchFamily="18" charset="0"/>
+                              <a:ea typeface="Cambria Math" panose="02040503050406030204" pitchFamily="18" charset="0"/>
+                            </a:rPr>
+                            <m:t>𝑉</m:t>
+                          </m:r>
+                          <m:r>
+                            <a:rPr lang="en-US" sz="1400" b="0" i="1" smtClean="0">
+                              <a:solidFill>
+                                <a:schemeClr val="tx1"/>
+                              </a:solidFill>
+                              <a:latin typeface="Cambria Math" panose="02040503050406030204" pitchFamily="18" charset="0"/>
+                              <a:ea typeface="Cambria Math" panose="02040503050406030204" pitchFamily="18" charset="0"/>
+                            </a:rPr>
+                            <m:t>(</m:t>
+                          </m:r>
+                          <m:r>
+                            <a:rPr lang="en-US" sz="1400" b="0" i="1" smtClean="0">
+                              <a:solidFill>
+                                <a:schemeClr val="tx1"/>
+                              </a:solidFill>
+                              <a:latin typeface="Cambria Math" panose="02040503050406030204" pitchFamily="18" charset="0"/>
+                              <a:ea typeface="Cambria Math" panose="02040503050406030204" pitchFamily="18" charset="0"/>
+                            </a:rPr>
+                            <m:t>𝑠</m:t>
+                          </m:r>
+                          <m:r>
+                            <a:rPr lang="en-US" sz="1400" b="0" i="1" smtClean="0">
+                              <a:solidFill>
+                                <a:schemeClr val="tx1"/>
+                              </a:solidFill>
+                              <a:latin typeface="Cambria Math" panose="02040503050406030204" pitchFamily="18" charset="0"/>
+                              <a:ea typeface="Cambria Math" panose="02040503050406030204" pitchFamily="18" charset="0"/>
+                            </a:rPr>
+                            <m:t>)</m:t>
+                          </m:r>
+                        </m:oMath>
+                      </m:oMathPara>
                     </a14:m>
-                    <a:r>
-                      <a:rPr lang="en-GB" sz="1200" dirty="0">
-                        <a:latin typeface="+mn-lt"/>
-                      </a:rPr>
-                      <a:t> </a:t>
-                    </a:r>
+                    <a:endParaRPr lang="en-GB" sz="1400" i="1" dirty="0">
+                      <a:latin typeface="Cambria Math" panose="02040503050406030204" pitchFamily="18" charset="0"/>
+                      <a:ea typeface="Cambria Math" panose="02040503050406030204" pitchFamily="18" charset="0"/>
+                    </a:endParaRPr>
                   </a:p>
                 </p:txBody>
               </p:sp>
@@ -24441,8 +24420,8 @@
                 </p:nvSpPr>
                 <p:spPr>
                   <a:xfrm>
-                    <a:off x="5589193" y="2116206"/>
-                    <a:ext cx="633422" cy="193002"/>
+                    <a:off x="6146439" y="1934207"/>
+                    <a:ext cx="411569" cy="245580"/>
                   </a:xfrm>
                   <a:prstGeom prst="rect">
                     <a:avLst/>
@@ -24450,9 +24429,122 @@
                   <a:blipFill>
                     <a:blip r:embed="rId8"/>
                     <a:stretch>
-                      <a:fillRect l="-13725" t="-18750" r="-1961" b="-43750"/>
+                      <a:fillRect l="-5882" r="-11765" b="-25000"/>
                     </a:stretch>
                   </a:blipFill>
+                </p:spPr>
+                <p:txBody>
+                  <a:bodyPr/>
+                  <a:lstStyle/>
+                  <a:p>
+                    <a:r>
+                      <a:rPr lang="en-GB">
+                        <a:noFill/>
+                      </a:rPr>
+                      <a:t> </a:t>
+                    </a:r>
+                  </a:p>
+                </p:txBody>
+              </p:sp>
+            </mc:Fallback>
+          </mc:AlternateContent>
+          <mc:AlternateContent xmlns:mc="http://schemas.openxmlformats.org/markup-compatibility/2006">
+            <mc:Choice xmlns:a14="http://schemas.microsoft.com/office/drawing/2010/main" Requires="a14">
+              <p:sp>
+                <p:nvSpPr>
+                  <p:cNvPr id="7" name="TextBox 6">
+                    <a:extLst>
+                      <a:ext uri="{FF2B5EF4-FFF2-40B4-BE49-F238E27FC236}">
+                        <a16:creationId xmlns:a16="http://schemas.microsoft.com/office/drawing/2014/main" id="{4DD6934F-0C1C-49F8-272E-2E2ADC52E7A9}"/>
+                      </a:ext>
+                    </a:extLst>
+                  </p:cNvPr>
+                  <p:cNvSpPr txBox="1"/>
+                  <p:nvPr/>
+                </p:nvSpPr>
+                <p:spPr>
+                  <a:xfrm>
+                    <a:off x="6235280" y="2185694"/>
+                    <a:ext cx="252810" cy="439701"/>
+                  </a:xfrm>
+                  <a:prstGeom prst="roundRect">
+                    <a:avLst/>
+                  </a:prstGeom>
+                  <a:noFill/>
+                  <a:ln w="19050">
+                    <a:noFill/>
+                  </a:ln>
+                </p:spPr>
+                <p:txBody>
+                  <a:bodyPr wrap="square" anchor="ctr">
+                    <a:spAutoFit/>
+                  </a:bodyPr>
+                  <a:lstStyle/>
+                  <a:p>
+                    <a:pPr algn="ctr">
+                      <a:lnSpc>
+                        <a:spcPct val="114000"/>
+                      </a:lnSpc>
+                    </a:pPr>
+                    <a14:m>
+                      <m:oMathPara xmlns:m="http://schemas.openxmlformats.org/officeDocument/2006/math">
+                        <m:oMathParaPr>
+                          <m:jc m:val="center"/>
+                        </m:oMathParaPr>
+                        <m:oMath xmlns:m="http://schemas.openxmlformats.org/officeDocument/2006/math">
+                          <m:r>
+                            <a:rPr lang="en-US" b="0" i="1" smtClean="0">
+                              <a:solidFill>
+                                <a:schemeClr val="tx1"/>
+                              </a:solidFill>
+                              <a:latin typeface="Cambria Math" panose="02040503050406030204" pitchFamily="18" charset="0"/>
+                            </a:rPr>
+                            <m:t>𝑎</m:t>
+                          </m:r>
+                        </m:oMath>
+                      </m:oMathPara>
+                    </a14:m>
+                    <a:endParaRPr lang="en-GB" dirty="0">
+                      <a:solidFill>
+                        <a:schemeClr val="tx1"/>
+                      </a:solidFill>
+                    </a:endParaRPr>
+                  </a:p>
+                </p:txBody>
+              </p:sp>
+            </mc:Choice>
+            <mc:Fallback>
+              <p:sp>
+                <p:nvSpPr>
+                  <p:cNvPr id="7" name="TextBox 6">
+                    <a:extLst>
+                      <a:ext uri="{FF2B5EF4-FFF2-40B4-BE49-F238E27FC236}">
+                        <a16:creationId xmlns:a16="http://schemas.microsoft.com/office/drawing/2014/main" id="{4DD6934F-0C1C-49F8-272E-2E2ADC52E7A9}"/>
+                      </a:ext>
+                    </a:extLst>
+                  </p:cNvPr>
+                  <p:cNvSpPr txBox="1">
+                    <a:spLocks noRot="1" noChangeAspect="1" noMove="1" noResize="1" noEditPoints="1" noAdjustHandles="1" noChangeArrowheads="1" noChangeShapeType="1" noTextEdit="1"/>
+                  </p:cNvSpPr>
+                  <p:nvPr/>
+                </p:nvSpPr>
+                <p:spPr>
+                  <a:xfrm>
+                    <a:off x="6235280" y="2185694"/>
+                    <a:ext cx="252810" cy="439701"/>
+                  </a:xfrm>
+                  <a:prstGeom prst="roundRect">
+                    <a:avLst/>
+                  </a:prstGeom>
+                  <a:blipFill>
+                    <a:blip r:embed="rId9"/>
+                    <a:stretch>
+                      <a:fillRect l="-15000"/>
+                    </a:stretch>
+                  </a:blipFill>
+                  <a:ln w="19050">
+                    <a:noFill/>
+                  </a:ln>
                 </p:spPr>
                 <p:txBody>
                   <a:bodyPr/>

--- a/Mid-term Presentation.pptx
+++ b/Mid-term Presentation.pptx
@@ -13,10 +13,10 @@
     <p:sldMasterId id="2147483724" r:id="rId9"/>
   </p:sldMasterIdLst>
   <p:notesMasterIdLst>
-    <p:notesMasterId r:id="rId36"/>
+    <p:notesMasterId r:id="rId37"/>
   </p:notesMasterIdLst>
   <p:handoutMasterIdLst>
-    <p:handoutMasterId r:id="rId37"/>
+    <p:handoutMasterId r:id="rId38"/>
   </p:handoutMasterIdLst>
   <p:sldIdLst>
     <p:sldId id="355" r:id="rId10"/>
@@ -26,25 +26,26 @@
     <p:sldId id="507" r:id="rId14"/>
     <p:sldId id="508" r:id="rId15"/>
     <p:sldId id="487" r:id="rId16"/>
-    <p:sldId id="488" r:id="rId17"/>
-    <p:sldId id="493" r:id="rId18"/>
-    <p:sldId id="509" r:id="rId19"/>
-    <p:sldId id="489" r:id="rId20"/>
-    <p:sldId id="491" r:id="rId21"/>
-    <p:sldId id="490" r:id="rId22"/>
-    <p:sldId id="494" r:id="rId23"/>
-    <p:sldId id="495" r:id="rId24"/>
-    <p:sldId id="496" r:id="rId25"/>
-    <p:sldId id="497" r:id="rId26"/>
-    <p:sldId id="498" r:id="rId27"/>
-    <p:sldId id="499" r:id="rId28"/>
-    <p:sldId id="500" r:id="rId29"/>
-    <p:sldId id="502" r:id="rId30"/>
-    <p:sldId id="501" r:id="rId31"/>
-    <p:sldId id="503" r:id="rId32"/>
-    <p:sldId id="504" r:id="rId33"/>
-    <p:sldId id="506" r:id="rId34"/>
-    <p:sldId id="505" r:id="rId35"/>
+    <p:sldId id="510" r:id="rId17"/>
+    <p:sldId id="488" r:id="rId18"/>
+    <p:sldId id="493" r:id="rId19"/>
+    <p:sldId id="509" r:id="rId20"/>
+    <p:sldId id="489" r:id="rId21"/>
+    <p:sldId id="491" r:id="rId22"/>
+    <p:sldId id="490" r:id="rId23"/>
+    <p:sldId id="494" r:id="rId24"/>
+    <p:sldId id="495" r:id="rId25"/>
+    <p:sldId id="496" r:id="rId26"/>
+    <p:sldId id="497" r:id="rId27"/>
+    <p:sldId id="498" r:id="rId28"/>
+    <p:sldId id="499" r:id="rId29"/>
+    <p:sldId id="500" r:id="rId30"/>
+    <p:sldId id="502" r:id="rId31"/>
+    <p:sldId id="501" r:id="rId32"/>
+    <p:sldId id="503" r:id="rId33"/>
+    <p:sldId id="504" r:id="rId34"/>
+    <p:sldId id="506" r:id="rId35"/>
+    <p:sldId id="505" r:id="rId36"/>
   </p:sldIdLst>
   <p:sldSz cx="9144000" cy="5143500" type="screen16x9"/>
   <p:notesSz cx="9925050" cy="6665913"/>
@@ -326,7 +327,7 @@
               <a:pPr>
                 <a:defRPr/>
               </a:pPr>
-              <a:t>16/08/2024</a:t>
+              <a:t>17/08/2024</a:t>
             </a:fld>
             <a:endParaRPr lang="en-GB"/>
           </a:p>
@@ -545,7 +546,7 @@
               <a:pPr>
                 <a:defRPr/>
               </a:pPr>
-              <a:t>16/08/2024</a:t>
+              <a:t>17/08/2024</a:t>
             </a:fld>
             <a:endParaRPr lang="en-GB"/>
           </a:p>
@@ -1259,8 +1260,29 @@
           <a:p>
             <a:r>
               <a:rPr lang="en-GB" dirty="0"/>
-              <a:t>A roadmap for global energy sector proposed by International Energy Agency</a:t>
+              <a:t>Who cares about the problem? Why is the problem important for them?</a:t>
             </a:r>
+          </a:p>
+          <a:p>
+            <a:endParaRPr lang="en-GB" dirty="0"/>
+          </a:p>
+          <a:p>
+            <a:r>
+              <a:rPr lang="en-GB" dirty="0"/>
+              <a:t>Important for DSO</a:t>
+            </a:r>
+          </a:p>
+          <a:p>
+            <a:endParaRPr lang="en-GB" dirty="0"/>
+          </a:p>
+          <a:p>
+            <a:r>
+              <a:rPr lang="en-GB" dirty="0"/>
+              <a:t>If not carefully taken care: cascading failure, prompt break down</a:t>
+            </a:r>
+          </a:p>
+          <a:p>
+            <a:endParaRPr lang="en-GB" dirty="0"/>
           </a:p>
         </p:txBody>
       </p:sp>
@@ -12865,6 +12887,2073 @@
       </p:sp>
       <p:grpSp>
         <p:nvGrpSpPr>
+          <p:cNvPr id="71" name="Group 70">
+            <a:extLst>
+              <a:ext uri="{FF2B5EF4-FFF2-40B4-BE49-F238E27FC236}">
+                <a16:creationId xmlns:a16="http://schemas.microsoft.com/office/drawing/2014/main" id="{7A1C47DB-C79E-0FB3-4598-560BD2B6E5DB}"/>
+              </a:ext>
+            </a:extLst>
+          </p:cNvPr>
+          <p:cNvGrpSpPr/>
+          <p:nvPr/>
+        </p:nvGrpSpPr>
+        <p:grpSpPr>
+          <a:xfrm>
+            <a:off x="2647394" y="1965045"/>
+            <a:ext cx="6177516" cy="2307265"/>
+            <a:chOff x="1541721" y="1892595"/>
+            <a:chExt cx="6177516" cy="2307265"/>
+          </a:xfrm>
+        </p:grpSpPr>
+        <p:sp>
+          <p:nvSpPr>
+            <p:cNvPr id="70" name="Rectangle 69">
+              <a:extLst>
+                <a:ext uri="{FF2B5EF4-FFF2-40B4-BE49-F238E27FC236}">
+                  <a16:creationId xmlns:a16="http://schemas.microsoft.com/office/drawing/2014/main" id="{891E0EBD-037A-DC15-8561-9E0CD31087D7}"/>
+                </a:ext>
+              </a:extLst>
+            </p:cNvPr>
+            <p:cNvSpPr/>
+            <p:nvPr/>
+          </p:nvSpPr>
+          <p:spPr>
+            <a:xfrm>
+              <a:off x="1541721" y="1892595"/>
+              <a:ext cx="6177516" cy="2307265"/>
+            </a:xfrm>
+            <a:prstGeom prst="rect">
+              <a:avLst/>
+            </a:prstGeom>
+            <a:solidFill>
+              <a:schemeClr val="bg1"/>
+            </a:solidFill>
+            <a:ln>
+              <a:noFill/>
+            </a:ln>
+          </p:spPr>
+          <p:style>
+            <a:lnRef idx="2">
+              <a:schemeClr val="accent1">
+                <a:shade val="50000"/>
+              </a:schemeClr>
+            </a:lnRef>
+            <a:fillRef idx="1">
+              <a:schemeClr val="accent1"/>
+            </a:fillRef>
+            <a:effectRef idx="0">
+              <a:schemeClr val="accent1"/>
+            </a:effectRef>
+            <a:fontRef idx="minor">
+              <a:schemeClr val="lt1"/>
+            </a:fontRef>
+          </p:style>
+          <p:txBody>
+            <a:bodyPr rot="0" spcFirstLastPara="0" vertOverflow="overflow" horzOverflow="overflow" vert="horz" wrap="square" lIns="91440" tIns="45720" rIns="91440" bIns="45720" numCol="1" spcCol="0" rtlCol="0" fromWordArt="0" anchor="t" anchorCtr="0" forceAA="0" compatLnSpc="1">
+              <a:prstTxWarp prst="textNoShape">
+                <a:avLst/>
+              </a:prstTxWarp>
+              <a:noAutofit/>
+            </a:bodyPr>
+            <a:lstStyle/>
+            <a:p>
+              <a:pPr algn="ctr">
+                <a:lnSpc>
+                  <a:spcPct val="114000"/>
+                </a:lnSpc>
+              </a:pPr>
+              <a:endParaRPr lang="en-GB" dirty="0"/>
+            </a:p>
+          </p:txBody>
+        </p:sp>
+        <p:grpSp>
+          <p:nvGrpSpPr>
+            <p:cNvPr id="8" name="Group 7">
+              <a:extLst>
+                <a:ext uri="{FF2B5EF4-FFF2-40B4-BE49-F238E27FC236}">
+                  <a16:creationId xmlns:a16="http://schemas.microsoft.com/office/drawing/2014/main" id="{D6C57025-57DC-B41F-1276-4A6664B7CA81}"/>
+                </a:ext>
+              </a:extLst>
+            </p:cNvPr>
+            <p:cNvGrpSpPr/>
+            <p:nvPr/>
+          </p:nvGrpSpPr>
+          <p:grpSpPr>
+            <a:xfrm>
+              <a:off x="1828800" y="2076843"/>
+              <a:ext cx="5759559" cy="989814"/>
+              <a:chOff x="1828800" y="2076843"/>
+              <a:chExt cx="5759559" cy="989814"/>
+            </a:xfrm>
+          </p:grpSpPr>
+          <p:sp>
+            <p:nvSpPr>
+              <p:cNvPr id="5" name="Rounded Rectangle 4">
+                <a:extLst>
+                  <a:ext uri="{FF2B5EF4-FFF2-40B4-BE49-F238E27FC236}">
+                    <a16:creationId xmlns:a16="http://schemas.microsoft.com/office/drawing/2014/main" id="{0BB25CEE-0CCC-8454-B4A3-FDD0C6630DEC}"/>
+                  </a:ext>
+                </a:extLst>
+              </p:cNvPr>
+              <p:cNvSpPr/>
+              <p:nvPr/>
+            </p:nvSpPr>
+            <p:spPr>
+              <a:xfrm>
+                <a:off x="1828800" y="2076843"/>
+                <a:ext cx="5759559" cy="989814"/>
+              </a:xfrm>
+              <a:prstGeom prst="roundRect">
+                <a:avLst/>
+              </a:prstGeom>
+              <a:solidFill>
+                <a:schemeClr val="accent2">
+                  <a:alpha val="50000"/>
+                </a:schemeClr>
+              </a:solidFill>
+              <a:ln>
+                <a:noFill/>
+              </a:ln>
+            </p:spPr>
+            <p:style>
+              <a:lnRef idx="0">
+                <a:scrgbClr r="0" g="0" b="0"/>
+              </a:lnRef>
+              <a:fillRef idx="0">
+                <a:scrgbClr r="0" g="0" b="0"/>
+              </a:fillRef>
+              <a:effectRef idx="0">
+                <a:scrgbClr r="0" g="0" b="0"/>
+              </a:effectRef>
+              <a:fontRef idx="minor">
+                <a:schemeClr val="lt1"/>
+              </a:fontRef>
+            </p:style>
+            <p:txBody>
+              <a:bodyPr rot="0" spcFirstLastPara="0" vertOverflow="overflow" horzOverflow="overflow" vert="horz" wrap="square" lIns="91440" tIns="45720" rIns="91440" bIns="45720" numCol="1" spcCol="0" rtlCol="0" fromWordArt="0" anchor="t" anchorCtr="0" forceAA="0" compatLnSpc="1">
+                <a:prstTxWarp prst="textNoShape">
+                  <a:avLst/>
+                </a:prstTxWarp>
+                <a:noAutofit/>
+              </a:bodyPr>
+              <a:lstStyle/>
+              <a:p>
+                <a:pPr algn="ctr">
+                  <a:lnSpc>
+                    <a:spcPct val="114000"/>
+                  </a:lnSpc>
+                </a:pPr>
+                <a:endParaRPr lang="en-GB" dirty="0"/>
+              </a:p>
+            </p:txBody>
+          </p:sp>
+          <p:sp>
+            <p:nvSpPr>
+              <p:cNvPr id="7" name="TextBox 6">
+                <a:extLst>
+                  <a:ext uri="{FF2B5EF4-FFF2-40B4-BE49-F238E27FC236}">
+                    <a16:creationId xmlns:a16="http://schemas.microsoft.com/office/drawing/2014/main" id="{B23BA324-A8DB-143D-7894-9FF90ADCBF31}"/>
+                  </a:ext>
+                </a:extLst>
+              </p:cNvPr>
+              <p:cNvSpPr txBox="1"/>
+              <p:nvPr/>
+            </p:nvSpPr>
+            <p:spPr>
+              <a:xfrm>
+                <a:off x="6169729" y="2161903"/>
+                <a:ext cx="1344202" cy="257250"/>
+              </a:xfrm>
+              <a:prstGeom prst="rect">
+                <a:avLst/>
+              </a:prstGeom>
+              <a:noFill/>
+            </p:spPr>
+            <p:txBody>
+              <a:bodyPr wrap="square" lIns="0" tIns="0" rIns="0" bIns="0" rtlCol="0">
+                <a:spAutoFit/>
+              </a:bodyPr>
+              <a:lstStyle/>
+              <a:p>
+                <a:pPr>
+                  <a:lnSpc>
+                    <a:spcPct val="114000"/>
+                  </a:lnSpc>
+                </a:pPr>
+                <a:r>
+                  <a:rPr lang="en-GB" sz="1600" b="1" dirty="0">
+                    <a:solidFill>
+                      <a:schemeClr val="tx2"/>
+                    </a:solidFill>
+                    <a:latin typeface="+mn-lt"/>
+                  </a:rPr>
+                  <a:t>Environment</a:t>
+                </a:r>
+              </a:p>
+            </p:txBody>
+          </p:sp>
+        </p:grpSp>
+        <p:grpSp>
+          <p:nvGrpSpPr>
+            <p:cNvPr id="10" name="Group 9">
+              <a:extLst>
+                <a:ext uri="{FF2B5EF4-FFF2-40B4-BE49-F238E27FC236}">
+                  <a16:creationId xmlns:a16="http://schemas.microsoft.com/office/drawing/2014/main" id="{ADA9D58A-3A24-91B3-86A3-C3F8C1920F9A}"/>
+                </a:ext>
+              </a:extLst>
+            </p:cNvPr>
+            <p:cNvGrpSpPr/>
+            <p:nvPr/>
+          </p:nvGrpSpPr>
+          <p:grpSpPr>
+            <a:xfrm>
+              <a:off x="3095282" y="3368969"/>
+              <a:ext cx="2465547" cy="707336"/>
+              <a:chOff x="2635499" y="2076843"/>
+              <a:chExt cx="4990157" cy="707336"/>
+            </a:xfrm>
+          </p:grpSpPr>
+          <p:sp>
+            <p:nvSpPr>
+              <p:cNvPr id="11" name="Rounded Rectangle 10">
+                <a:extLst>
+                  <a:ext uri="{FF2B5EF4-FFF2-40B4-BE49-F238E27FC236}">
+                    <a16:creationId xmlns:a16="http://schemas.microsoft.com/office/drawing/2014/main" id="{5C607A80-3217-767A-5848-8624E14D61BF}"/>
+                  </a:ext>
+                </a:extLst>
+              </p:cNvPr>
+              <p:cNvSpPr/>
+              <p:nvPr/>
+            </p:nvSpPr>
+            <p:spPr>
+              <a:xfrm>
+                <a:off x="2635499" y="2076843"/>
+                <a:ext cx="4990157" cy="707336"/>
+              </a:xfrm>
+              <a:prstGeom prst="roundRect">
+                <a:avLst/>
+              </a:prstGeom>
+              <a:solidFill>
+                <a:schemeClr val="accent6">
+                  <a:alpha val="25000"/>
+                </a:schemeClr>
+              </a:solidFill>
+              <a:ln>
+                <a:noFill/>
+              </a:ln>
+            </p:spPr>
+            <p:style>
+              <a:lnRef idx="0">
+                <a:scrgbClr r="0" g="0" b="0"/>
+              </a:lnRef>
+              <a:fillRef idx="0">
+                <a:scrgbClr r="0" g="0" b="0"/>
+              </a:fillRef>
+              <a:effectRef idx="0">
+                <a:scrgbClr r="0" g="0" b="0"/>
+              </a:effectRef>
+              <a:fontRef idx="minor">
+                <a:schemeClr val="lt1"/>
+              </a:fontRef>
+            </p:style>
+            <p:txBody>
+              <a:bodyPr rot="0" spcFirstLastPara="0" vertOverflow="overflow" horzOverflow="overflow" vert="horz" wrap="square" lIns="91440" tIns="45720" rIns="91440" bIns="45720" numCol="1" spcCol="0" rtlCol="0" fromWordArt="0" anchor="t" anchorCtr="0" forceAA="0" compatLnSpc="1">
+                <a:prstTxWarp prst="textNoShape">
+                  <a:avLst/>
+                </a:prstTxWarp>
+                <a:noAutofit/>
+              </a:bodyPr>
+              <a:lstStyle/>
+              <a:p>
+                <a:pPr algn="ctr">
+                  <a:lnSpc>
+                    <a:spcPct val="114000"/>
+                  </a:lnSpc>
+                </a:pPr>
+                <a:endParaRPr lang="en-GB" dirty="0">
+                  <a:solidFill>
+                    <a:schemeClr val="tx1"/>
+                  </a:solidFill>
+                </a:endParaRPr>
+              </a:p>
+            </p:txBody>
+          </p:sp>
+          <p:sp>
+            <p:nvSpPr>
+              <p:cNvPr id="12" name="TextBox 11">
+                <a:extLst>
+                  <a:ext uri="{FF2B5EF4-FFF2-40B4-BE49-F238E27FC236}">
+                    <a16:creationId xmlns:a16="http://schemas.microsoft.com/office/drawing/2014/main" id="{A1DC1FDB-804A-1025-90DF-9B015B60EF48}"/>
+                  </a:ext>
+                </a:extLst>
+              </p:cNvPr>
+              <p:cNvSpPr txBox="1"/>
+              <p:nvPr/>
+            </p:nvSpPr>
+            <p:spPr>
+              <a:xfrm>
+                <a:off x="6280555" y="2161903"/>
+                <a:ext cx="1233376" cy="257250"/>
+              </a:xfrm>
+              <a:prstGeom prst="rect">
+                <a:avLst/>
+              </a:prstGeom>
+              <a:noFill/>
+            </p:spPr>
+            <p:txBody>
+              <a:bodyPr wrap="square" lIns="0" tIns="0" rIns="0" bIns="0" rtlCol="0">
+                <a:spAutoFit/>
+              </a:bodyPr>
+              <a:lstStyle/>
+              <a:p>
+                <a:pPr algn="ctr">
+                  <a:lnSpc>
+                    <a:spcPct val="114000"/>
+                  </a:lnSpc>
+                </a:pPr>
+                <a:r>
+                  <a:rPr lang="en-GB" sz="1600" b="1" dirty="0">
+                    <a:solidFill>
+                      <a:schemeClr val="accent6"/>
+                    </a:solidFill>
+                    <a:latin typeface="+mn-lt"/>
+                  </a:rPr>
+                  <a:t>Agent</a:t>
+                </a:r>
+              </a:p>
+            </p:txBody>
+          </p:sp>
+        </p:grpSp>
+        <p:grpSp>
+          <p:nvGrpSpPr>
+            <p:cNvPr id="16" name="Group 15">
+              <a:extLst>
+                <a:ext uri="{FF2B5EF4-FFF2-40B4-BE49-F238E27FC236}">
+                  <a16:creationId xmlns:a16="http://schemas.microsoft.com/office/drawing/2014/main" id="{D5CFA6C5-E894-DBD4-75A5-1A4F460A9024}"/>
+                </a:ext>
+              </a:extLst>
+            </p:cNvPr>
+            <p:cNvGrpSpPr/>
+            <p:nvPr/>
+          </p:nvGrpSpPr>
+          <p:grpSpPr>
+            <a:xfrm>
+              <a:off x="2797571" y="2284423"/>
+              <a:ext cx="595423" cy="590895"/>
+              <a:chOff x="1467293" y="2262904"/>
+              <a:chExt cx="595423" cy="590895"/>
+            </a:xfrm>
+          </p:grpSpPr>
+          <p:sp>
+            <p:nvSpPr>
+              <p:cNvPr id="13" name="Oval 12">
+                <a:extLst>
+                  <a:ext uri="{FF2B5EF4-FFF2-40B4-BE49-F238E27FC236}">
+                    <a16:creationId xmlns:a16="http://schemas.microsoft.com/office/drawing/2014/main" id="{539AC701-273E-C0B1-C44C-E0226DCD97EC}"/>
+                  </a:ext>
+                </a:extLst>
+              </p:cNvPr>
+              <p:cNvSpPr/>
+              <p:nvPr/>
+            </p:nvSpPr>
+            <p:spPr>
+              <a:xfrm>
+                <a:off x="1467293" y="2262904"/>
+                <a:ext cx="595423" cy="590895"/>
+              </a:xfrm>
+              <a:prstGeom prst="ellipse">
+                <a:avLst/>
+              </a:prstGeom>
+              <a:noFill/>
+              <a:ln>
+                <a:solidFill>
+                  <a:schemeClr val="accent1"/>
+                </a:solidFill>
+              </a:ln>
+            </p:spPr>
+            <p:style>
+              <a:lnRef idx="2">
+                <a:schemeClr val="accent1">
+                  <a:shade val="50000"/>
+                </a:schemeClr>
+              </a:lnRef>
+              <a:fillRef idx="1">
+                <a:schemeClr val="accent1"/>
+              </a:fillRef>
+              <a:effectRef idx="0">
+                <a:schemeClr val="accent1"/>
+              </a:effectRef>
+              <a:fontRef idx="minor">
+                <a:schemeClr val="lt1"/>
+              </a:fontRef>
+            </p:style>
+            <p:txBody>
+              <a:bodyPr rot="0" spcFirstLastPara="0" vertOverflow="overflow" horzOverflow="overflow" vert="horz" wrap="square" lIns="91440" tIns="45720" rIns="91440" bIns="45720" numCol="1" spcCol="0" rtlCol="0" fromWordArt="0" anchor="t" anchorCtr="0" forceAA="0" compatLnSpc="1">
+                <a:prstTxWarp prst="textNoShape">
+                  <a:avLst/>
+                </a:prstTxWarp>
+                <a:noAutofit/>
+              </a:bodyPr>
+              <a:lstStyle/>
+              <a:p>
+                <a:pPr algn="ctr">
+                  <a:lnSpc>
+                    <a:spcPct val="114000"/>
+                  </a:lnSpc>
+                </a:pPr>
+                <a:endParaRPr lang="en-GB" dirty="0"/>
+              </a:p>
+            </p:txBody>
+          </p:sp>
+          <mc:AlternateContent xmlns:mc="http://schemas.openxmlformats.org/markup-compatibility/2006" xmlns:a14="http://schemas.microsoft.com/office/drawing/2010/main">
+            <mc:Choice Requires="a14">
+              <p:sp>
+                <p:nvSpPr>
+                  <p:cNvPr id="14" name="TextBox 13">
+                    <a:extLst>
+                      <a:ext uri="{FF2B5EF4-FFF2-40B4-BE49-F238E27FC236}">
+                        <a16:creationId xmlns:a16="http://schemas.microsoft.com/office/drawing/2014/main" id="{CF932177-8DF5-CCE5-49E4-9BBE8914669F}"/>
+                      </a:ext>
+                    </a:extLst>
+                  </p:cNvPr>
+                  <p:cNvSpPr txBox="1"/>
+                  <p:nvPr/>
+                </p:nvSpPr>
+                <p:spPr>
+                  <a:xfrm>
+                    <a:off x="1622551" y="2354194"/>
+                    <a:ext cx="280269" cy="350865"/>
+                  </a:xfrm>
+                  <a:prstGeom prst="rect">
+                    <a:avLst/>
+                  </a:prstGeom>
+                  <a:noFill/>
+                </p:spPr>
+                <p:txBody>
+                  <a:bodyPr wrap="none" lIns="0" tIns="0" rIns="0" bIns="0" rtlCol="0" anchor="ctr">
+                    <a:spAutoFit/>
+                  </a:bodyPr>
+                  <a:lstStyle/>
+                  <a:p>
+                    <a:pPr>
+                      <a:lnSpc>
+                        <a:spcPct val="114000"/>
+                      </a:lnSpc>
+                    </a:pPr>
+                    <a14:m>
+                      <m:oMathPara xmlns:m="http://schemas.openxmlformats.org/officeDocument/2006/math">
+                        <m:oMathParaPr>
+                          <m:jc m:val="centerGroup"/>
+                        </m:oMathParaPr>
+                        <m:oMath xmlns:m="http://schemas.openxmlformats.org/officeDocument/2006/math">
+                          <m:sSub>
+                            <m:sSubPr>
+                              <m:ctrlPr>
+                                <a:rPr lang="en-GB" sz="2000" i="1" smtClean="0">
+                                  <a:latin typeface="Cambria Math" panose="02040503050406030204" pitchFamily="18" charset="0"/>
+                                </a:rPr>
+                              </m:ctrlPr>
+                            </m:sSubPr>
+                            <m:e>
+                              <m:r>
+                                <a:rPr lang="en-US" sz="2000" b="0" i="1" smtClean="0">
+                                  <a:latin typeface="Cambria Math" panose="02040503050406030204" pitchFamily="18" charset="0"/>
+                                </a:rPr>
+                                <m:t>𝑠</m:t>
+                              </m:r>
+                            </m:e>
+                            <m:sub>
+                              <m:r>
+                                <a:rPr lang="en-US" sz="2000" b="0" i="1" smtClean="0">
+                                  <a:latin typeface="Cambria Math" panose="02040503050406030204" pitchFamily="18" charset="0"/>
+                                </a:rPr>
+                                <m:t>𝑡</m:t>
+                              </m:r>
+                            </m:sub>
+                          </m:sSub>
+                        </m:oMath>
+                      </m:oMathPara>
+                    </a14:m>
+                    <a:endParaRPr lang="en-GB" sz="2000" dirty="0" err="1">
+                      <a:latin typeface="+mn-lt"/>
+                    </a:endParaRPr>
+                  </a:p>
+                </p:txBody>
+              </p:sp>
+            </mc:Choice>
+            <mc:Fallback xmlns="">
+              <p:sp>
+                <p:nvSpPr>
+                  <p:cNvPr id="14" name="TextBox 13">
+                    <a:extLst>
+                      <a:ext uri="{FF2B5EF4-FFF2-40B4-BE49-F238E27FC236}">
+                        <a16:creationId xmlns:a16="http://schemas.microsoft.com/office/drawing/2014/main" id="{CF932177-8DF5-CCE5-49E4-9BBE8914669F}"/>
+                      </a:ext>
+                    </a:extLst>
+                  </p:cNvPr>
+                  <p:cNvSpPr txBox="1">
+                    <a:spLocks noRot="1" noChangeAspect="1" noMove="1" noResize="1" noEditPoints="1" noAdjustHandles="1" noChangeArrowheads="1" noChangeShapeType="1" noTextEdit="1"/>
+                  </p:cNvSpPr>
+                  <p:nvPr/>
+                </p:nvSpPr>
+                <p:spPr>
+                  <a:xfrm>
+                    <a:off x="1622551" y="2354194"/>
+                    <a:ext cx="280269" cy="350865"/>
+                  </a:xfrm>
+                  <a:prstGeom prst="rect">
+                    <a:avLst/>
+                  </a:prstGeom>
+                  <a:blipFill>
+                    <a:blip r:embed="rId2"/>
+                    <a:stretch>
+                      <a:fillRect l="-8696" r="-4348" b="-6897"/>
+                    </a:stretch>
+                  </a:blipFill>
+                </p:spPr>
+                <p:txBody>
+                  <a:bodyPr/>
+                  <a:lstStyle/>
+                  <a:p>
+                    <a:r>
+                      <a:rPr lang="en-GB">
+                        <a:noFill/>
+                      </a:rPr>
+                      <a:t> </a:t>
+                    </a:r>
+                  </a:p>
+                </p:txBody>
+              </p:sp>
+            </mc:Fallback>
+          </mc:AlternateContent>
+        </p:grpSp>
+        <p:grpSp>
+          <p:nvGrpSpPr>
+            <p:cNvPr id="17" name="Group 16">
+              <a:extLst>
+                <a:ext uri="{FF2B5EF4-FFF2-40B4-BE49-F238E27FC236}">
+                  <a16:creationId xmlns:a16="http://schemas.microsoft.com/office/drawing/2014/main" id="{EE545178-AD1F-C708-7B26-FE06AD375FDF}"/>
+                </a:ext>
+              </a:extLst>
+            </p:cNvPr>
+            <p:cNvGrpSpPr/>
+            <p:nvPr/>
+          </p:nvGrpSpPr>
+          <p:grpSpPr>
+            <a:xfrm>
+              <a:off x="4965407" y="2284423"/>
+              <a:ext cx="595423" cy="590895"/>
+              <a:chOff x="1467293" y="2262904"/>
+              <a:chExt cx="595423" cy="590895"/>
+            </a:xfrm>
+          </p:grpSpPr>
+          <p:sp>
+            <p:nvSpPr>
+              <p:cNvPr id="18" name="Oval 17">
+                <a:extLst>
+                  <a:ext uri="{FF2B5EF4-FFF2-40B4-BE49-F238E27FC236}">
+                    <a16:creationId xmlns:a16="http://schemas.microsoft.com/office/drawing/2014/main" id="{5D7CEFCC-3120-4857-DD64-1974A0A2CB70}"/>
+                  </a:ext>
+                </a:extLst>
+              </p:cNvPr>
+              <p:cNvSpPr/>
+              <p:nvPr/>
+            </p:nvSpPr>
+            <p:spPr>
+              <a:xfrm>
+                <a:off x="1467293" y="2262904"/>
+                <a:ext cx="595423" cy="590895"/>
+              </a:xfrm>
+              <a:prstGeom prst="ellipse">
+                <a:avLst/>
+              </a:prstGeom>
+              <a:noFill/>
+              <a:ln>
+                <a:solidFill>
+                  <a:schemeClr val="accent1"/>
+                </a:solidFill>
+              </a:ln>
+            </p:spPr>
+            <p:style>
+              <a:lnRef idx="2">
+                <a:schemeClr val="accent1">
+                  <a:shade val="50000"/>
+                </a:schemeClr>
+              </a:lnRef>
+              <a:fillRef idx="1">
+                <a:schemeClr val="accent1"/>
+              </a:fillRef>
+              <a:effectRef idx="0">
+                <a:schemeClr val="accent1"/>
+              </a:effectRef>
+              <a:fontRef idx="minor">
+                <a:schemeClr val="lt1"/>
+              </a:fontRef>
+            </p:style>
+            <p:txBody>
+              <a:bodyPr rot="0" spcFirstLastPara="0" vertOverflow="overflow" horzOverflow="overflow" vert="horz" wrap="square" lIns="91440" tIns="45720" rIns="91440" bIns="45720" numCol="1" spcCol="0" rtlCol="0" fromWordArt="0" anchor="t" anchorCtr="0" forceAA="0" compatLnSpc="1">
+                <a:prstTxWarp prst="textNoShape">
+                  <a:avLst/>
+                </a:prstTxWarp>
+                <a:noAutofit/>
+              </a:bodyPr>
+              <a:lstStyle/>
+              <a:p>
+                <a:pPr algn="ctr">
+                  <a:lnSpc>
+                    <a:spcPct val="114000"/>
+                  </a:lnSpc>
+                </a:pPr>
+                <a:endParaRPr lang="en-GB" dirty="0"/>
+              </a:p>
+            </p:txBody>
+          </p:sp>
+          <mc:AlternateContent xmlns:mc="http://schemas.openxmlformats.org/markup-compatibility/2006" xmlns:a14="http://schemas.microsoft.com/office/drawing/2010/main">
+            <mc:Choice Requires="a14">
+              <p:sp>
+                <p:nvSpPr>
+                  <p:cNvPr id="19" name="TextBox 18">
+                    <a:extLst>
+                      <a:ext uri="{FF2B5EF4-FFF2-40B4-BE49-F238E27FC236}">
+                        <a16:creationId xmlns:a16="http://schemas.microsoft.com/office/drawing/2014/main" id="{B471D11E-F3A5-7223-1052-0ADBF4B17A30}"/>
+                      </a:ext>
+                    </a:extLst>
+                  </p:cNvPr>
+                  <p:cNvSpPr txBox="1"/>
+                  <p:nvPr/>
+                </p:nvSpPr>
+                <p:spPr>
+                  <a:xfrm>
+                    <a:off x="1528017" y="2354194"/>
+                    <a:ext cx="525528" cy="350865"/>
+                  </a:xfrm>
+                  <a:prstGeom prst="rect">
+                    <a:avLst/>
+                  </a:prstGeom>
+                  <a:noFill/>
+                </p:spPr>
+                <p:txBody>
+                  <a:bodyPr wrap="none" lIns="0" tIns="0" rIns="0" bIns="0" rtlCol="0" anchor="ctr">
+                    <a:spAutoFit/>
+                  </a:bodyPr>
+                  <a:lstStyle/>
+                  <a:p>
+                    <a:pPr>
+                      <a:lnSpc>
+                        <a:spcPct val="114000"/>
+                      </a:lnSpc>
+                    </a:pPr>
+                    <a14:m>
+                      <m:oMathPara xmlns:m="http://schemas.openxmlformats.org/officeDocument/2006/math">
+                        <m:oMathParaPr>
+                          <m:jc m:val="centerGroup"/>
+                        </m:oMathParaPr>
+                        <m:oMath xmlns:m="http://schemas.openxmlformats.org/officeDocument/2006/math">
+                          <m:sSub>
+                            <m:sSubPr>
+                              <m:ctrlPr>
+                                <a:rPr lang="en-GB" sz="2000" i="1" smtClean="0">
+                                  <a:latin typeface="Cambria Math" panose="02040503050406030204" pitchFamily="18" charset="0"/>
+                                </a:rPr>
+                              </m:ctrlPr>
+                            </m:sSubPr>
+                            <m:e>
+                              <m:r>
+                                <a:rPr lang="en-US" sz="2000" b="0" i="1" smtClean="0">
+                                  <a:latin typeface="Cambria Math" panose="02040503050406030204" pitchFamily="18" charset="0"/>
+                                </a:rPr>
+                                <m:t>𝑠</m:t>
+                              </m:r>
+                            </m:e>
+                            <m:sub>
+                              <m:r>
+                                <a:rPr lang="en-US" sz="2000" b="0" i="1" smtClean="0">
+                                  <a:latin typeface="Cambria Math" panose="02040503050406030204" pitchFamily="18" charset="0"/>
+                                </a:rPr>
+                                <m:t>𝑡</m:t>
+                              </m:r>
+                              <m:r>
+                                <a:rPr lang="en-US" sz="2000" b="0" i="1" smtClean="0">
+                                  <a:latin typeface="Cambria Math" panose="02040503050406030204" pitchFamily="18" charset="0"/>
+                                </a:rPr>
+                                <m:t>+1</m:t>
+                              </m:r>
+                            </m:sub>
+                          </m:sSub>
+                        </m:oMath>
+                      </m:oMathPara>
+                    </a14:m>
+                    <a:endParaRPr lang="en-GB" sz="2000" dirty="0" err="1">
+                      <a:latin typeface="+mn-lt"/>
+                    </a:endParaRPr>
+                  </a:p>
+                </p:txBody>
+              </p:sp>
+            </mc:Choice>
+            <mc:Fallback xmlns="">
+              <p:sp>
+                <p:nvSpPr>
+                  <p:cNvPr id="19" name="TextBox 18">
+                    <a:extLst>
+                      <a:ext uri="{FF2B5EF4-FFF2-40B4-BE49-F238E27FC236}">
+                        <a16:creationId xmlns:a16="http://schemas.microsoft.com/office/drawing/2014/main" id="{B471D11E-F3A5-7223-1052-0ADBF4B17A30}"/>
+                      </a:ext>
+                    </a:extLst>
+                  </p:cNvPr>
+                  <p:cNvSpPr txBox="1">
+                    <a:spLocks noRot="1" noChangeAspect="1" noMove="1" noResize="1" noEditPoints="1" noAdjustHandles="1" noChangeArrowheads="1" noChangeShapeType="1" noTextEdit="1"/>
+                  </p:cNvSpPr>
+                  <p:nvPr/>
+                </p:nvSpPr>
+                <p:spPr>
+                  <a:xfrm>
+                    <a:off x="1528017" y="2354194"/>
+                    <a:ext cx="525528" cy="350865"/>
+                  </a:xfrm>
+                  <a:prstGeom prst="rect">
+                    <a:avLst/>
+                  </a:prstGeom>
+                  <a:blipFill>
+                    <a:blip r:embed="rId3"/>
+                    <a:stretch>
+                      <a:fillRect l="-4651" r="-2326" b="-6897"/>
+                    </a:stretch>
+                  </a:blipFill>
+                </p:spPr>
+                <p:txBody>
+                  <a:bodyPr/>
+                  <a:lstStyle/>
+                  <a:p>
+                    <a:r>
+                      <a:rPr lang="en-GB">
+                        <a:noFill/>
+                      </a:rPr>
+                      <a:t> </a:t>
+                    </a:r>
+                  </a:p>
+                </p:txBody>
+              </p:sp>
+            </mc:Fallback>
+          </mc:AlternateContent>
+        </p:grpSp>
+        <p:cxnSp>
+          <p:nvCxnSpPr>
+            <p:cNvPr id="22" name="Straight Arrow Connector 21">
+              <a:extLst>
+                <a:ext uri="{FF2B5EF4-FFF2-40B4-BE49-F238E27FC236}">
+                  <a16:creationId xmlns:a16="http://schemas.microsoft.com/office/drawing/2014/main" id="{0F78D6B2-7A1F-8B8E-E982-6EC5995BFE48}"/>
+                </a:ext>
+              </a:extLst>
+            </p:cNvPr>
+            <p:cNvCxnSpPr/>
+            <p:nvPr/>
+          </p:nvCxnSpPr>
+          <p:spPr>
+            <a:xfrm>
+              <a:off x="2042660" y="2571750"/>
+              <a:ext cx="754911" cy="0"/>
+            </a:xfrm>
+            <a:prstGeom prst="straightConnector1">
+              <a:avLst/>
+            </a:prstGeom>
+            <a:ln w="28575">
+              <a:solidFill>
+                <a:schemeClr val="tx1"/>
+              </a:solidFill>
+              <a:prstDash val="sysDot"/>
+              <a:tailEnd type="triangle"/>
+            </a:ln>
+          </p:spPr>
+          <p:style>
+            <a:lnRef idx="1">
+              <a:schemeClr val="accent1"/>
+            </a:lnRef>
+            <a:fillRef idx="0">
+              <a:schemeClr val="accent1"/>
+            </a:fillRef>
+            <a:effectRef idx="0">
+              <a:schemeClr val="accent1"/>
+            </a:effectRef>
+            <a:fontRef idx="minor">
+              <a:schemeClr val="tx1"/>
+            </a:fontRef>
+          </p:style>
+        </p:cxnSp>
+        <p:cxnSp>
+          <p:nvCxnSpPr>
+            <p:cNvPr id="23" name="Straight Arrow Connector 22">
+              <a:extLst>
+                <a:ext uri="{FF2B5EF4-FFF2-40B4-BE49-F238E27FC236}">
+                  <a16:creationId xmlns:a16="http://schemas.microsoft.com/office/drawing/2014/main" id="{E5A730E3-E10E-F150-16B5-ED59BF42BEAA}"/>
+                </a:ext>
+              </a:extLst>
+            </p:cNvPr>
+            <p:cNvCxnSpPr/>
+            <p:nvPr/>
+          </p:nvCxnSpPr>
+          <p:spPr>
+            <a:xfrm>
+              <a:off x="5560830" y="2571750"/>
+              <a:ext cx="754911" cy="0"/>
+            </a:xfrm>
+            <a:prstGeom prst="straightConnector1">
+              <a:avLst/>
+            </a:prstGeom>
+            <a:ln w="28575">
+              <a:solidFill>
+                <a:schemeClr val="tx1"/>
+              </a:solidFill>
+              <a:prstDash val="sysDot"/>
+              <a:tailEnd type="triangle"/>
+            </a:ln>
+          </p:spPr>
+          <p:style>
+            <a:lnRef idx="1">
+              <a:schemeClr val="accent1"/>
+            </a:lnRef>
+            <a:fillRef idx="0">
+              <a:schemeClr val="accent1"/>
+            </a:fillRef>
+            <a:effectRef idx="0">
+              <a:schemeClr val="accent1"/>
+            </a:effectRef>
+            <a:fontRef idx="minor">
+              <a:schemeClr val="tx1"/>
+            </a:fontRef>
+          </p:style>
+        </p:cxnSp>
+        <p:cxnSp>
+          <p:nvCxnSpPr>
+            <p:cNvPr id="24" name="Straight Arrow Connector 23">
+              <a:extLst>
+                <a:ext uri="{FF2B5EF4-FFF2-40B4-BE49-F238E27FC236}">
+                  <a16:creationId xmlns:a16="http://schemas.microsoft.com/office/drawing/2014/main" id="{5B70B3A1-B02F-EBA2-0D8F-FB58B1C88368}"/>
+                </a:ext>
+              </a:extLst>
+            </p:cNvPr>
+            <p:cNvCxnSpPr>
+              <a:cxnSpLocks/>
+              <a:stCxn id="13" idx="6"/>
+              <a:endCxn id="18" idx="2"/>
+            </p:cNvCxnSpPr>
+            <p:nvPr/>
+          </p:nvCxnSpPr>
+          <p:spPr>
+            <a:xfrm>
+              <a:off x="3392994" y="2579871"/>
+              <a:ext cx="1572413" cy="0"/>
+            </a:xfrm>
+            <a:prstGeom prst="straightConnector1">
+              <a:avLst/>
+            </a:prstGeom>
+            <a:ln w="28575">
+              <a:solidFill>
+                <a:schemeClr val="tx1"/>
+              </a:solidFill>
+              <a:tailEnd type="triangle"/>
+            </a:ln>
+          </p:spPr>
+          <p:style>
+            <a:lnRef idx="1">
+              <a:schemeClr val="accent1"/>
+            </a:lnRef>
+            <a:fillRef idx="0">
+              <a:schemeClr val="accent1"/>
+            </a:fillRef>
+            <a:effectRef idx="0">
+              <a:schemeClr val="accent1"/>
+            </a:effectRef>
+            <a:fontRef idx="minor">
+              <a:schemeClr val="tx1"/>
+            </a:fontRef>
+          </p:style>
+        </p:cxnSp>
+        <mc:AlternateContent xmlns:mc="http://schemas.openxmlformats.org/markup-compatibility/2006" xmlns:a14="http://schemas.microsoft.com/office/drawing/2010/main">
+          <mc:Choice Requires="a14">
+            <p:sp>
+              <p:nvSpPr>
+                <p:cNvPr id="27" name="TextBox 26">
+                  <a:extLst>
+                    <a:ext uri="{FF2B5EF4-FFF2-40B4-BE49-F238E27FC236}">
+                      <a16:creationId xmlns:a16="http://schemas.microsoft.com/office/drawing/2014/main" id="{88921A5D-7252-53FF-441C-112C1FDE6FD5}"/>
+                    </a:ext>
+                  </a:extLst>
+                </p:cNvPr>
+                <p:cNvSpPr txBox="1"/>
+                <p:nvPr/>
+              </p:nvSpPr>
+              <p:spPr>
+                <a:xfrm>
+                  <a:off x="3709325" y="2937535"/>
+                  <a:ext cx="362893" cy="439701"/>
+                </a:xfrm>
+                <a:prstGeom prst="roundRect">
+                  <a:avLst/>
+                </a:prstGeom>
+                <a:noFill/>
+                <a:ln w="19050">
+                  <a:noFill/>
+                </a:ln>
+              </p:spPr>
+              <p:txBody>
+                <a:bodyPr wrap="square" anchor="ctr">
+                  <a:spAutoFit/>
+                </a:bodyPr>
+                <a:lstStyle/>
+                <a:p>
+                  <a:pPr algn="ctr">
+                    <a:lnSpc>
+                      <a:spcPct val="114000"/>
+                    </a:lnSpc>
+                  </a:pPr>
+                  <a14:m>
+                    <m:oMathPara xmlns:m="http://schemas.openxmlformats.org/officeDocument/2006/math">
+                      <m:oMathParaPr>
+                        <m:jc m:val="center"/>
+                      </m:oMathParaPr>
+                      <m:oMath xmlns:m="http://schemas.openxmlformats.org/officeDocument/2006/math">
+                        <m:sSub>
+                          <m:sSubPr>
+                            <m:ctrlPr>
+                              <a:rPr lang="en-GB" i="1" smtClean="0">
+                                <a:solidFill>
+                                  <a:schemeClr val="tx1"/>
+                                </a:solidFill>
+                                <a:latin typeface="Cambria Math" panose="02040503050406030204" pitchFamily="18" charset="0"/>
+                              </a:rPr>
+                            </m:ctrlPr>
+                          </m:sSubPr>
+                          <m:e>
+                            <m:r>
+                              <a:rPr lang="en-US" b="0" i="1" smtClean="0">
+                                <a:solidFill>
+                                  <a:schemeClr val="tx1"/>
+                                </a:solidFill>
+                                <a:latin typeface="Cambria Math" panose="02040503050406030204" pitchFamily="18" charset="0"/>
+                              </a:rPr>
+                              <m:t>𝑎</m:t>
+                            </m:r>
+                          </m:e>
+                          <m:sub>
+                            <m:r>
+                              <a:rPr lang="en-US" b="0" i="1" smtClean="0">
+                                <a:solidFill>
+                                  <a:schemeClr val="tx1"/>
+                                </a:solidFill>
+                                <a:latin typeface="Cambria Math" panose="02040503050406030204" pitchFamily="18" charset="0"/>
+                              </a:rPr>
+                              <m:t>𝑡</m:t>
+                            </m:r>
+                          </m:sub>
+                        </m:sSub>
+                      </m:oMath>
+                    </m:oMathPara>
+                  </a14:m>
+                  <a:endParaRPr lang="en-GB" dirty="0">
+                    <a:solidFill>
+                      <a:schemeClr val="tx1"/>
+                    </a:solidFill>
+                  </a:endParaRPr>
+                </a:p>
+              </p:txBody>
+            </p:sp>
+          </mc:Choice>
+          <mc:Fallback xmlns="">
+            <p:sp>
+              <p:nvSpPr>
+                <p:cNvPr id="27" name="TextBox 26">
+                  <a:extLst>
+                    <a:ext uri="{FF2B5EF4-FFF2-40B4-BE49-F238E27FC236}">
+                      <a16:creationId xmlns:a16="http://schemas.microsoft.com/office/drawing/2014/main" id="{88921A5D-7252-53FF-441C-112C1FDE6FD5}"/>
+                    </a:ext>
+                  </a:extLst>
+                </p:cNvPr>
+                <p:cNvSpPr txBox="1">
+                  <a:spLocks noRot="1" noChangeAspect="1" noMove="1" noResize="1" noEditPoints="1" noAdjustHandles="1" noChangeArrowheads="1" noChangeShapeType="1" noTextEdit="1"/>
+                </p:cNvSpPr>
+                <p:nvPr/>
+              </p:nvSpPr>
+              <p:spPr>
+                <a:xfrm>
+                  <a:off x="3709325" y="2937535"/>
+                  <a:ext cx="362893" cy="439701"/>
+                </a:xfrm>
+                <a:prstGeom prst="roundRect">
+                  <a:avLst/>
+                </a:prstGeom>
+                <a:blipFill>
+                  <a:blip r:embed="rId4"/>
+                  <a:stretch>
+                    <a:fillRect l="-6897"/>
+                  </a:stretch>
+                </a:blipFill>
+                <a:ln w="19050">
+                  <a:noFill/>
+                </a:ln>
+              </p:spPr>
+              <p:txBody>
+                <a:bodyPr/>
+                <a:lstStyle/>
+                <a:p>
+                  <a:r>
+                    <a:rPr lang="en-GB">
+                      <a:noFill/>
+                    </a:rPr>
+                    <a:t> </a:t>
+                  </a:r>
+                </a:p>
+              </p:txBody>
+            </p:sp>
+          </mc:Fallback>
+        </mc:AlternateContent>
+        <mc:AlternateContent xmlns:mc="http://schemas.openxmlformats.org/markup-compatibility/2006" xmlns:a14="http://schemas.microsoft.com/office/drawing/2010/main">
+          <mc:Choice Requires="a14">
+            <p:sp>
+              <p:nvSpPr>
+                <p:cNvPr id="28" name="TextBox 27">
+                  <a:extLst>
+                    <a:ext uri="{FF2B5EF4-FFF2-40B4-BE49-F238E27FC236}">
+                      <a16:creationId xmlns:a16="http://schemas.microsoft.com/office/drawing/2014/main" id="{9E7E7109-1AB3-F949-7BFF-C64A835F4E1A}"/>
+                    </a:ext>
+                  </a:extLst>
+                </p:cNvPr>
+                <p:cNvSpPr txBox="1"/>
+                <p:nvPr/>
+              </p:nvSpPr>
+              <p:spPr>
+                <a:xfrm>
+                  <a:off x="3408732" y="2174712"/>
+                  <a:ext cx="1482248" cy="408125"/>
+                </a:xfrm>
+                <a:prstGeom prst="rect">
+                  <a:avLst/>
+                </a:prstGeom>
+                <a:noFill/>
+              </p:spPr>
+              <p:txBody>
+                <a:bodyPr wrap="square">
+                  <a:spAutoFit/>
+                </a:bodyPr>
+                <a:lstStyle/>
+                <a:p>
+                  <a:pPr algn="ctr">
+                    <a:lnSpc>
+                      <a:spcPct val="114000"/>
+                    </a:lnSpc>
+                  </a:pPr>
+                  <a14:m>
+                    <m:oMathPara xmlns:m="http://schemas.openxmlformats.org/officeDocument/2006/math">
+                      <m:oMathParaPr>
+                        <m:jc m:val="centerGroup"/>
+                      </m:oMathParaPr>
+                      <m:oMath xmlns:m="http://schemas.openxmlformats.org/officeDocument/2006/math">
+                        <m:r>
+                          <a:rPr lang="en-GB" i="1" smtClean="0">
+                            <a:solidFill>
+                              <a:schemeClr val="tx1"/>
+                            </a:solidFill>
+                            <a:latin typeface="Cambria Math" panose="02040503050406030204" pitchFamily="18" charset="0"/>
+                            <a:ea typeface="Cambria Math" panose="02040503050406030204" pitchFamily="18" charset="0"/>
+                          </a:rPr>
+                          <m:t>ℙ</m:t>
+                        </m:r>
+                        <m:r>
+                          <a:rPr lang="en-US" b="0" i="1" smtClean="0">
+                            <a:solidFill>
+                              <a:schemeClr val="tx1"/>
+                            </a:solidFill>
+                            <a:latin typeface="Cambria Math" panose="02040503050406030204" pitchFamily="18" charset="0"/>
+                            <a:ea typeface="Cambria Math" panose="02040503050406030204" pitchFamily="18" charset="0"/>
+                          </a:rPr>
+                          <m:t>(</m:t>
+                        </m:r>
+                        <m:sSub>
+                          <m:sSubPr>
+                            <m:ctrlPr>
+                              <a:rPr lang="en-US" b="0" i="1" smtClean="0">
+                                <a:solidFill>
+                                  <a:schemeClr val="tx1"/>
+                                </a:solidFill>
+                                <a:latin typeface="Cambria Math" panose="02040503050406030204" pitchFamily="18" charset="0"/>
+                                <a:ea typeface="Cambria Math" panose="02040503050406030204" pitchFamily="18" charset="0"/>
+                              </a:rPr>
+                            </m:ctrlPr>
+                          </m:sSubPr>
+                          <m:e>
+                            <m:r>
+                              <a:rPr lang="en-US" b="0" i="1" smtClean="0">
+                                <a:solidFill>
+                                  <a:schemeClr val="tx1"/>
+                                </a:solidFill>
+                                <a:latin typeface="Cambria Math" panose="02040503050406030204" pitchFamily="18" charset="0"/>
+                                <a:ea typeface="Cambria Math" panose="02040503050406030204" pitchFamily="18" charset="0"/>
+                              </a:rPr>
+                              <m:t>𝑠</m:t>
+                            </m:r>
+                          </m:e>
+                          <m:sub>
+                            <m:r>
+                              <a:rPr lang="en-US" b="0" i="1" smtClean="0">
+                                <a:solidFill>
+                                  <a:schemeClr val="tx1"/>
+                                </a:solidFill>
+                                <a:latin typeface="Cambria Math" panose="02040503050406030204" pitchFamily="18" charset="0"/>
+                                <a:ea typeface="Cambria Math" panose="02040503050406030204" pitchFamily="18" charset="0"/>
+                              </a:rPr>
+                              <m:t>𝑡</m:t>
+                            </m:r>
+                            <m:r>
+                              <a:rPr lang="en-US" b="0" i="1" smtClean="0">
+                                <a:solidFill>
+                                  <a:schemeClr val="tx1"/>
+                                </a:solidFill>
+                                <a:latin typeface="Cambria Math" panose="02040503050406030204" pitchFamily="18" charset="0"/>
+                                <a:ea typeface="Cambria Math" panose="02040503050406030204" pitchFamily="18" charset="0"/>
+                              </a:rPr>
+                              <m:t>+1</m:t>
+                            </m:r>
+                          </m:sub>
+                        </m:sSub>
+                        <m:r>
+                          <a:rPr lang="en-US" b="0" i="1" smtClean="0">
+                            <a:solidFill>
+                              <a:schemeClr val="tx1"/>
+                            </a:solidFill>
+                            <a:latin typeface="Cambria Math" panose="02040503050406030204" pitchFamily="18" charset="0"/>
+                            <a:ea typeface="Cambria Math" panose="02040503050406030204" pitchFamily="18" charset="0"/>
+                          </a:rPr>
+                          <m:t>|</m:t>
+                        </m:r>
+                        <m:sSub>
+                          <m:sSubPr>
+                            <m:ctrlPr>
+                              <a:rPr lang="en-US" b="0" i="1" smtClean="0">
+                                <a:solidFill>
+                                  <a:schemeClr val="tx1"/>
+                                </a:solidFill>
+                                <a:latin typeface="Cambria Math" panose="02040503050406030204" pitchFamily="18" charset="0"/>
+                                <a:ea typeface="Cambria Math" panose="02040503050406030204" pitchFamily="18" charset="0"/>
+                              </a:rPr>
+                            </m:ctrlPr>
+                          </m:sSubPr>
+                          <m:e>
+                            <m:r>
+                              <a:rPr lang="en-US" b="0" i="1" smtClean="0">
+                                <a:solidFill>
+                                  <a:schemeClr val="tx1"/>
+                                </a:solidFill>
+                                <a:latin typeface="Cambria Math" panose="02040503050406030204" pitchFamily="18" charset="0"/>
+                                <a:ea typeface="Cambria Math" panose="02040503050406030204" pitchFamily="18" charset="0"/>
+                              </a:rPr>
+                              <m:t>𝑠</m:t>
+                            </m:r>
+                          </m:e>
+                          <m:sub>
+                            <m:r>
+                              <a:rPr lang="en-US" b="0" i="1" smtClean="0">
+                                <a:solidFill>
+                                  <a:schemeClr val="tx1"/>
+                                </a:solidFill>
+                                <a:latin typeface="Cambria Math" panose="02040503050406030204" pitchFamily="18" charset="0"/>
+                                <a:ea typeface="Cambria Math" panose="02040503050406030204" pitchFamily="18" charset="0"/>
+                              </a:rPr>
+                              <m:t>𝑡</m:t>
+                            </m:r>
+                          </m:sub>
+                        </m:sSub>
+                        <m:r>
+                          <a:rPr lang="en-US" b="0" i="1" smtClean="0">
+                            <a:solidFill>
+                              <a:schemeClr val="tx1"/>
+                            </a:solidFill>
+                            <a:latin typeface="Cambria Math" panose="02040503050406030204" pitchFamily="18" charset="0"/>
+                            <a:ea typeface="Cambria Math" panose="02040503050406030204" pitchFamily="18" charset="0"/>
+                          </a:rPr>
+                          <m:t>,</m:t>
+                        </m:r>
+                        <m:sSub>
+                          <m:sSubPr>
+                            <m:ctrlPr>
+                              <a:rPr lang="en-US" b="0" i="1" smtClean="0">
+                                <a:solidFill>
+                                  <a:schemeClr val="tx1"/>
+                                </a:solidFill>
+                                <a:latin typeface="Cambria Math" panose="02040503050406030204" pitchFamily="18" charset="0"/>
+                                <a:ea typeface="Cambria Math" panose="02040503050406030204" pitchFamily="18" charset="0"/>
+                              </a:rPr>
+                            </m:ctrlPr>
+                          </m:sSubPr>
+                          <m:e>
+                            <m:r>
+                              <a:rPr lang="en-US" b="0" i="1" smtClean="0">
+                                <a:solidFill>
+                                  <a:schemeClr val="tx1"/>
+                                </a:solidFill>
+                                <a:latin typeface="Cambria Math" panose="02040503050406030204" pitchFamily="18" charset="0"/>
+                                <a:ea typeface="Cambria Math" panose="02040503050406030204" pitchFamily="18" charset="0"/>
+                              </a:rPr>
+                              <m:t>𝑎</m:t>
+                            </m:r>
+                          </m:e>
+                          <m:sub>
+                            <m:r>
+                              <a:rPr lang="en-US" b="0" i="1" smtClean="0">
+                                <a:solidFill>
+                                  <a:schemeClr val="tx1"/>
+                                </a:solidFill>
+                                <a:latin typeface="Cambria Math" panose="02040503050406030204" pitchFamily="18" charset="0"/>
+                                <a:ea typeface="Cambria Math" panose="02040503050406030204" pitchFamily="18" charset="0"/>
+                              </a:rPr>
+                              <m:t>𝑡</m:t>
+                            </m:r>
+                          </m:sub>
+                        </m:sSub>
+                        <m:r>
+                          <a:rPr lang="en-US" b="0" i="1" smtClean="0">
+                            <a:solidFill>
+                              <a:schemeClr val="tx1"/>
+                            </a:solidFill>
+                            <a:latin typeface="Cambria Math" panose="02040503050406030204" pitchFamily="18" charset="0"/>
+                            <a:ea typeface="Cambria Math" panose="02040503050406030204" pitchFamily="18" charset="0"/>
+                          </a:rPr>
+                          <m:t>)</m:t>
+                        </m:r>
+                      </m:oMath>
+                    </m:oMathPara>
+                  </a14:m>
+                  <a:endParaRPr lang="en-GB" dirty="0">
+                    <a:solidFill>
+                      <a:schemeClr val="tx1"/>
+                    </a:solidFill>
+                  </a:endParaRPr>
+                </a:p>
+              </p:txBody>
+            </p:sp>
+          </mc:Choice>
+          <mc:Fallback xmlns="">
+            <p:sp>
+              <p:nvSpPr>
+                <p:cNvPr id="28" name="TextBox 27">
+                  <a:extLst>
+                    <a:ext uri="{FF2B5EF4-FFF2-40B4-BE49-F238E27FC236}">
+                      <a16:creationId xmlns:a16="http://schemas.microsoft.com/office/drawing/2014/main" id="{9E7E7109-1AB3-F949-7BFF-C64A835F4E1A}"/>
+                    </a:ext>
+                  </a:extLst>
+                </p:cNvPr>
+                <p:cNvSpPr txBox="1">
+                  <a:spLocks noRot="1" noChangeAspect="1" noMove="1" noResize="1" noEditPoints="1" noAdjustHandles="1" noChangeArrowheads="1" noChangeShapeType="1" noTextEdit="1"/>
+                </p:cNvSpPr>
+                <p:nvPr/>
+              </p:nvSpPr>
+              <p:spPr>
+                <a:xfrm>
+                  <a:off x="3408732" y="2174712"/>
+                  <a:ext cx="1482248" cy="408125"/>
+                </a:xfrm>
+                <a:prstGeom prst="rect">
+                  <a:avLst/>
+                </a:prstGeom>
+                <a:blipFill>
+                  <a:blip r:embed="rId5"/>
+                  <a:stretch>
+                    <a:fillRect l="-1695" b="-6061"/>
+                  </a:stretch>
+                </a:blipFill>
+              </p:spPr>
+              <p:txBody>
+                <a:bodyPr/>
+                <a:lstStyle/>
+                <a:p>
+                  <a:r>
+                    <a:rPr lang="en-GB">
+                      <a:noFill/>
+                    </a:rPr>
+                    <a:t> </a:t>
+                  </a:r>
+                </a:p>
+              </p:txBody>
+            </p:sp>
+          </mc:Fallback>
+        </mc:AlternateContent>
+        <mc:AlternateContent xmlns:mc="http://schemas.openxmlformats.org/markup-compatibility/2006" xmlns:a14="http://schemas.microsoft.com/office/drawing/2010/main">
+          <mc:Choice Requires="a14">
+            <p:sp>
+              <p:nvSpPr>
+                <p:cNvPr id="49" name="TextBox 48">
+                  <a:extLst>
+                    <a:ext uri="{FF2B5EF4-FFF2-40B4-BE49-F238E27FC236}">
+                      <a16:creationId xmlns:a16="http://schemas.microsoft.com/office/drawing/2014/main" id="{03CDD8C2-7A76-5282-C04C-F7ECD6BDC8E7}"/>
+                    </a:ext>
+                  </a:extLst>
+                </p:cNvPr>
+                <p:cNvSpPr txBox="1"/>
+                <p:nvPr/>
+              </p:nvSpPr>
+              <p:spPr>
+                <a:xfrm>
+                  <a:off x="3273819" y="3582654"/>
+                  <a:ext cx="988692" cy="408125"/>
+                </a:xfrm>
+                <a:prstGeom prst="rect">
+                  <a:avLst/>
+                </a:prstGeom>
+                <a:noFill/>
+                <a:ln w="28575">
+                  <a:solidFill>
+                    <a:schemeClr val="accent6"/>
+                  </a:solidFill>
+                </a:ln>
+              </p:spPr>
+              <p:txBody>
+                <a:bodyPr wrap="square" anchor="ctr">
+                  <a:spAutoFit/>
+                </a:bodyPr>
+                <a:lstStyle/>
+                <a:p>
+                  <a:pPr algn="ctr">
+                    <a:lnSpc>
+                      <a:spcPct val="114000"/>
+                    </a:lnSpc>
+                  </a:pPr>
+                  <a14:m>
+                    <m:oMathPara xmlns:m="http://schemas.openxmlformats.org/officeDocument/2006/math">
+                      <m:oMathParaPr>
+                        <m:jc m:val="center"/>
+                      </m:oMathParaPr>
+                      <m:oMath xmlns:m="http://schemas.openxmlformats.org/officeDocument/2006/math">
+                        <m:r>
+                          <a:rPr lang="en-GB" i="1" smtClean="0">
+                            <a:solidFill>
+                              <a:schemeClr val="tx1"/>
+                            </a:solidFill>
+                            <a:latin typeface="Cambria Math" panose="02040503050406030204" pitchFamily="18" charset="0"/>
+                            <a:ea typeface="Cambria Math" panose="02040503050406030204" pitchFamily="18" charset="0"/>
+                          </a:rPr>
+                          <m:t>𝜋</m:t>
+                        </m:r>
+                        <m:r>
+                          <a:rPr lang="en-US" b="0" i="1" smtClean="0">
+                            <a:solidFill>
+                              <a:schemeClr val="tx1"/>
+                            </a:solidFill>
+                            <a:latin typeface="Cambria Math" panose="02040503050406030204" pitchFamily="18" charset="0"/>
+                            <a:ea typeface="Cambria Math" panose="02040503050406030204" pitchFamily="18" charset="0"/>
+                          </a:rPr>
+                          <m:t>(</m:t>
+                        </m:r>
+                        <m:sSub>
+                          <m:sSubPr>
+                            <m:ctrlPr>
+                              <a:rPr lang="en-US" b="0" i="1" smtClean="0">
+                                <a:solidFill>
+                                  <a:schemeClr val="tx1"/>
+                                </a:solidFill>
+                                <a:latin typeface="Cambria Math" panose="02040503050406030204" pitchFamily="18" charset="0"/>
+                                <a:ea typeface="Cambria Math" panose="02040503050406030204" pitchFamily="18" charset="0"/>
+                              </a:rPr>
+                            </m:ctrlPr>
+                          </m:sSubPr>
+                          <m:e>
+                            <m:r>
+                              <a:rPr lang="en-US" b="0" i="1" smtClean="0">
+                                <a:solidFill>
+                                  <a:schemeClr val="tx1"/>
+                                </a:solidFill>
+                                <a:latin typeface="Cambria Math" panose="02040503050406030204" pitchFamily="18" charset="0"/>
+                                <a:ea typeface="Cambria Math" panose="02040503050406030204" pitchFamily="18" charset="0"/>
+                              </a:rPr>
+                              <m:t>𝑎</m:t>
+                            </m:r>
+                          </m:e>
+                          <m:sub>
+                            <m:r>
+                              <a:rPr lang="en-US" b="0" i="1" smtClean="0">
+                                <a:solidFill>
+                                  <a:schemeClr val="tx1"/>
+                                </a:solidFill>
+                                <a:latin typeface="Cambria Math" panose="02040503050406030204" pitchFamily="18" charset="0"/>
+                                <a:ea typeface="Cambria Math" panose="02040503050406030204" pitchFamily="18" charset="0"/>
+                              </a:rPr>
+                              <m:t>𝑡</m:t>
+                            </m:r>
+                          </m:sub>
+                        </m:sSub>
+                        <m:r>
+                          <a:rPr lang="en-US" b="0" i="1" smtClean="0">
+                            <a:solidFill>
+                              <a:schemeClr val="tx1"/>
+                            </a:solidFill>
+                            <a:latin typeface="Cambria Math" panose="02040503050406030204" pitchFamily="18" charset="0"/>
+                            <a:ea typeface="Cambria Math" panose="02040503050406030204" pitchFamily="18" charset="0"/>
+                          </a:rPr>
+                          <m:t>|</m:t>
+                        </m:r>
+                        <m:sSub>
+                          <m:sSubPr>
+                            <m:ctrlPr>
+                              <a:rPr lang="en-US" b="0" i="1" smtClean="0">
+                                <a:solidFill>
+                                  <a:schemeClr val="tx1"/>
+                                </a:solidFill>
+                                <a:latin typeface="Cambria Math" panose="02040503050406030204" pitchFamily="18" charset="0"/>
+                                <a:ea typeface="Cambria Math" panose="02040503050406030204" pitchFamily="18" charset="0"/>
+                              </a:rPr>
+                            </m:ctrlPr>
+                          </m:sSubPr>
+                          <m:e>
+                            <m:r>
+                              <a:rPr lang="en-US" b="0" i="1" smtClean="0">
+                                <a:solidFill>
+                                  <a:schemeClr val="tx1"/>
+                                </a:solidFill>
+                                <a:latin typeface="Cambria Math" panose="02040503050406030204" pitchFamily="18" charset="0"/>
+                                <a:ea typeface="Cambria Math" panose="02040503050406030204" pitchFamily="18" charset="0"/>
+                              </a:rPr>
+                              <m:t>𝑠</m:t>
+                            </m:r>
+                          </m:e>
+                          <m:sub>
+                            <m:r>
+                              <a:rPr lang="en-US" b="0" i="1" smtClean="0">
+                                <a:solidFill>
+                                  <a:schemeClr val="tx1"/>
+                                </a:solidFill>
+                                <a:latin typeface="Cambria Math" panose="02040503050406030204" pitchFamily="18" charset="0"/>
+                                <a:ea typeface="Cambria Math" panose="02040503050406030204" pitchFamily="18" charset="0"/>
+                              </a:rPr>
+                              <m:t>𝑡</m:t>
+                            </m:r>
+                          </m:sub>
+                        </m:sSub>
+                        <m:r>
+                          <a:rPr lang="en-US" b="0" i="1" smtClean="0">
+                            <a:solidFill>
+                              <a:schemeClr val="tx1"/>
+                            </a:solidFill>
+                            <a:latin typeface="Cambria Math" panose="02040503050406030204" pitchFamily="18" charset="0"/>
+                            <a:ea typeface="Cambria Math" panose="02040503050406030204" pitchFamily="18" charset="0"/>
+                          </a:rPr>
+                          <m:t>)</m:t>
+                        </m:r>
+                      </m:oMath>
+                    </m:oMathPara>
+                  </a14:m>
+                  <a:endParaRPr lang="en-GB" dirty="0">
+                    <a:solidFill>
+                      <a:schemeClr val="tx1"/>
+                    </a:solidFill>
+                  </a:endParaRPr>
+                </a:p>
+              </p:txBody>
+            </p:sp>
+          </mc:Choice>
+          <mc:Fallback xmlns="">
+            <p:sp>
+              <p:nvSpPr>
+                <p:cNvPr id="49" name="TextBox 48">
+                  <a:extLst>
+                    <a:ext uri="{FF2B5EF4-FFF2-40B4-BE49-F238E27FC236}">
+                      <a16:creationId xmlns:a16="http://schemas.microsoft.com/office/drawing/2014/main" id="{03CDD8C2-7A76-5282-C04C-F7ECD6BDC8E7}"/>
+                    </a:ext>
+                  </a:extLst>
+                </p:cNvPr>
+                <p:cNvSpPr txBox="1">
+                  <a:spLocks noRot="1" noChangeAspect="1" noMove="1" noResize="1" noEditPoints="1" noAdjustHandles="1" noChangeArrowheads="1" noChangeShapeType="1" noTextEdit="1"/>
+                </p:cNvSpPr>
+                <p:nvPr/>
+              </p:nvSpPr>
+              <p:spPr>
+                <a:xfrm>
+                  <a:off x="3273819" y="3582654"/>
+                  <a:ext cx="988692" cy="408125"/>
+                </a:xfrm>
+                <a:prstGeom prst="rect">
+                  <a:avLst/>
+                </a:prstGeom>
+                <a:blipFill>
+                  <a:blip r:embed="rId6"/>
+                  <a:stretch>
+                    <a:fillRect b="-2857"/>
+                  </a:stretch>
+                </a:blipFill>
+                <a:ln w="28575">
+                  <a:solidFill>
+                    <a:schemeClr val="accent6"/>
+                  </a:solidFill>
+                </a:ln>
+              </p:spPr>
+              <p:txBody>
+                <a:bodyPr/>
+                <a:lstStyle/>
+                <a:p>
+                  <a:r>
+                    <a:rPr lang="en-GB">
+                      <a:noFill/>
+                    </a:rPr>
+                    <a:t> </a:t>
+                  </a:r>
+                </a:p>
+              </p:txBody>
+            </p:sp>
+          </mc:Fallback>
+        </mc:AlternateContent>
+        <p:cxnSp>
+          <p:nvCxnSpPr>
+            <p:cNvPr id="58" name="Straight Arrow Connector 57">
+              <a:extLst>
+                <a:ext uri="{FF2B5EF4-FFF2-40B4-BE49-F238E27FC236}">
+                  <a16:creationId xmlns:a16="http://schemas.microsoft.com/office/drawing/2014/main" id="{9C8E8C20-B235-B760-D144-E78DC10973AD}"/>
+                </a:ext>
+              </a:extLst>
+            </p:cNvPr>
+            <p:cNvCxnSpPr/>
+            <p:nvPr/>
+          </p:nvCxnSpPr>
+          <p:spPr>
+            <a:xfrm flipH="1" flipV="1">
+              <a:off x="4027660" y="2619202"/>
+              <a:ext cx="1" cy="956315"/>
+            </a:xfrm>
+            <a:prstGeom prst="straightConnector1">
+              <a:avLst/>
+            </a:prstGeom>
+            <a:ln w="28575">
+              <a:solidFill>
+                <a:schemeClr val="accent6"/>
+              </a:solidFill>
+              <a:tailEnd type="triangle"/>
+            </a:ln>
+          </p:spPr>
+          <p:style>
+            <a:lnRef idx="1">
+              <a:schemeClr val="accent1"/>
+            </a:lnRef>
+            <a:fillRef idx="0">
+              <a:schemeClr val="accent1"/>
+            </a:fillRef>
+            <a:effectRef idx="0">
+              <a:schemeClr val="accent1"/>
+            </a:effectRef>
+            <a:fontRef idx="minor">
+              <a:schemeClr val="tx1"/>
+            </a:fontRef>
+          </p:style>
+        </p:cxnSp>
+        <mc:AlternateContent xmlns:mc="http://schemas.openxmlformats.org/markup-compatibility/2006" xmlns:a14="http://schemas.microsoft.com/office/drawing/2010/main">
+          <mc:Choice Requires="a14">
+            <p:sp>
+              <p:nvSpPr>
+                <p:cNvPr id="59" name="TextBox 58">
+                  <a:extLst>
+                    <a:ext uri="{FF2B5EF4-FFF2-40B4-BE49-F238E27FC236}">
+                      <a16:creationId xmlns:a16="http://schemas.microsoft.com/office/drawing/2014/main" id="{ADBC4B18-31B4-D88A-1DB3-7B17FD02E8E6}"/>
+                    </a:ext>
+                  </a:extLst>
+                </p:cNvPr>
+                <p:cNvSpPr txBox="1"/>
+                <p:nvPr/>
+              </p:nvSpPr>
+              <p:spPr>
+                <a:xfrm>
+                  <a:off x="4600829" y="2944675"/>
+                  <a:ext cx="362893" cy="439701"/>
+                </a:xfrm>
+                <a:prstGeom prst="roundRect">
+                  <a:avLst/>
+                </a:prstGeom>
+                <a:noFill/>
+                <a:ln w="19050">
+                  <a:noFill/>
+                </a:ln>
+              </p:spPr>
+              <p:txBody>
+                <a:bodyPr wrap="square" anchor="ctr">
+                  <a:spAutoFit/>
+                </a:bodyPr>
+                <a:lstStyle/>
+                <a:p>
+                  <a:pPr algn="ctr">
+                    <a:lnSpc>
+                      <a:spcPct val="114000"/>
+                    </a:lnSpc>
+                  </a:pPr>
+                  <a14:m>
+                    <m:oMathPara xmlns:m="http://schemas.openxmlformats.org/officeDocument/2006/math">
+                      <m:oMathParaPr>
+                        <m:jc m:val="center"/>
+                      </m:oMathParaPr>
+                      <m:oMath xmlns:m="http://schemas.openxmlformats.org/officeDocument/2006/math">
+                        <m:sSub>
+                          <m:sSubPr>
+                            <m:ctrlPr>
+                              <a:rPr lang="en-GB" i="1" smtClean="0">
+                                <a:solidFill>
+                                  <a:schemeClr val="tx1"/>
+                                </a:solidFill>
+                                <a:latin typeface="Cambria Math" panose="02040503050406030204" pitchFamily="18" charset="0"/>
+                              </a:rPr>
+                            </m:ctrlPr>
+                          </m:sSubPr>
+                          <m:e>
+                            <m:r>
+                              <a:rPr lang="en-US" b="0" i="1" smtClean="0">
+                                <a:solidFill>
+                                  <a:schemeClr val="tx1"/>
+                                </a:solidFill>
+                                <a:latin typeface="Cambria Math" panose="02040503050406030204" pitchFamily="18" charset="0"/>
+                              </a:rPr>
+                              <m:t>𝑟</m:t>
+                            </m:r>
+                          </m:e>
+                          <m:sub>
+                            <m:r>
+                              <a:rPr lang="en-US" b="0" i="1" smtClean="0">
+                                <a:solidFill>
+                                  <a:schemeClr val="tx1"/>
+                                </a:solidFill>
+                                <a:latin typeface="Cambria Math" panose="02040503050406030204" pitchFamily="18" charset="0"/>
+                              </a:rPr>
+                              <m:t>𝑡</m:t>
+                            </m:r>
+                          </m:sub>
+                        </m:sSub>
+                      </m:oMath>
+                    </m:oMathPara>
+                  </a14:m>
+                  <a:endParaRPr lang="en-GB" dirty="0">
+                    <a:solidFill>
+                      <a:schemeClr val="tx1"/>
+                    </a:solidFill>
+                  </a:endParaRPr>
+                </a:p>
+              </p:txBody>
+            </p:sp>
+          </mc:Choice>
+          <mc:Fallback xmlns="">
+            <p:sp>
+              <p:nvSpPr>
+                <p:cNvPr id="59" name="TextBox 58">
+                  <a:extLst>
+                    <a:ext uri="{FF2B5EF4-FFF2-40B4-BE49-F238E27FC236}">
+                      <a16:creationId xmlns:a16="http://schemas.microsoft.com/office/drawing/2014/main" id="{ADBC4B18-31B4-D88A-1DB3-7B17FD02E8E6}"/>
+                    </a:ext>
+                  </a:extLst>
+                </p:cNvPr>
+                <p:cNvSpPr txBox="1">
+                  <a:spLocks noRot="1" noChangeAspect="1" noMove="1" noResize="1" noEditPoints="1" noAdjustHandles="1" noChangeArrowheads="1" noChangeShapeType="1" noTextEdit="1"/>
+                </p:cNvSpPr>
+                <p:nvPr/>
+              </p:nvSpPr>
+              <p:spPr>
+                <a:xfrm>
+                  <a:off x="4600829" y="2944675"/>
+                  <a:ext cx="362893" cy="439701"/>
+                </a:xfrm>
+                <a:prstGeom prst="roundRect">
+                  <a:avLst/>
+                </a:prstGeom>
+                <a:blipFill>
+                  <a:blip r:embed="rId7"/>
+                  <a:stretch>
+                    <a:fillRect/>
+                  </a:stretch>
+                </a:blipFill>
+                <a:ln w="19050">
+                  <a:noFill/>
+                </a:ln>
+              </p:spPr>
+              <p:txBody>
+                <a:bodyPr/>
+                <a:lstStyle/>
+                <a:p>
+                  <a:r>
+                    <a:rPr lang="en-GB">
+                      <a:noFill/>
+                    </a:rPr>
+                    <a:t> </a:t>
+                  </a:r>
+                </a:p>
+              </p:txBody>
+            </p:sp>
+          </mc:Fallback>
+        </mc:AlternateContent>
+        <p:cxnSp>
+          <p:nvCxnSpPr>
+            <p:cNvPr id="60" name="Straight Arrow Connector 59">
+              <a:extLst>
+                <a:ext uri="{FF2B5EF4-FFF2-40B4-BE49-F238E27FC236}">
+                  <a16:creationId xmlns:a16="http://schemas.microsoft.com/office/drawing/2014/main" id="{500B14B6-7921-C7C1-07E6-93B4A88A18BC}"/>
+                </a:ext>
+              </a:extLst>
+            </p:cNvPr>
+            <p:cNvCxnSpPr>
+              <a:cxnSpLocks/>
+            </p:cNvCxnSpPr>
+            <p:nvPr/>
+          </p:nvCxnSpPr>
+          <p:spPr>
+            <a:xfrm>
+              <a:off x="4597315" y="2628025"/>
+              <a:ext cx="1" cy="959853"/>
+            </a:xfrm>
+            <a:prstGeom prst="straightConnector1">
+              <a:avLst/>
+            </a:prstGeom>
+            <a:ln w="28575">
+              <a:solidFill>
+                <a:srgbClr val="0065BD"/>
+              </a:solidFill>
+              <a:tailEnd type="triangle"/>
+            </a:ln>
+          </p:spPr>
+          <p:style>
+            <a:lnRef idx="1">
+              <a:schemeClr val="accent1"/>
+            </a:lnRef>
+            <a:fillRef idx="0">
+              <a:schemeClr val="accent1"/>
+            </a:fillRef>
+            <a:effectRef idx="0">
+              <a:schemeClr val="accent1"/>
+            </a:effectRef>
+            <a:fontRef idx="minor">
+              <a:schemeClr val="tx1"/>
+            </a:fontRef>
+          </p:style>
+        </p:cxnSp>
+        <p:cxnSp>
+          <p:nvCxnSpPr>
+            <p:cNvPr id="67" name="Straight Arrow Connector 66">
+              <a:extLst>
+                <a:ext uri="{FF2B5EF4-FFF2-40B4-BE49-F238E27FC236}">
+                  <a16:creationId xmlns:a16="http://schemas.microsoft.com/office/drawing/2014/main" id="{E94BE973-FE50-681E-6B6A-6B92DE66B201}"/>
+                </a:ext>
+              </a:extLst>
+            </p:cNvPr>
+            <p:cNvCxnSpPr>
+              <a:cxnSpLocks/>
+              <a:stCxn id="13" idx="4"/>
+            </p:cNvCxnSpPr>
+            <p:nvPr/>
+          </p:nvCxnSpPr>
+          <p:spPr>
+            <a:xfrm>
+              <a:off x="3095283" y="2875318"/>
+              <a:ext cx="357071" cy="707336"/>
+            </a:xfrm>
+            <a:prstGeom prst="straightConnector1">
+              <a:avLst/>
+            </a:prstGeom>
+            <a:ln w="28575">
+              <a:solidFill>
+                <a:srgbClr val="0065BD"/>
+              </a:solidFill>
+              <a:tailEnd type="triangle"/>
+            </a:ln>
+          </p:spPr>
+          <p:style>
+            <a:lnRef idx="1">
+              <a:schemeClr val="accent1"/>
+            </a:lnRef>
+            <a:fillRef idx="0">
+              <a:schemeClr val="accent1"/>
+            </a:fillRef>
+            <a:effectRef idx="0">
+              <a:schemeClr val="accent1"/>
+            </a:effectRef>
+            <a:fontRef idx="minor">
+              <a:schemeClr val="tx1"/>
+            </a:fontRef>
+          </p:style>
+        </p:cxnSp>
+      </p:grpSp>
+    </p:spTree>
+    <p:extLst>
+      <p:ext uri="{BB962C8B-B14F-4D97-AF65-F5344CB8AC3E}">
+        <p14:creationId xmlns:p14="http://schemas.microsoft.com/office/powerpoint/2010/main" val="1551450061"/>
+      </p:ext>
+    </p:extLst>
+  </p:cSld>
+  <p:clrMapOvr>
+    <a:masterClrMapping/>
+  </p:clrMapOvr>
+</p:sld>
+</file>
+
+<file path=ppt/slides/slide11.xml><?xml version="1.0" encoding="utf-8"?>
+<p:sld xmlns:a="http://schemas.openxmlformats.org/drawingml/2006/main" xmlns:r="http://schemas.openxmlformats.org/officeDocument/2006/relationships" xmlns:p="http://schemas.openxmlformats.org/presentationml/2006/main">
+  <p:cSld>
+    <p:spTree>
+      <p:nvGrpSpPr>
+        <p:cNvPr id="1" name=""/>
+        <p:cNvGrpSpPr/>
+        <p:nvPr/>
+      </p:nvGrpSpPr>
+      <p:grpSpPr>
+        <a:xfrm>
+          <a:off x="0" y="0"/>
+          <a:ext cx="0" cy="0"/>
+          <a:chOff x="0" y="0"/>
+          <a:chExt cx="0" cy="0"/>
+        </a:xfrm>
+      </p:grpSpPr>
+      <p:sp>
+        <p:nvSpPr>
+          <p:cNvPr id="2" name="Content Placeholder 1">
+            <a:extLst>
+              <a:ext uri="{FF2B5EF4-FFF2-40B4-BE49-F238E27FC236}">
+                <a16:creationId xmlns:a16="http://schemas.microsoft.com/office/drawing/2014/main" id="{B936D1C0-BA1C-56FB-C0DC-5BF59B237622}"/>
+              </a:ext>
+            </a:extLst>
+          </p:cNvPr>
+          <p:cNvSpPr>
+            <a:spLocks noGrp="1"/>
+          </p:cNvSpPr>
+          <p:nvPr>
+            <p:ph idx="1"/>
+          </p:nvPr>
+        </p:nvSpPr>
+        <p:spPr/>
+        <p:txBody>
+          <a:bodyPr/>
+          <a:lstStyle/>
+          <a:p>
+            <a:r>
+              <a:rPr lang="en-GB" dirty="0"/>
+              <a:t>Explain more about RL</a:t>
+            </a:r>
+          </a:p>
+        </p:txBody>
+      </p:sp>
+      <p:sp>
+        <p:nvSpPr>
+          <p:cNvPr id="3" name="Title 2">
+            <a:extLst>
+              <a:ext uri="{FF2B5EF4-FFF2-40B4-BE49-F238E27FC236}">
+                <a16:creationId xmlns:a16="http://schemas.microsoft.com/office/drawing/2014/main" id="{54A1A9CA-C09D-D8C1-566C-1AA7F9177855}"/>
+              </a:ext>
+            </a:extLst>
+          </p:cNvPr>
+          <p:cNvSpPr>
+            <a:spLocks noGrp="1"/>
+          </p:cNvSpPr>
+          <p:nvPr>
+            <p:ph type="title"/>
+          </p:nvPr>
+        </p:nvSpPr>
+        <p:spPr/>
+        <p:txBody>
+          <a:bodyPr/>
+          <a:lstStyle/>
+          <a:p>
+            <a:endParaRPr lang="en-GB" dirty="0"/>
+          </a:p>
+        </p:txBody>
+      </p:sp>
+      <p:sp>
+        <p:nvSpPr>
+          <p:cNvPr id="4" name="Slide Number Placeholder 3">
+            <a:extLst>
+              <a:ext uri="{FF2B5EF4-FFF2-40B4-BE49-F238E27FC236}">
+                <a16:creationId xmlns:a16="http://schemas.microsoft.com/office/drawing/2014/main" id="{D0881605-5AA8-D008-7E6E-B12BF0F978D6}"/>
+              </a:ext>
+            </a:extLst>
+          </p:cNvPr>
+          <p:cNvSpPr>
+            <a:spLocks noGrp="1"/>
+          </p:cNvSpPr>
+          <p:nvPr>
+            <p:ph type="sldNum" sz="quarter" idx="11"/>
+          </p:nvPr>
+        </p:nvSpPr>
+        <p:spPr/>
+        <p:txBody>
+          <a:bodyPr/>
+          <a:lstStyle/>
+          <a:p>
+            <a:fld id="{CE58CB1E-F828-4F11-99E0-327109AF9DA4}" type="slidenum">
+              <a:rPr lang="de-DE" smtClean="0"/>
+              <a:pPr/>
+              <a:t>11</a:t>
+            </a:fld>
+            <a:endParaRPr lang="de-DE"/>
+          </a:p>
+        </p:txBody>
+      </p:sp>
+      <p:sp>
+        <p:nvSpPr>
+          <p:cNvPr id="6" name="Fußzeilenplatzhalter 4">
+            <a:extLst>
+              <a:ext uri="{FF2B5EF4-FFF2-40B4-BE49-F238E27FC236}">
+                <a16:creationId xmlns:a16="http://schemas.microsoft.com/office/drawing/2014/main" id="{62052A25-E5A9-F308-CA34-C36D2764C96D}"/>
+              </a:ext>
+            </a:extLst>
+          </p:cNvPr>
+          <p:cNvSpPr txBox="1">
+            <a:spLocks/>
+          </p:cNvSpPr>
+          <p:nvPr/>
+        </p:nvSpPr>
+        <p:spPr>
+          <a:xfrm>
+            <a:off x="311162" y="4854985"/>
+            <a:ext cx="7795890" cy="273844"/>
+          </a:xfrm>
+          <a:prstGeom prst="rect">
+            <a:avLst/>
+          </a:prstGeom>
+        </p:spPr>
+        <p:txBody>
+          <a:bodyPr/>
+          <a:lstStyle>
+            <a:defPPr>
+              <a:defRPr lang="de-DE"/>
+            </a:defPPr>
+            <a:lvl1pPr algn="l" rtl="0" fontAlgn="base">
+              <a:spcBef>
+                <a:spcPct val="0"/>
+              </a:spcBef>
+              <a:spcAft>
+                <a:spcPct val="0"/>
+              </a:spcAft>
+              <a:defRPr kern="1200">
+                <a:solidFill>
+                  <a:schemeClr val="tx1"/>
+                </a:solidFill>
+                <a:latin typeface="Arial" charset="0"/>
+                <a:ea typeface="+mn-ea"/>
+                <a:cs typeface="Arial" charset="0"/>
+              </a:defRPr>
+            </a:lvl1pPr>
+            <a:lvl2pPr marL="457200" algn="l" rtl="0" fontAlgn="base">
+              <a:spcBef>
+                <a:spcPct val="0"/>
+              </a:spcBef>
+              <a:spcAft>
+                <a:spcPct val="0"/>
+              </a:spcAft>
+              <a:defRPr kern="1200">
+                <a:solidFill>
+                  <a:schemeClr val="tx1"/>
+                </a:solidFill>
+                <a:latin typeface="Arial" charset="0"/>
+                <a:ea typeface="+mn-ea"/>
+                <a:cs typeface="Arial" charset="0"/>
+              </a:defRPr>
+            </a:lvl2pPr>
+            <a:lvl3pPr marL="914400" algn="l" rtl="0" fontAlgn="base">
+              <a:spcBef>
+                <a:spcPct val="0"/>
+              </a:spcBef>
+              <a:spcAft>
+                <a:spcPct val="0"/>
+              </a:spcAft>
+              <a:defRPr kern="1200">
+                <a:solidFill>
+                  <a:schemeClr val="tx1"/>
+                </a:solidFill>
+                <a:latin typeface="Arial" charset="0"/>
+                <a:ea typeface="+mn-ea"/>
+                <a:cs typeface="Arial" charset="0"/>
+              </a:defRPr>
+            </a:lvl3pPr>
+            <a:lvl4pPr marL="1371600" algn="l" rtl="0" fontAlgn="base">
+              <a:spcBef>
+                <a:spcPct val="0"/>
+              </a:spcBef>
+              <a:spcAft>
+                <a:spcPct val="0"/>
+              </a:spcAft>
+              <a:defRPr kern="1200">
+                <a:solidFill>
+                  <a:schemeClr val="tx1"/>
+                </a:solidFill>
+                <a:latin typeface="Arial" charset="0"/>
+                <a:ea typeface="+mn-ea"/>
+                <a:cs typeface="Arial" charset="0"/>
+              </a:defRPr>
+            </a:lvl4pPr>
+            <a:lvl5pPr marL="1828800" algn="l" rtl="0" fontAlgn="base">
+              <a:spcBef>
+                <a:spcPct val="0"/>
+              </a:spcBef>
+              <a:spcAft>
+                <a:spcPct val="0"/>
+              </a:spcAft>
+              <a:defRPr kern="1200">
+                <a:solidFill>
+                  <a:schemeClr val="tx1"/>
+                </a:solidFill>
+                <a:latin typeface="Arial" charset="0"/>
+                <a:ea typeface="+mn-ea"/>
+                <a:cs typeface="Arial" charset="0"/>
+              </a:defRPr>
+            </a:lvl5pPr>
+            <a:lvl6pPr marL="2286000" algn="l" defTabSz="914400" rtl="0" eaLnBrk="1" latinLnBrk="0" hangingPunct="1">
+              <a:defRPr kern="1200">
+                <a:solidFill>
+                  <a:schemeClr val="tx1"/>
+                </a:solidFill>
+                <a:latin typeface="Arial" charset="0"/>
+                <a:ea typeface="+mn-ea"/>
+                <a:cs typeface="Arial" charset="0"/>
+              </a:defRPr>
+            </a:lvl6pPr>
+            <a:lvl7pPr marL="2743200" algn="l" defTabSz="914400" rtl="0" eaLnBrk="1" latinLnBrk="0" hangingPunct="1">
+              <a:defRPr kern="1200">
+                <a:solidFill>
+                  <a:schemeClr val="tx1"/>
+                </a:solidFill>
+                <a:latin typeface="Arial" charset="0"/>
+                <a:ea typeface="+mn-ea"/>
+                <a:cs typeface="Arial" charset="0"/>
+              </a:defRPr>
+            </a:lvl7pPr>
+            <a:lvl8pPr marL="3200400" algn="l" defTabSz="914400" rtl="0" eaLnBrk="1" latinLnBrk="0" hangingPunct="1">
+              <a:defRPr kern="1200">
+                <a:solidFill>
+                  <a:schemeClr val="tx1"/>
+                </a:solidFill>
+                <a:latin typeface="Arial" charset="0"/>
+                <a:ea typeface="+mn-ea"/>
+                <a:cs typeface="Arial" charset="0"/>
+              </a:defRPr>
+            </a:lvl8pPr>
+            <a:lvl9pPr marL="3657600" algn="l" defTabSz="914400" rtl="0" eaLnBrk="1" latinLnBrk="0" hangingPunct="1">
+              <a:defRPr kern="1200">
+                <a:solidFill>
+                  <a:schemeClr val="tx1"/>
+                </a:solidFill>
+                <a:latin typeface="Arial" charset="0"/>
+                <a:ea typeface="+mn-ea"/>
+                <a:cs typeface="Arial" charset="0"/>
+              </a:defRPr>
+            </a:lvl9pPr>
+          </a:lstStyle>
+          <a:p>
+            <a:r>
+              <a:rPr lang="en-US" sz="1100" dirty="0">
+                <a:latin typeface="Arial"/>
+                <a:cs typeface="Arial"/>
+              </a:rPr>
+              <a:t>Chia-Ling Yang | </a:t>
+            </a:r>
+            <a:r>
+              <a:rPr lang="en-GB" sz="1100" b="0" i="0" u="none" strike="noStrike" dirty="0">
+                <a:effectLst/>
+                <a:latin typeface="Arial" panose="020B0604020202020204" pitchFamily="34" charset="0"/>
+              </a:rPr>
+              <a:t>Exploring Reinforcement Learning Solutions for EV-aware Optimal Power Flow Under Uncertainty</a:t>
+            </a:r>
+            <a:endParaRPr lang="en-US" sz="1100" dirty="0">
+              <a:latin typeface="Arial"/>
+              <a:cs typeface="Arial"/>
+            </a:endParaRPr>
+          </a:p>
+        </p:txBody>
+      </p:sp>
+      <p:grpSp>
+        <p:nvGrpSpPr>
           <p:cNvPr id="164" name="Group 163">
             <a:extLst>
               <a:ext uri="{FF2B5EF4-FFF2-40B4-BE49-F238E27FC236}">
@@ -22969,8 +25058,8 @@
               </p:txBody>
             </p:sp>
           </p:grpSp>
-          <mc:AlternateContent xmlns:mc="http://schemas.openxmlformats.org/markup-compatibility/2006">
-            <mc:Choice xmlns:a14="http://schemas.microsoft.com/office/drawing/2010/main" Requires="a14">
+          <mc:AlternateContent xmlns:mc="http://schemas.openxmlformats.org/markup-compatibility/2006" xmlns:a14="http://schemas.microsoft.com/office/drawing/2010/main">
+            <mc:Choice Requires="a14">
               <p:sp>
                 <p:nvSpPr>
                   <p:cNvPr id="312" name="TextBox 311">
@@ -23105,7 +25194,7 @@
                 </p:txBody>
               </p:sp>
             </mc:Choice>
-            <mc:Fallback>
+            <mc:Fallback xmlns="">
               <p:sp>
                 <p:nvSpPr>
                   <p:cNvPr id="312" name="TextBox 311">
@@ -23197,8 +25286,8 @@
               </a:fontRef>
             </p:style>
           </p:cxnSp>
-          <mc:AlternateContent xmlns:mc="http://schemas.openxmlformats.org/markup-compatibility/2006">
-            <mc:Choice xmlns:a14="http://schemas.microsoft.com/office/drawing/2010/main" Requires="a14">
+          <mc:AlternateContent xmlns:mc="http://schemas.openxmlformats.org/markup-compatibility/2006" xmlns:a14="http://schemas.microsoft.com/office/drawing/2010/main">
+            <mc:Choice Requires="a14">
               <p:sp>
                 <p:nvSpPr>
                   <p:cNvPr id="317" name="TextBox 316">
@@ -23262,7 +25351,7 @@
                 </p:txBody>
               </p:sp>
             </mc:Choice>
-            <mc:Fallback>
+            <mc:Fallback xmlns="">
               <p:sp>
                 <p:nvSpPr>
                   <p:cNvPr id="317" name="TextBox 316">
@@ -23855,8 +25944,8 @@
               </a:fontRef>
             </p:style>
           </p:cxnSp>
-          <mc:AlternateContent xmlns:mc="http://schemas.openxmlformats.org/markup-compatibility/2006">
-            <mc:Choice xmlns:a14="http://schemas.microsoft.com/office/drawing/2010/main" Requires="a14">
+          <mc:AlternateContent xmlns:mc="http://schemas.openxmlformats.org/markup-compatibility/2006" xmlns:a14="http://schemas.microsoft.com/office/drawing/2010/main">
+            <mc:Choice Requires="a14">
               <p:sp>
                 <p:nvSpPr>
                   <p:cNvPr id="349" name="TextBox 348">
@@ -23920,7 +26009,7 @@
                 </p:txBody>
               </p:sp>
             </mc:Choice>
-            <mc:Fallback>
+            <mc:Fallback xmlns="">
               <p:sp>
                 <p:nvSpPr>
                   <p:cNvPr id="349" name="TextBox 348">
@@ -24056,8 +26145,8 @@
               </a:fontRef>
             </p:style>
           </p:cxnSp>
-          <mc:AlternateContent xmlns:mc="http://schemas.openxmlformats.org/markup-compatibility/2006">
-            <mc:Choice xmlns:a14="http://schemas.microsoft.com/office/drawing/2010/main" Requires="a14">
+          <mc:AlternateContent xmlns:mc="http://schemas.openxmlformats.org/markup-compatibility/2006" xmlns:a14="http://schemas.microsoft.com/office/drawing/2010/main">
+            <mc:Choice Requires="a14">
               <p:sp>
                 <p:nvSpPr>
                   <p:cNvPr id="357" name="TextBox 356">
@@ -24217,7 +26306,7 @@
                 </p:txBody>
               </p:sp>
             </mc:Choice>
-            <mc:Fallback>
+            <mc:Fallback xmlns="">
               <p:sp>
                 <p:nvSpPr>
                   <p:cNvPr id="357" name="TextBox 356">
@@ -24311,8 +26400,8 @@
               </a:fontRef>
             </p:style>
           </p:cxnSp>
-          <mc:AlternateContent xmlns:mc="http://schemas.openxmlformats.org/markup-compatibility/2006">
-            <mc:Choice xmlns:a14="http://schemas.microsoft.com/office/drawing/2010/main" Requires="a14">
+          <mc:AlternateContent xmlns:mc="http://schemas.openxmlformats.org/markup-compatibility/2006" xmlns:a14="http://schemas.microsoft.com/office/drawing/2010/main">
+            <mc:Choice Requires="a14">
               <p:sp>
                 <p:nvSpPr>
                   <p:cNvPr id="377" name="TextBox 376">
@@ -24403,7 +26492,7 @@
                 </p:txBody>
               </p:sp>
             </mc:Choice>
-            <mc:Fallback>
+            <mc:Fallback xmlns="">
               <p:sp>
                 <p:nvSpPr>
                   <p:cNvPr id="377" name="TextBox 376">
@@ -24448,8 +26537,8 @@
               </p:sp>
             </mc:Fallback>
           </mc:AlternateContent>
-          <mc:AlternateContent xmlns:mc="http://schemas.openxmlformats.org/markup-compatibility/2006">
-            <mc:Choice xmlns:a14="http://schemas.microsoft.com/office/drawing/2010/main" Requires="a14">
+          <mc:AlternateContent xmlns:mc="http://schemas.openxmlformats.org/markup-compatibility/2006" xmlns:a14="http://schemas.microsoft.com/office/drawing/2010/main">
+            <mc:Choice Requires="a14">
               <p:sp>
                 <p:nvSpPr>
                   <p:cNvPr id="7" name="TextBox 6">
@@ -24513,7 +26602,7 @@
                 </p:txBody>
               </p:sp>
             </mc:Choice>
-            <mc:Fallback>
+            <mc:Fallback xmlns="">
               <p:sp>
                 <p:nvSpPr>
                   <p:cNvPr id="7" name="TextBox 6">
@@ -24576,7 +26665,7 @@
 </p:sld>
 </file>
 
-<file path=ppt/slides/slide11.xml><?xml version="1.0" encoding="utf-8"?>
+<file path=ppt/slides/slide12.xml><?xml version="1.0" encoding="utf-8"?>
 <p:sld xmlns:a="http://schemas.openxmlformats.org/drawingml/2006/main" xmlns:r="http://schemas.openxmlformats.org/officeDocument/2006/relationships" xmlns:p="http://schemas.openxmlformats.org/presentationml/2006/main">
   <p:cSld>
     <p:spTree>
@@ -24670,7 +26759,7 @@
             <a:fld id="{CE58CB1E-F828-4F11-99E0-327109AF9DA4}" type="slidenum">
               <a:rPr lang="de-DE" smtClean="0"/>
               <a:pPr/>
-              <a:t>11</a:t>
+              <a:t>12</a:t>
             </a:fld>
             <a:endParaRPr lang="de-DE"/>
           </a:p>
@@ -24861,7 +26950,7 @@
 </p:sld>
 </file>
 
-<file path=ppt/slides/slide12.xml><?xml version="1.0" encoding="utf-8"?>
+<file path=ppt/slides/slide13.xml><?xml version="1.0" encoding="utf-8"?>
 <p:sld xmlns:a="http://schemas.openxmlformats.org/drawingml/2006/main" xmlns:r="http://schemas.openxmlformats.org/officeDocument/2006/relationships" xmlns:p="http://schemas.openxmlformats.org/presentationml/2006/main">
   <p:cSld>
     <p:spTree>
@@ -24924,7 +27013,7 @@
 </p:sld>
 </file>
 
-<file path=ppt/slides/slide13.xml><?xml version="1.0" encoding="utf-8"?>
+<file path=ppt/slides/slide14.xml><?xml version="1.0" encoding="utf-8"?>
 <p:sld xmlns:a="http://schemas.openxmlformats.org/drawingml/2006/main" xmlns:r="http://schemas.openxmlformats.org/officeDocument/2006/relationships" xmlns:p="http://schemas.openxmlformats.org/presentationml/2006/main">
   <p:cSld>
     <p:spTree>
@@ -25023,7 +27112,7 @@
             <a:fld id="{CE58CB1E-F828-4F11-99E0-327109AF9DA4}" type="slidenum">
               <a:rPr lang="de-DE" smtClean="0"/>
               <a:pPr/>
-              <a:t>13</a:t>
+              <a:t>14</a:t>
             </a:fld>
             <a:endParaRPr lang="de-DE"/>
           </a:p>
@@ -25214,7 +27303,7 @@
 </p:sld>
 </file>
 
-<file path=ppt/slides/slide14.xml><?xml version="1.0" encoding="utf-8"?>
+<file path=ppt/slides/slide15.xml><?xml version="1.0" encoding="utf-8"?>
 <p:sld xmlns:a="http://schemas.openxmlformats.org/drawingml/2006/main" xmlns:r="http://schemas.openxmlformats.org/officeDocument/2006/relationships" xmlns:p="http://schemas.openxmlformats.org/presentationml/2006/main">
   <p:cSld>
     <p:spTree>
@@ -25313,7 +27402,7 @@
             <a:fld id="{CE58CB1E-F828-4F11-99E0-327109AF9DA4}" type="slidenum">
               <a:rPr lang="de-DE" smtClean="0"/>
               <a:pPr/>
-              <a:t>14</a:t>
+              <a:t>15</a:t>
             </a:fld>
             <a:endParaRPr lang="de-DE"/>
           </a:p>
@@ -25504,7 +27593,7 @@
 </p:sld>
 </file>
 
-<file path=ppt/slides/slide15.xml><?xml version="1.0" encoding="utf-8"?>
+<file path=ppt/slides/slide16.xml><?xml version="1.0" encoding="utf-8"?>
 <p:sld xmlns:a="http://schemas.openxmlformats.org/drawingml/2006/main" xmlns:r="http://schemas.openxmlformats.org/officeDocument/2006/relationships" xmlns:p="http://schemas.openxmlformats.org/presentationml/2006/main">
   <p:cSld>
     <p:spTree>
@@ -25567,7 +27656,7 @@
 </p:sld>
 </file>
 
-<file path=ppt/slides/slide16.xml><?xml version="1.0" encoding="utf-8"?>
+<file path=ppt/slides/slide17.xml><?xml version="1.0" encoding="utf-8"?>
 <p:sld xmlns:a="http://schemas.openxmlformats.org/drawingml/2006/main" xmlns:r="http://schemas.openxmlformats.org/officeDocument/2006/relationships" xmlns:p="http://schemas.openxmlformats.org/presentationml/2006/main">
   <p:cSld>
     <p:spTree>
@@ -25658,7 +27747,7 @@
             <a:fld id="{CE58CB1E-F828-4F11-99E0-327109AF9DA4}" type="slidenum">
               <a:rPr lang="de-DE" smtClean="0"/>
               <a:pPr/>
-              <a:t>16</a:t>
+              <a:t>17</a:t>
             </a:fld>
             <a:endParaRPr lang="de-DE"/>
           </a:p>
@@ -25849,7 +27938,7 @@
 </p:sld>
 </file>
 
-<file path=ppt/slides/slide17.xml><?xml version="1.0" encoding="utf-8"?>
+<file path=ppt/slides/slide18.xml><?xml version="1.0" encoding="utf-8"?>
 <p:sld xmlns:a="http://schemas.openxmlformats.org/drawingml/2006/main" xmlns:r="http://schemas.openxmlformats.org/officeDocument/2006/relationships" xmlns:p="http://schemas.openxmlformats.org/presentationml/2006/main">
   <p:cSld>
     <p:spTree>
@@ -25912,7 +28001,7 @@
 </p:sld>
 </file>
 
-<file path=ppt/slides/slide18.xml><?xml version="1.0" encoding="utf-8"?>
+<file path=ppt/slides/slide19.xml><?xml version="1.0" encoding="utf-8"?>
 <p:sld xmlns:a="http://schemas.openxmlformats.org/drawingml/2006/main" xmlns:r="http://schemas.openxmlformats.org/officeDocument/2006/relationships" xmlns:p="http://schemas.openxmlformats.org/presentationml/2006/main">
   <p:cSld>
     <p:spTree>
@@ -26011,7 +28100,7 @@
             <a:fld id="{CE58CB1E-F828-4F11-99E0-327109AF9DA4}" type="slidenum">
               <a:rPr lang="de-DE" smtClean="0"/>
               <a:pPr/>
-              <a:t>18</a:t>
+              <a:t>19</a:t>
             </a:fld>
             <a:endParaRPr lang="de-DE"/>
           </a:p>
@@ -26193,296 +28282,6 @@
     <p:extLst>
       <p:ext uri="{BB962C8B-B14F-4D97-AF65-F5344CB8AC3E}">
         <p14:creationId xmlns:p14="http://schemas.microsoft.com/office/powerpoint/2010/main" val="3422835339"/>
-      </p:ext>
-    </p:extLst>
-  </p:cSld>
-  <p:clrMapOvr>
-    <a:masterClrMapping/>
-  </p:clrMapOvr>
-</p:sld>
-</file>
-
-<file path=ppt/slides/slide19.xml><?xml version="1.0" encoding="utf-8"?>
-<p:sld xmlns:a="http://schemas.openxmlformats.org/drawingml/2006/main" xmlns:r="http://schemas.openxmlformats.org/officeDocument/2006/relationships" xmlns:p="http://schemas.openxmlformats.org/presentationml/2006/main">
-  <p:cSld>
-    <p:spTree>
-      <p:nvGrpSpPr>
-        <p:cNvPr id="1" name=""/>
-        <p:cNvGrpSpPr/>
-        <p:nvPr/>
-      </p:nvGrpSpPr>
-      <p:grpSpPr>
-        <a:xfrm>
-          <a:off x="0" y="0"/>
-          <a:ext cx="0" cy="0"/>
-          <a:chOff x="0" y="0"/>
-          <a:chExt cx="0" cy="0"/>
-        </a:xfrm>
-      </p:grpSpPr>
-      <p:sp>
-        <p:nvSpPr>
-          <p:cNvPr id="2" name="Content Placeholder 1">
-            <a:extLst>
-              <a:ext uri="{FF2B5EF4-FFF2-40B4-BE49-F238E27FC236}">
-                <a16:creationId xmlns:a16="http://schemas.microsoft.com/office/drawing/2014/main" id="{A8536EE9-6FBB-D2D3-BC4F-23806F102B94}"/>
-              </a:ext>
-            </a:extLst>
-          </p:cNvPr>
-          <p:cNvSpPr>
-            <a:spLocks noGrp="1"/>
-          </p:cNvSpPr>
-          <p:nvPr>
-            <p:ph idx="1"/>
-          </p:nvPr>
-        </p:nvSpPr>
-        <p:spPr/>
-        <p:txBody>
-          <a:bodyPr/>
-          <a:lstStyle/>
-          <a:p>
-            <a:endParaRPr lang="en-GB"/>
-          </a:p>
-        </p:txBody>
-      </p:sp>
-      <p:sp>
-        <p:nvSpPr>
-          <p:cNvPr id="3" name="Title 2">
-            <a:extLst>
-              <a:ext uri="{FF2B5EF4-FFF2-40B4-BE49-F238E27FC236}">
-                <a16:creationId xmlns:a16="http://schemas.microsoft.com/office/drawing/2014/main" id="{7C712CB2-5B99-184D-757F-ABF2243E9B12}"/>
-              </a:ext>
-            </a:extLst>
-          </p:cNvPr>
-          <p:cNvSpPr>
-            <a:spLocks noGrp="1"/>
-          </p:cNvSpPr>
-          <p:nvPr>
-            <p:ph type="title"/>
-          </p:nvPr>
-        </p:nvSpPr>
-        <p:spPr>
-          <a:xfrm>
-            <a:off x="319090" y="972000"/>
-            <a:ext cx="8508999" cy="380745"/>
-          </a:xfrm>
-        </p:spPr>
-        <p:txBody>
-          <a:bodyPr/>
-          <a:lstStyle/>
-          <a:p>
-            <a:r>
-              <a:rPr lang="en-GB" dirty="0"/>
-              <a:t>Actor-Critic Framework</a:t>
-            </a:r>
-          </a:p>
-        </p:txBody>
-      </p:sp>
-      <p:sp>
-        <p:nvSpPr>
-          <p:cNvPr id="4" name="Slide Number Placeholder 3">
-            <a:extLst>
-              <a:ext uri="{FF2B5EF4-FFF2-40B4-BE49-F238E27FC236}">
-                <a16:creationId xmlns:a16="http://schemas.microsoft.com/office/drawing/2014/main" id="{604D6851-3417-1596-57A7-978351BA6007}"/>
-              </a:ext>
-            </a:extLst>
-          </p:cNvPr>
-          <p:cNvSpPr>
-            <a:spLocks noGrp="1"/>
-          </p:cNvSpPr>
-          <p:nvPr>
-            <p:ph type="sldNum" sz="quarter" idx="11"/>
-          </p:nvPr>
-        </p:nvSpPr>
-        <p:spPr/>
-        <p:txBody>
-          <a:bodyPr/>
-          <a:lstStyle/>
-          <a:p>
-            <a:fld id="{CE58CB1E-F828-4F11-99E0-327109AF9DA4}" type="slidenum">
-              <a:rPr lang="de-DE" smtClean="0"/>
-              <a:pPr/>
-              <a:t>19</a:t>
-            </a:fld>
-            <a:endParaRPr lang="de-DE"/>
-          </a:p>
-        </p:txBody>
-      </p:sp>
-      <p:sp>
-        <p:nvSpPr>
-          <p:cNvPr id="6" name="Fußzeilenplatzhalter 4">
-            <a:extLst>
-              <a:ext uri="{FF2B5EF4-FFF2-40B4-BE49-F238E27FC236}">
-                <a16:creationId xmlns:a16="http://schemas.microsoft.com/office/drawing/2014/main" id="{7805BC9D-4D6F-A053-0504-0E9908ABE56B}"/>
-              </a:ext>
-            </a:extLst>
-          </p:cNvPr>
-          <p:cNvSpPr txBox="1">
-            <a:spLocks/>
-          </p:cNvSpPr>
-          <p:nvPr/>
-        </p:nvSpPr>
-        <p:spPr>
-          <a:xfrm>
-            <a:off x="311162" y="4854985"/>
-            <a:ext cx="7795890" cy="273844"/>
-          </a:xfrm>
-          <a:prstGeom prst="rect">
-            <a:avLst/>
-          </a:prstGeom>
-        </p:spPr>
-        <p:txBody>
-          <a:bodyPr/>
-          <a:lstStyle>
-            <a:defPPr>
-              <a:defRPr lang="de-DE"/>
-            </a:defPPr>
-            <a:lvl1pPr algn="l" rtl="0" fontAlgn="base">
-              <a:spcBef>
-                <a:spcPct val="0"/>
-              </a:spcBef>
-              <a:spcAft>
-                <a:spcPct val="0"/>
-              </a:spcAft>
-              <a:defRPr kern="1200">
-                <a:solidFill>
-                  <a:schemeClr val="tx1"/>
-                </a:solidFill>
-                <a:latin typeface="Arial" charset="0"/>
-                <a:ea typeface="+mn-ea"/>
-                <a:cs typeface="Arial" charset="0"/>
-              </a:defRPr>
-            </a:lvl1pPr>
-            <a:lvl2pPr marL="457200" algn="l" rtl="0" fontAlgn="base">
-              <a:spcBef>
-                <a:spcPct val="0"/>
-              </a:spcBef>
-              <a:spcAft>
-                <a:spcPct val="0"/>
-              </a:spcAft>
-              <a:defRPr kern="1200">
-                <a:solidFill>
-                  <a:schemeClr val="tx1"/>
-                </a:solidFill>
-                <a:latin typeface="Arial" charset="0"/>
-                <a:ea typeface="+mn-ea"/>
-                <a:cs typeface="Arial" charset="0"/>
-              </a:defRPr>
-            </a:lvl2pPr>
-            <a:lvl3pPr marL="914400" algn="l" rtl="0" fontAlgn="base">
-              <a:spcBef>
-                <a:spcPct val="0"/>
-              </a:spcBef>
-              <a:spcAft>
-                <a:spcPct val="0"/>
-              </a:spcAft>
-              <a:defRPr kern="1200">
-                <a:solidFill>
-                  <a:schemeClr val="tx1"/>
-                </a:solidFill>
-                <a:latin typeface="Arial" charset="0"/>
-                <a:ea typeface="+mn-ea"/>
-                <a:cs typeface="Arial" charset="0"/>
-              </a:defRPr>
-            </a:lvl3pPr>
-            <a:lvl4pPr marL="1371600" algn="l" rtl="0" fontAlgn="base">
-              <a:spcBef>
-                <a:spcPct val="0"/>
-              </a:spcBef>
-              <a:spcAft>
-                <a:spcPct val="0"/>
-              </a:spcAft>
-              <a:defRPr kern="1200">
-                <a:solidFill>
-                  <a:schemeClr val="tx1"/>
-                </a:solidFill>
-                <a:latin typeface="Arial" charset="0"/>
-                <a:ea typeface="+mn-ea"/>
-                <a:cs typeface="Arial" charset="0"/>
-              </a:defRPr>
-            </a:lvl4pPr>
-            <a:lvl5pPr marL="1828800" algn="l" rtl="0" fontAlgn="base">
-              <a:spcBef>
-                <a:spcPct val="0"/>
-              </a:spcBef>
-              <a:spcAft>
-                <a:spcPct val="0"/>
-              </a:spcAft>
-              <a:defRPr kern="1200">
-                <a:solidFill>
-                  <a:schemeClr val="tx1"/>
-                </a:solidFill>
-                <a:latin typeface="Arial" charset="0"/>
-                <a:ea typeface="+mn-ea"/>
-                <a:cs typeface="Arial" charset="0"/>
-              </a:defRPr>
-            </a:lvl5pPr>
-            <a:lvl6pPr marL="2286000" algn="l" defTabSz="914400" rtl="0" eaLnBrk="1" latinLnBrk="0" hangingPunct="1">
-              <a:defRPr kern="1200">
-                <a:solidFill>
-                  <a:schemeClr val="tx1"/>
-                </a:solidFill>
-                <a:latin typeface="Arial" charset="0"/>
-                <a:ea typeface="+mn-ea"/>
-                <a:cs typeface="Arial" charset="0"/>
-              </a:defRPr>
-            </a:lvl6pPr>
-            <a:lvl7pPr marL="2743200" algn="l" defTabSz="914400" rtl="0" eaLnBrk="1" latinLnBrk="0" hangingPunct="1">
-              <a:defRPr kern="1200">
-                <a:solidFill>
-                  <a:schemeClr val="tx1"/>
-                </a:solidFill>
-                <a:latin typeface="Arial" charset="0"/>
-                <a:ea typeface="+mn-ea"/>
-                <a:cs typeface="Arial" charset="0"/>
-              </a:defRPr>
-            </a:lvl7pPr>
-            <a:lvl8pPr marL="3200400" algn="l" defTabSz="914400" rtl="0" eaLnBrk="1" latinLnBrk="0" hangingPunct="1">
-              <a:defRPr kern="1200">
-                <a:solidFill>
-                  <a:schemeClr val="tx1"/>
-                </a:solidFill>
-                <a:latin typeface="Arial" charset="0"/>
-                <a:ea typeface="+mn-ea"/>
-                <a:cs typeface="Arial" charset="0"/>
-              </a:defRPr>
-            </a:lvl8pPr>
-            <a:lvl9pPr marL="3657600" algn="l" defTabSz="914400" rtl="0" eaLnBrk="1" latinLnBrk="0" hangingPunct="1">
-              <a:defRPr kern="1200">
-                <a:solidFill>
-                  <a:schemeClr val="tx1"/>
-                </a:solidFill>
-                <a:latin typeface="Arial" charset="0"/>
-                <a:ea typeface="+mn-ea"/>
-                <a:cs typeface="Arial" charset="0"/>
-              </a:defRPr>
-            </a:lvl9pPr>
-          </a:lstStyle>
-          <a:p>
-            <a:r>
-              <a:rPr lang="en-US" sz="1100" dirty="0">
-                <a:latin typeface="Arial"/>
-                <a:cs typeface="Arial"/>
-              </a:rPr>
-              <a:t>Chia-Ling Yang | </a:t>
-            </a:r>
-            <a:r>
-              <a:rPr lang="en-GB" sz="1100" b="0" i="0" u="none" strike="noStrike" dirty="0">
-                <a:effectLst/>
-                <a:latin typeface="Arial" panose="020B0604020202020204" pitchFamily="34" charset="0"/>
-              </a:rPr>
-              <a:t>Exploring Reinforcement Learning Solutions for EV-aware Optimal Power Flow Under Uncertainty</a:t>
-            </a:r>
-            <a:endParaRPr lang="en-US" sz="1100" dirty="0">
-              <a:latin typeface="Arial"/>
-              <a:cs typeface="Arial"/>
-            </a:endParaRPr>
-          </a:p>
-        </p:txBody>
-      </p:sp>
-    </p:spTree>
-    <p:extLst>
-      <p:ext uri="{BB962C8B-B14F-4D97-AF65-F5344CB8AC3E}">
-        <p14:creationId xmlns:p14="http://schemas.microsoft.com/office/powerpoint/2010/main" val="3158509232"/>
       </p:ext>
     </p:extLst>
   </p:cSld>
@@ -26951,6 +28750,296 @@
           <p:cNvPr id="2" name="Content Placeholder 1">
             <a:extLst>
               <a:ext uri="{FF2B5EF4-FFF2-40B4-BE49-F238E27FC236}">
+                <a16:creationId xmlns:a16="http://schemas.microsoft.com/office/drawing/2014/main" id="{A8536EE9-6FBB-D2D3-BC4F-23806F102B94}"/>
+              </a:ext>
+            </a:extLst>
+          </p:cNvPr>
+          <p:cNvSpPr>
+            <a:spLocks noGrp="1"/>
+          </p:cNvSpPr>
+          <p:nvPr>
+            <p:ph idx="1"/>
+          </p:nvPr>
+        </p:nvSpPr>
+        <p:spPr/>
+        <p:txBody>
+          <a:bodyPr/>
+          <a:lstStyle/>
+          <a:p>
+            <a:endParaRPr lang="en-GB"/>
+          </a:p>
+        </p:txBody>
+      </p:sp>
+      <p:sp>
+        <p:nvSpPr>
+          <p:cNvPr id="3" name="Title 2">
+            <a:extLst>
+              <a:ext uri="{FF2B5EF4-FFF2-40B4-BE49-F238E27FC236}">
+                <a16:creationId xmlns:a16="http://schemas.microsoft.com/office/drawing/2014/main" id="{7C712CB2-5B99-184D-757F-ABF2243E9B12}"/>
+              </a:ext>
+            </a:extLst>
+          </p:cNvPr>
+          <p:cNvSpPr>
+            <a:spLocks noGrp="1"/>
+          </p:cNvSpPr>
+          <p:nvPr>
+            <p:ph type="title"/>
+          </p:nvPr>
+        </p:nvSpPr>
+        <p:spPr>
+          <a:xfrm>
+            <a:off x="319090" y="972000"/>
+            <a:ext cx="8508999" cy="380745"/>
+          </a:xfrm>
+        </p:spPr>
+        <p:txBody>
+          <a:bodyPr/>
+          <a:lstStyle/>
+          <a:p>
+            <a:r>
+              <a:rPr lang="en-GB" dirty="0"/>
+              <a:t>Actor-Critic Framework</a:t>
+            </a:r>
+          </a:p>
+        </p:txBody>
+      </p:sp>
+      <p:sp>
+        <p:nvSpPr>
+          <p:cNvPr id="4" name="Slide Number Placeholder 3">
+            <a:extLst>
+              <a:ext uri="{FF2B5EF4-FFF2-40B4-BE49-F238E27FC236}">
+                <a16:creationId xmlns:a16="http://schemas.microsoft.com/office/drawing/2014/main" id="{604D6851-3417-1596-57A7-978351BA6007}"/>
+              </a:ext>
+            </a:extLst>
+          </p:cNvPr>
+          <p:cNvSpPr>
+            <a:spLocks noGrp="1"/>
+          </p:cNvSpPr>
+          <p:nvPr>
+            <p:ph type="sldNum" sz="quarter" idx="11"/>
+          </p:nvPr>
+        </p:nvSpPr>
+        <p:spPr/>
+        <p:txBody>
+          <a:bodyPr/>
+          <a:lstStyle/>
+          <a:p>
+            <a:fld id="{CE58CB1E-F828-4F11-99E0-327109AF9DA4}" type="slidenum">
+              <a:rPr lang="de-DE" smtClean="0"/>
+              <a:pPr/>
+              <a:t>20</a:t>
+            </a:fld>
+            <a:endParaRPr lang="de-DE"/>
+          </a:p>
+        </p:txBody>
+      </p:sp>
+      <p:sp>
+        <p:nvSpPr>
+          <p:cNvPr id="6" name="Fußzeilenplatzhalter 4">
+            <a:extLst>
+              <a:ext uri="{FF2B5EF4-FFF2-40B4-BE49-F238E27FC236}">
+                <a16:creationId xmlns:a16="http://schemas.microsoft.com/office/drawing/2014/main" id="{7805BC9D-4D6F-A053-0504-0E9908ABE56B}"/>
+              </a:ext>
+            </a:extLst>
+          </p:cNvPr>
+          <p:cNvSpPr txBox="1">
+            <a:spLocks/>
+          </p:cNvSpPr>
+          <p:nvPr/>
+        </p:nvSpPr>
+        <p:spPr>
+          <a:xfrm>
+            <a:off x="311162" y="4854985"/>
+            <a:ext cx="7795890" cy="273844"/>
+          </a:xfrm>
+          <a:prstGeom prst="rect">
+            <a:avLst/>
+          </a:prstGeom>
+        </p:spPr>
+        <p:txBody>
+          <a:bodyPr/>
+          <a:lstStyle>
+            <a:defPPr>
+              <a:defRPr lang="de-DE"/>
+            </a:defPPr>
+            <a:lvl1pPr algn="l" rtl="0" fontAlgn="base">
+              <a:spcBef>
+                <a:spcPct val="0"/>
+              </a:spcBef>
+              <a:spcAft>
+                <a:spcPct val="0"/>
+              </a:spcAft>
+              <a:defRPr kern="1200">
+                <a:solidFill>
+                  <a:schemeClr val="tx1"/>
+                </a:solidFill>
+                <a:latin typeface="Arial" charset="0"/>
+                <a:ea typeface="+mn-ea"/>
+                <a:cs typeface="Arial" charset="0"/>
+              </a:defRPr>
+            </a:lvl1pPr>
+            <a:lvl2pPr marL="457200" algn="l" rtl="0" fontAlgn="base">
+              <a:spcBef>
+                <a:spcPct val="0"/>
+              </a:spcBef>
+              <a:spcAft>
+                <a:spcPct val="0"/>
+              </a:spcAft>
+              <a:defRPr kern="1200">
+                <a:solidFill>
+                  <a:schemeClr val="tx1"/>
+                </a:solidFill>
+                <a:latin typeface="Arial" charset="0"/>
+                <a:ea typeface="+mn-ea"/>
+                <a:cs typeface="Arial" charset="0"/>
+              </a:defRPr>
+            </a:lvl2pPr>
+            <a:lvl3pPr marL="914400" algn="l" rtl="0" fontAlgn="base">
+              <a:spcBef>
+                <a:spcPct val="0"/>
+              </a:spcBef>
+              <a:spcAft>
+                <a:spcPct val="0"/>
+              </a:spcAft>
+              <a:defRPr kern="1200">
+                <a:solidFill>
+                  <a:schemeClr val="tx1"/>
+                </a:solidFill>
+                <a:latin typeface="Arial" charset="0"/>
+                <a:ea typeface="+mn-ea"/>
+                <a:cs typeface="Arial" charset="0"/>
+              </a:defRPr>
+            </a:lvl3pPr>
+            <a:lvl4pPr marL="1371600" algn="l" rtl="0" fontAlgn="base">
+              <a:spcBef>
+                <a:spcPct val="0"/>
+              </a:spcBef>
+              <a:spcAft>
+                <a:spcPct val="0"/>
+              </a:spcAft>
+              <a:defRPr kern="1200">
+                <a:solidFill>
+                  <a:schemeClr val="tx1"/>
+                </a:solidFill>
+                <a:latin typeface="Arial" charset="0"/>
+                <a:ea typeface="+mn-ea"/>
+                <a:cs typeface="Arial" charset="0"/>
+              </a:defRPr>
+            </a:lvl4pPr>
+            <a:lvl5pPr marL="1828800" algn="l" rtl="0" fontAlgn="base">
+              <a:spcBef>
+                <a:spcPct val="0"/>
+              </a:spcBef>
+              <a:spcAft>
+                <a:spcPct val="0"/>
+              </a:spcAft>
+              <a:defRPr kern="1200">
+                <a:solidFill>
+                  <a:schemeClr val="tx1"/>
+                </a:solidFill>
+                <a:latin typeface="Arial" charset="0"/>
+                <a:ea typeface="+mn-ea"/>
+                <a:cs typeface="Arial" charset="0"/>
+              </a:defRPr>
+            </a:lvl5pPr>
+            <a:lvl6pPr marL="2286000" algn="l" defTabSz="914400" rtl="0" eaLnBrk="1" latinLnBrk="0" hangingPunct="1">
+              <a:defRPr kern="1200">
+                <a:solidFill>
+                  <a:schemeClr val="tx1"/>
+                </a:solidFill>
+                <a:latin typeface="Arial" charset="0"/>
+                <a:ea typeface="+mn-ea"/>
+                <a:cs typeface="Arial" charset="0"/>
+              </a:defRPr>
+            </a:lvl6pPr>
+            <a:lvl7pPr marL="2743200" algn="l" defTabSz="914400" rtl="0" eaLnBrk="1" latinLnBrk="0" hangingPunct="1">
+              <a:defRPr kern="1200">
+                <a:solidFill>
+                  <a:schemeClr val="tx1"/>
+                </a:solidFill>
+                <a:latin typeface="Arial" charset="0"/>
+                <a:ea typeface="+mn-ea"/>
+                <a:cs typeface="Arial" charset="0"/>
+              </a:defRPr>
+            </a:lvl7pPr>
+            <a:lvl8pPr marL="3200400" algn="l" defTabSz="914400" rtl="0" eaLnBrk="1" latinLnBrk="0" hangingPunct="1">
+              <a:defRPr kern="1200">
+                <a:solidFill>
+                  <a:schemeClr val="tx1"/>
+                </a:solidFill>
+                <a:latin typeface="Arial" charset="0"/>
+                <a:ea typeface="+mn-ea"/>
+                <a:cs typeface="Arial" charset="0"/>
+              </a:defRPr>
+            </a:lvl8pPr>
+            <a:lvl9pPr marL="3657600" algn="l" defTabSz="914400" rtl="0" eaLnBrk="1" latinLnBrk="0" hangingPunct="1">
+              <a:defRPr kern="1200">
+                <a:solidFill>
+                  <a:schemeClr val="tx1"/>
+                </a:solidFill>
+                <a:latin typeface="Arial" charset="0"/>
+                <a:ea typeface="+mn-ea"/>
+                <a:cs typeface="Arial" charset="0"/>
+              </a:defRPr>
+            </a:lvl9pPr>
+          </a:lstStyle>
+          <a:p>
+            <a:r>
+              <a:rPr lang="en-US" sz="1100" dirty="0">
+                <a:latin typeface="Arial"/>
+                <a:cs typeface="Arial"/>
+              </a:rPr>
+              <a:t>Chia-Ling Yang | </a:t>
+            </a:r>
+            <a:r>
+              <a:rPr lang="en-GB" sz="1100" b="0" i="0" u="none" strike="noStrike" dirty="0">
+                <a:effectLst/>
+                <a:latin typeface="Arial" panose="020B0604020202020204" pitchFamily="34" charset="0"/>
+              </a:rPr>
+              <a:t>Exploring Reinforcement Learning Solutions for EV-aware Optimal Power Flow Under Uncertainty</a:t>
+            </a:r>
+            <a:endParaRPr lang="en-US" sz="1100" dirty="0">
+              <a:latin typeface="Arial"/>
+              <a:cs typeface="Arial"/>
+            </a:endParaRPr>
+          </a:p>
+        </p:txBody>
+      </p:sp>
+    </p:spTree>
+    <p:extLst>
+      <p:ext uri="{BB962C8B-B14F-4D97-AF65-F5344CB8AC3E}">
+        <p14:creationId xmlns:p14="http://schemas.microsoft.com/office/powerpoint/2010/main" val="3158509232"/>
+      </p:ext>
+    </p:extLst>
+  </p:cSld>
+  <p:clrMapOvr>
+    <a:masterClrMapping/>
+  </p:clrMapOvr>
+</p:sld>
+</file>
+
+<file path=ppt/slides/slide21.xml><?xml version="1.0" encoding="utf-8"?>
+<p:sld xmlns:a="http://schemas.openxmlformats.org/drawingml/2006/main" xmlns:r="http://schemas.openxmlformats.org/officeDocument/2006/relationships" xmlns:p="http://schemas.openxmlformats.org/presentationml/2006/main">
+  <p:cSld>
+    <p:spTree>
+      <p:nvGrpSpPr>
+        <p:cNvPr id="1" name=""/>
+        <p:cNvGrpSpPr/>
+        <p:nvPr/>
+      </p:nvGrpSpPr>
+      <p:grpSpPr>
+        <a:xfrm>
+          <a:off x="0" y="0"/>
+          <a:ext cx="0" cy="0"/>
+          <a:chOff x="0" y="0"/>
+          <a:chExt cx="0" cy="0"/>
+        </a:xfrm>
+      </p:grpSpPr>
+      <p:sp>
+        <p:nvSpPr>
+          <p:cNvPr id="2" name="Content Placeholder 1">
+            <a:extLst>
+              <a:ext uri="{FF2B5EF4-FFF2-40B4-BE49-F238E27FC236}">
                 <a16:creationId xmlns:a16="http://schemas.microsoft.com/office/drawing/2014/main" id="{9267299A-E9EA-55CB-8507-AD3A93995602}"/>
               </a:ext>
             </a:extLst>
@@ -27028,7 +29117,7 @@
             <a:fld id="{CE58CB1E-F828-4F11-99E0-327109AF9DA4}" type="slidenum">
               <a:rPr lang="de-DE" smtClean="0"/>
               <a:pPr/>
-              <a:t>20</a:t>
+              <a:t>21</a:t>
             </a:fld>
             <a:endParaRPr lang="de-DE"/>
           </a:p>
@@ -27219,7 +29308,7 @@
 </p:sld>
 </file>
 
-<file path=ppt/slides/slide21.xml><?xml version="1.0" encoding="utf-8"?>
+<file path=ppt/slides/slide22.xml><?xml version="1.0" encoding="utf-8"?>
 <p:sld xmlns:a="http://schemas.openxmlformats.org/drawingml/2006/main" xmlns:r="http://schemas.openxmlformats.org/officeDocument/2006/relationships" xmlns:p="http://schemas.openxmlformats.org/presentationml/2006/main">
   <p:cSld>
     <p:spTree>
@@ -27282,7 +29371,7 @@
 </p:sld>
 </file>
 
-<file path=ppt/slides/slide22.xml><?xml version="1.0" encoding="utf-8"?>
+<file path=ppt/slides/slide23.xml><?xml version="1.0" encoding="utf-8"?>
 <p:sld xmlns:a="http://schemas.openxmlformats.org/drawingml/2006/main" xmlns:r="http://schemas.openxmlformats.org/officeDocument/2006/relationships" xmlns:p="http://schemas.openxmlformats.org/presentationml/2006/main">
   <p:cSld>
     <p:spTree>
@@ -27374,314 +29463,6 @@
             <a:r>
               <a:rPr lang="en-GB" dirty="0"/>
               <a:t>Critical Components in RL</a:t>
-            </a:r>
-          </a:p>
-        </p:txBody>
-      </p:sp>
-      <p:sp>
-        <p:nvSpPr>
-          <p:cNvPr id="4" name="Slide Number Placeholder 3">
-            <a:extLst>
-              <a:ext uri="{FF2B5EF4-FFF2-40B4-BE49-F238E27FC236}">
-                <a16:creationId xmlns:a16="http://schemas.microsoft.com/office/drawing/2014/main" id="{72D8B1F9-D91A-D57A-9DA1-037B38FF2C3C}"/>
-              </a:ext>
-            </a:extLst>
-          </p:cNvPr>
-          <p:cNvSpPr>
-            <a:spLocks noGrp="1"/>
-          </p:cNvSpPr>
-          <p:nvPr>
-            <p:ph type="sldNum" sz="quarter" idx="11"/>
-          </p:nvPr>
-        </p:nvSpPr>
-        <p:spPr/>
-        <p:txBody>
-          <a:bodyPr/>
-          <a:lstStyle/>
-          <a:p>
-            <a:fld id="{CE58CB1E-F828-4F11-99E0-327109AF9DA4}" type="slidenum">
-              <a:rPr lang="de-DE" smtClean="0"/>
-              <a:pPr/>
-              <a:t>22</a:t>
-            </a:fld>
-            <a:endParaRPr lang="de-DE"/>
-          </a:p>
-        </p:txBody>
-      </p:sp>
-      <p:sp>
-        <p:nvSpPr>
-          <p:cNvPr id="6" name="Fußzeilenplatzhalter 4">
-            <a:extLst>
-              <a:ext uri="{FF2B5EF4-FFF2-40B4-BE49-F238E27FC236}">
-                <a16:creationId xmlns:a16="http://schemas.microsoft.com/office/drawing/2014/main" id="{9B4DF47D-2ED0-EAD2-B1B0-96A4301B23FE}"/>
-              </a:ext>
-            </a:extLst>
-          </p:cNvPr>
-          <p:cNvSpPr txBox="1">
-            <a:spLocks/>
-          </p:cNvSpPr>
-          <p:nvPr/>
-        </p:nvSpPr>
-        <p:spPr>
-          <a:xfrm>
-            <a:off x="311162" y="4854985"/>
-            <a:ext cx="7795890" cy="273844"/>
-          </a:xfrm>
-          <a:prstGeom prst="rect">
-            <a:avLst/>
-          </a:prstGeom>
-        </p:spPr>
-        <p:txBody>
-          <a:bodyPr/>
-          <a:lstStyle>
-            <a:defPPr>
-              <a:defRPr lang="de-DE"/>
-            </a:defPPr>
-            <a:lvl1pPr algn="l" rtl="0" fontAlgn="base">
-              <a:spcBef>
-                <a:spcPct val="0"/>
-              </a:spcBef>
-              <a:spcAft>
-                <a:spcPct val="0"/>
-              </a:spcAft>
-              <a:defRPr kern="1200">
-                <a:solidFill>
-                  <a:schemeClr val="tx1"/>
-                </a:solidFill>
-                <a:latin typeface="Arial" charset="0"/>
-                <a:ea typeface="+mn-ea"/>
-                <a:cs typeface="Arial" charset="0"/>
-              </a:defRPr>
-            </a:lvl1pPr>
-            <a:lvl2pPr marL="457200" algn="l" rtl="0" fontAlgn="base">
-              <a:spcBef>
-                <a:spcPct val="0"/>
-              </a:spcBef>
-              <a:spcAft>
-                <a:spcPct val="0"/>
-              </a:spcAft>
-              <a:defRPr kern="1200">
-                <a:solidFill>
-                  <a:schemeClr val="tx1"/>
-                </a:solidFill>
-                <a:latin typeface="Arial" charset="0"/>
-                <a:ea typeface="+mn-ea"/>
-                <a:cs typeface="Arial" charset="0"/>
-              </a:defRPr>
-            </a:lvl2pPr>
-            <a:lvl3pPr marL="914400" algn="l" rtl="0" fontAlgn="base">
-              <a:spcBef>
-                <a:spcPct val="0"/>
-              </a:spcBef>
-              <a:spcAft>
-                <a:spcPct val="0"/>
-              </a:spcAft>
-              <a:defRPr kern="1200">
-                <a:solidFill>
-                  <a:schemeClr val="tx1"/>
-                </a:solidFill>
-                <a:latin typeface="Arial" charset="0"/>
-                <a:ea typeface="+mn-ea"/>
-                <a:cs typeface="Arial" charset="0"/>
-              </a:defRPr>
-            </a:lvl3pPr>
-            <a:lvl4pPr marL="1371600" algn="l" rtl="0" fontAlgn="base">
-              <a:spcBef>
-                <a:spcPct val="0"/>
-              </a:spcBef>
-              <a:spcAft>
-                <a:spcPct val="0"/>
-              </a:spcAft>
-              <a:defRPr kern="1200">
-                <a:solidFill>
-                  <a:schemeClr val="tx1"/>
-                </a:solidFill>
-                <a:latin typeface="Arial" charset="0"/>
-                <a:ea typeface="+mn-ea"/>
-                <a:cs typeface="Arial" charset="0"/>
-              </a:defRPr>
-            </a:lvl4pPr>
-            <a:lvl5pPr marL="1828800" algn="l" rtl="0" fontAlgn="base">
-              <a:spcBef>
-                <a:spcPct val="0"/>
-              </a:spcBef>
-              <a:spcAft>
-                <a:spcPct val="0"/>
-              </a:spcAft>
-              <a:defRPr kern="1200">
-                <a:solidFill>
-                  <a:schemeClr val="tx1"/>
-                </a:solidFill>
-                <a:latin typeface="Arial" charset="0"/>
-                <a:ea typeface="+mn-ea"/>
-                <a:cs typeface="Arial" charset="0"/>
-              </a:defRPr>
-            </a:lvl5pPr>
-            <a:lvl6pPr marL="2286000" algn="l" defTabSz="914400" rtl="0" eaLnBrk="1" latinLnBrk="0" hangingPunct="1">
-              <a:defRPr kern="1200">
-                <a:solidFill>
-                  <a:schemeClr val="tx1"/>
-                </a:solidFill>
-                <a:latin typeface="Arial" charset="0"/>
-                <a:ea typeface="+mn-ea"/>
-                <a:cs typeface="Arial" charset="0"/>
-              </a:defRPr>
-            </a:lvl6pPr>
-            <a:lvl7pPr marL="2743200" algn="l" defTabSz="914400" rtl="0" eaLnBrk="1" latinLnBrk="0" hangingPunct="1">
-              <a:defRPr kern="1200">
-                <a:solidFill>
-                  <a:schemeClr val="tx1"/>
-                </a:solidFill>
-                <a:latin typeface="Arial" charset="0"/>
-                <a:ea typeface="+mn-ea"/>
-                <a:cs typeface="Arial" charset="0"/>
-              </a:defRPr>
-            </a:lvl7pPr>
-            <a:lvl8pPr marL="3200400" algn="l" defTabSz="914400" rtl="0" eaLnBrk="1" latinLnBrk="0" hangingPunct="1">
-              <a:defRPr kern="1200">
-                <a:solidFill>
-                  <a:schemeClr val="tx1"/>
-                </a:solidFill>
-                <a:latin typeface="Arial" charset="0"/>
-                <a:ea typeface="+mn-ea"/>
-                <a:cs typeface="Arial" charset="0"/>
-              </a:defRPr>
-            </a:lvl8pPr>
-            <a:lvl9pPr marL="3657600" algn="l" defTabSz="914400" rtl="0" eaLnBrk="1" latinLnBrk="0" hangingPunct="1">
-              <a:defRPr kern="1200">
-                <a:solidFill>
-                  <a:schemeClr val="tx1"/>
-                </a:solidFill>
-                <a:latin typeface="Arial" charset="0"/>
-                <a:ea typeface="+mn-ea"/>
-                <a:cs typeface="Arial" charset="0"/>
-              </a:defRPr>
-            </a:lvl9pPr>
-          </a:lstStyle>
-          <a:p>
-            <a:r>
-              <a:rPr lang="en-US" sz="1100" dirty="0">
-                <a:latin typeface="Arial"/>
-                <a:cs typeface="Arial"/>
-              </a:rPr>
-              <a:t>Chia-Ling Yang | </a:t>
-            </a:r>
-            <a:r>
-              <a:rPr lang="en-GB" sz="1100" b="0" i="0" u="none" strike="noStrike" dirty="0">
-                <a:effectLst/>
-                <a:latin typeface="Arial" panose="020B0604020202020204" pitchFamily="34" charset="0"/>
-              </a:rPr>
-              <a:t>Exploring Reinforcement Learning Solutions for EV-aware Optimal Power Flow Under Uncertainty</a:t>
-            </a:r>
-            <a:endParaRPr lang="en-US" sz="1100" dirty="0">
-              <a:latin typeface="Arial"/>
-              <a:cs typeface="Arial"/>
-            </a:endParaRPr>
-          </a:p>
-        </p:txBody>
-      </p:sp>
-    </p:spTree>
-    <p:extLst>
-      <p:ext uri="{BB962C8B-B14F-4D97-AF65-F5344CB8AC3E}">
-        <p14:creationId xmlns:p14="http://schemas.microsoft.com/office/powerpoint/2010/main" val="457143516"/>
-      </p:ext>
-    </p:extLst>
-  </p:cSld>
-  <p:clrMapOvr>
-    <a:masterClrMapping/>
-  </p:clrMapOvr>
-</p:sld>
-</file>
-
-<file path=ppt/slides/slide23.xml><?xml version="1.0" encoding="utf-8"?>
-<p:sld xmlns:a="http://schemas.openxmlformats.org/drawingml/2006/main" xmlns:r="http://schemas.openxmlformats.org/officeDocument/2006/relationships" xmlns:p="http://schemas.openxmlformats.org/presentationml/2006/main">
-  <p:cSld>
-    <p:spTree>
-      <p:nvGrpSpPr>
-        <p:cNvPr id="1" name=""/>
-        <p:cNvGrpSpPr/>
-        <p:nvPr/>
-      </p:nvGrpSpPr>
-      <p:grpSpPr>
-        <a:xfrm>
-          <a:off x="0" y="0"/>
-          <a:ext cx="0" cy="0"/>
-          <a:chOff x="0" y="0"/>
-          <a:chExt cx="0" cy="0"/>
-        </a:xfrm>
-      </p:grpSpPr>
-      <p:sp>
-        <p:nvSpPr>
-          <p:cNvPr id="2" name="Content Placeholder 1">
-            <a:extLst>
-              <a:ext uri="{FF2B5EF4-FFF2-40B4-BE49-F238E27FC236}">
-                <a16:creationId xmlns:a16="http://schemas.microsoft.com/office/drawing/2014/main" id="{1CD2F961-05C2-522B-39A1-74AEFCB64A51}"/>
-              </a:ext>
-            </a:extLst>
-          </p:cNvPr>
-          <p:cNvSpPr>
-            <a:spLocks noGrp="1"/>
-          </p:cNvSpPr>
-          <p:nvPr>
-            <p:ph idx="1"/>
-          </p:nvPr>
-        </p:nvSpPr>
-        <p:spPr/>
-        <p:txBody>
-          <a:bodyPr/>
-          <a:lstStyle/>
-          <a:p>
-            <a:r>
-              <a:rPr lang="en-GB" dirty="0"/>
-              <a:t>Renewable power generation</a:t>
-            </a:r>
-          </a:p>
-          <a:p>
-            <a:r>
-              <a:rPr lang="en-GB" dirty="0"/>
-              <a:t>Power consumption</a:t>
-            </a:r>
-          </a:p>
-          <a:p>
-            <a:r>
-              <a:rPr lang="en-GB" dirty="0"/>
-              <a:t>Charging/discharging demands</a:t>
-            </a:r>
-          </a:p>
-          <a:p>
-            <a:endParaRPr lang="en-GB" dirty="0"/>
-          </a:p>
-        </p:txBody>
-      </p:sp>
-      <p:sp>
-        <p:nvSpPr>
-          <p:cNvPr id="3" name="Title 2">
-            <a:extLst>
-              <a:ext uri="{FF2B5EF4-FFF2-40B4-BE49-F238E27FC236}">
-                <a16:creationId xmlns:a16="http://schemas.microsoft.com/office/drawing/2014/main" id="{330A6640-DCB1-B2DE-7DF0-B33552471931}"/>
-              </a:ext>
-            </a:extLst>
-          </p:cNvPr>
-          <p:cNvSpPr>
-            <a:spLocks noGrp="1"/>
-          </p:cNvSpPr>
-          <p:nvPr>
-            <p:ph type="title"/>
-          </p:nvPr>
-        </p:nvSpPr>
-        <p:spPr>
-          <a:xfrm>
-            <a:off x="319090" y="972000"/>
-            <a:ext cx="8508999" cy="380745"/>
-          </a:xfrm>
-        </p:spPr>
-        <p:txBody>
-          <a:bodyPr/>
-          <a:lstStyle/>
-          <a:p>
-            <a:r>
-              <a:rPr lang="en-GB" dirty="0"/>
-              <a:t>Uncertainty</a:t>
             </a:r>
           </a:p>
         </p:txBody>
@@ -27891,7 +29672,7 @@
     </p:spTree>
     <p:extLst>
       <p:ext uri="{BB962C8B-B14F-4D97-AF65-F5344CB8AC3E}">
-        <p14:creationId xmlns:p14="http://schemas.microsoft.com/office/powerpoint/2010/main" val="3860156319"/>
+        <p14:creationId xmlns:p14="http://schemas.microsoft.com/office/powerpoint/2010/main" val="457143516"/>
       </p:ext>
     </p:extLst>
   </p:cSld>
@@ -27939,6 +29720,24 @@
           <a:bodyPr/>
           <a:lstStyle/>
           <a:p>
+            <a:r>
+              <a:rPr lang="en-GB" dirty="0"/>
+              <a:t>Renewable power generation</a:t>
+            </a:r>
+          </a:p>
+          <a:p>
+            <a:r>
+              <a:rPr lang="en-GB" dirty="0"/>
+              <a:t>Power consumption</a:t>
+            </a:r>
+          </a:p>
+          <a:p>
+            <a:r>
+              <a:rPr lang="en-GB" dirty="0"/>
+              <a:t>Charging/discharging demands</a:t>
+            </a:r>
+          </a:p>
+          <a:p>
             <a:endParaRPr lang="en-GB" dirty="0"/>
           </a:p>
         </p:txBody>
@@ -27971,7 +29770,7 @@
           <a:p>
             <a:r>
               <a:rPr lang="en-GB" dirty="0"/>
-              <a:t>Assumptions</a:t>
+              <a:t>Uncertainty</a:t>
             </a:r>
           </a:p>
         </p:txBody>
@@ -28181,7 +29980,7 @@
     </p:spTree>
     <p:extLst>
       <p:ext uri="{BB962C8B-B14F-4D97-AF65-F5344CB8AC3E}">
-        <p14:creationId xmlns:p14="http://schemas.microsoft.com/office/powerpoint/2010/main" val="3509784463"/>
+        <p14:creationId xmlns:p14="http://schemas.microsoft.com/office/powerpoint/2010/main" val="3860156319"/>
       </p:ext>
     </p:extLst>
   </p:cSld>
@@ -28261,13 +30060,8 @@
           <a:p>
             <a:r>
               <a:rPr lang="en-GB" dirty="0"/>
-              <a:t>Neural Network </a:t>
+              <a:t>Assumptions</a:t>
             </a:r>
-            <a:r>
-              <a:rPr lang="en-GB" dirty="0" err="1"/>
-              <a:t>Architechture</a:t>
-            </a:r>
-            <a:endParaRPr lang="en-GB" dirty="0"/>
           </a:p>
         </p:txBody>
       </p:sp>
@@ -28476,6 +30270,301 @@
     </p:spTree>
     <p:extLst>
       <p:ext uri="{BB962C8B-B14F-4D97-AF65-F5344CB8AC3E}">
+        <p14:creationId xmlns:p14="http://schemas.microsoft.com/office/powerpoint/2010/main" val="3509784463"/>
+      </p:ext>
+    </p:extLst>
+  </p:cSld>
+  <p:clrMapOvr>
+    <a:masterClrMapping/>
+  </p:clrMapOvr>
+</p:sld>
+</file>
+
+<file path=ppt/slides/slide26.xml><?xml version="1.0" encoding="utf-8"?>
+<p:sld xmlns:a="http://schemas.openxmlformats.org/drawingml/2006/main" xmlns:r="http://schemas.openxmlformats.org/officeDocument/2006/relationships" xmlns:p="http://schemas.openxmlformats.org/presentationml/2006/main">
+  <p:cSld>
+    <p:spTree>
+      <p:nvGrpSpPr>
+        <p:cNvPr id="1" name=""/>
+        <p:cNvGrpSpPr/>
+        <p:nvPr/>
+      </p:nvGrpSpPr>
+      <p:grpSpPr>
+        <a:xfrm>
+          <a:off x="0" y="0"/>
+          <a:ext cx="0" cy="0"/>
+          <a:chOff x="0" y="0"/>
+          <a:chExt cx="0" cy="0"/>
+        </a:xfrm>
+      </p:grpSpPr>
+      <p:sp>
+        <p:nvSpPr>
+          <p:cNvPr id="2" name="Content Placeholder 1">
+            <a:extLst>
+              <a:ext uri="{FF2B5EF4-FFF2-40B4-BE49-F238E27FC236}">
+                <a16:creationId xmlns:a16="http://schemas.microsoft.com/office/drawing/2014/main" id="{1CD2F961-05C2-522B-39A1-74AEFCB64A51}"/>
+              </a:ext>
+            </a:extLst>
+          </p:cNvPr>
+          <p:cNvSpPr>
+            <a:spLocks noGrp="1"/>
+          </p:cNvSpPr>
+          <p:nvPr>
+            <p:ph idx="1"/>
+          </p:nvPr>
+        </p:nvSpPr>
+        <p:spPr/>
+        <p:txBody>
+          <a:bodyPr/>
+          <a:lstStyle/>
+          <a:p>
+            <a:endParaRPr lang="en-GB" dirty="0"/>
+          </a:p>
+        </p:txBody>
+      </p:sp>
+      <p:sp>
+        <p:nvSpPr>
+          <p:cNvPr id="3" name="Title 2">
+            <a:extLst>
+              <a:ext uri="{FF2B5EF4-FFF2-40B4-BE49-F238E27FC236}">
+                <a16:creationId xmlns:a16="http://schemas.microsoft.com/office/drawing/2014/main" id="{330A6640-DCB1-B2DE-7DF0-B33552471931}"/>
+              </a:ext>
+            </a:extLst>
+          </p:cNvPr>
+          <p:cNvSpPr>
+            <a:spLocks noGrp="1"/>
+          </p:cNvSpPr>
+          <p:nvPr>
+            <p:ph type="title"/>
+          </p:nvPr>
+        </p:nvSpPr>
+        <p:spPr>
+          <a:xfrm>
+            <a:off x="319090" y="972000"/>
+            <a:ext cx="8508999" cy="380745"/>
+          </a:xfrm>
+        </p:spPr>
+        <p:txBody>
+          <a:bodyPr/>
+          <a:lstStyle/>
+          <a:p>
+            <a:r>
+              <a:rPr lang="en-GB" dirty="0"/>
+              <a:t>Neural Network </a:t>
+            </a:r>
+            <a:r>
+              <a:rPr lang="en-GB" dirty="0" err="1"/>
+              <a:t>Architechture</a:t>
+            </a:r>
+            <a:endParaRPr lang="en-GB" dirty="0"/>
+          </a:p>
+        </p:txBody>
+      </p:sp>
+      <p:sp>
+        <p:nvSpPr>
+          <p:cNvPr id="4" name="Slide Number Placeholder 3">
+            <a:extLst>
+              <a:ext uri="{FF2B5EF4-FFF2-40B4-BE49-F238E27FC236}">
+                <a16:creationId xmlns:a16="http://schemas.microsoft.com/office/drawing/2014/main" id="{72D8B1F9-D91A-D57A-9DA1-037B38FF2C3C}"/>
+              </a:ext>
+            </a:extLst>
+          </p:cNvPr>
+          <p:cNvSpPr>
+            <a:spLocks noGrp="1"/>
+          </p:cNvSpPr>
+          <p:nvPr>
+            <p:ph type="sldNum" sz="quarter" idx="11"/>
+          </p:nvPr>
+        </p:nvSpPr>
+        <p:spPr/>
+        <p:txBody>
+          <a:bodyPr/>
+          <a:lstStyle/>
+          <a:p>
+            <a:fld id="{CE58CB1E-F828-4F11-99E0-327109AF9DA4}" type="slidenum">
+              <a:rPr lang="de-DE" smtClean="0"/>
+              <a:pPr/>
+              <a:t>26</a:t>
+            </a:fld>
+            <a:endParaRPr lang="de-DE"/>
+          </a:p>
+        </p:txBody>
+      </p:sp>
+      <p:sp>
+        <p:nvSpPr>
+          <p:cNvPr id="6" name="Fußzeilenplatzhalter 4">
+            <a:extLst>
+              <a:ext uri="{FF2B5EF4-FFF2-40B4-BE49-F238E27FC236}">
+                <a16:creationId xmlns:a16="http://schemas.microsoft.com/office/drawing/2014/main" id="{9B4DF47D-2ED0-EAD2-B1B0-96A4301B23FE}"/>
+              </a:ext>
+            </a:extLst>
+          </p:cNvPr>
+          <p:cNvSpPr txBox="1">
+            <a:spLocks/>
+          </p:cNvSpPr>
+          <p:nvPr/>
+        </p:nvSpPr>
+        <p:spPr>
+          <a:xfrm>
+            <a:off x="311162" y="4854985"/>
+            <a:ext cx="7795890" cy="273844"/>
+          </a:xfrm>
+          <a:prstGeom prst="rect">
+            <a:avLst/>
+          </a:prstGeom>
+        </p:spPr>
+        <p:txBody>
+          <a:bodyPr/>
+          <a:lstStyle>
+            <a:defPPr>
+              <a:defRPr lang="de-DE"/>
+            </a:defPPr>
+            <a:lvl1pPr algn="l" rtl="0" fontAlgn="base">
+              <a:spcBef>
+                <a:spcPct val="0"/>
+              </a:spcBef>
+              <a:spcAft>
+                <a:spcPct val="0"/>
+              </a:spcAft>
+              <a:defRPr kern="1200">
+                <a:solidFill>
+                  <a:schemeClr val="tx1"/>
+                </a:solidFill>
+                <a:latin typeface="Arial" charset="0"/>
+                <a:ea typeface="+mn-ea"/>
+                <a:cs typeface="Arial" charset="0"/>
+              </a:defRPr>
+            </a:lvl1pPr>
+            <a:lvl2pPr marL="457200" algn="l" rtl="0" fontAlgn="base">
+              <a:spcBef>
+                <a:spcPct val="0"/>
+              </a:spcBef>
+              <a:spcAft>
+                <a:spcPct val="0"/>
+              </a:spcAft>
+              <a:defRPr kern="1200">
+                <a:solidFill>
+                  <a:schemeClr val="tx1"/>
+                </a:solidFill>
+                <a:latin typeface="Arial" charset="0"/>
+                <a:ea typeface="+mn-ea"/>
+                <a:cs typeface="Arial" charset="0"/>
+              </a:defRPr>
+            </a:lvl2pPr>
+            <a:lvl3pPr marL="914400" algn="l" rtl="0" fontAlgn="base">
+              <a:spcBef>
+                <a:spcPct val="0"/>
+              </a:spcBef>
+              <a:spcAft>
+                <a:spcPct val="0"/>
+              </a:spcAft>
+              <a:defRPr kern="1200">
+                <a:solidFill>
+                  <a:schemeClr val="tx1"/>
+                </a:solidFill>
+                <a:latin typeface="Arial" charset="0"/>
+                <a:ea typeface="+mn-ea"/>
+                <a:cs typeface="Arial" charset="0"/>
+              </a:defRPr>
+            </a:lvl3pPr>
+            <a:lvl4pPr marL="1371600" algn="l" rtl="0" fontAlgn="base">
+              <a:spcBef>
+                <a:spcPct val="0"/>
+              </a:spcBef>
+              <a:spcAft>
+                <a:spcPct val="0"/>
+              </a:spcAft>
+              <a:defRPr kern="1200">
+                <a:solidFill>
+                  <a:schemeClr val="tx1"/>
+                </a:solidFill>
+                <a:latin typeface="Arial" charset="0"/>
+                <a:ea typeface="+mn-ea"/>
+                <a:cs typeface="Arial" charset="0"/>
+              </a:defRPr>
+            </a:lvl4pPr>
+            <a:lvl5pPr marL="1828800" algn="l" rtl="0" fontAlgn="base">
+              <a:spcBef>
+                <a:spcPct val="0"/>
+              </a:spcBef>
+              <a:spcAft>
+                <a:spcPct val="0"/>
+              </a:spcAft>
+              <a:defRPr kern="1200">
+                <a:solidFill>
+                  <a:schemeClr val="tx1"/>
+                </a:solidFill>
+                <a:latin typeface="Arial" charset="0"/>
+                <a:ea typeface="+mn-ea"/>
+                <a:cs typeface="Arial" charset="0"/>
+              </a:defRPr>
+            </a:lvl5pPr>
+            <a:lvl6pPr marL="2286000" algn="l" defTabSz="914400" rtl="0" eaLnBrk="1" latinLnBrk="0" hangingPunct="1">
+              <a:defRPr kern="1200">
+                <a:solidFill>
+                  <a:schemeClr val="tx1"/>
+                </a:solidFill>
+                <a:latin typeface="Arial" charset="0"/>
+                <a:ea typeface="+mn-ea"/>
+                <a:cs typeface="Arial" charset="0"/>
+              </a:defRPr>
+            </a:lvl6pPr>
+            <a:lvl7pPr marL="2743200" algn="l" defTabSz="914400" rtl="0" eaLnBrk="1" latinLnBrk="0" hangingPunct="1">
+              <a:defRPr kern="1200">
+                <a:solidFill>
+                  <a:schemeClr val="tx1"/>
+                </a:solidFill>
+                <a:latin typeface="Arial" charset="0"/>
+                <a:ea typeface="+mn-ea"/>
+                <a:cs typeface="Arial" charset="0"/>
+              </a:defRPr>
+            </a:lvl7pPr>
+            <a:lvl8pPr marL="3200400" algn="l" defTabSz="914400" rtl="0" eaLnBrk="1" latinLnBrk="0" hangingPunct="1">
+              <a:defRPr kern="1200">
+                <a:solidFill>
+                  <a:schemeClr val="tx1"/>
+                </a:solidFill>
+                <a:latin typeface="Arial" charset="0"/>
+                <a:ea typeface="+mn-ea"/>
+                <a:cs typeface="Arial" charset="0"/>
+              </a:defRPr>
+            </a:lvl8pPr>
+            <a:lvl9pPr marL="3657600" algn="l" defTabSz="914400" rtl="0" eaLnBrk="1" latinLnBrk="0" hangingPunct="1">
+              <a:defRPr kern="1200">
+                <a:solidFill>
+                  <a:schemeClr val="tx1"/>
+                </a:solidFill>
+                <a:latin typeface="Arial" charset="0"/>
+                <a:ea typeface="+mn-ea"/>
+                <a:cs typeface="Arial" charset="0"/>
+              </a:defRPr>
+            </a:lvl9pPr>
+          </a:lstStyle>
+          <a:p>
+            <a:r>
+              <a:rPr lang="en-US" sz="1100" dirty="0">
+                <a:latin typeface="Arial"/>
+                <a:cs typeface="Arial"/>
+              </a:rPr>
+              <a:t>Chia-Ling Yang | </a:t>
+            </a:r>
+            <a:r>
+              <a:rPr lang="en-GB" sz="1100" b="0" i="0" u="none" strike="noStrike" dirty="0">
+                <a:effectLst/>
+                <a:latin typeface="Arial" panose="020B0604020202020204" pitchFamily="34" charset="0"/>
+              </a:rPr>
+              <a:t>Exploring Reinforcement Learning Solutions for EV-aware Optimal Power Flow Under Uncertainty</a:t>
+            </a:r>
+            <a:endParaRPr lang="en-US" sz="1100" dirty="0">
+              <a:latin typeface="Arial"/>
+              <a:cs typeface="Arial"/>
+            </a:endParaRPr>
+          </a:p>
+        </p:txBody>
+      </p:sp>
+    </p:spTree>
+    <p:extLst>
+      <p:ext uri="{BB962C8B-B14F-4D97-AF65-F5344CB8AC3E}">
         <p14:creationId xmlns:p14="http://schemas.microsoft.com/office/powerpoint/2010/main" val="471611025"/>
       </p:ext>
     </p:extLst>
@@ -28486,7 +30575,7 @@
 </p:sld>
 </file>
 
-<file path=ppt/slides/slide26.xml><?xml version="1.0" encoding="utf-8"?>
+<file path=ppt/slides/slide27.xml><?xml version="1.0" encoding="utf-8"?>
 <p:sld xmlns:a="http://schemas.openxmlformats.org/drawingml/2006/main" xmlns:r="http://schemas.openxmlformats.org/officeDocument/2006/relationships" xmlns:p="http://schemas.openxmlformats.org/presentationml/2006/main">
   <p:cSld>
     <p:spTree>
@@ -28585,7 +30674,7 @@
             <a:fld id="{CE58CB1E-F828-4F11-99E0-327109AF9DA4}" type="slidenum">
               <a:rPr lang="de-DE" smtClean="0"/>
               <a:pPr/>
-              <a:t>26</a:t>
+              <a:t>27</a:t>
             </a:fld>
             <a:endParaRPr lang="de-DE"/>
           </a:p>
@@ -30306,7 +32395,7 @@
               <a:rPr lang="en-GB" sz="1600" dirty="0">
                 <a:latin typeface="+mn-lt"/>
               </a:rPr>
-              <a:t>Energy Efficiency Enhancement</a:t>
+              <a:t>(Energy Efficiency Enhancement)</a:t>
             </a:r>
           </a:p>
         </p:txBody>
@@ -31204,7 +33293,7 @@
         <p:spPr>
           <a:xfrm>
             <a:off x="5436328" y="3659510"/>
-            <a:ext cx="3157979" cy="257250"/>
+            <a:ext cx="3157979" cy="537968"/>
           </a:xfrm>
           <a:prstGeom prst="rect">
             <a:avLst/>
@@ -31227,6 +33316,19 @@
                 <a:latin typeface="+mn-lt"/>
               </a:rPr>
               <a:t>Increasing EV Charging Demand</a:t>
+            </a:r>
+          </a:p>
+          <a:p>
+            <a:pPr>
+              <a:lnSpc>
+                <a:spcPct val="114000"/>
+              </a:lnSpc>
+            </a:pPr>
+            <a:r>
+              <a:rPr lang="en-GB" sz="1600" dirty="0">
+                <a:latin typeface="+mn-lt"/>
+              </a:rPr>
+              <a:t>Especially fast charging</a:t>
             </a:r>
           </a:p>
         </p:txBody>
@@ -31366,10 +33468,7 @@
           <a:bodyPr/>
           <a:lstStyle/>
           <a:p>
-            <a:r>
-              <a:rPr lang="en-GB" dirty="0"/>
-              <a:t>Who cares about the problem? Why is the problem important for them?</a:t>
-            </a:r>
+            <a:endParaRPr lang="en-GB" dirty="0"/>
           </a:p>
         </p:txBody>
       </p:sp>
@@ -31389,12 +33488,20 @@
             <p:ph type="title"/>
           </p:nvPr>
         </p:nvSpPr>
-        <p:spPr/>
+        <p:spPr>
+          <a:xfrm>
+            <a:off x="319090" y="972000"/>
+            <a:ext cx="8508999" cy="381195"/>
+          </a:xfrm>
+        </p:spPr>
         <p:txBody>
           <a:bodyPr/>
           <a:lstStyle/>
           <a:p>
-            <a:endParaRPr lang="en-GB" dirty="0"/>
+            <a:r>
+              <a:rPr lang="en-GB" dirty="0"/>
+              <a:t>Optimal Power Flow</a:t>
+            </a:r>
           </a:p>
         </p:txBody>
       </p:sp>
@@ -31641,7 +33748,7 @@
               <a:avLst/>
             </a:prstGeom>
             <a:solidFill>
-              <a:srgbClr val="0070C0"/>
+              <a:srgbClr val="F2F2F2"/>
             </a:solidFill>
             <a:ln w="9525" cap="flat" cmpd="sng" algn="ctr">
               <a:noFill/>
@@ -31714,9 +33821,7 @@
               <a:avLst/>
             </a:prstGeom>
             <a:solidFill>
-              <a:schemeClr val="bg1">
-                <a:lumMod val="95000"/>
-              </a:schemeClr>
+              <a:srgbClr val="0065BD"/>
             </a:solidFill>
             <a:ln w="9525" cap="flat" cmpd="sng" algn="ctr">
               <a:noFill/>
@@ -32045,6 +34150,688 @@
           <a:bodyPr/>
           <a:lstStyle/>
           <a:p>
+            <a:endParaRPr lang="en-GB" dirty="0"/>
+          </a:p>
+        </p:txBody>
+      </p:sp>
+      <p:sp>
+        <p:nvSpPr>
+          <p:cNvPr id="3" name="Title 2">
+            <a:extLst>
+              <a:ext uri="{FF2B5EF4-FFF2-40B4-BE49-F238E27FC236}">
+                <a16:creationId xmlns:a16="http://schemas.microsoft.com/office/drawing/2014/main" id="{2205F221-DD06-3596-C330-06FF75A51F0E}"/>
+              </a:ext>
+            </a:extLst>
+          </p:cNvPr>
+          <p:cNvSpPr>
+            <a:spLocks noGrp="1"/>
+          </p:cNvSpPr>
+          <p:nvPr>
+            <p:ph type="title"/>
+          </p:nvPr>
+        </p:nvSpPr>
+        <p:spPr>
+          <a:xfrm>
+            <a:off x="319090" y="972000"/>
+            <a:ext cx="8508999" cy="381195"/>
+          </a:xfrm>
+        </p:spPr>
+        <p:txBody>
+          <a:bodyPr/>
+          <a:lstStyle/>
+          <a:p>
+            <a:r>
+              <a:rPr lang="en-GB" dirty="0"/>
+              <a:t>Optimal Power Flow</a:t>
+            </a:r>
+          </a:p>
+        </p:txBody>
+      </p:sp>
+      <p:sp>
+        <p:nvSpPr>
+          <p:cNvPr id="4" name="Slide Number Placeholder 3">
+            <a:extLst>
+              <a:ext uri="{FF2B5EF4-FFF2-40B4-BE49-F238E27FC236}">
+                <a16:creationId xmlns:a16="http://schemas.microsoft.com/office/drawing/2014/main" id="{8ADBAD59-86BD-1963-3290-00F9E48F5A99}"/>
+              </a:ext>
+            </a:extLst>
+          </p:cNvPr>
+          <p:cNvSpPr>
+            <a:spLocks noGrp="1"/>
+          </p:cNvSpPr>
+          <p:nvPr>
+            <p:ph type="sldNum" sz="quarter" idx="11"/>
+          </p:nvPr>
+        </p:nvSpPr>
+        <p:spPr/>
+        <p:txBody>
+          <a:bodyPr/>
+          <a:lstStyle/>
+          <a:p>
+            <a:fld id="{CE58CB1E-F828-4F11-99E0-327109AF9DA4}" type="slidenum">
+              <a:rPr lang="de-DE" smtClean="0"/>
+              <a:pPr/>
+              <a:t>8</a:t>
+            </a:fld>
+            <a:endParaRPr lang="de-DE"/>
+          </a:p>
+        </p:txBody>
+      </p:sp>
+      <p:sp>
+        <p:nvSpPr>
+          <p:cNvPr id="6" name="Fußzeilenplatzhalter 4">
+            <a:extLst>
+              <a:ext uri="{FF2B5EF4-FFF2-40B4-BE49-F238E27FC236}">
+                <a16:creationId xmlns:a16="http://schemas.microsoft.com/office/drawing/2014/main" id="{BEAD0A3D-D1CA-F119-EBDD-E65080E09F1C}"/>
+              </a:ext>
+            </a:extLst>
+          </p:cNvPr>
+          <p:cNvSpPr txBox="1">
+            <a:spLocks/>
+          </p:cNvSpPr>
+          <p:nvPr/>
+        </p:nvSpPr>
+        <p:spPr>
+          <a:xfrm>
+            <a:off x="311162" y="4854985"/>
+            <a:ext cx="7795890" cy="273844"/>
+          </a:xfrm>
+          <a:prstGeom prst="rect">
+            <a:avLst/>
+          </a:prstGeom>
+        </p:spPr>
+        <p:txBody>
+          <a:bodyPr/>
+          <a:lstStyle>
+            <a:defPPr>
+              <a:defRPr lang="de-DE"/>
+            </a:defPPr>
+            <a:lvl1pPr algn="l" rtl="0" fontAlgn="base">
+              <a:spcBef>
+                <a:spcPct val="0"/>
+              </a:spcBef>
+              <a:spcAft>
+                <a:spcPct val="0"/>
+              </a:spcAft>
+              <a:defRPr kern="1200">
+                <a:solidFill>
+                  <a:schemeClr val="tx1"/>
+                </a:solidFill>
+                <a:latin typeface="Arial" charset="0"/>
+                <a:ea typeface="+mn-ea"/>
+                <a:cs typeface="Arial" charset="0"/>
+              </a:defRPr>
+            </a:lvl1pPr>
+            <a:lvl2pPr marL="457200" algn="l" rtl="0" fontAlgn="base">
+              <a:spcBef>
+                <a:spcPct val="0"/>
+              </a:spcBef>
+              <a:spcAft>
+                <a:spcPct val="0"/>
+              </a:spcAft>
+              <a:defRPr kern="1200">
+                <a:solidFill>
+                  <a:schemeClr val="tx1"/>
+                </a:solidFill>
+                <a:latin typeface="Arial" charset="0"/>
+                <a:ea typeface="+mn-ea"/>
+                <a:cs typeface="Arial" charset="0"/>
+              </a:defRPr>
+            </a:lvl2pPr>
+            <a:lvl3pPr marL="914400" algn="l" rtl="0" fontAlgn="base">
+              <a:spcBef>
+                <a:spcPct val="0"/>
+              </a:spcBef>
+              <a:spcAft>
+                <a:spcPct val="0"/>
+              </a:spcAft>
+              <a:defRPr kern="1200">
+                <a:solidFill>
+                  <a:schemeClr val="tx1"/>
+                </a:solidFill>
+                <a:latin typeface="Arial" charset="0"/>
+                <a:ea typeface="+mn-ea"/>
+                <a:cs typeface="Arial" charset="0"/>
+              </a:defRPr>
+            </a:lvl3pPr>
+            <a:lvl4pPr marL="1371600" algn="l" rtl="0" fontAlgn="base">
+              <a:spcBef>
+                <a:spcPct val="0"/>
+              </a:spcBef>
+              <a:spcAft>
+                <a:spcPct val="0"/>
+              </a:spcAft>
+              <a:defRPr kern="1200">
+                <a:solidFill>
+                  <a:schemeClr val="tx1"/>
+                </a:solidFill>
+                <a:latin typeface="Arial" charset="0"/>
+                <a:ea typeface="+mn-ea"/>
+                <a:cs typeface="Arial" charset="0"/>
+              </a:defRPr>
+            </a:lvl4pPr>
+            <a:lvl5pPr marL="1828800" algn="l" rtl="0" fontAlgn="base">
+              <a:spcBef>
+                <a:spcPct val="0"/>
+              </a:spcBef>
+              <a:spcAft>
+                <a:spcPct val="0"/>
+              </a:spcAft>
+              <a:defRPr kern="1200">
+                <a:solidFill>
+                  <a:schemeClr val="tx1"/>
+                </a:solidFill>
+                <a:latin typeface="Arial" charset="0"/>
+                <a:ea typeface="+mn-ea"/>
+                <a:cs typeface="Arial" charset="0"/>
+              </a:defRPr>
+            </a:lvl5pPr>
+            <a:lvl6pPr marL="2286000" algn="l" defTabSz="914400" rtl="0" eaLnBrk="1" latinLnBrk="0" hangingPunct="1">
+              <a:defRPr kern="1200">
+                <a:solidFill>
+                  <a:schemeClr val="tx1"/>
+                </a:solidFill>
+                <a:latin typeface="Arial" charset="0"/>
+                <a:ea typeface="+mn-ea"/>
+                <a:cs typeface="Arial" charset="0"/>
+              </a:defRPr>
+            </a:lvl6pPr>
+            <a:lvl7pPr marL="2743200" algn="l" defTabSz="914400" rtl="0" eaLnBrk="1" latinLnBrk="0" hangingPunct="1">
+              <a:defRPr kern="1200">
+                <a:solidFill>
+                  <a:schemeClr val="tx1"/>
+                </a:solidFill>
+                <a:latin typeface="Arial" charset="0"/>
+                <a:ea typeface="+mn-ea"/>
+                <a:cs typeface="Arial" charset="0"/>
+              </a:defRPr>
+            </a:lvl7pPr>
+            <a:lvl8pPr marL="3200400" algn="l" defTabSz="914400" rtl="0" eaLnBrk="1" latinLnBrk="0" hangingPunct="1">
+              <a:defRPr kern="1200">
+                <a:solidFill>
+                  <a:schemeClr val="tx1"/>
+                </a:solidFill>
+                <a:latin typeface="Arial" charset="0"/>
+                <a:ea typeface="+mn-ea"/>
+                <a:cs typeface="Arial" charset="0"/>
+              </a:defRPr>
+            </a:lvl8pPr>
+            <a:lvl9pPr marL="3657600" algn="l" defTabSz="914400" rtl="0" eaLnBrk="1" latinLnBrk="0" hangingPunct="1">
+              <a:defRPr kern="1200">
+                <a:solidFill>
+                  <a:schemeClr val="tx1"/>
+                </a:solidFill>
+                <a:latin typeface="Arial" charset="0"/>
+                <a:ea typeface="+mn-ea"/>
+                <a:cs typeface="Arial" charset="0"/>
+              </a:defRPr>
+            </a:lvl9pPr>
+          </a:lstStyle>
+          <a:p>
+            <a:r>
+              <a:rPr lang="en-US" sz="1100" dirty="0">
+                <a:latin typeface="Arial"/>
+                <a:cs typeface="Arial"/>
+              </a:rPr>
+              <a:t>Chia-Ling Yang | </a:t>
+            </a:r>
+            <a:r>
+              <a:rPr lang="en-GB" sz="1100" b="0" i="0" u="none" strike="noStrike" dirty="0">
+                <a:effectLst/>
+                <a:latin typeface="Arial" panose="020B0604020202020204" pitchFamily="34" charset="0"/>
+              </a:rPr>
+              <a:t>Exploring Reinforcement Learning Solutions for EV-aware Optimal Power Flow Under Uncertainty</a:t>
+            </a:r>
+            <a:endParaRPr lang="en-US" sz="1100" dirty="0">
+              <a:latin typeface="Arial"/>
+              <a:cs typeface="Arial"/>
+            </a:endParaRPr>
+          </a:p>
+        </p:txBody>
+      </p:sp>
+      <p:grpSp>
+        <p:nvGrpSpPr>
+          <p:cNvPr id="11" name="Group 10">
+            <a:extLst>
+              <a:ext uri="{FF2B5EF4-FFF2-40B4-BE49-F238E27FC236}">
+                <a16:creationId xmlns:a16="http://schemas.microsoft.com/office/drawing/2014/main" id="{69F25379-2398-F1ED-3376-C18C0A9C51D8}"/>
+              </a:ext>
+            </a:extLst>
+          </p:cNvPr>
+          <p:cNvGrpSpPr/>
+          <p:nvPr/>
+        </p:nvGrpSpPr>
+        <p:grpSpPr>
+          <a:xfrm>
+            <a:off x="0" y="195135"/>
+            <a:ext cx="7256727" cy="426446"/>
+            <a:chOff x="0" y="195135"/>
+            <a:chExt cx="7256727" cy="426446"/>
+          </a:xfrm>
+        </p:grpSpPr>
+        <p:sp>
+          <p:nvSpPr>
+            <p:cNvPr id="5" name="Pentagon 19">
+              <a:extLst>
+                <a:ext uri="{FF2B5EF4-FFF2-40B4-BE49-F238E27FC236}">
+                  <a16:creationId xmlns:a16="http://schemas.microsoft.com/office/drawing/2014/main" id="{328A0AF8-6A67-556F-5C87-15545E5DBFF8}"/>
+                </a:ext>
+              </a:extLst>
+            </p:cNvPr>
+            <p:cNvSpPr/>
+            <p:nvPr/>
+          </p:nvSpPr>
+          <p:spPr bwMode="auto">
+            <a:xfrm>
+              <a:off x="0" y="195135"/>
+              <a:ext cx="1655556" cy="426446"/>
+            </a:xfrm>
+            <a:prstGeom prst="homePlate">
+              <a:avLst/>
+            </a:prstGeom>
+            <a:solidFill>
+              <a:srgbClr val="F2F2F2"/>
+            </a:solidFill>
+            <a:ln w="9525" cap="flat" cmpd="sng" algn="ctr">
+              <a:noFill/>
+              <a:prstDash val="solid"/>
+              <a:round/>
+              <a:headEnd type="none" w="med" len="med"/>
+              <a:tailEnd type="none" w="med" len="med"/>
+            </a:ln>
+            <a:effectLst/>
+          </p:spPr>
+          <p:txBody>
+            <a:bodyPr rot="0" spcFirstLastPara="0" vertOverflow="overflow" horzOverflow="overflow" vert="horz" wrap="square" lIns="91440" tIns="45720" rIns="91440" bIns="45720" numCol="1" spcCol="0" rtlCol="0" fromWordArt="0" anchor="ctr" anchorCtr="0" forceAA="0" compatLnSpc="1">
+              <a:prstTxWarp prst="textNoShape">
+                <a:avLst/>
+              </a:prstTxWarp>
+              <a:noAutofit/>
+            </a:bodyPr>
+            <a:lstStyle/>
+            <a:p>
+              <a:pPr marL="0" marR="0" indent="0" algn="ctr" defTabSz="914400" rtl="0" eaLnBrk="0" fontAlgn="base" latinLnBrk="0" hangingPunct="0">
+                <a:lnSpc>
+                  <a:spcPct val="100000"/>
+                </a:lnSpc>
+                <a:spcBef>
+                  <a:spcPct val="0"/>
+                </a:spcBef>
+                <a:spcAft>
+                  <a:spcPct val="0"/>
+                </a:spcAft>
+                <a:buClrTx/>
+                <a:buSzTx/>
+                <a:buFontTx/>
+                <a:buNone/>
+                <a:tabLst/>
+              </a:pPr>
+              <a:r>
+                <a:rPr kumimoji="0" lang="en-GB" sz="1400" b="0" i="0" u="none" strike="noStrike" cap="none" normalizeH="0" baseline="0" dirty="0">
+                  <a:ln>
+                    <a:noFill/>
+                  </a:ln>
+                  <a:solidFill>
+                    <a:schemeClr val="bg1"/>
+                  </a:solidFill>
+                  <a:effectLst/>
+                  <a:latin typeface="Helvetica Neue" charset="0"/>
+                </a:rPr>
+                <a:t>Background</a:t>
+              </a:r>
+            </a:p>
+          </p:txBody>
+        </p:sp>
+        <p:sp>
+          <p:nvSpPr>
+            <p:cNvPr id="7" name="Chevron 21">
+              <a:extLst>
+                <a:ext uri="{FF2B5EF4-FFF2-40B4-BE49-F238E27FC236}">
+                  <a16:creationId xmlns:a16="http://schemas.microsoft.com/office/drawing/2014/main" id="{E3E5F189-7340-7F7E-50D9-3CC83AEF686E}"/>
+                </a:ext>
+              </a:extLst>
+            </p:cNvPr>
+            <p:cNvSpPr/>
+            <p:nvPr/>
+          </p:nvSpPr>
+          <p:spPr bwMode="auto">
+            <a:xfrm>
+              <a:off x="1352574" y="195135"/>
+              <a:ext cx="1655556" cy="426446"/>
+            </a:xfrm>
+            <a:prstGeom prst="chevron">
+              <a:avLst/>
+            </a:prstGeom>
+            <a:solidFill>
+              <a:srgbClr val="0065BD"/>
+            </a:solidFill>
+            <a:ln w="9525" cap="flat" cmpd="sng" algn="ctr">
+              <a:noFill/>
+              <a:prstDash val="solid"/>
+              <a:round/>
+              <a:headEnd type="none" w="med" len="med"/>
+              <a:tailEnd type="none" w="med" len="med"/>
+            </a:ln>
+            <a:effectLst/>
+          </p:spPr>
+          <p:txBody>
+            <a:bodyPr rot="0" spcFirstLastPara="0" vertOverflow="overflow" horzOverflow="overflow" vert="horz" wrap="square" lIns="91440" tIns="45720" rIns="91440" bIns="45720" numCol="1" spcCol="0" rtlCol="0" fromWordArt="0" anchor="ctr" anchorCtr="0" forceAA="0" compatLnSpc="1">
+              <a:prstTxWarp prst="textNoShape">
+                <a:avLst/>
+              </a:prstTxWarp>
+              <a:noAutofit/>
+            </a:bodyPr>
+            <a:lstStyle/>
+            <a:p>
+              <a:pPr marL="0" marR="0" indent="0" algn="ctr" defTabSz="914400" rtl="0" eaLnBrk="0" fontAlgn="base" latinLnBrk="0" hangingPunct="0">
+                <a:lnSpc>
+                  <a:spcPct val="100000"/>
+                </a:lnSpc>
+                <a:spcBef>
+                  <a:spcPct val="0"/>
+                </a:spcBef>
+                <a:spcAft>
+                  <a:spcPct val="0"/>
+                </a:spcAft>
+                <a:buClrTx/>
+                <a:buSzTx/>
+                <a:buFontTx/>
+                <a:buNone/>
+                <a:tabLst/>
+              </a:pPr>
+              <a:r>
+                <a:rPr kumimoji="0" lang="en-GB" sz="1400" b="0" i="0" u="none" strike="noStrike" cap="none" normalizeH="0" baseline="0" dirty="0">
+                  <a:ln>
+                    <a:noFill/>
+                  </a:ln>
+                  <a:solidFill>
+                    <a:schemeClr val="bg1"/>
+                  </a:solidFill>
+                  <a:effectLst/>
+                  <a:latin typeface="Helvetica Neue" charset="0"/>
+                </a:rPr>
+                <a:t>Problem Formulation</a:t>
+              </a:r>
+            </a:p>
+          </p:txBody>
+        </p:sp>
+        <p:sp>
+          <p:nvSpPr>
+            <p:cNvPr id="8" name="Chevron 21">
+              <a:extLst>
+                <a:ext uri="{FF2B5EF4-FFF2-40B4-BE49-F238E27FC236}">
+                  <a16:creationId xmlns:a16="http://schemas.microsoft.com/office/drawing/2014/main" id="{6F26CBD2-F5AF-720E-9E1E-F5D5A82DBAC8}"/>
+                </a:ext>
+              </a:extLst>
+            </p:cNvPr>
+            <p:cNvSpPr/>
+            <p:nvPr/>
+          </p:nvSpPr>
+          <p:spPr bwMode="auto">
+            <a:xfrm>
+              <a:off x="2705148" y="195135"/>
+              <a:ext cx="1655556" cy="426446"/>
+            </a:xfrm>
+            <a:prstGeom prst="chevron">
+              <a:avLst/>
+            </a:prstGeom>
+            <a:solidFill>
+              <a:schemeClr val="bg1">
+                <a:lumMod val="95000"/>
+              </a:schemeClr>
+            </a:solidFill>
+            <a:ln w="9525" cap="flat" cmpd="sng" algn="ctr">
+              <a:noFill/>
+              <a:prstDash val="solid"/>
+              <a:round/>
+              <a:headEnd type="none" w="med" len="med"/>
+              <a:tailEnd type="none" w="med" len="med"/>
+            </a:ln>
+            <a:effectLst/>
+          </p:spPr>
+          <p:txBody>
+            <a:bodyPr rot="0" spcFirstLastPara="0" vertOverflow="overflow" horzOverflow="overflow" vert="horz" wrap="square" lIns="91440" tIns="45720" rIns="91440" bIns="45720" numCol="1" spcCol="0" rtlCol="0" fromWordArt="0" anchor="ctr" anchorCtr="0" forceAA="0" compatLnSpc="1">
+              <a:prstTxWarp prst="textNoShape">
+                <a:avLst/>
+              </a:prstTxWarp>
+              <a:noAutofit/>
+            </a:bodyPr>
+            <a:lstStyle/>
+            <a:p>
+              <a:pPr marL="0" marR="0" indent="0" algn="ctr" defTabSz="914400" rtl="0" eaLnBrk="0" fontAlgn="base" latinLnBrk="0" hangingPunct="0">
+                <a:lnSpc>
+                  <a:spcPct val="100000"/>
+                </a:lnSpc>
+                <a:spcBef>
+                  <a:spcPct val="0"/>
+                </a:spcBef>
+                <a:spcAft>
+                  <a:spcPct val="0"/>
+                </a:spcAft>
+                <a:buClrTx/>
+                <a:buSzTx/>
+                <a:buFontTx/>
+                <a:buNone/>
+                <a:tabLst/>
+              </a:pPr>
+              <a:r>
+                <a:rPr kumimoji="0" lang="en-GB" sz="1400" b="0" i="0" u="none" strike="noStrike" cap="none" normalizeH="0" baseline="0" dirty="0">
+                  <a:ln>
+                    <a:noFill/>
+                  </a:ln>
+                  <a:solidFill>
+                    <a:schemeClr val="bg1"/>
+                  </a:solidFill>
+                  <a:effectLst/>
+                  <a:latin typeface="Helvetica Neue" charset="0"/>
+                </a:rPr>
+                <a:t>Literature Review</a:t>
+              </a:r>
+            </a:p>
+          </p:txBody>
+        </p:sp>
+        <p:sp>
+          <p:nvSpPr>
+            <p:cNvPr id="9" name="Chevron 21">
+              <a:extLst>
+                <a:ext uri="{FF2B5EF4-FFF2-40B4-BE49-F238E27FC236}">
+                  <a16:creationId xmlns:a16="http://schemas.microsoft.com/office/drawing/2014/main" id="{39A379AC-B1A1-B201-CABF-796ECF3A8756}"/>
+                </a:ext>
+              </a:extLst>
+            </p:cNvPr>
+            <p:cNvSpPr/>
+            <p:nvPr/>
+          </p:nvSpPr>
+          <p:spPr bwMode="auto">
+            <a:xfrm>
+              <a:off x="4157299" y="195135"/>
+              <a:ext cx="1655556" cy="426446"/>
+            </a:xfrm>
+            <a:prstGeom prst="chevron">
+              <a:avLst/>
+            </a:prstGeom>
+            <a:solidFill>
+              <a:schemeClr val="bg1">
+                <a:lumMod val="95000"/>
+              </a:schemeClr>
+            </a:solidFill>
+            <a:ln w="9525" cap="flat" cmpd="sng" algn="ctr">
+              <a:noFill/>
+              <a:prstDash val="solid"/>
+              <a:round/>
+              <a:headEnd type="none" w="med" len="med"/>
+              <a:tailEnd type="none" w="med" len="med"/>
+            </a:ln>
+            <a:effectLst/>
+          </p:spPr>
+          <p:txBody>
+            <a:bodyPr rot="0" spcFirstLastPara="0" vertOverflow="overflow" horzOverflow="overflow" vert="horz" wrap="square" lIns="91440" tIns="45720" rIns="91440" bIns="45720" numCol="1" spcCol="0" rtlCol="0" fromWordArt="0" anchor="ctr" anchorCtr="0" forceAA="0" compatLnSpc="1">
+              <a:prstTxWarp prst="textNoShape">
+                <a:avLst/>
+              </a:prstTxWarp>
+              <a:noAutofit/>
+            </a:bodyPr>
+            <a:lstStyle/>
+            <a:p>
+              <a:pPr marL="0" marR="0" indent="0" algn="ctr" defTabSz="914400" rtl="0" eaLnBrk="0" fontAlgn="base" latinLnBrk="0" hangingPunct="0">
+                <a:lnSpc>
+                  <a:spcPct val="100000"/>
+                </a:lnSpc>
+                <a:spcBef>
+                  <a:spcPct val="0"/>
+                </a:spcBef>
+                <a:spcAft>
+                  <a:spcPct val="0"/>
+                </a:spcAft>
+                <a:buClrTx/>
+                <a:buSzTx/>
+                <a:buFontTx/>
+                <a:buNone/>
+                <a:tabLst/>
+              </a:pPr>
+              <a:r>
+                <a:rPr kumimoji="0" lang="en-GB" sz="1400" b="0" i="0" u="none" strike="noStrike" cap="none" normalizeH="0" baseline="0" dirty="0">
+                  <a:ln>
+                    <a:noFill/>
+                  </a:ln>
+                  <a:solidFill>
+                    <a:schemeClr val="bg1"/>
+                  </a:solidFill>
+                  <a:effectLst/>
+                  <a:latin typeface="Helvetica Neue" charset="0"/>
+                </a:rPr>
+                <a:t>Methodology</a:t>
+              </a:r>
+            </a:p>
+          </p:txBody>
+        </p:sp>
+        <p:sp>
+          <p:nvSpPr>
+            <p:cNvPr id="10" name="Chevron 21">
+              <a:extLst>
+                <a:ext uri="{FF2B5EF4-FFF2-40B4-BE49-F238E27FC236}">
+                  <a16:creationId xmlns:a16="http://schemas.microsoft.com/office/drawing/2014/main" id="{3000C852-2421-11D6-F1F9-F1FD3270C42A}"/>
+                </a:ext>
+              </a:extLst>
+            </p:cNvPr>
+            <p:cNvSpPr/>
+            <p:nvPr/>
+          </p:nvSpPr>
+          <p:spPr bwMode="auto">
+            <a:xfrm>
+              <a:off x="5601171" y="195135"/>
+              <a:ext cx="1655556" cy="426446"/>
+            </a:xfrm>
+            <a:prstGeom prst="chevron">
+              <a:avLst/>
+            </a:prstGeom>
+            <a:solidFill>
+              <a:schemeClr val="bg1">
+                <a:lumMod val="95000"/>
+              </a:schemeClr>
+            </a:solidFill>
+            <a:ln w="9525" cap="flat" cmpd="sng" algn="ctr">
+              <a:noFill/>
+              <a:prstDash val="solid"/>
+              <a:round/>
+              <a:headEnd type="none" w="med" len="med"/>
+              <a:tailEnd type="none" w="med" len="med"/>
+            </a:ln>
+            <a:effectLst/>
+          </p:spPr>
+          <p:txBody>
+            <a:bodyPr rot="0" spcFirstLastPara="0" vertOverflow="overflow" horzOverflow="overflow" vert="horz" wrap="square" lIns="91440" tIns="45720" rIns="91440" bIns="45720" numCol="1" spcCol="0" rtlCol="0" fromWordArt="0" anchor="ctr" anchorCtr="0" forceAA="0" compatLnSpc="1">
+              <a:prstTxWarp prst="textNoShape">
+                <a:avLst/>
+              </a:prstTxWarp>
+              <a:noAutofit/>
+            </a:bodyPr>
+            <a:lstStyle/>
+            <a:p>
+              <a:pPr marL="0" marR="0" indent="0" algn="ctr" defTabSz="914400" rtl="0" eaLnBrk="0" fontAlgn="base" latinLnBrk="0" hangingPunct="0">
+                <a:lnSpc>
+                  <a:spcPct val="100000"/>
+                </a:lnSpc>
+                <a:spcBef>
+                  <a:spcPct val="0"/>
+                </a:spcBef>
+                <a:spcAft>
+                  <a:spcPct val="0"/>
+                </a:spcAft>
+                <a:buClrTx/>
+                <a:buSzTx/>
+                <a:buFontTx/>
+                <a:buNone/>
+                <a:tabLst/>
+              </a:pPr>
+              <a:r>
+                <a:rPr kumimoji="0" lang="en-GB" sz="1400" b="0" i="0" u="none" strike="noStrike" cap="none" normalizeH="0" baseline="0" dirty="0">
+                  <a:ln>
+                    <a:noFill/>
+                  </a:ln>
+                  <a:solidFill>
+                    <a:schemeClr val="bg1"/>
+                  </a:solidFill>
+                  <a:effectLst/>
+                  <a:latin typeface="Helvetica Neue" charset="0"/>
+                </a:rPr>
+                <a:t>Outlook</a:t>
+              </a:r>
+            </a:p>
+          </p:txBody>
+        </p:sp>
+      </p:grpSp>
+    </p:spTree>
+    <p:extLst>
+      <p:ext uri="{BB962C8B-B14F-4D97-AF65-F5344CB8AC3E}">
+        <p14:creationId xmlns:p14="http://schemas.microsoft.com/office/powerpoint/2010/main" val="1218089048"/>
+      </p:ext>
+    </p:extLst>
+  </p:cSld>
+  <p:clrMapOvr>
+    <a:masterClrMapping/>
+  </p:clrMapOvr>
+</p:sld>
+</file>
+
+<file path=ppt/slides/slide9.xml><?xml version="1.0" encoding="utf-8"?>
+<p:sld xmlns:a="http://schemas.openxmlformats.org/drawingml/2006/main" xmlns:r="http://schemas.openxmlformats.org/officeDocument/2006/relationships" xmlns:p="http://schemas.openxmlformats.org/presentationml/2006/main">
+  <p:cSld>
+    <p:spTree>
+      <p:nvGrpSpPr>
+        <p:cNvPr id="1" name=""/>
+        <p:cNvGrpSpPr/>
+        <p:nvPr/>
+      </p:nvGrpSpPr>
+      <p:grpSpPr>
+        <a:xfrm>
+          <a:off x="0" y="0"/>
+          <a:ext cx="0" cy="0"/>
+          <a:chOff x="0" y="0"/>
+          <a:chExt cx="0" cy="0"/>
+        </a:xfrm>
+      </p:grpSpPr>
+      <p:sp>
+        <p:nvSpPr>
+          <p:cNvPr id="2" name="Content Placeholder 1">
+            <a:extLst>
+              <a:ext uri="{FF2B5EF4-FFF2-40B4-BE49-F238E27FC236}">
+                <a16:creationId xmlns:a16="http://schemas.microsoft.com/office/drawing/2014/main" id="{B09F7E02-F7BA-FEAB-86F6-CE7FE5BD723D}"/>
+              </a:ext>
+            </a:extLst>
+          </p:cNvPr>
+          <p:cNvSpPr>
+            <a:spLocks noGrp="1"/>
+          </p:cNvSpPr>
+          <p:nvPr>
+            <p:ph idx="1"/>
+          </p:nvPr>
+        </p:nvSpPr>
+        <p:spPr/>
+        <p:txBody>
+          <a:bodyPr/>
+          <a:lstStyle/>
+          <a:p>
             <a:r>
               <a:rPr lang="en-GB" dirty="0"/>
               <a:t>Possible solutions: mathematical optimization </a:t>
@@ -32109,7 +34896,7 @@
             <a:fld id="{CE58CB1E-F828-4F11-99E0-327109AF9DA4}" type="slidenum">
               <a:rPr lang="de-DE" smtClean="0"/>
               <a:pPr/>
-              <a:t>8</a:t>
+              <a:t>9</a:t>
             </a:fld>
             <a:endParaRPr lang="de-DE"/>
           </a:p>
@@ -32287,297 +35074,12 @@
           </a:p>
         </p:txBody>
       </p:sp>
-    </p:spTree>
-    <p:extLst>
-      <p:ext uri="{BB962C8B-B14F-4D97-AF65-F5344CB8AC3E}">
-        <p14:creationId xmlns:p14="http://schemas.microsoft.com/office/powerpoint/2010/main" val="445645378"/>
-      </p:ext>
-    </p:extLst>
-  </p:cSld>
-  <p:clrMapOvr>
-    <a:masterClrMapping/>
-  </p:clrMapOvr>
-</p:sld>
-</file>
-
-<file path=ppt/slides/slide9.xml><?xml version="1.0" encoding="utf-8"?>
-<p:sld xmlns:a="http://schemas.openxmlformats.org/drawingml/2006/main" xmlns:r="http://schemas.openxmlformats.org/officeDocument/2006/relationships" xmlns:p="http://schemas.openxmlformats.org/presentationml/2006/main">
-  <p:cSld>
-    <p:spTree>
-      <p:nvGrpSpPr>
-        <p:cNvPr id="1" name=""/>
-        <p:cNvGrpSpPr/>
-        <p:nvPr/>
-      </p:nvGrpSpPr>
-      <p:grpSpPr>
-        <a:xfrm>
-          <a:off x="0" y="0"/>
-          <a:ext cx="0" cy="0"/>
-          <a:chOff x="0" y="0"/>
-          <a:chExt cx="0" cy="0"/>
-        </a:xfrm>
-      </p:grpSpPr>
-      <p:sp>
-        <p:nvSpPr>
-          <p:cNvPr id="2" name="Content Placeholder 1">
+      <p:grpSp>
+        <p:nvGrpSpPr>
+          <p:cNvPr id="5" name="Group 4">
             <a:extLst>
               <a:ext uri="{FF2B5EF4-FFF2-40B4-BE49-F238E27FC236}">
-                <a16:creationId xmlns:a16="http://schemas.microsoft.com/office/drawing/2014/main" id="{B936D1C0-BA1C-56FB-C0DC-5BF59B237622}"/>
-              </a:ext>
-            </a:extLst>
-          </p:cNvPr>
-          <p:cNvSpPr>
-            <a:spLocks noGrp="1"/>
-          </p:cNvSpPr>
-          <p:nvPr>
-            <p:ph idx="1"/>
-          </p:nvPr>
-        </p:nvSpPr>
-        <p:spPr/>
-        <p:txBody>
-          <a:bodyPr/>
-          <a:lstStyle/>
-          <a:p>
-            <a:r>
-              <a:rPr lang="en-GB" dirty="0"/>
-              <a:t>Explain more about RL</a:t>
-            </a:r>
-          </a:p>
-        </p:txBody>
-      </p:sp>
-      <p:sp>
-        <p:nvSpPr>
-          <p:cNvPr id="3" name="Title 2">
-            <a:extLst>
-              <a:ext uri="{FF2B5EF4-FFF2-40B4-BE49-F238E27FC236}">
-                <a16:creationId xmlns:a16="http://schemas.microsoft.com/office/drawing/2014/main" id="{54A1A9CA-C09D-D8C1-566C-1AA7F9177855}"/>
-              </a:ext>
-            </a:extLst>
-          </p:cNvPr>
-          <p:cNvSpPr>
-            <a:spLocks noGrp="1"/>
-          </p:cNvSpPr>
-          <p:nvPr>
-            <p:ph type="title"/>
-          </p:nvPr>
-        </p:nvSpPr>
-        <p:spPr/>
-        <p:txBody>
-          <a:bodyPr/>
-          <a:lstStyle/>
-          <a:p>
-            <a:endParaRPr lang="en-GB" dirty="0"/>
-          </a:p>
-        </p:txBody>
-      </p:sp>
-      <p:sp>
-        <p:nvSpPr>
-          <p:cNvPr id="4" name="Slide Number Placeholder 3">
-            <a:extLst>
-              <a:ext uri="{FF2B5EF4-FFF2-40B4-BE49-F238E27FC236}">
-                <a16:creationId xmlns:a16="http://schemas.microsoft.com/office/drawing/2014/main" id="{D0881605-5AA8-D008-7E6E-B12BF0F978D6}"/>
-              </a:ext>
-            </a:extLst>
-          </p:cNvPr>
-          <p:cNvSpPr>
-            <a:spLocks noGrp="1"/>
-          </p:cNvSpPr>
-          <p:nvPr>
-            <p:ph type="sldNum" sz="quarter" idx="11"/>
-          </p:nvPr>
-        </p:nvSpPr>
-        <p:spPr/>
-        <p:txBody>
-          <a:bodyPr/>
-          <a:lstStyle/>
-          <a:p>
-            <a:fld id="{CE58CB1E-F828-4F11-99E0-327109AF9DA4}" type="slidenum">
-              <a:rPr lang="de-DE" smtClean="0"/>
-              <a:pPr/>
-              <a:t>9</a:t>
-            </a:fld>
-            <a:endParaRPr lang="de-DE"/>
-          </a:p>
-        </p:txBody>
-      </p:sp>
-      <p:sp>
-        <p:nvSpPr>
-          <p:cNvPr id="6" name="Fußzeilenplatzhalter 4">
-            <a:extLst>
-              <a:ext uri="{FF2B5EF4-FFF2-40B4-BE49-F238E27FC236}">
-                <a16:creationId xmlns:a16="http://schemas.microsoft.com/office/drawing/2014/main" id="{62052A25-E5A9-F308-CA34-C36D2764C96D}"/>
-              </a:ext>
-            </a:extLst>
-          </p:cNvPr>
-          <p:cNvSpPr txBox="1">
-            <a:spLocks/>
-          </p:cNvSpPr>
-          <p:nvPr/>
-        </p:nvSpPr>
-        <p:spPr>
-          <a:xfrm>
-            <a:off x="311162" y="4854985"/>
-            <a:ext cx="7795890" cy="273844"/>
-          </a:xfrm>
-          <a:prstGeom prst="rect">
-            <a:avLst/>
-          </a:prstGeom>
-        </p:spPr>
-        <p:txBody>
-          <a:bodyPr/>
-          <a:lstStyle>
-            <a:defPPr>
-              <a:defRPr lang="de-DE"/>
-            </a:defPPr>
-            <a:lvl1pPr algn="l" rtl="0" fontAlgn="base">
-              <a:spcBef>
-                <a:spcPct val="0"/>
-              </a:spcBef>
-              <a:spcAft>
-                <a:spcPct val="0"/>
-              </a:spcAft>
-              <a:defRPr kern="1200">
-                <a:solidFill>
-                  <a:schemeClr val="tx1"/>
-                </a:solidFill>
-                <a:latin typeface="Arial" charset="0"/>
-                <a:ea typeface="+mn-ea"/>
-                <a:cs typeface="Arial" charset="0"/>
-              </a:defRPr>
-            </a:lvl1pPr>
-            <a:lvl2pPr marL="457200" algn="l" rtl="0" fontAlgn="base">
-              <a:spcBef>
-                <a:spcPct val="0"/>
-              </a:spcBef>
-              <a:spcAft>
-                <a:spcPct val="0"/>
-              </a:spcAft>
-              <a:defRPr kern="1200">
-                <a:solidFill>
-                  <a:schemeClr val="tx1"/>
-                </a:solidFill>
-                <a:latin typeface="Arial" charset="0"/>
-                <a:ea typeface="+mn-ea"/>
-                <a:cs typeface="Arial" charset="0"/>
-              </a:defRPr>
-            </a:lvl2pPr>
-            <a:lvl3pPr marL="914400" algn="l" rtl="0" fontAlgn="base">
-              <a:spcBef>
-                <a:spcPct val="0"/>
-              </a:spcBef>
-              <a:spcAft>
-                <a:spcPct val="0"/>
-              </a:spcAft>
-              <a:defRPr kern="1200">
-                <a:solidFill>
-                  <a:schemeClr val="tx1"/>
-                </a:solidFill>
-                <a:latin typeface="Arial" charset="0"/>
-                <a:ea typeface="+mn-ea"/>
-                <a:cs typeface="Arial" charset="0"/>
-              </a:defRPr>
-            </a:lvl3pPr>
-            <a:lvl4pPr marL="1371600" algn="l" rtl="0" fontAlgn="base">
-              <a:spcBef>
-                <a:spcPct val="0"/>
-              </a:spcBef>
-              <a:spcAft>
-                <a:spcPct val="0"/>
-              </a:spcAft>
-              <a:defRPr kern="1200">
-                <a:solidFill>
-                  <a:schemeClr val="tx1"/>
-                </a:solidFill>
-                <a:latin typeface="Arial" charset="0"/>
-                <a:ea typeface="+mn-ea"/>
-                <a:cs typeface="Arial" charset="0"/>
-              </a:defRPr>
-            </a:lvl4pPr>
-            <a:lvl5pPr marL="1828800" algn="l" rtl="0" fontAlgn="base">
-              <a:spcBef>
-                <a:spcPct val="0"/>
-              </a:spcBef>
-              <a:spcAft>
-                <a:spcPct val="0"/>
-              </a:spcAft>
-              <a:defRPr kern="1200">
-                <a:solidFill>
-                  <a:schemeClr val="tx1"/>
-                </a:solidFill>
-                <a:latin typeface="Arial" charset="0"/>
-                <a:ea typeface="+mn-ea"/>
-                <a:cs typeface="Arial" charset="0"/>
-              </a:defRPr>
-            </a:lvl5pPr>
-            <a:lvl6pPr marL="2286000" algn="l" defTabSz="914400" rtl="0" eaLnBrk="1" latinLnBrk="0" hangingPunct="1">
-              <a:defRPr kern="1200">
-                <a:solidFill>
-                  <a:schemeClr val="tx1"/>
-                </a:solidFill>
-                <a:latin typeface="Arial" charset="0"/>
-                <a:ea typeface="+mn-ea"/>
-                <a:cs typeface="Arial" charset="0"/>
-              </a:defRPr>
-            </a:lvl6pPr>
-            <a:lvl7pPr marL="2743200" algn="l" defTabSz="914400" rtl="0" eaLnBrk="1" latinLnBrk="0" hangingPunct="1">
-              <a:defRPr kern="1200">
-                <a:solidFill>
-                  <a:schemeClr val="tx1"/>
-                </a:solidFill>
-                <a:latin typeface="Arial" charset="0"/>
-                <a:ea typeface="+mn-ea"/>
-                <a:cs typeface="Arial" charset="0"/>
-              </a:defRPr>
-            </a:lvl7pPr>
-            <a:lvl8pPr marL="3200400" algn="l" defTabSz="914400" rtl="0" eaLnBrk="1" latinLnBrk="0" hangingPunct="1">
-              <a:defRPr kern="1200">
-                <a:solidFill>
-                  <a:schemeClr val="tx1"/>
-                </a:solidFill>
-                <a:latin typeface="Arial" charset="0"/>
-                <a:ea typeface="+mn-ea"/>
-                <a:cs typeface="Arial" charset="0"/>
-              </a:defRPr>
-            </a:lvl8pPr>
-            <a:lvl9pPr marL="3657600" algn="l" defTabSz="914400" rtl="0" eaLnBrk="1" latinLnBrk="0" hangingPunct="1">
-              <a:defRPr kern="1200">
-                <a:solidFill>
-                  <a:schemeClr val="tx1"/>
-                </a:solidFill>
-                <a:latin typeface="Arial" charset="0"/>
-                <a:ea typeface="+mn-ea"/>
-                <a:cs typeface="Arial" charset="0"/>
-              </a:defRPr>
-            </a:lvl9pPr>
-          </a:lstStyle>
-          <a:p>
-            <a:r>
-              <a:rPr lang="en-US" sz="1100" dirty="0">
-                <a:latin typeface="Arial"/>
-                <a:cs typeface="Arial"/>
-              </a:rPr>
-              <a:t>Chia-Ling Yang | </a:t>
-            </a:r>
-            <a:r>
-              <a:rPr lang="en-GB" sz="1100" b="0" i="0" u="none" strike="noStrike" dirty="0">
-                <a:effectLst/>
-                <a:latin typeface="Arial" panose="020B0604020202020204" pitchFamily="34" charset="0"/>
-              </a:rPr>
-              <a:t>Exploring Reinforcement Learning Solutions for EV-aware Optimal Power Flow Under Uncertainty</a:t>
-            </a:r>
-            <a:endParaRPr lang="en-US" sz="1100" dirty="0">
-              <a:latin typeface="Arial"/>
-              <a:cs typeface="Arial"/>
-            </a:endParaRPr>
-          </a:p>
-        </p:txBody>
-      </p:sp>
-      <p:grpSp>
-        <p:nvGrpSpPr>
-          <p:cNvPr id="71" name="Group 70">
-            <a:extLst>
-              <a:ext uri="{FF2B5EF4-FFF2-40B4-BE49-F238E27FC236}">
-                <a16:creationId xmlns:a16="http://schemas.microsoft.com/office/drawing/2014/main" id="{7A1C47DB-C79E-0FB3-4598-560BD2B6E5DB}"/>
+                <a16:creationId xmlns:a16="http://schemas.microsoft.com/office/drawing/2014/main" id="{00D542E3-04F3-83A2-B558-1627C469DDD9}"/>
               </a:ext>
             </a:extLst>
           </p:cNvPr>
@@ -32586,57 +35088,46 @@
         </p:nvGrpSpPr>
         <p:grpSpPr>
           <a:xfrm>
-            <a:off x="2647394" y="1965045"/>
-            <a:ext cx="6177516" cy="2307265"/>
-            <a:chOff x="1541721" y="1892595"/>
-            <a:chExt cx="6177516" cy="2307265"/>
+            <a:off x="0" y="195135"/>
+            <a:ext cx="7256727" cy="426446"/>
+            <a:chOff x="0" y="195135"/>
+            <a:chExt cx="7256727" cy="426446"/>
           </a:xfrm>
         </p:grpSpPr>
         <p:sp>
           <p:nvSpPr>
-            <p:cNvPr id="70" name="Rectangle 69">
+            <p:cNvPr id="7" name="Pentagon 19">
               <a:extLst>
                 <a:ext uri="{FF2B5EF4-FFF2-40B4-BE49-F238E27FC236}">
-                  <a16:creationId xmlns:a16="http://schemas.microsoft.com/office/drawing/2014/main" id="{891E0EBD-037A-DC15-8561-9E0CD31087D7}"/>
+                  <a16:creationId xmlns:a16="http://schemas.microsoft.com/office/drawing/2014/main" id="{F00060BA-8AA3-CD8C-0BE0-D22D56D18CEC}"/>
                 </a:ext>
               </a:extLst>
             </p:cNvPr>
             <p:cNvSpPr/>
             <p:nvPr/>
           </p:nvSpPr>
-          <p:spPr>
+          <p:spPr bwMode="auto">
             <a:xfrm>
-              <a:off x="1541721" y="1892595"/>
-              <a:ext cx="6177516" cy="2307265"/>
+              <a:off x="0" y="195135"/>
+              <a:ext cx="1655556" cy="426446"/>
             </a:xfrm>
-            <a:prstGeom prst="rect">
+            <a:prstGeom prst="homePlate">
               <a:avLst/>
             </a:prstGeom>
             <a:solidFill>
-              <a:schemeClr val="bg1"/>
+              <a:srgbClr val="F2F2F2"/>
             </a:solidFill>
-            <a:ln>
+            <a:ln w="9525" cap="flat" cmpd="sng" algn="ctr">
               <a:noFill/>
+              <a:prstDash val="solid"/>
+              <a:round/>
+              <a:headEnd type="none" w="med" len="med"/>
+              <a:tailEnd type="none" w="med" len="med"/>
             </a:ln>
+            <a:effectLst/>
           </p:spPr>
-          <p:style>
-            <a:lnRef idx="2">
-              <a:schemeClr val="accent1">
-                <a:shade val="50000"/>
-              </a:schemeClr>
-            </a:lnRef>
-            <a:fillRef idx="1">
-              <a:schemeClr val="accent1"/>
-            </a:fillRef>
-            <a:effectRef idx="0">
-              <a:schemeClr val="accent1"/>
-            </a:effectRef>
-            <a:fontRef idx="minor">
-              <a:schemeClr val="lt1"/>
-            </a:fontRef>
-          </p:style>
           <p:txBody>
-            <a:bodyPr rot="0" spcFirstLastPara="0" vertOverflow="overflow" horzOverflow="overflow" vert="horz" wrap="square" lIns="91440" tIns="45720" rIns="91440" bIns="45720" numCol="1" spcCol="0" rtlCol="0" fromWordArt="0" anchor="t" anchorCtr="0" forceAA="0" compatLnSpc="1">
+            <a:bodyPr rot="0" spcFirstLastPara="0" vertOverflow="overflow" horzOverflow="overflow" vert="horz" wrap="square" lIns="91440" tIns="45720" rIns="91440" bIns="45720" numCol="1" spcCol="0" rtlCol="0" fromWordArt="0" anchor="ctr" anchorCtr="0" forceAA="0" compatLnSpc="1">
               <a:prstTxWarp prst="textNoShape">
                 <a:avLst/>
               </a:prstTxWarp>
@@ -32644,1720 +35135,339 @@
             </a:bodyPr>
             <a:lstStyle/>
             <a:p>
-              <a:pPr algn="ctr">
+              <a:pPr marL="0" marR="0" indent="0" algn="ctr" defTabSz="914400" rtl="0" eaLnBrk="0" fontAlgn="base" latinLnBrk="0" hangingPunct="0">
                 <a:lnSpc>
-                  <a:spcPct val="114000"/>
+                  <a:spcPct val="100000"/>
                 </a:lnSpc>
+                <a:spcBef>
+                  <a:spcPct val="0"/>
+                </a:spcBef>
+                <a:spcAft>
+                  <a:spcPct val="0"/>
+                </a:spcAft>
+                <a:buClrTx/>
+                <a:buSzTx/>
+                <a:buFontTx/>
+                <a:buNone/>
+                <a:tabLst/>
               </a:pPr>
-              <a:endParaRPr lang="en-GB" dirty="0"/>
+              <a:r>
+                <a:rPr kumimoji="0" lang="en-GB" sz="1400" b="0" i="0" u="none" strike="noStrike" cap="none" normalizeH="0" baseline="0" dirty="0">
+                  <a:ln>
+                    <a:noFill/>
+                  </a:ln>
+                  <a:solidFill>
+                    <a:schemeClr val="bg1"/>
+                  </a:solidFill>
+                  <a:effectLst/>
+                  <a:latin typeface="Helvetica Neue" charset="0"/>
+                </a:rPr>
+                <a:t>Background</a:t>
+              </a:r>
             </a:p>
           </p:txBody>
         </p:sp>
-        <p:grpSp>
-          <p:nvGrpSpPr>
-            <p:cNvPr id="8" name="Group 7">
+        <p:sp>
+          <p:nvSpPr>
+            <p:cNvPr id="8" name="Chevron 21">
               <a:extLst>
                 <a:ext uri="{FF2B5EF4-FFF2-40B4-BE49-F238E27FC236}">
-                  <a16:creationId xmlns:a16="http://schemas.microsoft.com/office/drawing/2014/main" id="{D6C57025-57DC-B41F-1276-4A6664B7CA81}"/>
+                  <a16:creationId xmlns:a16="http://schemas.microsoft.com/office/drawing/2014/main" id="{C19E730C-E563-0DE7-3A17-212A05F47DE3}"/>
                 </a:ext>
               </a:extLst>
             </p:cNvPr>
-            <p:cNvGrpSpPr/>
+            <p:cNvSpPr/>
             <p:nvPr/>
-          </p:nvGrpSpPr>
-          <p:grpSpPr>
+          </p:nvSpPr>
+          <p:spPr bwMode="auto">
             <a:xfrm>
-              <a:off x="1828800" y="2076843"/>
-              <a:ext cx="5759559" cy="989814"/>
-              <a:chOff x="1828800" y="2076843"/>
-              <a:chExt cx="5759559" cy="989814"/>
+              <a:off x="1352574" y="195135"/>
+              <a:ext cx="1655556" cy="426446"/>
             </a:xfrm>
-          </p:grpSpPr>
-          <p:sp>
-            <p:nvSpPr>
-              <p:cNvPr id="5" name="Rounded Rectangle 4">
-                <a:extLst>
-                  <a:ext uri="{FF2B5EF4-FFF2-40B4-BE49-F238E27FC236}">
-                    <a16:creationId xmlns:a16="http://schemas.microsoft.com/office/drawing/2014/main" id="{0BB25CEE-0CCC-8454-B4A3-FDD0C6630DEC}"/>
-                  </a:ext>
-                </a:extLst>
-              </p:cNvPr>
-              <p:cNvSpPr/>
-              <p:nvPr/>
-            </p:nvSpPr>
-            <p:spPr>
-              <a:xfrm>
-                <a:off x="1828800" y="2076843"/>
-                <a:ext cx="5759559" cy="989814"/>
-              </a:xfrm>
-              <a:prstGeom prst="roundRect">
+            <a:prstGeom prst="chevron">
+              <a:avLst/>
+            </a:prstGeom>
+            <a:solidFill>
+              <a:srgbClr val="F2F2F2"/>
+            </a:solidFill>
+            <a:ln w="9525" cap="flat" cmpd="sng" algn="ctr">
+              <a:noFill/>
+              <a:prstDash val="solid"/>
+              <a:round/>
+              <a:headEnd type="none" w="med" len="med"/>
+              <a:tailEnd type="none" w="med" len="med"/>
+            </a:ln>
+            <a:effectLst/>
+          </p:spPr>
+          <p:txBody>
+            <a:bodyPr rot="0" spcFirstLastPara="0" vertOverflow="overflow" horzOverflow="overflow" vert="horz" wrap="square" lIns="91440" tIns="45720" rIns="91440" bIns="45720" numCol="1" spcCol="0" rtlCol="0" fromWordArt="0" anchor="ctr" anchorCtr="0" forceAA="0" compatLnSpc="1">
+              <a:prstTxWarp prst="textNoShape">
                 <a:avLst/>
-              </a:prstGeom>
-              <a:solidFill>
-                <a:schemeClr val="accent2">
-                  <a:alpha val="50000"/>
-                </a:schemeClr>
-              </a:solidFill>
-              <a:ln>
-                <a:noFill/>
-              </a:ln>
-            </p:spPr>
-            <p:style>
-              <a:lnRef idx="0">
-                <a:scrgbClr r="0" g="0" b="0"/>
-              </a:lnRef>
-              <a:fillRef idx="0">
-                <a:scrgbClr r="0" g="0" b="0"/>
-              </a:fillRef>
-              <a:effectRef idx="0">
-                <a:scrgbClr r="0" g="0" b="0"/>
-              </a:effectRef>
-              <a:fontRef idx="minor">
-                <a:schemeClr val="lt1"/>
-              </a:fontRef>
-            </p:style>
-            <p:txBody>
-              <a:bodyPr rot="0" spcFirstLastPara="0" vertOverflow="overflow" horzOverflow="overflow" vert="horz" wrap="square" lIns="91440" tIns="45720" rIns="91440" bIns="45720" numCol="1" spcCol="0" rtlCol="0" fromWordArt="0" anchor="t" anchorCtr="0" forceAA="0" compatLnSpc="1">
-                <a:prstTxWarp prst="textNoShape">
-                  <a:avLst/>
-                </a:prstTxWarp>
-                <a:noAutofit/>
-              </a:bodyPr>
-              <a:lstStyle/>
-              <a:p>
-                <a:pPr algn="ctr">
-                  <a:lnSpc>
-                    <a:spcPct val="114000"/>
-                  </a:lnSpc>
-                </a:pPr>
-                <a:endParaRPr lang="en-GB" dirty="0"/>
-              </a:p>
-            </p:txBody>
-          </p:sp>
-          <p:sp>
-            <p:nvSpPr>
-              <p:cNvPr id="7" name="TextBox 6">
-                <a:extLst>
-                  <a:ext uri="{FF2B5EF4-FFF2-40B4-BE49-F238E27FC236}">
-                    <a16:creationId xmlns:a16="http://schemas.microsoft.com/office/drawing/2014/main" id="{B23BA324-A8DB-143D-7894-9FF90ADCBF31}"/>
-                  </a:ext>
-                </a:extLst>
-              </p:cNvPr>
-              <p:cNvSpPr txBox="1"/>
-              <p:nvPr/>
-            </p:nvSpPr>
-            <p:spPr>
-              <a:xfrm>
-                <a:off x="6169729" y="2161903"/>
-                <a:ext cx="1344202" cy="257250"/>
-              </a:xfrm>
-              <a:prstGeom prst="rect">
-                <a:avLst/>
-              </a:prstGeom>
-              <a:noFill/>
-            </p:spPr>
-            <p:txBody>
-              <a:bodyPr wrap="square" lIns="0" tIns="0" rIns="0" bIns="0" rtlCol="0">
-                <a:spAutoFit/>
-              </a:bodyPr>
-              <a:lstStyle/>
-              <a:p>
-                <a:pPr>
-                  <a:lnSpc>
-                    <a:spcPct val="114000"/>
-                  </a:lnSpc>
-                </a:pPr>
-                <a:r>
-                  <a:rPr lang="en-GB" sz="1600" b="1" dirty="0">
-                    <a:solidFill>
-                      <a:schemeClr val="tx2"/>
-                    </a:solidFill>
-                    <a:latin typeface="+mn-lt"/>
-                  </a:rPr>
-                  <a:t>Environment</a:t>
-                </a:r>
-              </a:p>
-            </p:txBody>
-          </p:sp>
-        </p:grpSp>
-        <p:grpSp>
-          <p:nvGrpSpPr>
-            <p:cNvPr id="10" name="Group 9">
+              </a:prstTxWarp>
+              <a:noAutofit/>
+            </a:bodyPr>
+            <a:lstStyle/>
+            <a:p>
+              <a:pPr marL="0" marR="0" indent="0" algn="ctr" defTabSz="914400" rtl="0" eaLnBrk="0" fontAlgn="base" latinLnBrk="0" hangingPunct="0">
+                <a:lnSpc>
+                  <a:spcPct val="100000"/>
+                </a:lnSpc>
+                <a:spcBef>
+                  <a:spcPct val="0"/>
+                </a:spcBef>
+                <a:spcAft>
+                  <a:spcPct val="0"/>
+                </a:spcAft>
+                <a:buClrTx/>
+                <a:buSzTx/>
+                <a:buFontTx/>
+                <a:buNone/>
+                <a:tabLst/>
+              </a:pPr>
+              <a:r>
+                <a:rPr kumimoji="0" lang="en-GB" sz="1400" b="0" i="0" u="none" strike="noStrike" cap="none" normalizeH="0" baseline="0" dirty="0">
+                  <a:ln>
+                    <a:noFill/>
+                  </a:ln>
+                  <a:solidFill>
+                    <a:schemeClr val="bg1"/>
+                  </a:solidFill>
+                  <a:effectLst/>
+                  <a:latin typeface="Helvetica Neue" charset="0"/>
+                </a:rPr>
+                <a:t>Problem Formulation</a:t>
+              </a:r>
+            </a:p>
+          </p:txBody>
+        </p:sp>
+        <p:sp>
+          <p:nvSpPr>
+            <p:cNvPr id="9" name="Chevron 21">
               <a:extLst>
                 <a:ext uri="{FF2B5EF4-FFF2-40B4-BE49-F238E27FC236}">
-                  <a16:creationId xmlns:a16="http://schemas.microsoft.com/office/drawing/2014/main" id="{ADA9D58A-3A24-91B3-86A3-C3F8C1920F9A}"/>
+                  <a16:creationId xmlns:a16="http://schemas.microsoft.com/office/drawing/2014/main" id="{6EF7888E-A2C5-06BA-6967-BEE8A364F680}"/>
                 </a:ext>
               </a:extLst>
             </p:cNvPr>
-            <p:cNvGrpSpPr/>
+            <p:cNvSpPr/>
             <p:nvPr/>
-          </p:nvGrpSpPr>
-          <p:grpSpPr>
+          </p:nvSpPr>
+          <p:spPr bwMode="auto">
             <a:xfrm>
-              <a:off x="3095282" y="3368969"/>
-              <a:ext cx="2465547" cy="707336"/>
-              <a:chOff x="2635499" y="2076843"/>
-              <a:chExt cx="4990157" cy="707336"/>
+              <a:off x="2705148" y="195135"/>
+              <a:ext cx="1655556" cy="426446"/>
             </a:xfrm>
-          </p:grpSpPr>
-          <p:sp>
-            <p:nvSpPr>
-              <p:cNvPr id="11" name="Rounded Rectangle 10">
-                <a:extLst>
-                  <a:ext uri="{FF2B5EF4-FFF2-40B4-BE49-F238E27FC236}">
-                    <a16:creationId xmlns:a16="http://schemas.microsoft.com/office/drawing/2014/main" id="{5C607A80-3217-767A-5848-8624E14D61BF}"/>
-                  </a:ext>
-                </a:extLst>
-              </p:cNvPr>
-              <p:cNvSpPr/>
-              <p:nvPr/>
-            </p:nvSpPr>
-            <p:spPr>
-              <a:xfrm>
-                <a:off x="2635499" y="2076843"/>
-                <a:ext cx="4990157" cy="707336"/>
-              </a:xfrm>
-              <a:prstGeom prst="roundRect">
+            <a:prstGeom prst="chevron">
+              <a:avLst/>
+            </a:prstGeom>
+            <a:solidFill>
+              <a:srgbClr val="0065BD"/>
+            </a:solidFill>
+            <a:ln w="9525" cap="flat" cmpd="sng" algn="ctr">
+              <a:noFill/>
+              <a:prstDash val="solid"/>
+              <a:round/>
+              <a:headEnd type="none" w="med" len="med"/>
+              <a:tailEnd type="none" w="med" len="med"/>
+            </a:ln>
+            <a:effectLst/>
+          </p:spPr>
+          <p:txBody>
+            <a:bodyPr rot="0" spcFirstLastPara="0" vertOverflow="overflow" horzOverflow="overflow" vert="horz" wrap="square" lIns="91440" tIns="45720" rIns="91440" bIns="45720" numCol="1" spcCol="0" rtlCol="0" fromWordArt="0" anchor="ctr" anchorCtr="0" forceAA="0" compatLnSpc="1">
+              <a:prstTxWarp prst="textNoShape">
                 <a:avLst/>
-              </a:prstGeom>
-              <a:solidFill>
-                <a:schemeClr val="accent6">
-                  <a:alpha val="25000"/>
-                </a:schemeClr>
-              </a:solidFill>
-              <a:ln>
-                <a:noFill/>
-              </a:ln>
-            </p:spPr>
-            <p:style>
-              <a:lnRef idx="0">
-                <a:scrgbClr r="0" g="0" b="0"/>
-              </a:lnRef>
-              <a:fillRef idx="0">
-                <a:scrgbClr r="0" g="0" b="0"/>
-              </a:fillRef>
-              <a:effectRef idx="0">
-                <a:scrgbClr r="0" g="0" b="0"/>
-              </a:effectRef>
-              <a:fontRef idx="minor">
-                <a:schemeClr val="lt1"/>
-              </a:fontRef>
-            </p:style>
-            <p:txBody>
-              <a:bodyPr rot="0" spcFirstLastPara="0" vertOverflow="overflow" horzOverflow="overflow" vert="horz" wrap="square" lIns="91440" tIns="45720" rIns="91440" bIns="45720" numCol="1" spcCol="0" rtlCol="0" fromWordArt="0" anchor="t" anchorCtr="0" forceAA="0" compatLnSpc="1">
-                <a:prstTxWarp prst="textNoShape">
-                  <a:avLst/>
-                </a:prstTxWarp>
-                <a:noAutofit/>
-              </a:bodyPr>
-              <a:lstStyle/>
-              <a:p>
-                <a:pPr algn="ctr">
-                  <a:lnSpc>
-                    <a:spcPct val="114000"/>
-                  </a:lnSpc>
-                </a:pPr>
-                <a:endParaRPr lang="en-GB" dirty="0">
+              </a:prstTxWarp>
+              <a:noAutofit/>
+            </a:bodyPr>
+            <a:lstStyle/>
+            <a:p>
+              <a:pPr marL="0" marR="0" indent="0" algn="ctr" defTabSz="914400" rtl="0" eaLnBrk="0" fontAlgn="base" latinLnBrk="0" hangingPunct="0">
+                <a:lnSpc>
+                  <a:spcPct val="100000"/>
+                </a:lnSpc>
+                <a:spcBef>
+                  <a:spcPct val="0"/>
+                </a:spcBef>
+                <a:spcAft>
+                  <a:spcPct val="0"/>
+                </a:spcAft>
+                <a:buClrTx/>
+                <a:buSzTx/>
+                <a:buFontTx/>
+                <a:buNone/>
+                <a:tabLst/>
+              </a:pPr>
+              <a:r>
+                <a:rPr kumimoji="0" lang="en-GB" sz="1400" b="0" i="0" u="none" strike="noStrike" cap="none" normalizeH="0" baseline="0" dirty="0">
+                  <a:ln>
+                    <a:noFill/>
+                  </a:ln>
                   <a:solidFill>
-                    <a:schemeClr val="tx1"/>
+                    <a:schemeClr val="bg1"/>
                   </a:solidFill>
-                </a:endParaRPr>
-              </a:p>
-            </p:txBody>
-          </p:sp>
-          <p:sp>
-            <p:nvSpPr>
-              <p:cNvPr id="12" name="TextBox 11">
-                <a:extLst>
-                  <a:ext uri="{FF2B5EF4-FFF2-40B4-BE49-F238E27FC236}">
-                    <a16:creationId xmlns:a16="http://schemas.microsoft.com/office/drawing/2014/main" id="{A1DC1FDB-804A-1025-90DF-9B015B60EF48}"/>
-                  </a:ext>
-                </a:extLst>
-              </p:cNvPr>
-              <p:cNvSpPr txBox="1"/>
-              <p:nvPr/>
-            </p:nvSpPr>
-            <p:spPr>
-              <a:xfrm>
-                <a:off x="6280555" y="2161903"/>
-                <a:ext cx="1233376" cy="257250"/>
-              </a:xfrm>
-              <a:prstGeom prst="rect">
-                <a:avLst/>
-              </a:prstGeom>
-              <a:noFill/>
-            </p:spPr>
-            <p:txBody>
-              <a:bodyPr wrap="square" lIns="0" tIns="0" rIns="0" bIns="0" rtlCol="0">
-                <a:spAutoFit/>
-              </a:bodyPr>
-              <a:lstStyle/>
-              <a:p>
-                <a:pPr algn="ctr">
-                  <a:lnSpc>
-                    <a:spcPct val="114000"/>
-                  </a:lnSpc>
-                </a:pPr>
-                <a:r>
-                  <a:rPr lang="en-GB" sz="1600" b="1" dirty="0">
-                    <a:solidFill>
-                      <a:schemeClr val="accent6"/>
-                    </a:solidFill>
-                    <a:latin typeface="+mn-lt"/>
-                  </a:rPr>
-                  <a:t>Agent</a:t>
-                </a:r>
-              </a:p>
-            </p:txBody>
-          </p:sp>
-        </p:grpSp>
-        <p:grpSp>
-          <p:nvGrpSpPr>
-            <p:cNvPr id="16" name="Group 15">
+                  <a:effectLst/>
+                  <a:latin typeface="Helvetica Neue" charset="0"/>
+                </a:rPr>
+                <a:t>Literature Review</a:t>
+              </a:r>
+            </a:p>
+          </p:txBody>
+        </p:sp>
+        <p:sp>
+          <p:nvSpPr>
+            <p:cNvPr id="10" name="Chevron 21">
               <a:extLst>
                 <a:ext uri="{FF2B5EF4-FFF2-40B4-BE49-F238E27FC236}">
-                  <a16:creationId xmlns:a16="http://schemas.microsoft.com/office/drawing/2014/main" id="{D5CFA6C5-E894-DBD4-75A5-1A4F460A9024}"/>
+                  <a16:creationId xmlns:a16="http://schemas.microsoft.com/office/drawing/2014/main" id="{F6B7D66A-9651-4691-C803-E0C11E0E39CC}"/>
                 </a:ext>
               </a:extLst>
             </p:cNvPr>
-            <p:cNvGrpSpPr/>
+            <p:cNvSpPr/>
             <p:nvPr/>
-          </p:nvGrpSpPr>
-          <p:grpSpPr>
+          </p:nvSpPr>
+          <p:spPr bwMode="auto">
             <a:xfrm>
-              <a:off x="2797571" y="2284423"/>
-              <a:ext cx="595423" cy="590895"/>
-              <a:chOff x="1467293" y="2262904"/>
-              <a:chExt cx="595423" cy="590895"/>
+              <a:off x="4157299" y="195135"/>
+              <a:ext cx="1655556" cy="426446"/>
             </a:xfrm>
-          </p:grpSpPr>
-          <p:sp>
-            <p:nvSpPr>
-              <p:cNvPr id="13" name="Oval 12">
-                <a:extLst>
-                  <a:ext uri="{FF2B5EF4-FFF2-40B4-BE49-F238E27FC236}">
-                    <a16:creationId xmlns:a16="http://schemas.microsoft.com/office/drawing/2014/main" id="{539AC701-273E-C0B1-C44C-E0226DCD97EC}"/>
-                  </a:ext>
-                </a:extLst>
-              </p:cNvPr>
-              <p:cNvSpPr/>
-              <p:nvPr/>
-            </p:nvSpPr>
-            <p:spPr>
-              <a:xfrm>
-                <a:off x="1467293" y="2262904"/>
-                <a:ext cx="595423" cy="590895"/>
-              </a:xfrm>
-              <a:prstGeom prst="ellipse">
+            <a:prstGeom prst="chevron">
+              <a:avLst/>
+            </a:prstGeom>
+            <a:solidFill>
+              <a:schemeClr val="bg1">
+                <a:lumMod val="95000"/>
+              </a:schemeClr>
+            </a:solidFill>
+            <a:ln w="9525" cap="flat" cmpd="sng" algn="ctr">
+              <a:noFill/>
+              <a:prstDash val="solid"/>
+              <a:round/>
+              <a:headEnd type="none" w="med" len="med"/>
+              <a:tailEnd type="none" w="med" len="med"/>
+            </a:ln>
+            <a:effectLst/>
+          </p:spPr>
+          <p:txBody>
+            <a:bodyPr rot="0" spcFirstLastPara="0" vertOverflow="overflow" horzOverflow="overflow" vert="horz" wrap="square" lIns="91440" tIns="45720" rIns="91440" bIns="45720" numCol="1" spcCol="0" rtlCol="0" fromWordArt="0" anchor="ctr" anchorCtr="0" forceAA="0" compatLnSpc="1">
+              <a:prstTxWarp prst="textNoShape">
                 <a:avLst/>
-              </a:prstGeom>
-              <a:noFill/>
-              <a:ln>
-                <a:solidFill>
-                  <a:schemeClr val="accent1"/>
-                </a:solidFill>
-              </a:ln>
-            </p:spPr>
-            <p:style>
-              <a:lnRef idx="2">
-                <a:schemeClr val="accent1">
-                  <a:shade val="50000"/>
-                </a:schemeClr>
-              </a:lnRef>
-              <a:fillRef idx="1">
-                <a:schemeClr val="accent1"/>
-              </a:fillRef>
-              <a:effectRef idx="0">
-                <a:schemeClr val="accent1"/>
-              </a:effectRef>
-              <a:fontRef idx="minor">
-                <a:schemeClr val="lt1"/>
-              </a:fontRef>
-            </p:style>
-            <p:txBody>
-              <a:bodyPr rot="0" spcFirstLastPara="0" vertOverflow="overflow" horzOverflow="overflow" vert="horz" wrap="square" lIns="91440" tIns="45720" rIns="91440" bIns="45720" numCol="1" spcCol="0" rtlCol="0" fromWordArt="0" anchor="t" anchorCtr="0" forceAA="0" compatLnSpc="1">
-                <a:prstTxWarp prst="textNoShape">
-                  <a:avLst/>
-                </a:prstTxWarp>
-                <a:noAutofit/>
-              </a:bodyPr>
-              <a:lstStyle/>
-              <a:p>
-                <a:pPr algn="ctr">
-                  <a:lnSpc>
-                    <a:spcPct val="114000"/>
-                  </a:lnSpc>
-                </a:pPr>
-                <a:endParaRPr lang="en-GB" dirty="0"/>
-              </a:p>
-            </p:txBody>
-          </p:sp>
-          <mc:AlternateContent xmlns:mc="http://schemas.openxmlformats.org/markup-compatibility/2006" xmlns:a14="http://schemas.microsoft.com/office/drawing/2010/main">
-            <mc:Choice Requires="a14">
-              <p:sp>
-                <p:nvSpPr>
-                  <p:cNvPr id="14" name="TextBox 13">
-                    <a:extLst>
-                      <a:ext uri="{FF2B5EF4-FFF2-40B4-BE49-F238E27FC236}">
-                        <a16:creationId xmlns:a16="http://schemas.microsoft.com/office/drawing/2014/main" id="{CF932177-8DF5-CCE5-49E4-9BBE8914669F}"/>
-                      </a:ext>
-                    </a:extLst>
-                  </p:cNvPr>
-                  <p:cNvSpPr txBox="1"/>
-                  <p:nvPr/>
-                </p:nvSpPr>
-                <p:spPr>
-                  <a:xfrm>
-                    <a:off x="1622551" y="2354194"/>
-                    <a:ext cx="280269" cy="350865"/>
-                  </a:xfrm>
-                  <a:prstGeom prst="rect">
-                    <a:avLst/>
-                  </a:prstGeom>
-                  <a:noFill/>
-                </p:spPr>
-                <p:txBody>
-                  <a:bodyPr wrap="none" lIns="0" tIns="0" rIns="0" bIns="0" rtlCol="0" anchor="ctr">
-                    <a:spAutoFit/>
-                  </a:bodyPr>
-                  <a:lstStyle/>
-                  <a:p>
-                    <a:pPr>
-                      <a:lnSpc>
-                        <a:spcPct val="114000"/>
-                      </a:lnSpc>
-                    </a:pPr>
-                    <a14:m>
-                      <m:oMathPara xmlns:m="http://schemas.openxmlformats.org/officeDocument/2006/math">
-                        <m:oMathParaPr>
-                          <m:jc m:val="centerGroup"/>
-                        </m:oMathParaPr>
-                        <m:oMath xmlns:m="http://schemas.openxmlformats.org/officeDocument/2006/math">
-                          <m:sSub>
-                            <m:sSubPr>
-                              <m:ctrlPr>
-                                <a:rPr lang="en-GB" sz="2000" i="1" smtClean="0">
-                                  <a:latin typeface="Cambria Math" panose="02040503050406030204" pitchFamily="18" charset="0"/>
-                                </a:rPr>
-                              </m:ctrlPr>
-                            </m:sSubPr>
-                            <m:e>
-                              <m:r>
-                                <a:rPr lang="en-US" sz="2000" b="0" i="1" smtClean="0">
-                                  <a:latin typeface="Cambria Math" panose="02040503050406030204" pitchFamily="18" charset="0"/>
-                                </a:rPr>
-                                <m:t>𝑠</m:t>
-                              </m:r>
-                            </m:e>
-                            <m:sub>
-                              <m:r>
-                                <a:rPr lang="en-US" sz="2000" b="0" i="1" smtClean="0">
-                                  <a:latin typeface="Cambria Math" panose="02040503050406030204" pitchFamily="18" charset="0"/>
-                                </a:rPr>
-                                <m:t>𝑡</m:t>
-                              </m:r>
-                            </m:sub>
-                          </m:sSub>
-                        </m:oMath>
-                      </m:oMathPara>
-                    </a14:m>
-                    <a:endParaRPr lang="en-GB" sz="2000" dirty="0" err="1">
-                      <a:latin typeface="+mn-lt"/>
-                    </a:endParaRPr>
-                  </a:p>
-                </p:txBody>
-              </p:sp>
-            </mc:Choice>
-            <mc:Fallback xmlns="">
-              <p:sp>
-                <p:nvSpPr>
-                  <p:cNvPr id="14" name="TextBox 13">
-                    <a:extLst>
-                      <a:ext uri="{FF2B5EF4-FFF2-40B4-BE49-F238E27FC236}">
-                        <a16:creationId xmlns:a16="http://schemas.microsoft.com/office/drawing/2014/main" id="{CF932177-8DF5-CCE5-49E4-9BBE8914669F}"/>
-                      </a:ext>
-                    </a:extLst>
-                  </p:cNvPr>
-                  <p:cNvSpPr txBox="1">
-                    <a:spLocks noRot="1" noChangeAspect="1" noMove="1" noResize="1" noEditPoints="1" noAdjustHandles="1" noChangeArrowheads="1" noChangeShapeType="1" noTextEdit="1"/>
-                  </p:cNvSpPr>
-                  <p:nvPr/>
-                </p:nvSpPr>
-                <p:spPr>
-                  <a:xfrm>
-                    <a:off x="1622551" y="2354194"/>
-                    <a:ext cx="280269" cy="350865"/>
-                  </a:xfrm>
-                  <a:prstGeom prst="rect">
-                    <a:avLst/>
-                  </a:prstGeom>
-                  <a:blipFill>
-                    <a:blip r:embed="rId2"/>
-                    <a:stretch>
-                      <a:fillRect l="-8696" r="-4348" b="-6897"/>
-                    </a:stretch>
-                  </a:blipFill>
-                </p:spPr>
-                <p:txBody>
-                  <a:bodyPr/>
-                  <a:lstStyle/>
-                  <a:p>
-                    <a:r>
-                      <a:rPr lang="en-GB">
-                        <a:noFill/>
-                      </a:rPr>
-                      <a:t> </a:t>
-                    </a:r>
-                  </a:p>
-                </p:txBody>
-              </p:sp>
-            </mc:Fallback>
-          </mc:AlternateContent>
-        </p:grpSp>
-        <p:grpSp>
-          <p:nvGrpSpPr>
-            <p:cNvPr id="17" name="Group 16">
+              </a:prstTxWarp>
+              <a:noAutofit/>
+            </a:bodyPr>
+            <a:lstStyle/>
+            <a:p>
+              <a:pPr marL="0" marR="0" indent="0" algn="ctr" defTabSz="914400" rtl="0" eaLnBrk="0" fontAlgn="base" latinLnBrk="0" hangingPunct="0">
+                <a:lnSpc>
+                  <a:spcPct val="100000"/>
+                </a:lnSpc>
+                <a:spcBef>
+                  <a:spcPct val="0"/>
+                </a:spcBef>
+                <a:spcAft>
+                  <a:spcPct val="0"/>
+                </a:spcAft>
+                <a:buClrTx/>
+                <a:buSzTx/>
+                <a:buFontTx/>
+                <a:buNone/>
+                <a:tabLst/>
+              </a:pPr>
+              <a:r>
+                <a:rPr kumimoji="0" lang="en-GB" sz="1400" b="0" i="0" u="none" strike="noStrike" cap="none" normalizeH="0" baseline="0" dirty="0">
+                  <a:ln>
+                    <a:noFill/>
+                  </a:ln>
+                  <a:solidFill>
+                    <a:schemeClr val="bg1"/>
+                  </a:solidFill>
+                  <a:effectLst/>
+                  <a:latin typeface="Helvetica Neue" charset="0"/>
+                </a:rPr>
+                <a:t>Methodology</a:t>
+              </a:r>
+            </a:p>
+          </p:txBody>
+        </p:sp>
+        <p:sp>
+          <p:nvSpPr>
+            <p:cNvPr id="11" name="Chevron 21">
               <a:extLst>
                 <a:ext uri="{FF2B5EF4-FFF2-40B4-BE49-F238E27FC236}">
-                  <a16:creationId xmlns:a16="http://schemas.microsoft.com/office/drawing/2014/main" id="{EE545178-AD1F-C708-7B26-FE06AD375FDF}"/>
+                  <a16:creationId xmlns:a16="http://schemas.microsoft.com/office/drawing/2014/main" id="{F111D98B-FC2E-8F43-DC84-924C58D2BD82}"/>
                 </a:ext>
               </a:extLst>
             </p:cNvPr>
-            <p:cNvGrpSpPr/>
+            <p:cNvSpPr/>
             <p:nvPr/>
-          </p:nvGrpSpPr>
-          <p:grpSpPr>
+          </p:nvSpPr>
+          <p:spPr bwMode="auto">
             <a:xfrm>
-              <a:off x="4965407" y="2284423"/>
-              <a:ext cx="595423" cy="590895"/>
-              <a:chOff x="1467293" y="2262904"/>
-              <a:chExt cx="595423" cy="590895"/>
+              <a:off x="5601171" y="195135"/>
+              <a:ext cx="1655556" cy="426446"/>
             </a:xfrm>
-          </p:grpSpPr>
-          <p:sp>
-            <p:nvSpPr>
-              <p:cNvPr id="18" name="Oval 17">
-                <a:extLst>
-                  <a:ext uri="{FF2B5EF4-FFF2-40B4-BE49-F238E27FC236}">
-                    <a16:creationId xmlns:a16="http://schemas.microsoft.com/office/drawing/2014/main" id="{5D7CEFCC-3120-4857-DD64-1974A0A2CB70}"/>
-                  </a:ext>
-                </a:extLst>
-              </p:cNvPr>
-              <p:cNvSpPr/>
-              <p:nvPr/>
-            </p:nvSpPr>
-            <p:spPr>
-              <a:xfrm>
-                <a:off x="1467293" y="2262904"/>
-                <a:ext cx="595423" cy="590895"/>
-              </a:xfrm>
-              <a:prstGeom prst="ellipse">
-                <a:avLst/>
-              </a:prstGeom>
-              <a:noFill/>
-              <a:ln>
-                <a:solidFill>
-                  <a:schemeClr val="accent1"/>
-                </a:solidFill>
-              </a:ln>
-            </p:spPr>
-            <p:style>
-              <a:lnRef idx="2">
-                <a:schemeClr val="accent1">
-                  <a:shade val="50000"/>
-                </a:schemeClr>
-              </a:lnRef>
-              <a:fillRef idx="1">
-                <a:schemeClr val="accent1"/>
-              </a:fillRef>
-              <a:effectRef idx="0">
-                <a:schemeClr val="accent1"/>
-              </a:effectRef>
-              <a:fontRef idx="minor">
-                <a:schemeClr val="lt1"/>
-              </a:fontRef>
-            </p:style>
-            <p:txBody>
-              <a:bodyPr rot="0" spcFirstLastPara="0" vertOverflow="overflow" horzOverflow="overflow" vert="horz" wrap="square" lIns="91440" tIns="45720" rIns="91440" bIns="45720" numCol="1" spcCol="0" rtlCol="0" fromWordArt="0" anchor="t" anchorCtr="0" forceAA="0" compatLnSpc="1">
-                <a:prstTxWarp prst="textNoShape">
-                  <a:avLst/>
-                </a:prstTxWarp>
-                <a:noAutofit/>
-              </a:bodyPr>
-              <a:lstStyle/>
-              <a:p>
-                <a:pPr algn="ctr">
-                  <a:lnSpc>
-                    <a:spcPct val="114000"/>
-                  </a:lnSpc>
-                </a:pPr>
-                <a:endParaRPr lang="en-GB" dirty="0"/>
-              </a:p>
-            </p:txBody>
-          </p:sp>
-          <mc:AlternateContent xmlns:mc="http://schemas.openxmlformats.org/markup-compatibility/2006" xmlns:a14="http://schemas.microsoft.com/office/drawing/2010/main">
-            <mc:Choice Requires="a14">
-              <p:sp>
-                <p:nvSpPr>
-                  <p:cNvPr id="19" name="TextBox 18">
-                    <a:extLst>
-                      <a:ext uri="{FF2B5EF4-FFF2-40B4-BE49-F238E27FC236}">
-                        <a16:creationId xmlns:a16="http://schemas.microsoft.com/office/drawing/2014/main" id="{B471D11E-F3A5-7223-1052-0ADBF4B17A30}"/>
-                      </a:ext>
-                    </a:extLst>
-                  </p:cNvPr>
-                  <p:cNvSpPr txBox="1"/>
-                  <p:nvPr/>
-                </p:nvSpPr>
-                <p:spPr>
-                  <a:xfrm>
-                    <a:off x="1528017" y="2354194"/>
-                    <a:ext cx="525528" cy="350865"/>
-                  </a:xfrm>
-                  <a:prstGeom prst="rect">
-                    <a:avLst/>
-                  </a:prstGeom>
-                  <a:noFill/>
-                </p:spPr>
-                <p:txBody>
-                  <a:bodyPr wrap="none" lIns="0" tIns="0" rIns="0" bIns="0" rtlCol="0" anchor="ctr">
-                    <a:spAutoFit/>
-                  </a:bodyPr>
-                  <a:lstStyle/>
-                  <a:p>
-                    <a:pPr>
-                      <a:lnSpc>
-                        <a:spcPct val="114000"/>
-                      </a:lnSpc>
-                    </a:pPr>
-                    <a14:m>
-                      <m:oMathPara xmlns:m="http://schemas.openxmlformats.org/officeDocument/2006/math">
-                        <m:oMathParaPr>
-                          <m:jc m:val="centerGroup"/>
-                        </m:oMathParaPr>
-                        <m:oMath xmlns:m="http://schemas.openxmlformats.org/officeDocument/2006/math">
-                          <m:sSub>
-                            <m:sSubPr>
-                              <m:ctrlPr>
-                                <a:rPr lang="en-GB" sz="2000" i="1" smtClean="0">
-                                  <a:latin typeface="Cambria Math" panose="02040503050406030204" pitchFamily="18" charset="0"/>
-                                </a:rPr>
-                              </m:ctrlPr>
-                            </m:sSubPr>
-                            <m:e>
-                              <m:r>
-                                <a:rPr lang="en-US" sz="2000" b="0" i="1" smtClean="0">
-                                  <a:latin typeface="Cambria Math" panose="02040503050406030204" pitchFamily="18" charset="0"/>
-                                </a:rPr>
-                                <m:t>𝑠</m:t>
-                              </m:r>
-                            </m:e>
-                            <m:sub>
-                              <m:r>
-                                <a:rPr lang="en-US" sz="2000" b="0" i="1" smtClean="0">
-                                  <a:latin typeface="Cambria Math" panose="02040503050406030204" pitchFamily="18" charset="0"/>
-                                </a:rPr>
-                                <m:t>𝑡</m:t>
-                              </m:r>
-                              <m:r>
-                                <a:rPr lang="en-US" sz="2000" b="0" i="1" smtClean="0">
-                                  <a:latin typeface="Cambria Math" panose="02040503050406030204" pitchFamily="18" charset="0"/>
-                                </a:rPr>
-                                <m:t>+1</m:t>
-                              </m:r>
-                            </m:sub>
-                          </m:sSub>
-                        </m:oMath>
-                      </m:oMathPara>
-                    </a14:m>
-                    <a:endParaRPr lang="en-GB" sz="2000" dirty="0" err="1">
-                      <a:latin typeface="+mn-lt"/>
-                    </a:endParaRPr>
-                  </a:p>
-                </p:txBody>
-              </p:sp>
-            </mc:Choice>
-            <mc:Fallback xmlns="">
-              <p:sp>
-                <p:nvSpPr>
-                  <p:cNvPr id="19" name="TextBox 18">
-                    <a:extLst>
-                      <a:ext uri="{FF2B5EF4-FFF2-40B4-BE49-F238E27FC236}">
-                        <a16:creationId xmlns:a16="http://schemas.microsoft.com/office/drawing/2014/main" id="{B471D11E-F3A5-7223-1052-0ADBF4B17A30}"/>
-                      </a:ext>
-                    </a:extLst>
-                  </p:cNvPr>
-                  <p:cNvSpPr txBox="1">
-                    <a:spLocks noRot="1" noChangeAspect="1" noMove="1" noResize="1" noEditPoints="1" noAdjustHandles="1" noChangeArrowheads="1" noChangeShapeType="1" noTextEdit="1"/>
-                  </p:cNvSpPr>
-                  <p:nvPr/>
-                </p:nvSpPr>
-                <p:spPr>
-                  <a:xfrm>
-                    <a:off x="1528017" y="2354194"/>
-                    <a:ext cx="525528" cy="350865"/>
-                  </a:xfrm>
-                  <a:prstGeom prst="rect">
-                    <a:avLst/>
-                  </a:prstGeom>
-                  <a:blipFill>
-                    <a:blip r:embed="rId3"/>
-                    <a:stretch>
-                      <a:fillRect l="-4651" r="-2326" b="-6897"/>
-                    </a:stretch>
-                  </a:blipFill>
-                </p:spPr>
-                <p:txBody>
-                  <a:bodyPr/>
-                  <a:lstStyle/>
-                  <a:p>
-                    <a:r>
-                      <a:rPr lang="en-GB">
-                        <a:noFill/>
-                      </a:rPr>
-                      <a:t> </a:t>
-                    </a:r>
-                  </a:p>
-                </p:txBody>
-              </p:sp>
-            </mc:Fallback>
-          </mc:AlternateContent>
-        </p:grpSp>
-        <p:cxnSp>
-          <p:nvCxnSpPr>
-            <p:cNvPr id="22" name="Straight Arrow Connector 21">
-              <a:extLst>
-                <a:ext uri="{FF2B5EF4-FFF2-40B4-BE49-F238E27FC236}">
-                  <a16:creationId xmlns:a16="http://schemas.microsoft.com/office/drawing/2014/main" id="{0F78D6B2-7A1F-8B8E-E982-6EC5995BFE48}"/>
-                </a:ext>
-              </a:extLst>
-            </p:cNvPr>
-            <p:cNvCxnSpPr/>
-            <p:nvPr/>
-          </p:nvCxnSpPr>
-          <p:spPr>
-            <a:xfrm>
-              <a:off x="2042660" y="2571750"/>
-              <a:ext cx="754911" cy="0"/>
-            </a:xfrm>
-            <a:prstGeom prst="straightConnector1">
+            <a:prstGeom prst="chevron">
               <a:avLst/>
             </a:prstGeom>
-            <a:ln w="28575">
-              <a:solidFill>
-                <a:schemeClr val="tx1"/>
-              </a:solidFill>
-              <a:prstDash val="sysDot"/>
-              <a:tailEnd type="triangle"/>
+            <a:solidFill>
+              <a:schemeClr val="bg1">
+                <a:lumMod val="95000"/>
+              </a:schemeClr>
+            </a:solidFill>
+            <a:ln w="9525" cap="flat" cmpd="sng" algn="ctr">
+              <a:noFill/>
+              <a:prstDash val="solid"/>
+              <a:round/>
+              <a:headEnd type="none" w="med" len="med"/>
+              <a:tailEnd type="none" w="med" len="med"/>
             </a:ln>
+            <a:effectLst/>
           </p:spPr>
-          <p:style>
-            <a:lnRef idx="1">
-              <a:schemeClr val="accent1"/>
-            </a:lnRef>
-            <a:fillRef idx="0">
-              <a:schemeClr val="accent1"/>
-            </a:fillRef>
-            <a:effectRef idx="0">
-              <a:schemeClr val="accent1"/>
-            </a:effectRef>
-            <a:fontRef idx="minor">
-              <a:schemeClr val="tx1"/>
-            </a:fontRef>
-          </p:style>
-        </p:cxnSp>
-        <p:cxnSp>
-          <p:nvCxnSpPr>
-            <p:cNvPr id="23" name="Straight Arrow Connector 22">
-              <a:extLst>
-                <a:ext uri="{FF2B5EF4-FFF2-40B4-BE49-F238E27FC236}">
-                  <a16:creationId xmlns:a16="http://schemas.microsoft.com/office/drawing/2014/main" id="{E5A730E3-E10E-F150-16B5-ED59BF42BEAA}"/>
-                </a:ext>
-              </a:extLst>
-            </p:cNvPr>
-            <p:cNvCxnSpPr/>
-            <p:nvPr/>
-          </p:nvCxnSpPr>
-          <p:spPr>
-            <a:xfrm>
-              <a:off x="5560830" y="2571750"/>
-              <a:ext cx="754911" cy="0"/>
-            </a:xfrm>
-            <a:prstGeom prst="straightConnector1">
-              <a:avLst/>
-            </a:prstGeom>
-            <a:ln w="28575">
-              <a:solidFill>
-                <a:schemeClr val="tx1"/>
-              </a:solidFill>
-              <a:prstDash val="sysDot"/>
-              <a:tailEnd type="triangle"/>
-            </a:ln>
-          </p:spPr>
-          <p:style>
-            <a:lnRef idx="1">
-              <a:schemeClr val="accent1"/>
-            </a:lnRef>
-            <a:fillRef idx="0">
-              <a:schemeClr val="accent1"/>
-            </a:fillRef>
-            <a:effectRef idx="0">
-              <a:schemeClr val="accent1"/>
-            </a:effectRef>
-            <a:fontRef idx="minor">
-              <a:schemeClr val="tx1"/>
-            </a:fontRef>
-          </p:style>
-        </p:cxnSp>
-        <p:cxnSp>
-          <p:nvCxnSpPr>
-            <p:cNvPr id="24" name="Straight Arrow Connector 23">
-              <a:extLst>
-                <a:ext uri="{FF2B5EF4-FFF2-40B4-BE49-F238E27FC236}">
-                  <a16:creationId xmlns:a16="http://schemas.microsoft.com/office/drawing/2014/main" id="{5B70B3A1-B02F-EBA2-0D8F-FB58B1C88368}"/>
-                </a:ext>
-              </a:extLst>
-            </p:cNvPr>
-            <p:cNvCxnSpPr>
-              <a:cxnSpLocks/>
-              <a:stCxn id="13" idx="6"/>
-              <a:endCxn id="18" idx="2"/>
-            </p:cNvCxnSpPr>
-            <p:nvPr/>
-          </p:nvCxnSpPr>
-          <p:spPr>
-            <a:xfrm>
-              <a:off x="3392994" y="2579871"/>
-              <a:ext cx="1572413" cy="0"/>
-            </a:xfrm>
-            <a:prstGeom prst="straightConnector1">
-              <a:avLst/>
-            </a:prstGeom>
-            <a:ln w="28575">
-              <a:solidFill>
-                <a:schemeClr val="tx1"/>
-              </a:solidFill>
-              <a:tailEnd type="triangle"/>
-            </a:ln>
-          </p:spPr>
-          <p:style>
-            <a:lnRef idx="1">
-              <a:schemeClr val="accent1"/>
-            </a:lnRef>
-            <a:fillRef idx="0">
-              <a:schemeClr val="accent1"/>
-            </a:fillRef>
-            <a:effectRef idx="0">
-              <a:schemeClr val="accent1"/>
-            </a:effectRef>
-            <a:fontRef idx="minor">
-              <a:schemeClr val="tx1"/>
-            </a:fontRef>
-          </p:style>
-        </p:cxnSp>
-        <mc:AlternateContent xmlns:mc="http://schemas.openxmlformats.org/markup-compatibility/2006" xmlns:a14="http://schemas.microsoft.com/office/drawing/2010/main">
-          <mc:Choice Requires="a14">
-            <p:sp>
-              <p:nvSpPr>
-                <p:cNvPr id="27" name="TextBox 26">
-                  <a:extLst>
-                    <a:ext uri="{FF2B5EF4-FFF2-40B4-BE49-F238E27FC236}">
-                      <a16:creationId xmlns:a16="http://schemas.microsoft.com/office/drawing/2014/main" id="{88921A5D-7252-53FF-441C-112C1FDE6FD5}"/>
-                    </a:ext>
-                  </a:extLst>
-                </p:cNvPr>
-                <p:cNvSpPr txBox="1"/>
-                <p:nvPr/>
-              </p:nvSpPr>
-              <p:spPr>
-                <a:xfrm>
-                  <a:off x="3709325" y="2937535"/>
-                  <a:ext cx="362893" cy="439701"/>
-                </a:xfrm>
-                <a:prstGeom prst="roundRect">
-                  <a:avLst/>
-                </a:prstGeom>
-                <a:noFill/>
-                <a:ln w="19050">
-                  <a:noFill/>
-                </a:ln>
-              </p:spPr>
-              <p:txBody>
-                <a:bodyPr wrap="square" anchor="ctr">
-                  <a:spAutoFit/>
-                </a:bodyPr>
-                <a:lstStyle/>
-                <a:p>
-                  <a:pPr algn="ctr">
-                    <a:lnSpc>
-                      <a:spcPct val="114000"/>
-                    </a:lnSpc>
-                  </a:pPr>
-                  <a14:m>
-                    <m:oMathPara xmlns:m="http://schemas.openxmlformats.org/officeDocument/2006/math">
-                      <m:oMathParaPr>
-                        <m:jc m:val="center"/>
-                      </m:oMathParaPr>
-                      <m:oMath xmlns:m="http://schemas.openxmlformats.org/officeDocument/2006/math">
-                        <m:sSub>
-                          <m:sSubPr>
-                            <m:ctrlPr>
-                              <a:rPr lang="en-GB" i="1" smtClean="0">
-                                <a:solidFill>
-                                  <a:schemeClr val="tx1"/>
-                                </a:solidFill>
-                                <a:latin typeface="Cambria Math" panose="02040503050406030204" pitchFamily="18" charset="0"/>
-                              </a:rPr>
-                            </m:ctrlPr>
-                          </m:sSubPr>
-                          <m:e>
-                            <m:r>
-                              <a:rPr lang="en-US" b="0" i="1" smtClean="0">
-                                <a:solidFill>
-                                  <a:schemeClr val="tx1"/>
-                                </a:solidFill>
-                                <a:latin typeface="Cambria Math" panose="02040503050406030204" pitchFamily="18" charset="0"/>
-                              </a:rPr>
-                              <m:t>𝑎</m:t>
-                            </m:r>
-                          </m:e>
-                          <m:sub>
-                            <m:r>
-                              <a:rPr lang="en-US" b="0" i="1" smtClean="0">
-                                <a:solidFill>
-                                  <a:schemeClr val="tx1"/>
-                                </a:solidFill>
-                                <a:latin typeface="Cambria Math" panose="02040503050406030204" pitchFamily="18" charset="0"/>
-                              </a:rPr>
-                              <m:t>𝑡</m:t>
-                            </m:r>
-                          </m:sub>
-                        </m:sSub>
-                      </m:oMath>
-                    </m:oMathPara>
-                  </a14:m>
-                  <a:endParaRPr lang="en-GB" dirty="0">
-                    <a:solidFill>
-                      <a:schemeClr val="tx1"/>
-                    </a:solidFill>
-                  </a:endParaRPr>
-                </a:p>
-              </p:txBody>
-            </p:sp>
-          </mc:Choice>
-          <mc:Fallback xmlns="">
-            <p:sp>
-              <p:nvSpPr>
-                <p:cNvPr id="27" name="TextBox 26">
-                  <a:extLst>
-                    <a:ext uri="{FF2B5EF4-FFF2-40B4-BE49-F238E27FC236}">
-                      <a16:creationId xmlns:a16="http://schemas.microsoft.com/office/drawing/2014/main" id="{88921A5D-7252-53FF-441C-112C1FDE6FD5}"/>
-                    </a:ext>
-                  </a:extLst>
-                </p:cNvPr>
-                <p:cNvSpPr txBox="1">
-                  <a:spLocks noRot="1" noChangeAspect="1" noMove="1" noResize="1" noEditPoints="1" noAdjustHandles="1" noChangeArrowheads="1" noChangeShapeType="1" noTextEdit="1"/>
-                </p:cNvSpPr>
-                <p:nvPr/>
-              </p:nvSpPr>
-              <p:spPr>
-                <a:xfrm>
-                  <a:off x="3709325" y="2937535"/>
-                  <a:ext cx="362893" cy="439701"/>
-                </a:xfrm>
-                <a:prstGeom prst="roundRect">
-                  <a:avLst/>
-                </a:prstGeom>
-                <a:blipFill>
-                  <a:blip r:embed="rId4"/>
-                  <a:stretch>
-                    <a:fillRect l="-6897"/>
-                  </a:stretch>
-                </a:blipFill>
-                <a:ln w="19050">
-                  <a:noFill/>
-                </a:ln>
-              </p:spPr>
-              <p:txBody>
-                <a:bodyPr/>
-                <a:lstStyle/>
-                <a:p>
-                  <a:r>
-                    <a:rPr lang="en-GB">
-                      <a:noFill/>
-                    </a:rPr>
-                    <a:t> </a:t>
-                  </a:r>
-                </a:p>
-              </p:txBody>
-            </p:sp>
-          </mc:Fallback>
-        </mc:AlternateContent>
-        <mc:AlternateContent xmlns:mc="http://schemas.openxmlformats.org/markup-compatibility/2006" xmlns:a14="http://schemas.microsoft.com/office/drawing/2010/main">
-          <mc:Choice Requires="a14">
-            <p:sp>
-              <p:nvSpPr>
-                <p:cNvPr id="28" name="TextBox 27">
-                  <a:extLst>
-                    <a:ext uri="{FF2B5EF4-FFF2-40B4-BE49-F238E27FC236}">
-                      <a16:creationId xmlns:a16="http://schemas.microsoft.com/office/drawing/2014/main" id="{9E7E7109-1AB3-F949-7BFF-C64A835F4E1A}"/>
-                    </a:ext>
-                  </a:extLst>
-                </p:cNvPr>
-                <p:cNvSpPr txBox="1"/>
-                <p:nvPr/>
-              </p:nvSpPr>
-              <p:spPr>
-                <a:xfrm>
-                  <a:off x="3408732" y="2174712"/>
-                  <a:ext cx="1482248" cy="408125"/>
-                </a:xfrm>
-                <a:prstGeom prst="rect">
-                  <a:avLst/>
-                </a:prstGeom>
-                <a:noFill/>
-              </p:spPr>
-              <p:txBody>
-                <a:bodyPr wrap="square">
-                  <a:spAutoFit/>
-                </a:bodyPr>
-                <a:lstStyle/>
-                <a:p>
-                  <a:pPr algn="ctr">
-                    <a:lnSpc>
-                      <a:spcPct val="114000"/>
-                    </a:lnSpc>
-                  </a:pPr>
-                  <a14:m>
-                    <m:oMathPara xmlns:m="http://schemas.openxmlformats.org/officeDocument/2006/math">
-                      <m:oMathParaPr>
-                        <m:jc m:val="centerGroup"/>
-                      </m:oMathParaPr>
-                      <m:oMath xmlns:m="http://schemas.openxmlformats.org/officeDocument/2006/math">
-                        <m:r>
-                          <a:rPr lang="en-GB" i="1" smtClean="0">
-                            <a:solidFill>
-                              <a:schemeClr val="tx1"/>
-                            </a:solidFill>
-                            <a:latin typeface="Cambria Math" panose="02040503050406030204" pitchFamily="18" charset="0"/>
-                            <a:ea typeface="Cambria Math" panose="02040503050406030204" pitchFamily="18" charset="0"/>
-                          </a:rPr>
-                          <m:t>ℙ</m:t>
-                        </m:r>
-                        <m:r>
-                          <a:rPr lang="en-US" b="0" i="1" smtClean="0">
-                            <a:solidFill>
-                              <a:schemeClr val="tx1"/>
-                            </a:solidFill>
-                            <a:latin typeface="Cambria Math" panose="02040503050406030204" pitchFamily="18" charset="0"/>
-                            <a:ea typeface="Cambria Math" panose="02040503050406030204" pitchFamily="18" charset="0"/>
-                          </a:rPr>
-                          <m:t>(</m:t>
-                        </m:r>
-                        <m:sSub>
-                          <m:sSubPr>
-                            <m:ctrlPr>
-                              <a:rPr lang="en-US" b="0" i="1" smtClean="0">
-                                <a:solidFill>
-                                  <a:schemeClr val="tx1"/>
-                                </a:solidFill>
-                                <a:latin typeface="Cambria Math" panose="02040503050406030204" pitchFamily="18" charset="0"/>
-                                <a:ea typeface="Cambria Math" panose="02040503050406030204" pitchFamily="18" charset="0"/>
-                              </a:rPr>
-                            </m:ctrlPr>
-                          </m:sSubPr>
-                          <m:e>
-                            <m:r>
-                              <a:rPr lang="en-US" b="0" i="1" smtClean="0">
-                                <a:solidFill>
-                                  <a:schemeClr val="tx1"/>
-                                </a:solidFill>
-                                <a:latin typeface="Cambria Math" panose="02040503050406030204" pitchFamily="18" charset="0"/>
-                                <a:ea typeface="Cambria Math" panose="02040503050406030204" pitchFamily="18" charset="0"/>
-                              </a:rPr>
-                              <m:t>𝑠</m:t>
-                            </m:r>
-                          </m:e>
-                          <m:sub>
-                            <m:r>
-                              <a:rPr lang="en-US" b="0" i="1" smtClean="0">
-                                <a:solidFill>
-                                  <a:schemeClr val="tx1"/>
-                                </a:solidFill>
-                                <a:latin typeface="Cambria Math" panose="02040503050406030204" pitchFamily="18" charset="0"/>
-                                <a:ea typeface="Cambria Math" panose="02040503050406030204" pitchFamily="18" charset="0"/>
-                              </a:rPr>
-                              <m:t>𝑡</m:t>
-                            </m:r>
-                            <m:r>
-                              <a:rPr lang="en-US" b="0" i="1" smtClean="0">
-                                <a:solidFill>
-                                  <a:schemeClr val="tx1"/>
-                                </a:solidFill>
-                                <a:latin typeface="Cambria Math" panose="02040503050406030204" pitchFamily="18" charset="0"/>
-                                <a:ea typeface="Cambria Math" panose="02040503050406030204" pitchFamily="18" charset="0"/>
-                              </a:rPr>
-                              <m:t>+1</m:t>
-                            </m:r>
-                          </m:sub>
-                        </m:sSub>
-                        <m:r>
-                          <a:rPr lang="en-US" b="0" i="1" smtClean="0">
-                            <a:solidFill>
-                              <a:schemeClr val="tx1"/>
-                            </a:solidFill>
-                            <a:latin typeface="Cambria Math" panose="02040503050406030204" pitchFamily="18" charset="0"/>
-                            <a:ea typeface="Cambria Math" panose="02040503050406030204" pitchFamily="18" charset="0"/>
-                          </a:rPr>
-                          <m:t>|</m:t>
-                        </m:r>
-                        <m:sSub>
-                          <m:sSubPr>
-                            <m:ctrlPr>
-                              <a:rPr lang="en-US" b="0" i="1" smtClean="0">
-                                <a:solidFill>
-                                  <a:schemeClr val="tx1"/>
-                                </a:solidFill>
-                                <a:latin typeface="Cambria Math" panose="02040503050406030204" pitchFamily="18" charset="0"/>
-                                <a:ea typeface="Cambria Math" panose="02040503050406030204" pitchFamily="18" charset="0"/>
-                              </a:rPr>
-                            </m:ctrlPr>
-                          </m:sSubPr>
-                          <m:e>
-                            <m:r>
-                              <a:rPr lang="en-US" b="0" i="1" smtClean="0">
-                                <a:solidFill>
-                                  <a:schemeClr val="tx1"/>
-                                </a:solidFill>
-                                <a:latin typeface="Cambria Math" panose="02040503050406030204" pitchFamily="18" charset="0"/>
-                                <a:ea typeface="Cambria Math" panose="02040503050406030204" pitchFamily="18" charset="0"/>
-                              </a:rPr>
-                              <m:t>𝑠</m:t>
-                            </m:r>
-                          </m:e>
-                          <m:sub>
-                            <m:r>
-                              <a:rPr lang="en-US" b="0" i="1" smtClean="0">
-                                <a:solidFill>
-                                  <a:schemeClr val="tx1"/>
-                                </a:solidFill>
-                                <a:latin typeface="Cambria Math" panose="02040503050406030204" pitchFamily="18" charset="0"/>
-                                <a:ea typeface="Cambria Math" panose="02040503050406030204" pitchFamily="18" charset="0"/>
-                              </a:rPr>
-                              <m:t>𝑡</m:t>
-                            </m:r>
-                          </m:sub>
-                        </m:sSub>
-                        <m:r>
-                          <a:rPr lang="en-US" b="0" i="1" smtClean="0">
-                            <a:solidFill>
-                              <a:schemeClr val="tx1"/>
-                            </a:solidFill>
-                            <a:latin typeface="Cambria Math" panose="02040503050406030204" pitchFamily="18" charset="0"/>
-                            <a:ea typeface="Cambria Math" panose="02040503050406030204" pitchFamily="18" charset="0"/>
-                          </a:rPr>
-                          <m:t>,</m:t>
-                        </m:r>
-                        <m:sSub>
-                          <m:sSubPr>
-                            <m:ctrlPr>
-                              <a:rPr lang="en-US" b="0" i="1" smtClean="0">
-                                <a:solidFill>
-                                  <a:schemeClr val="tx1"/>
-                                </a:solidFill>
-                                <a:latin typeface="Cambria Math" panose="02040503050406030204" pitchFamily="18" charset="0"/>
-                                <a:ea typeface="Cambria Math" panose="02040503050406030204" pitchFamily="18" charset="0"/>
-                              </a:rPr>
-                            </m:ctrlPr>
-                          </m:sSubPr>
-                          <m:e>
-                            <m:r>
-                              <a:rPr lang="en-US" b="0" i="1" smtClean="0">
-                                <a:solidFill>
-                                  <a:schemeClr val="tx1"/>
-                                </a:solidFill>
-                                <a:latin typeface="Cambria Math" panose="02040503050406030204" pitchFamily="18" charset="0"/>
-                                <a:ea typeface="Cambria Math" panose="02040503050406030204" pitchFamily="18" charset="0"/>
-                              </a:rPr>
-                              <m:t>𝑎</m:t>
-                            </m:r>
-                          </m:e>
-                          <m:sub>
-                            <m:r>
-                              <a:rPr lang="en-US" b="0" i="1" smtClean="0">
-                                <a:solidFill>
-                                  <a:schemeClr val="tx1"/>
-                                </a:solidFill>
-                                <a:latin typeface="Cambria Math" panose="02040503050406030204" pitchFamily="18" charset="0"/>
-                                <a:ea typeface="Cambria Math" panose="02040503050406030204" pitchFamily="18" charset="0"/>
-                              </a:rPr>
-                              <m:t>𝑡</m:t>
-                            </m:r>
-                          </m:sub>
-                        </m:sSub>
-                        <m:r>
-                          <a:rPr lang="en-US" b="0" i="1" smtClean="0">
-                            <a:solidFill>
-                              <a:schemeClr val="tx1"/>
-                            </a:solidFill>
-                            <a:latin typeface="Cambria Math" panose="02040503050406030204" pitchFamily="18" charset="0"/>
-                            <a:ea typeface="Cambria Math" panose="02040503050406030204" pitchFamily="18" charset="0"/>
-                          </a:rPr>
-                          <m:t>)</m:t>
-                        </m:r>
-                      </m:oMath>
-                    </m:oMathPara>
-                  </a14:m>
-                  <a:endParaRPr lang="en-GB" dirty="0">
-                    <a:solidFill>
-                      <a:schemeClr val="tx1"/>
-                    </a:solidFill>
-                  </a:endParaRPr>
-                </a:p>
-              </p:txBody>
-            </p:sp>
-          </mc:Choice>
-          <mc:Fallback xmlns="">
-            <p:sp>
-              <p:nvSpPr>
-                <p:cNvPr id="28" name="TextBox 27">
-                  <a:extLst>
-                    <a:ext uri="{FF2B5EF4-FFF2-40B4-BE49-F238E27FC236}">
-                      <a16:creationId xmlns:a16="http://schemas.microsoft.com/office/drawing/2014/main" id="{9E7E7109-1AB3-F949-7BFF-C64A835F4E1A}"/>
-                    </a:ext>
-                  </a:extLst>
-                </p:cNvPr>
-                <p:cNvSpPr txBox="1">
-                  <a:spLocks noRot="1" noChangeAspect="1" noMove="1" noResize="1" noEditPoints="1" noAdjustHandles="1" noChangeArrowheads="1" noChangeShapeType="1" noTextEdit="1"/>
-                </p:cNvSpPr>
-                <p:nvPr/>
-              </p:nvSpPr>
-              <p:spPr>
-                <a:xfrm>
-                  <a:off x="3408732" y="2174712"/>
-                  <a:ext cx="1482248" cy="408125"/>
-                </a:xfrm>
-                <a:prstGeom prst="rect">
-                  <a:avLst/>
-                </a:prstGeom>
-                <a:blipFill>
-                  <a:blip r:embed="rId5"/>
-                  <a:stretch>
-                    <a:fillRect l="-1695" b="-6061"/>
-                  </a:stretch>
-                </a:blipFill>
-              </p:spPr>
-              <p:txBody>
-                <a:bodyPr/>
-                <a:lstStyle/>
-                <a:p>
-                  <a:r>
-                    <a:rPr lang="en-GB">
-                      <a:noFill/>
-                    </a:rPr>
-                    <a:t> </a:t>
-                  </a:r>
-                </a:p>
-              </p:txBody>
-            </p:sp>
-          </mc:Fallback>
-        </mc:AlternateContent>
-        <mc:AlternateContent xmlns:mc="http://schemas.openxmlformats.org/markup-compatibility/2006" xmlns:a14="http://schemas.microsoft.com/office/drawing/2010/main">
-          <mc:Choice Requires="a14">
-            <p:sp>
-              <p:nvSpPr>
-                <p:cNvPr id="49" name="TextBox 48">
-                  <a:extLst>
-                    <a:ext uri="{FF2B5EF4-FFF2-40B4-BE49-F238E27FC236}">
-                      <a16:creationId xmlns:a16="http://schemas.microsoft.com/office/drawing/2014/main" id="{03CDD8C2-7A76-5282-C04C-F7ECD6BDC8E7}"/>
-                    </a:ext>
-                  </a:extLst>
-                </p:cNvPr>
-                <p:cNvSpPr txBox="1"/>
-                <p:nvPr/>
-              </p:nvSpPr>
-              <p:spPr>
-                <a:xfrm>
-                  <a:off x="3273819" y="3582654"/>
-                  <a:ext cx="988692" cy="408125"/>
-                </a:xfrm>
-                <a:prstGeom prst="rect">
-                  <a:avLst/>
-                </a:prstGeom>
-                <a:noFill/>
-                <a:ln w="28575">
+          <p:txBody>
+            <a:bodyPr rot="0" spcFirstLastPara="0" vertOverflow="overflow" horzOverflow="overflow" vert="horz" wrap="square" lIns="91440" tIns="45720" rIns="91440" bIns="45720" numCol="1" spcCol="0" rtlCol="0" fromWordArt="0" anchor="ctr" anchorCtr="0" forceAA="0" compatLnSpc="1">
+              <a:prstTxWarp prst="textNoShape">
+                <a:avLst/>
+              </a:prstTxWarp>
+              <a:noAutofit/>
+            </a:bodyPr>
+            <a:lstStyle/>
+            <a:p>
+              <a:pPr marL="0" marR="0" indent="0" algn="ctr" defTabSz="914400" rtl="0" eaLnBrk="0" fontAlgn="base" latinLnBrk="0" hangingPunct="0">
+                <a:lnSpc>
+                  <a:spcPct val="100000"/>
+                </a:lnSpc>
+                <a:spcBef>
+                  <a:spcPct val="0"/>
+                </a:spcBef>
+                <a:spcAft>
+                  <a:spcPct val="0"/>
+                </a:spcAft>
+                <a:buClrTx/>
+                <a:buSzTx/>
+                <a:buFontTx/>
+                <a:buNone/>
+                <a:tabLst/>
+              </a:pPr>
+              <a:r>
+                <a:rPr kumimoji="0" lang="en-GB" sz="1400" b="0" i="0" u="none" strike="noStrike" cap="none" normalizeH="0" baseline="0" dirty="0">
+                  <a:ln>
+                    <a:noFill/>
+                  </a:ln>
                   <a:solidFill>
-                    <a:schemeClr val="accent6"/>
+                    <a:schemeClr val="bg1"/>
                   </a:solidFill>
-                </a:ln>
-              </p:spPr>
-              <p:txBody>
-                <a:bodyPr wrap="square" anchor="ctr">
-                  <a:spAutoFit/>
-                </a:bodyPr>
-                <a:lstStyle/>
-                <a:p>
-                  <a:pPr algn="ctr">
-                    <a:lnSpc>
-                      <a:spcPct val="114000"/>
-                    </a:lnSpc>
-                  </a:pPr>
-                  <a14:m>
-                    <m:oMathPara xmlns:m="http://schemas.openxmlformats.org/officeDocument/2006/math">
-                      <m:oMathParaPr>
-                        <m:jc m:val="center"/>
-                      </m:oMathParaPr>
-                      <m:oMath xmlns:m="http://schemas.openxmlformats.org/officeDocument/2006/math">
-                        <m:r>
-                          <a:rPr lang="en-GB" i="1" smtClean="0">
-                            <a:solidFill>
-                              <a:schemeClr val="tx1"/>
-                            </a:solidFill>
-                            <a:latin typeface="Cambria Math" panose="02040503050406030204" pitchFamily="18" charset="0"/>
-                            <a:ea typeface="Cambria Math" panose="02040503050406030204" pitchFamily="18" charset="0"/>
-                          </a:rPr>
-                          <m:t>𝜋</m:t>
-                        </m:r>
-                        <m:r>
-                          <a:rPr lang="en-US" b="0" i="1" smtClean="0">
-                            <a:solidFill>
-                              <a:schemeClr val="tx1"/>
-                            </a:solidFill>
-                            <a:latin typeface="Cambria Math" panose="02040503050406030204" pitchFamily="18" charset="0"/>
-                            <a:ea typeface="Cambria Math" panose="02040503050406030204" pitchFamily="18" charset="0"/>
-                          </a:rPr>
-                          <m:t>(</m:t>
-                        </m:r>
-                        <m:sSub>
-                          <m:sSubPr>
-                            <m:ctrlPr>
-                              <a:rPr lang="en-US" b="0" i="1" smtClean="0">
-                                <a:solidFill>
-                                  <a:schemeClr val="tx1"/>
-                                </a:solidFill>
-                                <a:latin typeface="Cambria Math" panose="02040503050406030204" pitchFamily="18" charset="0"/>
-                                <a:ea typeface="Cambria Math" panose="02040503050406030204" pitchFamily="18" charset="0"/>
-                              </a:rPr>
-                            </m:ctrlPr>
-                          </m:sSubPr>
-                          <m:e>
-                            <m:r>
-                              <a:rPr lang="en-US" b="0" i="1" smtClean="0">
-                                <a:solidFill>
-                                  <a:schemeClr val="tx1"/>
-                                </a:solidFill>
-                                <a:latin typeface="Cambria Math" panose="02040503050406030204" pitchFamily="18" charset="0"/>
-                                <a:ea typeface="Cambria Math" panose="02040503050406030204" pitchFamily="18" charset="0"/>
-                              </a:rPr>
-                              <m:t>𝑎</m:t>
-                            </m:r>
-                          </m:e>
-                          <m:sub>
-                            <m:r>
-                              <a:rPr lang="en-US" b="0" i="1" smtClean="0">
-                                <a:solidFill>
-                                  <a:schemeClr val="tx1"/>
-                                </a:solidFill>
-                                <a:latin typeface="Cambria Math" panose="02040503050406030204" pitchFamily="18" charset="0"/>
-                                <a:ea typeface="Cambria Math" panose="02040503050406030204" pitchFamily="18" charset="0"/>
-                              </a:rPr>
-                              <m:t>𝑡</m:t>
-                            </m:r>
-                          </m:sub>
-                        </m:sSub>
-                        <m:r>
-                          <a:rPr lang="en-US" b="0" i="1" smtClean="0">
-                            <a:solidFill>
-                              <a:schemeClr val="tx1"/>
-                            </a:solidFill>
-                            <a:latin typeface="Cambria Math" panose="02040503050406030204" pitchFamily="18" charset="0"/>
-                            <a:ea typeface="Cambria Math" panose="02040503050406030204" pitchFamily="18" charset="0"/>
-                          </a:rPr>
-                          <m:t>|</m:t>
-                        </m:r>
-                        <m:sSub>
-                          <m:sSubPr>
-                            <m:ctrlPr>
-                              <a:rPr lang="en-US" b="0" i="1" smtClean="0">
-                                <a:solidFill>
-                                  <a:schemeClr val="tx1"/>
-                                </a:solidFill>
-                                <a:latin typeface="Cambria Math" panose="02040503050406030204" pitchFamily="18" charset="0"/>
-                                <a:ea typeface="Cambria Math" panose="02040503050406030204" pitchFamily="18" charset="0"/>
-                              </a:rPr>
-                            </m:ctrlPr>
-                          </m:sSubPr>
-                          <m:e>
-                            <m:r>
-                              <a:rPr lang="en-US" b="0" i="1" smtClean="0">
-                                <a:solidFill>
-                                  <a:schemeClr val="tx1"/>
-                                </a:solidFill>
-                                <a:latin typeface="Cambria Math" panose="02040503050406030204" pitchFamily="18" charset="0"/>
-                                <a:ea typeface="Cambria Math" panose="02040503050406030204" pitchFamily="18" charset="0"/>
-                              </a:rPr>
-                              <m:t>𝑠</m:t>
-                            </m:r>
-                          </m:e>
-                          <m:sub>
-                            <m:r>
-                              <a:rPr lang="en-US" b="0" i="1" smtClean="0">
-                                <a:solidFill>
-                                  <a:schemeClr val="tx1"/>
-                                </a:solidFill>
-                                <a:latin typeface="Cambria Math" panose="02040503050406030204" pitchFamily="18" charset="0"/>
-                                <a:ea typeface="Cambria Math" panose="02040503050406030204" pitchFamily="18" charset="0"/>
-                              </a:rPr>
-                              <m:t>𝑡</m:t>
-                            </m:r>
-                          </m:sub>
-                        </m:sSub>
-                        <m:r>
-                          <a:rPr lang="en-US" b="0" i="1" smtClean="0">
-                            <a:solidFill>
-                              <a:schemeClr val="tx1"/>
-                            </a:solidFill>
-                            <a:latin typeface="Cambria Math" panose="02040503050406030204" pitchFamily="18" charset="0"/>
-                            <a:ea typeface="Cambria Math" panose="02040503050406030204" pitchFamily="18" charset="0"/>
-                          </a:rPr>
-                          <m:t>)</m:t>
-                        </m:r>
-                      </m:oMath>
-                    </m:oMathPara>
-                  </a14:m>
-                  <a:endParaRPr lang="en-GB" dirty="0">
-                    <a:solidFill>
-                      <a:schemeClr val="tx1"/>
-                    </a:solidFill>
-                  </a:endParaRPr>
-                </a:p>
-              </p:txBody>
-            </p:sp>
-          </mc:Choice>
-          <mc:Fallback xmlns="">
-            <p:sp>
-              <p:nvSpPr>
-                <p:cNvPr id="49" name="TextBox 48">
-                  <a:extLst>
-                    <a:ext uri="{FF2B5EF4-FFF2-40B4-BE49-F238E27FC236}">
-                      <a16:creationId xmlns:a16="http://schemas.microsoft.com/office/drawing/2014/main" id="{03CDD8C2-7A76-5282-C04C-F7ECD6BDC8E7}"/>
-                    </a:ext>
-                  </a:extLst>
-                </p:cNvPr>
-                <p:cNvSpPr txBox="1">
-                  <a:spLocks noRot="1" noChangeAspect="1" noMove="1" noResize="1" noEditPoints="1" noAdjustHandles="1" noChangeArrowheads="1" noChangeShapeType="1" noTextEdit="1"/>
-                </p:cNvSpPr>
-                <p:nvPr/>
-              </p:nvSpPr>
-              <p:spPr>
-                <a:xfrm>
-                  <a:off x="3273819" y="3582654"/>
-                  <a:ext cx="988692" cy="408125"/>
-                </a:xfrm>
-                <a:prstGeom prst="rect">
-                  <a:avLst/>
-                </a:prstGeom>
-                <a:blipFill>
-                  <a:blip r:embed="rId6"/>
-                  <a:stretch>
-                    <a:fillRect b="-2857"/>
-                  </a:stretch>
-                </a:blipFill>
-                <a:ln w="28575">
-                  <a:solidFill>
-                    <a:schemeClr val="accent6"/>
-                  </a:solidFill>
-                </a:ln>
-              </p:spPr>
-              <p:txBody>
-                <a:bodyPr/>
-                <a:lstStyle/>
-                <a:p>
-                  <a:r>
-                    <a:rPr lang="en-GB">
-                      <a:noFill/>
-                    </a:rPr>
-                    <a:t> </a:t>
-                  </a:r>
-                </a:p>
-              </p:txBody>
-            </p:sp>
-          </mc:Fallback>
-        </mc:AlternateContent>
-        <p:cxnSp>
-          <p:nvCxnSpPr>
-            <p:cNvPr id="58" name="Straight Arrow Connector 57">
-              <a:extLst>
-                <a:ext uri="{FF2B5EF4-FFF2-40B4-BE49-F238E27FC236}">
-                  <a16:creationId xmlns:a16="http://schemas.microsoft.com/office/drawing/2014/main" id="{9C8E8C20-B235-B760-D144-E78DC10973AD}"/>
-                </a:ext>
-              </a:extLst>
-            </p:cNvPr>
-            <p:cNvCxnSpPr/>
-            <p:nvPr/>
-          </p:nvCxnSpPr>
-          <p:spPr>
-            <a:xfrm flipH="1" flipV="1">
-              <a:off x="4027660" y="2619202"/>
-              <a:ext cx="1" cy="956315"/>
-            </a:xfrm>
-            <a:prstGeom prst="straightConnector1">
-              <a:avLst/>
-            </a:prstGeom>
-            <a:ln w="28575">
-              <a:solidFill>
-                <a:schemeClr val="accent6"/>
-              </a:solidFill>
-              <a:tailEnd type="triangle"/>
-            </a:ln>
-          </p:spPr>
-          <p:style>
-            <a:lnRef idx="1">
-              <a:schemeClr val="accent1"/>
-            </a:lnRef>
-            <a:fillRef idx="0">
-              <a:schemeClr val="accent1"/>
-            </a:fillRef>
-            <a:effectRef idx="0">
-              <a:schemeClr val="accent1"/>
-            </a:effectRef>
-            <a:fontRef idx="minor">
-              <a:schemeClr val="tx1"/>
-            </a:fontRef>
-          </p:style>
-        </p:cxnSp>
-        <mc:AlternateContent xmlns:mc="http://schemas.openxmlformats.org/markup-compatibility/2006" xmlns:a14="http://schemas.microsoft.com/office/drawing/2010/main">
-          <mc:Choice Requires="a14">
-            <p:sp>
-              <p:nvSpPr>
-                <p:cNvPr id="59" name="TextBox 58">
-                  <a:extLst>
-                    <a:ext uri="{FF2B5EF4-FFF2-40B4-BE49-F238E27FC236}">
-                      <a16:creationId xmlns:a16="http://schemas.microsoft.com/office/drawing/2014/main" id="{ADBC4B18-31B4-D88A-1DB3-7B17FD02E8E6}"/>
-                    </a:ext>
-                  </a:extLst>
-                </p:cNvPr>
-                <p:cNvSpPr txBox="1"/>
-                <p:nvPr/>
-              </p:nvSpPr>
-              <p:spPr>
-                <a:xfrm>
-                  <a:off x="4600829" y="2944675"/>
-                  <a:ext cx="362893" cy="439701"/>
-                </a:xfrm>
-                <a:prstGeom prst="roundRect">
-                  <a:avLst/>
-                </a:prstGeom>
-                <a:noFill/>
-                <a:ln w="19050">
-                  <a:noFill/>
-                </a:ln>
-              </p:spPr>
-              <p:txBody>
-                <a:bodyPr wrap="square" anchor="ctr">
-                  <a:spAutoFit/>
-                </a:bodyPr>
-                <a:lstStyle/>
-                <a:p>
-                  <a:pPr algn="ctr">
-                    <a:lnSpc>
-                      <a:spcPct val="114000"/>
-                    </a:lnSpc>
-                  </a:pPr>
-                  <a14:m>
-                    <m:oMathPara xmlns:m="http://schemas.openxmlformats.org/officeDocument/2006/math">
-                      <m:oMathParaPr>
-                        <m:jc m:val="center"/>
-                      </m:oMathParaPr>
-                      <m:oMath xmlns:m="http://schemas.openxmlformats.org/officeDocument/2006/math">
-                        <m:sSub>
-                          <m:sSubPr>
-                            <m:ctrlPr>
-                              <a:rPr lang="en-GB" i="1" smtClean="0">
-                                <a:solidFill>
-                                  <a:schemeClr val="tx1"/>
-                                </a:solidFill>
-                                <a:latin typeface="Cambria Math" panose="02040503050406030204" pitchFamily="18" charset="0"/>
-                              </a:rPr>
-                            </m:ctrlPr>
-                          </m:sSubPr>
-                          <m:e>
-                            <m:r>
-                              <a:rPr lang="en-US" b="0" i="1" smtClean="0">
-                                <a:solidFill>
-                                  <a:schemeClr val="tx1"/>
-                                </a:solidFill>
-                                <a:latin typeface="Cambria Math" panose="02040503050406030204" pitchFamily="18" charset="0"/>
-                              </a:rPr>
-                              <m:t>𝑟</m:t>
-                            </m:r>
-                          </m:e>
-                          <m:sub>
-                            <m:r>
-                              <a:rPr lang="en-US" b="0" i="1" smtClean="0">
-                                <a:solidFill>
-                                  <a:schemeClr val="tx1"/>
-                                </a:solidFill>
-                                <a:latin typeface="Cambria Math" panose="02040503050406030204" pitchFamily="18" charset="0"/>
-                              </a:rPr>
-                              <m:t>𝑡</m:t>
-                            </m:r>
-                          </m:sub>
-                        </m:sSub>
-                      </m:oMath>
-                    </m:oMathPara>
-                  </a14:m>
-                  <a:endParaRPr lang="en-GB" dirty="0">
-                    <a:solidFill>
-                      <a:schemeClr val="tx1"/>
-                    </a:solidFill>
-                  </a:endParaRPr>
-                </a:p>
-              </p:txBody>
-            </p:sp>
-          </mc:Choice>
-          <mc:Fallback xmlns="">
-            <p:sp>
-              <p:nvSpPr>
-                <p:cNvPr id="59" name="TextBox 58">
-                  <a:extLst>
-                    <a:ext uri="{FF2B5EF4-FFF2-40B4-BE49-F238E27FC236}">
-                      <a16:creationId xmlns:a16="http://schemas.microsoft.com/office/drawing/2014/main" id="{ADBC4B18-31B4-D88A-1DB3-7B17FD02E8E6}"/>
-                    </a:ext>
-                  </a:extLst>
-                </p:cNvPr>
-                <p:cNvSpPr txBox="1">
-                  <a:spLocks noRot="1" noChangeAspect="1" noMove="1" noResize="1" noEditPoints="1" noAdjustHandles="1" noChangeArrowheads="1" noChangeShapeType="1" noTextEdit="1"/>
-                </p:cNvSpPr>
-                <p:nvPr/>
-              </p:nvSpPr>
-              <p:spPr>
-                <a:xfrm>
-                  <a:off x="4600829" y="2944675"/>
-                  <a:ext cx="362893" cy="439701"/>
-                </a:xfrm>
-                <a:prstGeom prst="roundRect">
-                  <a:avLst/>
-                </a:prstGeom>
-                <a:blipFill>
-                  <a:blip r:embed="rId7"/>
-                  <a:stretch>
-                    <a:fillRect/>
-                  </a:stretch>
-                </a:blipFill>
-                <a:ln w="19050">
-                  <a:noFill/>
-                </a:ln>
-              </p:spPr>
-              <p:txBody>
-                <a:bodyPr/>
-                <a:lstStyle/>
-                <a:p>
-                  <a:r>
-                    <a:rPr lang="en-GB">
-                      <a:noFill/>
-                    </a:rPr>
-                    <a:t> </a:t>
-                  </a:r>
-                </a:p>
-              </p:txBody>
-            </p:sp>
-          </mc:Fallback>
-        </mc:AlternateContent>
-        <p:cxnSp>
-          <p:nvCxnSpPr>
-            <p:cNvPr id="60" name="Straight Arrow Connector 59">
-              <a:extLst>
-                <a:ext uri="{FF2B5EF4-FFF2-40B4-BE49-F238E27FC236}">
-                  <a16:creationId xmlns:a16="http://schemas.microsoft.com/office/drawing/2014/main" id="{500B14B6-7921-C7C1-07E6-93B4A88A18BC}"/>
-                </a:ext>
-              </a:extLst>
-            </p:cNvPr>
-            <p:cNvCxnSpPr>
-              <a:cxnSpLocks/>
-            </p:cNvCxnSpPr>
-            <p:nvPr/>
-          </p:nvCxnSpPr>
-          <p:spPr>
-            <a:xfrm>
-              <a:off x="4597315" y="2628025"/>
-              <a:ext cx="1" cy="959853"/>
-            </a:xfrm>
-            <a:prstGeom prst="straightConnector1">
-              <a:avLst/>
-            </a:prstGeom>
-            <a:ln w="28575">
-              <a:solidFill>
-                <a:srgbClr val="0065BD"/>
-              </a:solidFill>
-              <a:tailEnd type="triangle"/>
-            </a:ln>
-          </p:spPr>
-          <p:style>
-            <a:lnRef idx="1">
-              <a:schemeClr val="accent1"/>
-            </a:lnRef>
-            <a:fillRef idx="0">
-              <a:schemeClr val="accent1"/>
-            </a:fillRef>
-            <a:effectRef idx="0">
-              <a:schemeClr val="accent1"/>
-            </a:effectRef>
-            <a:fontRef idx="minor">
-              <a:schemeClr val="tx1"/>
-            </a:fontRef>
-          </p:style>
-        </p:cxnSp>
-        <p:cxnSp>
-          <p:nvCxnSpPr>
-            <p:cNvPr id="67" name="Straight Arrow Connector 66">
-              <a:extLst>
-                <a:ext uri="{FF2B5EF4-FFF2-40B4-BE49-F238E27FC236}">
-                  <a16:creationId xmlns:a16="http://schemas.microsoft.com/office/drawing/2014/main" id="{E94BE973-FE50-681E-6B6A-6B92DE66B201}"/>
-                </a:ext>
-              </a:extLst>
-            </p:cNvPr>
-            <p:cNvCxnSpPr>
-              <a:cxnSpLocks/>
-              <a:stCxn id="13" idx="4"/>
-            </p:cNvCxnSpPr>
-            <p:nvPr/>
-          </p:nvCxnSpPr>
-          <p:spPr>
-            <a:xfrm>
-              <a:off x="3095283" y="2875318"/>
-              <a:ext cx="357071" cy="707336"/>
-            </a:xfrm>
-            <a:prstGeom prst="straightConnector1">
-              <a:avLst/>
-            </a:prstGeom>
-            <a:ln w="28575">
-              <a:solidFill>
-                <a:srgbClr val="0065BD"/>
-              </a:solidFill>
-              <a:tailEnd type="triangle"/>
-            </a:ln>
-          </p:spPr>
-          <p:style>
-            <a:lnRef idx="1">
-              <a:schemeClr val="accent1"/>
-            </a:lnRef>
-            <a:fillRef idx="0">
-              <a:schemeClr val="accent1"/>
-            </a:fillRef>
-            <a:effectRef idx="0">
-              <a:schemeClr val="accent1"/>
-            </a:effectRef>
-            <a:fontRef idx="minor">
-              <a:schemeClr val="tx1"/>
-            </a:fontRef>
-          </p:style>
-        </p:cxnSp>
+                  <a:effectLst/>
+                  <a:latin typeface="Helvetica Neue" charset="0"/>
+                </a:rPr>
+                <a:t>Outlook</a:t>
+              </a:r>
+            </a:p>
+          </p:txBody>
+        </p:sp>
       </p:grpSp>
     </p:spTree>
     <p:extLst>
       <p:ext uri="{BB962C8B-B14F-4D97-AF65-F5344CB8AC3E}">
-        <p14:creationId xmlns:p14="http://schemas.microsoft.com/office/powerpoint/2010/main" val="1551450061"/>
+        <p14:creationId xmlns:p14="http://schemas.microsoft.com/office/powerpoint/2010/main" val="445645378"/>
       </p:ext>
     </p:extLst>
   </p:cSld>

--- a/Mid-term Presentation.pptx
+++ b/Mid-term Presentation.pptx
@@ -13,39 +13,38 @@
     <p:sldMasterId id="2147483724" r:id="rId9"/>
   </p:sldMasterIdLst>
   <p:notesMasterIdLst>
-    <p:notesMasterId r:id="rId37"/>
+    <p:notesMasterId r:id="rId36"/>
   </p:notesMasterIdLst>
   <p:handoutMasterIdLst>
-    <p:handoutMasterId r:id="rId38"/>
+    <p:handoutMasterId r:id="rId37"/>
   </p:handoutMasterIdLst>
   <p:sldIdLst>
     <p:sldId id="355" r:id="rId10"/>
     <p:sldId id="453" r:id="rId11"/>
     <p:sldId id="492" r:id="rId12"/>
-    <p:sldId id="486" r:id="rId13"/>
-    <p:sldId id="507" r:id="rId14"/>
-    <p:sldId id="508" r:id="rId15"/>
+    <p:sldId id="507" r:id="rId13"/>
+    <p:sldId id="508" r:id="rId14"/>
+    <p:sldId id="491" r:id="rId15"/>
     <p:sldId id="487" r:id="rId16"/>
     <p:sldId id="510" r:id="rId17"/>
-    <p:sldId id="488" r:id="rId18"/>
-    <p:sldId id="493" r:id="rId19"/>
-    <p:sldId id="509" r:id="rId20"/>
-    <p:sldId id="489" r:id="rId21"/>
-    <p:sldId id="491" r:id="rId22"/>
-    <p:sldId id="490" r:id="rId23"/>
-    <p:sldId id="494" r:id="rId24"/>
-    <p:sldId id="495" r:id="rId25"/>
-    <p:sldId id="496" r:id="rId26"/>
-    <p:sldId id="497" r:id="rId27"/>
-    <p:sldId id="498" r:id="rId28"/>
-    <p:sldId id="499" r:id="rId29"/>
-    <p:sldId id="500" r:id="rId30"/>
-    <p:sldId id="502" r:id="rId31"/>
-    <p:sldId id="501" r:id="rId32"/>
-    <p:sldId id="503" r:id="rId33"/>
-    <p:sldId id="504" r:id="rId34"/>
-    <p:sldId id="506" r:id="rId35"/>
-    <p:sldId id="505" r:id="rId36"/>
+    <p:sldId id="512" r:id="rId18"/>
+    <p:sldId id="495" r:id="rId19"/>
+    <p:sldId id="493" r:id="rId20"/>
+    <p:sldId id="509" r:id="rId21"/>
+    <p:sldId id="488" r:id="rId22"/>
+    <p:sldId id="489" r:id="rId23"/>
+    <p:sldId id="511" r:id="rId24"/>
+    <p:sldId id="496" r:id="rId25"/>
+    <p:sldId id="497" r:id="rId26"/>
+    <p:sldId id="498" r:id="rId27"/>
+    <p:sldId id="499" r:id="rId28"/>
+    <p:sldId id="500" r:id="rId29"/>
+    <p:sldId id="502" r:id="rId30"/>
+    <p:sldId id="501" r:id="rId31"/>
+    <p:sldId id="503" r:id="rId32"/>
+    <p:sldId id="504" r:id="rId33"/>
+    <p:sldId id="506" r:id="rId34"/>
+    <p:sldId id="505" r:id="rId35"/>
   </p:sldIdLst>
   <p:sldSz cx="9144000" cy="5143500" type="screen16x9"/>
   <p:notesSz cx="9925050" cy="6665913"/>
@@ -327,7 +326,7 @@
               <a:pPr>
                 <a:defRPr/>
               </a:pPr>
-              <a:t>17/08/2024</a:t>
+              <a:t>19/08/2024</a:t>
             </a:fld>
             <a:endParaRPr lang="en-GB"/>
           </a:p>
@@ -546,7 +545,7 @@
               <a:pPr>
                 <a:defRPr/>
               </a:pPr>
-              <a:t>17/08/2024</a:t>
+              <a:t>19/08/2024</a:t>
             </a:fld>
             <a:endParaRPr lang="en-GB"/>
           </a:p>
@@ -1195,7 +1194,7 @@
               <a:pPr>
                 <a:defRPr/>
               </a:pPr>
-              <a:t>5</a:t>
+              <a:t>4</a:t>
             </a:fld>
             <a:endParaRPr lang="en-GB"/>
           </a:p>
@@ -1309,7 +1308,7 @@
               <a:pPr>
                 <a:defRPr/>
               </a:pPr>
-              <a:t>6</a:t>
+              <a:t>5</a:t>
             </a:fld>
             <a:endParaRPr lang="en-GB"/>
           </a:p>
@@ -1319,6 +1318,232 @@
     <p:extLst>
       <p:ext uri="{BB962C8B-B14F-4D97-AF65-F5344CB8AC3E}">
         <p14:creationId xmlns:p14="http://schemas.microsoft.com/office/powerpoint/2010/main" val="1525292390"/>
+      </p:ext>
+    </p:extLst>
+  </p:cSld>
+  <p:clrMapOvr>
+    <a:masterClrMapping/>
+  </p:clrMapOvr>
+</p:notes>
+</file>
+
+<file path=ppt/notesSlides/notesSlide5.xml><?xml version="1.0" encoding="utf-8"?>
+<p:notes xmlns:a="http://schemas.openxmlformats.org/drawingml/2006/main" xmlns:r="http://schemas.openxmlformats.org/officeDocument/2006/relationships" xmlns:p="http://schemas.openxmlformats.org/presentationml/2006/main">
+  <p:cSld>
+    <p:spTree>
+      <p:nvGrpSpPr>
+        <p:cNvPr id="1" name=""/>
+        <p:cNvGrpSpPr/>
+        <p:nvPr/>
+      </p:nvGrpSpPr>
+      <p:grpSpPr>
+        <a:xfrm>
+          <a:off x="0" y="0"/>
+          <a:ext cx="0" cy="0"/>
+          <a:chOff x="0" y="0"/>
+          <a:chExt cx="0" cy="0"/>
+        </a:xfrm>
+      </p:grpSpPr>
+      <p:sp>
+        <p:nvSpPr>
+          <p:cNvPr id="2" name="Slide Image Placeholder 1"/>
+          <p:cNvSpPr>
+            <a:spLocks noGrp="1" noRot="1" noChangeAspect="1"/>
+          </p:cNvSpPr>
+          <p:nvPr>
+            <p:ph type="sldImg"/>
+          </p:nvPr>
+        </p:nvSpPr>
+        <p:spPr/>
+      </p:sp>
+      <p:sp>
+        <p:nvSpPr>
+          <p:cNvPr id="3" name="Notes Placeholder 2"/>
+          <p:cNvSpPr>
+            <a:spLocks noGrp="1"/>
+          </p:cNvSpPr>
+          <p:nvPr>
+            <p:ph type="body" idx="1"/>
+          </p:nvPr>
+        </p:nvSpPr>
+        <p:spPr/>
+        <p:txBody>
+          <a:bodyPr/>
+          <a:lstStyle/>
+          <a:p>
+            <a:pPr marL="0" marR="0" lvl="0" indent="0" algn="l" defTabSz="914400" rtl="0" eaLnBrk="1" fontAlgn="base" latinLnBrk="0" hangingPunct="1">
+              <a:lnSpc>
+                <a:spcPct val="100000"/>
+              </a:lnSpc>
+              <a:spcBef>
+                <a:spcPct val="30000"/>
+              </a:spcBef>
+              <a:spcAft>
+                <a:spcPct val="0"/>
+              </a:spcAft>
+              <a:buClrTx/>
+              <a:buSzTx/>
+              <a:buFontTx/>
+              <a:buNone/>
+              <a:tabLst/>
+              <a:defRPr/>
+            </a:pPr>
+            <a:r>
+              <a:rPr lang="en-GB" sz="1200" dirty="0"/>
+              <a:t>Leon et al. (2020). “Quadratically Constrained Quadratic Programming Formulation of Contingency Constrained Optimal Power Flow with Photovoltaic Generation.” Energies. 13. 3310-3331. 10.3390/en13133310. </a:t>
+            </a:r>
+          </a:p>
+          <a:p>
+            <a:endParaRPr lang="en-GB" dirty="0"/>
+          </a:p>
+        </p:txBody>
+      </p:sp>
+      <p:sp>
+        <p:nvSpPr>
+          <p:cNvPr id="4" name="Slide Number Placeholder 3"/>
+          <p:cNvSpPr>
+            <a:spLocks noGrp="1"/>
+          </p:cNvSpPr>
+          <p:nvPr>
+            <p:ph type="sldNum" sz="quarter" idx="5"/>
+          </p:nvPr>
+        </p:nvSpPr>
+        <p:spPr/>
+        <p:txBody>
+          <a:bodyPr/>
+          <a:lstStyle/>
+          <a:p>
+            <a:pPr>
+              <a:defRPr/>
+            </a:pPr>
+            <a:fld id="{00AFC6D0-44D5-4EB7-828F-6F464F83D79A}" type="slidenum">
+              <a:rPr lang="en-GB" smtClean="0"/>
+              <a:pPr>
+                <a:defRPr/>
+              </a:pPr>
+              <a:t>8</a:t>
+            </a:fld>
+            <a:endParaRPr lang="en-GB"/>
+          </a:p>
+        </p:txBody>
+      </p:sp>
+    </p:spTree>
+    <p:extLst>
+      <p:ext uri="{BB962C8B-B14F-4D97-AF65-F5344CB8AC3E}">
+        <p14:creationId xmlns:p14="http://schemas.microsoft.com/office/powerpoint/2010/main" val="1318995629"/>
+      </p:ext>
+    </p:extLst>
+  </p:cSld>
+  <p:clrMapOvr>
+    <a:masterClrMapping/>
+  </p:clrMapOvr>
+</p:notes>
+</file>
+
+<file path=ppt/notesSlides/notesSlide6.xml><?xml version="1.0" encoding="utf-8"?>
+<p:notes xmlns:a="http://schemas.openxmlformats.org/drawingml/2006/main" xmlns:r="http://schemas.openxmlformats.org/officeDocument/2006/relationships" xmlns:p="http://schemas.openxmlformats.org/presentationml/2006/main">
+  <p:cSld>
+    <p:spTree>
+      <p:nvGrpSpPr>
+        <p:cNvPr id="1" name=""/>
+        <p:cNvGrpSpPr/>
+        <p:nvPr/>
+      </p:nvGrpSpPr>
+      <p:grpSpPr>
+        <a:xfrm>
+          <a:off x="0" y="0"/>
+          <a:ext cx="0" cy="0"/>
+          <a:chOff x="0" y="0"/>
+          <a:chExt cx="0" cy="0"/>
+        </a:xfrm>
+      </p:grpSpPr>
+      <p:sp>
+        <p:nvSpPr>
+          <p:cNvPr id="2" name="Slide Image Placeholder 1"/>
+          <p:cNvSpPr>
+            <a:spLocks noGrp="1" noRot="1" noChangeAspect="1"/>
+          </p:cNvSpPr>
+          <p:nvPr>
+            <p:ph type="sldImg"/>
+          </p:nvPr>
+        </p:nvSpPr>
+        <p:spPr/>
+      </p:sp>
+      <p:sp>
+        <p:nvSpPr>
+          <p:cNvPr id="3" name="Notes Placeholder 2"/>
+          <p:cNvSpPr>
+            <a:spLocks noGrp="1"/>
+          </p:cNvSpPr>
+          <p:nvPr>
+            <p:ph type="body" idx="1"/>
+          </p:nvPr>
+        </p:nvSpPr>
+        <p:spPr/>
+        <p:txBody>
+          <a:bodyPr/>
+          <a:lstStyle/>
+          <a:p>
+            <a:pPr marL="0" marR="0" lvl="0" indent="0" algn="l" defTabSz="914400" rtl="0" eaLnBrk="1" fontAlgn="base" latinLnBrk="0" hangingPunct="1">
+              <a:lnSpc>
+                <a:spcPct val="100000"/>
+              </a:lnSpc>
+              <a:spcBef>
+                <a:spcPct val="30000"/>
+              </a:spcBef>
+              <a:spcAft>
+                <a:spcPct val="0"/>
+              </a:spcAft>
+              <a:buClrTx/>
+              <a:buSzTx/>
+              <a:buFontTx/>
+              <a:buNone/>
+              <a:tabLst/>
+              <a:defRPr/>
+            </a:pPr>
+            <a:r>
+              <a:rPr lang="en-GB" sz="1200" dirty="0"/>
+              <a:t>Leon et al. (2020). “Quadratically Constrained Quadratic Programming Formulation of Contingency Constrained Optimal Power Flow with Photovoltaic Generation.” Energies. 13. 3310-3331. 10.3390/en13133310. </a:t>
+            </a:r>
+          </a:p>
+          <a:p>
+            <a:endParaRPr lang="en-GB" dirty="0"/>
+          </a:p>
+        </p:txBody>
+      </p:sp>
+      <p:sp>
+        <p:nvSpPr>
+          <p:cNvPr id="4" name="Slide Number Placeholder 3"/>
+          <p:cNvSpPr>
+            <a:spLocks noGrp="1"/>
+          </p:cNvSpPr>
+          <p:nvPr>
+            <p:ph type="sldNum" sz="quarter" idx="5"/>
+          </p:nvPr>
+        </p:nvSpPr>
+        <p:spPr/>
+        <p:txBody>
+          <a:bodyPr/>
+          <a:lstStyle/>
+          <a:p>
+            <a:pPr>
+              <a:defRPr/>
+            </a:pPr>
+            <a:fld id="{00AFC6D0-44D5-4EB7-828F-6F464F83D79A}" type="slidenum">
+              <a:rPr lang="en-GB" smtClean="0"/>
+              <a:pPr>
+                <a:defRPr/>
+              </a:pPr>
+              <a:t>9</a:t>
+            </a:fld>
+            <a:endParaRPr lang="en-GB"/>
+          </a:p>
+        </p:txBody>
+      </p:sp>
+    </p:spTree>
+    <p:extLst>
+      <p:ext uri="{BB962C8B-B14F-4D97-AF65-F5344CB8AC3E}">
+        <p14:creationId xmlns:p14="http://schemas.microsoft.com/office/powerpoint/2010/main" val="1131363992"/>
       </p:ext>
     </p:extLst>
   </p:cSld>
@@ -12632,6 +12857,69 @@
       </p:grpSpPr>
       <p:sp>
         <p:nvSpPr>
+          <p:cNvPr id="2" name="Title 1">
+            <a:extLst>
+              <a:ext uri="{FF2B5EF4-FFF2-40B4-BE49-F238E27FC236}">
+                <a16:creationId xmlns:a16="http://schemas.microsoft.com/office/drawing/2014/main" id="{7ED5D507-D67B-6AC1-0238-269C4F29E49B}"/>
+              </a:ext>
+            </a:extLst>
+          </p:cNvPr>
+          <p:cNvSpPr>
+            <a:spLocks noGrp="1"/>
+          </p:cNvSpPr>
+          <p:nvPr>
+            <p:ph type="title"/>
+          </p:nvPr>
+        </p:nvSpPr>
+        <p:spPr>
+          <a:xfrm>
+            <a:off x="319090" y="972000"/>
+            <a:ext cx="8508999" cy="380745"/>
+          </a:xfrm>
+        </p:spPr>
+        <p:txBody>
+          <a:bodyPr/>
+          <a:lstStyle/>
+          <a:p>
+            <a:r>
+              <a:rPr lang="en-GB" dirty="0"/>
+              <a:t>Literature Review</a:t>
+            </a:r>
+          </a:p>
+        </p:txBody>
+      </p:sp>
+    </p:spTree>
+    <p:extLst>
+      <p:ext uri="{BB962C8B-B14F-4D97-AF65-F5344CB8AC3E}">
+        <p14:creationId xmlns:p14="http://schemas.microsoft.com/office/powerpoint/2010/main" val="2334249610"/>
+      </p:ext>
+    </p:extLst>
+  </p:cSld>
+  <p:clrMapOvr>
+    <a:masterClrMapping/>
+  </p:clrMapOvr>
+</p:sld>
+</file>
+
+<file path=ppt/slides/slide11.xml><?xml version="1.0" encoding="utf-8"?>
+<p:sld xmlns:a="http://schemas.openxmlformats.org/drawingml/2006/main" xmlns:r="http://schemas.openxmlformats.org/officeDocument/2006/relationships" xmlns:p="http://schemas.openxmlformats.org/presentationml/2006/main">
+  <p:cSld>
+    <p:spTree>
+      <p:nvGrpSpPr>
+        <p:cNvPr id="1" name=""/>
+        <p:cNvGrpSpPr/>
+        <p:nvPr/>
+      </p:nvGrpSpPr>
+      <p:grpSpPr>
+        <a:xfrm>
+          <a:off x="0" y="0"/>
+          <a:ext cx="0" cy="0"/>
+          <a:chOff x="0" y="0"/>
+          <a:chExt cx="0" cy="0"/>
+        </a:xfrm>
+      </p:grpSpPr>
+      <p:sp>
+        <p:nvSpPr>
           <p:cNvPr id="2" name="Content Placeholder 1">
             <a:extLst>
               <a:ext uri="{FF2B5EF4-FFF2-40B4-BE49-F238E27FC236}">
@@ -12707,7 +12995,7 @@
             <a:fld id="{CE58CB1E-F828-4F11-99E0-327109AF9DA4}" type="slidenum">
               <a:rPr lang="de-DE" smtClean="0"/>
               <a:pPr/>
-              <a:t>10</a:t>
+              <a:t>11</a:t>
             </a:fld>
             <a:endParaRPr lang="de-DE"/>
           </a:p>
@@ -14680,7 +14968,7 @@
 </p:sld>
 </file>
 
-<file path=ppt/slides/slide11.xml><?xml version="1.0" encoding="utf-8"?>
+<file path=ppt/slides/slide12.xml><?xml version="1.0" encoding="utf-8"?>
 <p:sld xmlns:a="http://schemas.openxmlformats.org/drawingml/2006/main" xmlns:r="http://schemas.openxmlformats.org/officeDocument/2006/relationships" xmlns:p="http://schemas.openxmlformats.org/presentationml/2006/main">
   <p:cSld>
     <p:spTree>
@@ -14774,7 +15062,7 @@
             <a:fld id="{CE58CB1E-F828-4F11-99E0-327109AF9DA4}" type="slidenum">
               <a:rPr lang="de-DE" smtClean="0"/>
               <a:pPr/>
-              <a:t>11</a:t>
+              <a:t>12</a:t>
             </a:fld>
             <a:endParaRPr lang="de-DE"/>
           </a:p>
@@ -26665,7 +26953,4593 @@
 </p:sld>
 </file>
 
-<file path=ppt/slides/slide12.xml><?xml version="1.0" encoding="utf-8"?>
+<file path=ppt/slides/slide13.xml><?xml version="1.0" encoding="utf-8"?>
+<p:sld xmlns:a="http://schemas.openxmlformats.org/drawingml/2006/main" xmlns:r="http://schemas.openxmlformats.org/officeDocument/2006/relationships" xmlns:p="http://schemas.openxmlformats.org/presentationml/2006/main">
+  <p:cSld>
+    <p:spTree>
+      <p:nvGrpSpPr>
+        <p:cNvPr id="1" name=""/>
+        <p:cNvGrpSpPr/>
+        <p:nvPr/>
+      </p:nvGrpSpPr>
+      <p:grpSpPr>
+        <a:xfrm>
+          <a:off x="0" y="0"/>
+          <a:ext cx="0" cy="0"/>
+          <a:chOff x="0" y="0"/>
+          <a:chExt cx="0" cy="0"/>
+        </a:xfrm>
+      </p:grpSpPr>
+      <p:sp>
+        <p:nvSpPr>
+          <p:cNvPr id="4" name="Slide Number Placeholder 3">
+            <a:extLst>
+              <a:ext uri="{FF2B5EF4-FFF2-40B4-BE49-F238E27FC236}">
+                <a16:creationId xmlns:a16="http://schemas.microsoft.com/office/drawing/2014/main" id="{8ADBAD59-86BD-1963-3290-00F9E48F5A99}"/>
+              </a:ext>
+            </a:extLst>
+          </p:cNvPr>
+          <p:cNvSpPr>
+            <a:spLocks noGrp="1"/>
+          </p:cNvSpPr>
+          <p:nvPr>
+            <p:ph type="sldNum" sz="quarter" idx="11"/>
+          </p:nvPr>
+        </p:nvSpPr>
+        <p:spPr/>
+        <p:txBody>
+          <a:bodyPr/>
+          <a:lstStyle/>
+          <a:p>
+            <a:fld id="{CE58CB1E-F828-4F11-99E0-327109AF9DA4}" type="slidenum">
+              <a:rPr lang="de-DE" smtClean="0"/>
+              <a:pPr/>
+              <a:t>13</a:t>
+            </a:fld>
+            <a:endParaRPr lang="de-DE"/>
+          </a:p>
+        </p:txBody>
+      </p:sp>
+      <p:sp>
+        <p:nvSpPr>
+          <p:cNvPr id="6" name="Fußzeilenplatzhalter 4">
+            <a:extLst>
+              <a:ext uri="{FF2B5EF4-FFF2-40B4-BE49-F238E27FC236}">
+                <a16:creationId xmlns:a16="http://schemas.microsoft.com/office/drawing/2014/main" id="{B2097AF6-3CCB-F0B5-D176-059CE3D6F2DE}"/>
+              </a:ext>
+            </a:extLst>
+          </p:cNvPr>
+          <p:cNvSpPr txBox="1">
+            <a:spLocks/>
+          </p:cNvSpPr>
+          <p:nvPr/>
+        </p:nvSpPr>
+        <p:spPr>
+          <a:xfrm>
+            <a:off x="311162" y="4854985"/>
+            <a:ext cx="7795890" cy="273844"/>
+          </a:xfrm>
+          <a:prstGeom prst="rect">
+            <a:avLst/>
+          </a:prstGeom>
+        </p:spPr>
+        <p:txBody>
+          <a:bodyPr/>
+          <a:lstStyle>
+            <a:defPPr>
+              <a:defRPr lang="de-DE"/>
+            </a:defPPr>
+            <a:lvl1pPr algn="l" rtl="0" fontAlgn="base">
+              <a:spcBef>
+                <a:spcPct val="0"/>
+              </a:spcBef>
+              <a:spcAft>
+                <a:spcPct val="0"/>
+              </a:spcAft>
+              <a:defRPr kern="1200">
+                <a:solidFill>
+                  <a:schemeClr val="tx1"/>
+                </a:solidFill>
+                <a:latin typeface="Arial" charset="0"/>
+                <a:ea typeface="+mn-ea"/>
+                <a:cs typeface="Arial" charset="0"/>
+              </a:defRPr>
+            </a:lvl1pPr>
+            <a:lvl2pPr marL="457200" algn="l" rtl="0" fontAlgn="base">
+              <a:spcBef>
+                <a:spcPct val="0"/>
+              </a:spcBef>
+              <a:spcAft>
+                <a:spcPct val="0"/>
+              </a:spcAft>
+              <a:defRPr kern="1200">
+                <a:solidFill>
+                  <a:schemeClr val="tx1"/>
+                </a:solidFill>
+                <a:latin typeface="Arial" charset="0"/>
+                <a:ea typeface="+mn-ea"/>
+                <a:cs typeface="Arial" charset="0"/>
+              </a:defRPr>
+            </a:lvl2pPr>
+            <a:lvl3pPr marL="914400" algn="l" rtl="0" fontAlgn="base">
+              <a:spcBef>
+                <a:spcPct val="0"/>
+              </a:spcBef>
+              <a:spcAft>
+                <a:spcPct val="0"/>
+              </a:spcAft>
+              <a:defRPr kern="1200">
+                <a:solidFill>
+                  <a:schemeClr val="tx1"/>
+                </a:solidFill>
+                <a:latin typeface="Arial" charset="0"/>
+                <a:ea typeface="+mn-ea"/>
+                <a:cs typeface="Arial" charset="0"/>
+              </a:defRPr>
+            </a:lvl3pPr>
+            <a:lvl4pPr marL="1371600" algn="l" rtl="0" fontAlgn="base">
+              <a:spcBef>
+                <a:spcPct val="0"/>
+              </a:spcBef>
+              <a:spcAft>
+                <a:spcPct val="0"/>
+              </a:spcAft>
+              <a:defRPr kern="1200">
+                <a:solidFill>
+                  <a:schemeClr val="tx1"/>
+                </a:solidFill>
+                <a:latin typeface="Arial" charset="0"/>
+                <a:ea typeface="+mn-ea"/>
+                <a:cs typeface="Arial" charset="0"/>
+              </a:defRPr>
+            </a:lvl4pPr>
+            <a:lvl5pPr marL="1828800" algn="l" rtl="0" fontAlgn="base">
+              <a:spcBef>
+                <a:spcPct val="0"/>
+              </a:spcBef>
+              <a:spcAft>
+                <a:spcPct val="0"/>
+              </a:spcAft>
+              <a:defRPr kern="1200">
+                <a:solidFill>
+                  <a:schemeClr val="tx1"/>
+                </a:solidFill>
+                <a:latin typeface="Arial" charset="0"/>
+                <a:ea typeface="+mn-ea"/>
+                <a:cs typeface="Arial" charset="0"/>
+              </a:defRPr>
+            </a:lvl5pPr>
+            <a:lvl6pPr marL="2286000" algn="l" defTabSz="914400" rtl="0" eaLnBrk="1" latinLnBrk="0" hangingPunct="1">
+              <a:defRPr kern="1200">
+                <a:solidFill>
+                  <a:schemeClr val="tx1"/>
+                </a:solidFill>
+                <a:latin typeface="Arial" charset="0"/>
+                <a:ea typeface="+mn-ea"/>
+                <a:cs typeface="Arial" charset="0"/>
+              </a:defRPr>
+            </a:lvl6pPr>
+            <a:lvl7pPr marL="2743200" algn="l" defTabSz="914400" rtl="0" eaLnBrk="1" latinLnBrk="0" hangingPunct="1">
+              <a:defRPr kern="1200">
+                <a:solidFill>
+                  <a:schemeClr val="tx1"/>
+                </a:solidFill>
+                <a:latin typeface="Arial" charset="0"/>
+                <a:ea typeface="+mn-ea"/>
+                <a:cs typeface="Arial" charset="0"/>
+              </a:defRPr>
+            </a:lvl7pPr>
+            <a:lvl8pPr marL="3200400" algn="l" defTabSz="914400" rtl="0" eaLnBrk="1" latinLnBrk="0" hangingPunct="1">
+              <a:defRPr kern="1200">
+                <a:solidFill>
+                  <a:schemeClr val="tx1"/>
+                </a:solidFill>
+                <a:latin typeface="Arial" charset="0"/>
+                <a:ea typeface="+mn-ea"/>
+                <a:cs typeface="Arial" charset="0"/>
+              </a:defRPr>
+            </a:lvl8pPr>
+            <a:lvl9pPr marL="3657600" algn="l" defTabSz="914400" rtl="0" eaLnBrk="1" latinLnBrk="0" hangingPunct="1">
+              <a:defRPr kern="1200">
+                <a:solidFill>
+                  <a:schemeClr val="tx1"/>
+                </a:solidFill>
+                <a:latin typeface="Arial" charset="0"/>
+                <a:ea typeface="+mn-ea"/>
+                <a:cs typeface="Arial" charset="0"/>
+              </a:defRPr>
+            </a:lvl9pPr>
+          </a:lstStyle>
+          <a:p>
+            <a:r>
+              <a:rPr lang="en-US" sz="1100" dirty="0">
+                <a:latin typeface="Arial"/>
+                <a:cs typeface="Arial"/>
+              </a:rPr>
+              <a:t>Chia-Ling Yang | </a:t>
+            </a:r>
+            <a:r>
+              <a:rPr lang="en-GB" sz="1100" b="0" i="0" u="none" strike="noStrike" dirty="0">
+                <a:effectLst/>
+                <a:latin typeface="Arial" panose="020B0604020202020204" pitchFamily="34" charset="0"/>
+              </a:rPr>
+              <a:t>Exploring Reinforcement Learning Solutions for EV-aware Optimal Power Flow Under Uncertainty</a:t>
+            </a:r>
+            <a:endParaRPr lang="en-US" sz="1100" dirty="0">
+              <a:latin typeface="Arial"/>
+              <a:cs typeface="Arial"/>
+            </a:endParaRPr>
+          </a:p>
+        </p:txBody>
+      </p:sp>
+      <p:grpSp>
+        <p:nvGrpSpPr>
+          <p:cNvPr id="5" name="Group 4">
+            <a:extLst>
+              <a:ext uri="{FF2B5EF4-FFF2-40B4-BE49-F238E27FC236}">
+                <a16:creationId xmlns:a16="http://schemas.microsoft.com/office/drawing/2014/main" id="{00D542E3-04F3-83A2-B558-1627C469DDD9}"/>
+              </a:ext>
+            </a:extLst>
+          </p:cNvPr>
+          <p:cNvGrpSpPr/>
+          <p:nvPr/>
+        </p:nvGrpSpPr>
+        <p:grpSpPr>
+          <a:xfrm>
+            <a:off x="0" y="195135"/>
+            <a:ext cx="7256727" cy="426446"/>
+            <a:chOff x="0" y="195135"/>
+            <a:chExt cx="7256727" cy="426446"/>
+          </a:xfrm>
+        </p:grpSpPr>
+        <p:sp>
+          <p:nvSpPr>
+            <p:cNvPr id="7" name="Pentagon 19">
+              <a:extLst>
+                <a:ext uri="{FF2B5EF4-FFF2-40B4-BE49-F238E27FC236}">
+                  <a16:creationId xmlns:a16="http://schemas.microsoft.com/office/drawing/2014/main" id="{F00060BA-8AA3-CD8C-0BE0-D22D56D18CEC}"/>
+                </a:ext>
+              </a:extLst>
+            </p:cNvPr>
+            <p:cNvSpPr/>
+            <p:nvPr/>
+          </p:nvSpPr>
+          <p:spPr bwMode="auto">
+            <a:xfrm>
+              <a:off x="0" y="195135"/>
+              <a:ext cx="1655556" cy="426446"/>
+            </a:xfrm>
+            <a:prstGeom prst="homePlate">
+              <a:avLst/>
+            </a:prstGeom>
+            <a:solidFill>
+              <a:srgbClr val="F2F2F2"/>
+            </a:solidFill>
+            <a:ln w="9525" cap="flat" cmpd="sng" algn="ctr">
+              <a:noFill/>
+              <a:prstDash val="solid"/>
+              <a:round/>
+              <a:headEnd type="none" w="med" len="med"/>
+              <a:tailEnd type="none" w="med" len="med"/>
+            </a:ln>
+            <a:effectLst/>
+          </p:spPr>
+          <p:txBody>
+            <a:bodyPr rot="0" spcFirstLastPara="0" vertOverflow="overflow" horzOverflow="overflow" vert="horz" wrap="square" lIns="91440" tIns="45720" rIns="91440" bIns="45720" numCol="1" spcCol="0" rtlCol="0" fromWordArt="0" anchor="ctr" anchorCtr="0" forceAA="0" compatLnSpc="1">
+              <a:prstTxWarp prst="textNoShape">
+                <a:avLst/>
+              </a:prstTxWarp>
+              <a:noAutofit/>
+            </a:bodyPr>
+            <a:lstStyle/>
+            <a:p>
+              <a:pPr marL="0" marR="0" indent="0" algn="ctr" defTabSz="914400" rtl="0" eaLnBrk="0" fontAlgn="base" latinLnBrk="0" hangingPunct="0">
+                <a:lnSpc>
+                  <a:spcPct val="100000"/>
+                </a:lnSpc>
+                <a:spcBef>
+                  <a:spcPct val="0"/>
+                </a:spcBef>
+                <a:spcAft>
+                  <a:spcPct val="0"/>
+                </a:spcAft>
+                <a:buClrTx/>
+                <a:buSzTx/>
+                <a:buFontTx/>
+                <a:buNone/>
+                <a:tabLst/>
+              </a:pPr>
+              <a:r>
+                <a:rPr kumimoji="0" lang="en-GB" sz="1400" b="0" i="0" u="none" strike="noStrike" cap="none" normalizeH="0" baseline="0" dirty="0">
+                  <a:ln>
+                    <a:noFill/>
+                  </a:ln>
+                  <a:solidFill>
+                    <a:schemeClr val="bg1"/>
+                  </a:solidFill>
+                  <a:effectLst/>
+                  <a:latin typeface="Helvetica Neue" charset="0"/>
+                </a:rPr>
+                <a:t>Background</a:t>
+              </a:r>
+            </a:p>
+          </p:txBody>
+        </p:sp>
+        <p:sp>
+          <p:nvSpPr>
+            <p:cNvPr id="8" name="Chevron 21">
+              <a:extLst>
+                <a:ext uri="{FF2B5EF4-FFF2-40B4-BE49-F238E27FC236}">
+                  <a16:creationId xmlns:a16="http://schemas.microsoft.com/office/drawing/2014/main" id="{C19E730C-E563-0DE7-3A17-212A05F47DE3}"/>
+                </a:ext>
+              </a:extLst>
+            </p:cNvPr>
+            <p:cNvSpPr/>
+            <p:nvPr/>
+          </p:nvSpPr>
+          <p:spPr bwMode="auto">
+            <a:xfrm>
+              <a:off x="1352574" y="195135"/>
+              <a:ext cx="1655556" cy="426446"/>
+            </a:xfrm>
+            <a:prstGeom prst="chevron">
+              <a:avLst/>
+            </a:prstGeom>
+            <a:solidFill>
+              <a:srgbClr val="F2F2F2"/>
+            </a:solidFill>
+            <a:ln w="9525" cap="flat" cmpd="sng" algn="ctr">
+              <a:noFill/>
+              <a:prstDash val="solid"/>
+              <a:round/>
+              <a:headEnd type="none" w="med" len="med"/>
+              <a:tailEnd type="none" w="med" len="med"/>
+            </a:ln>
+            <a:effectLst/>
+          </p:spPr>
+          <p:txBody>
+            <a:bodyPr rot="0" spcFirstLastPara="0" vertOverflow="overflow" horzOverflow="overflow" vert="horz" wrap="square" lIns="91440" tIns="45720" rIns="91440" bIns="45720" numCol="1" spcCol="0" rtlCol="0" fromWordArt="0" anchor="ctr" anchorCtr="0" forceAA="0" compatLnSpc="1">
+              <a:prstTxWarp prst="textNoShape">
+                <a:avLst/>
+              </a:prstTxWarp>
+              <a:noAutofit/>
+            </a:bodyPr>
+            <a:lstStyle/>
+            <a:p>
+              <a:pPr marL="0" marR="0" indent="0" algn="ctr" defTabSz="914400" rtl="0" eaLnBrk="0" fontAlgn="base" latinLnBrk="0" hangingPunct="0">
+                <a:lnSpc>
+                  <a:spcPct val="100000"/>
+                </a:lnSpc>
+                <a:spcBef>
+                  <a:spcPct val="0"/>
+                </a:spcBef>
+                <a:spcAft>
+                  <a:spcPct val="0"/>
+                </a:spcAft>
+                <a:buClrTx/>
+                <a:buSzTx/>
+                <a:buFontTx/>
+                <a:buNone/>
+                <a:tabLst/>
+              </a:pPr>
+              <a:r>
+                <a:rPr kumimoji="0" lang="en-GB" sz="1400" b="0" i="0" u="none" strike="noStrike" cap="none" normalizeH="0" baseline="0" dirty="0">
+                  <a:ln>
+                    <a:noFill/>
+                  </a:ln>
+                  <a:solidFill>
+                    <a:schemeClr val="bg1"/>
+                  </a:solidFill>
+                  <a:effectLst/>
+                  <a:latin typeface="Helvetica Neue" charset="0"/>
+                </a:rPr>
+                <a:t>Problem Formulation</a:t>
+              </a:r>
+            </a:p>
+          </p:txBody>
+        </p:sp>
+        <p:sp>
+          <p:nvSpPr>
+            <p:cNvPr id="9" name="Chevron 21">
+              <a:extLst>
+                <a:ext uri="{FF2B5EF4-FFF2-40B4-BE49-F238E27FC236}">
+                  <a16:creationId xmlns:a16="http://schemas.microsoft.com/office/drawing/2014/main" id="{6EF7888E-A2C5-06BA-6967-BEE8A364F680}"/>
+                </a:ext>
+              </a:extLst>
+            </p:cNvPr>
+            <p:cNvSpPr/>
+            <p:nvPr/>
+          </p:nvSpPr>
+          <p:spPr bwMode="auto">
+            <a:xfrm>
+              <a:off x="2705148" y="195135"/>
+              <a:ext cx="1655556" cy="426446"/>
+            </a:xfrm>
+            <a:prstGeom prst="chevron">
+              <a:avLst/>
+            </a:prstGeom>
+            <a:solidFill>
+              <a:srgbClr val="0065BD"/>
+            </a:solidFill>
+            <a:ln w="9525" cap="flat" cmpd="sng" algn="ctr">
+              <a:noFill/>
+              <a:prstDash val="solid"/>
+              <a:round/>
+              <a:headEnd type="none" w="med" len="med"/>
+              <a:tailEnd type="none" w="med" len="med"/>
+            </a:ln>
+            <a:effectLst/>
+          </p:spPr>
+          <p:txBody>
+            <a:bodyPr rot="0" spcFirstLastPara="0" vertOverflow="overflow" horzOverflow="overflow" vert="horz" wrap="square" lIns="91440" tIns="45720" rIns="91440" bIns="45720" numCol="1" spcCol="0" rtlCol="0" fromWordArt="0" anchor="ctr" anchorCtr="0" forceAA="0" compatLnSpc="1">
+              <a:prstTxWarp prst="textNoShape">
+                <a:avLst/>
+              </a:prstTxWarp>
+              <a:noAutofit/>
+            </a:bodyPr>
+            <a:lstStyle/>
+            <a:p>
+              <a:pPr marL="0" marR="0" indent="0" algn="ctr" defTabSz="914400" rtl="0" eaLnBrk="0" fontAlgn="base" latinLnBrk="0" hangingPunct="0">
+                <a:lnSpc>
+                  <a:spcPct val="100000"/>
+                </a:lnSpc>
+                <a:spcBef>
+                  <a:spcPct val="0"/>
+                </a:spcBef>
+                <a:spcAft>
+                  <a:spcPct val="0"/>
+                </a:spcAft>
+                <a:buClrTx/>
+                <a:buSzTx/>
+                <a:buFontTx/>
+                <a:buNone/>
+                <a:tabLst/>
+              </a:pPr>
+              <a:r>
+                <a:rPr kumimoji="0" lang="en-GB" sz="1400" b="0" i="0" u="none" strike="noStrike" cap="none" normalizeH="0" baseline="0" dirty="0">
+                  <a:ln>
+                    <a:noFill/>
+                  </a:ln>
+                  <a:solidFill>
+                    <a:schemeClr val="bg1"/>
+                  </a:solidFill>
+                  <a:effectLst/>
+                  <a:latin typeface="Helvetica Neue" charset="0"/>
+                </a:rPr>
+                <a:t>Literature Review</a:t>
+              </a:r>
+            </a:p>
+          </p:txBody>
+        </p:sp>
+        <p:sp>
+          <p:nvSpPr>
+            <p:cNvPr id="10" name="Chevron 21">
+              <a:extLst>
+                <a:ext uri="{FF2B5EF4-FFF2-40B4-BE49-F238E27FC236}">
+                  <a16:creationId xmlns:a16="http://schemas.microsoft.com/office/drawing/2014/main" id="{F6B7D66A-9651-4691-C803-E0C11E0E39CC}"/>
+                </a:ext>
+              </a:extLst>
+            </p:cNvPr>
+            <p:cNvSpPr/>
+            <p:nvPr/>
+          </p:nvSpPr>
+          <p:spPr bwMode="auto">
+            <a:xfrm>
+              <a:off x="4157299" y="195135"/>
+              <a:ext cx="1655556" cy="426446"/>
+            </a:xfrm>
+            <a:prstGeom prst="chevron">
+              <a:avLst/>
+            </a:prstGeom>
+            <a:solidFill>
+              <a:schemeClr val="bg1">
+                <a:lumMod val="95000"/>
+              </a:schemeClr>
+            </a:solidFill>
+            <a:ln w="9525" cap="flat" cmpd="sng" algn="ctr">
+              <a:noFill/>
+              <a:prstDash val="solid"/>
+              <a:round/>
+              <a:headEnd type="none" w="med" len="med"/>
+              <a:tailEnd type="none" w="med" len="med"/>
+            </a:ln>
+            <a:effectLst/>
+          </p:spPr>
+          <p:txBody>
+            <a:bodyPr rot="0" spcFirstLastPara="0" vertOverflow="overflow" horzOverflow="overflow" vert="horz" wrap="square" lIns="91440" tIns="45720" rIns="91440" bIns="45720" numCol="1" spcCol="0" rtlCol="0" fromWordArt="0" anchor="ctr" anchorCtr="0" forceAA="0" compatLnSpc="1">
+              <a:prstTxWarp prst="textNoShape">
+                <a:avLst/>
+              </a:prstTxWarp>
+              <a:noAutofit/>
+            </a:bodyPr>
+            <a:lstStyle/>
+            <a:p>
+              <a:pPr marL="0" marR="0" indent="0" algn="ctr" defTabSz="914400" rtl="0" eaLnBrk="0" fontAlgn="base" latinLnBrk="0" hangingPunct="0">
+                <a:lnSpc>
+                  <a:spcPct val="100000"/>
+                </a:lnSpc>
+                <a:spcBef>
+                  <a:spcPct val="0"/>
+                </a:spcBef>
+                <a:spcAft>
+                  <a:spcPct val="0"/>
+                </a:spcAft>
+                <a:buClrTx/>
+                <a:buSzTx/>
+                <a:buFontTx/>
+                <a:buNone/>
+                <a:tabLst/>
+              </a:pPr>
+              <a:r>
+                <a:rPr kumimoji="0" lang="en-GB" sz="1400" b="0" i="0" u="none" strike="noStrike" cap="none" normalizeH="0" baseline="0" dirty="0">
+                  <a:ln>
+                    <a:noFill/>
+                  </a:ln>
+                  <a:solidFill>
+                    <a:schemeClr val="bg1"/>
+                  </a:solidFill>
+                  <a:effectLst/>
+                  <a:latin typeface="Helvetica Neue" charset="0"/>
+                </a:rPr>
+                <a:t>Methodology</a:t>
+              </a:r>
+            </a:p>
+          </p:txBody>
+        </p:sp>
+        <p:sp>
+          <p:nvSpPr>
+            <p:cNvPr id="11" name="Chevron 21">
+              <a:extLst>
+                <a:ext uri="{FF2B5EF4-FFF2-40B4-BE49-F238E27FC236}">
+                  <a16:creationId xmlns:a16="http://schemas.microsoft.com/office/drawing/2014/main" id="{F111D98B-FC2E-8F43-DC84-924C58D2BD82}"/>
+                </a:ext>
+              </a:extLst>
+            </p:cNvPr>
+            <p:cNvSpPr/>
+            <p:nvPr/>
+          </p:nvSpPr>
+          <p:spPr bwMode="auto">
+            <a:xfrm>
+              <a:off x="5601171" y="195135"/>
+              <a:ext cx="1655556" cy="426446"/>
+            </a:xfrm>
+            <a:prstGeom prst="chevron">
+              <a:avLst/>
+            </a:prstGeom>
+            <a:solidFill>
+              <a:schemeClr val="bg1">
+                <a:lumMod val="95000"/>
+              </a:schemeClr>
+            </a:solidFill>
+            <a:ln w="9525" cap="flat" cmpd="sng" algn="ctr">
+              <a:noFill/>
+              <a:prstDash val="solid"/>
+              <a:round/>
+              <a:headEnd type="none" w="med" len="med"/>
+              <a:tailEnd type="none" w="med" len="med"/>
+            </a:ln>
+            <a:effectLst/>
+          </p:spPr>
+          <p:txBody>
+            <a:bodyPr rot="0" spcFirstLastPara="0" vertOverflow="overflow" horzOverflow="overflow" vert="horz" wrap="square" lIns="91440" tIns="45720" rIns="91440" bIns="45720" numCol="1" spcCol="0" rtlCol="0" fromWordArt="0" anchor="ctr" anchorCtr="0" forceAA="0" compatLnSpc="1">
+              <a:prstTxWarp prst="textNoShape">
+                <a:avLst/>
+              </a:prstTxWarp>
+              <a:noAutofit/>
+            </a:bodyPr>
+            <a:lstStyle/>
+            <a:p>
+              <a:pPr marL="0" marR="0" indent="0" algn="ctr" defTabSz="914400" rtl="0" eaLnBrk="0" fontAlgn="base" latinLnBrk="0" hangingPunct="0">
+                <a:lnSpc>
+                  <a:spcPct val="100000"/>
+                </a:lnSpc>
+                <a:spcBef>
+                  <a:spcPct val="0"/>
+                </a:spcBef>
+                <a:spcAft>
+                  <a:spcPct val="0"/>
+                </a:spcAft>
+                <a:buClrTx/>
+                <a:buSzTx/>
+                <a:buFontTx/>
+                <a:buNone/>
+                <a:tabLst/>
+              </a:pPr>
+              <a:r>
+                <a:rPr kumimoji="0" lang="en-GB" sz="1400" b="0" i="0" u="none" strike="noStrike" cap="none" normalizeH="0" baseline="0" dirty="0">
+                  <a:ln>
+                    <a:noFill/>
+                  </a:ln>
+                  <a:solidFill>
+                    <a:schemeClr val="bg1"/>
+                  </a:solidFill>
+                  <a:effectLst/>
+                  <a:latin typeface="Helvetica Neue" charset="0"/>
+                </a:rPr>
+                <a:t>Outlook</a:t>
+              </a:r>
+            </a:p>
+          </p:txBody>
+        </p:sp>
+      </p:grpSp>
+      <p:graphicFrame>
+        <p:nvGraphicFramePr>
+          <p:cNvPr id="16" name="Table 15">
+            <a:extLst>
+              <a:ext uri="{FF2B5EF4-FFF2-40B4-BE49-F238E27FC236}">
+                <a16:creationId xmlns:a16="http://schemas.microsoft.com/office/drawing/2014/main" id="{2986CE4E-EE34-C1B4-D9B8-2EAE9DD79DB8}"/>
+              </a:ext>
+            </a:extLst>
+          </p:cNvPr>
+          <p:cNvGraphicFramePr>
+            <a:graphicFrameLocks noGrp="1"/>
+          </p:cNvGraphicFramePr>
+          <p:nvPr>
+            <p:extLst>
+              <p:ext uri="{D42A27DB-BD31-4B8C-83A1-F6EECF244321}">
+                <p14:modId xmlns:p14="http://schemas.microsoft.com/office/powerpoint/2010/main" val="112915360"/>
+              </p:ext>
+            </p:extLst>
+          </p:nvPr>
+        </p:nvGraphicFramePr>
+        <p:xfrm>
+          <a:off x="115890" y="748719"/>
+          <a:ext cx="8912219" cy="4026740"/>
+        </p:xfrm>
+        <a:graphic>
+          <a:graphicData uri="http://schemas.openxmlformats.org/drawingml/2006/table">
+            <a:tbl>
+              <a:tblPr>
+                <a:tableStyleId>{2D5ABB26-0587-4C30-8999-92F81FD0307C}</a:tableStyleId>
+              </a:tblPr>
+              <a:tblGrid>
+                <a:gridCol w="3529010">
+                  <a:extLst>
+                    <a:ext uri="{9D8B030D-6E8A-4147-A177-3AD203B41FA5}">
+                      <a16:colId xmlns:a16="http://schemas.microsoft.com/office/drawing/2014/main" val="932129789"/>
+                    </a:ext>
+                  </a:extLst>
+                </a:gridCol>
+                <a:gridCol w="711200">
+                  <a:extLst>
+                    <a:ext uri="{9D8B030D-6E8A-4147-A177-3AD203B41FA5}">
+                      <a16:colId xmlns:a16="http://schemas.microsoft.com/office/drawing/2014/main" val="1596127928"/>
+                    </a:ext>
+                  </a:extLst>
+                </a:gridCol>
+                <a:gridCol w="1384300">
+                  <a:extLst>
+                    <a:ext uri="{9D8B030D-6E8A-4147-A177-3AD203B41FA5}">
+                      <a16:colId xmlns:a16="http://schemas.microsoft.com/office/drawing/2014/main" val="2552444975"/>
+                    </a:ext>
+                  </a:extLst>
+                </a:gridCol>
+                <a:gridCol w="533400">
+                  <a:extLst>
+                    <a:ext uri="{9D8B030D-6E8A-4147-A177-3AD203B41FA5}">
+                      <a16:colId xmlns:a16="http://schemas.microsoft.com/office/drawing/2014/main" val="2719311127"/>
+                    </a:ext>
+                  </a:extLst>
+                </a:gridCol>
+                <a:gridCol w="1498600">
+                  <a:extLst>
+                    <a:ext uri="{9D8B030D-6E8A-4147-A177-3AD203B41FA5}">
+                      <a16:colId xmlns:a16="http://schemas.microsoft.com/office/drawing/2014/main" val="2112271259"/>
+                    </a:ext>
+                  </a:extLst>
+                </a:gridCol>
+                <a:gridCol w="571500">
+                  <a:extLst>
+                    <a:ext uri="{9D8B030D-6E8A-4147-A177-3AD203B41FA5}">
+                      <a16:colId xmlns:a16="http://schemas.microsoft.com/office/drawing/2014/main" val="603075834"/>
+                    </a:ext>
+                  </a:extLst>
+                </a:gridCol>
+                <a:gridCol w="684209">
+                  <a:extLst>
+                    <a:ext uri="{9D8B030D-6E8A-4147-A177-3AD203B41FA5}">
+                      <a16:colId xmlns:a16="http://schemas.microsoft.com/office/drawing/2014/main" val="253381943"/>
+                    </a:ext>
+                  </a:extLst>
+                </a:gridCol>
+              </a:tblGrid>
+              <a:tr h="315665">
+                <a:tc>
+                  <a:txBody>
+                    <a:bodyPr/>
+                    <a:lstStyle/>
+                    <a:p>
+                      <a:pPr algn="l" fontAlgn="b"/>
+                      <a:r>
+                        <a:rPr lang="en-GB" sz="1000" b="1" u="none" strike="noStrike" dirty="0">
+                          <a:effectLst/>
+                        </a:rPr>
+                        <a:t>Title</a:t>
+                      </a:r>
+                      <a:endParaRPr lang="en-GB" sz="1000" b="1" i="0" u="none" strike="noStrike" dirty="0">
+                        <a:solidFill>
+                          <a:srgbClr val="000000"/>
+                        </a:solidFill>
+                        <a:effectLst/>
+                        <a:latin typeface="Times New Roman" panose="02020603050405020304" pitchFamily="18" charset="0"/>
+                      </a:endParaRPr>
+                    </a:p>
+                  </a:txBody>
+                  <a:tcPr anchor="ctr">
+                    <a:lnL w="19050" cap="flat" cmpd="sng" algn="ctr">
+                      <a:solidFill>
+                        <a:schemeClr val="tx1"/>
+                      </a:solidFill>
+                      <a:prstDash val="solid"/>
+                      <a:round/>
+                      <a:headEnd type="none" w="med" len="med"/>
+                      <a:tailEnd type="none" w="med" len="med"/>
+                    </a:lnL>
+                    <a:lnR w="3175" cap="flat" cmpd="sng" algn="ctr">
+                      <a:solidFill>
+                        <a:schemeClr val="tx1"/>
+                      </a:solidFill>
+                      <a:prstDash val="solid"/>
+                      <a:round/>
+                      <a:headEnd type="none" w="med" len="med"/>
+                      <a:tailEnd type="none" w="med" len="med"/>
+                    </a:lnR>
+                    <a:lnT w="19050" cap="flat" cmpd="sng" algn="ctr">
+                      <a:solidFill>
+                        <a:schemeClr val="tx1"/>
+                      </a:solidFill>
+                      <a:prstDash val="solid"/>
+                      <a:round/>
+                      <a:headEnd type="none" w="med" len="med"/>
+                      <a:tailEnd type="none" w="med" len="med"/>
+                    </a:lnT>
+                    <a:lnB w="3175" cap="flat" cmpd="sng" algn="ctr">
+                      <a:solidFill>
+                        <a:schemeClr val="tx1"/>
+                      </a:solidFill>
+                      <a:prstDash val="solid"/>
+                      <a:round/>
+                      <a:headEnd type="none" w="med" len="med"/>
+                      <a:tailEnd type="none" w="med" len="med"/>
+                    </a:lnB>
+                  </a:tcPr>
+                </a:tc>
+                <a:tc>
+                  <a:txBody>
+                    <a:bodyPr/>
+                    <a:lstStyle/>
+                    <a:p>
+                      <a:pPr algn="ctr" fontAlgn="b"/>
+                      <a:r>
+                        <a:rPr lang="en-GB" sz="1000" b="1" u="none" strike="noStrike" dirty="0">
+                          <a:effectLst/>
+                        </a:rPr>
+                        <a:t>Author</a:t>
+                      </a:r>
+                      <a:endParaRPr lang="en-GB" sz="1000" b="1" i="0" u="none" strike="noStrike" dirty="0">
+                        <a:solidFill>
+                          <a:srgbClr val="000000"/>
+                        </a:solidFill>
+                        <a:effectLst/>
+                        <a:latin typeface="Times New Roman" panose="02020603050405020304" pitchFamily="18" charset="0"/>
+                      </a:endParaRPr>
+                    </a:p>
+                  </a:txBody>
+                  <a:tcPr marL="3677" marR="3677" marT="3677" marB="0" anchor="ctr">
+                    <a:lnL w="3175" cap="flat" cmpd="sng" algn="ctr">
+                      <a:solidFill>
+                        <a:schemeClr val="tx1"/>
+                      </a:solidFill>
+                      <a:prstDash val="solid"/>
+                      <a:round/>
+                      <a:headEnd type="none" w="med" len="med"/>
+                      <a:tailEnd type="none" w="med" len="med"/>
+                    </a:lnL>
+                    <a:lnR w="3175" cap="flat" cmpd="sng" algn="ctr">
+                      <a:solidFill>
+                        <a:schemeClr val="tx1"/>
+                      </a:solidFill>
+                      <a:prstDash val="solid"/>
+                      <a:round/>
+                      <a:headEnd type="none" w="med" len="med"/>
+                      <a:tailEnd type="none" w="med" len="med"/>
+                    </a:lnR>
+                    <a:lnT w="19050" cap="flat" cmpd="sng" algn="ctr">
+                      <a:solidFill>
+                        <a:schemeClr val="tx1"/>
+                      </a:solidFill>
+                      <a:prstDash val="solid"/>
+                      <a:round/>
+                      <a:headEnd type="none" w="med" len="med"/>
+                      <a:tailEnd type="none" w="med" len="med"/>
+                    </a:lnT>
+                    <a:lnB w="3175" cap="flat" cmpd="sng" algn="ctr">
+                      <a:solidFill>
+                        <a:schemeClr val="tx1"/>
+                      </a:solidFill>
+                      <a:prstDash val="solid"/>
+                      <a:round/>
+                      <a:headEnd type="none" w="med" len="med"/>
+                      <a:tailEnd type="none" w="med" len="med"/>
+                    </a:lnB>
+                  </a:tcPr>
+                </a:tc>
+                <a:tc>
+                  <a:txBody>
+                    <a:bodyPr/>
+                    <a:lstStyle/>
+                    <a:p>
+                      <a:pPr algn="ctr" fontAlgn="b"/>
+                      <a:r>
+                        <a:rPr lang="en-GB" sz="1000" b="1" u="none" strike="noStrike" dirty="0">
+                          <a:effectLst/>
+                        </a:rPr>
+                        <a:t>Journal</a:t>
+                      </a:r>
+                      <a:endParaRPr lang="en-GB" sz="1000" b="1" i="0" u="none" strike="noStrike" dirty="0">
+                        <a:solidFill>
+                          <a:srgbClr val="000000"/>
+                        </a:solidFill>
+                        <a:effectLst/>
+                        <a:latin typeface="Times New Roman" panose="02020603050405020304" pitchFamily="18" charset="0"/>
+                      </a:endParaRPr>
+                    </a:p>
+                  </a:txBody>
+                  <a:tcPr marL="3677" marR="3677" marT="3677" marB="0" anchor="ctr">
+                    <a:lnL w="3175" cap="flat" cmpd="sng" algn="ctr">
+                      <a:solidFill>
+                        <a:schemeClr val="tx1"/>
+                      </a:solidFill>
+                      <a:prstDash val="solid"/>
+                      <a:round/>
+                      <a:headEnd type="none" w="med" len="med"/>
+                      <a:tailEnd type="none" w="med" len="med"/>
+                    </a:lnL>
+                    <a:lnR w="3175" cap="flat" cmpd="sng" algn="ctr">
+                      <a:solidFill>
+                        <a:schemeClr val="tx1"/>
+                      </a:solidFill>
+                      <a:prstDash val="solid"/>
+                      <a:round/>
+                      <a:headEnd type="none" w="med" len="med"/>
+                      <a:tailEnd type="none" w="med" len="med"/>
+                    </a:lnR>
+                    <a:lnT w="19050" cap="flat" cmpd="sng" algn="ctr">
+                      <a:solidFill>
+                        <a:schemeClr val="tx1"/>
+                      </a:solidFill>
+                      <a:prstDash val="solid"/>
+                      <a:round/>
+                      <a:headEnd type="none" w="med" len="med"/>
+                      <a:tailEnd type="none" w="med" len="med"/>
+                    </a:lnT>
+                    <a:lnB w="3175" cap="flat" cmpd="sng" algn="ctr">
+                      <a:solidFill>
+                        <a:schemeClr val="tx1"/>
+                      </a:solidFill>
+                      <a:prstDash val="solid"/>
+                      <a:round/>
+                      <a:headEnd type="none" w="med" len="med"/>
+                      <a:tailEnd type="none" w="med" len="med"/>
+                    </a:lnB>
+                  </a:tcPr>
+                </a:tc>
+                <a:tc>
+                  <a:txBody>
+                    <a:bodyPr/>
+                    <a:lstStyle/>
+                    <a:p>
+                      <a:pPr algn="ctr" fontAlgn="b"/>
+                      <a:r>
+                        <a:rPr lang="en-GB" sz="1000" b="1" u="none" strike="noStrike" dirty="0">
+                          <a:effectLst/>
+                        </a:rPr>
+                        <a:t>Year</a:t>
+                      </a:r>
+                      <a:endParaRPr lang="en-GB" sz="1000" b="1" i="0" u="none" strike="noStrike" dirty="0">
+                        <a:solidFill>
+                          <a:srgbClr val="000000"/>
+                        </a:solidFill>
+                        <a:effectLst/>
+                        <a:latin typeface="Times New Roman" panose="02020603050405020304" pitchFamily="18" charset="0"/>
+                      </a:endParaRPr>
+                    </a:p>
+                  </a:txBody>
+                  <a:tcPr marL="3677" marR="3677" marT="3677" marB="0" anchor="ctr">
+                    <a:lnL w="3175" cap="flat" cmpd="sng" algn="ctr">
+                      <a:solidFill>
+                        <a:schemeClr val="tx1"/>
+                      </a:solidFill>
+                      <a:prstDash val="solid"/>
+                      <a:round/>
+                      <a:headEnd type="none" w="med" len="med"/>
+                      <a:tailEnd type="none" w="med" len="med"/>
+                    </a:lnL>
+                    <a:lnR w="3175" cap="flat" cmpd="sng" algn="ctr">
+                      <a:solidFill>
+                        <a:schemeClr val="tx1"/>
+                      </a:solidFill>
+                      <a:prstDash val="solid"/>
+                      <a:round/>
+                      <a:headEnd type="none" w="med" len="med"/>
+                      <a:tailEnd type="none" w="med" len="med"/>
+                    </a:lnR>
+                    <a:lnT w="19050" cap="flat" cmpd="sng" algn="ctr">
+                      <a:solidFill>
+                        <a:schemeClr val="tx1"/>
+                      </a:solidFill>
+                      <a:prstDash val="solid"/>
+                      <a:round/>
+                      <a:headEnd type="none" w="med" len="med"/>
+                      <a:tailEnd type="none" w="med" len="med"/>
+                    </a:lnT>
+                    <a:lnB w="3175" cap="flat" cmpd="sng" algn="ctr">
+                      <a:solidFill>
+                        <a:schemeClr val="tx1"/>
+                      </a:solidFill>
+                      <a:prstDash val="solid"/>
+                      <a:round/>
+                      <a:headEnd type="none" w="med" len="med"/>
+                      <a:tailEnd type="none" w="med" len="med"/>
+                    </a:lnB>
+                  </a:tcPr>
+                </a:tc>
+                <a:tc>
+                  <a:txBody>
+                    <a:bodyPr/>
+                    <a:lstStyle/>
+                    <a:p>
+                      <a:pPr algn="ctr" fontAlgn="b"/>
+                      <a:r>
+                        <a:rPr lang="en-GB" sz="1000" b="1" u="none" strike="noStrike" dirty="0">
+                          <a:effectLst/>
+                        </a:rPr>
+                        <a:t>Methodology</a:t>
+                      </a:r>
+                      <a:endParaRPr lang="en-GB" sz="1000" b="1" i="0" u="none" strike="noStrike" dirty="0">
+                        <a:solidFill>
+                          <a:srgbClr val="000000"/>
+                        </a:solidFill>
+                        <a:effectLst/>
+                        <a:latin typeface="Times New Roman" panose="02020603050405020304" pitchFamily="18" charset="0"/>
+                      </a:endParaRPr>
+                    </a:p>
+                  </a:txBody>
+                  <a:tcPr marL="3677" marR="3677" marT="3677" marB="0" anchor="ctr">
+                    <a:lnL w="3175" cap="flat" cmpd="sng" algn="ctr">
+                      <a:solidFill>
+                        <a:schemeClr val="tx1"/>
+                      </a:solidFill>
+                      <a:prstDash val="solid"/>
+                      <a:round/>
+                      <a:headEnd type="none" w="med" len="med"/>
+                      <a:tailEnd type="none" w="med" len="med"/>
+                    </a:lnL>
+                    <a:lnR w="3175" cap="flat" cmpd="sng" algn="ctr">
+                      <a:solidFill>
+                        <a:schemeClr val="tx1"/>
+                      </a:solidFill>
+                      <a:prstDash val="solid"/>
+                      <a:round/>
+                      <a:headEnd type="none" w="med" len="med"/>
+                      <a:tailEnd type="none" w="med" len="med"/>
+                    </a:lnR>
+                    <a:lnT w="19050" cap="flat" cmpd="sng" algn="ctr">
+                      <a:solidFill>
+                        <a:schemeClr val="tx1"/>
+                      </a:solidFill>
+                      <a:prstDash val="solid"/>
+                      <a:round/>
+                      <a:headEnd type="none" w="med" len="med"/>
+                      <a:tailEnd type="none" w="med" len="med"/>
+                    </a:lnT>
+                    <a:lnB w="3175" cap="flat" cmpd="sng" algn="ctr">
+                      <a:solidFill>
+                        <a:schemeClr val="tx1"/>
+                      </a:solidFill>
+                      <a:prstDash val="solid"/>
+                      <a:round/>
+                      <a:headEnd type="none" w="med" len="med"/>
+                      <a:tailEnd type="none" w="med" len="med"/>
+                    </a:lnB>
+                  </a:tcPr>
+                </a:tc>
+                <a:tc>
+                  <a:txBody>
+                    <a:bodyPr/>
+                    <a:lstStyle/>
+                    <a:p>
+                      <a:pPr algn="ctr" fontAlgn="b"/>
+                      <a:r>
+                        <a:rPr lang="en-GB" sz="1000" b="1" u="none" strike="noStrike" dirty="0">
+                          <a:effectLst/>
+                        </a:rPr>
+                        <a:t>EV-Aware?</a:t>
+                      </a:r>
+                      <a:endParaRPr lang="en-GB" sz="1000" b="1" i="0" u="none" strike="noStrike" dirty="0">
+                        <a:solidFill>
+                          <a:srgbClr val="000000"/>
+                        </a:solidFill>
+                        <a:effectLst/>
+                        <a:latin typeface="Times New Roman" panose="02020603050405020304" pitchFamily="18" charset="0"/>
+                      </a:endParaRPr>
+                    </a:p>
+                  </a:txBody>
+                  <a:tcPr marL="3677" marR="3677" marT="3677" marB="0" anchor="ctr">
+                    <a:lnL w="3175" cap="flat" cmpd="sng" algn="ctr">
+                      <a:solidFill>
+                        <a:schemeClr val="tx1"/>
+                      </a:solidFill>
+                      <a:prstDash val="solid"/>
+                      <a:round/>
+                      <a:headEnd type="none" w="med" len="med"/>
+                      <a:tailEnd type="none" w="med" len="med"/>
+                    </a:lnL>
+                    <a:lnR w="3175" cap="flat" cmpd="sng" algn="ctr">
+                      <a:solidFill>
+                        <a:schemeClr val="tx1"/>
+                      </a:solidFill>
+                      <a:prstDash val="solid"/>
+                      <a:round/>
+                      <a:headEnd type="none" w="med" len="med"/>
+                      <a:tailEnd type="none" w="med" len="med"/>
+                    </a:lnR>
+                    <a:lnT w="19050" cap="flat" cmpd="sng" algn="ctr">
+                      <a:solidFill>
+                        <a:schemeClr val="tx1"/>
+                      </a:solidFill>
+                      <a:prstDash val="solid"/>
+                      <a:round/>
+                      <a:headEnd type="none" w="med" len="med"/>
+                      <a:tailEnd type="none" w="med" len="med"/>
+                    </a:lnT>
+                    <a:lnB w="3175" cap="flat" cmpd="sng" algn="ctr">
+                      <a:solidFill>
+                        <a:schemeClr val="tx1"/>
+                      </a:solidFill>
+                      <a:prstDash val="solid"/>
+                      <a:round/>
+                      <a:headEnd type="none" w="med" len="med"/>
+                      <a:tailEnd type="none" w="med" len="med"/>
+                    </a:lnB>
+                  </a:tcPr>
+                </a:tc>
+                <a:tc>
+                  <a:txBody>
+                    <a:bodyPr/>
+                    <a:lstStyle/>
+                    <a:p>
+                      <a:pPr algn="ctr" fontAlgn="b"/>
+                      <a:r>
+                        <a:rPr lang="en-GB" sz="1000" b="1" u="none" strike="noStrike" dirty="0">
+                          <a:effectLst/>
+                        </a:rPr>
+                        <a:t>RL involved?</a:t>
+                      </a:r>
+                      <a:endParaRPr lang="en-GB" sz="1000" b="1" i="0" u="none" strike="noStrike" dirty="0">
+                        <a:solidFill>
+                          <a:srgbClr val="000000"/>
+                        </a:solidFill>
+                        <a:effectLst/>
+                        <a:latin typeface="Times New Roman" panose="02020603050405020304" pitchFamily="18" charset="0"/>
+                      </a:endParaRPr>
+                    </a:p>
+                  </a:txBody>
+                  <a:tcPr marL="3677" marR="3677" marT="3677" marB="0" anchor="ctr">
+                    <a:lnL w="3175" cap="flat" cmpd="sng" algn="ctr">
+                      <a:solidFill>
+                        <a:schemeClr val="tx1"/>
+                      </a:solidFill>
+                      <a:prstDash val="solid"/>
+                      <a:round/>
+                      <a:headEnd type="none" w="med" len="med"/>
+                      <a:tailEnd type="none" w="med" len="med"/>
+                    </a:lnL>
+                    <a:lnR w="19050" cap="flat" cmpd="sng" algn="ctr">
+                      <a:solidFill>
+                        <a:schemeClr val="tx1"/>
+                      </a:solidFill>
+                      <a:prstDash val="solid"/>
+                      <a:round/>
+                      <a:headEnd type="none" w="med" len="med"/>
+                      <a:tailEnd type="none" w="med" len="med"/>
+                    </a:lnR>
+                    <a:lnT w="19050" cap="flat" cmpd="sng" algn="ctr">
+                      <a:solidFill>
+                        <a:schemeClr val="tx1"/>
+                      </a:solidFill>
+                      <a:prstDash val="solid"/>
+                      <a:round/>
+                      <a:headEnd type="none" w="med" len="med"/>
+                      <a:tailEnd type="none" w="med" len="med"/>
+                    </a:lnT>
+                    <a:lnB w="3175" cap="flat" cmpd="sng" algn="ctr">
+                      <a:solidFill>
+                        <a:schemeClr val="tx1"/>
+                      </a:solidFill>
+                      <a:prstDash val="solid"/>
+                      <a:round/>
+                      <a:headEnd type="none" w="med" len="med"/>
+                      <a:tailEnd type="none" w="med" len="med"/>
+                    </a:lnB>
+                  </a:tcPr>
+                </a:tc>
+                <a:extLst>
+                  <a:ext uri="{0D108BD9-81ED-4DB2-BD59-A6C34878D82A}">
+                    <a16:rowId xmlns:a16="http://schemas.microsoft.com/office/drawing/2014/main" val="99787146"/>
+                  </a:ext>
+                </a:extLst>
+              </a:tr>
+              <a:tr h="301209">
+                <a:tc>
+                  <a:txBody>
+                    <a:bodyPr/>
+                    <a:lstStyle/>
+                    <a:p>
+                      <a:pPr algn="l" fontAlgn="b"/>
+                      <a:r>
+                        <a:rPr lang="en-GB" sz="1000" u="none" strike="noStrike" dirty="0">
+                          <a:effectLst/>
+                        </a:rPr>
+                        <a:t>The Promise of EV-Aware Multi-Period OPF Problem: Cost and Emission Benefits</a:t>
+                      </a:r>
+                      <a:endParaRPr lang="en-GB" sz="1000" b="0" i="0" u="none" strike="noStrike" dirty="0">
+                        <a:solidFill>
+                          <a:srgbClr val="000000"/>
+                        </a:solidFill>
+                        <a:effectLst/>
+                        <a:latin typeface="Times New Roman" panose="02020603050405020304" pitchFamily="18" charset="0"/>
+                      </a:endParaRPr>
+                    </a:p>
+                  </a:txBody>
+                  <a:tcPr anchor="ctr">
+                    <a:lnL w="19050" cap="flat" cmpd="sng" algn="ctr">
+                      <a:solidFill>
+                        <a:schemeClr val="tx1"/>
+                      </a:solidFill>
+                      <a:prstDash val="solid"/>
+                      <a:round/>
+                      <a:headEnd type="none" w="med" len="med"/>
+                      <a:tailEnd type="none" w="med" len="med"/>
+                    </a:lnL>
+                    <a:lnR w="3175" cap="flat" cmpd="sng" algn="ctr">
+                      <a:solidFill>
+                        <a:schemeClr val="tx1"/>
+                      </a:solidFill>
+                      <a:prstDash val="solid"/>
+                      <a:round/>
+                      <a:headEnd type="none" w="med" len="med"/>
+                      <a:tailEnd type="none" w="med" len="med"/>
+                    </a:lnR>
+                    <a:lnT w="3175" cap="flat" cmpd="sng" algn="ctr">
+                      <a:solidFill>
+                        <a:schemeClr val="tx1"/>
+                      </a:solidFill>
+                      <a:prstDash val="solid"/>
+                      <a:round/>
+                      <a:headEnd type="none" w="med" len="med"/>
+                      <a:tailEnd type="none" w="med" len="med"/>
+                    </a:lnT>
+                    <a:lnB w="3175" cap="flat" cmpd="sng" algn="ctr">
+                      <a:solidFill>
+                        <a:schemeClr val="tx1"/>
+                      </a:solidFill>
+                      <a:prstDash val="solid"/>
+                      <a:round/>
+                      <a:headEnd type="none" w="med" len="med"/>
+                      <a:tailEnd type="none" w="med" len="med"/>
+                    </a:lnB>
+                  </a:tcPr>
+                </a:tc>
+                <a:tc>
+                  <a:txBody>
+                    <a:bodyPr/>
+                    <a:lstStyle/>
+                    <a:p>
+                      <a:pPr algn="ctr" fontAlgn="b"/>
+                      <a:r>
+                        <a:rPr lang="en-GB" sz="1000" u="none" strike="noStrike" dirty="0" err="1">
+                          <a:effectLst/>
+                        </a:rPr>
+                        <a:t>Kayacık</a:t>
+                      </a:r>
+                      <a:r>
+                        <a:rPr lang="en-GB" sz="1000" u="none" strike="noStrike" dirty="0">
+                          <a:effectLst/>
+                        </a:rPr>
+                        <a:t> et al.</a:t>
+                      </a:r>
+                      <a:endParaRPr lang="en-GB" sz="1000" b="0" i="0" u="none" strike="noStrike" dirty="0">
+                        <a:solidFill>
+                          <a:srgbClr val="000000"/>
+                        </a:solidFill>
+                        <a:effectLst/>
+                        <a:latin typeface="Times New Roman" panose="02020603050405020304" pitchFamily="18" charset="0"/>
+                      </a:endParaRPr>
+                    </a:p>
+                  </a:txBody>
+                  <a:tcPr marL="0" marR="0" marT="0" marB="0" anchor="ctr">
+                    <a:lnL w="3175" cap="flat" cmpd="sng" algn="ctr">
+                      <a:solidFill>
+                        <a:schemeClr val="tx1"/>
+                      </a:solidFill>
+                      <a:prstDash val="solid"/>
+                      <a:round/>
+                      <a:headEnd type="none" w="med" len="med"/>
+                      <a:tailEnd type="none" w="med" len="med"/>
+                    </a:lnL>
+                    <a:lnR w="3175" cap="flat" cmpd="sng" algn="ctr">
+                      <a:solidFill>
+                        <a:schemeClr val="tx1"/>
+                      </a:solidFill>
+                      <a:prstDash val="solid"/>
+                      <a:round/>
+                      <a:headEnd type="none" w="med" len="med"/>
+                      <a:tailEnd type="none" w="med" len="med"/>
+                    </a:lnR>
+                    <a:lnT w="3175" cap="flat" cmpd="sng" algn="ctr">
+                      <a:solidFill>
+                        <a:schemeClr val="tx1"/>
+                      </a:solidFill>
+                      <a:prstDash val="solid"/>
+                      <a:round/>
+                      <a:headEnd type="none" w="med" len="med"/>
+                      <a:tailEnd type="none" w="med" len="med"/>
+                    </a:lnT>
+                    <a:lnB w="3175" cap="flat" cmpd="sng" algn="ctr">
+                      <a:solidFill>
+                        <a:schemeClr val="tx1"/>
+                      </a:solidFill>
+                      <a:prstDash val="solid"/>
+                      <a:round/>
+                      <a:headEnd type="none" w="med" len="med"/>
+                      <a:tailEnd type="none" w="med" len="med"/>
+                    </a:lnB>
+                  </a:tcPr>
+                </a:tc>
+                <a:tc>
+                  <a:txBody>
+                    <a:bodyPr/>
+                    <a:lstStyle/>
+                    <a:p>
+                      <a:pPr algn="ctr" fontAlgn="b"/>
+                      <a:r>
+                        <a:rPr lang="en-GB" sz="1000" u="none" strike="noStrike" dirty="0">
+                          <a:effectLst/>
+                        </a:rPr>
+                        <a:t>Sustainable Energy, Grids and Networks</a:t>
+                      </a:r>
+                      <a:endParaRPr lang="en-GB" sz="1000" b="0" i="0" u="none" strike="noStrike" dirty="0">
+                        <a:solidFill>
+                          <a:srgbClr val="000000"/>
+                        </a:solidFill>
+                        <a:effectLst/>
+                        <a:latin typeface="Times New Roman" panose="02020603050405020304" pitchFamily="18" charset="0"/>
+                      </a:endParaRPr>
+                    </a:p>
+                  </a:txBody>
+                  <a:tcPr marL="0" marR="0" marT="0" marB="0" anchor="ctr">
+                    <a:lnL w="3175" cap="flat" cmpd="sng" algn="ctr">
+                      <a:solidFill>
+                        <a:schemeClr val="tx1"/>
+                      </a:solidFill>
+                      <a:prstDash val="solid"/>
+                      <a:round/>
+                      <a:headEnd type="none" w="med" len="med"/>
+                      <a:tailEnd type="none" w="med" len="med"/>
+                    </a:lnL>
+                    <a:lnR w="3175" cap="flat" cmpd="sng" algn="ctr">
+                      <a:solidFill>
+                        <a:schemeClr val="tx1"/>
+                      </a:solidFill>
+                      <a:prstDash val="solid"/>
+                      <a:round/>
+                      <a:headEnd type="none" w="med" len="med"/>
+                      <a:tailEnd type="none" w="med" len="med"/>
+                    </a:lnR>
+                    <a:lnT w="3175" cap="flat" cmpd="sng" algn="ctr">
+                      <a:solidFill>
+                        <a:schemeClr val="tx1"/>
+                      </a:solidFill>
+                      <a:prstDash val="solid"/>
+                      <a:round/>
+                      <a:headEnd type="none" w="med" len="med"/>
+                      <a:tailEnd type="none" w="med" len="med"/>
+                    </a:lnT>
+                    <a:lnB w="3175" cap="flat" cmpd="sng" algn="ctr">
+                      <a:solidFill>
+                        <a:schemeClr val="tx1"/>
+                      </a:solidFill>
+                      <a:prstDash val="solid"/>
+                      <a:round/>
+                      <a:headEnd type="none" w="med" len="med"/>
+                      <a:tailEnd type="none" w="med" len="med"/>
+                    </a:lnB>
+                  </a:tcPr>
+                </a:tc>
+                <a:tc>
+                  <a:txBody>
+                    <a:bodyPr/>
+                    <a:lstStyle/>
+                    <a:p>
+                      <a:pPr algn="ctr" fontAlgn="ctr"/>
+                      <a:r>
+                        <a:rPr lang="en-CH" sz="1000" u="none" strike="noStrike" dirty="0">
+                          <a:effectLst/>
+                        </a:rPr>
+                        <a:t>2023</a:t>
+                      </a:r>
+                      <a:endParaRPr lang="en-CH" sz="1000" b="0" i="0" u="none" strike="noStrike" dirty="0">
+                        <a:solidFill>
+                          <a:srgbClr val="000000"/>
+                        </a:solidFill>
+                        <a:effectLst/>
+                        <a:latin typeface="Times New Roman" panose="02020603050405020304" pitchFamily="18" charset="0"/>
+                      </a:endParaRPr>
+                    </a:p>
+                  </a:txBody>
+                  <a:tcPr marL="0" marR="0" marT="0" marB="0" anchor="ctr">
+                    <a:lnL w="3175" cap="flat" cmpd="sng" algn="ctr">
+                      <a:solidFill>
+                        <a:schemeClr val="tx1"/>
+                      </a:solidFill>
+                      <a:prstDash val="solid"/>
+                      <a:round/>
+                      <a:headEnd type="none" w="med" len="med"/>
+                      <a:tailEnd type="none" w="med" len="med"/>
+                    </a:lnL>
+                    <a:lnR w="3175" cap="flat" cmpd="sng" algn="ctr">
+                      <a:solidFill>
+                        <a:schemeClr val="tx1"/>
+                      </a:solidFill>
+                      <a:prstDash val="solid"/>
+                      <a:round/>
+                      <a:headEnd type="none" w="med" len="med"/>
+                      <a:tailEnd type="none" w="med" len="med"/>
+                    </a:lnR>
+                    <a:lnT w="3175" cap="flat" cmpd="sng" algn="ctr">
+                      <a:solidFill>
+                        <a:schemeClr val="tx1"/>
+                      </a:solidFill>
+                      <a:prstDash val="solid"/>
+                      <a:round/>
+                      <a:headEnd type="none" w="med" len="med"/>
+                      <a:tailEnd type="none" w="med" len="med"/>
+                    </a:lnT>
+                    <a:lnB w="3175" cap="flat" cmpd="sng" algn="ctr">
+                      <a:solidFill>
+                        <a:schemeClr val="tx1"/>
+                      </a:solidFill>
+                      <a:prstDash val="solid"/>
+                      <a:round/>
+                      <a:headEnd type="none" w="med" len="med"/>
+                      <a:tailEnd type="none" w="med" len="med"/>
+                    </a:lnB>
+                  </a:tcPr>
+                </a:tc>
+                <a:tc>
+                  <a:txBody>
+                    <a:bodyPr/>
+                    <a:lstStyle/>
+                    <a:p>
+                      <a:pPr algn="ctr" fontAlgn="b"/>
+                      <a:r>
+                        <a:rPr lang="en-GB" sz="1000" u="none" strike="noStrike" dirty="0">
+                          <a:effectLst/>
+                        </a:rPr>
+                        <a:t>Second-Order Cone Programming (SOCP)</a:t>
+                      </a:r>
+                      <a:endParaRPr lang="en-GB" sz="1000" b="0" i="0" u="none" strike="noStrike" dirty="0">
+                        <a:solidFill>
+                          <a:srgbClr val="000000"/>
+                        </a:solidFill>
+                        <a:effectLst/>
+                        <a:latin typeface="Times New Roman" panose="02020603050405020304" pitchFamily="18" charset="0"/>
+                      </a:endParaRPr>
+                    </a:p>
+                  </a:txBody>
+                  <a:tcPr marL="0" marR="0" marT="0" marB="0" anchor="ctr">
+                    <a:lnL w="3175" cap="flat" cmpd="sng" algn="ctr">
+                      <a:solidFill>
+                        <a:schemeClr val="tx1"/>
+                      </a:solidFill>
+                      <a:prstDash val="solid"/>
+                      <a:round/>
+                      <a:headEnd type="none" w="med" len="med"/>
+                      <a:tailEnd type="none" w="med" len="med"/>
+                    </a:lnL>
+                    <a:lnR w="3175" cap="flat" cmpd="sng" algn="ctr">
+                      <a:solidFill>
+                        <a:schemeClr val="tx1"/>
+                      </a:solidFill>
+                      <a:prstDash val="solid"/>
+                      <a:round/>
+                      <a:headEnd type="none" w="med" len="med"/>
+                      <a:tailEnd type="none" w="med" len="med"/>
+                    </a:lnR>
+                    <a:lnT w="3175" cap="flat" cmpd="sng" algn="ctr">
+                      <a:solidFill>
+                        <a:schemeClr val="tx1"/>
+                      </a:solidFill>
+                      <a:prstDash val="solid"/>
+                      <a:round/>
+                      <a:headEnd type="none" w="med" len="med"/>
+                      <a:tailEnd type="none" w="med" len="med"/>
+                    </a:lnT>
+                    <a:lnB w="3175" cap="flat" cmpd="sng" algn="ctr">
+                      <a:solidFill>
+                        <a:schemeClr val="tx1"/>
+                      </a:solidFill>
+                      <a:prstDash val="solid"/>
+                      <a:round/>
+                      <a:headEnd type="none" w="med" len="med"/>
+                      <a:tailEnd type="none" w="med" len="med"/>
+                    </a:lnB>
+                  </a:tcPr>
+                </a:tc>
+                <a:tc>
+                  <a:txBody>
+                    <a:bodyPr/>
+                    <a:lstStyle/>
+                    <a:p>
+                      <a:pPr algn="ctr" fontAlgn="ctr"/>
+                      <a:r>
+                        <a:rPr lang="en-GB" sz="1000" u="none" strike="noStrike">
+                          <a:effectLst/>
+                        </a:rPr>
+                        <a:t>X</a:t>
+                      </a:r>
+                      <a:endParaRPr lang="en-GB" sz="1000" b="0" i="0" u="none" strike="noStrike">
+                        <a:solidFill>
+                          <a:srgbClr val="000000"/>
+                        </a:solidFill>
+                        <a:effectLst/>
+                        <a:latin typeface="Times New Roman" panose="02020603050405020304" pitchFamily="18" charset="0"/>
+                      </a:endParaRPr>
+                    </a:p>
+                  </a:txBody>
+                  <a:tcPr marL="0" marR="0" marT="0" marB="0" anchor="ctr">
+                    <a:lnL w="3175" cap="flat" cmpd="sng" algn="ctr">
+                      <a:solidFill>
+                        <a:schemeClr val="tx1"/>
+                      </a:solidFill>
+                      <a:prstDash val="solid"/>
+                      <a:round/>
+                      <a:headEnd type="none" w="med" len="med"/>
+                      <a:tailEnd type="none" w="med" len="med"/>
+                    </a:lnL>
+                    <a:lnR w="3175" cap="flat" cmpd="sng" algn="ctr">
+                      <a:solidFill>
+                        <a:schemeClr val="tx1"/>
+                      </a:solidFill>
+                      <a:prstDash val="solid"/>
+                      <a:round/>
+                      <a:headEnd type="none" w="med" len="med"/>
+                      <a:tailEnd type="none" w="med" len="med"/>
+                    </a:lnR>
+                    <a:lnT w="3175" cap="flat" cmpd="sng" algn="ctr">
+                      <a:solidFill>
+                        <a:schemeClr val="tx1"/>
+                      </a:solidFill>
+                      <a:prstDash val="solid"/>
+                      <a:round/>
+                      <a:headEnd type="none" w="med" len="med"/>
+                      <a:tailEnd type="none" w="med" len="med"/>
+                    </a:lnT>
+                    <a:lnB w="3175" cap="flat" cmpd="sng" algn="ctr">
+                      <a:solidFill>
+                        <a:schemeClr val="tx1"/>
+                      </a:solidFill>
+                      <a:prstDash val="solid"/>
+                      <a:round/>
+                      <a:headEnd type="none" w="med" len="med"/>
+                      <a:tailEnd type="none" w="med" len="med"/>
+                    </a:lnB>
+                  </a:tcPr>
+                </a:tc>
+                <a:tc>
+                  <a:txBody>
+                    <a:bodyPr/>
+                    <a:lstStyle/>
+                    <a:p>
+                      <a:pPr algn="ctr" fontAlgn="ctr"/>
+                      <a:r>
+                        <a:rPr lang="en-CH" sz="1000" u="none" strike="noStrike">
+                          <a:effectLst/>
+                        </a:rPr>
+                        <a:t> </a:t>
+                      </a:r>
+                      <a:endParaRPr lang="en-CH" sz="1000" b="0" i="0" u="none" strike="noStrike">
+                        <a:solidFill>
+                          <a:srgbClr val="000000"/>
+                        </a:solidFill>
+                        <a:effectLst/>
+                        <a:latin typeface="Times New Roman" panose="02020603050405020304" pitchFamily="18" charset="0"/>
+                      </a:endParaRPr>
+                    </a:p>
+                  </a:txBody>
+                  <a:tcPr marL="0" marR="0" marT="0" marB="0" anchor="ctr">
+                    <a:lnL w="3175" cap="flat" cmpd="sng" algn="ctr">
+                      <a:solidFill>
+                        <a:schemeClr val="tx1"/>
+                      </a:solidFill>
+                      <a:prstDash val="solid"/>
+                      <a:round/>
+                      <a:headEnd type="none" w="med" len="med"/>
+                      <a:tailEnd type="none" w="med" len="med"/>
+                    </a:lnL>
+                    <a:lnR w="19050" cap="flat" cmpd="sng" algn="ctr">
+                      <a:solidFill>
+                        <a:schemeClr val="tx1"/>
+                      </a:solidFill>
+                      <a:prstDash val="solid"/>
+                      <a:round/>
+                      <a:headEnd type="none" w="med" len="med"/>
+                      <a:tailEnd type="none" w="med" len="med"/>
+                    </a:lnR>
+                    <a:lnT w="3175" cap="flat" cmpd="sng" algn="ctr">
+                      <a:solidFill>
+                        <a:schemeClr val="tx1"/>
+                      </a:solidFill>
+                      <a:prstDash val="solid"/>
+                      <a:round/>
+                      <a:headEnd type="none" w="med" len="med"/>
+                      <a:tailEnd type="none" w="med" len="med"/>
+                    </a:lnT>
+                    <a:lnB w="3175" cap="flat" cmpd="sng" algn="ctr">
+                      <a:solidFill>
+                        <a:schemeClr val="tx1"/>
+                      </a:solidFill>
+                      <a:prstDash val="solid"/>
+                      <a:round/>
+                      <a:headEnd type="none" w="med" len="med"/>
+                      <a:tailEnd type="none" w="med" len="med"/>
+                    </a:lnB>
+                  </a:tcPr>
+                </a:tc>
+                <a:extLst>
+                  <a:ext uri="{0D108BD9-81ED-4DB2-BD59-A6C34878D82A}">
+                    <a16:rowId xmlns:a16="http://schemas.microsoft.com/office/drawing/2014/main" val="3322870644"/>
+                  </a:ext>
+                </a:extLst>
+              </a:tr>
+              <a:tr h="449413">
+                <a:tc>
+                  <a:txBody>
+                    <a:bodyPr/>
+                    <a:lstStyle/>
+                    <a:p>
+                      <a:pPr algn="l" fontAlgn="b"/>
+                      <a:r>
+                        <a:rPr lang="en-GB" sz="1000" u="none" strike="noStrike" dirty="0">
+                          <a:effectLst/>
+                        </a:rPr>
+                        <a:t>Symbiotic organisms search algorithm-based security-constrained AC–DC OPF regarding uncertainty of wind, PV and PEV systems</a:t>
+                      </a:r>
+                      <a:endParaRPr lang="en-GB" sz="1000" b="0" i="0" u="none" strike="noStrike" dirty="0">
+                        <a:solidFill>
+                          <a:srgbClr val="000000"/>
+                        </a:solidFill>
+                        <a:effectLst/>
+                        <a:latin typeface="Times New Roman" panose="02020603050405020304" pitchFamily="18" charset="0"/>
+                      </a:endParaRPr>
+                    </a:p>
+                  </a:txBody>
+                  <a:tcPr anchor="ctr">
+                    <a:lnL w="19050" cap="flat" cmpd="sng" algn="ctr">
+                      <a:solidFill>
+                        <a:schemeClr val="tx1"/>
+                      </a:solidFill>
+                      <a:prstDash val="solid"/>
+                      <a:round/>
+                      <a:headEnd type="none" w="med" len="med"/>
+                      <a:tailEnd type="none" w="med" len="med"/>
+                    </a:lnL>
+                    <a:lnR w="3175" cap="flat" cmpd="sng" algn="ctr">
+                      <a:solidFill>
+                        <a:schemeClr val="tx1"/>
+                      </a:solidFill>
+                      <a:prstDash val="solid"/>
+                      <a:round/>
+                      <a:headEnd type="none" w="med" len="med"/>
+                      <a:tailEnd type="none" w="med" len="med"/>
+                    </a:lnR>
+                    <a:lnT w="3175" cap="flat" cmpd="sng" algn="ctr">
+                      <a:solidFill>
+                        <a:schemeClr val="tx1"/>
+                      </a:solidFill>
+                      <a:prstDash val="solid"/>
+                      <a:round/>
+                      <a:headEnd type="none" w="med" len="med"/>
+                      <a:tailEnd type="none" w="med" len="med"/>
+                    </a:lnT>
+                    <a:lnB w="3175" cap="flat" cmpd="sng" algn="ctr">
+                      <a:solidFill>
+                        <a:schemeClr val="tx1"/>
+                      </a:solidFill>
+                      <a:prstDash val="solid"/>
+                      <a:round/>
+                      <a:headEnd type="none" w="med" len="med"/>
+                      <a:tailEnd type="none" w="med" len="med"/>
+                    </a:lnB>
+                  </a:tcPr>
+                </a:tc>
+                <a:tc>
+                  <a:txBody>
+                    <a:bodyPr/>
+                    <a:lstStyle/>
+                    <a:p>
+                      <a:pPr algn="ctr" fontAlgn="b"/>
+                      <a:r>
+                        <a:rPr lang="en-GB" sz="1000" u="none" strike="noStrike" dirty="0" err="1">
+                          <a:effectLst/>
+                        </a:rPr>
+                        <a:t>Duman</a:t>
+                      </a:r>
+                      <a:r>
+                        <a:rPr lang="en-GB" sz="1000" u="none" strike="noStrike" dirty="0">
+                          <a:effectLst/>
+                        </a:rPr>
+                        <a:t> et al.</a:t>
+                      </a:r>
+                      <a:endParaRPr lang="en-GB" sz="1000" b="0" i="0" u="none" strike="noStrike" dirty="0">
+                        <a:solidFill>
+                          <a:srgbClr val="000000"/>
+                        </a:solidFill>
+                        <a:effectLst/>
+                        <a:latin typeface="Times New Roman" panose="02020603050405020304" pitchFamily="18" charset="0"/>
+                      </a:endParaRPr>
+                    </a:p>
+                  </a:txBody>
+                  <a:tcPr marL="0" marR="0" marT="0" marB="0" anchor="ctr">
+                    <a:lnL w="3175" cap="flat" cmpd="sng" algn="ctr">
+                      <a:solidFill>
+                        <a:schemeClr val="tx1"/>
+                      </a:solidFill>
+                      <a:prstDash val="solid"/>
+                      <a:round/>
+                      <a:headEnd type="none" w="med" len="med"/>
+                      <a:tailEnd type="none" w="med" len="med"/>
+                    </a:lnL>
+                    <a:lnR w="3175" cap="flat" cmpd="sng" algn="ctr">
+                      <a:solidFill>
+                        <a:schemeClr val="tx1"/>
+                      </a:solidFill>
+                      <a:prstDash val="solid"/>
+                      <a:round/>
+                      <a:headEnd type="none" w="med" len="med"/>
+                      <a:tailEnd type="none" w="med" len="med"/>
+                    </a:lnR>
+                    <a:lnT w="3175" cap="flat" cmpd="sng" algn="ctr">
+                      <a:solidFill>
+                        <a:schemeClr val="tx1"/>
+                      </a:solidFill>
+                      <a:prstDash val="solid"/>
+                      <a:round/>
+                      <a:headEnd type="none" w="med" len="med"/>
+                      <a:tailEnd type="none" w="med" len="med"/>
+                    </a:lnT>
+                    <a:lnB w="3175" cap="flat" cmpd="sng" algn="ctr">
+                      <a:solidFill>
+                        <a:schemeClr val="tx1"/>
+                      </a:solidFill>
+                      <a:prstDash val="solid"/>
+                      <a:round/>
+                      <a:headEnd type="none" w="med" len="med"/>
+                      <a:tailEnd type="none" w="med" len="med"/>
+                    </a:lnB>
+                  </a:tcPr>
+                </a:tc>
+                <a:tc>
+                  <a:txBody>
+                    <a:bodyPr/>
+                    <a:lstStyle/>
+                    <a:p>
+                      <a:pPr algn="ctr" fontAlgn="b"/>
+                      <a:r>
+                        <a:rPr lang="en-GB" sz="1000" u="none" strike="noStrike" dirty="0">
+                          <a:effectLst/>
+                        </a:rPr>
+                        <a:t>Soft Computing</a:t>
+                      </a:r>
+                      <a:endParaRPr lang="en-GB" sz="1000" b="0" i="0" u="none" strike="noStrike" dirty="0">
+                        <a:solidFill>
+                          <a:srgbClr val="000000"/>
+                        </a:solidFill>
+                        <a:effectLst/>
+                        <a:latin typeface="Times New Roman" panose="02020603050405020304" pitchFamily="18" charset="0"/>
+                      </a:endParaRPr>
+                    </a:p>
+                  </a:txBody>
+                  <a:tcPr marL="0" marR="0" marT="0" marB="0" anchor="ctr">
+                    <a:lnL w="3175" cap="flat" cmpd="sng" algn="ctr">
+                      <a:solidFill>
+                        <a:schemeClr val="tx1"/>
+                      </a:solidFill>
+                      <a:prstDash val="solid"/>
+                      <a:round/>
+                      <a:headEnd type="none" w="med" len="med"/>
+                      <a:tailEnd type="none" w="med" len="med"/>
+                    </a:lnL>
+                    <a:lnR w="3175" cap="flat" cmpd="sng" algn="ctr">
+                      <a:solidFill>
+                        <a:schemeClr val="tx1"/>
+                      </a:solidFill>
+                      <a:prstDash val="solid"/>
+                      <a:round/>
+                      <a:headEnd type="none" w="med" len="med"/>
+                      <a:tailEnd type="none" w="med" len="med"/>
+                    </a:lnR>
+                    <a:lnT w="3175" cap="flat" cmpd="sng" algn="ctr">
+                      <a:solidFill>
+                        <a:schemeClr val="tx1"/>
+                      </a:solidFill>
+                      <a:prstDash val="solid"/>
+                      <a:round/>
+                      <a:headEnd type="none" w="med" len="med"/>
+                      <a:tailEnd type="none" w="med" len="med"/>
+                    </a:lnT>
+                    <a:lnB w="3175" cap="flat" cmpd="sng" algn="ctr">
+                      <a:solidFill>
+                        <a:schemeClr val="tx1"/>
+                      </a:solidFill>
+                      <a:prstDash val="solid"/>
+                      <a:round/>
+                      <a:headEnd type="none" w="med" len="med"/>
+                      <a:tailEnd type="none" w="med" len="med"/>
+                    </a:lnB>
+                  </a:tcPr>
+                </a:tc>
+                <a:tc>
+                  <a:txBody>
+                    <a:bodyPr/>
+                    <a:lstStyle/>
+                    <a:p>
+                      <a:pPr algn="ctr" fontAlgn="ctr"/>
+                      <a:r>
+                        <a:rPr lang="en-CH" sz="1000" u="none" strike="noStrike" dirty="0">
+                          <a:effectLst/>
+                        </a:rPr>
+                        <a:t>2021</a:t>
+                      </a:r>
+                      <a:endParaRPr lang="en-CH" sz="1000" b="0" i="0" u="none" strike="noStrike" dirty="0">
+                        <a:solidFill>
+                          <a:srgbClr val="000000"/>
+                        </a:solidFill>
+                        <a:effectLst/>
+                        <a:latin typeface="Times New Roman" panose="02020603050405020304" pitchFamily="18" charset="0"/>
+                      </a:endParaRPr>
+                    </a:p>
+                  </a:txBody>
+                  <a:tcPr marL="0" marR="0" marT="0" marB="0" anchor="ctr">
+                    <a:lnL w="3175" cap="flat" cmpd="sng" algn="ctr">
+                      <a:solidFill>
+                        <a:schemeClr val="tx1"/>
+                      </a:solidFill>
+                      <a:prstDash val="solid"/>
+                      <a:round/>
+                      <a:headEnd type="none" w="med" len="med"/>
+                      <a:tailEnd type="none" w="med" len="med"/>
+                    </a:lnL>
+                    <a:lnR w="3175" cap="flat" cmpd="sng" algn="ctr">
+                      <a:solidFill>
+                        <a:schemeClr val="tx1"/>
+                      </a:solidFill>
+                      <a:prstDash val="solid"/>
+                      <a:round/>
+                      <a:headEnd type="none" w="med" len="med"/>
+                      <a:tailEnd type="none" w="med" len="med"/>
+                    </a:lnR>
+                    <a:lnT w="3175" cap="flat" cmpd="sng" algn="ctr">
+                      <a:solidFill>
+                        <a:schemeClr val="tx1"/>
+                      </a:solidFill>
+                      <a:prstDash val="solid"/>
+                      <a:round/>
+                      <a:headEnd type="none" w="med" len="med"/>
+                      <a:tailEnd type="none" w="med" len="med"/>
+                    </a:lnT>
+                    <a:lnB w="3175" cap="flat" cmpd="sng" algn="ctr">
+                      <a:solidFill>
+                        <a:schemeClr val="tx1"/>
+                      </a:solidFill>
+                      <a:prstDash val="solid"/>
+                      <a:round/>
+                      <a:headEnd type="none" w="med" len="med"/>
+                      <a:tailEnd type="none" w="med" len="med"/>
+                    </a:lnB>
+                  </a:tcPr>
+                </a:tc>
+                <a:tc>
+                  <a:txBody>
+                    <a:bodyPr/>
+                    <a:lstStyle/>
+                    <a:p>
+                      <a:pPr algn="ctr" fontAlgn="b"/>
+                      <a:r>
+                        <a:rPr lang="en-GB" sz="1000" u="none" strike="noStrike" dirty="0">
+                          <a:effectLst/>
+                        </a:rPr>
+                        <a:t>Heuristic: Symbiotic Organisms Search</a:t>
+                      </a:r>
+                      <a:endParaRPr lang="en-GB" sz="1000" b="0" i="0" u="none" strike="noStrike" dirty="0">
+                        <a:solidFill>
+                          <a:srgbClr val="000000"/>
+                        </a:solidFill>
+                        <a:effectLst/>
+                        <a:latin typeface="Times New Roman" panose="02020603050405020304" pitchFamily="18" charset="0"/>
+                      </a:endParaRPr>
+                    </a:p>
+                  </a:txBody>
+                  <a:tcPr marL="0" marR="0" marT="0" marB="0" anchor="ctr">
+                    <a:lnL w="3175" cap="flat" cmpd="sng" algn="ctr">
+                      <a:solidFill>
+                        <a:schemeClr val="tx1"/>
+                      </a:solidFill>
+                      <a:prstDash val="solid"/>
+                      <a:round/>
+                      <a:headEnd type="none" w="med" len="med"/>
+                      <a:tailEnd type="none" w="med" len="med"/>
+                    </a:lnL>
+                    <a:lnR w="3175" cap="flat" cmpd="sng" algn="ctr">
+                      <a:solidFill>
+                        <a:schemeClr val="tx1"/>
+                      </a:solidFill>
+                      <a:prstDash val="solid"/>
+                      <a:round/>
+                      <a:headEnd type="none" w="med" len="med"/>
+                      <a:tailEnd type="none" w="med" len="med"/>
+                    </a:lnR>
+                    <a:lnT w="3175" cap="flat" cmpd="sng" algn="ctr">
+                      <a:solidFill>
+                        <a:schemeClr val="tx1"/>
+                      </a:solidFill>
+                      <a:prstDash val="solid"/>
+                      <a:round/>
+                      <a:headEnd type="none" w="med" len="med"/>
+                      <a:tailEnd type="none" w="med" len="med"/>
+                    </a:lnT>
+                    <a:lnB w="3175" cap="flat" cmpd="sng" algn="ctr">
+                      <a:solidFill>
+                        <a:schemeClr val="tx1"/>
+                      </a:solidFill>
+                      <a:prstDash val="solid"/>
+                      <a:round/>
+                      <a:headEnd type="none" w="med" len="med"/>
+                      <a:tailEnd type="none" w="med" len="med"/>
+                    </a:lnB>
+                  </a:tcPr>
+                </a:tc>
+                <a:tc>
+                  <a:txBody>
+                    <a:bodyPr/>
+                    <a:lstStyle/>
+                    <a:p>
+                      <a:pPr algn="ctr" fontAlgn="b"/>
+                      <a:r>
+                        <a:rPr lang="en-GB" sz="1000" u="none" strike="noStrike" dirty="0">
+                          <a:effectLst/>
+                        </a:rPr>
+                        <a:t>X</a:t>
+                      </a:r>
+                      <a:endParaRPr lang="en-GB" sz="1000" b="0" i="0" u="none" strike="noStrike" dirty="0">
+                        <a:solidFill>
+                          <a:srgbClr val="000000"/>
+                        </a:solidFill>
+                        <a:effectLst/>
+                        <a:latin typeface="Times New Roman" panose="02020603050405020304" pitchFamily="18" charset="0"/>
+                      </a:endParaRPr>
+                    </a:p>
+                  </a:txBody>
+                  <a:tcPr marL="0" marR="0" marT="0" marB="0" anchor="ctr">
+                    <a:lnL w="3175" cap="flat" cmpd="sng" algn="ctr">
+                      <a:solidFill>
+                        <a:schemeClr val="tx1"/>
+                      </a:solidFill>
+                      <a:prstDash val="solid"/>
+                      <a:round/>
+                      <a:headEnd type="none" w="med" len="med"/>
+                      <a:tailEnd type="none" w="med" len="med"/>
+                    </a:lnL>
+                    <a:lnR w="3175" cap="flat" cmpd="sng" algn="ctr">
+                      <a:solidFill>
+                        <a:schemeClr val="tx1"/>
+                      </a:solidFill>
+                      <a:prstDash val="solid"/>
+                      <a:round/>
+                      <a:headEnd type="none" w="med" len="med"/>
+                      <a:tailEnd type="none" w="med" len="med"/>
+                    </a:lnR>
+                    <a:lnT w="3175" cap="flat" cmpd="sng" algn="ctr">
+                      <a:solidFill>
+                        <a:schemeClr val="tx1"/>
+                      </a:solidFill>
+                      <a:prstDash val="solid"/>
+                      <a:round/>
+                      <a:headEnd type="none" w="med" len="med"/>
+                      <a:tailEnd type="none" w="med" len="med"/>
+                    </a:lnT>
+                    <a:lnB w="3175" cap="flat" cmpd="sng" algn="ctr">
+                      <a:solidFill>
+                        <a:schemeClr val="tx1"/>
+                      </a:solidFill>
+                      <a:prstDash val="solid"/>
+                      <a:round/>
+                      <a:headEnd type="none" w="med" len="med"/>
+                      <a:tailEnd type="none" w="med" len="med"/>
+                    </a:lnB>
+                  </a:tcPr>
+                </a:tc>
+                <a:tc>
+                  <a:txBody>
+                    <a:bodyPr/>
+                    <a:lstStyle/>
+                    <a:p>
+                      <a:pPr algn="ctr" fontAlgn="b"/>
+                      <a:r>
+                        <a:rPr lang="en-CH" sz="1000" u="none" strike="noStrike" dirty="0">
+                          <a:effectLst/>
+                        </a:rPr>
+                        <a:t> </a:t>
+                      </a:r>
+                      <a:endParaRPr lang="en-CH" sz="1000" b="0" i="0" u="none" strike="noStrike" dirty="0">
+                        <a:solidFill>
+                          <a:srgbClr val="000000"/>
+                        </a:solidFill>
+                        <a:effectLst/>
+                        <a:latin typeface="Times New Roman" panose="02020603050405020304" pitchFamily="18" charset="0"/>
+                      </a:endParaRPr>
+                    </a:p>
+                  </a:txBody>
+                  <a:tcPr marL="0" marR="0" marT="0" marB="0" anchor="ctr">
+                    <a:lnL w="3175" cap="flat" cmpd="sng" algn="ctr">
+                      <a:solidFill>
+                        <a:schemeClr val="tx1"/>
+                      </a:solidFill>
+                      <a:prstDash val="solid"/>
+                      <a:round/>
+                      <a:headEnd type="none" w="med" len="med"/>
+                      <a:tailEnd type="none" w="med" len="med"/>
+                    </a:lnL>
+                    <a:lnR w="19050" cap="flat" cmpd="sng" algn="ctr">
+                      <a:solidFill>
+                        <a:schemeClr val="tx1"/>
+                      </a:solidFill>
+                      <a:prstDash val="solid"/>
+                      <a:round/>
+                      <a:headEnd type="none" w="med" len="med"/>
+                      <a:tailEnd type="none" w="med" len="med"/>
+                    </a:lnR>
+                    <a:lnT w="3175" cap="flat" cmpd="sng" algn="ctr">
+                      <a:solidFill>
+                        <a:schemeClr val="tx1"/>
+                      </a:solidFill>
+                      <a:prstDash val="solid"/>
+                      <a:round/>
+                      <a:headEnd type="none" w="med" len="med"/>
+                      <a:tailEnd type="none" w="med" len="med"/>
+                    </a:lnT>
+                    <a:lnB w="3175" cap="flat" cmpd="sng" algn="ctr">
+                      <a:solidFill>
+                        <a:schemeClr val="tx1"/>
+                      </a:solidFill>
+                      <a:prstDash val="solid"/>
+                      <a:round/>
+                      <a:headEnd type="none" w="med" len="med"/>
+                      <a:tailEnd type="none" w="med" len="med"/>
+                    </a:lnB>
+                  </a:tcPr>
+                </a:tc>
+                <a:extLst>
+                  <a:ext uri="{0D108BD9-81ED-4DB2-BD59-A6C34878D82A}">
+                    <a16:rowId xmlns:a16="http://schemas.microsoft.com/office/drawing/2014/main" val="1822511571"/>
+                  </a:ext>
+                </a:extLst>
+              </a:tr>
+              <a:tr h="598022">
+                <a:tc>
+                  <a:txBody>
+                    <a:bodyPr/>
+                    <a:lstStyle/>
+                    <a:p>
+                      <a:pPr algn="l" fontAlgn="b"/>
+                      <a:r>
+                        <a:rPr lang="en-GB" sz="1000" u="none" strike="noStrike" dirty="0">
+                          <a:effectLst/>
+                        </a:rPr>
+                        <a:t>Optimal charging of electric vehicles in smart grid: Characterization and valley-filling algorithms</a:t>
+                      </a:r>
+                      <a:endParaRPr lang="en-GB" sz="1000" b="0" i="0" u="none" strike="noStrike" dirty="0">
+                        <a:solidFill>
+                          <a:srgbClr val="000000"/>
+                        </a:solidFill>
+                        <a:effectLst/>
+                        <a:latin typeface="Times New Roman" panose="02020603050405020304" pitchFamily="18" charset="0"/>
+                      </a:endParaRPr>
+                    </a:p>
+                  </a:txBody>
+                  <a:tcPr anchor="ctr">
+                    <a:lnL w="19050" cap="flat" cmpd="sng" algn="ctr">
+                      <a:solidFill>
+                        <a:schemeClr val="tx1"/>
+                      </a:solidFill>
+                      <a:prstDash val="solid"/>
+                      <a:round/>
+                      <a:headEnd type="none" w="med" len="med"/>
+                      <a:tailEnd type="none" w="med" len="med"/>
+                    </a:lnL>
+                    <a:lnR w="3175" cap="flat" cmpd="sng" algn="ctr">
+                      <a:solidFill>
+                        <a:schemeClr val="tx1"/>
+                      </a:solidFill>
+                      <a:prstDash val="solid"/>
+                      <a:round/>
+                      <a:headEnd type="none" w="med" len="med"/>
+                      <a:tailEnd type="none" w="med" len="med"/>
+                    </a:lnR>
+                    <a:lnT w="3175" cap="flat" cmpd="sng" algn="ctr">
+                      <a:solidFill>
+                        <a:schemeClr val="tx1"/>
+                      </a:solidFill>
+                      <a:prstDash val="solid"/>
+                      <a:round/>
+                      <a:headEnd type="none" w="med" len="med"/>
+                      <a:tailEnd type="none" w="med" len="med"/>
+                    </a:lnT>
+                    <a:lnB w="3175" cap="flat" cmpd="sng" algn="ctr">
+                      <a:solidFill>
+                        <a:schemeClr val="tx1"/>
+                      </a:solidFill>
+                      <a:prstDash val="solid"/>
+                      <a:round/>
+                      <a:headEnd type="none" w="med" len="med"/>
+                      <a:tailEnd type="none" w="med" len="med"/>
+                    </a:lnB>
+                  </a:tcPr>
+                </a:tc>
+                <a:tc>
+                  <a:txBody>
+                    <a:bodyPr/>
+                    <a:lstStyle/>
+                    <a:p>
+                      <a:pPr algn="ctr" fontAlgn="b"/>
+                      <a:r>
+                        <a:rPr lang="en-GB" sz="1000" u="none" strike="noStrike">
+                          <a:effectLst/>
+                        </a:rPr>
+                        <a:t>Chen et al.</a:t>
+                      </a:r>
+                      <a:endParaRPr lang="en-GB" sz="1000" b="0" i="0" u="none" strike="noStrike">
+                        <a:solidFill>
+                          <a:srgbClr val="000000"/>
+                        </a:solidFill>
+                        <a:effectLst/>
+                        <a:latin typeface="Times New Roman" panose="02020603050405020304" pitchFamily="18" charset="0"/>
+                      </a:endParaRPr>
+                    </a:p>
+                  </a:txBody>
+                  <a:tcPr marL="0" marR="0" marT="0" marB="0" anchor="ctr">
+                    <a:lnL w="3175" cap="flat" cmpd="sng" algn="ctr">
+                      <a:solidFill>
+                        <a:schemeClr val="tx1"/>
+                      </a:solidFill>
+                      <a:prstDash val="solid"/>
+                      <a:round/>
+                      <a:headEnd type="none" w="med" len="med"/>
+                      <a:tailEnd type="none" w="med" len="med"/>
+                    </a:lnL>
+                    <a:lnR w="3175" cap="flat" cmpd="sng" algn="ctr">
+                      <a:solidFill>
+                        <a:schemeClr val="tx1"/>
+                      </a:solidFill>
+                      <a:prstDash val="solid"/>
+                      <a:round/>
+                      <a:headEnd type="none" w="med" len="med"/>
+                      <a:tailEnd type="none" w="med" len="med"/>
+                    </a:lnR>
+                    <a:lnT w="3175" cap="flat" cmpd="sng" algn="ctr">
+                      <a:solidFill>
+                        <a:schemeClr val="tx1"/>
+                      </a:solidFill>
+                      <a:prstDash val="solid"/>
+                      <a:round/>
+                      <a:headEnd type="none" w="med" len="med"/>
+                      <a:tailEnd type="none" w="med" len="med"/>
+                    </a:lnT>
+                    <a:lnB w="3175" cap="flat" cmpd="sng" algn="ctr">
+                      <a:solidFill>
+                        <a:schemeClr val="tx1"/>
+                      </a:solidFill>
+                      <a:prstDash val="solid"/>
+                      <a:round/>
+                      <a:headEnd type="none" w="med" len="med"/>
+                      <a:tailEnd type="none" w="med" len="med"/>
+                    </a:lnB>
+                  </a:tcPr>
+                </a:tc>
+                <a:tc>
+                  <a:txBody>
+                    <a:bodyPr/>
+                    <a:lstStyle/>
+                    <a:p>
+                      <a:pPr algn="ctr" fontAlgn="b"/>
+                      <a:r>
+                        <a:rPr lang="en-GB" sz="1000" u="none" strike="noStrike" dirty="0">
+                          <a:effectLst/>
+                        </a:rPr>
+                        <a:t>IEEE </a:t>
+                      </a:r>
+                      <a:r>
+                        <a:rPr lang="en-GB" sz="1000" u="none" strike="noStrike" dirty="0" err="1">
+                          <a:effectLst/>
+                        </a:rPr>
+                        <a:t>SmartGridComm</a:t>
+                      </a:r>
+                      <a:r>
+                        <a:rPr lang="en-GB" sz="1000" u="none" strike="noStrike" dirty="0">
+                          <a:effectLst/>
+                        </a:rPr>
+                        <a:t> 2012 Symposium - Architectures and Models</a:t>
+                      </a:r>
+                      <a:endParaRPr lang="en-GB" sz="1000" b="0" i="0" u="none" strike="noStrike" dirty="0">
+                        <a:solidFill>
+                          <a:srgbClr val="000000"/>
+                        </a:solidFill>
+                        <a:effectLst/>
+                        <a:latin typeface="Times New Roman" panose="02020603050405020304" pitchFamily="18" charset="0"/>
+                      </a:endParaRPr>
+                    </a:p>
+                  </a:txBody>
+                  <a:tcPr marL="0" marR="0" marT="0" marB="0" anchor="ctr">
+                    <a:lnL w="3175" cap="flat" cmpd="sng" algn="ctr">
+                      <a:solidFill>
+                        <a:schemeClr val="tx1"/>
+                      </a:solidFill>
+                      <a:prstDash val="solid"/>
+                      <a:round/>
+                      <a:headEnd type="none" w="med" len="med"/>
+                      <a:tailEnd type="none" w="med" len="med"/>
+                    </a:lnL>
+                    <a:lnR w="3175" cap="flat" cmpd="sng" algn="ctr">
+                      <a:solidFill>
+                        <a:schemeClr val="tx1"/>
+                      </a:solidFill>
+                      <a:prstDash val="solid"/>
+                      <a:round/>
+                      <a:headEnd type="none" w="med" len="med"/>
+                      <a:tailEnd type="none" w="med" len="med"/>
+                    </a:lnR>
+                    <a:lnT w="3175" cap="flat" cmpd="sng" algn="ctr">
+                      <a:solidFill>
+                        <a:schemeClr val="tx1"/>
+                      </a:solidFill>
+                      <a:prstDash val="solid"/>
+                      <a:round/>
+                      <a:headEnd type="none" w="med" len="med"/>
+                      <a:tailEnd type="none" w="med" len="med"/>
+                    </a:lnT>
+                    <a:lnB w="3175" cap="flat" cmpd="sng" algn="ctr">
+                      <a:solidFill>
+                        <a:schemeClr val="tx1"/>
+                      </a:solidFill>
+                      <a:prstDash val="solid"/>
+                      <a:round/>
+                      <a:headEnd type="none" w="med" len="med"/>
+                      <a:tailEnd type="none" w="med" len="med"/>
+                    </a:lnB>
+                  </a:tcPr>
+                </a:tc>
+                <a:tc>
+                  <a:txBody>
+                    <a:bodyPr/>
+                    <a:lstStyle/>
+                    <a:p>
+                      <a:pPr algn="ctr" fontAlgn="ctr"/>
+                      <a:r>
+                        <a:rPr lang="en-CH" sz="1000" u="none" strike="noStrike" dirty="0">
+                          <a:effectLst/>
+                        </a:rPr>
+                        <a:t>2012</a:t>
+                      </a:r>
+                      <a:endParaRPr lang="en-CH" sz="1000" b="0" i="0" u="none" strike="noStrike" dirty="0">
+                        <a:solidFill>
+                          <a:srgbClr val="000000"/>
+                        </a:solidFill>
+                        <a:effectLst/>
+                        <a:latin typeface="Times New Roman" panose="02020603050405020304" pitchFamily="18" charset="0"/>
+                      </a:endParaRPr>
+                    </a:p>
+                  </a:txBody>
+                  <a:tcPr marL="0" marR="0" marT="0" marB="0" anchor="ctr">
+                    <a:lnL w="3175" cap="flat" cmpd="sng" algn="ctr">
+                      <a:solidFill>
+                        <a:schemeClr val="tx1"/>
+                      </a:solidFill>
+                      <a:prstDash val="solid"/>
+                      <a:round/>
+                      <a:headEnd type="none" w="med" len="med"/>
+                      <a:tailEnd type="none" w="med" len="med"/>
+                    </a:lnL>
+                    <a:lnR w="3175" cap="flat" cmpd="sng" algn="ctr">
+                      <a:solidFill>
+                        <a:schemeClr val="tx1"/>
+                      </a:solidFill>
+                      <a:prstDash val="solid"/>
+                      <a:round/>
+                      <a:headEnd type="none" w="med" len="med"/>
+                      <a:tailEnd type="none" w="med" len="med"/>
+                    </a:lnR>
+                    <a:lnT w="3175" cap="flat" cmpd="sng" algn="ctr">
+                      <a:solidFill>
+                        <a:schemeClr val="tx1"/>
+                      </a:solidFill>
+                      <a:prstDash val="solid"/>
+                      <a:round/>
+                      <a:headEnd type="none" w="med" len="med"/>
+                      <a:tailEnd type="none" w="med" len="med"/>
+                    </a:lnT>
+                    <a:lnB w="3175" cap="flat" cmpd="sng" algn="ctr">
+                      <a:solidFill>
+                        <a:schemeClr val="tx1"/>
+                      </a:solidFill>
+                      <a:prstDash val="solid"/>
+                      <a:round/>
+                      <a:headEnd type="none" w="med" len="med"/>
+                      <a:tailEnd type="none" w="med" len="med"/>
+                    </a:lnB>
+                  </a:tcPr>
+                </a:tc>
+                <a:tc>
+                  <a:txBody>
+                    <a:bodyPr/>
+                    <a:lstStyle/>
+                    <a:p>
+                      <a:pPr algn="ctr" fontAlgn="b"/>
+                      <a:r>
+                        <a:rPr lang="en-GB" sz="1000" u="none" strike="noStrike" dirty="0">
+                          <a:effectLst/>
+                        </a:rPr>
+                        <a:t>Heuristic: Valley-Filling Algorithm</a:t>
+                      </a:r>
+                      <a:endParaRPr lang="en-GB" sz="1000" b="0" i="0" u="none" strike="noStrike" dirty="0">
+                        <a:solidFill>
+                          <a:srgbClr val="000000"/>
+                        </a:solidFill>
+                        <a:effectLst/>
+                        <a:latin typeface="Times New Roman" panose="02020603050405020304" pitchFamily="18" charset="0"/>
+                      </a:endParaRPr>
+                    </a:p>
+                  </a:txBody>
+                  <a:tcPr marL="0" marR="0" marT="0" marB="0" anchor="ctr">
+                    <a:lnL w="3175" cap="flat" cmpd="sng" algn="ctr">
+                      <a:solidFill>
+                        <a:schemeClr val="tx1"/>
+                      </a:solidFill>
+                      <a:prstDash val="solid"/>
+                      <a:round/>
+                      <a:headEnd type="none" w="med" len="med"/>
+                      <a:tailEnd type="none" w="med" len="med"/>
+                    </a:lnL>
+                    <a:lnR w="3175" cap="flat" cmpd="sng" algn="ctr">
+                      <a:solidFill>
+                        <a:schemeClr val="tx1"/>
+                      </a:solidFill>
+                      <a:prstDash val="solid"/>
+                      <a:round/>
+                      <a:headEnd type="none" w="med" len="med"/>
+                      <a:tailEnd type="none" w="med" len="med"/>
+                    </a:lnR>
+                    <a:lnT w="3175" cap="flat" cmpd="sng" algn="ctr">
+                      <a:solidFill>
+                        <a:schemeClr val="tx1"/>
+                      </a:solidFill>
+                      <a:prstDash val="solid"/>
+                      <a:round/>
+                      <a:headEnd type="none" w="med" len="med"/>
+                      <a:tailEnd type="none" w="med" len="med"/>
+                    </a:lnT>
+                    <a:lnB w="3175" cap="flat" cmpd="sng" algn="ctr">
+                      <a:solidFill>
+                        <a:schemeClr val="tx1"/>
+                      </a:solidFill>
+                      <a:prstDash val="solid"/>
+                      <a:round/>
+                      <a:headEnd type="none" w="med" len="med"/>
+                      <a:tailEnd type="none" w="med" len="med"/>
+                    </a:lnB>
+                  </a:tcPr>
+                </a:tc>
+                <a:tc>
+                  <a:txBody>
+                    <a:bodyPr/>
+                    <a:lstStyle/>
+                    <a:p>
+                      <a:pPr algn="ctr" fontAlgn="ctr"/>
+                      <a:r>
+                        <a:rPr lang="en-GB" sz="1000" u="none" strike="noStrike">
+                          <a:effectLst/>
+                        </a:rPr>
+                        <a:t>X</a:t>
+                      </a:r>
+                      <a:endParaRPr lang="en-GB" sz="1000" b="0" i="0" u="none" strike="noStrike">
+                        <a:solidFill>
+                          <a:srgbClr val="000000"/>
+                        </a:solidFill>
+                        <a:effectLst/>
+                        <a:latin typeface="Times New Roman" panose="02020603050405020304" pitchFamily="18" charset="0"/>
+                      </a:endParaRPr>
+                    </a:p>
+                  </a:txBody>
+                  <a:tcPr marL="0" marR="0" marT="0" marB="0" anchor="ctr">
+                    <a:lnL w="3175" cap="flat" cmpd="sng" algn="ctr">
+                      <a:solidFill>
+                        <a:schemeClr val="tx1"/>
+                      </a:solidFill>
+                      <a:prstDash val="solid"/>
+                      <a:round/>
+                      <a:headEnd type="none" w="med" len="med"/>
+                      <a:tailEnd type="none" w="med" len="med"/>
+                    </a:lnL>
+                    <a:lnR w="3175" cap="flat" cmpd="sng" algn="ctr">
+                      <a:solidFill>
+                        <a:schemeClr val="tx1"/>
+                      </a:solidFill>
+                      <a:prstDash val="solid"/>
+                      <a:round/>
+                      <a:headEnd type="none" w="med" len="med"/>
+                      <a:tailEnd type="none" w="med" len="med"/>
+                    </a:lnR>
+                    <a:lnT w="3175" cap="flat" cmpd="sng" algn="ctr">
+                      <a:solidFill>
+                        <a:schemeClr val="tx1"/>
+                      </a:solidFill>
+                      <a:prstDash val="solid"/>
+                      <a:round/>
+                      <a:headEnd type="none" w="med" len="med"/>
+                      <a:tailEnd type="none" w="med" len="med"/>
+                    </a:lnT>
+                    <a:lnB w="3175" cap="flat" cmpd="sng" algn="ctr">
+                      <a:solidFill>
+                        <a:schemeClr val="tx1"/>
+                      </a:solidFill>
+                      <a:prstDash val="solid"/>
+                      <a:round/>
+                      <a:headEnd type="none" w="med" len="med"/>
+                      <a:tailEnd type="none" w="med" len="med"/>
+                    </a:lnB>
+                  </a:tcPr>
+                </a:tc>
+                <a:tc>
+                  <a:txBody>
+                    <a:bodyPr/>
+                    <a:lstStyle/>
+                    <a:p>
+                      <a:pPr algn="ctr" fontAlgn="ctr"/>
+                      <a:r>
+                        <a:rPr lang="en-CH" sz="1000" u="none" strike="noStrike" dirty="0">
+                          <a:effectLst/>
+                        </a:rPr>
+                        <a:t> </a:t>
+                      </a:r>
+                      <a:endParaRPr lang="en-CH" sz="1000" b="0" i="0" u="none" strike="noStrike" dirty="0">
+                        <a:solidFill>
+                          <a:srgbClr val="000000"/>
+                        </a:solidFill>
+                        <a:effectLst/>
+                        <a:latin typeface="Times New Roman" panose="02020603050405020304" pitchFamily="18" charset="0"/>
+                      </a:endParaRPr>
+                    </a:p>
+                  </a:txBody>
+                  <a:tcPr marL="0" marR="0" marT="0" marB="0" anchor="ctr">
+                    <a:lnL w="3175" cap="flat" cmpd="sng" algn="ctr">
+                      <a:solidFill>
+                        <a:schemeClr val="tx1"/>
+                      </a:solidFill>
+                      <a:prstDash val="solid"/>
+                      <a:round/>
+                      <a:headEnd type="none" w="med" len="med"/>
+                      <a:tailEnd type="none" w="med" len="med"/>
+                    </a:lnL>
+                    <a:lnR w="19050" cap="flat" cmpd="sng" algn="ctr">
+                      <a:solidFill>
+                        <a:schemeClr val="tx1"/>
+                      </a:solidFill>
+                      <a:prstDash val="solid"/>
+                      <a:round/>
+                      <a:headEnd type="none" w="med" len="med"/>
+                      <a:tailEnd type="none" w="med" len="med"/>
+                    </a:lnR>
+                    <a:lnT w="3175" cap="flat" cmpd="sng" algn="ctr">
+                      <a:solidFill>
+                        <a:schemeClr val="tx1"/>
+                      </a:solidFill>
+                      <a:prstDash val="solid"/>
+                      <a:round/>
+                      <a:headEnd type="none" w="med" len="med"/>
+                      <a:tailEnd type="none" w="med" len="med"/>
+                    </a:lnT>
+                    <a:lnB w="3175" cap="flat" cmpd="sng" algn="ctr">
+                      <a:solidFill>
+                        <a:schemeClr val="tx1"/>
+                      </a:solidFill>
+                      <a:prstDash val="solid"/>
+                      <a:round/>
+                      <a:headEnd type="none" w="med" len="med"/>
+                      <a:tailEnd type="none" w="med" len="med"/>
+                    </a:lnB>
+                  </a:tcPr>
+                </a:tc>
+                <a:extLst>
+                  <a:ext uri="{0D108BD9-81ED-4DB2-BD59-A6C34878D82A}">
+                    <a16:rowId xmlns:a16="http://schemas.microsoft.com/office/drawing/2014/main" val="3529015977"/>
+                  </a:ext>
+                </a:extLst>
+              </a:tr>
+              <a:tr h="301209">
+                <a:tc>
+                  <a:txBody>
+                    <a:bodyPr/>
+                    <a:lstStyle/>
+                    <a:p>
+                      <a:pPr algn="l" fontAlgn="b"/>
+                      <a:r>
+                        <a:rPr lang="en-GB" sz="1000" u="none" strike="noStrike" dirty="0">
+                          <a:effectLst/>
+                        </a:rPr>
+                        <a:t>Real-Time Optimal Power Flow: A "</a:t>
+                      </a:r>
+                      <a:r>
+                        <a:rPr lang="en-GB" sz="1000" u="none" strike="noStrike" dirty="0" err="1">
+                          <a:effectLst/>
+                        </a:rPr>
+                        <a:t>Lagrangian</a:t>
+                      </a:r>
+                      <a:r>
+                        <a:rPr lang="en-GB" sz="1000" u="none" strike="noStrike" dirty="0">
+                          <a:effectLst/>
+                        </a:rPr>
+                        <a:t>" Based Deep Reinforcement Learning Approach</a:t>
+                      </a:r>
+                      <a:endParaRPr lang="en-GB" sz="1000" b="0" i="0" u="none" strike="noStrike" dirty="0">
+                        <a:solidFill>
+                          <a:srgbClr val="000000"/>
+                        </a:solidFill>
+                        <a:effectLst/>
+                        <a:latin typeface="Times New Roman" panose="02020603050405020304" pitchFamily="18" charset="0"/>
+                      </a:endParaRPr>
+                    </a:p>
+                  </a:txBody>
+                  <a:tcPr anchor="ctr">
+                    <a:lnL w="19050" cap="flat" cmpd="sng" algn="ctr">
+                      <a:solidFill>
+                        <a:schemeClr val="tx1"/>
+                      </a:solidFill>
+                      <a:prstDash val="solid"/>
+                      <a:round/>
+                      <a:headEnd type="none" w="med" len="med"/>
+                      <a:tailEnd type="none" w="med" len="med"/>
+                    </a:lnL>
+                    <a:lnR w="3175" cap="flat" cmpd="sng" algn="ctr">
+                      <a:solidFill>
+                        <a:schemeClr val="tx1"/>
+                      </a:solidFill>
+                      <a:prstDash val="solid"/>
+                      <a:round/>
+                      <a:headEnd type="none" w="med" len="med"/>
+                      <a:tailEnd type="none" w="med" len="med"/>
+                    </a:lnR>
+                    <a:lnT w="3175" cap="flat" cmpd="sng" algn="ctr">
+                      <a:solidFill>
+                        <a:schemeClr val="tx1"/>
+                      </a:solidFill>
+                      <a:prstDash val="solid"/>
+                      <a:round/>
+                      <a:headEnd type="none" w="med" len="med"/>
+                      <a:tailEnd type="none" w="med" len="med"/>
+                    </a:lnT>
+                    <a:lnB w="3175" cap="flat" cmpd="sng" algn="ctr">
+                      <a:solidFill>
+                        <a:schemeClr val="tx1"/>
+                      </a:solidFill>
+                      <a:prstDash val="solid"/>
+                      <a:round/>
+                      <a:headEnd type="none" w="med" len="med"/>
+                      <a:tailEnd type="none" w="med" len="med"/>
+                    </a:lnB>
+                  </a:tcPr>
+                </a:tc>
+                <a:tc>
+                  <a:txBody>
+                    <a:bodyPr/>
+                    <a:lstStyle/>
+                    <a:p>
+                      <a:pPr algn="ctr" fontAlgn="b"/>
+                      <a:r>
+                        <a:rPr lang="en-GB" sz="1000" u="none" strike="noStrike">
+                          <a:effectLst/>
+                        </a:rPr>
+                        <a:t>Yan and Xu</a:t>
+                      </a:r>
+                      <a:endParaRPr lang="en-GB" sz="1000" b="0" i="0" u="none" strike="noStrike">
+                        <a:solidFill>
+                          <a:srgbClr val="000000"/>
+                        </a:solidFill>
+                        <a:effectLst/>
+                        <a:latin typeface="Times New Roman" panose="02020603050405020304" pitchFamily="18" charset="0"/>
+                      </a:endParaRPr>
+                    </a:p>
+                  </a:txBody>
+                  <a:tcPr marL="0" marR="0" marT="0" marB="0" anchor="ctr">
+                    <a:lnL w="3175" cap="flat" cmpd="sng" algn="ctr">
+                      <a:solidFill>
+                        <a:schemeClr val="tx1"/>
+                      </a:solidFill>
+                      <a:prstDash val="solid"/>
+                      <a:round/>
+                      <a:headEnd type="none" w="med" len="med"/>
+                      <a:tailEnd type="none" w="med" len="med"/>
+                    </a:lnL>
+                    <a:lnR w="3175" cap="flat" cmpd="sng" algn="ctr">
+                      <a:solidFill>
+                        <a:schemeClr val="tx1"/>
+                      </a:solidFill>
+                      <a:prstDash val="solid"/>
+                      <a:round/>
+                      <a:headEnd type="none" w="med" len="med"/>
+                      <a:tailEnd type="none" w="med" len="med"/>
+                    </a:lnR>
+                    <a:lnT w="3175" cap="flat" cmpd="sng" algn="ctr">
+                      <a:solidFill>
+                        <a:schemeClr val="tx1"/>
+                      </a:solidFill>
+                      <a:prstDash val="solid"/>
+                      <a:round/>
+                      <a:headEnd type="none" w="med" len="med"/>
+                      <a:tailEnd type="none" w="med" len="med"/>
+                    </a:lnT>
+                    <a:lnB w="3175" cap="flat" cmpd="sng" algn="ctr">
+                      <a:solidFill>
+                        <a:schemeClr val="tx1"/>
+                      </a:solidFill>
+                      <a:prstDash val="solid"/>
+                      <a:round/>
+                      <a:headEnd type="none" w="med" len="med"/>
+                      <a:tailEnd type="none" w="med" len="med"/>
+                    </a:lnB>
+                  </a:tcPr>
+                </a:tc>
+                <a:tc>
+                  <a:txBody>
+                    <a:bodyPr/>
+                    <a:lstStyle/>
+                    <a:p>
+                      <a:pPr algn="ctr" fontAlgn="b"/>
+                      <a:r>
+                        <a:rPr lang="en-GB" sz="1000" u="none" strike="noStrike" dirty="0">
+                          <a:effectLst/>
+                        </a:rPr>
+                        <a:t>IEEE Transactions on Power Systems</a:t>
+                      </a:r>
+                      <a:endParaRPr lang="en-GB" sz="1000" b="0" i="0" u="none" strike="noStrike" dirty="0">
+                        <a:solidFill>
+                          <a:srgbClr val="000000"/>
+                        </a:solidFill>
+                        <a:effectLst/>
+                        <a:latin typeface="Times New Roman" panose="02020603050405020304" pitchFamily="18" charset="0"/>
+                      </a:endParaRPr>
+                    </a:p>
+                  </a:txBody>
+                  <a:tcPr marL="0" marR="0" marT="0" marB="0" anchor="ctr">
+                    <a:lnL w="3175" cap="flat" cmpd="sng" algn="ctr">
+                      <a:solidFill>
+                        <a:schemeClr val="tx1"/>
+                      </a:solidFill>
+                      <a:prstDash val="solid"/>
+                      <a:round/>
+                      <a:headEnd type="none" w="med" len="med"/>
+                      <a:tailEnd type="none" w="med" len="med"/>
+                    </a:lnL>
+                    <a:lnR w="3175" cap="flat" cmpd="sng" algn="ctr">
+                      <a:solidFill>
+                        <a:schemeClr val="tx1"/>
+                      </a:solidFill>
+                      <a:prstDash val="solid"/>
+                      <a:round/>
+                      <a:headEnd type="none" w="med" len="med"/>
+                      <a:tailEnd type="none" w="med" len="med"/>
+                    </a:lnR>
+                    <a:lnT w="3175" cap="flat" cmpd="sng" algn="ctr">
+                      <a:solidFill>
+                        <a:schemeClr val="tx1"/>
+                      </a:solidFill>
+                      <a:prstDash val="solid"/>
+                      <a:round/>
+                      <a:headEnd type="none" w="med" len="med"/>
+                      <a:tailEnd type="none" w="med" len="med"/>
+                    </a:lnT>
+                    <a:lnB w="3175" cap="flat" cmpd="sng" algn="ctr">
+                      <a:solidFill>
+                        <a:schemeClr val="tx1"/>
+                      </a:solidFill>
+                      <a:prstDash val="solid"/>
+                      <a:round/>
+                      <a:headEnd type="none" w="med" len="med"/>
+                      <a:tailEnd type="none" w="med" len="med"/>
+                    </a:lnB>
+                  </a:tcPr>
+                </a:tc>
+                <a:tc>
+                  <a:txBody>
+                    <a:bodyPr/>
+                    <a:lstStyle/>
+                    <a:p>
+                      <a:pPr algn="ctr" fontAlgn="ctr"/>
+                      <a:r>
+                        <a:rPr lang="en-CH" sz="1000" u="none" strike="noStrike">
+                          <a:effectLst/>
+                        </a:rPr>
+                        <a:t>2020</a:t>
+                      </a:r>
+                      <a:endParaRPr lang="en-CH" sz="1000" b="0" i="0" u="none" strike="noStrike">
+                        <a:solidFill>
+                          <a:srgbClr val="000000"/>
+                        </a:solidFill>
+                        <a:effectLst/>
+                        <a:latin typeface="Times New Roman" panose="02020603050405020304" pitchFamily="18" charset="0"/>
+                      </a:endParaRPr>
+                    </a:p>
+                  </a:txBody>
+                  <a:tcPr marL="0" marR="0" marT="0" marB="0" anchor="ctr">
+                    <a:lnL w="3175" cap="flat" cmpd="sng" algn="ctr">
+                      <a:solidFill>
+                        <a:schemeClr val="tx1"/>
+                      </a:solidFill>
+                      <a:prstDash val="solid"/>
+                      <a:round/>
+                      <a:headEnd type="none" w="med" len="med"/>
+                      <a:tailEnd type="none" w="med" len="med"/>
+                    </a:lnL>
+                    <a:lnR w="3175" cap="flat" cmpd="sng" algn="ctr">
+                      <a:solidFill>
+                        <a:schemeClr val="tx1"/>
+                      </a:solidFill>
+                      <a:prstDash val="solid"/>
+                      <a:round/>
+                      <a:headEnd type="none" w="med" len="med"/>
+                      <a:tailEnd type="none" w="med" len="med"/>
+                    </a:lnR>
+                    <a:lnT w="3175" cap="flat" cmpd="sng" algn="ctr">
+                      <a:solidFill>
+                        <a:schemeClr val="tx1"/>
+                      </a:solidFill>
+                      <a:prstDash val="solid"/>
+                      <a:round/>
+                      <a:headEnd type="none" w="med" len="med"/>
+                      <a:tailEnd type="none" w="med" len="med"/>
+                    </a:lnT>
+                    <a:lnB w="3175" cap="flat" cmpd="sng" algn="ctr">
+                      <a:solidFill>
+                        <a:schemeClr val="tx1"/>
+                      </a:solidFill>
+                      <a:prstDash val="solid"/>
+                      <a:round/>
+                      <a:headEnd type="none" w="med" len="med"/>
+                      <a:tailEnd type="none" w="med" len="med"/>
+                    </a:lnB>
+                  </a:tcPr>
+                </a:tc>
+                <a:tc>
+                  <a:txBody>
+                    <a:bodyPr/>
+                    <a:lstStyle/>
+                    <a:p>
+                      <a:pPr algn="ctr" fontAlgn="b"/>
+                      <a:r>
+                        <a:rPr lang="en-GB" sz="1000" u="none" strike="noStrike" dirty="0">
+                          <a:effectLst/>
+                        </a:rPr>
+                        <a:t>Deep Deterministic Policy Gradient</a:t>
+                      </a:r>
+                      <a:endParaRPr lang="en-GB" sz="1000" b="0" i="0" u="none" strike="noStrike" dirty="0">
+                        <a:solidFill>
+                          <a:srgbClr val="000000"/>
+                        </a:solidFill>
+                        <a:effectLst/>
+                        <a:latin typeface="Times New Roman" panose="02020603050405020304" pitchFamily="18" charset="0"/>
+                      </a:endParaRPr>
+                    </a:p>
+                  </a:txBody>
+                  <a:tcPr marL="0" marR="0" marT="0" marB="0" anchor="ctr">
+                    <a:lnL w="3175" cap="flat" cmpd="sng" algn="ctr">
+                      <a:solidFill>
+                        <a:schemeClr val="tx1"/>
+                      </a:solidFill>
+                      <a:prstDash val="solid"/>
+                      <a:round/>
+                      <a:headEnd type="none" w="med" len="med"/>
+                      <a:tailEnd type="none" w="med" len="med"/>
+                    </a:lnL>
+                    <a:lnR w="3175" cap="flat" cmpd="sng" algn="ctr">
+                      <a:solidFill>
+                        <a:schemeClr val="tx1"/>
+                      </a:solidFill>
+                      <a:prstDash val="solid"/>
+                      <a:round/>
+                      <a:headEnd type="none" w="med" len="med"/>
+                      <a:tailEnd type="none" w="med" len="med"/>
+                    </a:lnR>
+                    <a:lnT w="3175" cap="flat" cmpd="sng" algn="ctr">
+                      <a:solidFill>
+                        <a:schemeClr val="tx1"/>
+                      </a:solidFill>
+                      <a:prstDash val="solid"/>
+                      <a:round/>
+                      <a:headEnd type="none" w="med" len="med"/>
+                      <a:tailEnd type="none" w="med" len="med"/>
+                    </a:lnT>
+                    <a:lnB w="3175" cap="flat" cmpd="sng" algn="ctr">
+                      <a:solidFill>
+                        <a:schemeClr val="tx1"/>
+                      </a:solidFill>
+                      <a:prstDash val="solid"/>
+                      <a:round/>
+                      <a:headEnd type="none" w="med" len="med"/>
+                      <a:tailEnd type="none" w="med" len="med"/>
+                    </a:lnB>
+                  </a:tcPr>
+                </a:tc>
+                <a:tc>
+                  <a:txBody>
+                    <a:bodyPr/>
+                    <a:lstStyle/>
+                    <a:p>
+                      <a:pPr algn="ctr" fontAlgn="ctr"/>
+                      <a:r>
+                        <a:rPr lang="en-CH" sz="1000" u="none" strike="noStrike" dirty="0">
+                          <a:effectLst/>
+                        </a:rPr>
+                        <a:t> </a:t>
+                      </a:r>
+                      <a:endParaRPr lang="en-CH" sz="1000" b="0" i="0" u="none" strike="noStrike" dirty="0">
+                        <a:solidFill>
+                          <a:srgbClr val="000000"/>
+                        </a:solidFill>
+                        <a:effectLst/>
+                        <a:latin typeface="Times New Roman" panose="02020603050405020304" pitchFamily="18" charset="0"/>
+                      </a:endParaRPr>
+                    </a:p>
+                  </a:txBody>
+                  <a:tcPr marL="0" marR="0" marT="0" marB="0" anchor="ctr">
+                    <a:lnL w="3175" cap="flat" cmpd="sng" algn="ctr">
+                      <a:solidFill>
+                        <a:schemeClr val="tx1"/>
+                      </a:solidFill>
+                      <a:prstDash val="solid"/>
+                      <a:round/>
+                      <a:headEnd type="none" w="med" len="med"/>
+                      <a:tailEnd type="none" w="med" len="med"/>
+                    </a:lnL>
+                    <a:lnR w="3175" cap="flat" cmpd="sng" algn="ctr">
+                      <a:solidFill>
+                        <a:schemeClr val="tx1"/>
+                      </a:solidFill>
+                      <a:prstDash val="solid"/>
+                      <a:round/>
+                      <a:headEnd type="none" w="med" len="med"/>
+                      <a:tailEnd type="none" w="med" len="med"/>
+                    </a:lnR>
+                    <a:lnT w="3175" cap="flat" cmpd="sng" algn="ctr">
+                      <a:solidFill>
+                        <a:schemeClr val="tx1"/>
+                      </a:solidFill>
+                      <a:prstDash val="solid"/>
+                      <a:round/>
+                      <a:headEnd type="none" w="med" len="med"/>
+                      <a:tailEnd type="none" w="med" len="med"/>
+                    </a:lnT>
+                    <a:lnB w="3175" cap="flat" cmpd="sng" algn="ctr">
+                      <a:solidFill>
+                        <a:schemeClr val="tx1"/>
+                      </a:solidFill>
+                      <a:prstDash val="solid"/>
+                      <a:round/>
+                      <a:headEnd type="none" w="med" len="med"/>
+                      <a:tailEnd type="none" w="med" len="med"/>
+                    </a:lnB>
+                  </a:tcPr>
+                </a:tc>
+                <a:tc>
+                  <a:txBody>
+                    <a:bodyPr/>
+                    <a:lstStyle/>
+                    <a:p>
+                      <a:pPr algn="ctr" fontAlgn="ctr"/>
+                      <a:r>
+                        <a:rPr lang="en-GB" sz="1000" u="none" strike="noStrike" dirty="0">
+                          <a:effectLst/>
+                        </a:rPr>
+                        <a:t>X</a:t>
+                      </a:r>
+                      <a:endParaRPr lang="en-GB" sz="1000" b="0" i="0" u="none" strike="noStrike" dirty="0">
+                        <a:solidFill>
+                          <a:srgbClr val="000000"/>
+                        </a:solidFill>
+                        <a:effectLst/>
+                        <a:latin typeface="Times New Roman" panose="02020603050405020304" pitchFamily="18" charset="0"/>
+                      </a:endParaRPr>
+                    </a:p>
+                  </a:txBody>
+                  <a:tcPr marL="0" marR="0" marT="0" marB="0" anchor="ctr">
+                    <a:lnL w="3175" cap="flat" cmpd="sng" algn="ctr">
+                      <a:solidFill>
+                        <a:schemeClr val="tx1"/>
+                      </a:solidFill>
+                      <a:prstDash val="solid"/>
+                      <a:round/>
+                      <a:headEnd type="none" w="med" len="med"/>
+                      <a:tailEnd type="none" w="med" len="med"/>
+                    </a:lnL>
+                    <a:lnR w="19050" cap="flat" cmpd="sng" algn="ctr">
+                      <a:solidFill>
+                        <a:schemeClr val="tx1"/>
+                      </a:solidFill>
+                      <a:prstDash val="solid"/>
+                      <a:round/>
+                      <a:headEnd type="none" w="med" len="med"/>
+                      <a:tailEnd type="none" w="med" len="med"/>
+                    </a:lnR>
+                    <a:lnT w="3175" cap="flat" cmpd="sng" algn="ctr">
+                      <a:solidFill>
+                        <a:schemeClr val="tx1"/>
+                      </a:solidFill>
+                      <a:prstDash val="solid"/>
+                      <a:round/>
+                      <a:headEnd type="none" w="med" len="med"/>
+                      <a:tailEnd type="none" w="med" len="med"/>
+                    </a:lnT>
+                    <a:lnB w="3175" cap="flat" cmpd="sng" algn="ctr">
+                      <a:solidFill>
+                        <a:schemeClr val="tx1"/>
+                      </a:solidFill>
+                      <a:prstDash val="solid"/>
+                      <a:round/>
+                      <a:headEnd type="none" w="med" len="med"/>
+                      <a:tailEnd type="none" w="med" len="med"/>
+                    </a:lnB>
+                  </a:tcPr>
+                </a:tc>
+                <a:extLst>
+                  <a:ext uri="{0D108BD9-81ED-4DB2-BD59-A6C34878D82A}">
+                    <a16:rowId xmlns:a16="http://schemas.microsoft.com/office/drawing/2014/main" val="2663517377"/>
+                  </a:ext>
+                </a:extLst>
+              </a:tr>
+              <a:tr h="449413">
+                <a:tc>
+                  <a:txBody>
+                    <a:bodyPr/>
+                    <a:lstStyle/>
+                    <a:p>
+                      <a:pPr algn="l" fontAlgn="b"/>
+                      <a:r>
+                        <a:rPr lang="en-GB" sz="1000" u="none" strike="noStrike" dirty="0">
+                          <a:effectLst/>
+                        </a:rPr>
+                        <a:t>A Data-driven Method for Fast AC Optimal Power Flow Solutions via Deep Reinforcement Learning</a:t>
+                      </a:r>
+                      <a:endParaRPr lang="en-GB" sz="1000" b="0" i="0" u="none" strike="noStrike" dirty="0">
+                        <a:solidFill>
+                          <a:srgbClr val="000000"/>
+                        </a:solidFill>
+                        <a:effectLst/>
+                        <a:latin typeface="Times New Roman" panose="02020603050405020304" pitchFamily="18" charset="0"/>
+                      </a:endParaRPr>
+                    </a:p>
+                  </a:txBody>
+                  <a:tcPr anchor="ctr">
+                    <a:lnL w="19050" cap="flat" cmpd="sng" algn="ctr">
+                      <a:solidFill>
+                        <a:schemeClr val="tx1"/>
+                      </a:solidFill>
+                      <a:prstDash val="solid"/>
+                      <a:round/>
+                      <a:headEnd type="none" w="med" len="med"/>
+                      <a:tailEnd type="none" w="med" len="med"/>
+                    </a:lnL>
+                    <a:lnR w="3175" cap="flat" cmpd="sng" algn="ctr">
+                      <a:solidFill>
+                        <a:schemeClr val="tx1"/>
+                      </a:solidFill>
+                      <a:prstDash val="solid"/>
+                      <a:round/>
+                      <a:headEnd type="none" w="med" len="med"/>
+                      <a:tailEnd type="none" w="med" len="med"/>
+                    </a:lnR>
+                    <a:lnT w="3175" cap="flat" cmpd="sng" algn="ctr">
+                      <a:solidFill>
+                        <a:schemeClr val="tx1"/>
+                      </a:solidFill>
+                      <a:prstDash val="solid"/>
+                      <a:round/>
+                      <a:headEnd type="none" w="med" len="med"/>
+                      <a:tailEnd type="none" w="med" len="med"/>
+                    </a:lnT>
+                    <a:lnB w="3175" cap="flat" cmpd="sng" algn="ctr">
+                      <a:solidFill>
+                        <a:schemeClr val="tx1"/>
+                      </a:solidFill>
+                      <a:prstDash val="solid"/>
+                      <a:round/>
+                      <a:headEnd type="none" w="med" len="med"/>
+                      <a:tailEnd type="none" w="med" len="med"/>
+                    </a:lnB>
+                  </a:tcPr>
+                </a:tc>
+                <a:tc>
+                  <a:txBody>
+                    <a:bodyPr/>
+                    <a:lstStyle/>
+                    <a:p>
+                      <a:pPr algn="ctr" fontAlgn="b"/>
+                      <a:r>
+                        <a:rPr lang="en-GB" sz="1000" u="none" strike="noStrike">
+                          <a:effectLst/>
+                        </a:rPr>
+                        <a:t>Zhou et al.</a:t>
+                      </a:r>
+                      <a:endParaRPr lang="en-GB" sz="1000" b="0" i="0" u="none" strike="noStrike">
+                        <a:solidFill>
+                          <a:srgbClr val="000000"/>
+                        </a:solidFill>
+                        <a:effectLst/>
+                        <a:latin typeface="Times New Roman" panose="02020603050405020304" pitchFamily="18" charset="0"/>
+                      </a:endParaRPr>
+                    </a:p>
+                  </a:txBody>
+                  <a:tcPr marL="0" marR="0" marT="0" marB="0" anchor="ctr">
+                    <a:lnL w="3175" cap="flat" cmpd="sng" algn="ctr">
+                      <a:solidFill>
+                        <a:schemeClr val="tx1"/>
+                      </a:solidFill>
+                      <a:prstDash val="solid"/>
+                      <a:round/>
+                      <a:headEnd type="none" w="med" len="med"/>
+                      <a:tailEnd type="none" w="med" len="med"/>
+                    </a:lnL>
+                    <a:lnR w="3175" cap="flat" cmpd="sng" algn="ctr">
+                      <a:solidFill>
+                        <a:schemeClr val="tx1"/>
+                      </a:solidFill>
+                      <a:prstDash val="solid"/>
+                      <a:round/>
+                      <a:headEnd type="none" w="med" len="med"/>
+                      <a:tailEnd type="none" w="med" len="med"/>
+                    </a:lnR>
+                    <a:lnT w="3175" cap="flat" cmpd="sng" algn="ctr">
+                      <a:solidFill>
+                        <a:schemeClr val="tx1"/>
+                      </a:solidFill>
+                      <a:prstDash val="solid"/>
+                      <a:round/>
+                      <a:headEnd type="none" w="med" len="med"/>
+                      <a:tailEnd type="none" w="med" len="med"/>
+                    </a:lnT>
+                    <a:lnB w="3175" cap="flat" cmpd="sng" algn="ctr">
+                      <a:solidFill>
+                        <a:schemeClr val="tx1"/>
+                      </a:solidFill>
+                      <a:prstDash val="solid"/>
+                      <a:round/>
+                      <a:headEnd type="none" w="med" len="med"/>
+                      <a:tailEnd type="none" w="med" len="med"/>
+                    </a:lnB>
+                  </a:tcPr>
+                </a:tc>
+                <a:tc>
+                  <a:txBody>
+                    <a:bodyPr/>
+                    <a:lstStyle/>
+                    <a:p>
+                      <a:pPr algn="ctr" fontAlgn="b"/>
+                      <a:r>
+                        <a:rPr lang="en-GB" sz="1000" u="none" strike="noStrike" dirty="0">
+                          <a:effectLst/>
+                        </a:rPr>
+                        <a:t>Journal of Modern Power Systems and Clean Energy</a:t>
+                      </a:r>
+                      <a:endParaRPr lang="en-GB" sz="1000" b="0" i="0" u="none" strike="noStrike" dirty="0">
+                        <a:solidFill>
+                          <a:srgbClr val="000000"/>
+                        </a:solidFill>
+                        <a:effectLst/>
+                        <a:latin typeface="Times New Roman" panose="02020603050405020304" pitchFamily="18" charset="0"/>
+                      </a:endParaRPr>
+                    </a:p>
+                  </a:txBody>
+                  <a:tcPr marL="0" marR="0" marT="0" marB="0" anchor="ctr">
+                    <a:lnL w="3175" cap="flat" cmpd="sng" algn="ctr">
+                      <a:solidFill>
+                        <a:schemeClr val="tx1"/>
+                      </a:solidFill>
+                      <a:prstDash val="solid"/>
+                      <a:round/>
+                      <a:headEnd type="none" w="med" len="med"/>
+                      <a:tailEnd type="none" w="med" len="med"/>
+                    </a:lnL>
+                    <a:lnR w="3175" cap="flat" cmpd="sng" algn="ctr">
+                      <a:solidFill>
+                        <a:schemeClr val="tx1"/>
+                      </a:solidFill>
+                      <a:prstDash val="solid"/>
+                      <a:round/>
+                      <a:headEnd type="none" w="med" len="med"/>
+                      <a:tailEnd type="none" w="med" len="med"/>
+                    </a:lnR>
+                    <a:lnT w="3175" cap="flat" cmpd="sng" algn="ctr">
+                      <a:solidFill>
+                        <a:schemeClr val="tx1"/>
+                      </a:solidFill>
+                      <a:prstDash val="solid"/>
+                      <a:round/>
+                      <a:headEnd type="none" w="med" len="med"/>
+                      <a:tailEnd type="none" w="med" len="med"/>
+                    </a:lnT>
+                    <a:lnB w="3175" cap="flat" cmpd="sng" algn="ctr">
+                      <a:solidFill>
+                        <a:schemeClr val="tx1"/>
+                      </a:solidFill>
+                      <a:prstDash val="solid"/>
+                      <a:round/>
+                      <a:headEnd type="none" w="med" len="med"/>
+                      <a:tailEnd type="none" w="med" len="med"/>
+                    </a:lnB>
+                  </a:tcPr>
+                </a:tc>
+                <a:tc>
+                  <a:txBody>
+                    <a:bodyPr/>
+                    <a:lstStyle/>
+                    <a:p>
+                      <a:pPr algn="ctr" fontAlgn="ctr"/>
+                      <a:r>
+                        <a:rPr lang="en-CH" sz="1000" u="none" strike="noStrike">
+                          <a:effectLst/>
+                        </a:rPr>
+                        <a:t>2020</a:t>
+                      </a:r>
+                      <a:endParaRPr lang="en-CH" sz="1000" b="0" i="0" u="none" strike="noStrike">
+                        <a:solidFill>
+                          <a:srgbClr val="000000"/>
+                        </a:solidFill>
+                        <a:effectLst/>
+                        <a:latin typeface="Times New Roman" panose="02020603050405020304" pitchFamily="18" charset="0"/>
+                      </a:endParaRPr>
+                    </a:p>
+                  </a:txBody>
+                  <a:tcPr marL="0" marR="0" marT="0" marB="0" anchor="ctr">
+                    <a:lnL w="3175" cap="flat" cmpd="sng" algn="ctr">
+                      <a:solidFill>
+                        <a:schemeClr val="tx1"/>
+                      </a:solidFill>
+                      <a:prstDash val="solid"/>
+                      <a:round/>
+                      <a:headEnd type="none" w="med" len="med"/>
+                      <a:tailEnd type="none" w="med" len="med"/>
+                    </a:lnL>
+                    <a:lnR w="3175" cap="flat" cmpd="sng" algn="ctr">
+                      <a:solidFill>
+                        <a:schemeClr val="tx1"/>
+                      </a:solidFill>
+                      <a:prstDash val="solid"/>
+                      <a:round/>
+                      <a:headEnd type="none" w="med" len="med"/>
+                      <a:tailEnd type="none" w="med" len="med"/>
+                    </a:lnR>
+                    <a:lnT w="3175" cap="flat" cmpd="sng" algn="ctr">
+                      <a:solidFill>
+                        <a:schemeClr val="tx1"/>
+                      </a:solidFill>
+                      <a:prstDash val="solid"/>
+                      <a:round/>
+                      <a:headEnd type="none" w="med" len="med"/>
+                      <a:tailEnd type="none" w="med" len="med"/>
+                    </a:lnT>
+                    <a:lnB w="3175" cap="flat" cmpd="sng" algn="ctr">
+                      <a:solidFill>
+                        <a:schemeClr val="tx1"/>
+                      </a:solidFill>
+                      <a:prstDash val="solid"/>
+                      <a:round/>
+                      <a:headEnd type="none" w="med" len="med"/>
+                      <a:tailEnd type="none" w="med" len="med"/>
+                    </a:lnB>
+                  </a:tcPr>
+                </a:tc>
+                <a:tc>
+                  <a:txBody>
+                    <a:bodyPr/>
+                    <a:lstStyle/>
+                    <a:p>
+                      <a:pPr algn="ctr" fontAlgn="b"/>
+                      <a:r>
+                        <a:rPr lang="en-GB" sz="1000" u="none" strike="noStrike" dirty="0">
+                          <a:effectLst/>
+                        </a:rPr>
+                        <a:t>Proximal Policy Optimization (PPO)</a:t>
+                      </a:r>
+                      <a:endParaRPr lang="en-GB" sz="1000" b="0" i="0" u="none" strike="noStrike" dirty="0">
+                        <a:solidFill>
+                          <a:srgbClr val="000000"/>
+                        </a:solidFill>
+                        <a:effectLst/>
+                        <a:latin typeface="Times New Roman" panose="02020603050405020304" pitchFamily="18" charset="0"/>
+                      </a:endParaRPr>
+                    </a:p>
+                  </a:txBody>
+                  <a:tcPr marL="0" marR="0" marT="0" marB="0" anchor="ctr">
+                    <a:lnL w="3175" cap="flat" cmpd="sng" algn="ctr">
+                      <a:solidFill>
+                        <a:schemeClr val="tx1"/>
+                      </a:solidFill>
+                      <a:prstDash val="solid"/>
+                      <a:round/>
+                      <a:headEnd type="none" w="med" len="med"/>
+                      <a:tailEnd type="none" w="med" len="med"/>
+                    </a:lnL>
+                    <a:lnR w="3175" cap="flat" cmpd="sng" algn="ctr">
+                      <a:solidFill>
+                        <a:schemeClr val="tx1"/>
+                      </a:solidFill>
+                      <a:prstDash val="solid"/>
+                      <a:round/>
+                      <a:headEnd type="none" w="med" len="med"/>
+                      <a:tailEnd type="none" w="med" len="med"/>
+                    </a:lnR>
+                    <a:lnT w="3175" cap="flat" cmpd="sng" algn="ctr">
+                      <a:solidFill>
+                        <a:schemeClr val="tx1"/>
+                      </a:solidFill>
+                      <a:prstDash val="solid"/>
+                      <a:round/>
+                      <a:headEnd type="none" w="med" len="med"/>
+                      <a:tailEnd type="none" w="med" len="med"/>
+                    </a:lnT>
+                    <a:lnB w="3175" cap="flat" cmpd="sng" algn="ctr">
+                      <a:solidFill>
+                        <a:schemeClr val="tx1"/>
+                      </a:solidFill>
+                      <a:prstDash val="solid"/>
+                      <a:round/>
+                      <a:headEnd type="none" w="med" len="med"/>
+                      <a:tailEnd type="none" w="med" len="med"/>
+                    </a:lnB>
+                  </a:tcPr>
+                </a:tc>
+                <a:tc>
+                  <a:txBody>
+                    <a:bodyPr/>
+                    <a:lstStyle/>
+                    <a:p>
+                      <a:pPr algn="ctr" fontAlgn="ctr"/>
+                      <a:r>
+                        <a:rPr lang="en-CH" sz="1000" u="none" strike="noStrike">
+                          <a:effectLst/>
+                        </a:rPr>
+                        <a:t> </a:t>
+                      </a:r>
+                      <a:endParaRPr lang="en-CH" sz="1000" b="0" i="0" u="none" strike="noStrike">
+                        <a:solidFill>
+                          <a:srgbClr val="000000"/>
+                        </a:solidFill>
+                        <a:effectLst/>
+                        <a:latin typeface="Times New Roman" panose="02020603050405020304" pitchFamily="18" charset="0"/>
+                      </a:endParaRPr>
+                    </a:p>
+                  </a:txBody>
+                  <a:tcPr marL="0" marR="0" marT="0" marB="0" anchor="ctr">
+                    <a:lnL w="3175" cap="flat" cmpd="sng" algn="ctr">
+                      <a:solidFill>
+                        <a:schemeClr val="tx1"/>
+                      </a:solidFill>
+                      <a:prstDash val="solid"/>
+                      <a:round/>
+                      <a:headEnd type="none" w="med" len="med"/>
+                      <a:tailEnd type="none" w="med" len="med"/>
+                    </a:lnL>
+                    <a:lnR w="3175" cap="flat" cmpd="sng" algn="ctr">
+                      <a:solidFill>
+                        <a:schemeClr val="tx1"/>
+                      </a:solidFill>
+                      <a:prstDash val="solid"/>
+                      <a:round/>
+                      <a:headEnd type="none" w="med" len="med"/>
+                      <a:tailEnd type="none" w="med" len="med"/>
+                    </a:lnR>
+                    <a:lnT w="3175" cap="flat" cmpd="sng" algn="ctr">
+                      <a:solidFill>
+                        <a:schemeClr val="tx1"/>
+                      </a:solidFill>
+                      <a:prstDash val="solid"/>
+                      <a:round/>
+                      <a:headEnd type="none" w="med" len="med"/>
+                      <a:tailEnd type="none" w="med" len="med"/>
+                    </a:lnT>
+                    <a:lnB w="3175" cap="flat" cmpd="sng" algn="ctr">
+                      <a:solidFill>
+                        <a:schemeClr val="tx1"/>
+                      </a:solidFill>
+                      <a:prstDash val="solid"/>
+                      <a:round/>
+                      <a:headEnd type="none" w="med" len="med"/>
+                      <a:tailEnd type="none" w="med" len="med"/>
+                    </a:lnB>
+                  </a:tcPr>
+                </a:tc>
+                <a:tc>
+                  <a:txBody>
+                    <a:bodyPr/>
+                    <a:lstStyle/>
+                    <a:p>
+                      <a:pPr algn="ctr" fontAlgn="ctr"/>
+                      <a:r>
+                        <a:rPr lang="en-GB" sz="1000" u="none" strike="noStrike">
+                          <a:effectLst/>
+                        </a:rPr>
+                        <a:t>X</a:t>
+                      </a:r>
+                      <a:endParaRPr lang="en-GB" sz="1000" b="0" i="0" u="none" strike="noStrike">
+                        <a:solidFill>
+                          <a:srgbClr val="000000"/>
+                        </a:solidFill>
+                        <a:effectLst/>
+                        <a:latin typeface="Times New Roman" panose="02020603050405020304" pitchFamily="18" charset="0"/>
+                      </a:endParaRPr>
+                    </a:p>
+                  </a:txBody>
+                  <a:tcPr marL="0" marR="0" marT="0" marB="0" anchor="ctr">
+                    <a:lnL w="3175" cap="flat" cmpd="sng" algn="ctr">
+                      <a:solidFill>
+                        <a:schemeClr val="tx1"/>
+                      </a:solidFill>
+                      <a:prstDash val="solid"/>
+                      <a:round/>
+                      <a:headEnd type="none" w="med" len="med"/>
+                      <a:tailEnd type="none" w="med" len="med"/>
+                    </a:lnL>
+                    <a:lnR w="19050" cap="flat" cmpd="sng" algn="ctr">
+                      <a:solidFill>
+                        <a:schemeClr val="tx1"/>
+                      </a:solidFill>
+                      <a:prstDash val="solid"/>
+                      <a:round/>
+                      <a:headEnd type="none" w="med" len="med"/>
+                      <a:tailEnd type="none" w="med" len="med"/>
+                    </a:lnR>
+                    <a:lnT w="3175" cap="flat" cmpd="sng" algn="ctr">
+                      <a:solidFill>
+                        <a:schemeClr val="tx1"/>
+                      </a:solidFill>
+                      <a:prstDash val="solid"/>
+                      <a:round/>
+                      <a:headEnd type="none" w="med" len="med"/>
+                      <a:tailEnd type="none" w="med" len="med"/>
+                    </a:lnT>
+                    <a:lnB w="3175" cap="flat" cmpd="sng" algn="ctr">
+                      <a:solidFill>
+                        <a:schemeClr val="tx1"/>
+                      </a:solidFill>
+                      <a:prstDash val="solid"/>
+                      <a:round/>
+                      <a:headEnd type="none" w="med" len="med"/>
+                      <a:tailEnd type="none" w="med" len="med"/>
+                    </a:lnB>
+                  </a:tcPr>
+                </a:tc>
+                <a:extLst>
+                  <a:ext uri="{0D108BD9-81ED-4DB2-BD59-A6C34878D82A}">
+                    <a16:rowId xmlns:a16="http://schemas.microsoft.com/office/drawing/2014/main" val="1189870661"/>
+                  </a:ext>
+                </a:extLst>
+              </a:tr>
+              <a:tr h="449413">
+                <a:tc>
+                  <a:txBody>
+                    <a:bodyPr/>
+                    <a:lstStyle/>
+                    <a:p>
+                      <a:pPr algn="l" fontAlgn="b"/>
+                      <a:r>
+                        <a:rPr lang="en-GB" sz="1000" u="none" strike="noStrike" dirty="0">
+                          <a:effectLst/>
+                        </a:rPr>
+                        <a:t>Design and tests of reinforcement-learning-based optimal power flow solution generator</a:t>
+                      </a:r>
+                      <a:endParaRPr lang="en-GB" sz="1000" b="0" i="0" u="none" strike="noStrike" dirty="0">
+                        <a:solidFill>
+                          <a:srgbClr val="000000"/>
+                        </a:solidFill>
+                        <a:effectLst/>
+                        <a:latin typeface="Times New Roman" panose="02020603050405020304" pitchFamily="18" charset="0"/>
+                      </a:endParaRPr>
+                    </a:p>
+                  </a:txBody>
+                  <a:tcPr anchor="ctr">
+                    <a:lnL w="19050" cap="flat" cmpd="sng" algn="ctr">
+                      <a:solidFill>
+                        <a:schemeClr val="tx1"/>
+                      </a:solidFill>
+                      <a:prstDash val="solid"/>
+                      <a:round/>
+                      <a:headEnd type="none" w="med" len="med"/>
+                      <a:tailEnd type="none" w="med" len="med"/>
+                    </a:lnL>
+                    <a:lnR w="3175" cap="flat" cmpd="sng" algn="ctr">
+                      <a:solidFill>
+                        <a:schemeClr val="tx1"/>
+                      </a:solidFill>
+                      <a:prstDash val="solid"/>
+                      <a:round/>
+                      <a:headEnd type="none" w="med" len="med"/>
+                      <a:tailEnd type="none" w="med" len="med"/>
+                    </a:lnR>
+                    <a:lnT w="3175" cap="flat" cmpd="sng" algn="ctr">
+                      <a:solidFill>
+                        <a:schemeClr val="tx1"/>
+                      </a:solidFill>
+                      <a:prstDash val="solid"/>
+                      <a:round/>
+                      <a:headEnd type="none" w="med" len="med"/>
+                      <a:tailEnd type="none" w="med" len="med"/>
+                    </a:lnT>
+                    <a:lnB w="3175" cap="flat" cmpd="sng" algn="ctr">
+                      <a:solidFill>
+                        <a:schemeClr val="tx1"/>
+                      </a:solidFill>
+                      <a:prstDash val="solid"/>
+                      <a:round/>
+                      <a:headEnd type="none" w="med" len="med"/>
+                      <a:tailEnd type="none" w="med" len="med"/>
+                    </a:lnB>
+                  </a:tcPr>
+                </a:tc>
+                <a:tc>
+                  <a:txBody>
+                    <a:bodyPr/>
+                    <a:lstStyle/>
+                    <a:p>
+                      <a:pPr algn="ctr" fontAlgn="b"/>
+                      <a:r>
+                        <a:rPr lang="en-GB" sz="1000" u="none" strike="noStrike">
+                          <a:effectLst/>
+                        </a:rPr>
+                        <a:t>Zhen et al.</a:t>
+                      </a:r>
+                      <a:endParaRPr lang="en-GB" sz="1000" b="0" i="0" u="none" strike="noStrike">
+                        <a:solidFill>
+                          <a:srgbClr val="000000"/>
+                        </a:solidFill>
+                        <a:effectLst/>
+                        <a:latin typeface="Times New Roman" panose="02020603050405020304" pitchFamily="18" charset="0"/>
+                      </a:endParaRPr>
+                    </a:p>
+                  </a:txBody>
+                  <a:tcPr marL="0" marR="0" marT="0" marB="0" anchor="ctr">
+                    <a:lnL w="3175" cap="flat" cmpd="sng" algn="ctr">
+                      <a:solidFill>
+                        <a:schemeClr val="tx1"/>
+                      </a:solidFill>
+                      <a:prstDash val="solid"/>
+                      <a:round/>
+                      <a:headEnd type="none" w="med" len="med"/>
+                      <a:tailEnd type="none" w="med" len="med"/>
+                    </a:lnL>
+                    <a:lnR w="3175" cap="flat" cmpd="sng" algn="ctr">
+                      <a:solidFill>
+                        <a:schemeClr val="tx1"/>
+                      </a:solidFill>
+                      <a:prstDash val="solid"/>
+                      <a:round/>
+                      <a:headEnd type="none" w="med" len="med"/>
+                      <a:tailEnd type="none" w="med" len="med"/>
+                    </a:lnR>
+                    <a:lnT w="3175" cap="flat" cmpd="sng" algn="ctr">
+                      <a:solidFill>
+                        <a:schemeClr val="tx1"/>
+                      </a:solidFill>
+                      <a:prstDash val="solid"/>
+                      <a:round/>
+                      <a:headEnd type="none" w="med" len="med"/>
+                      <a:tailEnd type="none" w="med" len="med"/>
+                    </a:lnT>
+                    <a:lnB w="3175" cap="flat" cmpd="sng" algn="ctr">
+                      <a:solidFill>
+                        <a:schemeClr val="tx1"/>
+                      </a:solidFill>
+                      <a:prstDash val="solid"/>
+                      <a:round/>
+                      <a:headEnd type="none" w="med" len="med"/>
+                      <a:tailEnd type="none" w="med" len="med"/>
+                    </a:lnB>
+                  </a:tcPr>
+                </a:tc>
+                <a:tc>
+                  <a:txBody>
+                    <a:bodyPr/>
+                    <a:lstStyle/>
+                    <a:p>
+                      <a:pPr algn="ctr" fontAlgn="b"/>
+                      <a:r>
+                        <a:rPr lang="en-GB" sz="1000" u="none" strike="noStrike" dirty="0">
+                          <a:effectLst/>
+                        </a:rPr>
+                        <a:t>Energy Reports</a:t>
+                      </a:r>
+                      <a:endParaRPr lang="en-GB" sz="1000" b="0" i="0" u="none" strike="noStrike" dirty="0">
+                        <a:solidFill>
+                          <a:srgbClr val="000000"/>
+                        </a:solidFill>
+                        <a:effectLst/>
+                        <a:latin typeface="Times New Roman" panose="02020603050405020304" pitchFamily="18" charset="0"/>
+                      </a:endParaRPr>
+                    </a:p>
+                  </a:txBody>
+                  <a:tcPr marL="0" marR="0" marT="0" marB="0" anchor="ctr">
+                    <a:lnL w="3175" cap="flat" cmpd="sng" algn="ctr">
+                      <a:solidFill>
+                        <a:schemeClr val="tx1"/>
+                      </a:solidFill>
+                      <a:prstDash val="solid"/>
+                      <a:round/>
+                      <a:headEnd type="none" w="med" len="med"/>
+                      <a:tailEnd type="none" w="med" len="med"/>
+                    </a:lnL>
+                    <a:lnR w="3175" cap="flat" cmpd="sng" algn="ctr">
+                      <a:solidFill>
+                        <a:schemeClr val="tx1"/>
+                      </a:solidFill>
+                      <a:prstDash val="solid"/>
+                      <a:round/>
+                      <a:headEnd type="none" w="med" len="med"/>
+                      <a:tailEnd type="none" w="med" len="med"/>
+                    </a:lnR>
+                    <a:lnT w="3175" cap="flat" cmpd="sng" algn="ctr">
+                      <a:solidFill>
+                        <a:schemeClr val="tx1"/>
+                      </a:solidFill>
+                      <a:prstDash val="solid"/>
+                      <a:round/>
+                      <a:headEnd type="none" w="med" len="med"/>
+                      <a:tailEnd type="none" w="med" len="med"/>
+                    </a:lnT>
+                    <a:lnB w="3175" cap="flat" cmpd="sng" algn="ctr">
+                      <a:solidFill>
+                        <a:schemeClr val="tx1"/>
+                      </a:solidFill>
+                      <a:prstDash val="solid"/>
+                      <a:round/>
+                      <a:headEnd type="none" w="med" len="med"/>
+                      <a:tailEnd type="none" w="med" len="med"/>
+                    </a:lnB>
+                  </a:tcPr>
+                </a:tc>
+                <a:tc>
+                  <a:txBody>
+                    <a:bodyPr/>
+                    <a:lstStyle/>
+                    <a:p>
+                      <a:pPr algn="ctr" fontAlgn="ctr"/>
+                      <a:r>
+                        <a:rPr lang="en-CH" sz="1000" u="none" strike="noStrike">
+                          <a:effectLst/>
+                        </a:rPr>
+                        <a:t>2022</a:t>
+                      </a:r>
+                      <a:endParaRPr lang="en-CH" sz="1000" b="0" i="0" u="none" strike="noStrike">
+                        <a:solidFill>
+                          <a:srgbClr val="000000"/>
+                        </a:solidFill>
+                        <a:effectLst/>
+                        <a:latin typeface="Times New Roman" panose="02020603050405020304" pitchFamily="18" charset="0"/>
+                      </a:endParaRPr>
+                    </a:p>
+                  </a:txBody>
+                  <a:tcPr marL="0" marR="0" marT="0" marB="0" anchor="ctr">
+                    <a:lnL w="3175" cap="flat" cmpd="sng" algn="ctr">
+                      <a:solidFill>
+                        <a:schemeClr val="tx1"/>
+                      </a:solidFill>
+                      <a:prstDash val="solid"/>
+                      <a:round/>
+                      <a:headEnd type="none" w="med" len="med"/>
+                      <a:tailEnd type="none" w="med" len="med"/>
+                    </a:lnL>
+                    <a:lnR w="3175" cap="flat" cmpd="sng" algn="ctr">
+                      <a:solidFill>
+                        <a:schemeClr val="tx1"/>
+                      </a:solidFill>
+                      <a:prstDash val="solid"/>
+                      <a:round/>
+                      <a:headEnd type="none" w="med" len="med"/>
+                      <a:tailEnd type="none" w="med" len="med"/>
+                    </a:lnR>
+                    <a:lnT w="3175" cap="flat" cmpd="sng" algn="ctr">
+                      <a:solidFill>
+                        <a:schemeClr val="tx1"/>
+                      </a:solidFill>
+                      <a:prstDash val="solid"/>
+                      <a:round/>
+                      <a:headEnd type="none" w="med" len="med"/>
+                      <a:tailEnd type="none" w="med" len="med"/>
+                    </a:lnT>
+                    <a:lnB w="3175" cap="flat" cmpd="sng" algn="ctr">
+                      <a:solidFill>
+                        <a:schemeClr val="tx1"/>
+                      </a:solidFill>
+                      <a:prstDash val="solid"/>
+                      <a:round/>
+                      <a:headEnd type="none" w="med" len="med"/>
+                      <a:tailEnd type="none" w="med" len="med"/>
+                    </a:lnB>
+                  </a:tcPr>
+                </a:tc>
+                <a:tc>
+                  <a:txBody>
+                    <a:bodyPr/>
+                    <a:lstStyle/>
+                    <a:p>
+                      <a:pPr algn="ctr" fontAlgn="b"/>
+                      <a:r>
+                        <a:rPr lang="en-GB" sz="1000" u="none" strike="noStrike" dirty="0">
+                          <a:effectLst/>
+                        </a:rPr>
+                        <a:t>Twin Delayed Deep Deterministic Policy Gradient (TD3)</a:t>
+                      </a:r>
+                      <a:endParaRPr lang="en-GB" sz="1000" b="0" i="0" u="none" strike="noStrike" dirty="0">
+                        <a:solidFill>
+                          <a:srgbClr val="000000"/>
+                        </a:solidFill>
+                        <a:effectLst/>
+                        <a:latin typeface="Times New Roman" panose="02020603050405020304" pitchFamily="18" charset="0"/>
+                      </a:endParaRPr>
+                    </a:p>
+                  </a:txBody>
+                  <a:tcPr marL="0" marR="0" marT="0" marB="0" anchor="ctr">
+                    <a:lnL w="3175" cap="flat" cmpd="sng" algn="ctr">
+                      <a:solidFill>
+                        <a:schemeClr val="tx1"/>
+                      </a:solidFill>
+                      <a:prstDash val="solid"/>
+                      <a:round/>
+                      <a:headEnd type="none" w="med" len="med"/>
+                      <a:tailEnd type="none" w="med" len="med"/>
+                    </a:lnL>
+                    <a:lnR w="3175" cap="flat" cmpd="sng" algn="ctr">
+                      <a:solidFill>
+                        <a:schemeClr val="tx1"/>
+                      </a:solidFill>
+                      <a:prstDash val="solid"/>
+                      <a:round/>
+                      <a:headEnd type="none" w="med" len="med"/>
+                      <a:tailEnd type="none" w="med" len="med"/>
+                    </a:lnR>
+                    <a:lnT w="3175" cap="flat" cmpd="sng" algn="ctr">
+                      <a:solidFill>
+                        <a:schemeClr val="tx1"/>
+                      </a:solidFill>
+                      <a:prstDash val="solid"/>
+                      <a:round/>
+                      <a:headEnd type="none" w="med" len="med"/>
+                      <a:tailEnd type="none" w="med" len="med"/>
+                    </a:lnT>
+                    <a:lnB w="3175" cap="flat" cmpd="sng" algn="ctr">
+                      <a:solidFill>
+                        <a:schemeClr val="tx1"/>
+                      </a:solidFill>
+                      <a:prstDash val="solid"/>
+                      <a:round/>
+                      <a:headEnd type="none" w="med" len="med"/>
+                      <a:tailEnd type="none" w="med" len="med"/>
+                    </a:lnB>
+                  </a:tcPr>
+                </a:tc>
+                <a:tc>
+                  <a:txBody>
+                    <a:bodyPr/>
+                    <a:lstStyle/>
+                    <a:p>
+                      <a:pPr algn="ctr" fontAlgn="ctr"/>
+                      <a:r>
+                        <a:rPr lang="en-CH" sz="1000" u="none" strike="noStrike" dirty="0">
+                          <a:effectLst/>
+                        </a:rPr>
+                        <a:t> </a:t>
+                      </a:r>
+                      <a:endParaRPr lang="en-CH" sz="1000" b="0" i="0" u="none" strike="noStrike" dirty="0">
+                        <a:solidFill>
+                          <a:srgbClr val="000000"/>
+                        </a:solidFill>
+                        <a:effectLst/>
+                        <a:latin typeface="Times New Roman" panose="02020603050405020304" pitchFamily="18" charset="0"/>
+                      </a:endParaRPr>
+                    </a:p>
+                  </a:txBody>
+                  <a:tcPr marL="0" marR="0" marT="0" marB="0" anchor="ctr">
+                    <a:lnL w="3175" cap="flat" cmpd="sng" algn="ctr">
+                      <a:solidFill>
+                        <a:schemeClr val="tx1"/>
+                      </a:solidFill>
+                      <a:prstDash val="solid"/>
+                      <a:round/>
+                      <a:headEnd type="none" w="med" len="med"/>
+                      <a:tailEnd type="none" w="med" len="med"/>
+                    </a:lnL>
+                    <a:lnR w="3175" cap="flat" cmpd="sng" algn="ctr">
+                      <a:solidFill>
+                        <a:schemeClr val="tx1"/>
+                      </a:solidFill>
+                      <a:prstDash val="solid"/>
+                      <a:round/>
+                      <a:headEnd type="none" w="med" len="med"/>
+                      <a:tailEnd type="none" w="med" len="med"/>
+                    </a:lnR>
+                    <a:lnT w="3175" cap="flat" cmpd="sng" algn="ctr">
+                      <a:solidFill>
+                        <a:schemeClr val="tx1"/>
+                      </a:solidFill>
+                      <a:prstDash val="solid"/>
+                      <a:round/>
+                      <a:headEnd type="none" w="med" len="med"/>
+                      <a:tailEnd type="none" w="med" len="med"/>
+                    </a:lnT>
+                    <a:lnB w="3175" cap="flat" cmpd="sng" algn="ctr">
+                      <a:solidFill>
+                        <a:schemeClr val="tx1"/>
+                      </a:solidFill>
+                      <a:prstDash val="solid"/>
+                      <a:round/>
+                      <a:headEnd type="none" w="med" len="med"/>
+                      <a:tailEnd type="none" w="med" len="med"/>
+                    </a:lnB>
+                  </a:tcPr>
+                </a:tc>
+                <a:tc>
+                  <a:txBody>
+                    <a:bodyPr/>
+                    <a:lstStyle/>
+                    <a:p>
+                      <a:pPr algn="ctr" fontAlgn="ctr"/>
+                      <a:r>
+                        <a:rPr lang="en-GB" sz="1000" u="none" strike="noStrike" dirty="0">
+                          <a:effectLst/>
+                        </a:rPr>
+                        <a:t>X</a:t>
+                      </a:r>
+                      <a:endParaRPr lang="en-GB" sz="1000" b="0" i="0" u="none" strike="noStrike" dirty="0">
+                        <a:solidFill>
+                          <a:srgbClr val="000000"/>
+                        </a:solidFill>
+                        <a:effectLst/>
+                        <a:latin typeface="Times New Roman" panose="02020603050405020304" pitchFamily="18" charset="0"/>
+                      </a:endParaRPr>
+                    </a:p>
+                  </a:txBody>
+                  <a:tcPr marL="0" marR="0" marT="0" marB="0" anchor="ctr">
+                    <a:lnL w="3175" cap="flat" cmpd="sng" algn="ctr">
+                      <a:solidFill>
+                        <a:schemeClr val="tx1"/>
+                      </a:solidFill>
+                      <a:prstDash val="solid"/>
+                      <a:round/>
+                      <a:headEnd type="none" w="med" len="med"/>
+                      <a:tailEnd type="none" w="med" len="med"/>
+                    </a:lnL>
+                    <a:lnR w="19050" cap="flat" cmpd="sng" algn="ctr">
+                      <a:solidFill>
+                        <a:schemeClr val="tx1"/>
+                      </a:solidFill>
+                      <a:prstDash val="solid"/>
+                      <a:round/>
+                      <a:headEnd type="none" w="med" len="med"/>
+                      <a:tailEnd type="none" w="med" len="med"/>
+                    </a:lnR>
+                    <a:lnT w="3175" cap="flat" cmpd="sng" algn="ctr">
+                      <a:solidFill>
+                        <a:schemeClr val="tx1"/>
+                      </a:solidFill>
+                      <a:prstDash val="solid"/>
+                      <a:round/>
+                      <a:headEnd type="none" w="med" len="med"/>
+                      <a:tailEnd type="none" w="med" len="med"/>
+                    </a:lnT>
+                    <a:lnB w="3175" cap="flat" cmpd="sng" algn="ctr">
+                      <a:solidFill>
+                        <a:schemeClr val="tx1"/>
+                      </a:solidFill>
+                      <a:prstDash val="solid"/>
+                      <a:round/>
+                      <a:headEnd type="none" w="med" len="med"/>
+                      <a:tailEnd type="none" w="med" len="med"/>
+                    </a:lnB>
+                  </a:tcPr>
+                </a:tc>
+                <a:extLst>
+                  <a:ext uri="{0D108BD9-81ED-4DB2-BD59-A6C34878D82A}">
+                    <a16:rowId xmlns:a16="http://schemas.microsoft.com/office/drawing/2014/main" val="2544500878"/>
+                  </a:ext>
+                </a:extLst>
+              </a:tr>
+              <a:tr h="598022">
+                <a:tc>
+                  <a:txBody>
+                    <a:bodyPr/>
+                    <a:lstStyle/>
+                    <a:p>
+                      <a:pPr algn="l" fontAlgn="b"/>
+                      <a:r>
+                        <a:rPr lang="en-GB" sz="1000" u="none" strike="noStrike" dirty="0">
+                          <a:effectLst/>
+                        </a:rPr>
+                        <a:t>Feasibility Constrained Online Calculation for Real-Time Optimal Power Flow: A Convex Constrained Deep Reinforcement Learning Approach</a:t>
+                      </a:r>
+                      <a:endParaRPr lang="en-GB" sz="1000" b="0" i="0" u="none" strike="noStrike" dirty="0">
+                        <a:solidFill>
+                          <a:srgbClr val="000000"/>
+                        </a:solidFill>
+                        <a:effectLst/>
+                        <a:latin typeface="Times New Roman" panose="02020603050405020304" pitchFamily="18" charset="0"/>
+                      </a:endParaRPr>
+                    </a:p>
+                  </a:txBody>
+                  <a:tcPr anchor="ctr">
+                    <a:lnL w="19050" cap="flat" cmpd="sng" algn="ctr">
+                      <a:solidFill>
+                        <a:schemeClr val="tx1"/>
+                      </a:solidFill>
+                      <a:prstDash val="solid"/>
+                      <a:round/>
+                      <a:headEnd type="none" w="med" len="med"/>
+                      <a:tailEnd type="none" w="med" len="med"/>
+                    </a:lnL>
+                    <a:lnR w="3175" cap="flat" cmpd="sng" algn="ctr">
+                      <a:solidFill>
+                        <a:schemeClr val="tx1"/>
+                      </a:solidFill>
+                      <a:prstDash val="solid"/>
+                      <a:round/>
+                      <a:headEnd type="none" w="med" len="med"/>
+                      <a:tailEnd type="none" w="med" len="med"/>
+                    </a:lnR>
+                    <a:lnT w="3175" cap="flat" cmpd="sng" algn="ctr">
+                      <a:solidFill>
+                        <a:schemeClr val="tx1"/>
+                      </a:solidFill>
+                      <a:prstDash val="solid"/>
+                      <a:round/>
+                      <a:headEnd type="none" w="med" len="med"/>
+                      <a:tailEnd type="none" w="med" len="med"/>
+                    </a:lnT>
+                    <a:lnB w="28575" cap="flat" cmpd="sng" algn="ctr">
+                      <a:solidFill>
+                        <a:schemeClr val="tx1"/>
+                      </a:solidFill>
+                      <a:prstDash val="solid"/>
+                      <a:round/>
+                      <a:headEnd type="none" w="med" len="med"/>
+                      <a:tailEnd type="none" w="med" len="med"/>
+                    </a:lnB>
+                  </a:tcPr>
+                </a:tc>
+                <a:tc>
+                  <a:txBody>
+                    <a:bodyPr/>
+                    <a:lstStyle/>
+                    <a:p>
+                      <a:pPr algn="ctr" fontAlgn="b"/>
+                      <a:r>
+                        <a:rPr lang="en-GB" sz="1000" u="none" strike="noStrike">
+                          <a:effectLst/>
+                        </a:rPr>
+                        <a:t>Sayed et al.</a:t>
+                      </a:r>
+                      <a:endParaRPr lang="en-GB" sz="1000" b="0" i="0" u="none" strike="noStrike">
+                        <a:solidFill>
+                          <a:srgbClr val="000000"/>
+                        </a:solidFill>
+                        <a:effectLst/>
+                        <a:latin typeface="Times New Roman" panose="02020603050405020304" pitchFamily="18" charset="0"/>
+                      </a:endParaRPr>
+                    </a:p>
+                  </a:txBody>
+                  <a:tcPr marL="0" marR="0" marT="0" marB="0" anchor="ctr">
+                    <a:lnL w="3175" cap="flat" cmpd="sng" algn="ctr">
+                      <a:solidFill>
+                        <a:schemeClr val="tx1"/>
+                      </a:solidFill>
+                      <a:prstDash val="solid"/>
+                      <a:round/>
+                      <a:headEnd type="none" w="med" len="med"/>
+                      <a:tailEnd type="none" w="med" len="med"/>
+                    </a:lnL>
+                    <a:lnR w="3175" cap="flat" cmpd="sng" algn="ctr">
+                      <a:solidFill>
+                        <a:schemeClr val="tx1"/>
+                      </a:solidFill>
+                      <a:prstDash val="solid"/>
+                      <a:round/>
+                      <a:headEnd type="none" w="med" len="med"/>
+                      <a:tailEnd type="none" w="med" len="med"/>
+                    </a:lnR>
+                    <a:lnT w="3175" cap="flat" cmpd="sng" algn="ctr">
+                      <a:solidFill>
+                        <a:schemeClr val="tx1"/>
+                      </a:solidFill>
+                      <a:prstDash val="solid"/>
+                      <a:round/>
+                      <a:headEnd type="none" w="med" len="med"/>
+                      <a:tailEnd type="none" w="med" len="med"/>
+                    </a:lnT>
+                    <a:lnB w="28575" cap="flat" cmpd="sng" algn="ctr">
+                      <a:solidFill>
+                        <a:schemeClr val="tx1"/>
+                      </a:solidFill>
+                      <a:prstDash val="solid"/>
+                      <a:round/>
+                      <a:headEnd type="none" w="med" len="med"/>
+                      <a:tailEnd type="none" w="med" len="med"/>
+                    </a:lnB>
+                  </a:tcPr>
+                </a:tc>
+                <a:tc>
+                  <a:txBody>
+                    <a:bodyPr/>
+                    <a:lstStyle/>
+                    <a:p>
+                      <a:pPr algn="ctr" fontAlgn="b"/>
+                      <a:r>
+                        <a:rPr lang="en-GB" sz="1000" u="none" strike="noStrike" dirty="0">
+                          <a:effectLst/>
+                        </a:rPr>
+                        <a:t>IEEE Transactions on Power Systems</a:t>
+                      </a:r>
+                      <a:endParaRPr lang="en-GB" sz="1000" b="0" i="0" u="none" strike="noStrike" dirty="0">
+                        <a:solidFill>
+                          <a:srgbClr val="000000"/>
+                        </a:solidFill>
+                        <a:effectLst/>
+                        <a:latin typeface="Times New Roman" panose="02020603050405020304" pitchFamily="18" charset="0"/>
+                      </a:endParaRPr>
+                    </a:p>
+                  </a:txBody>
+                  <a:tcPr marL="0" marR="0" marT="0" marB="0" anchor="ctr">
+                    <a:lnL w="3175" cap="flat" cmpd="sng" algn="ctr">
+                      <a:solidFill>
+                        <a:schemeClr val="tx1"/>
+                      </a:solidFill>
+                      <a:prstDash val="solid"/>
+                      <a:round/>
+                      <a:headEnd type="none" w="med" len="med"/>
+                      <a:tailEnd type="none" w="med" len="med"/>
+                    </a:lnL>
+                    <a:lnR w="3175" cap="flat" cmpd="sng" algn="ctr">
+                      <a:solidFill>
+                        <a:schemeClr val="tx1"/>
+                      </a:solidFill>
+                      <a:prstDash val="solid"/>
+                      <a:round/>
+                      <a:headEnd type="none" w="med" len="med"/>
+                      <a:tailEnd type="none" w="med" len="med"/>
+                    </a:lnR>
+                    <a:lnT w="3175" cap="flat" cmpd="sng" algn="ctr">
+                      <a:solidFill>
+                        <a:schemeClr val="tx1"/>
+                      </a:solidFill>
+                      <a:prstDash val="solid"/>
+                      <a:round/>
+                      <a:headEnd type="none" w="med" len="med"/>
+                      <a:tailEnd type="none" w="med" len="med"/>
+                    </a:lnT>
+                    <a:lnB w="28575" cap="flat" cmpd="sng" algn="ctr">
+                      <a:solidFill>
+                        <a:schemeClr val="tx1"/>
+                      </a:solidFill>
+                      <a:prstDash val="solid"/>
+                      <a:round/>
+                      <a:headEnd type="none" w="med" len="med"/>
+                      <a:tailEnd type="none" w="med" len="med"/>
+                    </a:lnB>
+                  </a:tcPr>
+                </a:tc>
+                <a:tc>
+                  <a:txBody>
+                    <a:bodyPr/>
+                    <a:lstStyle/>
+                    <a:p>
+                      <a:pPr algn="ctr" fontAlgn="ctr"/>
+                      <a:r>
+                        <a:rPr lang="en-CH" sz="1000" u="none" strike="noStrike" dirty="0">
+                          <a:effectLst/>
+                        </a:rPr>
+                        <a:t>2023</a:t>
+                      </a:r>
+                      <a:endParaRPr lang="en-CH" sz="1000" b="0" i="0" u="none" strike="noStrike" dirty="0">
+                        <a:solidFill>
+                          <a:srgbClr val="000000"/>
+                        </a:solidFill>
+                        <a:effectLst/>
+                        <a:latin typeface="Times New Roman" panose="02020603050405020304" pitchFamily="18" charset="0"/>
+                      </a:endParaRPr>
+                    </a:p>
+                  </a:txBody>
+                  <a:tcPr marL="0" marR="0" marT="0" marB="0" anchor="ctr">
+                    <a:lnL w="3175" cap="flat" cmpd="sng" algn="ctr">
+                      <a:solidFill>
+                        <a:schemeClr val="tx1"/>
+                      </a:solidFill>
+                      <a:prstDash val="solid"/>
+                      <a:round/>
+                      <a:headEnd type="none" w="med" len="med"/>
+                      <a:tailEnd type="none" w="med" len="med"/>
+                    </a:lnL>
+                    <a:lnR w="3175" cap="flat" cmpd="sng" algn="ctr">
+                      <a:solidFill>
+                        <a:schemeClr val="tx1"/>
+                      </a:solidFill>
+                      <a:prstDash val="solid"/>
+                      <a:round/>
+                      <a:headEnd type="none" w="med" len="med"/>
+                      <a:tailEnd type="none" w="med" len="med"/>
+                    </a:lnR>
+                    <a:lnT w="3175" cap="flat" cmpd="sng" algn="ctr">
+                      <a:solidFill>
+                        <a:schemeClr val="tx1"/>
+                      </a:solidFill>
+                      <a:prstDash val="solid"/>
+                      <a:round/>
+                      <a:headEnd type="none" w="med" len="med"/>
+                      <a:tailEnd type="none" w="med" len="med"/>
+                    </a:lnT>
+                    <a:lnB w="28575" cap="flat" cmpd="sng" algn="ctr">
+                      <a:solidFill>
+                        <a:schemeClr val="tx1"/>
+                      </a:solidFill>
+                      <a:prstDash val="solid"/>
+                      <a:round/>
+                      <a:headEnd type="none" w="med" len="med"/>
+                      <a:tailEnd type="none" w="med" len="med"/>
+                    </a:lnB>
+                  </a:tcPr>
+                </a:tc>
+                <a:tc>
+                  <a:txBody>
+                    <a:bodyPr/>
+                    <a:lstStyle/>
+                    <a:p>
+                      <a:pPr algn="ctr" fontAlgn="b"/>
+                      <a:r>
+                        <a:rPr lang="en-GB" sz="1000" u="none" strike="noStrike" dirty="0">
+                          <a:effectLst/>
+                        </a:rPr>
+                        <a:t>Soft Actor-Critic</a:t>
+                      </a:r>
+                      <a:endParaRPr lang="en-GB" sz="1000" b="0" i="0" u="none" strike="noStrike" dirty="0">
+                        <a:solidFill>
+                          <a:srgbClr val="000000"/>
+                        </a:solidFill>
+                        <a:effectLst/>
+                        <a:latin typeface="Times New Roman" panose="02020603050405020304" pitchFamily="18" charset="0"/>
+                      </a:endParaRPr>
+                    </a:p>
+                  </a:txBody>
+                  <a:tcPr marL="0" marR="0" marT="0" marB="0" anchor="ctr">
+                    <a:lnL w="3175" cap="flat" cmpd="sng" algn="ctr">
+                      <a:solidFill>
+                        <a:schemeClr val="tx1"/>
+                      </a:solidFill>
+                      <a:prstDash val="solid"/>
+                      <a:round/>
+                      <a:headEnd type="none" w="med" len="med"/>
+                      <a:tailEnd type="none" w="med" len="med"/>
+                    </a:lnL>
+                    <a:lnR w="3175" cap="flat" cmpd="sng" algn="ctr">
+                      <a:solidFill>
+                        <a:schemeClr val="tx1"/>
+                      </a:solidFill>
+                      <a:prstDash val="solid"/>
+                      <a:round/>
+                      <a:headEnd type="none" w="med" len="med"/>
+                      <a:tailEnd type="none" w="med" len="med"/>
+                    </a:lnR>
+                    <a:lnT w="3175" cap="flat" cmpd="sng" algn="ctr">
+                      <a:solidFill>
+                        <a:schemeClr val="tx1"/>
+                      </a:solidFill>
+                      <a:prstDash val="solid"/>
+                      <a:round/>
+                      <a:headEnd type="none" w="med" len="med"/>
+                      <a:tailEnd type="none" w="med" len="med"/>
+                    </a:lnT>
+                    <a:lnB w="28575" cap="flat" cmpd="sng" algn="ctr">
+                      <a:solidFill>
+                        <a:schemeClr val="tx1"/>
+                      </a:solidFill>
+                      <a:prstDash val="solid"/>
+                      <a:round/>
+                      <a:headEnd type="none" w="med" len="med"/>
+                      <a:tailEnd type="none" w="med" len="med"/>
+                    </a:lnB>
+                  </a:tcPr>
+                </a:tc>
+                <a:tc>
+                  <a:txBody>
+                    <a:bodyPr/>
+                    <a:lstStyle/>
+                    <a:p>
+                      <a:pPr algn="ctr" fontAlgn="ctr"/>
+                      <a:r>
+                        <a:rPr lang="en-CH" sz="1000" u="none" strike="noStrike" dirty="0">
+                          <a:effectLst/>
+                        </a:rPr>
+                        <a:t> </a:t>
+                      </a:r>
+                      <a:endParaRPr lang="en-CH" sz="1000" b="0" i="0" u="none" strike="noStrike" dirty="0">
+                        <a:solidFill>
+                          <a:srgbClr val="000000"/>
+                        </a:solidFill>
+                        <a:effectLst/>
+                        <a:latin typeface="Times New Roman" panose="02020603050405020304" pitchFamily="18" charset="0"/>
+                      </a:endParaRPr>
+                    </a:p>
+                  </a:txBody>
+                  <a:tcPr marL="0" marR="0" marT="0" marB="0" anchor="ctr">
+                    <a:lnL w="3175" cap="flat" cmpd="sng" algn="ctr">
+                      <a:solidFill>
+                        <a:schemeClr val="tx1"/>
+                      </a:solidFill>
+                      <a:prstDash val="solid"/>
+                      <a:round/>
+                      <a:headEnd type="none" w="med" len="med"/>
+                      <a:tailEnd type="none" w="med" len="med"/>
+                    </a:lnL>
+                    <a:lnR w="3175" cap="flat" cmpd="sng" algn="ctr">
+                      <a:solidFill>
+                        <a:schemeClr val="tx1"/>
+                      </a:solidFill>
+                      <a:prstDash val="solid"/>
+                      <a:round/>
+                      <a:headEnd type="none" w="med" len="med"/>
+                      <a:tailEnd type="none" w="med" len="med"/>
+                    </a:lnR>
+                    <a:lnT w="3175" cap="flat" cmpd="sng" algn="ctr">
+                      <a:solidFill>
+                        <a:schemeClr val="tx1"/>
+                      </a:solidFill>
+                      <a:prstDash val="solid"/>
+                      <a:round/>
+                      <a:headEnd type="none" w="med" len="med"/>
+                      <a:tailEnd type="none" w="med" len="med"/>
+                    </a:lnT>
+                    <a:lnB w="28575" cap="flat" cmpd="sng" algn="ctr">
+                      <a:solidFill>
+                        <a:schemeClr val="tx1"/>
+                      </a:solidFill>
+                      <a:prstDash val="solid"/>
+                      <a:round/>
+                      <a:headEnd type="none" w="med" len="med"/>
+                      <a:tailEnd type="none" w="med" len="med"/>
+                    </a:lnB>
+                  </a:tcPr>
+                </a:tc>
+                <a:tc>
+                  <a:txBody>
+                    <a:bodyPr/>
+                    <a:lstStyle/>
+                    <a:p>
+                      <a:pPr algn="ctr" fontAlgn="ctr"/>
+                      <a:r>
+                        <a:rPr lang="en-GB" sz="1000" u="none" strike="noStrike" dirty="0">
+                          <a:effectLst/>
+                        </a:rPr>
+                        <a:t>X</a:t>
+                      </a:r>
+                      <a:endParaRPr lang="en-GB" sz="1000" b="0" i="0" u="none" strike="noStrike" dirty="0">
+                        <a:solidFill>
+                          <a:srgbClr val="000000"/>
+                        </a:solidFill>
+                        <a:effectLst/>
+                        <a:latin typeface="Times New Roman" panose="02020603050405020304" pitchFamily="18" charset="0"/>
+                      </a:endParaRPr>
+                    </a:p>
+                  </a:txBody>
+                  <a:tcPr marL="0" marR="0" marT="0" marB="0" anchor="ctr">
+                    <a:lnL w="3175" cap="flat" cmpd="sng" algn="ctr">
+                      <a:solidFill>
+                        <a:schemeClr val="tx1"/>
+                      </a:solidFill>
+                      <a:prstDash val="solid"/>
+                      <a:round/>
+                      <a:headEnd type="none" w="med" len="med"/>
+                      <a:tailEnd type="none" w="med" len="med"/>
+                    </a:lnL>
+                    <a:lnR w="19050" cap="flat" cmpd="sng" algn="ctr">
+                      <a:solidFill>
+                        <a:schemeClr val="tx1"/>
+                      </a:solidFill>
+                      <a:prstDash val="solid"/>
+                      <a:round/>
+                      <a:headEnd type="none" w="med" len="med"/>
+                      <a:tailEnd type="none" w="med" len="med"/>
+                    </a:lnR>
+                    <a:lnT w="3175" cap="flat" cmpd="sng" algn="ctr">
+                      <a:solidFill>
+                        <a:schemeClr val="tx1"/>
+                      </a:solidFill>
+                      <a:prstDash val="solid"/>
+                      <a:round/>
+                      <a:headEnd type="none" w="med" len="med"/>
+                      <a:tailEnd type="none" w="med" len="med"/>
+                    </a:lnT>
+                    <a:lnB w="28575" cap="flat" cmpd="sng" algn="ctr">
+                      <a:solidFill>
+                        <a:schemeClr val="tx1"/>
+                      </a:solidFill>
+                      <a:prstDash val="solid"/>
+                      <a:round/>
+                      <a:headEnd type="none" w="med" len="med"/>
+                      <a:tailEnd type="none" w="med" len="med"/>
+                    </a:lnB>
+                  </a:tcPr>
+                </a:tc>
+                <a:extLst>
+                  <a:ext uri="{0D108BD9-81ED-4DB2-BD59-A6C34878D82A}">
+                    <a16:rowId xmlns:a16="http://schemas.microsoft.com/office/drawing/2014/main" val="3020101841"/>
+                  </a:ext>
+                </a:extLst>
+              </a:tr>
+              <a:tr h="247933">
+                <a:tc>
+                  <a:txBody>
+                    <a:bodyPr/>
+                    <a:lstStyle/>
+                    <a:p>
+                      <a:pPr algn="l" fontAlgn="b"/>
+                      <a:r>
+                        <a:rPr lang="en-GB" sz="1000" u="none" strike="noStrike" dirty="0">
+                          <a:effectLst/>
+                        </a:rPr>
+                        <a:t>This work</a:t>
+                      </a:r>
+                      <a:endParaRPr lang="en-GB" sz="1000" b="1" i="0" u="none" strike="noStrike" dirty="0">
+                        <a:solidFill>
+                          <a:srgbClr val="000000"/>
+                        </a:solidFill>
+                        <a:effectLst/>
+                        <a:latin typeface="Times New Roman" panose="02020603050405020304" pitchFamily="18" charset="0"/>
+                      </a:endParaRPr>
+                    </a:p>
+                  </a:txBody>
+                  <a:tcPr anchor="ctr">
+                    <a:lnL w="19050" cap="flat" cmpd="sng" algn="ctr">
+                      <a:solidFill>
+                        <a:schemeClr val="tx1"/>
+                      </a:solidFill>
+                      <a:prstDash val="solid"/>
+                      <a:round/>
+                      <a:headEnd type="none" w="med" len="med"/>
+                      <a:tailEnd type="none" w="med" len="med"/>
+                    </a:lnL>
+                    <a:lnR w="3175" cap="flat" cmpd="sng" algn="ctr">
+                      <a:solidFill>
+                        <a:schemeClr val="tx1"/>
+                      </a:solidFill>
+                      <a:prstDash val="solid"/>
+                      <a:round/>
+                      <a:headEnd type="none" w="med" len="med"/>
+                      <a:tailEnd type="none" w="med" len="med"/>
+                    </a:lnR>
+                    <a:lnT w="28575" cap="flat" cmpd="sng" algn="ctr">
+                      <a:solidFill>
+                        <a:schemeClr val="tx1"/>
+                      </a:solidFill>
+                      <a:prstDash val="solid"/>
+                      <a:round/>
+                      <a:headEnd type="none" w="med" len="med"/>
+                      <a:tailEnd type="none" w="med" len="med"/>
+                    </a:lnT>
+                    <a:lnB w="19050" cap="flat" cmpd="sng" algn="ctr">
+                      <a:solidFill>
+                        <a:schemeClr val="tx1"/>
+                      </a:solidFill>
+                      <a:prstDash val="solid"/>
+                      <a:round/>
+                      <a:headEnd type="none" w="med" len="med"/>
+                      <a:tailEnd type="none" w="med" len="med"/>
+                    </a:lnB>
+                  </a:tcPr>
+                </a:tc>
+                <a:tc>
+                  <a:txBody>
+                    <a:bodyPr/>
+                    <a:lstStyle/>
+                    <a:p>
+                      <a:pPr algn="ctr" fontAlgn="b"/>
+                      <a:r>
+                        <a:rPr lang="en-CH" sz="1000" u="none" strike="noStrike" dirty="0">
+                          <a:effectLst/>
+                        </a:rPr>
+                        <a:t> </a:t>
+                      </a:r>
+                      <a:endParaRPr lang="en-CH" sz="1000" b="1" i="0" u="none" strike="noStrike" dirty="0">
+                        <a:solidFill>
+                          <a:srgbClr val="000000"/>
+                        </a:solidFill>
+                        <a:effectLst/>
+                        <a:latin typeface="Calibri" panose="020F0502020204030204" pitchFamily="34" charset="0"/>
+                      </a:endParaRPr>
+                    </a:p>
+                  </a:txBody>
+                  <a:tcPr marL="0" marR="0" marT="0" marB="0" anchor="ctr">
+                    <a:lnL w="3175" cap="flat" cmpd="sng" algn="ctr">
+                      <a:solidFill>
+                        <a:schemeClr val="tx1"/>
+                      </a:solidFill>
+                      <a:prstDash val="solid"/>
+                      <a:round/>
+                      <a:headEnd type="none" w="med" len="med"/>
+                      <a:tailEnd type="none" w="med" len="med"/>
+                    </a:lnL>
+                    <a:lnR w="3175" cap="flat" cmpd="sng" algn="ctr">
+                      <a:solidFill>
+                        <a:schemeClr val="tx1"/>
+                      </a:solidFill>
+                      <a:prstDash val="solid"/>
+                      <a:round/>
+                      <a:headEnd type="none" w="med" len="med"/>
+                      <a:tailEnd type="none" w="med" len="med"/>
+                    </a:lnR>
+                    <a:lnT w="28575" cap="flat" cmpd="sng" algn="ctr">
+                      <a:solidFill>
+                        <a:schemeClr val="tx1"/>
+                      </a:solidFill>
+                      <a:prstDash val="solid"/>
+                      <a:round/>
+                      <a:headEnd type="none" w="med" len="med"/>
+                      <a:tailEnd type="none" w="med" len="med"/>
+                    </a:lnT>
+                    <a:lnB w="19050" cap="flat" cmpd="sng" algn="ctr">
+                      <a:solidFill>
+                        <a:schemeClr val="tx1"/>
+                      </a:solidFill>
+                      <a:prstDash val="solid"/>
+                      <a:round/>
+                      <a:headEnd type="none" w="med" len="med"/>
+                      <a:tailEnd type="none" w="med" len="med"/>
+                    </a:lnB>
+                  </a:tcPr>
+                </a:tc>
+                <a:tc>
+                  <a:txBody>
+                    <a:bodyPr/>
+                    <a:lstStyle/>
+                    <a:p>
+                      <a:pPr algn="ctr" fontAlgn="b"/>
+                      <a:r>
+                        <a:rPr lang="en-CH" sz="1000" u="none" strike="noStrike" dirty="0">
+                          <a:effectLst/>
+                        </a:rPr>
+                        <a:t> </a:t>
+                      </a:r>
+                      <a:endParaRPr lang="en-CH" sz="1000" b="1" i="0" u="none" strike="noStrike" dirty="0">
+                        <a:solidFill>
+                          <a:srgbClr val="000000"/>
+                        </a:solidFill>
+                        <a:effectLst/>
+                        <a:latin typeface="Calibri" panose="020F0502020204030204" pitchFamily="34" charset="0"/>
+                      </a:endParaRPr>
+                    </a:p>
+                  </a:txBody>
+                  <a:tcPr marL="0" marR="0" marT="0" marB="0" anchor="ctr">
+                    <a:lnL w="3175" cap="flat" cmpd="sng" algn="ctr">
+                      <a:solidFill>
+                        <a:schemeClr val="tx1"/>
+                      </a:solidFill>
+                      <a:prstDash val="solid"/>
+                      <a:round/>
+                      <a:headEnd type="none" w="med" len="med"/>
+                      <a:tailEnd type="none" w="med" len="med"/>
+                    </a:lnL>
+                    <a:lnR w="3175" cap="flat" cmpd="sng" algn="ctr">
+                      <a:solidFill>
+                        <a:schemeClr val="tx1"/>
+                      </a:solidFill>
+                      <a:prstDash val="solid"/>
+                      <a:round/>
+                      <a:headEnd type="none" w="med" len="med"/>
+                      <a:tailEnd type="none" w="med" len="med"/>
+                    </a:lnR>
+                    <a:lnT w="28575" cap="flat" cmpd="sng" algn="ctr">
+                      <a:solidFill>
+                        <a:schemeClr val="tx1"/>
+                      </a:solidFill>
+                      <a:prstDash val="solid"/>
+                      <a:round/>
+                      <a:headEnd type="none" w="med" len="med"/>
+                      <a:tailEnd type="none" w="med" len="med"/>
+                    </a:lnT>
+                    <a:lnB w="19050" cap="flat" cmpd="sng" algn="ctr">
+                      <a:solidFill>
+                        <a:schemeClr val="tx1"/>
+                      </a:solidFill>
+                      <a:prstDash val="solid"/>
+                      <a:round/>
+                      <a:headEnd type="none" w="med" len="med"/>
+                      <a:tailEnd type="none" w="med" len="med"/>
+                    </a:lnB>
+                  </a:tcPr>
+                </a:tc>
+                <a:tc>
+                  <a:txBody>
+                    <a:bodyPr/>
+                    <a:lstStyle/>
+                    <a:p>
+                      <a:pPr algn="ctr" fontAlgn="b"/>
+                      <a:r>
+                        <a:rPr lang="en-CH" sz="1000" u="none" strike="noStrike" dirty="0">
+                          <a:effectLst/>
+                        </a:rPr>
+                        <a:t> </a:t>
+                      </a:r>
+                      <a:endParaRPr lang="en-CH" sz="1000" b="1" i="0" u="none" strike="noStrike" dirty="0">
+                        <a:solidFill>
+                          <a:srgbClr val="000000"/>
+                        </a:solidFill>
+                        <a:effectLst/>
+                        <a:latin typeface="Calibri" panose="020F0502020204030204" pitchFamily="34" charset="0"/>
+                      </a:endParaRPr>
+                    </a:p>
+                  </a:txBody>
+                  <a:tcPr marL="0" marR="0" marT="0" marB="0" anchor="ctr">
+                    <a:lnL w="3175" cap="flat" cmpd="sng" algn="ctr">
+                      <a:solidFill>
+                        <a:schemeClr val="tx1"/>
+                      </a:solidFill>
+                      <a:prstDash val="solid"/>
+                      <a:round/>
+                      <a:headEnd type="none" w="med" len="med"/>
+                      <a:tailEnd type="none" w="med" len="med"/>
+                    </a:lnL>
+                    <a:lnR w="3175" cap="flat" cmpd="sng" algn="ctr">
+                      <a:solidFill>
+                        <a:schemeClr val="tx1"/>
+                      </a:solidFill>
+                      <a:prstDash val="solid"/>
+                      <a:round/>
+                      <a:headEnd type="none" w="med" len="med"/>
+                      <a:tailEnd type="none" w="med" len="med"/>
+                    </a:lnR>
+                    <a:lnT w="28575" cap="flat" cmpd="sng" algn="ctr">
+                      <a:solidFill>
+                        <a:schemeClr val="tx1"/>
+                      </a:solidFill>
+                      <a:prstDash val="solid"/>
+                      <a:round/>
+                      <a:headEnd type="none" w="med" len="med"/>
+                      <a:tailEnd type="none" w="med" len="med"/>
+                    </a:lnT>
+                    <a:lnB w="19050" cap="flat" cmpd="sng" algn="ctr">
+                      <a:solidFill>
+                        <a:schemeClr val="tx1"/>
+                      </a:solidFill>
+                      <a:prstDash val="solid"/>
+                      <a:round/>
+                      <a:headEnd type="none" w="med" len="med"/>
+                      <a:tailEnd type="none" w="med" len="med"/>
+                    </a:lnB>
+                  </a:tcPr>
+                </a:tc>
+                <a:tc>
+                  <a:txBody>
+                    <a:bodyPr/>
+                    <a:lstStyle/>
+                    <a:p>
+                      <a:pPr algn="ctr" fontAlgn="b"/>
+                      <a:r>
+                        <a:rPr lang="en-GB" sz="1000" u="none" strike="noStrike" dirty="0">
+                          <a:effectLst/>
+                        </a:rPr>
+                        <a:t>PPO</a:t>
+                      </a:r>
+                      <a:endParaRPr lang="en-GB" sz="1000" b="1" i="0" u="none" strike="noStrike" dirty="0">
+                        <a:solidFill>
+                          <a:srgbClr val="000000"/>
+                        </a:solidFill>
+                        <a:effectLst/>
+                        <a:latin typeface="Times New Roman" panose="02020603050405020304" pitchFamily="18" charset="0"/>
+                      </a:endParaRPr>
+                    </a:p>
+                  </a:txBody>
+                  <a:tcPr marL="0" marR="0" marT="0" marB="0" anchor="ctr">
+                    <a:lnL w="3175" cap="flat" cmpd="sng" algn="ctr">
+                      <a:solidFill>
+                        <a:schemeClr val="tx1"/>
+                      </a:solidFill>
+                      <a:prstDash val="solid"/>
+                      <a:round/>
+                      <a:headEnd type="none" w="med" len="med"/>
+                      <a:tailEnd type="none" w="med" len="med"/>
+                    </a:lnL>
+                    <a:lnR w="3175" cap="flat" cmpd="sng" algn="ctr">
+                      <a:solidFill>
+                        <a:schemeClr val="tx1"/>
+                      </a:solidFill>
+                      <a:prstDash val="solid"/>
+                      <a:round/>
+                      <a:headEnd type="none" w="med" len="med"/>
+                      <a:tailEnd type="none" w="med" len="med"/>
+                    </a:lnR>
+                    <a:lnT w="28575" cap="flat" cmpd="sng" algn="ctr">
+                      <a:solidFill>
+                        <a:schemeClr val="tx1"/>
+                      </a:solidFill>
+                      <a:prstDash val="solid"/>
+                      <a:round/>
+                      <a:headEnd type="none" w="med" len="med"/>
+                      <a:tailEnd type="none" w="med" len="med"/>
+                    </a:lnT>
+                    <a:lnB w="19050" cap="flat" cmpd="sng" algn="ctr">
+                      <a:solidFill>
+                        <a:schemeClr val="tx1"/>
+                      </a:solidFill>
+                      <a:prstDash val="solid"/>
+                      <a:round/>
+                      <a:headEnd type="none" w="med" len="med"/>
+                      <a:tailEnd type="none" w="med" len="med"/>
+                    </a:lnB>
+                  </a:tcPr>
+                </a:tc>
+                <a:tc>
+                  <a:txBody>
+                    <a:bodyPr/>
+                    <a:lstStyle/>
+                    <a:p>
+                      <a:pPr algn="ctr" fontAlgn="b"/>
+                      <a:r>
+                        <a:rPr lang="en-GB" sz="1000" u="none" strike="noStrike" dirty="0">
+                          <a:effectLst/>
+                        </a:rPr>
+                        <a:t>X</a:t>
+                      </a:r>
+                      <a:endParaRPr lang="en-GB" sz="1000" b="1" i="0" u="none" strike="noStrike" dirty="0">
+                        <a:solidFill>
+                          <a:srgbClr val="000000"/>
+                        </a:solidFill>
+                        <a:effectLst/>
+                        <a:latin typeface="Calibri" panose="020F0502020204030204" pitchFamily="34" charset="0"/>
+                      </a:endParaRPr>
+                    </a:p>
+                  </a:txBody>
+                  <a:tcPr marL="0" marR="0" marT="0" marB="0" anchor="ctr">
+                    <a:lnL w="3175" cap="flat" cmpd="sng" algn="ctr">
+                      <a:solidFill>
+                        <a:schemeClr val="tx1"/>
+                      </a:solidFill>
+                      <a:prstDash val="solid"/>
+                      <a:round/>
+                      <a:headEnd type="none" w="med" len="med"/>
+                      <a:tailEnd type="none" w="med" len="med"/>
+                    </a:lnL>
+                    <a:lnR w="3175" cap="flat" cmpd="sng" algn="ctr">
+                      <a:solidFill>
+                        <a:schemeClr val="tx1"/>
+                      </a:solidFill>
+                      <a:prstDash val="solid"/>
+                      <a:round/>
+                      <a:headEnd type="none" w="med" len="med"/>
+                      <a:tailEnd type="none" w="med" len="med"/>
+                    </a:lnR>
+                    <a:lnT w="28575" cap="flat" cmpd="sng" algn="ctr">
+                      <a:solidFill>
+                        <a:schemeClr val="tx1"/>
+                      </a:solidFill>
+                      <a:prstDash val="solid"/>
+                      <a:round/>
+                      <a:headEnd type="none" w="med" len="med"/>
+                      <a:tailEnd type="none" w="med" len="med"/>
+                    </a:lnT>
+                    <a:lnB w="19050" cap="flat" cmpd="sng" algn="ctr">
+                      <a:solidFill>
+                        <a:schemeClr val="tx1"/>
+                      </a:solidFill>
+                      <a:prstDash val="solid"/>
+                      <a:round/>
+                      <a:headEnd type="none" w="med" len="med"/>
+                      <a:tailEnd type="none" w="med" len="med"/>
+                    </a:lnB>
+                  </a:tcPr>
+                </a:tc>
+                <a:tc>
+                  <a:txBody>
+                    <a:bodyPr/>
+                    <a:lstStyle/>
+                    <a:p>
+                      <a:pPr algn="ctr" fontAlgn="ctr"/>
+                      <a:r>
+                        <a:rPr lang="en-GB" sz="1000" u="none" strike="noStrike" dirty="0">
+                          <a:effectLst/>
+                        </a:rPr>
+                        <a:t>X</a:t>
+                      </a:r>
+                      <a:endParaRPr lang="en-GB" sz="1000" b="1" i="0" u="none" strike="noStrike" dirty="0">
+                        <a:solidFill>
+                          <a:srgbClr val="000000"/>
+                        </a:solidFill>
+                        <a:effectLst/>
+                        <a:latin typeface="Times New Roman" panose="02020603050405020304" pitchFamily="18" charset="0"/>
+                      </a:endParaRPr>
+                    </a:p>
+                  </a:txBody>
+                  <a:tcPr marL="0" marR="0" marT="0" marB="0" anchor="ctr">
+                    <a:lnL w="3175" cap="flat" cmpd="sng" algn="ctr">
+                      <a:solidFill>
+                        <a:schemeClr val="tx1"/>
+                      </a:solidFill>
+                      <a:prstDash val="solid"/>
+                      <a:round/>
+                      <a:headEnd type="none" w="med" len="med"/>
+                      <a:tailEnd type="none" w="med" len="med"/>
+                    </a:lnL>
+                    <a:lnR w="19050" cap="flat" cmpd="sng" algn="ctr">
+                      <a:solidFill>
+                        <a:schemeClr val="tx1"/>
+                      </a:solidFill>
+                      <a:prstDash val="solid"/>
+                      <a:round/>
+                      <a:headEnd type="none" w="med" len="med"/>
+                      <a:tailEnd type="none" w="med" len="med"/>
+                    </a:lnR>
+                    <a:lnT w="28575" cap="flat" cmpd="sng" algn="ctr">
+                      <a:solidFill>
+                        <a:schemeClr val="tx1"/>
+                      </a:solidFill>
+                      <a:prstDash val="solid"/>
+                      <a:round/>
+                      <a:headEnd type="none" w="med" len="med"/>
+                      <a:tailEnd type="none" w="med" len="med"/>
+                    </a:lnT>
+                    <a:lnB w="19050" cap="flat" cmpd="sng" algn="ctr">
+                      <a:solidFill>
+                        <a:schemeClr val="tx1"/>
+                      </a:solidFill>
+                      <a:prstDash val="solid"/>
+                      <a:round/>
+                      <a:headEnd type="none" w="med" len="med"/>
+                      <a:tailEnd type="none" w="med" len="med"/>
+                    </a:lnB>
+                  </a:tcPr>
+                </a:tc>
+                <a:extLst>
+                  <a:ext uri="{0D108BD9-81ED-4DB2-BD59-A6C34878D82A}">
+                    <a16:rowId xmlns:a16="http://schemas.microsoft.com/office/drawing/2014/main" val="472602932"/>
+                  </a:ext>
+                </a:extLst>
+              </a:tr>
+            </a:tbl>
+          </a:graphicData>
+        </a:graphic>
+      </p:graphicFrame>
+    </p:spTree>
+    <p:extLst>
+      <p:ext uri="{BB962C8B-B14F-4D97-AF65-F5344CB8AC3E}">
+        <p14:creationId xmlns:p14="http://schemas.microsoft.com/office/powerpoint/2010/main" val="445645378"/>
+      </p:ext>
+    </p:extLst>
+  </p:cSld>
+  <p:clrMapOvr>
+    <a:masterClrMapping/>
+  </p:clrMapOvr>
+</p:sld>
+</file>
+
+<file path=ppt/slides/slide14.xml><?xml version="1.0" encoding="utf-8"?>
 <p:sld xmlns:a="http://schemas.openxmlformats.org/drawingml/2006/main" xmlns:r="http://schemas.openxmlformats.org/officeDocument/2006/relationships" xmlns:p="http://schemas.openxmlformats.org/presentationml/2006/main">
   <p:cSld>
     <p:spTree>
@@ -26759,7 +31633,7 @@
             <a:fld id="{CE58CB1E-F828-4F11-99E0-327109AF9DA4}" type="slidenum">
               <a:rPr lang="de-DE" smtClean="0"/>
               <a:pPr/>
-              <a:t>12</a:t>
+              <a:t>14</a:t>
             </a:fld>
             <a:endParaRPr lang="de-DE"/>
           </a:p>
@@ -26950,70 +31824,7 @@
 </p:sld>
 </file>
 
-<file path=ppt/slides/slide13.xml><?xml version="1.0" encoding="utf-8"?>
-<p:sld xmlns:a="http://schemas.openxmlformats.org/drawingml/2006/main" xmlns:r="http://schemas.openxmlformats.org/officeDocument/2006/relationships" xmlns:p="http://schemas.openxmlformats.org/presentationml/2006/main">
-  <p:cSld>
-    <p:spTree>
-      <p:nvGrpSpPr>
-        <p:cNvPr id="1" name=""/>
-        <p:cNvGrpSpPr/>
-        <p:nvPr/>
-      </p:nvGrpSpPr>
-      <p:grpSpPr>
-        <a:xfrm>
-          <a:off x="0" y="0"/>
-          <a:ext cx="0" cy="0"/>
-          <a:chOff x="0" y="0"/>
-          <a:chExt cx="0" cy="0"/>
-        </a:xfrm>
-      </p:grpSpPr>
-      <p:sp>
-        <p:nvSpPr>
-          <p:cNvPr id="2" name="Title 1">
-            <a:extLst>
-              <a:ext uri="{FF2B5EF4-FFF2-40B4-BE49-F238E27FC236}">
-                <a16:creationId xmlns:a16="http://schemas.microsoft.com/office/drawing/2014/main" id="{DFE7BBAD-C53B-2C58-EB5A-C6B98E80A983}"/>
-              </a:ext>
-            </a:extLst>
-          </p:cNvPr>
-          <p:cNvSpPr>
-            <a:spLocks noGrp="1"/>
-          </p:cNvSpPr>
-          <p:nvPr>
-            <p:ph type="title"/>
-          </p:nvPr>
-        </p:nvSpPr>
-        <p:spPr>
-          <a:xfrm>
-            <a:off x="319090" y="972000"/>
-            <a:ext cx="8508999" cy="380745"/>
-          </a:xfrm>
-        </p:spPr>
-        <p:txBody>
-          <a:bodyPr/>
-          <a:lstStyle/>
-          <a:p>
-            <a:r>
-              <a:rPr lang="en-GB" dirty="0"/>
-              <a:t>Problem Formulation</a:t>
-            </a:r>
-          </a:p>
-        </p:txBody>
-      </p:sp>
-    </p:spTree>
-    <p:extLst>
-      <p:ext uri="{BB962C8B-B14F-4D97-AF65-F5344CB8AC3E}">
-        <p14:creationId xmlns:p14="http://schemas.microsoft.com/office/powerpoint/2010/main" val="2451599247"/>
-      </p:ext>
-    </p:extLst>
-  </p:cSld>
-  <p:clrMapOvr>
-    <a:masterClrMapping/>
-  </p:clrMapOvr>
-</p:sld>
-</file>
-
-<file path=ppt/slides/slide14.xml><?xml version="1.0" encoding="utf-8"?>
+<file path=ppt/slides/slide15.xml><?xml version="1.0" encoding="utf-8"?>
 <p:sld xmlns:a="http://schemas.openxmlformats.org/drawingml/2006/main" xmlns:r="http://schemas.openxmlformats.org/officeDocument/2006/relationships" xmlns:p="http://schemas.openxmlformats.org/presentationml/2006/main">
   <p:cSld>
     <p:spTree>
@@ -27035,7 +31846,7 @@
           <p:cNvPr id="2" name="Content Placeholder 1">
             <a:extLst>
               <a:ext uri="{FF2B5EF4-FFF2-40B4-BE49-F238E27FC236}">
-                <a16:creationId xmlns:a16="http://schemas.microsoft.com/office/drawing/2014/main" id="{6F225F2B-E877-0585-C48D-7D0891CF1937}"/>
+                <a16:creationId xmlns:a16="http://schemas.microsoft.com/office/drawing/2014/main" id="{FCBB7DAD-9AD0-C031-A718-CFD5BA38455F}"/>
               </a:ext>
             </a:extLst>
           </p:cNvPr>
@@ -27060,7 +31871,7 @@
           <p:cNvPr id="3" name="Title 2">
             <a:extLst>
               <a:ext uri="{FF2B5EF4-FFF2-40B4-BE49-F238E27FC236}">
-                <a16:creationId xmlns:a16="http://schemas.microsoft.com/office/drawing/2014/main" id="{1D1FDA49-0395-4CBE-3B54-1829C4C917AF}"/>
+                <a16:creationId xmlns:a16="http://schemas.microsoft.com/office/drawing/2014/main" id="{1ED8CC52-E41B-0759-AAA0-E3D296156B4D}"/>
               </a:ext>
             </a:extLst>
           </p:cNvPr>
@@ -27069,271 +31880,6 @@
           </p:cNvSpPr>
           <p:nvPr>
             <p:ph type="title"/>
-          </p:nvPr>
-        </p:nvSpPr>
-        <p:spPr>
-          <a:xfrm>
-            <a:off x="319090" y="972000"/>
-            <a:ext cx="8508999" cy="380745"/>
-          </a:xfrm>
-        </p:spPr>
-        <p:txBody>
-          <a:bodyPr/>
-          <a:lstStyle/>
-          <a:p>
-            <a:r>
-              <a:rPr lang="en-GB" dirty="0"/>
-              <a:t>Objective</a:t>
-            </a:r>
-          </a:p>
-        </p:txBody>
-      </p:sp>
-      <p:sp>
-        <p:nvSpPr>
-          <p:cNvPr id="4" name="Slide Number Placeholder 3">
-            <a:extLst>
-              <a:ext uri="{FF2B5EF4-FFF2-40B4-BE49-F238E27FC236}">
-                <a16:creationId xmlns:a16="http://schemas.microsoft.com/office/drawing/2014/main" id="{1BD14BBD-CAB7-9A4E-C4D4-41390712BD0A}"/>
-              </a:ext>
-            </a:extLst>
-          </p:cNvPr>
-          <p:cNvSpPr>
-            <a:spLocks noGrp="1"/>
-          </p:cNvSpPr>
-          <p:nvPr>
-            <p:ph type="sldNum" sz="quarter" idx="11"/>
-          </p:nvPr>
-        </p:nvSpPr>
-        <p:spPr/>
-        <p:txBody>
-          <a:bodyPr/>
-          <a:lstStyle/>
-          <a:p>
-            <a:fld id="{CE58CB1E-F828-4F11-99E0-327109AF9DA4}" type="slidenum">
-              <a:rPr lang="de-DE" smtClean="0"/>
-              <a:pPr/>
-              <a:t>14</a:t>
-            </a:fld>
-            <a:endParaRPr lang="de-DE"/>
-          </a:p>
-        </p:txBody>
-      </p:sp>
-      <p:sp>
-        <p:nvSpPr>
-          <p:cNvPr id="6" name="Fußzeilenplatzhalter 4">
-            <a:extLst>
-              <a:ext uri="{FF2B5EF4-FFF2-40B4-BE49-F238E27FC236}">
-                <a16:creationId xmlns:a16="http://schemas.microsoft.com/office/drawing/2014/main" id="{F7EE7C5C-F409-C3B8-F3D9-17F33BF0E8C4}"/>
-              </a:ext>
-            </a:extLst>
-          </p:cNvPr>
-          <p:cNvSpPr txBox="1">
-            <a:spLocks/>
-          </p:cNvSpPr>
-          <p:nvPr/>
-        </p:nvSpPr>
-        <p:spPr>
-          <a:xfrm>
-            <a:off x="311162" y="4854985"/>
-            <a:ext cx="7795890" cy="273844"/>
-          </a:xfrm>
-          <a:prstGeom prst="rect">
-            <a:avLst/>
-          </a:prstGeom>
-        </p:spPr>
-        <p:txBody>
-          <a:bodyPr/>
-          <a:lstStyle>
-            <a:defPPr>
-              <a:defRPr lang="de-DE"/>
-            </a:defPPr>
-            <a:lvl1pPr algn="l" rtl="0" fontAlgn="base">
-              <a:spcBef>
-                <a:spcPct val="0"/>
-              </a:spcBef>
-              <a:spcAft>
-                <a:spcPct val="0"/>
-              </a:spcAft>
-              <a:defRPr kern="1200">
-                <a:solidFill>
-                  <a:schemeClr val="tx1"/>
-                </a:solidFill>
-                <a:latin typeface="Arial" charset="0"/>
-                <a:ea typeface="+mn-ea"/>
-                <a:cs typeface="Arial" charset="0"/>
-              </a:defRPr>
-            </a:lvl1pPr>
-            <a:lvl2pPr marL="457200" algn="l" rtl="0" fontAlgn="base">
-              <a:spcBef>
-                <a:spcPct val="0"/>
-              </a:spcBef>
-              <a:spcAft>
-                <a:spcPct val="0"/>
-              </a:spcAft>
-              <a:defRPr kern="1200">
-                <a:solidFill>
-                  <a:schemeClr val="tx1"/>
-                </a:solidFill>
-                <a:latin typeface="Arial" charset="0"/>
-                <a:ea typeface="+mn-ea"/>
-                <a:cs typeface="Arial" charset="0"/>
-              </a:defRPr>
-            </a:lvl2pPr>
-            <a:lvl3pPr marL="914400" algn="l" rtl="0" fontAlgn="base">
-              <a:spcBef>
-                <a:spcPct val="0"/>
-              </a:spcBef>
-              <a:spcAft>
-                <a:spcPct val="0"/>
-              </a:spcAft>
-              <a:defRPr kern="1200">
-                <a:solidFill>
-                  <a:schemeClr val="tx1"/>
-                </a:solidFill>
-                <a:latin typeface="Arial" charset="0"/>
-                <a:ea typeface="+mn-ea"/>
-                <a:cs typeface="Arial" charset="0"/>
-              </a:defRPr>
-            </a:lvl3pPr>
-            <a:lvl4pPr marL="1371600" algn="l" rtl="0" fontAlgn="base">
-              <a:spcBef>
-                <a:spcPct val="0"/>
-              </a:spcBef>
-              <a:spcAft>
-                <a:spcPct val="0"/>
-              </a:spcAft>
-              <a:defRPr kern="1200">
-                <a:solidFill>
-                  <a:schemeClr val="tx1"/>
-                </a:solidFill>
-                <a:latin typeface="Arial" charset="0"/>
-                <a:ea typeface="+mn-ea"/>
-                <a:cs typeface="Arial" charset="0"/>
-              </a:defRPr>
-            </a:lvl4pPr>
-            <a:lvl5pPr marL="1828800" algn="l" rtl="0" fontAlgn="base">
-              <a:spcBef>
-                <a:spcPct val="0"/>
-              </a:spcBef>
-              <a:spcAft>
-                <a:spcPct val="0"/>
-              </a:spcAft>
-              <a:defRPr kern="1200">
-                <a:solidFill>
-                  <a:schemeClr val="tx1"/>
-                </a:solidFill>
-                <a:latin typeface="Arial" charset="0"/>
-                <a:ea typeface="+mn-ea"/>
-                <a:cs typeface="Arial" charset="0"/>
-              </a:defRPr>
-            </a:lvl5pPr>
-            <a:lvl6pPr marL="2286000" algn="l" defTabSz="914400" rtl="0" eaLnBrk="1" latinLnBrk="0" hangingPunct="1">
-              <a:defRPr kern="1200">
-                <a:solidFill>
-                  <a:schemeClr val="tx1"/>
-                </a:solidFill>
-                <a:latin typeface="Arial" charset="0"/>
-                <a:ea typeface="+mn-ea"/>
-                <a:cs typeface="Arial" charset="0"/>
-              </a:defRPr>
-            </a:lvl6pPr>
-            <a:lvl7pPr marL="2743200" algn="l" defTabSz="914400" rtl="0" eaLnBrk="1" latinLnBrk="0" hangingPunct="1">
-              <a:defRPr kern="1200">
-                <a:solidFill>
-                  <a:schemeClr val="tx1"/>
-                </a:solidFill>
-                <a:latin typeface="Arial" charset="0"/>
-                <a:ea typeface="+mn-ea"/>
-                <a:cs typeface="Arial" charset="0"/>
-              </a:defRPr>
-            </a:lvl7pPr>
-            <a:lvl8pPr marL="3200400" algn="l" defTabSz="914400" rtl="0" eaLnBrk="1" latinLnBrk="0" hangingPunct="1">
-              <a:defRPr kern="1200">
-                <a:solidFill>
-                  <a:schemeClr val="tx1"/>
-                </a:solidFill>
-                <a:latin typeface="Arial" charset="0"/>
-                <a:ea typeface="+mn-ea"/>
-                <a:cs typeface="Arial" charset="0"/>
-              </a:defRPr>
-            </a:lvl8pPr>
-            <a:lvl9pPr marL="3657600" algn="l" defTabSz="914400" rtl="0" eaLnBrk="1" latinLnBrk="0" hangingPunct="1">
-              <a:defRPr kern="1200">
-                <a:solidFill>
-                  <a:schemeClr val="tx1"/>
-                </a:solidFill>
-                <a:latin typeface="Arial" charset="0"/>
-                <a:ea typeface="+mn-ea"/>
-                <a:cs typeface="Arial" charset="0"/>
-              </a:defRPr>
-            </a:lvl9pPr>
-          </a:lstStyle>
-          <a:p>
-            <a:r>
-              <a:rPr lang="en-US" sz="1100" dirty="0">
-                <a:latin typeface="Arial"/>
-                <a:cs typeface="Arial"/>
-              </a:rPr>
-              <a:t>Chia-Ling Yang | </a:t>
-            </a:r>
-            <a:r>
-              <a:rPr lang="en-GB" sz="1100" b="0" i="0" u="none" strike="noStrike" dirty="0">
-                <a:effectLst/>
-                <a:latin typeface="Arial" panose="020B0604020202020204" pitchFamily="34" charset="0"/>
-              </a:rPr>
-              <a:t>Exploring Reinforcement Learning Solutions for EV-aware Optimal Power Flow Under Uncertainty</a:t>
-            </a:r>
-            <a:endParaRPr lang="en-US" sz="1100" dirty="0">
-              <a:latin typeface="Arial"/>
-              <a:cs typeface="Arial"/>
-            </a:endParaRPr>
-          </a:p>
-        </p:txBody>
-      </p:sp>
-    </p:spTree>
-    <p:extLst>
-      <p:ext uri="{BB962C8B-B14F-4D97-AF65-F5344CB8AC3E}">
-        <p14:creationId xmlns:p14="http://schemas.microsoft.com/office/powerpoint/2010/main" val="2760411313"/>
-      </p:ext>
-    </p:extLst>
-  </p:cSld>
-  <p:clrMapOvr>
-    <a:masterClrMapping/>
-  </p:clrMapOvr>
-</p:sld>
-</file>
-
-<file path=ppt/slides/slide15.xml><?xml version="1.0" encoding="utf-8"?>
-<p:sld xmlns:a="http://schemas.openxmlformats.org/drawingml/2006/main" xmlns:r="http://schemas.openxmlformats.org/officeDocument/2006/relationships" xmlns:p="http://schemas.openxmlformats.org/presentationml/2006/main">
-  <p:cSld>
-    <p:spTree>
-      <p:nvGrpSpPr>
-        <p:cNvPr id="1" name=""/>
-        <p:cNvGrpSpPr/>
-        <p:nvPr/>
-      </p:nvGrpSpPr>
-      <p:grpSpPr>
-        <a:xfrm>
-          <a:off x="0" y="0"/>
-          <a:ext cx="0" cy="0"/>
-          <a:chOff x="0" y="0"/>
-          <a:chExt cx="0" cy="0"/>
-        </a:xfrm>
-      </p:grpSpPr>
-      <p:sp>
-        <p:nvSpPr>
-          <p:cNvPr id="2" name="Content Placeholder 1">
-            <a:extLst>
-              <a:ext uri="{FF2B5EF4-FFF2-40B4-BE49-F238E27FC236}">
-                <a16:creationId xmlns:a16="http://schemas.microsoft.com/office/drawing/2014/main" id="{6F225F2B-E877-0585-C48D-7D0891CF1937}"/>
-              </a:ext>
-            </a:extLst>
-          </p:cNvPr>
-          <p:cNvSpPr>
-            <a:spLocks noGrp="1"/>
-          </p:cNvSpPr>
-          <p:nvPr>
-            <p:ph idx="1"/>
           </p:nvPr>
         </p:nvSpPr>
         <p:spPr/>
@@ -27347,43 +31893,10 @@
       </p:sp>
       <p:sp>
         <p:nvSpPr>
-          <p:cNvPr id="3" name="Title 2">
-            <a:extLst>
-              <a:ext uri="{FF2B5EF4-FFF2-40B4-BE49-F238E27FC236}">
-                <a16:creationId xmlns:a16="http://schemas.microsoft.com/office/drawing/2014/main" id="{1D1FDA49-0395-4CBE-3B54-1829C4C917AF}"/>
-              </a:ext>
-            </a:extLst>
-          </p:cNvPr>
-          <p:cNvSpPr>
-            <a:spLocks noGrp="1"/>
-          </p:cNvSpPr>
-          <p:nvPr>
-            <p:ph type="title"/>
-          </p:nvPr>
-        </p:nvSpPr>
-        <p:spPr>
-          <a:xfrm>
-            <a:off x="319090" y="972000"/>
-            <a:ext cx="8508999" cy="380745"/>
-          </a:xfrm>
-        </p:spPr>
-        <p:txBody>
-          <a:bodyPr/>
-          <a:lstStyle/>
-          <a:p>
-            <a:r>
-              <a:rPr lang="en-GB" dirty="0"/>
-              <a:t>Constraints</a:t>
-            </a:r>
-          </a:p>
-        </p:txBody>
-      </p:sp>
-      <p:sp>
-        <p:nvSpPr>
           <p:cNvPr id="4" name="Slide Number Placeholder 3">
             <a:extLst>
               <a:ext uri="{FF2B5EF4-FFF2-40B4-BE49-F238E27FC236}">
-                <a16:creationId xmlns:a16="http://schemas.microsoft.com/office/drawing/2014/main" id="{1BD14BBD-CAB7-9A4E-C4D4-41390712BD0A}"/>
+                <a16:creationId xmlns:a16="http://schemas.microsoft.com/office/drawing/2014/main" id="{3130F290-F5E6-5DBD-2734-8A31D7669805}"/>
               </a:ext>
             </a:extLst>
           </p:cNvPr>
@@ -27410,180 +31923,37 @@
       </p:sp>
       <p:sp>
         <p:nvSpPr>
-          <p:cNvPr id="6" name="Fußzeilenplatzhalter 4">
+          <p:cNvPr id="5" name="Footer Placeholder 4">
             <a:extLst>
               <a:ext uri="{FF2B5EF4-FFF2-40B4-BE49-F238E27FC236}">
-                <a16:creationId xmlns:a16="http://schemas.microsoft.com/office/drawing/2014/main" id="{220E5D03-F78B-CDDA-B1F3-6F1AA4B2B661}"/>
+                <a16:creationId xmlns:a16="http://schemas.microsoft.com/office/drawing/2014/main" id="{6B37E4AA-DD8F-0A02-B1DE-1FA7D195FF49}"/>
               </a:ext>
             </a:extLst>
           </p:cNvPr>
-          <p:cNvSpPr txBox="1">
-            <a:spLocks/>
+          <p:cNvSpPr>
+            <a:spLocks noGrp="1"/>
           </p:cNvSpPr>
-          <p:nvPr/>
+          <p:nvPr>
+            <p:ph type="ftr" sz="quarter" idx="12"/>
+          </p:nvPr>
         </p:nvSpPr>
-        <p:spPr>
-          <a:xfrm>
-            <a:off x="311162" y="4854985"/>
-            <a:ext cx="7795890" cy="273844"/>
-          </a:xfrm>
-          <a:prstGeom prst="rect">
-            <a:avLst/>
-          </a:prstGeom>
-        </p:spPr>
+        <p:spPr/>
         <p:txBody>
           <a:bodyPr/>
-          <a:lstStyle>
-            <a:defPPr>
-              <a:defRPr lang="de-DE"/>
-            </a:defPPr>
-            <a:lvl1pPr algn="l" rtl="0" fontAlgn="base">
-              <a:spcBef>
-                <a:spcPct val="0"/>
-              </a:spcBef>
-              <a:spcAft>
-                <a:spcPct val="0"/>
-              </a:spcAft>
-              <a:defRPr kern="1200">
-                <a:solidFill>
-                  <a:schemeClr val="tx1"/>
-                </a:solidFill>
-                <a:latin typeface="Arial" charset="0"/>
-                <a:ea typeface="+mn-ea"/>
-                <a:cs typeface="Arial" charset="0"/>
-              </a:defRPr>
-            </a:lvl1pPr>
-            <a:lvl2pPr marL="457200" algn="l" rtl="0" fontAlgn="base">
-              <a:spcBef>
-                <a:spcPct val="0"/>
-              </a:spcBef>
-              <a:spcAft>
-                <a:spcPct val="0"/>
-              </a:spcAft>
-              <a:defRPr kern="1200">
-                <a:solidFill>
-                  <a:schemeClr val="tx1"/>
-                </a:solidFill>
-                <a:latin typeface="Arial" charset="0"/>
-                <a:ea typeface="+mn-ea"/>
-                <a:cs typeface="Arial" charset="0"/>
-              </a:defRPr>
-            </a:lvl2pPr>
-            <a:lvl3pPr marL="914400" algn="l" rtl="0" fontAlgn="base">
-              <a:spcBef>
-                <a:spcPct val="0"/>
-              </a:spcBef>
-              <a:spcAft>
-                <a:spcPct val="0"/>
-              </a:spcAft>
-              <a:defRPr kern="1200">
-                <a:solidFill>
-                  <a:schemeClr val="tx1"/>
-                </a:solidFill>
-                <a:latin typeface="Arial" charset="0"/>
-                <a:ea typeface="+mn-ea"/>
-                <a:cs typeface="Arial" charset="0"/>
-              </a:defRPr>
-            </a:lvl3pPr>
-            <a:lvl4pPr marL="1371600" algn="l" rtl="0" fontAlgn="base">
-              <a:spcBef>
-                <a:spcPct val="0"/>
-              </a:spcBef>
-              <a:spcAft>
-                <a:spcPct val="0"/>
-              </a:spcAft>
-              <a:defRPr kern="1200">
-                <a:solidFill>
-                  <a:schemeClr val="tx1"/>
-                </a:solidFill>
-                <a:latin typeface="Arial" charset="0"/>
-                <a:ea typeface="+mn-ea"/>
-                <a:cs typeface="Arial" charset="0"/>
-              </a:defRPr>
-            </a:lvl4pPr>
-            <a:lvl5pPr marL="1828800" algn="l" rtl="0" fontAlgn="base">
-              <a:spcBef>
-                <a:spcPct val="0"/>
-              </a:spcBef>
-              <a:spcAft>
-                <a:spcPct val="0"/>
-              </a:spcAft>
-              <a:defRPr kern="1200">
-                <a:solidFill>
-                  <a:schemeClr val="tx1"/>
-                </a:solidFill>
-                <a:latin typeface="Arial" charset="0"/>
-                <a:ea typeface="+mn-ea"/>
-                <a:cs typeface="Arial" charset="0"/>
-              </a:defRPr>
-            </a:lvl5pPr>
-            <a:lvl6pPr marL="2286000" algn="l" defTabSz="914400" rtl="0" eaLnBrk="1" latinLnBrk="0" hangingPunct="1">
-              <a:defRPr kern="1200">
-                <a:solidFill>
-                  <a:schemeClr val="tx1"/>
-                </a:solidFill>
-                <a:latin typeface="Arial" charset="0"/>
-                <a:ea typeface="+mn-ea"/>
-                <a:cs typeface="Arial" charset="0"/>
-              </a:defRPr>
-            </a:lvl6pPr>
-            <a:lvl7pPr marL="2743200" algn="l" defTabSz="914400" rtl="0" eaLnBrk="1" latinLnBrk="0" hangingPunct="1">
-              <a:defRPr kern="1200">
-                <a:solidFill>
-                  <a:schemeClr val="tx1"/>
-                </a:solidFill>
-                <a:latin typeface="Arial" charset="0"/>
-                <a:ea typeface="+mn-ea"/>
-                <a:cs typeface="Arial" charset="0"/>
-              </a:defRPr>
-            </a:lvl7pPr>
-            <a:lvl8pPr marL="3200400" algn="l" defTabSz="914400" rtl="0" eaLnBrk="1" latinLnBrk="0" hangingPunct="1">
-              <a:defRPr kern="1200">
-                <a:solidFill>
-                  <a:schemeClr val="tx1"/>
-                </a:solidFill>
-                <a:latin typeface="Arial" charset="0"/>
-                <a:ea typeface="+mn-ea"/>
-                <a:cs typeface="Arial" charset="0"/>
-              </a:defRPr>
-            </a:lvl8pPr>
-            <a:lvl9pPr marL="3657600" algn="l" defTabSz="914400" rtl="0" eaLnBrk="1" latinLnBrk="0" hangingPunct="1">
-              <a:defRPr kern="1200">
-                <a:solidFill>
-                  <a:schemeClr val="tx1"/>
-                </a:solidFill>
-                <a:latin typeface="Arial" charset="0"/>
-                <a:ea typeface="+mn-ea"/>
-                <a:cs typeface="Arial" charset="0"/>
-              </a:defRPr>
-            </a:lvl9pPr>
-          </a:lstStyle>
+          <a:lstStyle/>
           <a:p>
             <a:r>
-              <a:rPr lang="en-US" sz="1100" dirty="0">
-                <a:latin typeface="Arial"/>
-                <a:cs typeface="Arial"/>
-              </a:rPr>
-              <a:t>Chia-Ling Yang | </a:t>
+              <a:rPr lang="de-DE"/>
+              <a:t>Dr. rer. nat. Erika Mustermann (TUM) | kann beliebig erweitert werden | Infos mit Strich trennen</a:t>
             </a:r>
-            <a:r>
-              <a:rPr lang="en-GB" sz="1100" b="0" i="0" u="none" strike="noStrike" dirty="0">
-                <a:effectLst/>
-                <a:latin typeface="Arial" panose="020B0604020202020204" pitchFamily="34" charset="0"/>
-              </a:rPr>
-              <a:t>Exploring Reinforcement Learning Solutions for EV-aware Optimal Power Flow Under Uncertainty</a:t>
-            </a:r>
-            <a:endParaRPr lang="en-US" sz="1100" dirty="0">
-              <a:latin typeface="Arial"/>
-              <a:cs typeface="Arial"/>
-            </a:endParaRPr>
+            <a:endParaRPr lang="en-US"/>
           </a:p>
         </p:txBody>
       </p:sp>
     </p:spTree>
     <p:extLst>
       <p:ext uri="{BB962C8B-B14F-4D97-AF65-F5344CB8AC3E}">
-        <p14:creationId xmlns:p14="http://schemas.microsoft.com/office/powerpoint/2010/main" val="23539303"/>
+        <p14:creationId xmlns:p14="http://schemas.microsoft.com/office/powerpoint/2010/main" val="2840879715"/>
       </p:ext>
     </p:extLst>
   </p:cSld>
@@ -27594,69 +31964,6 @@
 </file>
 
 <file path=ppt/slides/slide16.xml><?xml version="1.0" encoding="utf-8"?>
-<p:sld xmlns:a="http://schemas.openxmlformats.org/drawingml/2006/main" xmlns:r="http://schemas.openxmlformats.org/officeDocument/2006/relationships" xmlns:p="http://schemas.openxmlformats.org/presentationml/2006/main">
-  <p:cSld>
-    <p:spTree>
-      <p:nvGrpSpPr>
-        <p:cNvPr id="1" name=""/>
-        <p:cNvGrpSpPr/>
-        <p:nvPr/>
-      </p:nvGrpSpPr>
-      <p:grpSpPr>
-        <a:xfrm>
-          <a:off x="0" y="0"/>
-          <a:ext cx="0" cy="0"/>
-          <a:chOff x="0" y="0"/>
-          <a:chExt cx="0" cy="0"/>
-        </a:xfrm>
-      </p:grpSpPr>
-      <p:sp>
-        <p:nvSpPr>
-          <p:cNvPr id="2" name="Title 1">
-            <a:extLst>
-              <a:ext uri="{FF2B5EF4-FFF2-40B4-BE49-F238E27FC236}">
-                <a16:creationId xmlns:a16="http://schemas.microsoft.com/office/drawing/2014/main" id="{7ED5D507-D67B-6AC1-0238-269C4F29E49B}"/>
-              </a:ext>
-            </a:extLst>
-          </p:cNvPr>
-          <p:cNvSpPr>
-            <a:spLocks noGrp="1"/>
-          </p:cNvSpPr>
-          <p:nvPr>
-            <p:ph type="title"/>
-          </p:nvPr>
-        </p:nvSpPr>
-        <p:spPr>
-          <a:xfrm>
-            <a:off x="319090" y="972000"/>
-            <a:ext cx="8508999" cy="380745"/>
-          </a:xfrm>
-        </p:spPr>
-        <p:txBody>
-          <a:bodyPr/>
-          <a:lstStyle/>
-          <a:p>
-            <a:r>
-              <a:rPr lang="en-GB" dirty="0"/>
-              <a:t>Literature Review</a:t>
-            </a:r>
-          </a:p>
-        </p:txBody>
-      </p:sp>
-    </p:spTree>
-    <p:extLst>
-      <p:ext uri="{BB962C8B-B14F-4D97-AF65-F5344CB8AC3E}">
-        <p14:creationId xmlns:p14="http://schemas.microsoft.com/office/powerpoint/2010/main" val="2334249610"/>
-      </p:ext>
-    </p:extLst>
-  </p:cSld>
-  <p:clrMapOvr>
-    <a:masterClrMapping/>
-  </p:clrMapOvr>
-</p:sld>
-</file>
-
-<file path=ppt/slides/slide17.xml><?xml version="1.0" encoding="utf-8"?>
 <p:sld xmlns:a="http://schemas.openxmlformats.org/drawingml/2006/main" xmlns:r="http://schemas.openxmlformats.org/officeDocument/2006/relationships" xmlns:p="http://schemas.openxmlformats.org/presentationml/2006/main">
   <p:cSld>
     <p:spTree>
@@ -27747,7 +32054,7 @@
             <a:fld id="{CE58CB1E-F828-4F11-99E0-327109AF9DA4}" type="slidenum">
               <a:rPr lang="de-DE" smtClean="0"/>
               <a:pPr/>
-              <a:t>17</a:t>
+              <a:t>16</a:t>
             </a:fld>
             <a:endParaRPr lang="de-DE"/>
           </a:p>
@@ -27938,7 +32245,7 @@
 </p:sld>
 </file>
 
-<file path=ppt/slides/slide18.xml><?xml version="1.0" encoding="utf-8"?>
+<file path=ppt/slides/slide17.xml><?xml version="1.0" encoding="utf-8"?>
 <p:sld xmlns:a="http://schemas.openxmlformats.org/drawingml/2006/main" xmlns:r="http://schemas.openxmlformats.org/officeDocument/2006/relationships" xmlns:p="http://schemas.openxmlformats.org/presentationml/2006/main">
   <p:cSld>
     <p:spTree>
@@ -28001,7 +32308,7 @@
 </p:sld>
 </file>
 
-<file path=ppt/slides/slide19.xml><?xml version="1.0" encoding="utf-8"?>
+<file path=ppt/slides/slide18.xml><?xml version="1.0" encoding="utf-8"?>
 <p:sld xmlns:a="http://schemas.openxmlformats.org/drawingml/2006/main" xmlns:r="http://schemas.openxmlformats.org/officeDocument/2006/relationships" xmlns:p="http://schemas.openxmlformats.org/presentationml/2006/main">
   <p:cSld>
     <p:spTree>
@@ -28100,7 +32407,7 @@
             <a:fld id="{CE58CB1E-F828-4F11-99E0-327109AF9DA4}" type="slidenum">
               <a:rPr lang="de-DE" smtClean="0"/>
               <a:pPr/>
-              <a:t>19</a:t>
+              <a:t>18</a:t>
             </a:fld>
             <a:endParaRPr lang="de-DE"/>
           </a:p>
@@ -28282,6 +32589,296 @@
     <p:extLst>
       <p:ext uri="{BB962C8B-B14F-4D97-AF65-F5344CB8AC3E}">
         <p14:creationId xmlns:p14="http://schemas.microsoft.com/office/powerpoint/2010/main" val="3422835339"/>
+      </p:ext>
+    </p:extLst>
+  </p:cSld>
+  <p:clrMapOvr>
+    <a:masterClrMapping/>
+  </p:clrMapOvr>
+</p:sld>
+</file>
+
+<file path=ppt/slides/slide19.xml><?xml version="1.0" encoding="utf-8"?>
+<p:sld xmlns:a="http://schemas.openxmlformats.org/drawingml/2006/main" xmlns:r="http://schemas.openxmlformats.org/officeDocument/2006/relationships" xmlns:p="http://schemas.openxmlformats.org/presentationml/2006/main">
+  <p:cSld>
+    <p:spTree>
+      <p:nvGrpSpPr>
+        <p:cNvPr id="1" name=""/>
+        <p:cNvGrpSpPr/>
+        <p:nvPr/>
+      </p:nvGrpSpPr>
+      <p:grpSpPr>
+        <a:xfrm>
+          <a:off x="0" y="0"/>
+          <a:ext cx="0" cy="0"/>
+          <a:chOff x="0" y="0"/>
+          <a:chExt cx="0" cy="0"/>
+        </a:xfrm>
+      </p:grpSpPr>
+      <p:sp>
+        <p:nvSpPr>
+          <p:cNvPr id="2" name="Content Placeholder 1">
+            <a:extLst>
+              <a:ext uri="{FF2B5EF4-FFF2-40B4-BE49-F238E27FC236}">
+                <a16:creationId xmlns:a16="http://schemas.microsoft.com/office/drawing/2014/main" id="{A8536EE9-6FBB-D2D3-BC4F-23806F102B94}"/>
+              </a:ext>
+            </a:extLst>
+          </p:cNvPr>
+          <p:cNvSpPr>
+            <a:spLocks noGrp="1"/>
+          </p:cNvSpPr>
+          <p:nvPr>
+            <p:ph idx="1"/>
+          </p:nvPr>
+        </p:nvSpPr>
+        <p:spPr/>
+        <p:txBody>
+          <a:bodyPr/>
+          <a:lstStyle/>
+          <a:p>
+            <a:endParaRPr lang="en-GB"/>
+          </a:p>
+        </p:txBody>
+      </p:sp>
+      <p:sp>
+        <p:nvSpPr>
+          <p:cNvPr id="3" name="Title 2">
+            <a:extLst>
+              <a:ext uri="{FF2B5EF4-FFF2-40B4-BE49-F238E27FC236}">
+                <a16:creationId xmlns:a16="http://schemas.microsoft.com/office/drawing/2014/main" id="{7C712CB2-5B99-184D-757F-ABF2243E9B12}"/>
+              </a:ext>
+            </a:extLst>
+          </p:cNvPr>
+          <p:cNvSpPr>
+            <a:spLocks noGrp="1"/>
+          </p:cNvSpPr>
+          <p:nvPr>
+            <p:ph type="title"/>
+          </p:nvPr>
+        </p:nvSpPr>
+        <p:spPr>
+          <a:xfrm>
+            <a:off x="319090" y="972000"/>
+            <a:ext cx="8508999" cy="380745"/>
+          </a:xfrm>
+        </p:spPr>
+        <p:txBody>
+          <a:bodyPr/>
+          <a:lstStyle/>
+          <a:p>
+            <a:r>
+              <a:rPr lang="en-GB" dirty="0"/>
+              <a:t>Actor-Critic Framework</a:t>
+            </a:r>
+          </a:p>
+        </p:txBody>
+      </p:sp>
+      <p:sp>
+        <p:nvSpPr>
+          <p:cNvPr id="4" name="Slide Number Placeholder 3">
+            <a:extLst>
+              <a:ext uri="{FF2B5EF4-FFF2-40B4-BE49-F238E27FC236}">
+                <a16:creationId xmlns:a16="http://schemas.microsoft.com/office/drawing/2014/main" id="{604D6851-3417-1596-57A7-978351BA6007}"/>
+              </a:ext>
+            </a:extLst>
+          </p:cNvPr>
+          <p:cNvSpPr>
+            <a:spLocks noGrp="1"/>
+          </p:cNvSpPr>
+          <p:nvPr>
+            <p:ph type="sldNum" sz="quarter" idx="11"/>
+          </p:nvPr>
+        </p:nvSpPr>
+        <p:spPr/>
+        <p:txBody>
+          <a:bodyPr/>
+          <a:lstStyle/>
+          <a:p>
+            <a:fld id="{CE58CB1E-F828-4F11-99E0-327109AF9DA4}" type="slidenum">
+              <a:rPr lang="de-DE" smtClean="0"/>
+              <a:pPr/>
+              <a:t>19</a:t>
+            </a:fld>
+            <a:endParaRPr lang="de-DE"/>
+          </a:p>
+        </p:txBody>
+      </p:sp>
+      <p:sp>
+        <p:nvSpPr>
+          <p:cNvPr id="6" name="Fußzeilenplatzhalter 4">
+            <a:extLst>
+              <a:ext uri="{FF2B5EF4-FFF2-40B4-BE49-F238E27FC236}">
+                <a16:creationId xmlns:a16="http://schemas.microsoft.com/office/drawing/2014/main" id="{7805BC9D-4D6F-A053-0504-0E9908ABE56B}"/>
+              </a:ext>
+            </a:extLst>
+          </p:cNvPr>
+          <p:cNvSpPr txBox="1">
+            <a:spLocks/>
+          </p:cNvSpPr>
+          <p:nvPr/>
+        </p:nvSpPr>
+        <p:spPr>
+          <a:xfrm>
+            <a:off x="311162" y="4854985"/>
+            <a:ext cx="7795890" cy="273844"/>
+          </a:xfrm>
+          <a:prstGeom prst="rect">
+            <a:avLst/>
+          </a:prstGeom>
+        </p:spPr>
+        <p:txBody>
+          <a:bodyPr/>
+          <a:lstStyle>
+            <a:defPPr>
+              <a:defRPr lang="de-DE"/>
+            </a:defPPr>
+            <a:lvl1pPr algn="l" rtl="0" fontAlgn="base">
+              <a:spcBef>
+                <a:spcPct val="0"/>
+              </a:spcBef>
+              <a:spcAft>
+                <a:spcPct val="0"/>
+              </a:spcAft>
+              <a:defRPr kern="1200">
+                <a:solidFill>
+                  <a:schemeClr val="tx1"/>
+                </a:solidFill>
+                <a:latin typeface="Arial" charset="0"/>
+                <a:ea typeface="+mn-ea"/>
+                <a:cs typeface="Arial" charset="0"/>
+              </a:defRPr>
+            </a:lvl1pPr>
+            <a:lvl2pPr marL="457200" algn="l" rtl="0" fontAlgn="base">
+              <a:spcBef>
+                <a:spcPct val="0"/>
+              </a:spcBef>
+              <a:spcAft>
+                <a:spcPct val="0"/>
+              </a:spcAft>
+              <a:defRPr kern="1200">
+                <a:solidFill>
+                  <a:schemeClr val="tx1"/>
+                </a:solidFill>
+                <a:latin typeface="Arial" charset="0"/>
+                <a:ea typeface="+mn-ea"/>
+                <a:cs typeface="Arial" charset="0"/>
+              </a:defRPr>
+            </a:lvl2pPr>
+            <a:lvl3pPr marL="914400" algn="l" rtl="0" fontAlgn="base">
+              <a:spcBef>
+                <a:spcPct val="0"/>
+              </a:spcBef>
+              <a:spcAft>
+                <a:spcPct val="0"/>
+              </a:spcAft>
+              <a:defRPr kern="1200">
+                <a:solidFill>
+                  <a:schemeClr val="tx1"/>
+                </a:solidFill>
+                <a:latin typeface="Arial" charset="0"/>
+                <a:ea typeface="+mn-ea"/>
+                <a:cs typeface="Arial" charset="0"/>
+              </a:defRPr>
+            </a:lvl3pPr>
+            <a:lvl4pPr marL="1371600" algn="l" rtl="0" fontAlgn="base">
+              <a:spcBef>
+                <a:spcPct val="0"/>
+              </a:spcBef>
+              <a:spcAft>
+                <a:spcPct val="0"/>
+              </a:spcAft>
+              <a:defRPr kern="1200">
+                <a:solidFill>
+                  <a:schemeClr val="tx1"/>
+                </a:solidFill>
+                <a:latin typeface="Arial" charset="0"/>
+                <a:ea typeface="+mn-ea"/>
+                <a:cs typeface="Arial" charset="0"/>
+              </a:defRPr>
+            </a:lvl4pPr>
+            <a:lvl5pPr marL="1828800" algn="l" rtl="0" fontAlgn="base">
+              <a:spcBef>
+                <a:spcPct val="0"/>
+              </a:spcBef>
+              <a:spcAft>
+                <a:spcPct val="0"/>
+              </a:spcAft>
+              <a:defRPr kern="1200">
+                <a:solidFill>
+                  <a:schemeClr val="tx1"/>
+                </a:solidFill>
+                <a:latin typeface="Arial" charset="0"/>
+                <a:ea typeface="+mn-ea"/>
+                <a:cs typeface="Arial" charset="0"/>
+              </a:defRPr>
+            </a:lvl5pPr>
+            <a:lvl6pPr marL="2286000" algn="l" defTabSz="914400" rtl="0" eaLnBrk="1" latinLnBrk="0" hangingPunct="1">
+              <a:defRPr kern="1200">
+                <a:solidFill>
+                  <a:schemeClr val="tx1"/>
+                </a:solidFill>
+                <a:latin typeface="Arial" charset="0"/>
+                <a:ea typeface="+mn-ea"/>
+                <a:cs typeface="Arial" charset="0"/>
+              </a:defRPr>
+            </a:lvl6pPr>
+            <a:lvl7pPr marL="2743200" algn="l" defTabSz="914400" rtl="0" eaLnBrk="1" latinLnBrk="0" hangingPunct="1">
+              <a:defRPr kern="1200">
+                <a:solidFill>
+                  <a:schemeClr val="tx1"/>
+                </a:solidFill>
+                <a:latin typeface="Arial" charset="0"/>
+                <a:ea typeface="+mn-ea"/>
+                <a:cs typeface="Arial" charset="0"/>
+              </a:defRPr>
+            </a:lvl7pPr>
+            <a:lvl8pPr marL="3200400" algn="l" defTabSz="914400" rtl="0" eaLnBrk="1" latinLnBrk="0" hangingPunct="1">
+              <a:defRPr kern="1200">
+                <a:solidFill>
+                  <a:schemeClr val="tx1"/>
+                </a:solidFill>
+                <a:latin typeface="Arial" charset="0"/>
+                <a:ea typeface="+mn-ea"/>
+                <a:cs typeface="Arial" charset="0"/>
+              </a:defRPr>
+            </a:lvl8pPr>
+            <a:lvl9pPr marL="3657600" algn="l" defTabSz="914400" rtl="0" eaLnBrk="1" latinLnBrk="0" hangingPunct="1">
+              <a:defRPr kern="1200">
+                <a:solidFill>
+                  <a:schemeClr val="tx1"/>
+                </a:solidFill>
+                <a:latin typeface="Arial" charset="0"/>
+                <a:ea typeface="+mn-ea"/>
+                <a:cs typeface="Arial" charset="0"/>
+              </a:defRPr>
+            </a:lvl9pPr>
+          </a:lstStyle>
+          <a:p>
+            <a:r>
+              <a:rPr lang="en-US" sz="1100" dirty="0">
+                <a:latin typeface="Arial"/>
+                <a:cs typeface="Arial"/>
+              </a:rPr>
+              <a:t>Chia-Ling Yang | </a:t>
+            </a:r>
+            <a:r>
+              <a:rPr lang="en-GB" sz="1100" b="0" i="0" u="none" strike="noStrike" dirty="0">
+                <a:effectLst/>
+                <a:latin typeface="Arial" panose="020B0604020202020204" pitchFamily="34" charset="0"/>
+              </a:rPr>
+              <a:t>Exploring Reinforcement Learning Solutions for EV-aware Optimal Power Flow Under Uncertainty</a:t>
+            </a:r>
+            <a:endParaRPr lang="en-US" sz="1100" dirty="0">
+              <a:latin typeface="Arial"/>
+              <a:cs typeface="Arial"/>
+            </a:endParaRPr>
+          </a:p>
+        </p:txBody>
+      </p:sp>
+    </p:spTree>
+    <p:extLst>
+      <p:ext uri="{BB962C8B-B14F-4D97-AF65-F5344CB8AC3E}">
+        <p14:creationId xmlns:p14="http://schemas.microsoft.com/office/powerpoint/2010/main" val="3158509232"/>
       </p:ext>
     </p:extLst>
   </p:cSld>
@@ -28750,296 +33347,6 @@
           <p:cNvPr id="2" name="Content Placeholder 1">
             <a:extLst>
               <a:ext uri="{FF2B5EF4-FFF2-40B4-BE49-F238E27FC236}">
-                <a16:creationId xmlns:a16="http://schemas.microsoft.com/office/drawing/2014/main" id="{A8536EE9-6FBB-D2D3-BC4F-23806F102B94}"/>
-              </a:ext>
-            </a:extLst>
-          </p:cNvPr>
-          <p:cNvSpPr>
-            <a:spLocks noGrp="1"/>
-          </p:cNvSpPr>
-          <p:nvPr>
-            <p:ph idx="1"/>
-          </p:nvPr>
-        </p:nvSpPr>
-        <p:spPr/>
-        <p:txBody>
-          <a:bodyPr/>
-          <a:lstStyle/>
-          <a:p>
-            <a:endParaRPr lang="en-GB"/>
-          </a:p>
-        </p:txBody>
-      </p:sp>
-      <p:sp>
-        <p:nvSpPr>
-          <p:cNvPr id="3" name="Title 2">
-            <a:extLst>
-              <a:ext uri="{FF2B5EF4-FFF2-40B4-BE49-F238E27FC236}">
-                <a16:creationId xmlns:a16="http://schemas.microsoft.com/office/drawing/2014/main" id="{7C712CB2-5B99-184D-757F-ABF2243E9B12}"/>
-              </a:ext>
-            </a:extLst>
-          </p:cNvPr>
-          <p:cNvSpPr>
-            <a:spLocks noGrp="1"/>
-          </p:cNvSpPr>
-          <p:nvPr>
-            <p:ph type="title"/>
-          </p:nvPr>
-        </p:nvSpPr>
-        <p:spPr>
-          <a:xfrm>
-            <a:off x="319090" y="972000"/>
-            <a:ext cx="8508999" cy="380745"/>
-          </a:xfrm>
-        </p:spPr>
-        <p:txBody>
-          <a:bodyPr/>
-          <a:lstStyle/>
-          <a:p>
-            <a:r>
-              <a:rPr lang="en-GB" dirty="0"/>
-              <a:t>Actor-Critic Framework</a:t>
-            </a:r>
-          </a:p>
-        </p:txBody>
-      </p:sp>
-      <p:sp>
-        <p:nvSpPr>
-          <p:cNvPr id="4" name="Slide Number Placeholder 3">
-            <a:extLst>
-              <a:ext uri="{FF2B5EF4-FFF2-40B4-BE49-F238E27FC236}">
-                <a16:creationId xmlns:a16="http://schemas.microsoft.com/office/drawing/2014/main" id="{604D6851-3417-1596-57A7-978351BA6007}"/>
-              </a:ext>
-            </a:extLst>
-          </p:cNvPr>
-          <p:cNvSpPr>
-            <a:spLocks noGrp="1"/>
-          </p:cNvSpPr>
-          <p:nvPr>
-            <p:ph type="sldNum" sz="quarter" idx="11"/>
-          </p:nvPr>
-        </p:nvSpPr>
-        <p:spPr/>
-        <p:txBody>
-          <a:bodyPr/>
-          <a:lstStyle/>
-          <a:p>
-            <a:fld id="{CE58CB1E-F828-4F11-99E0-327109AF9DA4}" type="slidenum">
-              <a:rPr lang="de-DE" smtClean="0"/>
-              <a:pPr/>
-              <a:t>20</a:t>
-            </a:fld>
-            <a:endParaRPr lang="de-DE"/>
-          </a:p>
-        </p:txBody>
-      </p:sp>
-      <p:sp>
-        <p:nvSpPr>
-          <p:cNvPr id="6" name="Fußzeilenplatzhalter 4">
-            <a:extLst>
-              <a:ext uri="{FF2B5EF4-FFF2-40B4-BE49-F238E27FC236}">
-                <a16:creationId xmlns:a16="http://schemas.microsoft.com/office/drawing/2014/main" id="{7805BC9D-4D6F-A053-0504-0E9908ABE56B}"/>
-              </a:ext>
-            </a:extLst>
-          </p:cNvPr>
-          <p:cNvSpPr txBox="1">
-            <a:spLocks/>
-          </p:cNvSpPr>
-          <p:nvPr/>
-        </p:nvSpPr>
-        <p:spPr>
-          <a:xfrm>
-            <a:off x="311162" y="4854985"/>
-            <a:ext cx="7795890" cy="273844"/>
-          </a:xfrm>
-          <a:prstGeom prst="rect">
-            <a:avLst/>
-          </a:prstGeom>
-        </p:spPr>
-        <p:txBody>
-          <a:bodyPr/>
-          <a:lstStyle>
-            <a:defPPr>
-              <a:defRPr lang="de-DE"/>
-            </a:defPPr>
-            <a:lvl1pPr algn="l" rtl="0" fontAlgn="base">
-              <a:spcBef>
-                <a:spcPct val="0"/>
-              </a:spcBef>
-              <a:spcAft>
-                <a:spcPct val="0"/>
-              </a:spcAft>
-              <a:defRPr kern="1200">
-                <a:solidFill>
-                  <a:schemeClr val="tx1"/>
-                </a:solidFill>
-                <a:latin typeface="Arial" charset="0"/>
-                <a:ea typeface="+mn-ea"/>
-                <a:cs typeface="Arial" charset="0"/>
-              </a:defRPr>
-            </a:lvl1pPr>
-            <a:lvl2pPr marL="457200" algn="l" rtl="0" fontAlgn="base">
-              <a:spcBef>
-                <a:spcPct val="0"/>
-              </a:spcBef>
-              <a:spcAft>
-                <a:spcPct val="0"/>
-              </a:spcAft>
-              <a:defRPr kern="1200">
-                <a:solidFill>
-                  <a:schemeClr val="tx1"/>
-                </a:solidFill>
-                <a:latin typeface="Arial" charset="0"/>
-                <a:ea typeface="+mn-ea"/>
-                <a:cs typeface="Arial" charset="0"/>
-              </a:defRPr>
-            </a:lvl2pPr>
-            <a:lvl3pPr marL="914400" algn="l" rtl="0" fontAlgn="base">
-              <a:spcBef>
-                <a:spcPct val="0"/>
-              </a:spcBef>
-              <a:spcAft>
-                <a:spcPct val="0"/>
-              </a:spcAft>
-              <a:defRPr kern="1200">
-                <a:solidFill>
-                  <a:schemeClr val="tx1"/>
-                </a:solidFill>
-                <a:latin typeface="Arial" charset="0"/>
-                <a:ea typeface="+mn-ea"/>
-                <a:cs typeface="Arial" charset="0"/>
-              </a:defRPr>
-            </a:lvl3pPr>
-            <a:lvl4pPr marL="1371600" algn="l" rtl="0" fontAlgn="base">
-              <a:spcBef>
-                <a:spcPct val="0"/>
-              </a:spcBef>
-              <a:spcAft>
-                <a:spcPct val="0"/>
-              </a:spcAft>
-              <a:defRPr kern="1200">
-                <a:solidFill>
-                  <a:schemeClr val="tx1"/>
-                </a:solidFill>
-                <a:latin typeface="Arial" charset="0"/>
-                <a:ea typeface="+mn-ea"/>
-                <a:cs typeface="Arial" charset="0"/>
-              </a:defRPr>
-            </a:lvl4pPr>
-            <a:lvl5pPr marL="1828800" algn="l" rtl="0" fontAlgn="base">
-              <a:spcBef>
-                <a:spcPct val="0"/>
-              </a:spcBef>
-              <a:spcAft>
-                <a:spcPct val="0"/>
-              </a:spcAft>
-              <a:defRPr kern="1200">
-                <a:solidFill>
-                  <a:schemeClr val="tx1"/>
-                </a:solidFill>
-                <a:latin typeface="Arial" charset="0"/>
-                <a:ea typeface="+mn-ea"/>
-                <a:cs typeface="Arial" charset="0"/>
-              </a:defRPr>
-            </a:lvl5pPr>
-            <a:lvl6pPr marL="2286000" algn="l" defTabSz="914400" rtl="0" eaLnBrk="1" latinLnBrk="0" hangingPunct="1">
-              <a:defRPr kern="1200">
-                <a:solidFill>
-                  <a:schemeClr val="tx1"/>
-                </a:solidFill>
-                <a:latin typeface="Arial" charset="0"/>
-                <a:ea typeface="+mn-ea"/>
-                <a:cs typeface="Arial" charset="0"/>
-              </a:defRPr>
-            </a:lvl6pPr>
-            <a:lvl7pPr marL="2743200" algn="l" defTabSz="914400" rtl="0" eaLnBrk="1" latinLnBrk="0" hangingPunct="1">
-              <a:defRPr kern="1200">
-                <a:solidFill>
-                  <a:schemeClr val="tx1"/>
-                </a:solidFill>
-                <a:latin typeface="Arial" charset="0"/>
-                <a:ea typeface="+mn-ea"/>
-                <a:cs typeface="Arial" charset="0"/>
-              </a:defRPr>
-            </a:lvl7pPr>
-            <a:lvl8pPr marL="3200400" algn="l" defTabSz="914400" rtl="0" eaLnBrk="1" latinLnBrk="0" hangingPunct="1">
-              <a:defRPr kern="1200">
-                <a:solidFill>
-                  <a:schemeClr val="tx1"/>
-                </a:solidFill>
-                <a:latin typeface="Arial" charset="0"/>
-                <a:ea typeface="+mn-ea"/>
-                <a:cs typeface="Arial" charset="0"/>
-              </a:defRPr>
-            </a:lvl8pPr>
-            <a:lvl9pPr marL="3657600" algn="l" defTabSz="914400" rtl="0" eaLnBrk="1" latinLnBrk="0" hangingPunct="1">
-              <a:defRPr kern="1200">
-                <a:solidFill>
-                  <a:schemeClr val="tx1"/>
-                </a:solidFill>
-                <a:latin typeface="Arial" charset="0"/>
-                <a:ea typeface="+mn-ea"/>
-                <a:cs typeface="Arial" charset="0"/>
-              </a:defRPr>
-            </a:lvl9pPr>
-          </a:lstStyle>
-          <a:p>
-            <a:r>
-              <a:rPr lang="en-US" sz="1100" dirty="0">
-                <a:latin typeface="Arial"/>
-                <a:cs typeface="Arial"/>
-              </a:rPr>
-              <a:t>Chia-Ling Yang | </a:t>
-            </a:r>
-            <a:r>
-              <a:rPr lang="en-GB" sz="1100" b="0" i="0" u="none" strike="noStrike" dirty="0">
-                <a:effectLst/>
-                <a:latin typeface="Arial" panose="020B0604020202020204" pitchFamily="34" charset="0"/>
-              </a:rPr>
-              <a:t>Exploring Reinforcement Learning Solutions for EV-aware Optimal Power Flow Under Uncertainty</a:t>
-            </a:r>
-            <a:endParaRPr lang="en-US" sz="1100" dirty="0">
-              <a:latin typeface="Arial"/>
-              <a:cs typeface="Arial"/>
-            </a:endParaRPr>
-          </a:p>
-        </p:txBody>
-      </p:sp>
-    </p:spTree>
-    <p:extLst>
-      <p:ext uri="{BB962C8B-B14F-4D97-AF65-F5344CB8AC3E}">
-        <p14:creationId xmlns:p14="http://schemas.microsoft.com/office/powerpoint/2010/main" val="3158509232"/>
-      </p:ext>
-    </p:extLst>
-  </p:cSld>
-  <p:clrMapOvr>
-    <a:masterClrMapping/>
-  </p:clrMapOvr>
-</p:sld>
-</file>
-
-<file path=ppt/slides/slide21.xml><?xml version="1.0" encoding="utf-8"?>
-<p:sld xmlns:a="http://schemas.openxmlformats.org/drawingml/2006/main" xmlns:r="http://schemas.openxmlformats.org/officeDocument/2006/relationships" xmlns:p="http://schemas.openxmlformats.org/presentationml/2006/main">
-  <p:cSld>
-    <p:spTree>
-      <p:nvGrpSpPr>
-        <p:cNvPr id="1" name=""/>
-        <p:cNvGrpSpPr/>
-        <p:nvPr/>
-      </p:nvGrpSpPr>
-      <p:grpSpPr>
-        <a:xfrm>
-          <a:off x="0" y="0"/>
-          <a:ext cx="0" cy="0"/>
-          <a:chOff x="0" y="0"/>
-          <a:chExt cx="0" cy="0"/>
-        </a:xfrm>
-      </p:grpSpPr>
-      <p:sp>
-        <p:nvSpPr>
-          <p:cNvPr id="2" name="Content Placeholder 1">
-            <a:extLst>
-              <a:ext uri="{FF2B5EF4-FFF2-40B4-BE49-F238E27FC236}">
                 <a16:creationId xmlns:a16="http://schemas.microsoft.com/office/drawing/2014/main" id="{9267299A-E9EA-55CB-8507-AD3A93995602}"/>
               </a:ext>
             </a:extLst>
@@ -29117,7 +33424,7 @@
             <a:fld id="{CE58CB1E-F828-4F11-99E0-327109AF9DA4}" type="slidenum">
               <a:rPr lang="de-DE" smtClean="0"/>
               <a:pPr/>
-              <a:t>21</a:t>
+              <a:t>20</a:t>
             </a:fld>
             <a:endParaRPr lang="de-DE"/>
           </a:p>
@@ -29308,7 +33615,7 @@
 </p:sld>
 </file>
 
-<file path=ppt/slides/slide22.xml><?xml version="1.0" encoding="utf-8"?>
+<file path=ppt/slides/slide21.xml><?xml version="1.0" encoding="utf-8"?>
 <p:sld xmlns:a="http://schemas.openxmlformats.org/drawingml/2006/main" xmlns:r="http://schemas.openxmlformats.org/officeDocument/2006/relationships" xmlns:p="http://schemas.openxmlformats.org/presentationml/2006/main">
   <p:cSld>
     <p:spTree>
@@ -29371,7 +33678,7 @@
 </p:sld>
 </file>
 
-<file path=ppt/slides/slide23.xml><?xml version="1.0" encoding="utf-8"?>
+<file path=ppt/slides/slide22.xml><?xml version="1.0" encoding="utf-8"?>
 <p:sld xmlns:a="http://schemas.openxmlformats.org/drawingml/2006/main" xmlns:r="http://schemas.openxmlformats.org/officeDocument/2006/relationships" xmlns:p="http://schemas.openxmlformats.org/presentationml/2006/main">
   <p:cSld>
     <p:spTree>
@@ -29463,6 +33770,314 @@
             <a:r>
               <a:rPr lang="en-GB" dirty="0"/>
               <a:t>Critical Components in RL</a:t>
+            </a:r>
+          </a:p>
+        </p:txBody>
+      </p:sp>
+      <p:sp>
+        <p:nvSpPr>
+          <p:cNvPr id="4" name="Slide Number Placeholder 3">
+            <a:extLst>
+              <a:ext uri="{FF2B5EF4-FFF2-40B4-BE49-F238E27FC236}">
+                <a16:creationId xmlns:a16="http://schemas.microsoft.com/office/drawing/2014/main" id="{72D8B1F9-D91A-D57A-9DA1-037B38FF2C3C}"/>
+              </a:ext>
+            </a:extLst>
+          </p:cNvPr>
+          <p:cNvSpPr>
+            <a:spLocks noGrp="1"/>
+          </p:cNvSpPr>
+          <p:nvPr>
+            <p:ph type="sldNum" sz="quarter" idx="11"/>
+          </p:nvPr>
+        </p:nvSpPr>
+        <p:spPr/>
+        <p:txBody>
+          <a:bodyPr/>
+          <a:lstStyle/>
+          <a:p>
+            <a:fld id="{CE58CB1E-F828-4F11-99E0-327109AF9DA4}" type="slidenum">
+              <a:rPr lang="de-DE" smtClean="0"/>
+              <a:pPr/>
+              <a:t>22</a:t>
+            </a:fld>
+            <a:endParaRPr lang="de-DE"/>
+          </a:p>
+        </p:txBody>
+      </p:sp>
+      <p:sp>
+        <p:nvSpPr>
+          <p:cNvPr id="6" name="Fußzeilenplatzhalter 4">
+            <a:extLst>
+              <a:ext uri="{FF2B5EF4-FFF2-40B4-BE49-F238E27FC236}">
+                <a16:creationId xmlns:a16="http://schemas.microsoft.com/office/drawing/2014/main" id="{9B4DF47D-2ED0-EAD2-B1B0-96A4301B23FE}"/>
+              </a:ext>
+            </a:extLst>
+          </p:cNvPr>
+          <p:cNvSpPr txBox="1">
+            <a:spLocks/>
+          </p:cNvSpPr>
+          <p:nvPr/>
+        </p:nvSpPr>
+        <p:spPr>
+          <a:xfrm>
+            <a:off x="311162" y="4854985"/>
+            <a:ext cx="7795890" cy="273844"/>
+          </a:xfrm>
+          <a:prstGeom prst="rect">
+            <a:avLst/>
+          </a:prstGeom>
+        </p:spPr>
+        <p:txBody>
+          <a:bodyPr/>
+          <a:lstStyle>
+            <a:defPPr>
+              <a:defRPr lang="de-DE"/>
+            </a:defPPr>
+            <a:lvl1pPr algn="l" rtl="0" fontAlgn="base">
+              <a:spcBef>
+                <a:spcPct val="0"/>
+              </a:spcBef>
+              <a:spcAft>
+                <a:spcPct val="0"/>
+              </a:spcAft>
+              <a:defRPr kern="1200">
+                <a:solidFill>
+                  <a:schemeClr val="tx1"/>
+                </a:solidFill>
+                <a:latin typeface="Arial" charset="0"/>
+                <a:ea typeface="+mn-ea"/>
+                <a:cs typeface="Arial" charset="0"/>
+              </a:defRPr>
+            </a:lvl1pPr>
+            <a:lvl2pPr marL="457200" algn="l" rtl="0" fontAlgn="base">
+              <a:spcBef>
+                <a:spcPct val="0"/>
+              </a:spcBef>
+              <a:spcAft>
+                <a:spcPct val="0"/>
+              </a:spcAft>
+              <a:defRPr kern="1200">
+                <a:solidFill>
+                  <a:schemeClr val="tx1"/>
+                </a:solidFill>
+                <a:latin typeface="Arial" charset="0"/>
+                <a:ea typeface="+mn-ea"/>
+                <a:cs typeface="Arial" charset="0"/>
+              </a:defRPr>
+            </a:lvl2pPr>
+            <a:lvl3pPr marL="914400" algn="l" rtl="0" fontAlgn="base">
+              <a:spcBef>
+                <a:spcPct val="0"/>
+              </a:spcBef>
+              <a:spcAft>
+                <a:spcPct val="0"/>
+              </a:spcAft>
+              <a:defRPr kern="1200">
+                <a:solidFill>
+                  <a:schemeClr val="tx1"/>
+                </a:solidFill>
+                <a:latin typeface="Arial" charset="0"/>
+                <a:ea typeface="+mn-ea"/>
+                <a:cs typeface="Arial" charset="0"/>
+              </a:defRPr>
+            </a:lvl3pPr>
+            <a:lvl4pPr marL="1371600" algn="l" rtl="0" fontAlgn="base">
+              <a:spcBef>
+                <a:spcPct val="0"/>
+              </a:spcBef>
+              <a:spcAft>
+                <a:spcPct val="0"/>
+              </a:spcAft>
+              <a:defRPr kern="1200">
+                <a:solidFill>
+                  <a:schemeClr val="tx1"/>
+                </a:solidFill>
+                <a:latin typeface="Arial" charset="0"/>
+                <a:ea typeface="+mn-ea"/>
+                <a:cs typeface="Arial" charset="0"/>
+              </a:defRPr>
+            </a:lvl4pPr>
+            <a:lvl5pPr marL="1828800" algn="l" rtl="0" fontAlgn="base">
+              <a:spcBef>
+                <a:spcPct val="0"/>
+              </a:spcBef>
+              <a:spcAft>
+                <a:spcPct val="0"/>
+              </a:spcAft>
+              <a:defRPr kern="1200">
+                <a:solidFill>
+                  <a:schemeClr val="tx1"/>
+                </a:solidFill>
+                <a:latin typeface="Arial" charset="0"/>
+                <a:ea typeface="+mn-ea"/>
+                <a:cs typeface="Arial" charset="0"/>
+              </a:defRPr>
+            </a:lvl5pPr>
+            <a:lvl6pPr marL="2286000" algn="l" defTabSz="914400" rtl="0" eaLnBrk="1" latinLnBrk="0" hangingPunct="1">
+              <a:defRPr kern="1200">
+                <a:solidFill>
+                  <a:schemeClr val="tx1"/>
+                </a:solidFill>
+                <a:latin typeface="Arial" charset="0"/>
+                <a:ea typeface="+mn-ea"/>
+                <a:cs typeface="Arial" charset="0"/>
+              </a:defRPr>
+            </a:lvl6pPr>
+            <a:lvl7pPr marL="2743200" algn="l" defTabSz="914400" rtl="0" eaLnBrk="1" latinLnBrk="0" hangingPunct="1">
+              <a:defRPr kern="1200">
+                <a:solidFill>
+                  <a:schemeClr val="tx1"/>
+                </a:solidFill>
+                <a:latin typeface="Arial" charset="0"/>
+                <a:ea typeface="+mn-ea"/>
+                <a:cs typeface="Arial" charset="0"/>
+              </a:defRPr>
+            </a:lvl7pPr>
+            <a:lvl8pPr marL="3200400" algn="l" defTabSz="914400" rtl="0" eaLnBrk="1" latinLnBrk="0" hangingPunct="1">
+              <a:defRPr kern="1200">
+                <a:solidFill>
+                  <a:schemeClr val="tx1"/>
+                </a:solidFill>
+                <a:latin typeface="Arial" charset="0"/>
+                <a:ea typeface="+mn-ea"/>
+                <a:cs typeface="Arial" charset="0"/>
+              </a:defRPr>
+            </a:lvl8pPr>
+            <a:lvl9pPr marL="3657600" algn="l" defTabSz="914400" rtl="0" eaLnBrk="1" latinLnBrk="0" hangingPunct="1">
+              <a:defRPr kern="1200">
+                <a:solidFill>
+                  <a:schemeClr val="tx1"/>
+                </a:solidFill>
+                <a:latin typeface="Arial" charset="0"/>
+                <a:ea typeface="+mn-ea"/>
+                <a:cs typeface="Arial" charset="0"/>
+              </a:defRPr>
+            </a:lvl9pPr>
+          </a:lstStyle>
+          <a:p>
+            <a:r>
+              <a:rPr lang="en-US" sz="1100" dirty="0">
+                <a:latin typeface="Arial"/>
+                <a:cs typeface="Arial"/>
+              </a:rPr>
+              <a:t>Chia-Ling Yang | </a:t>
+            </a:r>
+            <a:r>
+              <a:rPr lang="en-GB" sz="1100" b="0" i="0" u="none" strike="noStrike" dirty="0">
+                <a:effectLst/>
+                <a:latin typeface="Arial" panose="020B0604020202020204" pitchFamily="34" charset="0"/>
+              </a:rPr>
+              <a:t>Exploring Reinforcement Learning Solutions for EV-aware Optimal Power Flow Under Uncertainty</a:t>
+            </a:r>
+            <a:endParaRPr lang="en-US" sz="1100" dirty="0">
+              <a:latin typeface="Arial"/>
+              <a:cs typeface="Arial"/>
+            </a:endParaRPr>
+          </a:p>
+        </p:txBody>
+      </p:sp>
+    </p:spTree>
+    <p:extLst>
+      <p:ext uri="{BB962C8B-B14F-4D97-AF65-F5344CB8AC3E}">
+        <p14:creationId xmlns:p14="http://schemas.microsoft.com/office/powerpoint/2010/main" val="457143516"/>
+      </p:ext>
+    </p:extLst>
+  </p:cSld>
+  <p:clrMapOvr>
+    <a:masterClrMapping/>
+  </p:clrMapOvr>
+</p:sld>
+</file>
+
+<file path=ppt/slides/slide23.xml><?xml version="1.0" encoding="utf-8"?>
+<p:sld xmlns:a="http://schemas.openxmlformats.org/drawingml/2006/main" xmlns:r="http://schemas.openxmlformats.org/officeDocument/2006/relationships" xmlns:p="http://schemas.openxmlformats.org/presentationml/2006/main">
+  <p:cSld>
+    <p:spTree>
+      <p:nvGrpSpPr>
+        <p:cNvPr id="1" name=""/>
+        <p:cNvGrpSpPr/>
+        <p:nvPr/>
+      </p:nvGrpSpPr>
+      <p:grpSpPr>
+        <a:xfrm>
+          <a:off x="0" y="0"/>
+          <a:ext cx="0" cy="0"/>
+          <a:chOff x="0" y="0"/>
+          <a:chExt cx="0" cy="0"/>
+        </a:xfrm>
+      </p:grpSpPr>
+      <p:sp>
+        <p:nvSpPr>
+          <p:cNvPr id="2" name="Content Placeholder 1">
+            <a:extLst>
+              <a:ext uri="{FF2B5EF4-FFF2-40B4-BE49-F238E27FC236}">
+                <a16:creationId xmlns:a16="http://schemas.microsoft.com/office/drawing/2014/main" id="{1CD2F961-05C2-522B-39A1-74AEFCB64A51}"/>
+              </a:ext>
+            </a:extLst>
+          </p:cNvPr>
+          <p:cNvSpPr>
+            <a:spLocks noGrp="1"/>
+          </p:cNvSpPr>
+          <p:nvPr>
+            <p:ph idx="1"/>
+          </p:nvPr>
+        </p:nvSpPr>
+        <p:spPr/>
+        <p:txBody>
+          <a:bodyPr/>
+          <a:lstStyle/>
+          <a:p>
+            <a:r>
+              <a:rPr lang="en-GB" dirty="0"/>
+              <a:t>Renewable power generation</a:t>
+            </a:r>
+          </a:p>
+          <a:p>
+            <a:r>
+              <a:rPr lang="en-GB" dirty="0"/>
+              <a:t>Power consumption</a:t>
+            </a:r>
+          </a:p>
+          <a:p>
+            <a:r>
+              <a:rPr lang="en-GB" dirty="0"/>
+              <a:t>Charging/discharging demands</a:t>
+            </a:r>
+          </a:p>
+          <a:p>
+            <a:endParaRPr lang="en-GB" dirty="0"/>
+          </a:p>
+        </p:txBody>
+      </p:sp>
+      <p:sp>
+        <p:nvSpPr>
+          <p:cNvPr id="3" name="Title 2">
+            <a:extLst>
+              <a:ext uri="{FF2B5EF4-FFF2-40B4-BE49-F238E27FC236}">
+                <a16:creationId xmlns:a16="http://schemas.microsoft.com/office/drawing/2014/main" id="{330A6640-DCB1-B2DE-7DF0-B33552471931}"/>
+              </a:ext>
+            </a:extLst>
+          </p:cNvPr>
+          <p:cNvSpPr>
+            <a:spLocks noGrp="1"/>
+          </p:cNvSpPr>
+          <p:nvPr>
+            <p:ph type="title"/>
+          </p:nvPr>
+        </p:nvSpPr>
+        <p:spPr>
+          <a:xfrm>
+            <a:off x="319090" y="972000"/>
+            <a:ext cx="8508999" cy="380745"/>
+          </a:xfrm>
+        </p:spPr>
+        <p:txBody>
+          <a:bodyPr/>
+          <a:lstStyle/>
+          <a:p>
+            <a:r>
+              <a:rPr lang="en-GB" dirty="0"/>
+              <a:t>Uncertainty</a:t>
             </a:r>
           </a:p>
         </p:txBody>
@@ -29672,7 +34287,7 @@
     </p:spTree>
     <p:extLst>
       <p:ext uri="{BB962C8B-B14F-4D97-AF65-F5344CB8AC3E}">
-        <p14:creationId xmlns:p14="http://schemas.microsoft.com/office/powerpoint/2010/main" val="457143516"/>
+        <p14:creationId xmlns:p14="http://schemas.microsoft.com/office/powerpoint/2010/main" val="3860156319"/>
       </p:ext>
     </p:extLst>
   </p:cSld>
@@ -29720,24 +34335,6 @@
           <a:bodyPr/>
           <a:lstStyle/>
           <a:p>
-            <a:r>
-              <a:rPr lang="en-GB" dirty="0"/>
-              <a:t>Renewable power generation</a:t>
-            </a:r>
-          </a:p>
-          <a:p>
-            <a:r>
-              <a:rPr lang="en-GB" dirty="0"/>
-              <a:t>Power consumption</a:t>
-            </a:r>
-          </a:p>
-          <a:p>
-            <a:r>
-              <a:rPr lang="en-GB" dirty="0"/>
-              <a:t>Charging/discharging demands</a:t>
-            </a:r>
-          </a:p>
-          <a:p>
             <a:endParaRPr lang="en-GB" dirty="0"/>
           </a:p>
         </p:txBody>
@@ -29770,7 +34367,7 @@
           <a:p>
             <a:r>
               <a:rPr lang="en-GB" dirty="0"/>
-              <a:t>Uncertainty</a:t>
+              <a:t>Assumptions</a:t>
             </a:r>
           </a:p>
         </p:txBody>
@@ -29980,7 +34577,7 @@
     </p:spTree>
     <p:extLst>
       <p:ext uri="{BB962C8B-B14F-4D97-AF65-F5344CB8AC3E}">
-        <p14:creationId xmlns:p14="http://schemas.microsoft.com/office/powerpoint/2010/main" val="3860156319"/>
+        <p14:creationId xmlns:p14="http://schemas.microsoft.com/office/powerpoint/2010/main" val="3509784463"/>
       </p:ext>
     </p:extLst>
   </p:cSld>
@@ -30060,8 +34657,13 @@
           <a:p>
             <a:r>
               <a:rPr lang="en-GB" dirty="0"/>
-              <a:t>Assumptions</a:t>
+              <a:t>Neural Network </a:t>
             </a:r>
+            <a:r>
+              <a:rPr lang="en-GB" dirty="0" err="1"/>
+              <a:t>Architechture</a:t>
+            </a:r>
+            <a:endParaRPr lang="en-GB" dirty="0"/>
           </a:p>
         </p:txBody>
       </p:sp>
@@ -30270,7 +34872,7 @@
     </p:spTree>
     <p:extLst>
       <p:ext uri="{BB962C8B-B14F-4D97-AF65-F5344CB8AC3E}">
-        <p14:creationId xmlns:p14="http://schemas.microsoft.com/office/powerpoint/2010/main" val="3509784463"/>
+        <p14:creationId xmlns:p14="http://schemas.microsoft.com/office/powerpoint/2010/main" val="471611025"/>
       </p:ext>
     </p:extLst>
   </p:cSld>
@@ -30281,301 +34883,6 @@
 </file>
 
 <file path=ppt/slides/slide26.xml><?xml version="1.0" encoding="utf-8"?>
-<p:sld xmlns:a="http://schemas.openxmlformats.org/drawingml/2006/main" xmlns:r="http://schemas.openxmlformats.org/officeDocument/2006/relationships" xmlns:p="http://schemas.openxmlformats.org/presentationml/2006/main">
-  <p:cSld>
-    <p:spTree>
-      <p:nvGrpSpPr>
-        <p:cNvPr id="1" name=""/>
-        <p:cNvGrpSpPr/>
-        <p:nvPr/>
-      </p:nvGrpSpPr>
-      <p:grpSpPr>
-        <a:xfrm>
-          <a:off x="0" y="0"/>
-          <a:ext cx="0" cy="0"/>
-          <a:chOff x="0" y="0"/>
-          <a:chExt cx="0" cy="0"/>
-        </a:xfrm>
-      </p:grpSpPr>
-      <p:sp>
-        <p:nvSpPr>
-          <p:cNvPr id="2" name="Content Placeholder 1">
-            <a:extLst>
-              <a:ext uri="{FF2B5EF4-FFF2-40B4-BE49-F238E27FC236}">
-                <a16:creationId xmlns:a16="http://schemas.microsoft.com/office/drawing/2014/main" id="{1CD2F961-05C2-522B-39A1-74AEFCB64A51}"/>
-              </a:ext>
-            </a:extLst>
-          </p:cNvPr>
-          <p:cNvSpPr>
-            <a:spLocks noGrp="1"/>
-          </p:cNvSpPr>
-          <p:nvPr>
-            <p:ph idx="1"/>
-          </p:nvPr>
-        </p:nvSpPr>
-        <p:spPr/>
-        <p:txBody>
-          <a:bodyPr/>
-          <a:lstStyle/>
-          <a:p>
-            <a:endParaRPr lang="en-GB" dirty="0"/>
-          </a:p>
-        </p:txBody>
-      </p:sp>
-      <p:sp>
-        <p:nvSpPr>
-          <p:cNvPr id="3" name="Title 2">
-            <a:extLst>
-              <a:ext uri="{FF2B5EF4-FFF2-40B4-BE49-F238E27FC236}">
-                <a16:creationId xmlns:a16="http://schemas.microsoft.com/office/drawing/2014/main" id="{330A6640-DCB1-B2DE-7DF0-B33552471931}"/>
-              </a:ext>
-            </a:extLst>
-          </p:cNvPr>
-          <p:cNvSpPr>
-            <a:spLocks noGrp="1"/>
-          </p:cNvSpPr>
-          <p:nvPr>
-            <p:ph type="title"/>
-          </p:nvPr>
-        </p:nvSpPr>
-        <p:spPr>
-          <a:xfrm>
-            <a:off x="319090" y="972000"/>
-            <a:ext cx="8508999" cy="380745"/>
-          </a:xfrm>
-        </p:spPr>
-        <p:txBody>
-          <a:bodyPr/>
-          <a:lstStyle/>
-          <a:p>
-            <a:r>
-              <a:rPr lang="en-GB" dirty="0"/>
-              <a:t>Neural Network </a:t>
-            </a:r>
-            <a:r>
-              <a:rPr lang="en-GB" dirty="0" err="1"/>
-              <a:t>Architechture</a:t>
-            </a:r>
-            <a:endParaRPr lang="en-GB" dirty="0"/>
-          </a:p>
-        </p:txBody>
-      </p:sp>
-      <p:sp>
-        <p:nvSpPr>
-          <p:cNvPr id="4" name="Slide Number Placeholder 3">
-            <a:extLst>
-              <a:ext uri="{FF2B5EF4-FFF2-40B4-BE49-F238E27FC236}">
-                <a16:creationId xmlns:a16="http://schemas.microsoft.com/office/drawing/2014/main" id="{72D8B1F9-D91A-D57A-9DA1-037B38FF2C3C}"/>
-              </a:ext>
-            </a:extLst>
-          </p:cNvPr>
-          <p:cNvSpPr>
-            <a:spLocks noGrp="1"/>
-          </p:cNvSpPr>
-          <p:nvPr>
-            <p:ph type="sldNum" sz="quarter" idx="11"/>
-          </p:nvPr>
-        </p:nvSpPr>
-        <p:spPr/>
-        <p:txBody>
-          <a:bodyPr/>
-          <a:lstStyle/>
-          <a:p>
-            <a:fld id="{CE58CB1E-F828-4F11-99E0-327109AF9DA4}" type="slidenum">
-              <a:rPr lang="de-DE" smtClean="0"/>
-              <a:pPr/>
-              <a:t>26</a:t>
-            </a:fld>
-            <a:endParaRPr lang="de-DE"/>
-          </a:p>
-        </p:txBody>
-      </p:sp>
-      <p:sp>
-        <p:nvSpPr>
-          <p:cNvPr id="6" name="Fußzeilenplatzhalter 4">
-            <a:extLst>
-              <a:ext uri="{FF2B5EF4-FFF2-40B4-BE49-F238E27FC236}">
-                <a16:creationId xmlns:a16="http://schemas.microsoft.com/office/drawing/2014/main" id="{9B4DF47D-2ED0-EAD2-B1B0-96A4301B23FE}"/>
-              </a:ext>
-            </a:extLst>
-          </p:cNvPr>
-          <p:cNvSpPr txBox="1">
-            <a:spLocks/>
-          </p:cNvSpPr>
-          <p:nvPr/>
-        </p:nvSpPr>
-        <p:spPr>
-          <a:xfrm>
-            <a:off x="311162" y="4854985"/>
-            <a:ext cx="7795890" cy="273844"/>
-          </a:xfrm>
-          <a:prstGeom prst="rect">
-            <a:avLst/>
-          </a:prstGeom>
-        </p:spPr>
-        <p:txBody>
-          <a:bodyPr/>
-          <a:lstStyle>
-            <a:defPPr>
-              <a:defRPr lang="de-DE"/>
-            </a:defPPr>
-            <a:lvl1pPr algn="l" rtl="0" fontAlgn="base">
-              <a:spcBef>
-                <a:spcPct val="0"/>
-              </a:spcBef>
-              <a:spcAft>
-                <a:spcPct val="0"/>
-              </a:spcAft>
-              <a:defRPr kern="1200">
-                <a:solidFill>
-                  <a:schemeClr val="tx1"/>
-                </a:solidFill>
-                <a:latin typeface="Arial" charset="0"/>
-                <a:ea typeface="+mn-ea"/>
-                <a:cs typeface="Arial" charset="0"/>
-              </a:defRPr>
-            </a:lvl1pPr>
-            <a:lvl2pPr marL="457200" algn="l" rtl="0" fontAlgn="base">
-              <a:spcBef>
-                <a:spcPct val="0"/>
-              </a:spcBef>
-              <a:spcAft>
-                <a:spcPct val="0"/>
-              </a:spcAft>
-              <a:defRPr kern="1200">
-                <a:solidFill>
-                  <a:schemeClr val="tx1"/>
-                </a:solidFill>
-                <a:latin typeface="Arial" charset="0"/>
-                <a:ea typeface="+mn-ea"/>
-                <a:cs typeface="Arial" charset="0"/>
-              </a:defRPr>
-            </a:lvl2pPr>
-            <a:lvl3pPr marL="914400" algn="l" rtl="0" fontAlgn="base">
-              <a:spcBef>
-                <a:spcPct val="0"/>
-              </a:spcBef>
-              <a:spcAft>
-                <a:spcPct val="0"/>
-              </a:spcAft>
-              <a:defRPr kern="1200">
-                <a:solidFill>
-                  <a:schemeClr val="tx1"/>
-                </a:solidFill>
-                <a:latin typeface="Arial" charset="0"/>
-                <a:ea typeface="+mn-ea"/>
-                <a:cs typeface="Arial" charset="0"/>
-              </a:defRPr>
-            </a:lvl3pPr>
-            <a:lvl4pPr marL="1371600" algn="l" rtl="0" fontAlgn="base">
-              <a:spcBef>
-                <a:spcPct val="0"/>
-              </a:spcBef>
-              <a:spcAft>
-                <a:spcPct val="0"/>
-              </a:spcAft>
-              <a:defRPr kern="1200">
-                <a:solidFill>
-                  <a:schemeClr val="tx1"/>
-                </a:solidFill>
-                <a:latin typeface="Arial" charset="0"/>
-                <a:ea typeface="+mn-ea"/>
-                <a:cs typeface="Arial" charset="0"/>
-              </a:defRPr>
-            </a:lvl4pPr>
-            <a:lvl5pPr marL="1828800" algn="l" rtl="0" fontAlgn="base">
-              <a:spcBef>
-                <a:spcPct val="0"/>
-              </a:spcBef>
-              <a:spcAft>
-                <a:spcPct val="0"/>
-              </a:spcAft>
-              <a:defRPr kern="1200">
-                <a:solidFill>
-                  <a:schemeClr val="tx1"/>
-                </a:solidFill>
-                <a:latin typeface="Arial" charset="0"/>
-                <a:ea typeface="+mn-ea"/>
-                <a:cs typeface="Arial" charset="0"/>
-              </a:defRPr>
-            </a:lvl5pPr>
-            <a:lvl6pPr marL="2286000" algn="l" defTabSz="914400" rtl="0" eaLnBrk="1" latinLnBrk="0" hangingPunct="1">
-              <a:defRPr kern="1200">
-                <a:solidFill>
-                  <a:schemeClr val="tx1"/>
-                </a:solidFill>
-                <a:latin typeface="Arial" charset="0"/>
-                <a:ea typeface="+mn-ea"/>
-                <a:cs typeface="Arial" charset="0"/>
-              </a:defRPr>
-            </a:lvl6pPr>
-            <a:lvl7pPr marL="2743200" algn="l" defTabSz="914400" rtl="0" eaLnBrk="1" latinLnBrk="0" hangingPunct="1">
-              <a:defRPr kern="1200">
-                <a:solidFill>
-                  <a:schemeClr val="tx1"/>
-                </a:solidFill>
-                <a:latin typeface="Arial" charset="0"/>
-                <a:ea typeface="+mn-ea"/>
-                <a:cs typeface="Arial" charset="0"/>
-              </a:defRPr>
-            </a:lvl7pPr>
-            <a:lvl8pPr marL="3200400" algn="l" defTabSz="914400" rtl="0" eaLnBrk="1" latinLnBrk="0" hangingPunct="1">
-              <a:defRPr kern="1200">
-                <a:solidFill>
-                  <a:schemeClr val="tx1"/>
-                </a:solidFill>
-                <a:latin typeface="Arial" charset="0"/>
-                <a:ea typeface="+mn-ea"/>
-                <a:cs typeface="Arial" charset="0"/>
-              </a:defRPr>
-            </a:lvl8pPr>
-            <a:lvl9pPr marL="3657600" algn="l" defTabSz="914400" rtl="0" eaLnBrk="1" latinLnBrk="0" hangingPunct="1">
-              <a:defRPr kern="1200">
-                <a:solidFill>
-                  <a:schemeClr val="tx1"/>
-                </a:solidFill>
-                <a:latin typeface="Arial" charset="0"/>
-                <a:ea typeface="+mn-ea"/>
-                <a:cs typeface="Arial" charset="0"/>
-              </a:defRPr>
-            </a:lvl9pPr>
-          </a:lstStyle>
-          <a:p>
-            <a:r>
-              <a:rPr lang="en-US" sz="1100" dirty="0">
-                <a:latin typeface="Arial"/>
-                <a:cs typeface="Arial"/>
-              </a:rPr>
-              <a:t>Chia-Ling Yang | </a:t>
-            </a:r>
-            <a:r>
-              <a:rPr lang="en-GB" sz="1100" b="0" i="0" u="none" strike="noStrike" dirty="0">
-                <a:effectLst/>
-                <a:latin typeface="Arial" panose="020B0604020202020204" pitchFamily="34" charset="0"/>
-              </a:rPr>
-              <a:t>Exploring Reinforcement Learning Solutions for EV-aware Optimal Power Flow Under Uncertainty</a:t>
-            </a:r>
-            <a:endParaRPr lang="en-US" sz="1100" dirty="0">
-              <a:latin typeface="Arial"/>
-              <a:cs typeface="Arial"/>
-            </a:endParaRPr>
-          </a:p>
-        </p:txBody>
-      </p:sp>
-    </p:spTree>
-    <p:extLst>
-      <p:ext uri="{BB962C8B-B14F-4D97-AF65-F5344CB8AC3E}">
-        <p14:creationId xmlns:p14="http://schemas.microsoft.com/office/powerpoint/2010/main" val="471611025"/>
-      </p:ext>
-    </p:extLst>
-  </p:cSld>
-  <p:clrMapOvr>
-    <a:masterClrMapping/>
-  </p:clrMapOvr>
-</p:sld>
-</file>
-
-<file path=ppt/slides/slide27.xml><?xml version="1.0" encoding="utf-8"?>
 <p:sld xmlns:a="http://schemas.openxmlformats.org/drawingml/2006/main" xmlns:r="http://schemas.openxmlformats.org/officeDocument/2006/relationships" xmlns:p="http://schemas.openxmlformats.org/presentationml/2006/main">
   <p:cSld>
     <p:spTree>
@@ -30674,7 +34981,7 @@
             <a:fld id="{CE58CB1E-F828-4F11-99E0-327109AF9DA4}" type="slidenum">
               <a:rPr lang="de-DE" smtClean="0"/>
               <a:pPr/>
-              <a:t>27</a:t>
+              <a:t>26</a:t>
             </a:fld>
             <a:endParaRPr lang="de-DE"/>
           </a:p>
@@ -30947,66 +35254,6 @@
       </p:grpSpPr>
       <p:sp>
         <p:nvSpPr>
-          <p:cNvPr id="2" name="Content Placeholder 1">
-            <a:extLst>
-              <a:ext uri="{FF2B5EF4-FFF2-40B4-BE49-F238E27FC236}">
-                <a16:creationId xmlns:a16="http://schemas.microsoft.com/office/drawing/2014/main" id="{59620150-C1C5-A784-7661-12BD8178387F}"/>
-              </a:ext>
-            </a:extLst>
-          </p:cNvPr>
-          <p:cNvSpPr>
-            <a:spLocks noGrp="1"/>
-          </p:cNvSpPr>
-          <p:nvPr>
-            <p:ph idx="1"/>
-          </p:nvPr>
-        </p:nvSpPr>
-        <p:spPr>
-          <a:xfrm>
-            <a:off x="319090" y="1704507"/>
-            <a:ext cx="8508999" cy="2991318"/>
-          </a:xfrm>
-        </p:spPr>
-        <p:txBody>
-          <a:bodyPr/>
-          <a:lstStyle/>
-          <a:p>
-            <a:r>
-              <a:rPr lang="en-GB" dirty="0"/>
-              <a:t>Talk about current power grid challenges:</a:t>
-            </a:r>
-          </a:p>
-          <a:p>
-            <a:pPr marL="342900" indent="-342900">
-              <a:buAutoNum type="arabicPeriod"/>
-            </a:pPr>
-            <a:r>
-              <a:rPr lang="en-GB" dirty="0"/>
-              <a:t>Integration of Renewable energy</a:t>
-            </a:r>
-          </a:p>
-          <a:p>
-            <a:pPr marL="342900" indent="-342900">
-              <a:buAutoNum type="arabicPeriod"/>
-            </a:pPr>
-            <a:r>
-              <a:rPr lang="en-GB" dirty="0"/>
-              <a:t>Increasing overall power consumption</a:t>
-            </a:r>
-          </a:p>
-          <a:p>
-            <a:pPr marL="342900" indent="-342900">
-              <a:buAutoNum type="arabicPeriod"/>
-            </a:pPr>
-            <a:r>
-              <a:rPr lang="en-GB" dirty="0"/>
-              <a:t>Increasing power consumption from EV</a:t>
-            </a:r>
-          </a:p>
-        </p:txBody>
-      </p:sp>
-      <p:sp>
-        <p:nvSpPr>
           <p:cNvPr id="4" name="Slide Number Placeholder 3">
             <a:extLst>
               <a:ext uri="{FF2B5EF4-FFF2-40B4-BE49-F238E27FC236}">
@@ -31030,636 +35277,6 @@
               <a:rPr lang="de-DE" smtClean="0"/>
               <a:pPr/>
               <a:t>4</a:t>
-            </a:fld>
-            <a:endParaRPr lang="de-DE"/>
-          </a:p>
-        </p:txBody>
-      </p:sp>
-      <p:sp>
-        <p:nvSpPr>
-          <p:cNvPr id="7" name="Pentagon 19">
-            <a:extLst>
-              <a:ext uri="{FF2B5EF4-FFF2-40B4-BE49-F238E27FC236}">
-                <a16:creationId xmlns:a16="http://schemas.microsoft.com/office/drawing/2014/main" id="{CF556683-D812-99F5-CBE2-BF4CC08D2938}"/>
-              </a:ext>
-            </a:extLst>
-          </p:cNvPr>
-          <p:cNvSpPr/>
-          <p:nvPr/>
-        </p:nvSpPr>
-        <p:spPr bwMode="auto">
-          <a:xfrm>
-            <a:off x="0" y="195135"/>
-            <a:ext cx="1655556" cy="426446"/>
-          </a:xfrm>
-          <a:prstGeom prst="homePlate">
-            <a:avLst/>
-          </a:prstGeom>
-          <a:solidFill>
-            <a:srgbClr val="0070C0"/>
-          </a:solidFill>
-          <a:ln w="9525" cap="flat" cmpd="sng" algn="ctr">
-            <a:noFill/>
-            <a:prstDash val="solid"/>
-            <a:round/>
-            <a:headEnd type="none" w="med" len="med"/>
-            <a:tailEnd type="none" w="med" len="med"/>
-          </a:ln>
-          <a:effectLst/>
-        </p:spPr>
-        <p:txBody>
-          <a:bodyPr rot="0" spcFirstLastPara="0" vertOverflow="overflow" horzOverflow="overflow" vert="horz" wrap="square" lIns="91440" tIns="45720" rIns="91440" bIns="45720" numCol="1" spcCol="0" rtlCol="0" fromWordArt="0" anchor="ctr" anchorCtr="0" forceAA="0" compatLnSpc="1">
-            <a:prstTxWarp prst="textNoShape">
-              <a:avLst/>
-            </a:prstTxWarp>
-            <a:noAutofit/>
-          </a:bodyPr>
-          <a:lstStyle/>
-          <a:p>
-            <a:pPr marL="0" marR="0" indent="0" algn="ctr" defTabSz="914400" rtl="0" eaLnBrk="0" fontAlgn="base" latinLnBrk="0" hangingPunct="0">
-              <a:lnSpc>
-                <a:spcPct val="100000"/>
-              </a:lnSpc>
-              <a:spcBef>
-                <a:spcPct val="0"/>
-              </a:spcBef>
-              <a:spcAft>
-                <a:spcPct val="0"/>
-              </a:spcAft>
-              <a:buClrTx/>
-              <a:buSzTx/>
-              <a:buFontTx/>
-              <a:buNone/>
-              <a:tabLst/>
-            </a:pPr>
-            <a:r>
-              <a:rPr kumimoji="0" lang="en-GB" sz="1400" b="0" i="0" u="none" strike="noStrike" cap="none" normalizeH="0" baseline="0" dirty="0">
-                <a:ln>
-                  <a:noFill/>
-                </a:ln>
-                <a:solidFill>
-                  <a:schemeClr val="bg1"/>
-                </a:solidFill>
-                <a:effectLst/>
-                <a:latin typeface="Helvetica Neue" charset="0"/>
-              </a:rPr>
-              <a:t>Background</a:t>
-            </a:r>
-          </a:p>
-        </p:txBody>
-      </p:sp>
-      <p:sp>
-        <p:nvSpPr>
-          <p:cNvPr id="8" name="Chevron 21">
-            <a:extLst>
-              <a:ext uri="{FF2B5EF4-FFF2-40B4-BE49-F238E27FC236}">
-                <a16:creationId xmlns:a16="http://schemas.microsoft.com/office/drawing/2014/main" id="{79C86842-17AA-F194-1F05-686FB27F1768}"/>
-              </a:ext>
-            </a:extLst>
-          </p:cNvPr>
-          <p:cNvSpPr/>
-          <p:nvPr/>
-        </p:nvSpPr>
-        <p:spPr bwMode="auto">
-          <a:xfrm>
-            <a:off x="1352574" y="195135"/>
-            <a:ext cx="1655556" cy="426446"/>
-          </a:xfrm>
-          <a:prstGeom prst="chevron">
-            <a:avLst/>
-          </a:prstGeom>
-          <a:solidFill>
-            <a:schemeClr val="bg1">
-              <a:lumMod val="95000"/>
-            </a:schemeClr>
-          </a:solidFill>
-          <a:ln w="9525" cap="flat" cmpd="sng" algn="ctr">
-            <a:noFill/>
-            <a:prstDash val="solid"/>
-            <a:round/>
-            <a:headEnd type="none" w="med" len="med"/>
-            <a:tailEnd type="none" w="med" len="med"/>
-          </a:ln>
-          <a:effectLst/>
-        </p:spPr>
-        <p:txBody>
-          <a:bodyPr rot="0" spcFirstLastPara="0" vertOverflow="overflow" horzOverflow="overflow" vert="horz" wrap="square" lIns="91440" tIns="45720" rIns="91440" bIns="45720" numCol="1" spcCol="0" rtlCol="0" fromWordArt="0" anchor="ctr" anchorCtr="0" forceAA="0" compatLnSpc="1">
-            <a:prstTxWarp prst="textNoShape">
-              <a:avLst/>
-            </a:prstTxWarp>
-            <a:noAutofit/>
-          </a:bodyPr>
-          <a:lstStyle/>
-          <a:p>
-            <a:pPr marL="0" marR="0" indent="0" algn="ctr" defTabSz="914400" rtl="0" eaLnBrk="0" fontAlgn="base" latinLnBrk="0" hangingPunct="0">
-              <a:lnSpc>
-                <a:spcPct val="100000"/>
-              </a:lnSpc>
-              <a:spcBef>
-                <a:spcPct val="0"/>
-              </a:spcBef>
-              <a:spcAft>
-                <a:spcPct val="0"/>
-              </a:spcAft>
-              <a:buClrTx/>
-              <a:buSzTx/>
-              <a:buFontTx/>
-              <a:buNone/>
-              <a:tabLst/>
-            </a:pPr>
-            <a:r>
-              <a:rPr kumimoji="0" lang="en-GB" sz="1400" b="0" i="0" u="none" strike="noStrike" cap="none" normalizeH="0" baseline="0" dirty="0">
-                <a:ln>
-                  <a:noFill/>
-                </a:ln>
-                <a:solidFill>
-                  <a:schemeClr val="bg1"/>
-                </a:solidFill>
-                <a:effectLst/>
-                <a:latin typeface="Helvetica Neue" charset="0"/>
-              </a:rPr>
-              <a:t>Problem Formulation</a:t>
-            </a:r>
-          </a:p>
-        </p:txBody>
-      </p:sp>
-      <p:sp>
-        <p:nvSpPr>
-          <p:cNvPr id="11" name="Fußzeilenplatzhalter 4">
-            <a:extLst>
-              <a:ext uri="{FF2B5EF4-FFF2-40B4-BE49-F238E27FC236}">
-                <a16:creationId xmlns:a16="http://schemas.microsoft.com/office/drawing/2014/main" id="{36A10820-5156-9626-3090-35B7CE1964D2}"/>
-              </a:ext>
-            </a:extLst>
-          </p:cNvPr>
-          <p:cNvSpPr txBox="1">
-            <a:spLocks/>
-          </p:cNvSpPr>
-          <p:nvPr/>
-        </p:nvSpPr>
-        <p:spPr>
-          <a:xfrm>
-            <a:off x="311162" y="4854985"/>
-            <a:ext cx="7795890" cy="273844"/>
-          </a:xfrm>
-          <a:prstGeom prst="rect">
-            <a:avLst/>
-          </a:prstGeom>
-        </p:spPr>
-        <p:txBody>
-          <a:bodyPr/>
-          <a:lstStyle>
-            <a:defPPr>
-              <a:defRPr lang="de-DE"/>
-            </a:defPPr>
-            <a:lvl1pPr algn="l" rtl="0" fontAlgn="base">
-              <a:spcBef>
-                <a:spcPct val="0"/>
-              </a:spcBef>
-              <a:spcAft>
-                <a:spcPct val="0"/>
-              </a:spcAft>
-              <a:defRPr kern="1200">
-                <a:solidFill>
-                  <a:schemeClr val="tx1"/>
-                </a:solidFill>
-                <a:latin typeface="Arial" charset="0"/>
-                <a:ea typeface="+mn-ea"/>
-                <a:cs typeface="Arial" charset="0"/>
-              </a:defRPr>
-            </a:lvl1pPr>
-            <a:lvl2pPr marL="457200" algn="l" rtl="0" fontAlgn="base">
-              <a:spcBef>
-                <a:spcPct val="0"/>
-              </a:spcBef>
-              <a:spcAft>
-                <a:spcPct val="0"/>
-              </a:spcAft>
-              <a:defRPr kern="1200">
-                <a:solidFill>
-                  <a:schemeClr val="tx1"/>
-                </a:solidFill>
-                <a:latin typeface="Arial" charset="0"/>
-                <a:ea typeface="+mn-ea"/>
-                <a:cs typeface="Arial" charset="0"/>
-              </a:defRPr>
-            </a:lvl2pPr>
-            <a:lvl3pPr marL="914400" algn="l" rtl="0" fontAlgn="base">
-              <a:spcBef>
-                <a:spcPct val="0"/>
-              </a:spcBef>
-              <a:spcAft>
-                <a:spcPct val="0"/>
-              </a:spcAft>
-              <a:defRPr kern="1200">
-                <a:solidFill>
-                  <a:schemeClr val="tx1"/>
-                </a:solidFill>
-                <a:latin typeface="Arial" charset="0"/>
-                <a:ea typeface="+mn-ea"/>
-                <a:cs typeface="Arial" charset="0"/>
-              </a:defRPr>
-            </a:lvl3pPr>
-            <a:lvl4pPr marL="1371600" algn="l" rtl="0" fontAlgn="base">
-              <a:spcBef>
-                <a:spcPct val="0"/>
-              </a:spcBef>
-              <a:spcAft>
-                <a:spcPct val="0"/>
-              </a:spcAft>
-              <a:defRPr kern="1200">
-                <a:solidFill>
-                  <a:schemeClr val="tx1"/>
-                </a:solidFill>
-                <a:latin typeface="Arial" charset="0"/>
-                <a:ea typeface="+mn-ea"/>
-                <a:cs typeface="Arial" charset="0"/>
-              </a:defRPr>
-            </a:lvl4pPr>
-            <a:lvl5pPr marL="1828800" algn="l" rtl="0" fontAlgn="base">
-              <a:spcBef>
-                <a:spcPct val="0"/>
-              </a:spcBef>
-              <a:spcAft>
-                <a:spcPct val="0"/>
-              </a:spcAft>
-              <a:defRPr kern="1200">
-                <a:solidFill>
-                  <a:schemeClr val="tx1"/>
-                </a:solidFill>
-                <a:latin typeface="Arial" charset="0"/>
-                <a:ea typeface="+mn-ea"/>
-                <a:cs typeface="Arial" charset="0"/>
-              </a:defRPr>
-            </a:lvl5pPr>
-            <a:lvl6pPr marL="2286000" algn="l" defTabSz="914400" rtl="0" eaLnBrk="1" latinLnBrk="0" hangingPunct="1">
-              <a:defRPr kern="1200">
-                <a:solidFill>
-                  <a:schemeClr val="tx1"/>
-                </a:solidFill>
-                <a:latin typeface="Arial" charset="0"/>
-                <a:ea typeface="+mn-ea"/>
-                <a:cs typeface="Arial" charset="0"/>
-              </a:defRPr>
-            </a:lvl6pPr>
-            <a:lvl7pPr marL="2743200" algn="l" defTabSz="914400" rtl="0" eaLnBrk="1" latinLnBrk="0" hangingPunct="1">
-              <a:defRPr kern="1200">
-                <a:solidFill>
-                  <a:schemeClr val="tx1"/>
-                </a:solidFill>
-                <a:latin typeface="Arial" charset="0"/>
-                <a:ea typeface="+mn-ea"/>
-                <a:cs typeface="Arial" charset="0"/>
-              </a:defRPr>
-            </a:lvl7pPr>
-            <a:lvl8pPr marL="3200400" algn="l" defTabSz="914400" rtl="0" eaLnBrk="1" latinLnBrk="0" hangingPunct="1">
-              <a:defRPr kern="1200">
-                <a:solidFill>
-                  <a:schemeClr val="tx1"/>
-                </a:solidFill>
-                <a:latin typeface="Arial" charset="0"/>
-                <a:ea typeface="+mn-ea"/>
-                <a:cs typeface="Arial" charset="0"/>
-              </a:defRPr>
-            </a:lvl8pPr>
-            <a:lvl9pPr marL="3657600" algn="l" defTabSz="914400" rtl="0" eaLnBrk="1" latinLnBrk="0" hangingPunct="1">
-              <a:defRPr kern="1200">
-                <a:solidFill>
-                  <a:schemeClr val="tx1"/>
-                </a:solidFill>
-                <a:latin typeface="Arial" charset="0"/>
-                <a:ea typeface="+mn-ea"/>
-                <a:cs typeface="Arial" charset="0"/>
-              </a:defRPr>
-            </a:lvl9pPr>
-          </a:lstStyle>
-          <a:p>
-            <a:r>
-              <a:rPr lang="en-US" sz="1100" dirty="0">
-                <a:latin typeface="Arial"/>
-                <a:cs typeface="Arial"/>
-              </a:rPr>
-              <a:t>Chia-Ling Yang | </a:t>
-            </a:r>
-            <a:r>
-              <a:rPr lang="en-GB" sz="1100" b="0" i="0" u="none" strike="noStrike" dirty="0">
-                <a:effectLst/>
-                <a:latin typeface="Arial" panose="020B0604020202020204" pitchFamily="34" charset="0"/>
-              </a:rPr>
-              <a:t>Exploring Reinforcement Learning Solutions for EV-aware Optimal Power Flow Under Uncertainty</a:t>
-            </a:r>
-            <a:endParaRPr lang="en-US" sz="1100" dirty="0">
-              <a:latin typeface="Arial"/>
-              <a:cs typeface="Arial"/>
-            </a:endParaRPr>
-          </a:p>
-        </p:txBody>
-      </p:sp>
-      <p:sp>
-        <p:nvSpPr>
-          <p:cNvPr id="15" name="Title 14">
-            <a:extLst>
-              <a:ext uri="{FF2B5EF4-FFF2-40B4-BE49-F238E27FC236}">
-                <a16:creationId xmlns:a16="http://schemas.microsoft.com/office/drawing/2014/main" id="{24684729-02E9-1C59-9856-A4E3F44A6C56}"/>
-              </a:ext>
-            </a:extLst>
-          </p:cNvPr>
-          <p:cNvSpPr>
-            <a:spLocks noGrp="1"/>
-          </p:cNvSpPr>
-          <p:nvPr>
-            <p:ph type="title"/>
-          </p:nvPr>
-        </p:nvSpPr>
-        <p:spPr/>
-        <p:txBody>
-          <a:bodyPr/>
-          <a:lstStyle/>
-          <a:p>
-            <a:endParaRPr lang="en-GB" dirty="0"/>
-          </a:p>
-        </p:txBody>
-      </p:sp>
-      <p:sp>
-        <p:nvSpPr>
-          <p:cNvPr id="17" name="Chevron 21">
-            <a:extLst>
-              <a:ext uri="{FF2B5EF4-FFF2-40B4-BE49-F238E27FC236}">
-                <a16:creationId xmlns:a16="http://schemas.microsoft.com/office/drawing/2014/main" id="{70F7EE6D-C8D4-7150-2902-3E776F72A5D4}"/>
-              </a:ext>
-            </a:extLst>
-          </p:cNvPr>
-          <p:cNvSpPr/>
-          <p:nvPr/>
-        </p:nvSpPr>
-        <p:spPr bwMode="auto">
-          <a:xfrm>
-            <a:off x="2705148" y="195135"/>
-            <a:ext cx="1655556" cy="426446"/>
-          </a:xfrm>
-          <a:prstGeom prst="chevron">
-            <a:avLst/>
-          </a:prstGeom>
-          <a:solidFill>
-            <a:schemeClr val="bg1">
-              <a:lumMod val="95000"/>
-            </a:schemeClr>
-          </a:solidFill>
-          <a:ln w="9525" cap="flat" cmpd="sng" algn="ctr">
-            <a:noFill/>
-            <a:prstDash val="solid"/>
-            <a:round/>
-            <a:headEnd type="none" w="med" len="med"/>
-            <a:tailEnd type="none" w="med" len="med"/>
-          </a:ln>
-          <a:effectLst/>
-        </p:spPr>
-        <p:txBody>
-          <a:bodyPr rot="0" spcFirstLastPara="0" vertOverflow="overflow" horzOverflow="overflow" vert="horz" wrap="square" lIns="91440" tIns="45720" rIns="91440" bIns="45720" numCol="1" spcCol="0" rtlCol="0" fromWordArt="0" anchor="ctr" anchorCtr="0" forceAA="0" compatLnSpc="1">
-            <a:prstTxWarp prst="textNoShape">
-              <a:avLst/>
-            </a:prstTxWarp>
-            <a:noAutofit/>
-          </a:bodyPr>
-          <a:lstStyle/>
-          <a:p>
-            <a:pPr marL="0" marR="0" indent="0" algn="ctr" defTabSz="914400" rtl="0" eaLnBrk="0" fontAlgn="base" latinLnBrk="0" hangingPunct="0">
-              <a:lnSpc>
-                <a:spcPct val="100000"/>
-              </a:lnSpc>
-              <a:spcBef>
-                <a:spcPct val="0"/>
-              </a:spcBef>
-              <a:spcAft>
-                <a:spcPct val="0"/>
-              </a:spcAft>
-              <a:buClrTx/>
-              <a:buSzTx/>
-              <a:buFontTx/>
-              <a:buNone/>
-              <a:tabLst/>
-            </a:pPr>
-            <a:r>
-              <a:rPr kumimoji="0" lang="en-GB" sz="1400" b="0" i="0" u="none" strike="noStrike" cap="none" normalizeH="0" baseline="0" dirty="0">
-                <a:ln>
-                  <a:noFill/>
-                </a:ln>
-                <a:solidFill>
-                  <a:schemeClr val="bg1"/>
-                </a:solidFill>
-                <a:effectLst/>
-                <a:latin typeface="Helvetica Neue" charset="0"/>
-              </a:rPr>
-              <a:t>Literature Review</a:t>
-            </a:r>
-          </a:p>
-        </p:txBody>
-      </p:sp>
-      <p:sp>
-        <p:nvSpPr>
-          <p:cNvPr id="18" name="Chevron 21">
-            <a:extLst>
-              <a:ext uri="{FF2B5EF4-FFF2-40B4-BE49-F238E27FC236}">
-                <a16:creationId xmlns:a16="http://schemas.microsoft.com/office/drawing/2014/main" id="{78B2D0C4-94F0-1C9B-87BF-3921FC9065AE}"/>
-              </a:ext>
-            </a:extLst>
-          </p:cNvPr>
-          <p:cNvSpPr/>
-          <p:nvPr/>
-        </p:nvSpPr>
-        <p:spPr bwMode="auto">
-          <a:xfrm>
-            <a:off x="4157299" y="195135"/>
-            <a:ext cx="1655556" cy="426446"/>
-          </a:xfrm>
-          <a:prstGeom prst="chevron">
-            <a:avLst/>
-          </a:prstGeom>
-          <a:solidFill>
-            <a:schemeClr val="bg1">
-              <a:lumMod val="95000"/>
-            </a:schemeClr>
-          </a:solidFill>
-          <a:ln w="9525" cap="flat" cmpd="sng" algn="ctr">
-            <a:noFill/>
-            <a:prstDash val="solid"/>
-            <a:round/>
-            <a:headEnd type="none" w="med" len="med"/>
-            <a:tailEnd type="none" w="med" len="med"/>
-          </a:ln>
-          <a:effectLst/>
-        </p:spPr>
-        <p:txBody>
-          <a:bodyPr rot="0" spcFirstLastPara="0" vertOverflow="overflow" horzOverflow="overflow" vert="horz" wrap="square" lIns="91440" tIns="45720" rIns="91440" bIns="45720" numCol="1" spcCol="0" rtlCol="0" fromWordArt="0" anchor="ctr" anchorCtr="0" forceAA="0" compatLnSpc="1">
-            <a:prstTxWarp prst="textNoShape">
-              <a:avLst/>
-            </a:prstTxWarp>
-            <a:noAutofit/>
-          </a:bodyPr>
-          <a:lstStyle/>
-          <a:p>
-            <a:pPr marL="0" marR="0" indent="0" algn="ctr" defTabSz="914400" rtl="0" eaLnBrk="0" fontAlgn="base" latinLnBrk="0" hangingPunct="0">
-              <a:lnSpc>
-                <a:spcPct val="100000"/>
-              </a:lnSpc>
-              <a:spcBef>
-                <a:spcPct val="0"/>
-              </a:spcBef>
-              <a:spcAft>
-                <a:spcPct val="0"/>
-              </a:spcAft>
-              <a:buClrTx/>
-              <a:buSzTx/>
-              <a:buFontTx/>
-              <a:buNone/>
-              <a:tabLst/>
-            </a:pPr>
-            <a:r>
-              <a:rPr kumimoji="0" lang="en-GB" sz="1400" b="0" i="0" u="none" strike="noStrike" cap="none" normalizeH="0" baseline="0" dirty="0">
-                <a:ln>
-                  <a:noFill/>
-                </a:ln>
-                <a:solidFill>
-                  <a:schemeClr val="bg1"/>
-                </a:solidFill>
-                <a:effectLst/>
-                <a:latin typeface="Helvetica Neue" charset="0"/>
-              </a:rPr>
-              <a:t>Methodology</a:t>
-            </a:r>
-          </a:p>
-        </p:txBody>
-      </p:sp>
-      <p:sp>
-        <p:nvSpPr>
-          <p:cNvPr id="3" name="Chevron 21">
-            <a:extLst>
-              <a:ext uri="{FF2B5EF4-FFF2-40B4-BE49-F238E27FC236}">
-                <a16:creationId xmlns:a16="http://schemas.microsoft.com/office/drawing/2014/main" id="{80AF392C-A898-A0D4-6227-55CAE67374DF}"/>
-              </a:ext>
-            </a:extLst>
-          </p:cNvPr>
-          <p:cNvSpPr/>
-          <p:nvPr/>
-        </p:nvSpPr>
-        <p:spPr bwMode="auto">
-          <a:xfrm>
-            <a:off x="5601171" y="195135"/>
-            <a:ext cx="1655556" cy="426446"/>
-          </a:xfrm>
-          <a:prstGeom prst="chevron">
-            <a:avLst/>
-          </a:prstGeom>
-          <a:solidFill>
-            <a:schemeClr val="bg1">
-              <a:lumMod val="95000"/>
-            </a:schemeClr>
-          </a:solidFill>
-          <a:ln w="9525" cap="flat" cmpd="sng" algn="ctr">
-            <a:noFill/>
-            <a:prstDash val="solid"/>
-            <a:round/>
-            <a:headEnd type="none" w="med" len="med"/>
-            <a:tailEnd type="none" w="med" len="med"/>
-          </a:ln>
-          <a:effectLst/>
-        </p:spPr>
-        <p:txBody>
-          <a:bodyPr rot="0" spcFirstLastPara="0" vertOverflow="overflow" horzOverflow="overflow" vert="horz" wrap="square" lIns="91440" tIns="45720" rIns="91440" bIns="45720" numCol="1" spcCol="0" rtlCol="0" fromWordArt="0" anchor="ctr" anchorCtr="0" forceAA="0" compatLnSpc="1">
-            <a:prstTxWarp prst="textNoShape">
-              <a:avLst/>
-            </a:prstTxWarp>
-            <a:noAutofit/>
-          </a:bodyPr>
-          <a:lstStyle/>
-          <a:p>
-            <a:pPr marL="0" marR="0" indent="0" algn="ctr" defTabSz="914400" rtl="0" eaLnBrk="0" fontAlgn="base" latinLnBrk="0" hangingPunct="0">
-              <a:lnSpc>
-                <a:spcPct val="100000"/>
-              </a:lnSpc>
-              <a:spcBef>
-                <a:spcPct val="0"/>
-              </a:spcBef>
-              <a:spcAft>
-                <a:spcPct val="0"/>
-              </a:spcAft>
-              <a:buClrTx/>
-              <a:buSzTx/>
-              <a:buFontTx/>
-              <a:buNone/>
-              <a:tabLst/>
-            </a:pPr>
-            <a:r>
-              <a:rPr kumimoji="0" lang="en-GB" sz="1400" b="0" i="0" u="none" strike="noStrike" cap="none" normalizeH="0" baseline="0" dirty="0">
-                <a:ln>
-                  <a:noFill/>
-                </a:ln>
-                <a:solidFill>
-                  <a:schemeClr val="bg1"/>
-                </a:solidFill>
-                <a:effectLst/>
-                <a:latin typeface="Helvetica Neue" charset="0"/>
-              </a:rPr>
-              <a:t>Outlook</a:t>
-            </a:r>
-          </a:p>
-        </p:txBody>
-      </p:sp>
-    </p:spTree>
-    <p:extLst>
-      <p:ext uri="{BB962C8B-B14F-4D97-AF65-F5344CB8AC3E}">
-        <p14:creationId xmlns:p14="http://schemas.microsoft.com/office/powerpoint/2010/main" val="205001959"/>
-      </p:ext>
-    </p:extLst>
-  </p:cSld>
-  <p:clrMapOvr>
-    <a:masterClrMapping/>
-  </p:clrMapOvr>
-</p:sld>
-</file>
-
-<file path=ppt/slides/slide5.xml><?xml version="1.0" encoding="utf-8"?>
-<p:sld xmlns:a="http://schemas.openxmlformats.org/drawingml/2006/main" xmlns:r="http://schemas.openxmlformats.org/officeDocument/2006/relationships" xmlns:p="http://schemas.openxmlformats.org/presentationml/2006/main">
-  <p:cSld>
-    <p:spTree>
-      <p:nvGrpSpPr>
-        <p:cNvPr id="1" name=""/>
-        <p:cNvGrpSpPr/>
-        <p:nvPr/>
-      </p:nvGrpSpPr>
-      <p:grpSpPr>
-        <a:xfrm>
-          <a:off x="0" y="0"/>
-          <a:ext cx="0" cy="0"/>
-          <a:chOff x="0" y="0"/>
-          <a:chExt cx="0" cy="0"/>
-        </a:xfrm>
-      </p:grpSpPr>
-      <p:sp>
-        <p:nvSpPr>
-          <p:cNvPr id="4" name="Slide Number Placeholder 3">
-            <a:extLst>
-              <a:ext uri="{FF2B5EF4-FFF2-40B4-BE49-F238E27FC236}">
-                <a16:creationId xmlns:a16="http://schemas.microsoft.com/office/drawing/2014/main" id="{635D27B6-C60E-B825-3BF8-5231FF2153E6}"/>
-              </a:ext>
-            </a:extLst>
-          </p:cNvPr>
-          <p:cNvSpPr>
-            <a:spLocks noGrp="1"/>
-          </p:cNvSpPr>
-          <p:nvPr>
-            <p:ph type="sldNum" sz="quarter" idx="11"/>
-          </p:nvPr>
-        </p:nvSpPr>
-        <p:spPr/>
-        <p:txBody>
-          <a:bodyPr/>
-          <a:lstStyle/>
-          <a:p>
-            <a:fld id="{CE58CB1E-F828-4F11-99E0-327109AF9DA4}" type="slidenum">
-              <a:rPr lang="de-DE" smtClean="0"/>
-              <a:pPr/>
-              <a:t>5</a:t>
             </a:fld>
             <a:endParaRPr lang="de-DE"/>
           </a:p>
@@ -32272,7 +35889,7 @@
         <p:spPr>
           <a:xfrm>
             <a:off x="603392" y="4164488"/>
-            <a:ext cx="3864841" cy="128625"/>
+            <a:ext cx="3807132" cy="128625"/>
           </a:xfrm>
           <a:prstGeom prst="rect">
             <a:avLst/>
@@ -32308,7 +35925,7 @@
                 <a:effectLst/>
                 <a:latin typeface="Arial" panose="020B0604020202020204" pitchFamily="34" charset="0"/>
               </a:rPr>
-              <a:t> et al. "Net zero by 2050: A roadmap for the global energy sector." (2021).</a:t>
+              <a:t> et al. (2021) "Net zero by 2050: A roadmap for the global energy sector."</a:t>
             </a:r>
             <a:endParaRPr lang="en-GB" sz="800" dirty="0">
               <a:latin typeface="+mn-lt"/>
@@ -32455,7 +36072,7 @@
 </p:sld>
 </file>
 
-<file path=ppt/slides/slide6.xml><?xml version="1.0" encoding="utf-8"?>
+<file path=ppt/slides/slide5.xml><?xml version="1.0" encoding="utf-8"?>
 <p:sld xmlns:a="http://schemas.openxmlformats.org/drawingml/2006/main" xmlns:r="http://schemas.openxmlformats.org/officeDocument/2006/relationships" xmlns:p="http://schemas.openxmlformats.org/presentationml/2006/main">
   <p:cSld>
     <p:spTree>
@@ -32496,7 +36113,7 @@
             <a:fld id="{CE58CB1E-F828-4F11-99E0-327109AF9DA4}" type="slidenum">
               <a:rPr lang="de-DE" smtClean="0"/>
               <a:pPr/>
-              <a:t>6</a:t>
+              <a:t>5</a:t>
             </a:fld>
             <a:endParaRPr lang="de-DE"/>
           </a:p>
@@ -33404,7 +37021,7 @@
           <a:p>
             <a:r>
               <a:rPr lang="en-GB" sz="800" dirty="0"/>
-              <a:t>IEA (2023), World Energy Outlook 2023, IEA, Paris https://</a:t>
+              <a:t>IEA (2023). “World Energy Outlook 2023” https://</a:t>
             </a:r>
             <a:r>
               <a:rPr lang="en-GB" sz="800" dirty="0" err="1"/>
@@ -33412,7 +37029,49 @@
             </a:r>
             <a:r>
               <a:rPr lang="en-GB" sz="800" dirty="0"/>
-              <a:t>/reports/world-energy-outlook-2023, Licence: CC BY 4.0 (report); CC BY NC SA 4.0 (Annex A)</a:t>
+              <a:t>/reports/world-energy-outlook-2023</a:t>
+            </a:r>
+          </a:p>
+        </p:txBody>
+      </p:sp>
+      <p:sp>
+        <p:nvSpPr>
+          <p:cNvPr id="12" name="TextBox 11">
+            <a:extLst>
+              <a:ext uri="{FF2B5EF4-FFF2-40B4-BE49-F238E27FC236}">
+                <a16:creationId xmlns:a16="http://schemas.microsoft.com/office/drawing/2014/main" id="{22B8AEE9-D09C-E5D0-4830-F2588A2A5D9F}"/>
+              </a:ext>
+            </a:extLst>
+          </p:cNvPr>
+          <p:cNvSpPr txBox="1"/>
+          <p:nvPr/>
+        </p:nvSpPr>
+        <p:spPr>
+          <a:xfrm>
+            <a:off x="5436328" y="1844556"/>
+            <a:ext cx="3100208" cy="257250"/>
+          </a:xfrm>
+          <a:prstGeom prst="rect">
+            <a:avLst/>
+          </a:prstGeom>
+          <a:noFill/>
+        </p:spPr>
+        <p:txBody>
+          <a:bodyPr wrap="none" lIns="0" tIns="0" rIns="0" bIns="0" rtlCol="0">
+            <a:spAutoFit/>
+          </a:bodyPr>
+          <a:lstStyle/>
+          <a:p>
+            <a:pPr>
+              <a:lnSpc>
+                <a:spcPct val="114000"/>
+              </a:lnSpc>
+            </a:pPr>
+            <a:r>
+              <a:rPr lang="en-GB" sz="1600" dirty="0">
+                <a:latin typeface="+mn-lt"/>
+              </a:rPr>
+              <a:t>Decentralization of the power grid</a:t>
             </a:r>
           </a:p>
         </p:txBody>
@@ -33421,6 +37080,69 @@
     <p:extLst>
       <p:ext uri="{BB962C8B-B14F-4D97-AF65-F5344CB8AC3E}">
         <p14:creationId xmlns:p14="http://schemas.microsoft.com/office/powerpoint/2010/main" val="2829396792"/>
+      </p:ext>
+    </p:extLst>
+  </p:cSld>
+  <p:clrMapOvr>
+    <a:masterClrMapping/>
+  </p:clrMapOvr>
+</p:sld>
+</file>
+
+<file path=ppt/slides/slide6.xml><?xml version="1.0" encoding="utf-8"?>
+<p:sld xmlns:a="http://schemas.openxmlformats.org/drawingml/2006/main" xmlns:r="http://schemas.openxmlformats.org/officeDocument/2006/relationships" xmlns:p="http://schemas.openxmlformats.org/presentationml/2006/main">
+  <p:cSld>
+    <p:spTree>
+      <p:nvGrpSpPr>
+        <p:cNvPr id="1" name=""/>
+        <p:cNvGrpSpPr/>
+        <p:nvPr/>
+      </p:nvGrpSpPr>
+      <p:grpSpPr>
+        <a:xfrm>
+          <a:off x="0" y="0"/>
+          <a:ext cx="0" cy="0"/>
+          <a:chOff x="0" y="0"/>
+          <a:chExt cx="0" cy="0"/>
+        </a:xfrm>
+      </p:grpSpPr>
+      <p:sp>
+        <p:nvSpPr>
+          <p:cNvPr id="2" name="Title 1">
+            <a:extLst>
+              <a:ext uri="{FF2B5EF4-FFF2-40B4-BE49-F238E27FC236}">
+                <a16:creationId xmlns:a16="http://schemas.microsoft.com/office/drawing/2014/main" id="{DFE7BBAD-C53B-2C58-EB5A-C6B98E80A983}"/>
+              </a:ext>
+            </a:extLst>
+          </p:cNvPr>
+          <p:cNvSpPr>
+            <a:spLocks noGrp="1"/>
+          </p:cNvSpPr>
+          <p:nvPr>
+            <p:ph type="title"/>
+          </p:nvPr>
+        </p:nvSpPr>
+        <p:spPr>
+          <a:xfrm>
+            <a:off x="319090" y="972000"/>
+            <a:ext cx="8508999" cy="380745"/>
+          </a:xfrm>
+        </p:spPr>
+        <p:txBody>
+          <a:bodyPr/>
+          <a:lstStyle/>
+          <a:p>
+            <a:r>
+              <a:rPr lang="en-GB" dirty="0"/>
+              <a:t>Problem Formulation</a:t>
+            </a:r>
+          </a:p>
+        </p:txBody>
+      </p:sp>
+    </p:spTree>
+    <p:extLst>
+      <p:ext uri="{BB962C8B-B14F-4D97-AF65-F5344CB8AC3E}">
+        <p14:creationId xmlns:p14="http://schemas.microsoft.com/office/powerpoint/2010/main" val="2451599247"/>
       </p:ext>
     </p:extLst>
   </p:cSld>
@@ -33447,64 +37169,41 @@
           <a:chExt cx="0" cy="0"/>
         </a:xfrm>
       </p:grpSpPr>
-      <p:sp>
-        <p:nvSpPr>
-          <p:cNvPr id="2" name="Content Placeholder 1">
+      <p:pic>
+        <p:nvPicPr>
+          <p:cNvPr id="13" name="Content Placeholder 12" descr="Solar Panels with solid fill">
             <a:extLst>
               <a:ext uri="{FF2B5EF4-FFF2-40B4-BE49-F238E27FC236}">
-                <a16:creationId xmlns:a16="http://schemas.microsoft.com/office/drawing/2014/main" id="{B09F7E02-F7BA-FEAB-86F6-CE7FE5BD723D}"/>
+                <a16:creationId xmlns:a16="http://schemas.microsoft.com/office/drawing/2014/main" id="{93C65486-3996-2B99-4E5A-A38DE7D7D30A}"/>
               </a:ext>
             </a:extLst>
           </p:cNvPr>
-          <p:cNvSpPr>
-            <a:spLocks noGrp="1"/>
-          </p:cNvSpPr>
+          <p:cNvPicPr>
+            <a:picLocks noGrp="1" noChangeAspect="1"/>
+          </p:cNvPicPr>
           <p:nvPr>
             <p:ph idx="1"/>
           </p:nvPr>
-        </p:nvSpPr>
-        <p:spPr/>
-        <p:txBody>
-          <a:bodyPr/>
-          <a:lstStyle/>
-          <a:p>
-            <a:endParaRPr lang="en-GB" dirty="0"/>
-          </a:p>
-        </p:txBody>
-      </p:sp>
-      <p:sp>
-        <p:nvSpPr>
-          <p:cNvPr id="3" name="Title 2">
+        </p:nvPicPr>
+        <p:blipFill>
+          <a:blip r:embed="rId2">
             <a:extLst>
-              <a:ext uri="{FF2B5EF4-FFF2-40B4-BE49-F238E27FC236}">
-                <a16:creationId xmlns:a16="http://schemas.microsoft.com/office/drawing/2014/main" id="{2205F221-DD06-3596-C330-06FF75A51F0E}"/>
+              <a:ext uri="{96DAC541-7B7A-43D3-8B79-37D633B846F1}">
+                <asvg:svgBlip xmlns:asvg="http://schemas.microsoft.com/office/drawing/2016/SVG/main" r:embed="rId3"/>
               </a:ext>
             </a:extLst>
-          </p:cNvPr>
-          <p:cNvSpPr>
-            <a:spLocks noGrp="1"/>
-          </p:cNvSpPr>
-          <p:nvPr>
-            <p:ph type="title"/>
-          </p:nvPr>
-        </p:nvSpPr>
+          </a:blip>
+          <a:stretch>
+            <a:fillRect/>
+          </a:stretch>
+        </p:blipFill>
         <p:spPr>
           <a:xfrm>
-            <a:off x="319090" y="972000"/>
-            <a:ext cx="8508999" cy="381195"/>
+            <a:off x="895374" y="3662538"/>
+            <a:ext cx="914400" cy="914400"/>
           </a:xfrm>
         </p:spPr>
-        <p:txBody>
-          <a:bodyPr/>
-          <a:lstStyle/>
-          <a:p>
-            <a:r>
-              <a:rPr lang="en-GB" dirty="0"/>
-              <a:t>Optimal Power Flow</a:t>
-            </a:r>
-          </a:p>
-        </p:txBody>
-      </p:sp>
+      </p:pic>
       <p:sp>
         <p:nvSpPr>
           <p:cNvPr id="4" name="Slide Number Placeholder 3">
@@ -34099,6 +37798,258 @@
           </p:txBody>
         </p:sp>
       </p:grpSp>
+      <p:pic>
+        <p:nvPicPr>
+          <p:cNvPr id="15" name="Graphic 14" descr="Wind Turbines with solid fill">
+            <a:extLst>
+              <a:ext uri="{FF2B5EF4-FFF2-40B4-BE49-F238E27FC236}">
+                <a16:creationId xmlns:a16="http://schemas.microsoft.com/office/drawing/2014/main" id="{CEAE12FD-6BD6-5C0A-008B-CE39241137AD}"/>
+              </a:ext>
+            </a:extLst>
+          </p:cNvPr>
+          <p:cNvPicPr>
+            <a:picLocks noChangeAspect="1"/>
+          </p:cNvPicPr>
+          <p:nvPr/>
+        </p:nvPicPr>
+        <p:blipFill>
+          <a:blip r:embed="rId4">
+            <a:extLst>
+              <a:ext uri="{96DAC541-7B7A-43D3-8B79-37D633B846F1}">
+                <asvg:svgBlip xmlns:asvg="http://schemas.microsoft.com/office/drawing/2016/SVG/main" r:embed="rId5"/>
+              </a:ext>
+            </a:extLst>
+          </a:blip>
+          <a:stretch>
+            <a:fillRect/>
+          </a:stretch>
+        </p:blipFill>
+        <p:spPr>
+          <a:xfrm>
+            <a:off x="930737" y="2495025"/>
+            <a:ext cx="914400" cy="914400"/>
+          </a:xfrm>
+          <a:prstGeom prst="rect">
+            <a:avLst/>
+          </a:prstGeom>
+        </p:spPr>
+      </p:pic>
+      <p:pic>
+        <p:nvPicPr>
+          <p:cNvPr id="17" name="Graphic 16" descr="Electric Tower with solid fill">
+            <a:extLst>
+              <a:ext uri="{FF2B5EF4-FFF2-40B4-BE49-F238E27FC236}">
+                <a16:creationId xmlns:a16="http://schemas.microsoft.com/office/drawing/2014/main" id="{9E990534-DC39-49AF-EC52-45EC0840CCAD}"/>
+              </a:ext>
+            </a:extLst>
+          </p:cNvPr>
+          <p:cNvPicPr>
+            <a:picLocks noChangeAspect="1"/>
+          </p:cNvPicPr>
+          <p:nvPr/>
+        </p:nvPicPr>
+        <p:blipFill>
+          <a:blip r:embed="rId6">
+            <a:extLst>
+              <a:ext uri="{96DAC541-7B7A-43D3-8B79-37D633B846F1}">
+                <asvg:svgBlip xmlns:asvg="http://schemas.microsoft.com/office/drawing/2016/SVG/main" r:embed="rId7"/>
+              </a:ext>
+            </a:extLst>
+          </a:blip>
+          <a:stretch>
+            <a:fillRect/>
+          </a:stretch>
+        </p:blipFill>
+        <p:spPr>
+          <a:xfrm>
+            <a:off x="3595559" y="1810435"/>
+            <a:ext cx="1655556" cy="1655556"/>
+          </a:xfrm>
+          <a:prstGeom prst="rect">
+            <a:avLst/>
+          </a:prstGeom>
+        </p:spPr>
+      </p:pic>
+      <p:pic>
+        <p:nvPicPr>
+          <p:cNvPr id="19" name="Graphic 18" descr="Full battery with solid fill">
+            <a:extLst>
+              <a:ext uri="{FF2B5EF4-FFF2-40B4-BE49-F238E27FC236}">
+                <a16:creationId xmlns:a16="http://schemas.microsoft.com/office/drawing/2014/main" id="{1672BC10-BB31-C175-DF41-210E13F624E0}"/>
+              </a:ext>
+            </a:extLst>
+          </p:cNvPr>
+          <p:cNvPicPr>
+            <a:picLocks noChangeAspect="1"/>
+          </p:cNvPicPr>
+          <p:nvPr/>
+        </p:nvPicPr>
+        <p:blipFill>
+          <a:blip r:embed="rId8">
+            <a:extLst>
+              <a:ext uri="{96DAC541-7B7A-43D3-8B79-37D633B846F1}">
+                <asvg:svgBlip xmlns:asvg="http://schemas.microsoft.com/office/drawing/2016/SVG/main" r:embed="rId9"/>
+              </a:ext>
+            </a:extLst>
+          </a:blip>
+          <a:stretch>
+            <a:fillRect/>
+          </a:stretch>
+        </p:blipFill>
+        <p:spPr>
+          <a:xfrm>
+            <a:off x="6943065" y="2638213"/>
+            <a:ext cx="914400" cy="914400"/>
+          </a:xfrm>
+          <a:prstGeom prst="rect">
+            <a:avLst/>
+          </a:prstGeom>
+        </p:spPr>
+      </p:pic>
+      <p:pic>
+        <p:nvPicPr>
+          <p:cNvPr id="23" name="Graphic 22" descr="Electric car with solid fill">
+            <a:extLst>
+              <a:ext uri="{FF2B5EF4-FFF2-40B4-BE49-F238E27FC236}">
+                <a16:creationId xmlns:a16="http://schemas.microsoft.com/office/drawing/2014/main" id="{346B51E7-5342-CF29-86CE-39103DF162B2}"/>
+              </a:ext>
+            </a:extLst>
+          </p:cNvPr>
+          <p:cNvPicPr>
+            <a:picLocks noChangeAspect="1"/>
+          </p:cNvPicPr>
+          <p:nvPr/>
+        </p:nvPicPr>
+        <p:blipFill>
+          <a:blip r:embed="rId10">
+            <a:extLst>
+              <a:ext uri="{96DAC541-7B7A-43D3-8B79-37D633B846F1}">
+                <asvg:svgBlip xmlns:asvg="http://schemas.microsoft.com/office/drawing/2016/SVG/main" r:embed="rId11"/>
+              </a:ext>
+            </a:extLst>
+          </a:blip>
+          <a:stretch>
+            <a:fillRect/>
+          </a:stretch>
+        </p:blipFill>
+        <p:spPr>
+          <a:xfrm>
+            <a:off x="6943065" y="3662538"/>
+            <a:ext cx="914400" cy="914400"/>
+          </a:xfrm>
+          <a:prstGeom prst="rect">
+            <a:avLst/>
+          </a:prstGeom>
+        </p:spPr>
+      </p:pic>
+      <p:pic>
+        <p:nvPicPr>
+          <p:cNvPr id="25" name="Graphic 24" descr="Washing Machine with solid fill">
+            <a:extLst>
+              <a:ext uri="{FF2B5EF4-FFF2-40B4-BE49-F238E27FC236}">
+                <a16:creationId xmlns:a16="http://schemas.microsoft.com/office/drawing/2014/main" id="{7D0263D0-014B-EF75-D541-0E5633FFAE3F}"/>
+              </a:ext>
+            </a:extLst>
+          </p:cNvPr>
+          <p:cNvPicPr>
+            <a:picLocks noChangeAspect="1"/>
+          </p:cNvPicPr>
+          <p:nvPr/>
+        </p:nvPicPr>
+        <p:blipFill>
+          <a:blip r:embed="rId12">
+            <a:extLst>
+              <a:ext uri="{96DAC541-7B7A-43D3-8B79-37D633B846F1}">
+                <asvg:svgBlip xmlns:asvg="http://schemas.microsoft.com/office/drawing/2016/SVG/main" r:embed="rId13"/>
+              </a:ext>
+            </a:extLst>
+          </a:blip>
+          <a:stretch>
+            <a:fillRect/>
+          </a:stretch>
+        </p:blipFill>
+        <p:spPr>
+          <a:xfrm>
+            <a:off x="6943065" y="1374949"/>
+            <a:ext cx="914400" cy="914400"/>
+          </a:xfrm>
+          <a:prstGeom prst="rect">
+            <a:avLst/>
+          </a:prstGeom>
+        </p:spPr>
+      </p:pic>
+      <p:pic>
+        <p:nvPicPr>
+          <p:cNvPr id="26" name="Graphic 25" descr="Electric Tower with solid fill">
+            <a:extLst>
+              <a:ext uri="{FF2B5EF4-FFF2-40B4-BE49-F238E27FC236}">
+                <a16:creationId xmlns:a16="http://schemas.microsoft.com/office/drawing/2014/main" id="{F308E449-764E-427E-2C4D-A61FA99F4BC0}"/>
+              </a:ext>
+            </a:extLst>
+          </p:cNvPr>
+          <p:cNvPicPr>
+            <a:picLocks noChangeAspect="1"/>
+          </p:cNvPicPr>
+          <p:nvPr/>
+        </p:nvPicPr>
+        <p:blipFill>
+          <a:blip r:embed="rId6">
+            <a:extLst>
+              <a:ext uri="{96DAC541-7B7A-43D3-8B79-37D633B846F1}">
+                <asvg:svgBlip xmlns:asvg="http://schemas.microsoft.com/office/drawing/2016/SVG/main" r:embed="rId7"/>
+              </a:ext>
+            </a:extLst>
+          </a:blip>
+          <a:stretch>
+            <a:fillRect/>
+          </a:stretch>
+        </p:blipFill>
+        <p:spPr>
+          <a:xfrm>
+            <a:off x="934571" y="1302578"/>
+            <a:ext cx="914400" cy="914400"/>
+          </a:xfrm>
+          <a:prstGeom prst="rect">
+            <a:avLst/>
+          </a:prstGeom>
+        </p:spPr>
+      </p:pic>
+      <p:pic>
+        <p:nvPicPr>
+          <p:cNvPr id="30" name="Graphic 29" descr="Questions with solid fill">
+            <a:extLst>
+              <a:ext uri="{FF2B5EF4-FFF2-40B4-BE49-F238E27FC236}">
+                <a16:creationId xmlns:a16="http://schemas.microsoft.com/office/drawing/2014/main" id="{46AA5A7D-2FB9-5C7C-2CB6-8ED819262705}"/>
+              </a:ext>
+            </a:extLst>
+          </p:cNvPr>
+          <p:cNvPicPr>
+            <a:picLocks noChangeAspect="1"/>
+          </p:cNvPicPr>
+          <p:nvPr/>
+        </p:nvPicPr>
+        <p:blipFill>
+          <a:blip r:embed="rId14">
+            <a:extLst>
+              <a:ext uri="{96DAC541-7B7A-43D3-8B79-37D633B846F1}">
+                <asvg:svgBlip xmlns:asvg="http://schemas.microsoft.com/office/drawing/2016/SVG/main" r:embed="rId15"/>
+              </a:ext>
+            </a:extLst>
+          </a:blip>
+          <a:stretch>
+            <a:fillRect/>
+          </a:stretch>
+        </p:blipFill>
+        <p:spPr>
+          <a:xfrm>
+            <a:off x="4599605" y="1255363"/>
+            <a:ext cx="642118" cy="642118"/>
+          </a:xfrm>
+          <a:prstGeom prst="rect">
+            <a:avLst/>
+          </a:prstGeom>
+        </p:spPr>
+      </p:pic>
     </p:spTree>
     <p:extLst>
       <p:ext uri="{BB962C8B-B14F-4D97-AF65-F5344CB8AC3E}">
@@ -34129,31 +38080,6 @@
           <a:chExt cx="0" cy="0"/>
         </a:xfrm>
       </p:grpSpPr>
-      <p:sp>
-        <p:nvSpPr>
-          <p:cNvPr id="2" name="Content Placeholder 1">
-            <a:extLst>
-              <a:ext uri="{FF2B5EF4-FFF2-40B4-BE49-F238E27FC236}">
-                <a16:creationId xmlns:a16="http://schemas.microsoft.com/office/drawing/2014/main" id="{B09F7E02-F7BA-FEAB-86F6-CE7FE5BD723D}"/>
-              </a:ext>
-            </a:extLst>
-          </p:cNvPr>
-          <p:cNvSpPr>
-            <a:spLocks noGrp="1"/>
-          </p:cNvSpPr>
-          <p:nvPr>
-            <p:ph idx="1"/>
-          </p:nvPr>
-        </p:nvSpPr>
-        <p:spPr/>
-        <p:txBody>
-          <a:bodyPr/>
-          <a:lstStyle/>
-          <a:p>
-            <a:endParaRPr lang="en-GB" dirty="0"/>
-          </a:p>
-        </p:txBody>
-      </p:sp>
       <p:sp>
         <p:nvSpPr>
           <p:cNvPr id="3" name="Title 2">
@@ -34781,6 +38707,48 @@
           </p:txBody>
         </p:sp>
       </p:grpSp>
+      <p:sp>
+        <p:nvSpPr>
+          <p:cNvPr id="18" name="TextBox 17">
+            <a:extLst>
+              <a:ext uri="{FF2B5EF4-FFF2-40B4-BE49-F238E27FC236}">
+                <a16:creationId xmlns:a16="http://schemas.microsoft.com/office/drawing/2014/main" id="{12772F66-EAA0-BA5E-7E40-AC4A62C33C94}"/>
+              </a:ext>
+            </a:extLst>
+          </p:cNvPr>
+          <p:cNvSpPr txBox="1"/>
+          <p:nvPr/>
+        </p:nvSpPr>
+        <p:spPr>
+          <a:xfrm>
+            <a:off x="731520" y="1813739"/>
+            <a:ext cx="2801406" cy="257250"/>
+          </a:xfrm>
+          <a:prstGeom prst="rect">
+            <a:avLst/>
+          </a:prstGeom>
+          <a:noFill/>
+        </p:spPr>
+        <p:txBody>
+          <a:bodyPr wrap="square" lIns="0" tIns="0" rIns="0" bIns="0" rtlCol="0">
+            <a:spAutoFit/>
+          </a:bodyPr>
+          <a:lstStyle/>
+          <a:p>
+            <a:pPr>
+              <a:lnSpc>
+                <a:spcPct val="114000"/>
+              </a:lnSpc>
+            </a:pPr>
+            <a:r>
+              <a:rPr lang="en-GB" sz="1600" dirty="0">
+                <a:latin typeface="+mn-lt"/>
+              </a:rPr>
+              <a:t>Set and notation</a:t>
+            </a:r>
+          </a:p>
+        </p:txBody>
+      </p:sp>
     </p:spTree>
     <p:extLst>
       <p:ext uri="{BB962C8B-B14F-4D97-AF65-F5344CB8AC3E}">
@@ -34813,42 +38781,6 @@
       </p:grpSpPr>
       <p:sp>
         <p:nvSpPr>
-          <p:cNvPr id="2" name="Content Placeholder 1">
-            <a:extLst>
-              <a:ext uri="{FF2B5EF4-FFF2-40B4-BE49-F238E27FC236}">
-                <a16:creationId xmlns:a16="http://schemas.microsoft.com/office/drawing/2014/main" id="{B09F7E02-F7BA-FEAB-86F6-CE7FE5BD723D}"/>
-              </a:ext>
-            </a:extLst>
-          </p:cNvPr>
-          <p:cNvSpPr>
-            <a:spLocks noGrp="1"/>
-          </p:cNvSpPr>
-          <p:nvPr>
-            <p:ph idx="1"/>
-          </p:nvPr>
-        </p:nvSpPr>
-        <p:spPr/>
-        <p:txBody>
-          <a:bodyPr/>
-          <a:lstStyle/>
-          <a:p>
-            <a:r>
-              <a:rPr lang="en-GB" dirty="0"/>
-              <a:t>Possible solutions: mathematical optimization </a:t>
-            </a:r>
-            <a:r>
-              <a:rPr lang="en-GB" dirty="0" err="1"/>
-              <a:t>v.s</a:t>
-            </a:r>
-            <a:r>
-              <a:rPr lang="en-GB" dirty="0"/>
-              <a:t>. reinforcement learning</a:t>
-            </a:r>
-          </a:p>
-        </p:txBody>
-      </p:sp>
-      <p:sp>
-        <p:nvSpPr>
           <p:cNvPr id="3" name="Title 2">
             <a:extLst>
               <a:ext uri="{FF2B5EF4-FFF2-40B4-BE49-F238E27FC236}">
@@ -34863,12 +38795,20 @@
             <p:ph type="title"/>
           </p:nvPr>
         </p:nvSpPr>
-        <p:spPr/>
+        <p:spPr>
+          <a:xfrm>
+            <a:off x="319090" y="972000"/>
+            <a:ext cx="8508999" cy="381195"/>
+          </a:xfrm>
+        </p:spPr>
         <p:txBody>
           <a:bodyPr/>
           <a:lstStyle/>
           <a:p>
-            <a:endParaRPr lang="en-GB"/>
+            <a:r>
+              <a:rPr lang="en-GB" dirty="0"/>
+              <a:t>Optimal Power Flow</a:t>
+            </a:r>
           </a:p>
         </p:txBody>
       </p:sp>
@@ -34907,7 +38847,7 @@
           <p:cNvPr id="6" name="Fußzeilenplatzhalter 4">
             <a:extLst>
               <a:ext uri="{FF2B5EF4-FFF2-40B4-BE49-F238E27FC236}">
-                <a16:creationId xmlns:a16="http://schemas.microsoft.com/office/drawing/2014/main" id="{B2097AF6-3CCB-F0B5-D176-059CE3D6F2DE}"/>
+                <a16:creationId xmlns:a16="http://schemas.microsoft.com/office/drawing/2014/main" id="{BEAD0A3D-D1CA-F119-EBDD-E65080E09F1C}"/>
               </a:ext>
             </a:extLst>
           </p:cNvPr>
@@ -35076,10 +39016,10 @@
       </p:sp>
       <p:grpSp>
         <p:nvGrpSpPr>
-          <p:cNvPr id="5" name="Group 4">
+          <p:cNvPr id="11" name="Group 10">
             <a:extLst>
               <a:ext uri="{FF2B5EF4-FFF2-40B4-BE49-F238E27FC236}">
-                <a16:creationId xmlns:a16="http://schemas.microsoft.com/office/drawing/2014/main" id="{00D542E3-04F3-83A2-B558-1627C469DDD9}"/>
+                <a16:creationId xmlns:a16="http://schemas.microsoft.com/office/drawing/2014/main" id="{69F25379-2398-F1ED-3376-C18C0A9C51D8}"/>
               </a:ext>
             </a:extLst>
           </p:cNvPr>
@@ -35096,10 +39036,10 @@
         </p:grpSpPr>
         <p:sp>
           <p:nvSpPr>
-            <p:cNvPr id="7" name="Pentagon 19">
+            <p:cNvPr id="5" name="Pentagon 19">
               <a:extLst>
                 <a:ext uri="{FF2B5EF4-FFF2-40B4-BE49-F238E27FC236}">
-                  <a16:creationId xmlns:a16="http://schemas.microsoft.com/office/drawing/2014/main" id="{F00060BA-8AA3-CD8C-0BE0-D22D56D18CEC}"/>
+                  <a16:creationId xmlns:a16="http://schemas.microsoft.com/office/drawing/2014/main" id="{328A0AF8-6A67-556F-5C87-15545E5DBFF8}"/>
                 </a:ext>
               </a:extLst>
             </p:cNvPr>
@@ -35169,10 +39109,10 @@
         </p:sp>
         <p:sp>
           <p:nvSpPr>
-            <p:cNvPr id="8" name="Chevron 21">
+            <p:cNvPr id="7" name="Chevron 21">
               <a:extLst>
                 <a:ext uri="{FF2B5EF4-FFF2-40B4-BE49-F238E27FC236}">
-                  <a16:creationId xmlns:a16="http://schemas.microsoft.com/office/drawing/2014/main" id="{C19E730C-E563-0DE7-3A17-212A05F47DE3}"/>
+                  <a16:creationId xmlns:a16="http://schemas.microsoft.com/office/drawing/2014/main" id="{E3E5F189-7340-7F7E-50D9-3CC83AEF686E}"/>
                 </a:ext>
               </a:extLst>
             </p:cNvPr>
@@ -35188,7 +39128,7 @@
               <a:avLst/>
             </a:prstGeom>
             <a:solidFill>
-              <a:srgbClr val="F2F2F2"/>
+              <a:srgbClr val="0065BD"/>
             </a:solidFill>
             <a:ln w="9525" cap="flat" cmpd="sng" algn="ctr">
               <a:noFill/>
@@ -35242,10 +39182,10 @@
         </p:sp>
         <p:sp>
           <p:nvSpPr>
-            <p:cNvPr id="9" name="Chevron 21">
+            <p:cNvPr id="8" name="Chevron 21">
               <a:extLst>
                 <a:ext uri="{FF2B5EF4-FFF2-40B4-BE49-F238E27FC236}">
-                  <a16:creationId xmlns:a16="http://schemas.microsoft.com/office/drawing/2014/main" id="{6EF7888E-A2C5-06BA-6967-BEE8A364F680}"/>
+                  <a16:creationId xmlns:a16="http://schemas.microsoft.com/office/drawing/2014/main" id="{6F26CBD2-F5AF-720E-9E1E-F5D5A82DBAC8}"/>
                 </a:ext>
               </a:extLst>
             </p:cNvPr>
@@ -35261,7 +39201,9 @@
               <a:avLst/>
             </a:prstGeom>
             <a:solidFill>
-              <a:srgbClr val="0065BD"/>
+              <a:schemeClr val="bg1">
+                <a:lumMod val="95000"/>
+              </a:schemeClr>
             </a:solidFill>
             <a:ln w="9525" cap="flat" cmpd="sng" algn="ctr">
               <a:noFill/>
@@ -35315,10 +39257,10 @@
         </p:sp>
         <p:sp>
           <p:nvSpPr>
-            <p:cNvPr id="10" name="Chevron 21">
+            <p:cNvPr id="9" name="Chevron 21">
               <a:extLst>
                 <a:ext uri="{FF2B5EF4-FFF2-40B4-BE49-F238E27FC236}">
-                  <a16:creationId xmlns:a16="http://schemas.microsoft.com/office/drawing/2014/main" id="{F6B7D66A-9651-4691-C803-E0C11E0E39CC}"/>
+                  <a16:creationId xmlns:a16="http://schemas.microsoft.com/office/drawing/2014/main" id="{39A379AC-B1A1-B201-CABF-796ECF3A8756}"/>
                 </a:ext>
               </a:extLst>
             </p:cNvPr>
@@ -35390,10 +39332,10 @@
         </p:sp>
         <p:sp>
           <p:nvSpPr>
-            <p:cNvPr id="11" name="Chevron 21">
+            <p:cNvPr id="10" name="Chevron 21">
               <a:extLst>
                 <a:ext uri="{FF2B5EF4-FFF2-40B4-BE49-F238E27FC236}">
-                  <a16:creationId xmlns:a16="http://schemas.microsoft.com/office/drawing/2014/main" id="{F111D98B-FC2E-8F43-DC84-924C58D2BD82}"/>
+                  <a16:creationId xmlns:a16="http://schemas.microsoft.com/office/drawing/2014/main" id="{3000C852-2421-11D6-F1F9-F1FD3270C42A}"/>
                 </a:ext>
               </a:extLst>
             </p:cNvPr>
@@ -35464,10 +39406,255 @@
           </p:txBody>
         </p:sp>
       </p:grpSp>
+      <mc:AlternateContent xmlns:mc="http://schemas.openxmlformats.org/markup-compatibility/2006">
+        <mc:Choice xmlns:a14="http://schemas.microsoft.com/office/drawing/2010/main" Requires="a14">
+          <p:sp>
+            <p:nvSpPr>
+              <p:cNvPr id="17" name="TextBox 16">
+                <a:extLst>
+                  <a:ext uri="{FF2B5EF4-FFF2-40B4-BE49-F238E27FC236}">
+                    <a16:creationId xmlns:a16="http://schemas.microsoft.com/office/drawing/2014/main" id="{664AC41C-8339-027F-02E7-855B9D190030}"/>
+                  </a:ext>
+                </a:extLst>
+              </p:cNvPr>
+              <p:cNvSpPr txBox="1"/>
+              <p:nvPr/>
+            </p:nvSpPr>
+            <p:spPr>
+              <a:xfrm>
+                <a:off x="6552399" y="1601629"/>
+                <a:ext cx="1408655" cy="681469"/>
+              </a:xfrm>
+              <a:prstGeom prst="rect">
+                <a:avLst/>
+              </a:prstGeom>
+              <a:noFill/>
+            </p:spPr>
+            <p:txBody>
+              <a:bodyPr wrap="none" lIns="0" tIns="0" rIns="0" bIns="0" rtlCol="0">
+                <a:spAutoFit/>
+              </a:bodyPr>
+              <a:lstStyle/>
+              <a:p>
+                <a:pPr>
+                  <a:lnSpc>
+                    <a:spcPct val="114000"/>
+                  </a:lnSpc>
+                </a:pPr>
+                <a14:m>
+                  <m:oMathPara xmlns:m="http://schemas.openxmlformats.org/officeDocument/2006/math">
+                    <m:oMathParaPr>
+                      <m:jc m:val="centerGroup"/>
+                    </m:oMathParaPr>
+                    <m:oMath xmlns:m="http://schemas.openxmlformats.org/officeDocument/2006/math">
+                      <m:r>
+                        <a:rPr lang="en-US" sz="1600" b="0" i="1" smtClean="0">
+                          <a:latin typeface="Cambria Math" panose="02040503050406030204" pitchFamily="18" charset="0"/>
+                        </a:rPr>
+                        <m:t>𝑚𝑎𝑥</m:t>
+                      </m:r>
+                      <m:nary>
+                        <m:naryPr>
+                          <m:chr m:val="∑"/>
+                          <m:supHide m:val="on"/>
+                          <m:ctrlPr>
+                            <a:rPr lang="en-GB" sz="1600" i="1" smtClean="0">
+                              <a:latin typeface="Cambria Math" panose="02040503050406030204" pitchFamily="18" charset="0"/>
+                            </a:rPr>
+                          </m:ctrlPr>
+                        </m:naryPr>
+                        <m:sub>
+                          <m:r>
+                            <m:rPr>
+                              <m:brk m:alnAt="7"/>
+                            </m:rPr>
+                            <a:rPr lang="en-US" sz="1600" b="0" i="1" smtClean="0">
+                              <a:latin typeface="Cambria Math" panose="02040503050406030204" pitchFamily="18" charset="0"/>
+                            </a:rPr>
+                            <m:t>𝑖</m:t>
+                          </m:r>
+                          <m:r>
+                            <a:rPr lang="en-US" sz="1600" b="0" i="1" smtClean="0">
+                              <a:latin typeface="Cambria Math" panose="02040503050406030204" pitchFamily="18" charset="0"/>
+                              <a:ea typeface="Cambria Math" panose="02040503050406030204" pitchFamily="18" charset="0"/>
+                            </a:rPr>
+                            <m:t>∈</m:t>
+                          </m:r>
+                          <m:r>
+                            <a:rPr lang="en-US" sz="1600" b="0" i="1" smtClean="0">
+                              <a:latin typeface="Cambria Math" panose="02040503050406030204" pitchFamily="18" charset="0"/>
+                              <a:ea typeface="Cambria Math" panose="02040503050406030204" pitchFamily="18" charset="0"/>
+                            </a:rPr>
+                            <m:t>𝐺</m:t>
+                          </m:r>
+                        </m:sub>
+                        <m:sup/>
+                        <m:e>
+                          <m:sSub>
+                            <m:sSubPr>
+                              <m:ctrlPr>
+                                <a:rPr lang="en-GB" sz="1600" i="1" smtClean="0">
+                                  <a:latin typeface="Cambria Math" panose="02040503050406030204" pitchFamily="18" charset="0"/>
+                                </a:rPr>
+                              </m:ctrlPr>
+                            </m:sSubPr>
+                            <m:e>
+                              <m:r>
+                                <a:rPr lang="en-US" sz="1600" b="0" i="1" smtClean="0">
+                                  <a:latin typeface="Cambria Math" panose="02040503050406030204" pitchFamily="18" charset="0"/>
+                                </a:rPr>
+                                <m:t>𝐶</m:t>
+                              </m:r>
+                            </m:e>
+                            <m:sub>
+                              <m:r>
+                                <a:rPr lang="en-US" sz="1600" b="0" i="1" smtClean="0">
+                                  <a:latin typeface="Cambria Math" panose="02040503050406030204" pitchFamily="18" charset="0"/>
+                                </a:rPr>
+                                <m:t>𝐺</m:t>
+                              </m:r>
+                            </m:sub>
+                          </m:sSub>
+                          <m:r>
+                            <a:rPr lang="en-US" sz="1600" b="0" i="1" smtClean="0">
+                              <a:latin typeface="Cambria Math" panose="02040503050406030204" pitchFamily="18" charset="0"/>
+                            </a:rPr>
+                            <m:t>(</m:t>
+                          </m:r>
+                          <m:sSub>
+                            <m:sSubPr>
+                              <m:ctrlPr>
+                                <a:rPr lang="en-US" sz="1600" b="0" i="1" smtClean="0">
+                                  <a:latin typeface="Cambria Math" panose="02040503050406030204" pitchFamily="18" charset="0"/>
+                                </a:rPr>
+                              </m:ctrlPr>
+                            </m:sSubPr>
+                            <m:e>
+                              <m:r>
+                                <a:rPr lang="en-US" sz="1600" b="0" i="1" smtClean="0">
+                                  <a:latin typeface="Cambria Math" panose="02040503050406030204" pitchFamily="18" charset="0"/>
+                                </a:rPr>
+                                <m:t>𝑃</m:t>
+                              </m:r>
+                            </m:e>
+                            <m:sub>
+                              <m:r>
+                                <a:rPr lang="en-US" sz="1600" b="0" i="1" smtClean="0">
+                                  <a:latin typeface="Cambria Math" panose="02040503050406030204" pitchFamily="18" charset="0"/>
+                                </a:rPr>
+                                <m:t>𝐺</m:t>
+                              </m:r>
+                            </m:sub>
+                          </m:sSub>
+                          <m:r>
+                            <a:rPr lang="en-US" sz="1600" b="0" i="1" smtClean="0">
+                              <a:latin typeface="Cambria Math" panose="02040503050406030204" pitchFamily="18" charset="0"/>
+                            </a:rPr>
+                            <m:t>)</m:t>
+                          </m:r>
+                        </m:e>
+                      </m:nary>
+                    </m:oMath>
+                  </m:oMathPara>
+                </a14:m>
+                <a:endParaRPr lang="en-GB" sz="1600" dirty="0" err="1">
+                  <a:latin typeface="+mn-lt"/>
+                </a:endParaRPr>
+              </a:p>
+            </p:txBody>
+          </p:sp>
+        </mc:Choice>
+        <mc:Fallback>
+          <p:sp>
+            <p:nvSpPr>
+              <p:cNvPr id="17" name="TextBox 16">
+                <a:extLst>
+                  <a:ext uri="{FF2B5EF4-FFF2-40B4-BE49-F238E27FC236}">
+                    <a16:creationId xmlns:a16="http://schemas.microsoft.com/office/drawing/2014/main" id="{664AC41C-8339-027F-02E7-855B9D190030}"/>
+                  </a:ext>
+                </a:extLst>
+              </p:cNvPr>
+              <p:cNvSpPr txBox="1">
+                <a:spLocks noRot="1" noChangeAspect="1" noMove="1" noResize="1" noEditPoints="1" noAdjustHandles="1" noChangeArrowheads="1" noChangeShapeType="1" noTextEdit="1"/>
+              </p:cNvSpPr>
+              <p:nvPr/>
+            </p:nvSpPr>
+            <p:spPr>
+              <a:xfrm>
+                <a:off x="6552399" y="1601629"/>
+                <a:ext cx="1408655" cy="681469"/>
+              </a:xfrm>
+              <a:prstGeom prst="rect">
+                <a:avLst/>
+              </a:prstGeom>
+              <a:blipFill>
+                <a:blip r:embed="rId3"/>
+                <a:stretch>
+                  <a:fillRect l="-23423" t="-120370" r="-4505" b="-185185"/>
+                </a:stretch>
+              </a:blipFill>
+            </p:spPr>
+            <p:txBody>
+              <a:bodyPr/>
+              <a:lstStyle/>
+              <a:p>
+                <a:r>
+                  <a:rPr lang="en-GB">
+                    <a:noFill/>
+                  </a:rPr>
+                  <a:t> </a:t>
+                </a:r>
+              </a:p>
+            </p:txBody>
+          </p:sp>
+        </mc:Fallback>
+      </mc:AlternateContent>
+      <p:sp>
+        <p:nvSpPr>
+          <p:cNvPr id="18" name="TextBox 17">
+            <a:extLst>
+              <a:ext uri="{FF2B5EF4-FFF2-40B4-BE49-F238E27FC236}">
+                <a16:creationId xmlns:a16="http://schemas.microsoft.com/office/drawing/2014/main" id="{12772F66-EAA0-BA5E-7E40-AC4A62C33C94}"/>
+              </a:ext>
+            </a:extLst>
+          </p:cNvPr>
+          <p:cNvSpPr txBox="1"/>
+          <p:nvPr/>
+        </p:nvSpPr>
+        <p:spPr>
+          <a:xfrm>
+            <a:off x="731520" y="1813739"/>
+            <a:ext cx="2801406" cy="257250"/>
+          </a:xfrm>
+          <a:prstGeom prst="rect">
+            <a:avLst/>
+          </a:prstGeom>
+          <a:noFill/>
+        </p:spPr>
+        <p:txBody>
+          <a:bodyPr wrap="square" lIns="0" tIns="0" rIns="0" bIns="0" rtlCol="0">
+            <a:spAutoFit/>
+          </a:bodyPr>
+          <a:lstStyle/>
+          <a:p>
+            <a:pPr>
+              <a:lnSpc>
+                <a:spcPct val="114000"/>
+              </a:lnSpc>
+            </a:pPr>
+            <a:r>
+              <a:rPr lang="en-GB" sz="1600" dirty="0">
+                <a:latin typeface="+mn-lt"/>
+              </a:rPr>
+              <a:t>Objective and Constraints</a:t>
+            </a:r>
+          </a:p>
+        </p:txBody>
+      </p:sp>
     </p:spTree>
     <p:extLst>
       <p:ext uri="{BB962C8B-B14F-4D97-AF65-F5344CB8AC3E}">
-        <p14:creationId xmlns:p14="http://schemas.microsoft.com/office/powerpoint/2010/main" val="445645378"/>
+        <p14:creationId xmlns:p14="http://schemas.microsoft.com/office/powerpoint/2010/main" val="3045940691"/>
       </p:ext>
     </p:extLst>
   </p:cSld>

--- a/Mid-term Presentation.pptx
+++ b/Mid-term Presentation.pptx
@@ -13,10 +13,10 @@
     <p:sldMasterId id="2147483724" r:id="rId9"/>
   </p:sldMasterIdLst>
   <p:notesMasterIdLst>
-    <p:notesMasterId r:id="rId34"/>
+    <p:notesMasterId r:id="rId37"/>
   </p:notesMasterIdLst>
   <p:handoutMasterIdLst>
-    <p:handoutMasterId r:id="rId35"/>
+    <p:handoutMasterId r:id="rId38"/>
   </p:handoutMasterIdLst>
   <p:sldIdLst>
     <p:sldId id="355" r:id="rId10"/>
@@ -27,22 +27,25 @@
     <p:sldId id="491" r:id="rId15"/>
     <p:sldId id="487" r:id="rId16"/>
     <p:sldId id="510" r:id="rId17"/>
-    <p:sldId id="512" r:id="rId18"/>
-    <p:sldId id="493" r:id="rId19"/>
-    <p:sldId id="495" r:id="rId20"/>
-    <p:sldId id="488" r:id="rId21"/>
-    <p:sldId id="498" r:id="rId22"/>
-    <p:sldId id="499" r:id="rId23"/>
-    <p:sldId id="497" r:id="rId24"/>
-    <p:sldId id="500" r:id="rId25"/>
-    <p:sldId id="502" r:id="rId26"/>
-    <p:sldId id="501" r:id="rId27"/>
-    <p:sldId id="503" r:id="rId28"/>
-    <p:sldId id="504" r:id="rId29"/>
-    <p:sldId id="506" r:id="rId30"/>
-    <p:sldId id="505" r:id="rId31"/>
-    <p:sldId id="514" r:id="rId32"/>
-    <p:sldId id="513" r:id="rId33"/>
+    <p:sldId id="515" r:id="rId18"/>
+    <p:sldId id="512" r:id="rId19"/>
+    <p:sldId id="517" r:id="rId20"/>
+    <p:sldId id="518" r:id="rId21"/>
+    <p:sldId id="493" r:id="rId22"/>
+    <p:sldId id="495" r:id="rId23"/>
+    <p:sldId id="488" r:id="rId24"/>
+    <p:sldId id="498" r:id="rId25"/>
+    <p:sldId id="499" r:id="rId26"/>
+    <p:sldId id="497" r:id="rId27"/>
+    <p:sldId id="500" r:id="rId28"/>
+    <p:sldId id="502" r:id="rId29"/>
+    <p:sldId id="501" r:id="rId30"/>
+    <p:sldId id="503" r:id="rId31"/>
+    <p:sldId id="504" r:id="rId32"/>
+    <p:sldId id="506" r:id="rId33"/>
+    <p:sldId id="505" r:id="rId34"/>
+    <p:sldId id="514" r:id="rId35"/>
+    <p:sldId id="513" r:id="rId36"/>
   </p:sldIdLst>
   <p:sldSz cx="9144000" cy="5143500" type="screen16x9"/>
   <p:notesSz cx="9925050" cy="6665913"/>
@@ -324,7 +327,7 @@
               <a:pPr>
                 <a:defRPr/>
               </a:pPr>
-              <a:t>26/08/2024</a:t>
+              <a:t>30/08/2024</a:t>
             </a:fld>
             <a:endParaRPr lang="en-GB"/>
           </a:p>
@@ -543,7 +546,7 @@
               <a:pPr>
                 <a:defRPr/>
               </a:pPr>
-              <a:t>26/08/2024</a:t>
+              <a:t>30/08/2024</a:t>
             </a:fld>
             <a:endParaRPr lang="en-GB"/>
           </a:p>
@@ -1369,29 +1372,6 @@
           <a:bodyPr/>
           <a:lstStyle/>
           <a:p>
-            <a:pPr marL="0" marR="0" lvl="0" indent="0" algn="l" defTabSz="914400" rtl="0" eaLnBrk="1" fontAlgn="base" latinLnBrk="0" hangingPunct="1">
-              <a:lnSpc>
-                <a:spcPct val="100000"/>
-              </a:lnSpc>
-              <a:spcBef>
-                <a:spcPct val="30000"/>
-              </a:spcBef>
-              <a:spcAft>
-                <a:spcPct val="0"/>
-              </a:spcAft>
-              <a:buClrTx/>
-              <a:buSzTx/>
-              <a:buFontTx/>
-              <a:buNone/>
-              <a:tabLst/>
-              <a:defRPr/>
-            </a:pPr>
-            <a:r>
-              <a:rPr lang="en-GB" sz="1200" dirty="0"/>
-              <a:t>Leon et al. (2020). “Quadratically Constrained Quadratic Programming Formulation of Contingency Constrained Optimal Power Flow with Photovoltaic Generation.” Energies. 13. 3310-3331. 10.3390/en13133310. </a:t>
-            </a:r>
-          </a:p>
-          <a:p>
             <a:endParaRPr lang="en-GB" dirty="0"/>
           </a:p>
         </p:txBody>
@@ -1482,29 +1462,6 @@
           <a:bodyPr/>
           <a:lstStyle/>
           <a:p>
-            <a:pPr marL="0" marR="0" lvl="0" indent="0" algn="l" defTabSz="914400" rtl="0" eaLnBrk="1" fontAlgn="base" latinLnBrk="0" hangingPunct="1">
-              <a:lnSpc>
-                <a:spcPct val="100000"/>
-              </a:lnSpc>
-              <a:spcBef>
-                <a:spcPct val="30000"/>
-              </a:spcBef>
-              <a:spcAft>
-                <a:spcPct val="0"/>
-              </a:spcAft>
-              <a:buClrTx/>
-              <a:buSzTx/>
-              <a:buFontTx/>
-              <a:buNone/>
-              <a:tabLst/>
-              <a:defRPr/>
-            </a:pPr>
-            <a:r>
-              <a:rPr lang="en-GB" sz="1200" dirty="0"/>
-              <a:t>Leon et al. (2020). “Quadratically Constrained Quadratic Programming Formulation of Contingency Constrained Optimal Power Flow with Photovoltaic Generation.” Energies. 13. 3310-3331. 10.3390/en13133310. </a:t>
-            </a:r>
-          </a:p>
-          <a:p>
             <a:endParaRPr lang="en-GB" dirty="0"/>
           </a:p>
         </p:txBody>
@@ -1541,7 +1498,277 @@
     </p:spTree>
     <p:extLst>
       <p:ext uri="{BB962C8B-B14F-4D97-AF65-F5344CB8AC3E}">
+        <p14:creationId xmlns:p14="http://schemas.microsoft.com/office/powerpoint/2010/main" val="705298390"/>
+      </p:ext>
+    </p:extLst>
+  </p:cSld>
+  <p:clrMapOvr>
+    <a:masterClrMapping/>
+  </p:clrMapOvr>
+</p:notes>
+</file>
+
+<file path=ppt/notesSlides/notesSlide7.xml><?xml version="1.0" encoding="utf-8"?>
+<p:notes xmlns:a="http://schemas.openxmlformats.org/drawingml/2006/main" xmlns:r="http://schemas.openxmlformats.org/officeDocument/2006/relationships" xmlns:p="http://schemas.openxmlformats.org/presentationml/2006/main">
+  <p:cSld>
+    <p:spTree>
+      <p:nvGrpSpPr>
+        <p:cNvPr id="1" name=""/>
+        <p:cNvGrpSpPr/>
+        <p:nvPr/>
+      </p:nvGrpSpPr>
+      <p:grpSpPr>
+        <a:xfrm>
+          <a:off x="0" y="0"/>
+          <a:ext cx="0" cy="0"/>
+          <a:chOff x="0" y="0"/>
+          <a:chExt cx="0" cy="0"/>
+        </a:xfrm>
+      </p:grpSpPr>
+      <p:sp>
+        <p:nvSpPr>
+          <p:cNvPr id="2" name="Slide Image Placeholder 1"/>
+          <p:cNvSpPr>
+            <a:spLocks noGrp="1" noRot="1" noChangeAspect="1"/>
+          </p:cNvSpPr>
+          <p:nvPr>
+            <p:ph type="sldImg"/>
+          </p:nvPr>
+        </p:nvSpPr>
+        <p:spPr/>
+      </p:sp>
+      <p:sp>
+        <p:nvSpPr>
+          <p:cNvPr id="3" name="Notes Placeholder 2"/>
+          <p:cNvSpPr>
+            <a:spLocks noGrp="1"/>
+          </p:cNvSpPr>
+          <p:nvPr>
+            <p:ph type="body" idx="1"/>
+          </p:nvPr>
+        </p:nvSpPr>
+        <p:spPr/>
+        <p:txBody>
+          <a:bodyPr/>
+          <a:lstStyle/>
+          <a:p>
+            <a:endParaRPr lang="en-GB" dirty="0"/>
+          </a:p>
+        </p:txBody>
+      </p:sp>
+      <p:sp>
+        <p:nvSpPr>
+          <p:cNvPr id="4" name="Slide Number Placeholder 3"/>
+          <p:cNvSpPr>
+            <a:spLocks noGrp="1"/>
+          </p:cNvSpPr>
+          <p:nvPr>
+            <p:ph type="sldNum" sz="quarter" idx="5"/>
+          </p:nvPr>
+        </p:nvSpPr>
+        <p:spPr/>
+        <p:txBody>
+          <a:bodyPr/>
+          <a:lstStyle/>
+          <a:p>
+            <a:pPr>
+              <a:defRPr/>
+            </a:pPr>
+            <a:fld id="{00AFC6D0-44D5-4EB7-828F-6F464F83D79A}" type="slidenum">
+              <a:rPr lang="en-GB" smtClean="0"/>
+              <a:pPr>
+                <a:defRPr/>
+              </a:pPr>
+              <a:t>10</a:t>
+            </a:fld>
+            <a:endParaRPr lang="en-GB"/>
+          </a:p>
+        </p:txBody>
+      </p:sp>
+    </p:spTree>
+    <p:extLst>
+      <p:ext uri="{BB962C8B-B14F-4D97-AF65-F5344CB8AC3E}">
         <p14:creationId xmlns:p14="http://schemas.microsoft.com/office/powerpoint/2010/main" val="1131363992"/>
+      </p:ext>
+    </p:extLst>
+  </p:cSld>
+  <p:clrMapOvr>
+    <a:masterClrMapping/>
+  </p:clrMapOvr>
+</p:notes>
+</file>
+
+<file path=ppt/notesSlides/notesSlide8.xml><?xml version="1.0" encoding="utf-8"?>
+<p:notes xmlns:a="http://schemas.openxmlformats.org/drawingml/2006/main" xmlns:r="http://schemas.openxmlformats.org/officeDocument/2006/relationships" xmlns:p="http://schemas.openxmlformats.org/presentationml/2006/main">
+  <p:cSld>
+    <p:spTree>
+      <p:nvGrpSpPr>
+        <p:cNvPr id="1" name=""/>
+        <p:cNvGrpSpPr/>
+        <p:nvPr/>
+      </p:nvGrpSpPr>
+      <p:grpSpPr>
+        <a:xfrm>
+          <a:off x="0" y="0"/>
+          <a:ext cx="0" cy="0"/>
+          <a:chOff x="0" y="0"/>
+          <a:chExt cx="0" cy="0"/>
+        </a:xfrm>
+      </p:grpSpPr>
+      <p:sp>
+        <p:nvSpPr>
+          <p:cNvPr id="2" name="Slide Image Placeholder 1"/>
+          <p:cNvSpPr>
+            <a:spLocks noGrp="1" noRot="1" noChangeAspect="1"/>
+          </p:cNvSpPr>
+          <p:nvPr>
+            <p:ph type="sldImg"/>
+          </p:nvPr>
+        </p:nvSpPr>
+        <p:spPr/>
+      </p:sp>
+      <p:sp>
+        <p:nvSpPr>
+          <p:cNvPr id="3" name="Notes Placeholder 2"/>
+          <p:cNvSpPr>
+            <a:spLocks noGrp="1"/>
+          </p:cNvSpPr>
+          <p:nvPr>
+            <p:ph type="body" idx="1"/>
+          </p:nvPr>
+        </p:nvSpPr>
+        <p:spPr/>
+        <p:txBody>
+          <a:bodyPr/>
+          <a:lstStyle/>
+          <a:p>
+            <a:endParaRPr lang="en-GB" dirty="0"/>
+          </a:p>
+        </p:txBody>
+      </p:sp>
+      <p:sp>
+        <p:nvSpPr>
+          <p:cNvPr id="4" name="Slide Number Placeholder 3"/>
+          <p:cNvSpPr>
+            <a:spLocks noGrp="1"/>
+          </p:cNvSpPr>
+          <p:nvPr>
+            <p:ph type="sldNum" sz="quarter" idx="5"/>
+          </p:nvPr>
+        </p:nvSpPr>
+        <p:spPr/>
+        <p:txBody>
+          <a:bodyPr/>
+          <a:lstStyle/>
+          <a:p>
+            <a:pPr>
+              <a:defRPr/>
+            </a:pPr>
+            <a:fld id="{00AFC6D0-44D5-4EB7-828F-6F464F83D79A}" type="slidenum">
+              <a:rPr lang="en-GB" smtClean="0"/>
+              <a:pPr>
+                <a:defRPr/>
+              </a:pPr>
+              <a:t>11</a:t>
+            </a:fld>
+            <a:endParaRPr lang="en-GB"/>
+          </a:p>
+        </p:txBody>
+      </p:sp>
+    </p:spTree>
+    <p:extLst>
+      <p:ext uri="{BB962C8B-B14F-4D97-AF65-F5344CB8AC3E}">
+        <p14:creationId xmlns:p14="http://schemas.microsoft.com/office/powerpoint/2010/main" val="3751789287"/>
+      </p:ext>
+    </p:extLst>
+  </p:cSld>
+  <p:clrMapOvr>
+    <a:masterClrMapping/>
+  </p:clrMapOvr>
+</p:notes>
+</file>
+
+<file path=ppt/notesSlides/notesSlide9.xml><?xml version="1.0" encoding="utf-8"?>
+<p:notes xmlns:a="http://schemas.openxmlformats.org/drawingml/2006/main" xmlns:r="http://schemas.openxmlformats.org/officeDocument/2006/relationships" xmlns:p="http://schemas.openxmlformats.org/presentationml/2006/main">
+  <p:cSld>
+    <p:spTree>
+      <p:nvGrpSpPr>
+        <p:cNvPr id="1" name=""/>
+        <p:cNvGrpSpPr/>
+        <p:nvPr/>
+      </p:nvGrpSpPr>
+      <p:grpSpPr>
+        <a:xfrm>
+          <a:off x="0" y="0"/>
+          <a:ext cx="0" cy="0"/>
+          <a:chOff x="0" y="0"/>
+          <a:chExt cx="0" cy="0"/>
+        </a:xfrm>
+      </p:grpSpPr>
+      <p:sp>
+        <p:nvSpPr>
+          <p:cNvPr id="2" name="Slide Image Placeholder 1"/>
+          <p:cNvSpPr>
+            <a:spLocks noGrp="1" noRot="1" noChangeAspect="1"/>
+          </p:cNvSpPr>
+          <p:nvPr>
+            <p:ph type="sldImg"/>
+          </p:nvPr>
+        </p:nvSpPr>
+        <p:spPr/>
+      </p:sp>
+      <p:sp>
+        <p:nvSpPr>
+          <p:cNvPr id="3" name="Notes Placeholder 2"/>
+          <p:cNvSpPr>
+            <a:spLocks noGrp="1"/>
+          </p:cNvSpPr>
+          <p:nvPr>
+            <p:ph type="body" idx="1"/>
+          </p:nvPr>
+        </p:nvSpPr>
+        <p:spPr/>
+        <p:txBody>
+          <a:bodyPr/>
+          <a:lstStyle/>
+          <a:p>
+            <a:endParaRPr lang="en-GB" dirty="0"/>
+          </a:p>
+        </p:txBody>
+      </p:sp>
+      <p:sp>
+        <p:nvSpPr>
+          <p:cNvPr id="4" name="Slide Number Placeholder 3"/>
+          <p:cNvSpPr>
+            <a:spLocks noGrp="1"/>
+          </p:cNvSpPr>
+          <p:nvPr>
+            <p:ph type="sldNum" sz="quarter" idx="5"/>
+          </p:nvPr>
+        </p:nvSpPr>
+        <p:spPr/>
+        <p:txBody>
+          <a:bodyPr/>
+          <a:lstStyle/>
+          <a:p>
+            <a:pPr>
+              <a:defRPr/>
+            </a:pPr>
+            <a:fld id="{00AFC6D0-44D5-4EB7-828F-6F464F83D79A}" type="slidenum">
+              <a:rPr lang="en-GB" smtClean="0"/>
+              <a:pPr>
+                <a:defRPr/>
+              </a:pPr>
+              <a:t>12</a:t>
+            </a:fld>
+            <a:endParaRPr lang="en-GB"/>
+          </a:p>
+        </p:txBody>
+      </p:sp>
+    </p:spTree>
+    <p:extLst>
+      <p:ext uri="{BB962C8B-B14F-4D97-AF65-F5344CB8AC3E}">
+        <p14:creationId xmlns:p14="http://schemas.microsoft.com/office/powerpoint/2010/main" val="51798519"/>
       </p:ext>
     </p:extLst>
   </p:cSld>
@@ -12855,6 +13082,2190 @@
       </p:grpSpPr>
       <p:sp>
         <p:nvSpPr>
+          <p:cNvPr id="3" name="Title 2">
+            <a:extLst>
+              <a:ext uri="{FF2B5EF4-FFF2-40B4-BE49-F238E27FC236}">
+                <a16:creationId xmlns:a16="http://schemas.microsoft.com/office/drawing/2014/main" id="{2205F221-DD06-3596-C330-06FF75A51F0E}"/>
+              </a:ext>
+            </a:extLst>
+          </p:cNvPr>
+          <p:cNvSpPr>
+            <a:spLocks noGrp="1"/>
+          </p:cNvSpPr>
+          <p:nvPr>
+            <p:ph type="title"/>
+          </p:nvPr>
+        </p:nvSpPr>
+        <p:spPr>
+          <a:xfrm>
+            <a:off x="319090" y="972000"/>
+            <a:ext cx="8508999" cy="381195"/>
+          </a:xfrm>
+        </p:spPr>
+        <p:txBody>
+          <a:bodyPr/>
+          <a:lstStyle/>
+          <a:p>
+            <a:r>
+              <a:rPr lang="en-GB" dirty="0"/>
+              <a:t>Optimal Power Flow</a:t>
+            </a:r>
+          </a:p>
+        </p:txBody>
+      </p:sp>
+      <p:sp>
+        <p:nvSpPr>
+          <p:cNvPr id="4" name="Slide Number Placeholder 3">
+            <a:extLst>
+              <a:ext uri="{FF2B5EF4-FFF2-40B4-BE49-F238E27FC236}">
+                <a16:creationId xmlns:a16="http://schemas.microsoft.com/office/drawing/2014/main" id="{8ADBAD59-86BD-1963-3290-00F9E48F5A99}"/>
+              </a:ext>
+            </a:extLst>
+          </p:cNvPr>
+          <p:cNvSpPr>
+            <a:spLocks noGrp="1"/>
+          </p:cNvSpPr>
+          <p:nvPr>
+            <p:ph type="sldNum" sz="quarter" idx="11"/>
+          </p:nvPr>
+        </p:nvSpPr>
+        <p:spPr/>
+        <p:txBody>
+          <a:bodyPr/>
+          <a:lstStyle/>
+          <a:p>
+            <a:fld id="{CE58CB1E-F828-4F11-99E0-327109AF9DA4}" type="slidenum">
+              <a:rPr lang="de-DE" smtClean="0"/>
+              <a:pPr/>
+              <a:t>10</a:t>
+            </a:fld>
+            <a:endParaRPr lang="de-DE"/>
+          </a:p>
+        </p:txBody>
+      </p:sp>
+      <p:sp>
+        <p:nvSpPr>
+          <p:cNvPr id="6" name="Fußzeilenplatzhalter 4">
+            <a:extLst>
+              <a:ext uri="{FF2B5EF4-FFF2-40B4-BE49-F238E27FC236}">
+                <a16:creationId xmlns:a16="http://schemas.microsoft.com/office/drawing/2014/main" id="{BEAD0A3D-D1CA-F119-EBDD-E65080E09F1C}"/>
+              </a:ext>
+            </a:extLst>
+          </p:cNvPr>
+          <p:cNvSpPr txBox="1">
+            <a:spLocks/>
+          </p:cNvSpPr>
+          <p:nvPr/>
+        </p:nvSpPr>
+        <p:spPr>
+          <a:xfrm>
+            <a:off x="311162" y="4854985"/>
+            <a:ext cx="7795890" cy="273844"/>
+          </a:xfrm>
+          <a:prstGeom prst="rect">
+            <a:avLst/>
+          </a:prstGeom>
+        </p:spPr>
+        <p:txBody>
+          <a:bodyPr/>
+          <a:lstStyle>
+            <a:defPPr>
+              <a:defRPr lang="de-DE"/>
+            </a:defPPr>
+            <a:lvl1pPr algn="l" rtl="0" fontAlgn="base">
+              <a:spcBef>
+                <a:spcPct val="0"/>
+              </a:spcBef>
+              <a:spcAft>
+                <a:spcPct val="0"/>
+              </a:spcAft>
+              <a:defRPr kern="1200">
+                <a:solidFill>
+                  <a:schemeClr val="tx1"/>
+                </a:solidFill>
+                <a:latin typeface="Arial" charset="0"/>
+                <a:ea typeface="+mn-ea"/>
+                <a:cs typeface="Arial" charset="0"/>
+              </a:defRPr>
+            </a:lvl1pPr>
+            <a:lvl2pPr marL="457200" algn="l" rtl="0" fontAlgn="base">
+              <a:spcBef>
+                <a:spcPct val="0"/>
+              </a:spcBef>
+              <a:spcAft>
+                <a:spcPct val="0"/>
+              </a:spcAft>
+              <a:defRPr kern="1200">
+                <a:solidFill>
+                  <a:schemeClr val="tx1"/>
+                </a:solidFill>
+                <a:latin typeface="Arial" charset="0"/>
+                <a:ea typeface="+mn-ea"/>
+                <a:cs typeface="Arial" charset="0"/>
+              </a:defRPr>
+            </a:lvl2pPr>
+            <a:lvl3pPr marL="914400" algn="l" rtl="0" fontAlgn="base">
+              <a:spcBef>
+                <a:spcPct val="0"/>
+              </a:spcBef>
+              <a:spcAft>
+                <a:spcPct val="0"/>
+              </a:spcAft>
+              <a:defRPr kern="1200">
+                <a:solidFill>
+                  <a:schemeClr val="tx1"/>
+                </a:solidFill>
+                <a:latin typeface="Arial" charset="0"/>
+                <a:ea typeface="+mn-ea"/>
+                <a:cs typeface="Arial" charset="0"/>
+              </a:defRPr>
+            </a:lvl3pPr>
+            <a:lvl4pPr marL="1371600" algn="l" rtl="0" fontAlgn="base">
+              <a:spcBef>
+                <a:spcPct val="0"/>
+              </a:spcBef>
+              <a:spcAft>
+                <a:spcPct val="0"/>
+              </a:spcAft>
+              <a:defRPr kern="1200">
+                <a:solidFill>
+                  <a:schemeClr val="tx1"/>
+                </a:solidFill>
+                <a:latin typeface="Arial" charset="0"/>
+                <a:ea typeface="+mn-ea"/>
+                <a:cs typeface="Arial" charset="0"/>
+              </a:defRPr>
+            </a:lvl4pPr>
+            <a:lvl5pPr marL="1828800" algn="l" rtl="0" fontAlgn="base">
+              <a:spcBef>
+                <a:spcPct val="0"/>
+              </a:spcBef>
+              <a:spcAft>
+                <a:spcPct val="0"/>
+              </a:spcAft>
+              <a:defRPr kern="1200">
+                <a:solidFill>
+                  <a:schemeClr val="tx1"/>
+                </a:solidFill>
+                <a:latin typeface="Arial" charset="0"/>
+                <a:ea typeface="+mn-ea"/>
+                <a:cs typeface="Arial" charset="0"/>
+              </a:defRPr>
+            </a:lvl5pPr>
+            <a:lvl6pPr marL="2286000" algn="l" defTabSz="914400" rtl="0" eaLnBrk="1" latinLnBrk="0" hangingPunct="1">
+              <a:defRPr kern="1200">
+                <a:solidFill>
+                  <a:schemeClr val="tx1"/>
+                </a:solidFill>
+                <a:latin typeface="Arial" charset="0"/>
+                <a:ea typeface="+mn-ea"/>
+                <a:cs typeface="Arial" charset="0"/>
+              </a:defRPr>
+            </a:lvl6pPr>
+            <a:lvl7pPr marL="2743200" algn="l" defTabSz="914400" rtl="0" eaLnBrk="1" latinLnBrk="0" hangingPunct="1">
+              <a:defRPr kern="1200">
+                <a:solidFill>
+                  <a:schemeClr val="tx1"/>
+                </a:solidFill>
+                <a:latin typeface="Arial" charset="0"/>
+                <a:ea typeface="+mn-ea"/>
+                <a:cs typeface="Arial" charset="0"/>
+              </a:defRPr>
+            </a:lvl7pPr>
+            <a:lvl8pPr marL="3200400" algn="l" defTabSz="914400" rtl="0" eaLnBrk="1" latinLnBrk="0" hangingPunct="1">
+              <a:defRPr kern="1200">
+                <a:solidFill>
+                  <a:schemeClr val="tx1"/>
+                </a:solidFill>
+                <a:latin typeface="Arial" charset="0"/>
+                <a:ea typeface="+mn-ea"/>
+                <a:cs typeface="Arial" charset="0"/>
+              </a:defRPr>
+            </a:lvl8pPr>
+            <a:lvl9pPr marL="3657600" algn="l" defTabSz="914400" rtl="0" eaLnBrk="1" latinLnBrk="0" hangingPunct="1">
+              <a:defRPr kern="1200">
+                <a:solidFill>
+                  <a:schemeClr val="tx1"/>
+                </a:solidFill>
+                <a:latin typeface="Arial" charset="0"/>
+                <a:ea typeface="+mn-ea"/>
+                <a:cs typeface="Arial" charset="0"/>
+              </a:defRPr>
+            </a:lvl9pPr>
+          </a:lstStyle>
+          <a:p>
+            <a:r>
+              <a:rPr lang="en-US" sz="1100" dirty="0">
+                <a:latin typeface="Arial"/>
+                <a:cs typeface="Arial"/>
+              </a:rPr>
+              <a:t>Chia-Ling Yang | </a:t>
+            </a:r>
+            <a:r>
+              <a:rPr lang="en-GB" sz="1100" b="0" i="0" u="none" strike="noStrike" dirty="0">
+                <a:effectLst/>
+                <a:latin typeface="Arial" panose="020B0604020202020204" pitchFamily="34" charset="0"/>
+              </a:rPr>
+              <a:t>Exploring Reinforcement Learning Solutions for EV-aware Optimal Power Flow Under Uncertainty</a:t>
+            </a:r>
+            <a:endParaRPr lang="en-US" sz="1100" dirty="0">
+              <a:latin typeface="Arial"/>
+              <a:cs typeface="Arial"/>
+            </a:endParaRPr>
+          </a:p>
+        </p:txBody>
+      </p:sp>
+      <p:grpSp>
+        <p:nvGrpSpPr>
+          <p:cNvPr id="11" name="Group 10">
+            <a:extLst>
+              <a:ext uri="{FF2B5EF4-FFF2-40B4-BE49-F238E27FC236}">
+                <a16:creationId xmlns:a16="http://schemas.microsoft.com/office/drawing/2014/main" id="{69F25379-2398-F1ED-3376-C18C0A9C51D8}"/>
+              </a:ext>
+            </a:extLst>
+          </p:cNvPr>
+          <p:cNvGrpSpPr/>
+          <p:nvPr/>
+        </p:nvGrpSpPr>
+        <p:grpSpPr>
+          <a:xfrm>
+            <a:off x="0" y="195135"/>
+            <a:ext cx="7256727" cy="426446"/>
+            <a:chOff x="0" y="195135"/>
+            <a:chExt cx="7256727" cy="426446"/>
+          </a:xfrm>
+        </p:grpSpPr>
+        <p:sp>
+          <p:nvSpPr>
+            <p:cNvPr id="5" name="Pentagon 19">
+              <a:extLst>
+                <a:ext uri="{FF2B5EF4-FFF2-40B4-BE49-F238E27FC236}">
+                  <a16:creationId xmlns:a16="http://schemas.microsoft.com/office/drawing/2014/main" id="{328A0AF8-6A67-556F-5C87-15545E5DBFF8}"/>
+                </a:ext>
+              </a:extLst>
+            </p:cNvPr>
+            <p:cNvSpPr/>
+            <p:nvPr/>
+          </p:nvSpPr>
+          <p:spPr bwMode="auto">
+            <a:xfrm>
+              <a:off x="0" y="195135"/>
+              <a:ext cx="1655556" cy="426446"/>
+            </a:xfrm>
+            <a:prstGeom prst="homePlate">
+              <a:avLst/>
+            </a:prstGeom>
+            <a:solidFill>
+              <a:srgbClr val="F2F2F2"/>
+            </a:solidFill>
+            <a:ln w="9525" cap="flat" cmpd="sng" algn="ctr">
+              <a:noFill/>
+              <a:prstDash val="solid"/>
+              <a:round/>
+              <a:headEnd type="none" w="med" len="med"/>
+              <a:tailEnd type="none" w="med" len="med"/>
+            </a:ln>
+            <a:effectLst/>
+          </p:spPr>
+          <p:txBody>
+            <a:bodyPr rot="0" spcFirstLastPara="0" vertOverflow="overflow" horzOverflow="overflow" vert="horz" wrap="square" lIns="91440" tIns="45720" rIns="91440" bIns="45720" numCol="1" spcCol="0" rtlCol="0" fromWordArt="0" anchor="ctr" anchorCtr="0" forceAA="0" compatLnSpc="1">
+              <a:prstTxWarp prst="textNoShape">
+                <a:avLst/>
+              </a:prstTxWarp>
+              <a:noAutofit/>
+            </a:bodyPr>
+            <a:lstStyle/>
+            <a:p>
+              <a:pPr marL="0" marR="0" indent="0" algn="ctr" defTabSz="914400" rtl="0" eaLnBrk="0" fontAlgn="base" latinLnBrk="0" hangingPunct="0">
+                <a:lnSpc>
+                  <a:spcPct val="100000"/>
+                </a:lnSpc>
+                <a:spcBef>
+                  <a:spcPct val="0"/>
+                </a:spcBef>
+                <a:spcAft>
+                  <a:spcPct val="0"/>
+                </a:spcAft>
+                <a:buClrTx/>
+                <a:buSzTx/>
+                <a:buFontTx/>
+                <a:buNone/>
+                <a:tabLst/>
+              </a:pPr>
+              <a:r>
+                <a:rPr kumimoji="0" lang="en-GB" sz="1400" b="0" i="0" u="none" strike="noStrike" cap="none" normalizeH="0" baseline="0" dirty="0">
+                  <a:ln>
+                    <a:noFill/>
+                  </a:ln>
+                  <a:solidFill>
+                    <a:schemeClr val="bg1"/>
+                  </a:solidFill>
+                  <a:effectLst/>
+                  <a:latin typeface="Helvetica Neue" charset="0"/>
+                </a:rPr>
+                <a:t>Background</a:t>
+              </a:r>
+            </a:p>
+          </p:txBody>
+        </p:sp>
+        <p:sp>
+          <p:nvSpPr>
+            <p:cNvPr id="7" name="Chevron 21">
+              <a:extLst>
+                <a:ext uri="{FF2B5EF4-FFF2-40B4-BE49-F238E27FC236}">
+                  <a16:creationId xmlns:a16="http://schemas.microsoft.com/office/drawing/2014/main" id="{E3E5F189-7340-7F7E-50D9-3CC83AEF686E}"/>
+                </a:ext>
+              </a:extLst>
+            </p:cNvPr>
+            <p:cNvSpPr/>
+            <p:nvPr/>
+          </p:nvSpPr>
+          <p:spPr bwMode="auto">
+            <a:xfrm>
+              <a:off x="1352574" y="195135"/>
+              <a:ext cx="1655556" cy="426446"/>
+            </a:xfrm>
+            <a:prstGeom prst="chevron">
+              <a:avLst/>
+            </a:prstGeom>
+            <a:solidFill>
+              <a:srgbClr val="0065BD"/>
+            </a:solidFill>
+            <a:ln w="9525" cap="flat" cmpd="sng" algn="ctr">
+              <a:noFill/>
+              <a:prstDash val="solid"/>
+              <a:round/>
+              <a:headEnd type="none" w="med" len="med"/>
+              <a:tailEnd type="none" w="med" len="med"/>
+            </a:ln>
+            <a:effectLst/>
+          </p:spPr>
+          <p:txBody>
+            <a:bodyPr rot="0" spcFirstLastPara="0" vertOverflow="overflow" horzOverflow="overflow" vert="horz" wrap="square" lIns="91440" tIns="45720" rIns="91440" bIns="45720" numCol="1" spcCol="0" rtlCol="0" fromWordArt="0" anchor="ctr" anchorCtr="0" forceAA="0" compatLnSpc="1">
+              <a:prstTxWarp prst="textNoShape">
+                <a:avLst/>
+              </a:prstTxWarp>
+              <a:noAutofit/>
+            </a:bodyPr>
+            <a:lstStyle/>
+            <a:p>
+              <a:pPr marL="0" marR="0" indent="0" algn="ctr" defTabSz="914400" rtl="0" eaLnBrk="0" fontAlgn="base" latinLnBrk="0" hangingPunct="0">
+                <a:lnSpc>
+                  <a:spcPct val="100000"/>
+                </a:lnSpc>
+                <a:spcBef>
+                  <a:spcPct val="0"/>
+                </a:spcBef>
+                <a:spcAft>
+                  <a:spcPct val="0"/>
+                </a:spcAft>
+                <a:buClrTx/>
+                <a:buSzTx/>
+                <a:buFontTx/>
+                <a:buNone/>
+                <a:tabLst/>
+              </a:pPr>
+              <a:r>
+                <a:rPr kumimoji="0" lang="en-GB" sz="1400" b="0" i="0" u="none" strike="noStrike" cap="none" normalizeH="0" baseline="0" dirty="0">
+                  <a:ln>
+                    <a:noFill/>
+                  </a:ln>
+                  <a:solidFill>
+                    <a:schemeClr val="bg1"/>
+                  </a:solidFill>
+                  <a:effectLst/>
+                  <a:latin typeface="Helvetica Neue" charset="0"/>
+                </a:rPr>
+                <a:t>Problem Formulation</a:t>
+              </a:r>
+            </a:p>
+          </p:txBody>
+        </p:sp>
+        <p:sp>
+          <p:nvSpPr>
+            <p:cNvPr id="8" name="Chevron 21">
+              <a:extLst>
+                <a:ext uri="{FF2B5EF4-FFF2-40B4-BE49-F238E27FC236}">
+                  <a16:creationId xmlns:a16="http://schemas.microsoft.com/office/drawing/2014/main" id="{6F26CBD2-F5AF-720E-9E1E-F5D5A82DBAC8}"/>
+                </a:ext>
+              </a:extLst>
+            </p:cNvPr>
+            <p:cNvSpPr/>
+            <p:nvPr/>
+          </p:nvSpPr>
+          <p:spPr bwMode="auto">
+            <a:xfrm>
+              <a:off x="2705148" y="195135"/>
+              <a:ext cx="1655556" cy="426446"/>
+            </a:xfrm>
+            <a:prstGeom prst="chevron">
+              <a:avLst/>
+            </a:prstGeom>
+            <a:solidFill>
+              <a:schemeClr val="bg1">
+                <a:lumMod val="95000"/>
+              </a:schemeClr>
+            </a:solidFill>
+            <a:ln w="9525" cap="flat" cmpd="sng" algn="ctr">
+              <a:noFill/>
+              <a:prstDash val="solid"/>
+              <a:round/>
+              <a:headEnd type="none" w="med" len="med"/>
+              <a:tailEnd type="none" w="med" len="med"/>
+            </a:ln>
+            <a:effectLst/>
+          </p:spPr>
+          <p:txBody>
+            <a:bodyPr rot="0" spcFirstLastPara="0" vertOverflow="overflow" horzOverflow="overflow" vert="horz" wrap="square" lIns="91440" tIns="45720" rIns="91440" bIns="45720" numCol="1" spcCol="0" rtlCol="0" fromWordArt="0" anchor="ctr" anchorCtr="0" forceAA="0" compatLnSpc="1">
+              <a:prstTxWarp prst="textNoShape">
+                <a:avLst/>
+              </a:prstTxWarp>
+              <a:noAutofit/>
+            </a:bodyPr>
+            <a:lstStyle/>
+            <a:p>
+              <a:pPr marL="0" marR="0" indent="0" algn="ctr" defTabSz="914400" rtl="0" eaLnBrk="0" fontAlgn="base" latinLnBrk="0" hangingPunct="0">
+                <a:lnSpc>
+                  <a:spcPct val="100000"/>
+                </a:lnSpc>
+                <a:spcBef>
+                  <a:spcPct val="0"/>
+                </a:spcBef>
+                <a:spcAft>
+                  <a:spcPct val="0"/>
+                </a:spcAft>
+                <a:buClrTx/>
+                <a:buSzTx/>
+                <a:buFontTx/>
+                <a:buNone/>
+                <a:tabLst/>
+              </a:pPr>
+              <a:r>
+                <a:rPr kumimoji="0" lang="en-GB" sz="1400" b="0" i="0" u="none" strike="noStrike" cap="none" normalizeH="0" baseline="0" dirty="0">
+                  <a:ln>
+                    <a:noFill/>
+                  </a:ln>
+                  <a:solidFill>
+                    <a:schemeClr val="bg1"/>
+                  </a:solidFill>
+                  <a:effectLst/>
+                  <a:latin typeface="Helvetica Neue" charset="0"/>
+                </a:rPr>
+                <a:t>Literature Review</a:t>
+              </a:r>
+            </a:p>
+          </p:txBody>
+        </p:sp>
+        <p:sp>
+          <p:nvSpPr>
+            <p:cNvPr id="9" name="Chevron 21">
+              <a:extLst>
+                <a:ext uri="{FF2B5EF4-FFF2-40B4-BE49-F238E27FC236}">
+                  <a16:creationId xmlns:a16="http://schemas.microsoft.com/office/drawing/2014/main" id="{39A379AC-B1A1-B201-CABF-796ECF3A8756}"/>
+                </a:ext>
+              </a:extLst>
+            </p:cNvPr>
+            <p:cNvSpPr/>
+            <p:nvPr/>
+          </p:nvSpPr>
+          <p:spPr bwMode="auto">
+            <a:xfrm>
+              <a:off x="4157299" y="195135"/>
+              <a:ext cx="1655556" cy="426446"/>
+            </a:xfrm>
+            <a:prstGeom prst="chevron">
+              <a:avLst/>
+            </a:prstGeom>
+            <a:solidFill>
+              <a:schemeClr val="bg1">
+                <a:lumMod val="95000"/>
+              </a:schemeClr>
+            </a:solidFill>
+            <a:ln w="9525" cap="flat" cmpd="sng" algn="ctr">
+              <a:noFill/>
+              <a:prstDash val="solid"/>
+              <a:round/>
+              <a:headEnd type="none" w="med" len="med"/>
+              <a:tailEnd type="none" w="med" len="med"/>
+            </a:ln>
+            <a:effectLst/>
+          </p:spPr>
+          <p:txBody>
+            <a:bodyPr rot="0" spcFirstLastPara="0" vertOverflow="overflow" horzOverflow="overflow" vert="horz" wrap="square" lIns="91440" tIns="45720" rIns="91440" bIns="45720" numCol="1" spcCol="0" rtlCol="0" fromWordArt="0" anchor="ctr" anchorCtr="0" forceAA="0" compatLnSpc="1">
+              <a:prstTxWarp prst="textNoShape">
+                <a:avLst/>
+              </a:prstTxWarp>
+              <a:noAutofit/>
+            </a:bodyPr>
+            <a:lstStyle/>
+            <a:p>
+              <a:pPr marL="0" marR="0" indent="0" algn="ctr" defTabSz="914400" rtl="0" eaLnBrk="0" fontAlgn="base" latinLnBrk="0" hangingPunct="0">
+                <a:lnSpc>
+                  <a:spcPct val="100000"/>
+                </a:lnSpc>
+                <a:spcBef>
+                  <a:spcPct val="0"/>
+                </a:spcBef>
+                <a:spcAft>
+                  <a:spcPct val="0"/>
+                </a:spcAft>
+                <a:buClrTx/>
+                <a:buSzTx/>
+                <a:buFontTx/>
+                <a:buNone/>
+                <a:tabLst/>
+              </a:pPr>
+              <a:r>
+                <a:rPr kumimoji="0" lang="en-GB" sz="1400" b="0" i="0" u="none" strike="noStrike" cap="none" normalizeH="0" baseline="0" dirty="0">
+                  <a:ln>
+                    <a:noFill/>
+                  </a:ln>
+                  <a:solidFill>
+                    <a:schemeClr val="bg1"/>
+                  </a:solidFill>
+                  <a:effectLst/>
+                  <a:latin typeface="Helvetica Neue" charset="0"/>
+                </a:rPr>
+                <a:t>Methodology</a:t>
+              </a:r>
+            </a:p>
+          </p:txBody>
+        </p:sp>
+        <p:sp>
+          <p:nvSpPr>
+            <p:cNvPr id="10" name="Chevron 21">
+              <a:extLst>
+                <a:ext uri="{FF2B5EF4-FFF2-40B4-BE49-F238E27FC236}">
+                  <a16:creationId xmlns:a16="http://schemas.microsoft.com/office/drawing/2014/main" id="{3000C852-2421-11D6-F1F9-F1FD3270C42A}"/>
+                </a:ext>
+              </a:extLst>
+            </p:cNvPr>
+            <p:cNvSpPr/>
+            <p:nvPr/>
+          </p:nvSpPr>
+          <p:spPr bwMode="auto">
+            <a:xfrm>
+              <a:off x="5601171" y="195135"/>
+              <a:ext cx="1655556" cy="426446"/>
+            </a:xfrm>
+            <a:prstGeom prst="chevron">
+              <a:avLst/>
+            </a:prstGeom>
+            <a:solidFill>
+              <a:schemeClr val="bg1">
+                <a:lumMod val="95000"/>
+              </a:schemeClr>
+            </a:solidFill>
+            <a:ln w="9525" cap="flat" cmpd="sng" algn="ctr">
+              <a:noFill/>
+              <a:prstDash val="solid"/>
+              <a:round/>
+              <a:headEnd type="none" w="med" len="med"/>
+              <a:tailEnd type="none" w="med" len="med"/>
+            </a:ln>
+            <a:effectLst/>
+          </p:spPr>
+          <p:txBody>
+            <a:bodyPr rot="0" spcFirstLastPara="0" vertOverflow="overflow" horzOverflow="overflow" vert="horz" wrap="square" lIns="91440" tIns="45720" rIns="91440" bIns="45720" numCol="1" spcCol="0" rtlCol="0" fromWordArt="0" anchor="ctr" anchorCtr="0" forceAA="0" compatLnSpc="1">
+              <a:prstTxWarp prst="textNoShape">
+                <a:avLst/>
+              </a:prstTxWarp>
+              <a:noAutofit/>
+            </a:bodyPr>
+            <a:lstStyle/>
+            <a:p>
+              <a:pPr marL="0" marR="0" indent="0" algn="ctr" defTabSz="914400" rtl="0" eaLnBrk="0" fontAlgn="base" latinLnBrk="0" hangingPunct="0">
+                <a:lnSpc>
+                  <a:spcPct val="100000"/>
+                </a:lnSpc>
+                <a:spcBef>
+                  <a:spcPct val="0"/>
+                </a:spcBef>
+                <a:spcAft>
+                  <a:spcPct val="0"/>
+                </a:spcAft>
+                <a:buClrTx/>
+                <a:buSzTx/>
+                <a:buFontTx/>
+                <a:buNone/>
+                <a:tabLst/>
+              </a:pPr>
+              <a:r>
+                <a:rPr kumimoji="0" lang="en-GB" sz="1400" b="0" i="0" u="none" strike="noStrike" cap="none" normalizeH="0" baseline="0" dirty="0">
+                  <a:ln>
+                    <a:noFill/>
+                  </a:ln>
+                  <a:solidFill>
+                    <a:schemeClr val="bg1"/>
+                  </a:solidFill>
+                  <a:effectLst/>
+                  <a:latin typeface="Helvetica Neue" charset="0"/>
+                </a:rPr>
+                <a:t>Outlook</a:t>
+              </a:r>
+            </a:p>
+          </p:txBody>
+        </p:sp>
+      </p:grpSp>
+      <p:sp>
+        <p:nvSpPr>
+          <p:cNvPr id="18" name="TextBox 17">
+            <a:extLst>
+              <a:ext uri="{FF2B5EF4-FFF2-40B4-BE49-F238E27FC236}">
+                <a16:creationId xmlns:a16="http://schemas.microsoft.com/office/drawing/2014/main" id="{12772F66-EAA0-BA5E-7E40-AC4A62C33C94}"/>
+              </a:ext>
+            </a:extLst>
+          </p:cNvPr>
+          <p:cNvSpPr txBox="1"/>
+          <p:nvPr/>
+        </p:nvSpPr>
+        <p:spPr>
+          <a:xfrm>
+            <a:off x="319090" y="1703614"/>
+            <a:ext cx="2801406" cy="257250"/>
+          </a:xfrm>
+          <a:prstGeom prst="rect">
+            <a:avLst/>
+          </a:prstGeom>
+          <a:noFill/>
+        </p:spPr>
+        <p:txBody>
+          <a:bodyPr wrap="square" lIns="0" tIns="0" rIns="0" bIns="0" rtlCol="0">
+            <a:spAutoFit/>
+          </a:bodyPr>
+          <a:lstStyle/>
+          <a:p>
+            <a:pPr>
+              <a:lnSpc>
+                <a:spcPct val="114000"/>
+              </a:lnSpc>
+            </a:pPr>
+            <a:r>
+              <a:rPr lang="en-GB" sz="1600" dirty="0">
+                <a:latin typeface="+mn-lt"/>
+              </a:rPr>
+              <a:t>Objective Function</a:t>
+            </a:r>
+          </a:p>
+        </p:txBody>
+      </p:sp>
+      <p:pic>
+        <p:nvPicPr>
+          <p:cNvPr id="2" name="Picture 1">
+            <a:extLst>
+              <a:ext uri="{FF2B5EF4-FFF2-40B4-BE49-F238E27FC236}">
+                <a16:creationId xmlns:a16="http://schemas.microsoft.com/office/drawing/2014/main" id="{D2DBFC4C-B63B-DAF2-F651-6F6D66957C85}"/>
+              </a:ext>
+            </a:extLst>
+          </p:cNvPr>
+          <p:cNvPicPr>
+            <a:picLocks noChangeAspect="1"/>
+          </p:cNvPicPr>
+          <p:nvPr/>
+        </p:nvPicPr>
+        <p:blipFill rotWithShape="1">
+          <a:blip r:embed="rId3"/>
+          <a:srcRect r="5026" b="25942"/>
+          <a:stretch/>
+        </p:blipFill>
+        <p:spPr>
+          <a:xfrm>
+            <a:off x="1835373" y="2190744"/>
+            <a:ext cx="4302193" cy="991893"/>
+          </a:xfrm>
+          <a:prstGeom prst="rect">
+            <a:avLst/>
+          </a:prstGeom>
+        </p:spPr>
+      </p:pic>
+    </p:spTree>
+    <p:extLst>
+      <p:ext uri="{BB962C8B-B14F-4D97-AF65-F5344CB8AC3E}">
+        <p14:creationId xmlns:p14="http://schemas.microsoft.com/office/powerpoint/2010/main" val="3045940691"/>
+      </p:ext>
+    </p:extLst>
+  </p:cSld>
+  <p:clrMapOvr>
+    <a:masterClrMapping/>
+  </p:clrMapOvr>
+</p:sld>
+</file>
+
+<file path=ppt/slides/slide11.xml><?xml version="1.0" encoding="utf-8"?>
+<p:sld xmlns:a="http://schemas.openxmlformats.org/drawingml/2006/main" xmlns:r="http://schemas.openxmlformats.org/officeDocument/2006/relationships" xmlns:p="http://schemas.openxmlformats.org/presentationml/2006/main">
+  <p:cSld>
+    <p:spTree>
+      <p:nvGrpSpPr>
+        <p:cNvPr id="1" name=""/>
+        <p:cNvGrpSpPr/>
+        <p:nvPr/>
+      </p:nvGrpSpPr>
+      <p:grpSpPr>
+        <a:xfrm>
+          <a:off x="0" y="0"/>
+          <a:ext cx="0" cy="0"/>
+          <a:chOff x="0" y="0"/>
+          <a:chExt cx="0" cy="0"/>
+        </a:xfrm>
+      </p:grpSpPr>
+      <p:sp>
+        <p:nvSpPr>
+          <p:cNvPr id="3" name="Title 2">
+            <a:extLst>
+              <a:ext uri="{FF2B5EF4-FFF2-40B4-BE49-F238E27FC236}">
+                <a16:creationId xmlns:a16="http://schemas.microsoft.com/office/drawing/2014/main" id="{2205F221-DD06-3596-C330-06FF75A51F0E}"/>
+              </a:ext>
+            </a:extLst>
+          </p:cNvPr>
+          <p:cNvSpPr>
+            <a:spLocks noGrp="1"/>
+          </p:cNvSpPr>
+          <p:nvPr>
+            <p:ph type="title"/>
+          </p:nvPr>
+        </p:nvSpPr>
+        <p:spPr>
+          <a:xfrm>
+            <a:off x="319090" y="972000"/>
+            <a:ext cx="8508999" cy="381195"/>
+          </a:xfrm>
+        </p:spPr>
+        <p:txBody>
+          <a:bodyPr/>
+          <a:lstStyle/>
+          <a:p>
+            <a:r>
+              <a:rPr lang="en-GB" dirty="0"/>
+              <a:t>Optimal Power Flow</a:t>
+            </a:r>
+          </a:p>
+        </p:txBody>
+      </p:sp>
+      <p:sp>
+        <p:nvSpPr>
+          <p:cNvPr id="4" name="Slide Number Placeholder 3">
+            <a:extLst>
+              <a:ext uri="{FF2B5EF4-FFF2-40B4-BE49-F238E27FC236}">
+                <a16:creationId xmlns:a16="http://schemas.microsoft.com/office/drawing/2014/main" id="{8ADBAD59-86BD-1963-3290-00F9E48F5A99}"/>
+              </a:ext>
+            </a:extLst>
+          </p:cNvPr>
+          <p:cNvSpPr>
+            <a:spLocks noGrp="1"/>
+          </p:cNvSpPr>
+          <p:nvPr>
+            <p:ph type="sldNum" sz="quarter" idx="11"/>
+          </p:nvPr>
+        </p:nvSpPr>
+        <p:spPr/>
+        <p:txBody>
+          <a:bodyPr/>
+          <a:lstStyle/>
+          <a:p>
+            <a:fld id="{CE58CB1E-F828-4F11-99E0-327109AF9DA4}" type="slidenum">
+              <a:rPr lang="de-DE" smtClean="0"/>
+              <a:pPr/>
+              <a:t>11</a:t>
+            </a:fld>
+            <a:endParaRPr lang="de-DE"/>
+          </a:p>
+        </p:txBody>
+      </p:sp>
+      <p:sp>
+        <p:nvSpPr>
+          <p:cNvPr id="6" name="Fußzeilenplatzhalter 4">
+            <a:extLst>
+              <a:ext uri="{FF2B5EF4-FFF2-40B4-BE49-F238E27FC236}">
+                <a16:creationId xmlns:a16="http://schemas.microsoft.com/office/drawing/2014/main" id="{BEAD0A3D-D1CA-F119-EBDD-E65080E09F1C}"/>
+              </a:ext>
+            </a:extLst>
+          </p:cNvPr>
+          <p:cNvSpPr txBox="1">
+            <a:spLocks/>
+          </p:cNvSpPr>
+          <p:nvPr/>
+        </p:nvSpPr>
+        <p:spPr>
+          <a:xfrm>
+            <a:off x="311162" y="4854985"/>
+            <a:ext cx="7795890" cy="273844"/>
+          </a:xfrm>
+          <a:prstGeom prst="rect">
+            <a:avLst/>
+          </a:prstGeom>
+        </p:spPr>
+        <p:txBody>
+          <a:bodyPr/>
+          <a:lstStyle>
+            <a:defPPr>
+              <a:defRPr lang="de-DE"/>
+            </a:defPPr>
+            <a:lvl1pPr algn="l" rtl="0" fontAlgn="base">
+              <a:spcBef>
+                <a:spcPct val="0"/>
+              </a:spcBef>
+              <a:spcAft>
+                <a:spcPct val="0"/>
+              </a:spcAft>
+              <a:defRPr kern="1200">
+                <a:solidFill>
+                  <a:schemeClr val="tx1"/>
+                </a:solidFill>
+                <a:latin typeface="Arial" charset="0"/>
+                <a:ea typeface="+mn-ea"/>
+                <a:cs typeface="Arial" charset="0"/>
+              </a:defRPr>
+            </a:lvl1pPr>
+            <a:lvl2pPr marL="457200" algn="l" rtl="0" fontAlgn="base">
+              <a:spcBef>
+                <a:spcPct val="0"/>
+              </a:spcBef>
+              <a:spcAft>
+                <a:spcPct val="0"/>
+              </a:spcAft>
+              <a:defRPr kern="1200">
+                <a:solidFill>
+                  <a:schemeClr val="tx1"/>
+                </a:solidFill>
+                <a:latin typeface="Arial" charset="0"/>
+                <a:ea typeface="+mn-ea"/>
+                <a:cs typeface="Arial" charset="0"/>
+              </a:defRPr>
+            </a:lvl2pPr>
+            <a:lvl3pPr marL="914400" algn="l" rtl="0" fontAlgn="base">
+              <a:spcBef>
+                <a:spcPct val="0"/>
+              </a:spcBef>
+              <a:spcAft>
+                <a:spcPct val="0"/>
+              </a:spcAft>
+              <a:defRPr kern="1200">
+                <a:solidFill>
+                  <a:schemeClr val="tx1"/>
+                </a:solidFill>
+                <a:latin typeface="Arial" charset="0"/>
+                <a:ea typeface="+mn-ea"/>
+                <a:cs typeface="Arial" charset="0"/>
+              </a:defRPr>
+            </a:lvl3pPr>
+            <a:lvl4pPr marL="1371600" algn="l" rtl="0" fontAlgn="base">
+              <a:spcBef>
+                <a:spcPct val="0"/>
+              </a:spcBef>
+              <a:spcAft>
+                <a:spcPct val="0"/>
+              </a:spcAft>
+              <a:defRPr kern="1200">
+                <a:solidFill>
+                  <a:schemeClr val="tx1"/>
+                </a:solidFill>
+                <a:latin typeface="Arial" charset="0"/>
+                <a:ea typeface="+mn-ea"/>
+                <a:cs typeface="Arial" charset="0"/>
+              </a:defRPr>
+            </a:lvl4pPr>
+            <a:lvl5pPr marL="1828800" algn="l" rtl="0" fontAlgn="base">
+              <a:spcBef>
+                <a:spcPct val="0"/>
+              </a:spcBef>
+              <a:spcAft>
+                <a:spcPct val="0"/>
+              </a:spcAft>
+              <a:defRPr kern="1200">
+                <a:solidFill>
+                  <a:schemeClr val="tx1"/>
+                </a:solidFill>
+                <a:latin typeface="Arial" charset="0"/>
+                <a:ea typeface="+mn-ea"/>
+                <a:cs typeface="Arial" charset="0"/>
+              </a:defRPr>
+            </a:lvl5pPr>
+            <a:lvl6pPr marL="2286000" algn="l" defTabSz="914400" rtl="0" eaLnBrk="1" latinLnBrk="0" hangingPunct="1">
+              <a:defRPr kern="1200">
+                <a:solidFill>
+                  <a:schemeClr val="tx1"/>
+                </a:solidFill>
+                <a:latin typeface="Arial" charset="0"/>
+                <a:ea typeface="+mn-ea"/>
+                <a:cs typeface="Arial" charset="0"/>
+              </a:defRPr>
+            </a:lvl6pPr>
+            <a:lvl7pPr marL="2743200" algn="l" defTabSz="914400" rtl="0" eaLnBrk="1" latinLnBrk="0" hangingPunct="1">
+              <a:defRPr kern="1200">
+                <a:solidFill>
+                  <a:schemeClr val="tx1"/>
+                </a:solidFill>
+                <a:latin typeface="Arial" charset="0"/>
+                <a:ea typeface="+mn-ea"/>
+                <a:cs typeface="Arial" charset="0"/>
+              </a:defRPr>
+            </a:lvl7pPr>
+            <a:lvl8pPr marL="3200400" algn="l" defTabSz="914400" rtl="0" eaLnBrk="1" latinLnBrk="0" hangingPunct="1">
+              <a:defRPr kern="1200">
+                <a:solidFill>
+                  <a:schemeClr val="tx1"/>
+                </a:solidFill>
+                <a:latin typeface="Arial" charset="0"/>
+                <a:ea typeface="+mn-ea"/>
+                <a:cs typeface="Arial" charset="0"/>
+              </a:defRPr>
+            </a:lvl8pPr>
+            <a:lvl9pPr marL="3657600" algn="l" defTabSz="914400" rtl="0" eaLnBrk="1" latinLnBrk="0" hangingPunct="1">
+              <a:defRPr kern="1200">
+                <a:solidFill>
+                  <a:schemeClr val="tx1"/>
+                </a:solidFill>
+                <a:latin typeface="Arial" charset="0"/>
+                <a:ea typeface="+mn-ea"/>
+                <a:cs typeface="Arial" charset="0"/>
+              </a:defRPr>
+            </a:lvl9pPr>
+          </a:lstStyle>
+          <a:p>
+            <a:r>
+              <a:rPr lang="en-US" sz="1100" dirty="0">
+                <a:latin typeface="Arial"/>
+                <a:cs typeface="Arial"/>
+              </a:rPr>
+              <a:t>Chia-Ling Yang | </a:t>
+            </a:r>
+            <a:r>
+              <a:rPr lang="en-GB" sz="1100" b="0" i="0" u="none" strike="noStrike" dirty="0">
+                <a:effectLst/>
+                <a:latin typeface="Arial" panose="020B0604020202020204" pitchFamily="34" charset="0"/>
+              </a:rPr>
+              <a:t>Exploring Reinforcement Learning Solutions for EV-aware Optimal Power Flow Under Uncertainty</a:t>
+            </a:r>
+            <a:endParaRPr lang="en-US" sz="1100" dirty="0">
+              <a:latin typeface="Arial"/>
+              <a:cs typeface="Arial"/>
+            </a:endParaRPr>
+          </a:p>
+        </p:txBody>
+      </p:sp>
+      <p:grpSp>
+        <p:nvGrpSpPr>
+          <p:cNvPr id="11" name="Group 10">
+            <a:extLst>
+              <a:ext uri="{FF2B5EF4-FFF2-40B4-BE49-F238E27FC236}">
+                <a16:creationId xmlns:a16="http://schemas.microsoft.com/office/drawing/2014/main" id="{69F25379-2398-F1ED-3376-C18C0A9C51D8}"/>
+              </a:ext>
+            </a:extLst>
+          </p:cNvPr>
+          <p:cNvGrpSpPr/>
+          <p:nvPr/>
+        </p:nvGrpSpPr>
+        <p:grpSpPr>
+          <a:xfrm>
+            <a:off x="0" y="195135"/>
+            <a:ext cx="7256727" cy="426446"/>
+            <a:chOff x="0" y="195135"/>
+            <a:chExt cx="7256727" cy="426446"/>
+          </a:xfrm>
+        </p:grpSpPr>
+        <p:sp>
+          <p:nvSpPr>
+            <p:cNvPr id="5" name="Pentagon 19">
+              <a:extLst>
+                <a:ext uri="{FF2B5EF4-FFF2-40B4-BE49-F238E27FC236}">
+                  <a16:creationId xmlns:a16="http://schemas.microsoft.com/office/drawing/2014/main" id="{328A0AF8-6A67-556F-5C87-15545E5DBFF8}"/>
+                </a:ext>
+              </a:extLst>
+            </p:cNvPr>
+            <p:cNvSpPr/>
+            <p:nvPr/>
+          </p:nvSpPr>
+          <p:spPr bwMode="auto">
+            <a:xfrm>
+              <a:off x="0" y="195135"/>
+              <a:ext cx="1655556" cy="426446"/>
+            </a:xfrm>
+            <a:prstGeom prst="homePlate">
+              <a:avLst/>
+            </a:prstGeom>
+            <a:solidFill>
+              <a:srgbClr val="F2F2F2"/>
+            </a:solidFill>
+            <a:ln w="9525" cap="flat" cmpd="sng" algn="ctr">
+              <a:noFill/>
+              <a:prstDash val="solid"/>
+              <a:round/>
+              <a:headEnd type="none" w="med" len="med"/>
+              <a:tailEnd type="none" w="med" len="med"/>
+            </a:ln>
+            <a:effectLst/>
+          </p:spPr>
+          <p:txBody>
+            <a:bodyPr rot="0" spcFirstLastPara="0" vertOverflow="overflow" horzOverflow="overflow" vert="horz" wrap="square" lIns="91440" tIns="45720" rIns="91440" bIns="45720" numCol="1" spcCol="0" rtlCol="0" fromWordArt="0" anchor="ctr" anchorCtr="0" forceAA="0" compatLnSpc="1">
+              <a:prstTxWarp prst="textNoShape">
+                <a:avLst/>
+              </a:prstTxWarp>
+              <a:noAutofit/>
+            </a:bodyPr>
+            <a:lstStyle/>
+            <a:p>
+              <a:pPr marL="0" marR="0" indent="0" algn="ctr" defTabSz="914400" rtl="0" eaLnBrk="0" fontAlgn="base" latinLnBrk="0" hangingPunct="0">
+                <a:lnSpc>
+                  <a:spcPct val="100000"/>
+                </a:lnSpc>
+                <a:spcBef>
+                  <a:spcPct val="0"/>
+                </a:spcBef>
+                <a:spcAft>
+                  <a:spcPct val="0"/>
+                </a:spcAft>
+                <a:buClrTx/>
+                <a:buSzTx/>
+                <a:buFontTx/>
+                <a:buNone/>
+                <a:tabLst/>
+              </a:pPr>
+              <a:r>
+                <a:rPr kumimoji="0" lang="en-GB" sz="1400" b="0" i="0" u="none" strike="noStrike" cap="none" normalizeH="0" baseline="0" dirty="0">
+                  <a:ln>
+                    <a:noFill/>
+                  </a:ln>
+                  <a:solidFill>
+                    <a:schemeClr val="bg1"/>
+                  </a:solidFill>
+                  <a:effectLst/>
+                  <a:latin typeface="Helvetica Neue" charset="0"/>
+                </a:rPr>
+                <a:t>Background</a:t>
+              </a:r>
+            </a:p>
+          </p:txBody>
+        </p:sp>
+        <p:sp>
+          <p:nvSpPr>
+            <p:cNvPr id="7" name="Chevron 21">
+              <a:extLst>
+                <a:ext uri="{FF2B5EF4-FFF2-40B4-BE49-F238E27FC236}">
+                  <a16:creationId xmlns:a16="http://schemas.microsoft.com/office/drawing/2014/main" id="{E3E5F189-7340-7F7E-50D9-3CC83AEF686E}"/>
+                </a:ext>
+              </a:extLst>
+            </p:cNvPr>
+            <p:cNvSpPr/>
+            <p:nvPr/>
+          </p:nvSpPr>
+          <p:spPr bwMode="auto">
+            <a:xfrm>
+              <a:off x="1352574" y="195135"/>
+              <a:ext cx="1655556" cy="426446"/>
+            </a:xfrm>
+            <a:prstGeom prst="chevron">
+              <a:avLst/>
+            </a:prstGeom>
+            <a:solidFill>
+              <a:srgbClr val="0065BD"/>
+            </a:solidFill>
+            <a:ln w="9525" cap="flat" cmpd="sng" algn="ctr">
+              <a:noFill/>
+              <a:prstDash val="solid"/>
+              <a:round/>
+              <a:headEnd type="none" w="med" len="med"/>
+              <a:tailEnd type="none" w="med" len="med"/>
+            </a:ln>
+            <a:effectLst/>
+          </p:spPr>
+          <p:txBody>
+            <a:bodyPr rot="0" spcFirstLastPara="0" vertOverflow="overflow" horzOverflow="overflow" vert="horz" wrap="square" lIns="91440" tIns="45720" rIns="91440" bIns="45720" numCol="1" spcCol="0" rtlCol="0" fromWordArt="0" anchor="ctr" anchorCtr="0" forceAA="0" compatLnSpc="1">
+              <a:prstTxWarp prst="textNoShape">
+                <a:avLst/>
+              </a:prstTxWarp>
+              <a:noAutofit/>
+            </a:bodyPr>
+            <a:lstStyle/>
+            <a:p>
+              <a:pPr marL="0" marR="0" indent="0" algn="ctr" defTabSz="914400" rtl="0" eaLnBrk="0" fontAlgn="base" latinLnBrk="0" hangingPunct="0">
+                <a:lnSpc>
+                  <a:spcPct val="100000"/>
+                </a:lnSpc>
+                <a:spcBef>
+                  <a:spcPct val="0"/>
+                </a:spcBef>
+                <a:spcAft>
+                  <a:spcPct val="0"/>
+                </a:spcAft>
+                <a:buClrTx/>
+                <a:buSzTx/>
+                <a:buFontTx/>
+                <a:buNone/>
+                <a:tabLst/>
+              </a:pPr>
+              <a:r>
+                <a:rPr kumimoji="0" lang="en-GB" sz="1400" b="0" i="0" u="none" strike="noStrike" cap="none" normalizeH="0" baseline="0" dirty="0">
+                  <a:ln>
+                    <a:noFill/>
+                  </a:ln>
+                  <a:solidFill>
+                    <a:schemeClr val="bg1"/>
+                  </a:solidFill>
+                  <a:effectLst/>
+                  <a:latin typeface="Helvetica Neue" charset="0"/>
+                </a:rPr>
+                <a:t>Problem Formulation</a:t>
+              </a:r>
+            </a:p>
+          </p:txBody>
+        </p:sp>
+        <p:sp>
+          <p:nvSpPr>
+            <p:cNvPr id="8" name="Chevron 21">
+              <a:extLst>
+                <a:ext uri="{FF2B5EF4-FFF2-40B4-BE49-F238E27FC236}">
+                  <a16:creationId xmlns:a16="http://schemas.microsoft.com/office/drawing/2014/main" id="{6F26CBD2-F5AF-720E-9E1E-F5D5A82DBAC8}"/>
+                </a:ext>
+              </a:extLst>
+            </p:cNvPr>
+            <p:cNvSpPr/>
+            <p:nvPr/>
+          </p:nvSpPr>
+          <p:spPr bwMode="auto">
+            <a:xfrm>
+              <a:off x="2705148" y="195135"/>
+              <a:ext cx="1655556" cy="426446"/>
+            </a:xfrm>
+            <a:prstGeom prst="chevron">
+              <a:avLst/>
+            </a:prstGeom>
+            <a:solidFill>
+              <a:schemeClr val="bg1">
+                <a:lumMod val="95000"/>
+              </a:schemeClr>
+            </a:solidFill>
+            <a:ln w="9525" cap="flat" cmpd="sng" algn="ctr">
+              <a:noFill/>
+              <a:prstDash val="solid"/>
+              <a:round/>
+              <a:headEnd type="none" w="med" len="med"/>
+              <a:tailEnd type="none" w="med" len="med"/>
+            </a:ln>
+            <a:effectLst/>
+          </p:spPr>
+          <p:txBody>
+            <a:bodyPr rot="0" spcFirstLastPara="0" vertOverflow="overflow" horzOverflow="overflow" vert="horz" wrap="square" lIns="91440" tIns="45720" rIns="91440" bIns="45720" numCol="1" spcCol="0" rtlCol="0" fromWordArt="0" anchor="ctr" anchorCtr="0" forceAA="0" compatLnSpc="1">
+              <a:prstTxWarp prst="textNoShape">
+                <a:avLst/>
+              </a:prstTxWarp>
+              <a:noAutofit/>
+            </a:bodyPr>
+            <a:lstStyle/>
+            <a:p>
+              <a:pPr marL="0" marR="0" indent="0" algn="ctr" defTabSz="914400" rtl="0" eaLnBrk="0" fontAlgn="base" latinLnBrk="0" hangingPunct="0">
+                <a:lnSpc>
+                  <a:spcPct val="100000"/>
+                </a:lnSpc>
+                <a:spcBef>
+                  <a:spcPct val="0"/>
+                </a:spcBef>
+                <a:spcAft>
+                  <a:spcPct val="0"/>
+                </a:spcAft>
+                <a:buClrTx/>
+                <a:buSzTx/>
+                <a:buFontTx/>
+                <a:buNone/>
+                <a:tabLst/>
+              </a:pPr>
+              <a:r>
+                <a:rPr kumimoji="0" lang="en-GB" sz="1400" b="0" i="0" u="none" strike="noStrike" cap="none" normalizeH="0" baseline="0" dirty="0">
+                  <a:ln>
+                    <a:noFill/>
+                  </a:ln>
+                  <a:solidFill>
+                    <a:schemeClr val="bg1"/>
+                  </a:solidFill>
+                  <a:effectLst/>
+                  <a:latin typeface="Helvetica Neue" charset="0"/>
+                </a:rPr>
+                <a:t>Literature Review</a:t>
+              </a:r>
+            </a:p>
+          </p:txBody>
+        </p:sp>
+        <p:sp>
+          <p:nvSpPr>
+            <p:cNvPr id="9" name="Chevron 21">
+              <a:extLst>
+                <a:ext uri="{FF2B5EF4-FFF2-40B4-BE49-F238E27FC236}">
+                  <a16:creationId xmlns:a16="http://schemas.microsoft.com/office/drawing/2014/main" id="{39A379AC-B1A1-B201-CABF-796ECF3A8756}"/>
+                </a:ext>
+              </a:extLst>
+            </p:cNvPr>
+            <p:cNvSpPr/>
+            <p:nvPr/>
+          </p:nvSpPr>
+          <p:spPr bwMode="auto">
+            <a:xfrm>
+              <a:off x="4157299" y="195135"/>
+              <a:ext cx="1655556" cy="426446"/>
+            </a:xfrm>
+            <a:prstGeom prst="chevron">
+              <a:avLst/>
+            </a:prstGeom>
+            <a:solidFill>
+              <a:schemeClr val="bg1">
+                <a:lumMod val="95000"/>
+              </a:schemeClr>
+            </a:solidFill>
+            <a:ln w="9525" cap="flat" cmpd="sng" algn="ctr">
+              <a:noFill/>
+              <a:prstDash val="solid"/>
+              <a:round/>
+              <a:headEnd type="none" w="med" len="med"/>
+              <a:tailEnd type="none" w="med" len="med"/>
+            </a:ln>
+            <a:effectLst/>
+          </p:spPr>
+          <p:txBody>
+            <a:bodyPr rot="0" spcFirstLastPara="0" vertOverflow="overflow" horzOverflow="overflow" vert="horz" wrap="square" lIns="91440" tIns="45720" rIns="91440" bIns="45720" numCol="1" spcCol="0" rtlCol="0" fromWordArt="0" anchor="ctr" anchorCtr="0" forceAA="0" compatLnSpc="1">
+              <a:prstTxWarp prst="textNoShape">
+                <a:avLst/>
+              </a:prstTxWarp>
+              <a:noAutofit/>
+            </a:bodyPr>
+            <a:lstStyle/>
+            <a:p>
+              <a:pPr marL="0" marR="0" indent="0" algn="ctr" defTabSz="914400" rtl="0" eaLnBrk="0" fontAlgn="base" latinLnBrk="0" hangingPunct="0">
+                <a:lnSpc>
+                  <a:spcPct val="100000"/>
+                </a:lnSpc>
+                <a:spcBef>
+                  <a:spcPct val="0"/>
+                </a:spcBef>
+                <a:spcAft>
+                  <a:spcPct val="0"/>
+                </a:spcAft>
+                <a:buClrTx/>
+                <a:buSzTx/>
+                <a:buFontTx/>
+                <a:buNone/>
+                <a:tabLst/>
+              </a:pPr>
+              <a:r>
+                <a:rPr kumimoji="0" lang="en-GB" sz="1400" b="0" i="0" u="none" strike="noStrike" cap="none" normalizeH="0" baseline="0" dirty="0">
+                  <a:ln>
+                    <a:noFill/>
+                  </a:ln>
+                  <a:solidFill>
+                    <a:schemeClr val="bg1"/>
+                  </a:solidFill>
+                  <a:effectLst/>
+                  <a:latin typeface="Helvetica Neue" charset="0"/>
+                </a:rPr>
+                <a:t>Methodology</a:t>
+              </a:r>
+            </a:p>
+          </p:txBody>
+        </p:sp>
+        <p:sp>
+          <p:nvSpPr>
+            <p:cNvPr id="10" name="Chevron 21">
+              <a:extLst>
+                <a:ext uri="{FF2B5EF4-FFF2-40B4-BE49-F238E27FC236}">
+                  <a16:creationId xmlns:a16="http://schemas.microsoft.com/office/drawing/2014/main" id="{3000C852-2421-11D6-F1F9-F1FD3270C42A}"/>
+                </a:ext>
+              </a:extLst>
+            </p:cNvPr>
+            <p:cNvSpPr/>
+            <p:nvPr/>
+          </p:nvSpPr>
+          <p:spPr bwMode="auto">
+            <a:xfrm>
+              <a:off x="5601171" y="195135"/>
+              <a:ext cx="1655556" cy="426446"/>
+            </a:xfrm>
+            <a:prstGeom prst="chevron">
+              <a:avLst/>
+            </a:prstGeom>
+            <a:solidFill>
+              <a:schemeClr val="bg1">
+                <a:lumMod val="95000"/>
+              </a:schemeClr>
+            </a:solidFill>
+            <a:ln w="9525" cap="flat" cmpd="sng" algn="ctr">
+              <a:noFill/>
+              <a:prstDash val="solid"/>
+              <a:round/>
+              <a:headEnd type="none" w="med" len="med"/>
+              <a:tailEnd type="none" w="med" len="med"/>
+            </a:ln>
+            <a:effectLst/>
+          </p:spPr>
+          <p:txBody>
+            <a:bodyPr rot="0" spcFirstLastPara="0" vertOverflow="overflow" horzOverflow="overflow" vert="horz" wrap="square" lIns="91440" tIns="45720" rIns="91440" bIns="45720" numCol="1" spcCol="0" rtlCol="0" fromWordArt="0" anchor="ctr" anchorCtr="0" forceAA="0" compatLnSpc="1">
+              <a:prstTxWarp prst="textNoShape">
+                <a:avLst/>
+              </a:prstTxWarp>
+              <a:noAutofit/>
+            </a:bodyPr>
+            <a:lstStyle/>
+            <a:p>
+              <a:pPr marL="0" marR="0" indent="0" algn="ctr" defTabSz="914400" rtl="0" eaLnBrk="0" fontAlgn="base" latinLnBrk="0" hangingPunct="0">
+                <a:lnSpc>
+                  <a:spcPct val="100000"/>
+                </a:lnSpc>
+                <a:spcBef>
+                  <a:spcPct val="0"/>
+                </a:spcBef>
+                <a:spcAft>
+                  <a:spcPct val="0"/>
+                </a:spcAft>
+                <a:buClrTx/>
+                <a:buSzTx/>
+                <a:buFontTx/>
+                <a:buNone/>
+                <a:tabLst/>
+              </a:pPr>
+              <a:r>
+                <a:rPr kumimoji="0" lang="en-GB" sz="1400" b="0" i="0" u="none" strike="noStrike" cap="none" normalizeH="0" baseline="0" dirty="0">
+                  <a:ln>
+                    <a:noFill/>
+                  </a:ln>
+                  <a:solidFill>
+                    <a:schemeClr val="bg1"/>
+                  </a:solidFill>
+                  <a:effectLst/>
+                  <a:latin typeface="Helvetica Neue" charset="0"/>
+                </a:rPr>
+                <a:t>Outlook</a:t>
+              </a:r>
+            </a:p>
+          </p:txBody>
+        </p:sp>
+      </p:grpSp>
+      <p:sp>
+        <p:nvSpPr>
+          <p:cNvPr id="18" name="TextBox 17">
+            <a:extLst>
+              <a:ext uri="{FF2B5EF4-FFF2-40B4-BE49-F238E27FC236}">
+                <a16:creationId xmlns:a16="http://schemas.microsoft.com/office/drawing/2014/main" id="{12772F66-EAA0-BA5E-7E40-AC4A62C33C94}"/>
+              </a:ext>
+            </a:extLst>
+          </p:cNvPr>
+          <p:cNvSpPr txBox="1"/>
+          <p:nvPr/>
+        </p:nvSpPr>
+        <p:spPr>
+          <a:xfrm>
+            <a:off x="319090" y="1703614"/>
+            <a:ext cx="2801406" cy="257250"/>
+          </a:xfrm>
+          <a:prstGeom prst="rect">
+            <a:avLst/>
+          </a:prstGeom>
+          <a:noFill/>
+        </p:spPr>
+        <p:txBody>
+          <a:bodyPr wrap="square" lIns="0" tIns="0" rIns="0" bIns="0" rtlCol="0">
+            <a:spAutoFit/>
+          </a:bodyPr>
+          <a:lstStyle/>
+          <a:p>
+            <a:pPr>
+              <a:lnSpc>
+                <a:spcPct val="114000"/>
+              </a:lnSpc>
+            </a:pPr>
+            <a:r>
+              <a:rPr lang="en-GB" sz="1600" dirty="0">
+                <a:latin typeface="+mn-lt"/>
+              </a:rPr>
+              <a:t>Constraints</a:t>
+            </a:r>
+          </a:p>
+        </p:txBody>
+      </p:sp>
+      <p:pic>
+        <p:nvPicPr>
+          <p:cNvPr id="12" name="Picture 11">
+            <a:extLst>
+              <a:ext uri="{FF2B5EF4-FFF2-40B4-BE49-F238E27FC236}">
+                <a16:creationId xmlns:a16="http://schemas.microsoft.com/office/drawing/2014/main" id="{072B75F6-2D3C-BFFB-B53B-082F6B2FD5F5}"/>
+              </a:ext>
+            </a:extLst>
+          </p:cNvPr>
+          <p:cNvPicPr>
+            <a:picLocks noChangeAspect="1"/>
+          </p:cNvPicPr>
+          <p:nvPr/>
+        </p:nvPicPr>
+        <p:blipFill rotWithShape="1">
+          <a:blip r:embed="rId3"/>
+          <a:srcRect t="1" b="48605"/>
+          <a:stretch/>
+        </p:blipFill>
+        <p:spPr>
+          <a:xfrm>
+            <a:off x="319090" y="2089444"/>
+            <a:ext cx="4276248" cy="2656175"/>
+          </a:xfrm>
+          <a:prstGeom prst="rect">
+            <a:avLst/>
+          </a:prstGeom>
+        </p:spPr>
+      </p:pic>
+    </p:spTree>
+    <p:extLst>
+      <p:ext uri="{BB962C8B-B14F-4D97-AF65-F5344CB8AC3E}">
+        <p14:creationId xmlns:p14="http://schemas.microsoft.com/office/powerpoint/2010/main" val="351368587"/>
+      </p:ext>
+    </p:extLst>
+  </p:cSld>
+  <p:clrMapOvr>
+    <a:masterClrMapping/>
+  </p:clrMapOvr>
+</p:sld>
+</file>
+
+<file path=ppt/slides/slide12.xml><?xml version="1.0" encoding="utf-8"?>
+<p:sld xmlns:a="http://schemas.openxmlformats.org/drawingml/2006/main" xmlns:r="http://schemas.openxmlformats.org/officeDocument/2006/relationships" xmlns:p="http://schemas.openxmlformats.org/presentationml/2006/main">
+  <p:cSld>
+    <p:spTree>
+      <p:nvGrpSpPr>
+        <p:cNvPr id="1" name=""/>
+        <p:cNvGrpSpPr/>
+        <p:nvPr/>
+      </p:nvGrpSpPr>
+      <p:grpSpPr>
+        <a:xfrm>
+          <a:off x="0" y="0"/>
+          <a:ext cx="0" cy="0"/>
+          <a:chOff x="0" y="0"/>
+          <a:chExt cx="0" cy="0"/>
+        </a:xfrm>
+      </p:grpSpPr>
+      <p:sp>
+        <p:nvSpPr>
+          <p:cNvPr id="3" name="Title 2">
+            <a:extLst>
+              <a:ext uri="{FF2B5EF4-FFF2-40B4-BE49-F238E27FC236}">
+                <a16:creationId xmlns:a16="http://schemas.microsoft.com/office/drawing/2014/main" id="{2205F221-DD06-3596-C330-06FF75A51F0E}"/>
+              </a:ext>
+            </a:extLst>
+          </p:cNvPr>
+          <p:cNvSpPr>
+            <a:spLocks noGrp="1"/>
+          </p:cNvSpPr>
+          <p:nvPr>
+            <p:ph type="title"/>
+          </p:nvPr>
+        </p:nvSpPr>
+        <p:spPr>
+          <a:xfrm>
+            <a:off x="319090" y="972000"/>
+            <a:ext cx="8508999" cy="381195"/>
+          </a:xfrm>
+        </p:spPr>
+        <p:txBody>
+          <a:bodyPr/>
+          <a:lstStyle/>
+          <a:p>
+            <a:r>
+              <a:rPr lang="en-GB" dirty="0"/>
+              <a:t>Optimal Power Flow</a:t>
+            </a:r>
+          </a:p>
+        </p:txBody>
+      </p:sp>
+      <p:sp>
+        <p:nvSpPr>
+          <p:cNvPr id="4" name="Slide Number Placeholder 3">
+            <a:extLst>
+              <a:ext uri="{FF2B5EF4-FFF2-40B4-BE49-F238E27FC236}">
+                <a16:creationId xmlns:a16="http://schemas.microsoft.com/office/drawing/2014/main" id="{8ADBAD59-86BD-1963-3290-00F9E48F5A99}"/>
+              </a:ext>
+            </a:extLst>
+          </p:cNvPr>
+          <p:cNvSpPr>
+            <a:spLocks noGrp="1"/>
+          </p:cNvSpPr>
+          <p:nvPr>
+            <p:ph type="sldNum" sz="quarter" idx="11"/>
+          </p:nvPr>
+        </p:nvSpPr>
+        <p:spPr/>
+        <p:txBody>
+          <a:bodyPr/>
+          <a:lstStyle/>
+          <a:p>
+            <a:fld id="{CE58CB1E-F828-4F11-99E0-327109AF9DA4}" type="slidenum">
+              <a:rPr lang="de-DE" smtClean="0"/>
+              <a:pPr/>
+              <a:t>12</a:t>
+            </a:fld>
+            <a:endParaRPr lang="de-DE"/>
+          </a:p>
+        </p:txBody>
+      </p:sp>
+      <p:sp>
+        <p:nvSpPr>
+          <p:cNvPr id="6" name="Fußzeilenplatzhalter 4">
+            <a:extLst>
+              <a:ext uri="{FF2B5EF4-FFF2-40B4-BE49-F238E27FC236}">
+                <a16:creationId xmlns:a16="http://schemas.microsoft.com/office/drawing/2014/main" id="{BEAD0A3D-D1CA-F119-EBDD-E65080E09F1C}"/>
+              </a:ext>
+            </a:extLst>
+          </p:cNvPr>
+          <p:cNvSpPr txBox="1">
+            <a:spLocks/>
+          </p:cNvSpPr>
+          <p:nvPr/>
+        </p:nvSpPr>
+        <p:spPr>
+          <a:xfrm>
+            <a:off x="311162" y="4854985"/>
+            <a:ext cx="7795890" cy="273844"/>
+          </a:xfrm>
+          <a:prstGeom prst="rect">
+            <a:avLst/>
+          </a:prstGeom>
+        </p:spPr>
+        <p:txBody>
+          <a:bodyPr/>
+          <a:lstStyle>
+            <a:defPPr>
+              <a:defRPr lang="de-DE"/>
+            </a:defPPr>
+            <a:lvl1pPr algn="l" rtl="0" fontAlgn="base">
+              <a:spcBef>
+                <a:spcPct val="0"/>
+              </a:spcBef>
+              <a:spcAft>
+                <a:spcPct val="0"/>
+              </a:spcAft>
+              <a:defRPr kern="1200">
+                <a:solidFill>
+                  <a:schemeClr val="tx1"/>
+                </a:solidFill>
+                <a:latin typeface="Arial" charset="0"/>
+                <a:ea typeface="+mn-ea"/>
+                <a:cs typeface="Arial" charset="0"/>
+              </a:defRPr>
+            </a:lvl1pPr>
+            <a:lvl2pPr marL="457200" algn="l" rtl="0" fontAlgn="base">
+              <a:spcBef>
+                <a:spcPct val="0"/>
+              </a:spcBef>
+              <a:spcAft>
+                <a:spcPct val="0"/>
+              </a:spcAft>
+              <a:defRPr kern="1200">
+                <a:solidFill>
+                  <a:schemeClr val="tx1"/>
+                </a:solidFill>
+                <a:latin typeface="Arial" charset="0"/>
+                <a:ea typeface="+mn-ea"/>
+                <a:cs typeface="Arial" charset="0"/>
+              </a:defRPr>
+            </a:lvl2pPr>
+            <a:lvl3pPr marL="914400" algn="l" rtl="0" fontAlgn="base">
+              <a:spcBef>
+                <a:spcPct val="0"/>
+              </a:spcBef>
+              <a:spcAft>
+                <a:spcPct val="0"/>
+              </a:spcAft>
+              <a:defRPr kern="1200">
+                <a:solidFill>
+                  <a:schemeClr val="tx1"/>
+                </a:solidFill>
+                <a:latin typeface="Arial" charset="0"/>
+                <a:ea typeface="+mn-ea"/>
+                <a:cs typeface="Arial" charset="0"/>
+              </a:defRPr>
+            </a:lvl3pPr>
+            <a:lvl4pPr marL="1371600" algn="l" rtl="0" fontAlgn="base">
+              <a:spcBef>
+                <a:spcPct val="0"/>
+              </a:spcBef>
+              <a:spcAft>
+                <a:spcPct val="0"/>
+              </a:spcAft>
+              <a:defRPr kern="1200">
+                <a:solidFill>
+                  <a:schemeClr val="tx1"/>
+                </a:solidFill>
+                <a:latin typeface="Arial" charset="0"/>
+                <a:ea typeface="+mn-ea"/>
+                <a:cs typeface="Arial" charset="0"/>
+              </a:defRPr>
+            </a:lvl4pPr>
+            <a:lvl5pPr marL="1828800" algn="l" rtl="0" fontAlgn="base">
+              <a:spcBef>
+                <a:spcPct val="0"/>
+              </a:spcBef>
+              <a:spcAft>
+                <a:spcPct val="0"/>
+              </a:spcAft>
+              <a:defRPr kern="1200">
+                <a:solidFill>
+                  <a:schemeClr val="tx1"/>
+                </a:solidFill>
+                <a:latin typeface="Arial" charset="0"/>
+                <a:ea typeface="+mn-ea"/>
+                <a:cs typeface="Arial" charset="0"/>
+              </a:defRPr>
+            </a:lvl5pPr>
+            <a:lvl6pPr marL="2286000" algn="l" defTabSz="914400" rtl="0" eaLnBrk="1" latinLnBrk="0" hangingPunct="1">
+              <a:defRPr kern="1200">
+                <a:solidFill>
+                  <a:schemeClr val="tx1"/>
+                </a:solidFill>
+                <a:latin typeface="Arial" charset="0"/>
+                <a:ea typeface="+mn-ea"/>
+                <a:cs typeface="Arial" charset="0"/>
+              </a:defRPr>
+            </a:lvl6pPr>
+            <a:lvl7pPr marL="2743200" algn="l" defTabSz="914400" rtl="0" eaLnBrk="1" latinLnBrk="0" hangingPunct="1">
+              <a:defRPr kern="1200">
+                <a:solidFill>
+                  <a:schemeClr val="tx1"/>
+                </a:solidFill>
+                <a:latin typeface="Arial" charset="0"/>
+                <a:ea typeface="+mn-ea"/>
+                <a:cs typeface="Arial" charset="0"/>
+              </a:defRPr>
+            </a:lvl7pPr>
+            <a:lvl8pPr marL="3200400" algn="l" defTabSz="914400" rtl="0" eaLnBrk="1" latinLnBrk="0" hangingPunct="1">
+              <a:defRPr kern="1200">
+                <a:solidFill>
+                  <a:schemeClr val="tx1"/>
+                </a:solidFill>
+                <a:latin typeface="Arial" charset="0"/>
+                <a:ea typeface="+mn-ea"/>
+                <a:cs typeface="Arial" charset="0"/>
+              </a:defRPr>
+            </a:lvl8pPr>
+            <a:lvl9pPr marL="3657600" algn="l" defTabSz="914400" rtl="0" eaLnBrk="1" latinLnBrk="0" hangingPunct="1">
+              <a:defRPr kern="1200">
+                <a:solidFill>
+                  <a:schemeClr val="tx1"/>
+                </a:solidFill>
+                <a:latin typeface="Arial" charset="0"/>
+                <a:ea typeface="+mn-ea"/>
+                <a:cs typeface="Arial" charset="0"/>
+              </a:defRPr>
+            </a:lvl9pPr>
+          </a:lstStyle>
+          <a:p>
+            <a:r>
+              <a:rPr lang="en-US" sz="1100" dirty="0">
+                <a:latin typeface="Arial"/>
+                <a:cs typeface="Arial"/>
+              </a:rPr>
+              <a:t>Chia-Ling Yang | </a:t>
+            </a:r>
+            <a:r>
+              <a:rPr lang="en-GB" sz="1100" b="0" i="0" u="none" strike="noStrike" dirty="0">
+                <a:effectLst/>
+                <a:latin typeface="Arial" panose="020B0604020202020204" pitchFamily="34" charset="0"/>
+              </a:rPr>
+              <a:t>Exploring Reinforcement Learning Solutions for EV-aware Optimal Power Flow Under Uncertainty</a:t>
+            </a:r>
+            <a:endParaRPr lang="en-US" sz="1100" dirty="0">
+              <a:latin typeface="Arial"/>
+              <a:cs typeface="Arial"/>
+            </a:endParaRPr>
+          </a:p>
+        </p:txBody>
+      </p:sp>
+      <p:grpSp>
+        <p:nvGrpSpPr>
+          <p:cNvPr id="11" name="Group 10">
+            <a:extLst>
+              <a:ext uri="{FF2B5EF4-FFF2-40B4-BE49-F238E27FC236}">
+                <a16:creationId xmlns:a16="http://schemas.microsoft.com/office/drawing/2014/main" id="{69F25379-2398-F1ED-3376-C18C0A9C51D8}"/>
+              </a:ext>
+            </a:extLst>
+          </p:cNvPr>
+          <p:cNvGrpSpPr/>
+          <p:nvPr/>
+        </p:nvGrpSpPr>
+        <p:grpSpPr>
+          <a:xfrm>
+            <a:off x="0" y="195135"/>
+            <a:ext cx="7256727" cy="426446"/>
+            <a:chOff x="0" y="195135"/>
+            <a:chExt cx="7256727" cy="426446"/>
+          </a:xfrm>
+        </p:grpSpPr>
+        <p:sp>
+          <p:nvSpPr>
+            <p:cNvPr id="5" name="Pentagon 19">
+              <a:extLst>
+                <a:ext uri="{FF2B5EF4-FFF2-40B4-BE49-F238E27FC236}">
+                  <a16:creationId xmlns:a16="http://schemas.microsoft.com/office/drawing/2014/main" id="{328A0AF8-6A67-556F-5C87-15545E5DBFF8}"/>
+                </a:ext>
+              </a:extLst>
+            </p:cNvPr>
+            <p:cNvSpPr/>
+            <p:nvPr/>
+          </p:nvSpPr>
+          <p:spPr bwMode="auto">
+            <a:xfrm>
+              <a:off x="0" y="195135"/>
+              <a:ext cx="1655556" cy="426446"/>
+            </a:xfrm>
+            <a:prstGeom prst="homePlate">
+              <a:avLst/>
+            </a:prstGeom>
+            <a:solidFill>
+              <a:srgbClr val="F2F2F2"/>
+            </a:solidFill>
+            <a:ln w="9525" cap="flat" cmpd="sng" algn="ctr">
+              <a:noFill/>
+              <a:prstDash val="solid"/>
+              <a:round/>
+              <a:headEnd type="none" w="med" len="med"/>
+              <a:tailEnd type="none" w="med" len="med"/>
+            </a:ln>
+            <a:effectLst/>
+          </p:spPr>
+          <p:txBody>
+            <a:bodyPr rot="0" spcFirstLastPara="0" vertOverflow="overflow" horzOverflow="overflow" vert="horz" wrap="square" lIns="91440" tIns="45720" rIns="91440" bIns="45720" numCol="1" spcCol="0" rtlCol="0" fromWordArt="0" anchor="ctr" anchorCtr="0" forceAA="0" compatLnSpc="1">
+              <a:prstTxWarp prst="textNoShape">
+                <a:avLst/>
+              </a:prstTxWarp>
+              <a:noAutofit/>
+            </a:bodyPr>
+            <a:lstStyle/>
+            <a:p>
+              <a:pPr marL="0" marR="0" indent="0" algn="ctr" defTabSz="914400" rtl="0" eaLnBrk="0" fontAlgn="base" latinLnBrk="0" hangingPunct="0">
+                <a:lnSpc>
+                  <a:spcPct val="100000"/>
+                </a:lnSpc>
+                <a:spcBef>
+                  <a:spcPct val="0"/>
+                </a:spcBef>
+                <a:spcAft>
+                  <a:spcPct val="0"/>
+                </a:spcAft>
+                <a:buClrTx/>
+                <a:buSzTx/>
+                <a:buFontTx/>
+                <a:buNone/>
+                <a:tabLst/>
+              </a:pPr>
+              <a:r>
+                <a:rPr kumimoji="0" lang="en-GB" sz="1400" b="0" i="0" u="none" strike="noStrike" cap="none" normalizeH="0" baseline="0" dirty="0">
+                  <a:ln>
+                    <a:noFill/>
+                  </a:ln>
+                  <a:solidFill>
+                    <a:schemeClr val="bg1"/>
+                  </a:solidFill>
+                  <a:effectLst/>
+                  <a:latin typeface="Helvetica Neue" charset="0"/>
+                </a:rPr>
+                <a:t>Background</a:t>
+              </a:r>
+            </a:p>
+          </p:txBody>
+        </p:sp>
+        <p:sp>
+          <p:nvSpPr>
+            <p:cNvPr id="7" name="Chevron 21">
+              <a:extLst>
+                <a:ext uri="{FF2B5EF4-FFF2-40B4-BE49-F238E27FC236}">
+                  <a16:creationId xmlns:a16="http://schemas.microsoft.com/office/drawing/2014/main" id="{E3E5F189-7340-7F7E-50D9-3CC83AEF686E}"/>
+                </a:ext>
+              </a:extLst>
+            </p:cNvPr>
+            <p:cNvSpPr/>
+            <p:nvPr/>
+          </p:nvSpPr>
+          <p:spPr bwMode="auto">
+            <a:xfrm>
+              <a:off x="1352574" y="195135"/>
+              <a:ext cx="1655556" cy="426446"/>
+            </a:xfrm>
+            <a:prstGeom prst="chevron">
+              <a:avLst/>
+            </a:prstGeom>
+            <a:solidFill>
+              <a:srgbClr val="0065BD"/>
+            </a:solidFill>
+            <a:ln w="9525" cap="flat" cmpd="sng" algn="ctr">
+              <a:noFill/>
+              <a:prstDash val="solid"/>
+              <a:round/>
+              <a:headEnd type="none" w="med" len="med"/>
+              <a:tailEnd type="none" w="med" len="med"/>
+            </a:ln>
+            <a:effectLst/>
+          </p:spPr>
+          <p:txBody>
+            <a:bodyPr rot="0" spcFirstLastPara="0" vertOverflow="overflow" horzOverflow="overflow" vert="horz" wrap="square" lIns="91440" tIns="45720" rIns="91440" bIns="45720" numCol="1" spcCol="0" rtlCol="0" fromWordArt="0" anchor="ctr" anchorCtr="0" forceAA="0" compatLnSpc="1">
+              <a:prstTxWarp prst="textNoShape">
+                <a:avLst/>
+              </a:prstTxWarp>
+              <a:noAutofit/>
+            </a:bodyPr>
+            <a:lstStyle/>
+            <a:p>
+              <a:pPr marL="0" marR="0" indent="0" algn="ctr" defTabSz="914400" rtl="0" eaLnBrk="0" fontAlgn="base" latinLnBrk="0" hangingPunct="0">
+                <a:lnSpc>
+                  <a:spcPct val="100000"/>
+                </a:lnSpc>
+                <a:spcBef>
+                  <a:spcPct val="0"/>
+                </a:spcBef>
+                <a:spcAft>
+                  <a:spcPct val="0"/>
+                </a:spcAft>
+                <a:buClrTx/>
+                <a:buSzTx/>
+                <a:buFontTx/>
+                <a:buNone/>
+                <a:tabLst/>
+              </a:pPr>
+              <a:r>
+                <a:rPr kumimoji="0" lang="en-GB" sz="1400" b="0" i="0" u="none" strike="noStrike" cap="none" normalizeH="0" baseline="0" dirty="0">
+                  <a:ln>
+                    <a:noFill/>
+                  </a:ln>
+                  <a:solidFill>
+                    <a:schemeClr val="bg1"/>
+                  </a:solidFill>
+                  <a:effectLst/>
+                  <a:latin typeface="Helvetica Neue" charset="0"/>
+                </a:rPr>
+                <a:t>Problem Formulation</a:t>
+              </a:r>
+            </a:p>
+          </p:txBody>
+        </p:sp>
+        <p:sp>
+          <p:nvSpPr>
+            <p:cNvPr id="8" name="Chevron 21">
+              <a:extLst>
+                <a:ext uri="{FF2B5EF4-FFF2-40B4-BE49-F238E27FC236}">
+                  <a16:creationId xmlns:a16="http://schemas.microsoft.com/office/drawing/2014/main" id="{6F26CBD2-F5AF-720E-9E1E-F5D5A82DBAC8}"/>
+                </a:ext>
+              </a:extLst>
+            </p:cNvPr>
+            <p:cNvSpPr/>
+            <p:nvPr/>
+          </p:nvSpPr>
+          <p:spPr bwMode="auto">
+            <a:xfrm>
+              <a:off x="2705148" y="195135"/>
+              <a:ext cx="1655556" cy="426446"/>
+            </a:xfrm>
+            <a:prstGeom prst="chevron">
+              <a:avLst/>
+            </a:prstGeom>
+            <a:solidFill>
+              <a:schemeClr val="bg1">
+                <a:lumMod val="95000"/>
+              </a:schemeClr>
+            </a:solidFill>
+            <a:ln w="9525" cap="flat" cmpd="sng" algn="ctr">
+              <a:noFill/>
+              <a:prstDash val="solid"/>
+              <a:round/>
+              <a:headEnd type="none" w="med" len="med"/>
+              <a:tailEnd type="none" w="med" len="med"/>
+            </a:ln>
+            <a:effectLst/>
+          </p:spPr>
+          <p:txBody>
+            <a:bodyPr rot="0" spcFirstLastPara="0" vertOverflow="overflow" horzOverflow="overflow" vert="horz" wrap="square" lIns="91440" tIns="45720" rIns="91440" bIns="45720" numCol="1" spcCol="0" rtlCol="0" fromWordArt="0" anchor="ctr" anchorCtr="0" forceAA="0" compatLnSpc="1">
+              <a:prstTxWarp prst="textNoShape">
+                <a:avLst/>
+              </a:prstTxWarp>
+              <a:noAutofit/>
+            </a:bodyPr>
+            <a:lstStyle/>
+            <a:p>
+              <a:pPr marL="0" marR="0" indent="0" algn="ctr" defTabSz="914400" rtl="0" eaLnBrk="0" fontAlgn="base" latinLnBrk="0" hangingPunct="0">
+                <a:lnSpc>
+                  <a:spcPct val="100000"/>
+                </a:lnSpc>
+                <a:spcBef>
+                  <a:spcPct val="0"/>
+                </a:spcBef>
+                <a:spcAft>
+                  <a:spcPct val="0"/>
+                </a:spcAft>
+                <a:buClrTx/>
+                <a:buSzTx/>
+                <a:buFontTx/>
+                <a:buNone/>
+                <a:tabLst/>
+              </a:pPr>
+              <a:r>
+                <a:rPr kumimoji="0" lang="en-GB" sz="1400" b="0" i="0" u="none" strike="noStrike" cap="none" normalizeH="0" baseline="0" dirty="0">
+                  <a:ln>
+                    <a:noFill/>
+                  </a:ln>
+                  <a:solidFill>
+                    <a:schemeClr val="bg1"/>
+                  </a:solidFill>
+                  <a:effectLst/>
+                  <a:latin typeface="Helvetica Neue" charset="0"/>
+                </a:rPr>
+                <a:t>Literature Review</a:t>
+              </a:r>
+            </a:p>
+          </p:txBody>
+        </p:sp>
+        <p:sp>
+          <p:nvSpPr>
+            <p:cNvPr id="9" name="Chevron 21">
+              <a:extLst>
+                <a:ext uri="{FF2B5EF4-FFF2-40B4-BE49-F238E27FC236}">
+                  <a16:creationId xmlns:a16="http://schemas.microsoft.com/office/drawing/2014/main" id="{39A379AC-B1A1-B201-CABF-796ECF3A8756}"/>
+                </a:ext>
+              </a:extLst>
+            </p:cNvPr>
+            <p:cNvSpPr/>
+            <p:nvPr/>
+          </p:nvSpPr>
+          <p:spPr bwMode="auto">
+            <a:xfrm>
+              <a:off x="4157299" y="195135"/>
+              <a:ext cx="1655556" cy="426446"/>
+            </a:xfrm>
+            <a:prstGeom prst="chevron">
+              <a:avLst/>
+            </a:prstGeom>
+            <a:solidFill>
+              <a:schemeClr val="bg1">
+                <a:lumMod val="95000"/>
+              </a:schemeClr>
+            </a:solidFill>
+            <a:ln w="9525" cap="flat" cmpd="sng" algn="ctr">
+              <a:noFill/>
+              <a:prstDash val="solid"/>
+              <a:round/>
+              <a:headEnd type="none" w="med" len="med"/>
+              <a:tailEnd type="none" w="med" len="med"/>
+            </a:ln>
+            <a:effectLst/>
+          </p:spPr>
+          <p:txBody>
+            <a:bodyPr rot="0" spcFirstLastPara="0" vertOverflow="overflow" horzOverflow="overflow" vert="horz" wrap="square" lIns="91440" tIns="45720" rIns="91440" bIns="45720" numCol="1" spcCol="0" rtlCol="0" fromWordArt="0" anchor="ctr" anchorCtr="0" forceAA="0" compatLnSpc="1">
+              <a:prstTxWarp prst="textNoShape">
+                <a:avLst/>
+              </a:prstTxWarp>
+              <a:noAutofit/>
+            </a:bodyPr>
+            <a:lstStyle/>
+            <a:p>
+              <a:pPr marL="0" marR="0" indent="0" algn="ctr" defTabSz="914400" rtl="0" eaLnBrk="0" fontAlgn="base" latinLnBrk="0" hangingPunct="0">
+                <a:lnSpc>
+                  <a:spcPct val="100000"/>
+                </a:lnSpc>
+                <a:spcBef>
+                  <a:spcPct val="0"/>
+                </a:spcBef>
+                <a:spcAft>
+                  <a:spcPct val="0"/>
+                </a:spcAft>
+                <a:buClrTx/>
+                <a:buSzTx/>
+                <a:buFontTx/>
+                <a:buNone/>
+                <a:tabLst/>
+              </a:pPr>
+              <a:r>
+                <a:rPr kumimoji="0" lang="en-GB" sz="1400" b="0" i="0" u="none" strike="noStrike" cap="none" normalizeH="0" baseline="0" dirty="0">
+                  <a:ln>
+                    <a:noFill/>
+                  </a:ln>
+                  <a:solidFill>
+                    <a:schemeClr val="bg1"/>
+                  </a:solidFill>
+                  <a:effectLst/>
+                  <a:latin typeface="Helvetica Neue" charset="0"/>
+                </a:rPr>
+                <a:t>Methodology</a:t>
+              </a:r>
+            </a:p>
+          </p:txBody>
+        </p:sp>
+        <p:sp>
+          <p:nvSpPr>
+            <p:cNvPr id="10" name="Chevron 21">
+              <a:extLst>
+                <a:ext uri="{FF2B5EF4-FFF2-40B4-BE49-F238E27FC236}">
+                  <a16:creationId xmlns:a16="http://schemas.microsoft.com/office/drawing/2014/main" id="{3000C852-2421-11D6-F1F9-F1FD3270C42A}"/>
+                </a:ext>
+              </a:extLst>
+            </p:cNvPr>
+            <p:cNvSpPr/>
+            <p:nvPr/>
+          </p:nvSpPr>
+          <p:spPr bwMode="auto">
+            <a:xfrm>
+              <a:off x="5601171" y="195135"/>
+              <a:ext cx="1655556" cy="426446"/>
+            </a:xfrm>
+            <a:prstGeom prst="chevron">
+              <a:avLst/>
+            </a:prstGeom>
+            <a:solidFill>
+              <a:schemeClr val="bg1">
+                <a:lumMod val="95000"/>
+              </a:schemeClr>
+            </a:solidFill>
+            <a:ln w="9525" cap="flat" cmpd="sng" algn="ctr">
+              <a:noFill/>
+              <a:prstDash val="solid"/>
+              <a:round/>
+              <a:headEnd type="none" w="med" len="med"/>
+              <a:tailEnd type="none" w="med" len="med"/>
+            </a:ln>
+            <a:effectLst/>
+          </p:spPr>
+          <p:txBody>
+            <a:bodyPr rot="0" spcFirstLastPara="0" vertOverflow="overflow" horzOverflow="overflow" vert="horz" wrap="square" lIns="91440" tIns="45720" rIns="91440" bIns="45720" numCol="1" spcCol="0" rtlCol="0" fromWordArt="0" anchor="ctr" anchorCtr="0" forceAA="0" compatLnSpc="1">
+              <a:prstTxWarp prst="textNoShape">
+                <a:avLst/>
+              </a:prstTxWarp>
+              <a:noAutofit/>
+            </a:bodyPr>
+            <a:lstStyle/>
+            <a:p>
+              <a:pPr marL="0" marR="0" indent="0" algn="ctr" defTabSz="914400" rtl="0" eaLnBrk="0" fontAlgn="base" latinLnBrk="0" hangingPunct="0">
+                <a:lnSpc>
+                  <a:spcPct val="100000"/>
+                </a:lnSpc>
+                <a:spcBef>
+                  <a:spcPct val="0"/>
+                </a:spcBef>
+                <a:spcAft>
+                  <a:spcPct val="0"/>
+                </a:spcAft>
+                <a:buClrTx/>
+                <a:buSzTx/>
+                <a:buFontTx/>
+                <a:buNone/>
+                <a:tabLst/>
+              </a:pPr>
+              <a:r>
+                <a:rPr kumimoji="0" lang="en-GB" sz="1400" b="0" i="0" u="none" strike="noStrike" cap="none" normalizeH="0" baseline="0" dirty="0">
+                  <a:ln>
+                    <a:noFill/>
+                  </a:ln>
+                  <a:solidFill>
+                    <a:schemeClr val="bg1"/>
+                  </a:solidFill>
+                  <a:effectLst/>
+                  <a:latin typeface="Helvetica Neue" charset="0"/>
+                </a:rPr>
+                <a:t>Outlook</a:t>
+              </a:r>
+            </a:p>
+          </p:txBody>
+        </p:sp>
+      </p:grpSp>
+      <p:sp>
+        <p:nvSpPr>
+          <p:cNvPr id="18" name="TextBox 17">
+            <a:extLst>
+              <a:ext uri="{FF2B5EF4-FFF2-40B4-BE49-F238E27FC236}">
+                <a16:creationId xmlns:a16="http://schemas.microsoft.com/office/drawing/2014/main" id="{12772F66-EAA0-BA5E-7E40-AC4A62C33C94}"/>
+              </a:ext>
+            </a:extLst>
+          </p:cNvPr>
+          <p:cNvSpPr txBox="1"/>
+          <p:nvPr/>
+        </p:nvSpPr>
+        <p:spPr>
+          <a:xfrm>
+            <a:off x="319090" y="1703614"/>
+            <a:ext cx="2801406" cy="257250"/>
+          </a:xfrm>
+          <a:prstGeom prst="rect">
+            <a:avLst/>
+          </a:prstGeom>
+          <a:noFill/>
+        </p:spPr>
+        <p:txBody>
+          <a:bodyPr wrap="square" lIns="0" tIns="0" rIns="0" bIns="0" rtlCol="0">
+            <a:spAutoFit/>
+          </a:bodyPr>
+          <a:lstStyle/>
+          <a:p>
+            <a:pPr>
+              <a:lnSpc>
+                <a:spcPct val="114000"/>
+              </a:lnSpc>
+            </a:pPr>
+            <a:r>
+              <a:rPr lang="en-GB" sz="1600" dirty="0">
+                <a:latin typeface="+mn-lt"/>
+              </a:rPr>
+              <a:t>Constraints</a:t>
+            </a:r>
+          </a:p>
+        </p:txBody>
+      </p:sp>
+      <p:pic>
+        <p:nvPicPr>
+          <p:cNvPr id="12" name="Picture 11">
+            <a:extLst>
+              <a:ext uri="{FF2B5EF4-FFF2-40B4-BE49-F238E27FC236}">
+                <a16:creationId xmlns:a16="http://schemas.microsoft.com/office/drawing/2014/main" id="{072B75F6-2D3C-BFFB-B53B-082F6B2FD5F5}"/>
+              </a:ext>
+            </a:extLst>
+          </p:cNvPr>
+          <p:cNvPicPr>
+            <a:picLocks noChangeAspect="1"/>
+          </p:cNvPicPr>
+          <p:nvPr/>
+        </p:nvPicPr>
+        <p:blipFill rotWithShape="1">
+          <a:blip r:embed="rId3"/>
+          <a:srcRect t="52395" b="250"/>
+          <a:stretch/>
+        </p:blipFill>
+        <p:spPr>
+          <a:xfrm>
+            <a:off x="295752" y="2071867"/>
+            <a:ext cx="4276248" cy="2447451"/>
+          </a:xfrm>
+          <a:prstGeom prst="rect">
+            <a:avLst/>
+          </a:prstGeom>
+        </p:spPr>
+      </p:pic>
+    </p:spTree>
+    <p:extLst>
+      <p:ext uri="{BB962C8B-B14F-4D97-AF65-F5344CB8AC3E}">
+        <p14:creationId xmlns:p14="http://schemas.microsoft.com/office/powerpoint/2010/main" val="94341180"/>
+      </p:ext>
+    </p:extLst>
+  </p:cSld>
+  <p:clrMapOvr>
+    <a:masterClrMapping/>
+  </p:clrMapOvr>
+</p:sld>
+</file>
+
+<file path=ppt/slides/slide13.xml><?xml version="1.0" encoding="utf-8"?>
+<p:sld xmlns:a="http://schemas.openxmlformats.org/drawingml/2006/main" xmlns:r="http://schemas.openxmlformats.org/officeDocument/2006/relationships" xmlns:p="http://schemas.openxmlformats.org/presentationml/2006/main">
+  <p:cSld>
+    <p:spTree>
+      <p:nvGrpSpPr>
+        <p:cNvPr id="1" name=""/>
+        <p:cNvGrpSpPr/>
+        <p:nvPr/>
+      </p:nvGrpSpPr>
+      <p:grpSpPr>
+        <a:xfrm>
+          <a:off x="0" y="0"/>
+          <a:ext cx="0" cy="0"/>
+          <a:chOff x="0" y="0"/>
+          <a:chExt cx="0" cy="0"/>
+        </a:xfrm>
+      </p:grpSpPr>
+      <p:sp>
+        <p:nvSpPr>
           <p:cNvPr id="2" name="Content Placeholder 1">
             <a:extLst>
               <a:ext uri="{FF2B5EF4-FFF2-40B4-BE49-F238E27FC236}">
@@ -12957,12 +15368,20 @@
             <p:ph type="title"/>
           </p:nvPr>
         </p:nvSpPr>
-        <p:spPr/>
+        <p:spPr>
+          <a:xfrm>
+            <a:off x="319090" y="972000"/>
+            <a:ext cx="8508999" cy="380810"/>
+          </a:xfrm>
+        </p:spPr>
         <p:txBody>
           <a:bodyPr/>
           <a:lstStyle/>
           <a:p>
-            <a:endParaRPr lang="en-GB" dirty="0"/>
+            <a:r>
+              <a:rPr lang="en-GB" dirty="0"/>
+              <a:t>Challenges in solving OPF for the Real-World</a:t>
+            </a:r>
           </a:p>
         </p:txBody>
       </p:sp>
@@ -12990,7 +15409,7 @@
             <a:fld id="{CE58CB1E-F828-4F11-99E0-327109AF9DA4}" type="slidenum">
               <a:rPr lang="de-DE" smtClean="0"/>
               <a:pPr/>
-              <a:t>10</a:t>
+              <a:t>13</a:t>
             </a:fld>
             <a:endParaRPr lang="de-DE"/>
           </a:p>
@@ -13181,7 +15600,7 @@
 </p:sld>
 </file>
 
-<file path=ppt/slides/slide11.xml><?xml version="1.0" encoding="utf-8"?>
+<file path=ppt/slides/slide14.xml><?xml version="1.0" encoding="utf-8"?>
 <p:sld xmlns:a="http://schemas.openxmlformats.org/drawingml/2006/main" xmlns:r="http://schemas.openxmlformats.org/officeDocument/2006/relationships" xmlns:p="http://schemas.openxmlformats.org/presentationml/2006/main">
   <p:cSld>
     <p:spTree>
@@ -13244,7 +15663,7 @@
 </p:sld>
 </file>
 
-<file path=ppt/slides/slide12.xml><?xml version="1.0" encoding="utf-8"?>
+<file path=ppt/slides/slide15.xml><?xml version="1.0" encoding="utf-8"?>
 <p:sld xmlns:a="http://schemas.openxmlformats.org/drawingml/2006/main" xmlns:r="http://schemas.openxmlformats.org/officeDocument/2006/relationships" xmlns:p="http://schemas.openxmlformats.org/presentationml/2006/main">
   <p:cSld>
     <p:spTree>
@@ -13285,7 +15704,7 @@
             <a:fld id="{CE58CB1E-F828-4F11-99E0-327109AF9DA4}" type="slidenum">
               <a:rPr lang="de-DE" smtClean="0"/>
               <a:pPr/>
-              <a:t>12</a:t>
+              <a:t>15</a:t>
             </a:fld>
             <a:endParaRPr lang="de-DE"/>
           </a:p>
@@ -17830,7 +20249,7 @@
 </p:sld>
 </file>
 
-<file path=ppt/slides/slide13.xml><?xml version="1.0" encoding="utf-8"?>
+<file path=ppt/slides/slide16.xml><?xml version="1.0" encoding="utf-8"?>
 <p:sld xmlns:a="http://schemas.openxmlformats.org/drawingml/2006/main" xmlns:r="http://schemas.openxmlformats.org/officeDocument/2006/relationships" xmlns:p="http://schemas.openxmlformats.org/presentationml/2006/main">
   <p:cSld>
     <p:spTree>
@@ -17904,7 +20323,7 @@
             <a:fld id="{CE58CB1E-F828-4F11-99E0-327109AF9DA4}" type="slidenum">
               <a:rPr lang="de-DE" smtClean="0"/>
               <a:pPr/>
-              <a:t>13</a:t>
+              <a:t>16</a:t>
             </a:fld>
             <a:endParaRPr lang="de-DE"/>
           </a:p>
@@ -19877,7 +22296,7 @@
 </p:sld>
 </file>
 
-<file path=ppt/slides/slide14.xml><?xml version="1.0" encoding="utf-8"?>
+<file path=ppt/slides/slide17.xml><?xml version="1.0" encoding="utf-8"?>
 <p:sld xmlns:a="http://schemas.openxmlformats.org/drawingml/2006/main" xmlns:r="http://schemas.openxmlformats.org/officeDocument/2006/relationships" xmlns:p="http://schemas.openxmlformats.org/presentationml/2006/main">
   <p:cSld>
     <p:spTree>
@@ -19951,7 +22370,7 @@
             <a:fld id="{CE58CB1E-F828-4F11-99E0-327109AF9DA4}" type="slidenum">
               <a:rPr lang="de-DE" smtClean="0"/>
               <a:pPr/>
-              <a:t>14</a:t>
+              <a:t>17</a:t>
             </a:fld>
             <a:endParaRPr lang="de-DE"/>
           </a:p>
@@ -28613,7 +31032,7 @@
 </p:sld>
 </file>
 
-<file path=ppt/slides/slide15.xml><?xml version="1.0" encoding="utf-8"?>
+<file path=ppt/slides/slide18.xml><?xml version="1.0" encoding="utf-8"?>
 <p:sld xmlns:a="http://schemas.openxmlformats.org/drawingml/2006/main" xmlns:r="http://schemas.openxmlformats.org/officeDocument/2006/relationships" xmlns:p="http://schemas.openxmlformats.org/presentationml/2006/main">
   <p:cSld>
     <p:spTree>
@@ -28676,7 +31095,7 @@
 </p:sld>
 </file>
 
-<file path=ppt/slides/slide16.xml><?xml version="1.0" encoding="utf-8"?>
+<file path=ppt/slides/slide19.xml><?xml version="1.0" encoding="utf-8"?>
 <p:sld xmlns:a="http://schemas.openxmlformats.org/drawingml/2006/main" xmlns:r="http://schemas.openxmlformats.org/officeDocument/2006/relationships" xmlns:p="http://schemas.openxmlformats.org/presentationml/2006/main">
   <p:cSld>
     <p:spTree>
@@ -28775,7 +31194,7 @@
             <a:fld id="{CE58CB1E-F828-4F11-99E0-327109AF9DA4}" type="slidenum">
               <a:rPr lang="de-DE" smtClean="0"/>
               <a:pPr/>
-              <a:t>16</a:t>
+              <a:t>19</a:t>
             </a:fld>
             <a:endParaRPr lang="de-DE"/>
           </a:p>
@@ -28957,688 +31376,6 @@
     <p:extLst>
       <p:ext uri="{BB962C8B-B14F-4D97-AF65-F5344CB8AC3E}">
         <p14:creationId xmlns:p14="http://schemas.microsoft.com/office/powerpoint/2010/main" val="2767526303"/>
-      </p:ext>
-    </p:extLst>
-  </p:cSld>
-  <p:clrMapOvr>
-    <a:masterClrMapping/>
-  </p:clrMapOvr>
-</p:sld>
-</file>
-
-<file path=ppt/slides/slide17.xml><?xml version="1.0" encoding="utf-8"?>
-<p:sld xmlns:a="http://schemas.openxmlformats.org/drawingml/2006/main" xmlns:r="http://schemas.openxmlformats.org/officeDocument/2006/relationships" xmlns:p="http://schemas.openxmlformats.org/presentationml/2006/main">
-  <p:cSld>
-    <p:spTree>
-      <p:nvGrpSpPr>
-        <p:cNvPr id="1" name=""/>
-        <p:cNvGrpSpPr/>
-        <p:nvPr/>
-      </p:nvGrpSpPr>
-      <p:grpSpPr>
-        <a:xfrm>
-          <a:off x="0" y="0"/>
-          <a:ext cx="0" cy="0"/>
-          <a:chOff x="0" y="0"/>
-          <a:chExt cx="0" cy="0"/>
-        </a:xfrm>
-      </p:grpSpPr>
-      <p:sp>
-        <p:nvSpPr>
-          <p:cNvPr id="2" name="Title 1">
-            <a:extLst>
-              <a:ext uri="{FF2B5EF4-FFF2-40B4-BE49-F238E27FC236}">
-                <a16:creationId xmlns:a16="http://schemas.microsoft.com/office/drawing/2014/main" id="{1BFB172F-3F32-DE9C-0EAB-7D8486ECEC79}"/>
-              </a:ext>
-            </a:extLst>
-          </p:cNvPr>
-          <p:cNvSpPr>
-            <a:spLocks noGrp="1"/>
-          </p:cNvSpPr>
-          <p:nvPr>
-            <p:ph type="title"/>
-          </p:nvPr>
-        </p:nvSpPr>
-        <p:spPr>
-          <a:xfrm>
-            <a:off x="319090" y="972000"/>
-            <a:ext cx="8508999" cy="380745"/>
-          </a:xfrm>
-        </p:spPr>
-        <p:txBody>
-          <a:bodyPr/>
-          <a:lstStyle/>
-          <a:p>
-            <a:r>
-              <a:rPr lang="en-GB" dirty="0"/>
-              <a:t>Implementation - Training</a:t>
-            </a:r>
-          </a:p>
-        </p:txBody>
-      </p:sp>
-    </p:spTree>
-    <p:extLst>
-      <p:ext uri="{BB962C8B-B14F-4D97-AF65-F5344CB8AC3E}">
-        <p14:creationId xmlns:p14="http://schemas.microsoft.com/office/powerpoint/2010/main" val="3902790334"/>
-      </p:ext>
-    </p:extLst>
-  </p:cSld>
-  <p:clrMapOvr>
-    <a:masterClrMapping/>
-  </p:clrMapOvr>
-</p:sld>
-</file>
-
-<file path=ppt/slides/slide18.xml><?xml version="1.0" encoding="utf-8"?>
-<p:sld xmlns:a="http://schemas.openxmlformats.org/drawingml/2006/main" xmlns:r="http://schemas.openxmlformats.org/officeDocument/2006/relationships" xmlns:p="http://schemas.openxmlformats.org/presentationml/2006/main">
-  <p:cSld>
-    <p:spTree>
-      <p:nvGrpSpPr>
-        <p:cNvPr id="1" name=""/>
-        <p:cNvGrpSpPr/>
-        <p:nvPr/>
-      </p:nvGrpSpPr>
-      <p:grpSpPr>
-        <a:xfrm>
-          <a:off x="0" y="0"/>
-          <a:ext cx="0" cy="0"/>
-          <a:chOff x="0" y="0"/>
-          <a:chExt cx="0" cy="0"/>
-        </a:xfrm>
-      </p:grpSpPr>
-      <p:sp>
-        <p:nvSpPr>
-          <p:cNvPr id="2" name="Content Placeholder 1">
-            <a:extLst>
-              <a:ext uri="{FF2B5EF4-FFF2-40B4-BE49-F238E27FC236}">
-                <a16:creationId xmlns:a16="http://schemas.microsoft.com/office/drawing/2014/main" id="{1CD2F961-05C2-522B-39A1-74AEFCB64A51}"/>
-              </a:ext>
-            </a:extLst>
-          </p:cNvPr>
-          <p:cNvSpPr>
-            <a:spLocks noGrp="1"/>
-          </p:cNvSpPr>
-          <p:nvPr>
-            <p:ph idx="1"/>
-          </p:nvPr>
-        </p:nvSpPr>
-        <p:spPr/>
-        <p:txBody>
-          <a:bodyPr/>
-          <a:lstStyle/>
-          <a:p>
-            <a:r>
-              <a:rPr lang="en-GB" dirty="0"/>
-              <a:t>Environment:</a:t>
-            </a:r>
-          </a:p>
-          <a:p>
-            <a:r>
-              <a:rPr lang="en-GB" dirty="0"/>
-              <a:t>State:</a:t>
-            </a:r>
-          </a:p>
-          <a:p>
-            <a:r>
-              <a:rPr lang="en-GB" dirty="0"/>
-              <a:t>Action:</a:t>
-            </a:r>
-          </a:p>
-          <a:p>
-            <a:r>
-              <a:rPr lang="en-GB" dirty="0"/>
-              <a:t>Reward:</a:t>
-            </a:r>
-          </a:p>
-        </p:txBody>
-      </p:sp>
-      <p:sp>
-        <p:nvSpPr>
-          <p:cNvPr id="3" name="Title 2">
-            <a:extLst>
-              <a:ext uri="{FF2B5EF4-FFF2-40B4-BE49-F238E27FC236}">
-                <a16:creationId xmlns:a16="http://schemas.microsoft.com/office/drawing/2014/main" id="{330A6640-DCB1-B2DE-7DF0-B33552471931}"/>
-              </a:ext>
-            </a:extLst>
-          </p:cNvPr>
-          <p:cNvSpPr>
-            <a:spLocks noGrp="1"/>
-          </p:cNvSpPr>
-          <p:nvPr>
-            <p:ph type="title"/>
-          </p:nvPr>
-        </p:nvSpPr>
-        <p:spPr>
-          <a:xfrm>
-            <a:off x="319090" y="972000"/>
-            <a:ext cx="8508999" cy="380745"/>
-          </a:xfrm>
-        </p:spPr>
-        <p:txBody>
-          <a:bodyPr/>
-          <a:lstStyle/>
-          <a:p>
-            <a:r>
-              <a:rPr lang="en-GB" dirty="0"/>
-              <a:t>Critical Components in RL</a:t>
-            </a:r>
-          </a:p>
-        </p:txBody>
-      </p:sp>
-      <p:sp>
-        <p:nvSpPr>
-          <p:cNvPr id="4" name="Slide Number Placeholder 3">
-            <a:extLst>
-              <a:ext uri="{FF2B5EF4-FFF2-40B4-BE49-F238E27FC236}">
-                <a16:creationId xmlns:a16="http://schemas.microsoft.com/office/drawing/2014/main" id="{72D8B1F9-D91A-D57A-9DA1-037B38FF2C3C}"/>
-              </a:ext>
-            </a:extLst>
-          </p:cNvPr>
-          <p:cNvSpPr>
-            <a:spLocks noGrp="1"/>
-          </p:cNvSpPr>
-          <p:nvPr>
-            <p:ph type="sldNum" sz="quarter" idx="11"/>
-          </p:nvPr>
-        </p:nvSpPr>
-        <p:spPr/>
-        <p:txBody>
-          <a:bodyPr/>
-          <a:lstStyle/>
-          <a:p>
-            <a:fld id="{CE58CB1E-F828-4F11-99E0-327109AF9DA4}" type="slidenum">
-              <a:rPr lang="de-DE" smtClean="0"/>
-              <a:pPr/>
-              <a:t>18</a:t>
-            </a:fld>
-            <a:endParaRPr lang="de-DE"/>
-          </a:p>
-        </p:txBody>
-      </p:sp>
-      <p:sp>
-        <p:nvSpPr>
-          <p:cNvPr id="6" name="Fußzeilenplatzhalter 4">
-            <a:extLst>
-              <a:ext uri="{FF2B5EF4-FFF2-40B4-BE49-F238E27FC236}">
-                <a16:creationId xmlns:a16="http://schemas.microsoft.com/office/drawing/2014/main" id="{9B4DF47D-2ED0-EAD2-B1B0-96A4301B23FE}"/>
-              </a:ext>
-            </a:extLst>
-          </p:cNvPr>
-          <p:cNvSpPr txBox="1">
-            <a:spLocks/>
-          </p:cNvSpPr>
-          <p:nvPr/>
-        </p:nvSpPr>
-        <p:spPr>
-          <a:xfrm>
-            <a:off x="311162" y="4854985"/>
-            <a:ext cx="7795890" cy="273844"/>
-          </a:xfrm>
-          <a:prstGeom prst="rect">
-            <a:avLst/>
-          </a:prstGeom>
-        </p:spPr>
-        <p:txBody>
-          <a:bodyPr/>
-          <a:lstStyle>
-            <a:defPPr>
-              <a:defRPr lang="de-DE"/>
-            </a:defPPr>
-            <a:lvl1pPr algn="l" rtl="0" fontAlgn="base">
-              <a:spcBef>
-                <a:spcPct val="0"/>
-              </a:spcBef>
-              <a:spcAft>
-                <a:spcPct val="0"/>
-              </a:spcAft>
-              <a:defRPr kern="1200">
-                <a:solidFill>
-                  <a:schemeClr val="tx1"/>
-                </a:solidFill>
-                <a:latin typeface="Arial" charset="0"/>
-                <a:ea typeface="+mn-ea"/>
-                <a:cs typeface="Arial" charset="0"/>
-              </a:defRPr>
-            </a:lvl1pPr>
-            <a:lvl2pPr marL="457200" algn="l" rtl="0" fontAlgn="base">
-              <a:spcBef>
-                <a:spcPct val="0"/>
-              </a:spcBef>
-              <a:spcAft>
-                <a:spcPct val="0"/>
-              </a:spcAft>
-              <a:defRPr kern="1200">
-                <a:solidFill>
-                  <a:schemeClr val="tx1"/>
-                </a:solidFill>
-                <a:latin typeface="Arial" charset="0"/>
-                <a:ea typeface="+mn-ea"/>
-                <a:cs typeface="Arial" charset="0"/>
-              </a:defRPr>
-            </a:lvl2pPr>
-            <a:lvl3pPr marL="914400" algn="l" rtl="0" fontAlgn="base">
-              <a:spcBef>
-                <a:spcPct val="0"/>
-              </a:spcBef>
-              <a:spcAft>
-                <a:spcPct val="0"/>
-              </a:spcAft>
-              <a:defRPr kern="1200">
-                <a:solidFill>
-                  <a:schemeClr val="tx1"/>
-                </a:solidFill>
-                <a:latin typeface="Arial" charset="0"/>
-                <a:ea typeface="+mn-ea"/>
-                <a:cs typeface="Arial" charset="0"/>
-              </a:defRPr>
-            </a:lvl3pPr>
-            <a:lvl4pPr marL="1371600" algn="l" rtl="0" fontAlgn="base">
-              <a:spcBef>
-                <a:spcPct val="0"/>
-              </a:spcBef>
-              <a:spcAft>
-                <a:spcPct val="0"/>
-              </a:spcAft>
-              <a:defRPr kern="1200">
-                <a:solidFill>
-                  <a:schemeClr val="tx1"/>
-                </a:solidFill>
-                <a:latin typeface="Arial" charset="0"/>
-                <a:ea typeface="+mn-ea"/>
-                <a:cs typeface="Arial" charset="0"/>
-              </a:defRPr>
-            </a:lvl4pPr>
-            <a:lvl5pPr marL="1828800" algn="l" rtl="0" fontAlgn="base">
-              <a:spcBef>
-                <a:spcPct val="0"/>
-              </a:spcBef>
-              <a:spcAft>
-                <a:spcPct val="0"/>
-              </a:spcAft>
-              <a:defRPr kern="1200">
-                <a:solidFill>
-                  <a:schemeClr val="tx1"/>
-                </a:solidFill>
-                <a:latin typeface="Arial" charset="0"/>
-                <a:ea typeface="+mn-ea"/>
-                <a:cs typeface="Arial" charset="0"/>
-              </a:defRPr>
-            </a:lvl5pPr>
-            <a:lvl6pPr marL="2286000" algn="l" defTabSz="914400" rtl="0" eaLnBrk="1" latinLnBrk="0" hangingPunct="1">
-              <a:defRPr kern="1200">
-                <a:solidFill>
-                  <a:schemeClr val="tx1"/>
-                </a:solidFill>
-                <a:latin typeface="Arial" charset="0"/>
-                <a:ea typeface="+mn-ea"/>
-                <a:cs typeface="Arial" charset="0"/>
-              </a:defRPr>
-            </a:lvl6pPr>
-            <a:lvl7pPr marL="2743200" algn="l" defTabSz="914400" rtl="0" eaLnBrk="1" latinLnBrk="0" hangingPunct="1">
-              <a:defRPr kern="1200">
-                <a:solidFill>
-                  <a:schemeClr val="tx1"/>
-                </a:solidFill>
-                <a:latin typeface="Arial" charset="0"/>
-                <a:ea typeface="+mn-ea"/>
-                <a:cs typeface="Arial" charset="0"/>
-              </a:defRPr>
-            </a:lvl7pPr>
-            <a:lvl8pPr marL="3200400" algn="l" defTabSz="914400" rtl="0" eaLnBrk="1" latinLnBrk="0" hangingPunct="1">
-              <a:defRPr kern="1200">
-                <a:solidFill>
-                  <a:schemeClr val="tx1"/>
-                </a:solidFill>
-                <a:latin typeface="Arial" charset="0"/>
-                <a:ea typeface="+mn-ea"/>
-                <a:cs typeface="Arial" charset="0"/>
-              </a:defRPr>
-            </a:lvl8pPr>
-            <a:lvl9pPr marL="3657600" algn="l" defTabSz="914400" rtl="0" eaLnBrk="1" latinLnBrk="0" hangingPunct="1">
-              <a:defRPr kern="1200">
-                <a:solidFill>
-                  <a:schemeClr val="tx1"/>
-                </a:solidFill>
-                <a:latin typeface="Arial" charset="0"/>
-                <a:ea typeface="+mn-ea"/>
-                <a:cs typeface="Arial" charset="0"/>
-              </a:defRPr>
-            </a:lvl9pPr>
-          </a:lstStyle>
-          <a:p>
-            <a:r>
-              <a:rPr lang="en-US" sz="1100" dirty="0">
-                <a:latin typeface="Arial"/>
-                <a:cs typeface="Arial"/>
-              </a:rPr>
-              <a:t>Chia-Ling Yang | </a:t>
-            </a:r>
-            <a:r>
-              <a:rPr lang="en-GB" sz="1100" b="0" i="0" u="none" strike="noStrike" dirty="0">
-                <a:effectLst/>
-                <a:latin typeface="Arial" panose="020B0604020202020204" pitchFamily="34" charset="0"/>
-              </a:rPr>
-              <a:t>Exploring Reinforcement Learning Solutions for EV-aware Optimal Power Flow Under Uncertainty</a:t>
-            </a:r>
-            <a:endParaRPr lang="en-US" sz="1100" dirty="0">
-              <a:latin typeface="Arial"/>
-              <a:cs typeface="Arial"/>
-            </a:endParaRPr>
-          </a:p>
-        </p:txBody>
-      </p:sp>
-    </p:spTree>
-    <p:extLst>
-      <p:ext uri="{BB962C8B-B14F-4D97-AF65-F5344CB8AC3E}">
-        <p14:creationId xmlns:p14="http://schemas.microsoft.com/office/powerpoint/2010/main" val="457143516"/>
-      </p:ext>
-    </p:extLst>
-  </p:cSld>
-  <p:clrMapOvr>
-    <a:masterClrMapping/>
-  </p:clrMapOvr>
-</p:sld>
-</file>
-
-<file path=ppt/slides/slide19.xml><?xml version="1.0" encoding="utf-8"?>
-<p:sld xmlns:a="http://schemas.openxmlformats.org/drawingml/2006/main" xmlns:r="http://schemas.openxmlformats.org/officeDocument/2006/relationships" xmlns:p="http://schemas.openxmlformats.org/presentationml/2006/main">
-  <p:cSld>
-    <p:spTree>
-      <p:nvGrpSpPr>
-        <p:cNvPr id="1" name=""/>
-        <p:cNvGrpSpPr/>
-        <p:nvPr/>
-      </p:nvGrpSpPr>
-      <p:grpSpPr>
-        <a:xfrm>
-          <a:off x="0" y="0"/>
-          <a:ext cx="0" cy="0"/>
-          <a:chOff x="0" y="0"/>
-          <a:chExt cx="0" cy="0"/>
-        </a:xfrm>
-      </p:grpSpPr>
-      <p:sp>
-        <p:nvSpPr>
-          <p:cNvPr id="2" name="Content Placeholder 1">
-            <a:extLst>
-              <a:ext uri="{FF2B5EF4-FFF2-40B4-BE49-F238E27FC236}">
-                <a16:creationId xmlns:a16="http://schemas.microsoft.com/office/drawing/2014/main" id="{1CD2F961-05C2-522B-39A1-74AEFCB64A51}"/>
-              </a:ext>
-            </a:extLst>
-          </p:cNvPr>
-          <p:cNvSpPr>
-            <a:spLocks noGrp="1"/>
-          </p:cNvSpPr>
-          <p:nvPr>
-            <p:ph idx="1"/>
-          </p:nvPr>
-        </p:nvSpPr>
-        <p:spPr/>
-        <p:txBody>
-          <a:bodyPr/>
-          <a:lstStyle/>
-          <a:p>
-            <a:r>
-              <a:rPr lang="en-GB" dirty="0"/>
-              <a:t>Renewable power generation</a:t>
-            </a:r>
-          </a:p>
-          <a:p>
-            <a:r>
-              <a:rPr lang="en-GB" dirty="0"/>
-              <a:t>Power consumption</a:t>
-            </a:r>
-          </a:p>
-          <a:p>
-            <a:r>
-              <a:rPr lang="en-GB" dirty="0"/>
-              <a:t>Charging/discharging demands</a:t>
-            </a:r>
-          </a:p>
-          <a:p>
-            <a:endParaRPr lang="en-GB" dirty="0"/>
-          </a:p>
-        </p:txBody>
-      </p:sp>
-      <p:sp>
-        <p:nvSpPr>
-          <p:cNvPr id="3" name="Title 2">
-            <a:extLst>
-              <a:ext uri="{FF2B5EF4-FFF2-40B4-BE49-F238E27FC236}">
-                <a16:creationId xmlns:a16="http://schemas.microsoft.com/office/drawing/2014/main" id="{330A6640-DCB1-B2DE-7DF0-B33552471931}"/>
-              </a:ext>
-            </a:extLst>
-          </p:cNvPr>
-          <p:cNvSpPr>
-            <a:spLocks noGrp="1"/>
-          </p:cNvSpPr>
-          <p:nvPr>
-            <p:ph type="title"/>
-          </p:nvPr>
-        </p:nvSpPr>
-        <p:spPr>
-          <a:xfrm>
-            <a:off x="319090" y="972000"/>
-            <a:ext cx="8508999" cy="380745"/>
-          </a:xfrm>
-        </p:spPr>
-        <p:txBody>
-          <a:bodyPr/>
-          <a:lstStyle/>
-          <a:p>
-            <a:r>
-              <a:rPr lang="en-GB" dirty="0"/>
-              <a:t>Uncertainty</a:t>
-            </a:r>
-          </a:p>
-        </p:txBody>
-      </p:sp>
-      <p:sp>
-        <p:nvSpPr>
-          <p:cNvPr id="4" name="Slide Number Placeholder 3">
-            <a:extLst>
-              <a:ext uri="{FF2B5EF4-FFF2-40B4-BE49-F238E27FC236}">
-                <a16:creationId xmlns:a16="http://schemas.microsoft.com/office/drawing/2014/main" id="{72D8B1F9-D91A-D57A-9DA1-037B38FF2C3C}"/>
-              </a:ext>
-            </a:extLst>
-          </p:cNvPr>
-          <p:cNvSpPr>
-            <a:spLocks noGrp="1"/>
-          </p:cNvSpPr>
-          <p:nvPr>
-            <p:ph type="sldNum" sz="quarter" idx="11"/>
-          </p:nvPr>
-        </p:nvSpPr>
-        <p:spPr/>
-        <p:txBody>
-          <a:bodyPr/>
-          <a:lstStyle/>
-          <a:p>
-            <a:fld id="{CE58CB1E-F828-4F11-99E0-327109AF9DA4}" type="slidenum">
-              <a:rPr lang="de-DE" smtClean="0"/>
-              <a:pPr/>
-              <a:t>19</a:t>
-            </a:fld>
-            <a:endParaRPr lang="de-DE"/>
-          </a:p>
-        </p:txBody>
-      </p:sp>
-      <p:sp>
-        <p:nvSpPr>
-          <p:cNvPr id="6" name="Fußzeilenplatzhalter 4">
-            <a:extLst>
-              <a:ext uri="{FF2B5EF4-FFF2-40B4-BE49-F238E27FC236}">
-                <a16:creationId xmlns:a16="http://schemas.microsoft.com/office/drawing/2014/main" id="{9B4DF47D-2ED0-EAD2-B1B0-96A4301B23FE}"/>
-              </a:ext>
-            </a:extLst>
-          </p:cNvPr>
-          <p:cNvSpPr txBox="1">
-            <a:spLocks/>
-          </p:cNvSpPr>
-          <p:nvPr/>
-        </p:nvSpPr>
-        <p:spPr>
-          <a:xfrm>
-            <a:off x="311162" y="4854985"/>
-            <a:ext cx="7795890" cy="273844"/>
-          </a:xfrm>
-          <a:prstGeom prst="rect">
-            <a:avLst/>
-          </a:prstGeom>
-        </p:spPr>
-        <p:txBody>
-          <a:bodyPr/>
-          <a:lstStyle>
-            <a:defPPr>
-              <a:defRPr lang="de-DE"/>
-            </a:defPPr>
-            <a:lvl1pPr algn="l" rtl="0" fontAlgn="base">
-              <a:spcBef>
-                <a:spcPct val="0"/>
-              </a:spcBef>
-              <a:spcAft>
-                <a:spcPct val="0"/>
-              </a:spcAft>
-              <a:defRPr kern="1200">
-                <a:solidFill>
-                  <a:schemeClr val="tx1"/>
-                </a:solidFill>
-                <a:latin typeface="Arial" charset="0"/>
-                <a:ea typeface="+mn-ea"/>
-                <a:cs typeface="Arial" charset="0"/>
-              </a:defRPr>
-            </a:lvl1pPr>
-            <a:lvl2pPr marL="457200" algn="l" rtl="0" fontAlgn="base">
-              <a:spcBef>
-                <a:spcPct val="0"/>
-              </a:spcBef>
-              <a:spcAft>
-                <a:spcPct val="0"/>
-              </a:spcAft>
-              <a:defRPr kern="1200">
-                <a:solidFill>
-                  <a:schemeClr val="tx1"/>
-                </a:solidFill>
-                <a:latin typeface="Arial" charset="0"/>
-                <a:ea typeface="+mn-ea"/>
-                <a:cs typeface="Arial" charset="0"/>
-              </a:defRPr>
-            </a:lvl2pPr>
-            <a:lvl3pPr marL="914400" algn="l" rtl="0" fontAlgn="base">
-              <a:spcBef>
-                <a:spcPct val="0"/>
-              </a:spcBef>
-              <a:spcAft>
-                <a:spcPct val="0"/>
-              </a:spcAft>
-              <a:defRPr kern="1200">
-                <a:solidFill>
-                  <a:schemeClr val="tx1"/>
-                </a:solidFill>
-                <a:latin typeface="Arial" charset="0"/>
-                <a:ea typeface="+mn-ea"/>
-                <a:cs typeface="Arial" charset="0"/>
-              </a:defRPr>
-            </a:lvl3pPr>
-            <a:lvl4pPr marL="1371600" algn="l" rtl="0" fontAlgn="base">
-              <a:spcBef>
-                <a:spcPct val="0"/>
-              </a:spcBef>
-              <a:spcAft>
-                <a:spcPct val="0"/>
-              </a:spcAft>
-              <a:defRPr kern="1200">
-                <a:solidFill>
-                  <a:schemeClr val="tx1"/>
-                </a:solidFill>
-                <a:latin typeface="Arial" charset="0"/>
-                <a:ea typeface="+mn-ea"/>
-                <a:cs typeface="Arial" charset="0"/>
-              </a:defRPr>
-            </a:lvl4pPr>
-            <a:lvl5pPr marL="1828800" algn="l" rtl="0" fontAlgn="base">
-              <a:spcBef>
-                <a:spcPct val="0"/>
-              </a:spcBef>
-              <a:spcAft>
-                <a:spcPct val="0"/>
-              </a:spcAft>
-              <a:defRPr kern="1200">
-                <a:solidFill>
-                  <a:schemeClr val="tx1"/>
-                </a:solidFill>
-                <a:latin typeface="Arial" charset="0"/>
-                <a:ea typeface="+mn-ea"/>
-                <a:cs typeface="Arial" charset="0"/>
-              </a:defRPr>
-            </a:lvl5pPr>
-            <a:lvl6pPr marL="2286000" algn="l" defTabSz="914400" rtl="0" eaLnBrk="1" latinLnBrk="0" hangingPunct="1">
-              <a:defRPr kern="1200">
-                <a:solidFill>
-                  <a:schemeClr val="tx1"/>
-                </a:solidFill>
-                <a:latin typeface="Arial" charset="0"/>
-                <a:ea typeface="+mn-ea"/>
-                <a:cs typeface="Arial" charset="0"/>
-              </a:defRPr>
-            </a:lvl6pPr>
-            <a:lvl7pPr marL="2743200" algn="l" defTabSz="914400" rtl="0" eaLnBrk="1" latinLnBrk="0" hangingPunct="1">
-              <a:defRPr kern="1200">
-                <a:solidFill>
-                  <a:schemeClr val="tx1"/>
-                </a:solidFill>
-                <a:latin typeface="Arial" charset="0"/>
-                <a:ea typeface="+mn-ea"/>
-                <a:cs typeface="Arial" charset="0"/>
-              </a:defRPr>
-            </a:lvl7pPr>
-            <a:lvl8pPr marL="3200400" algn="l" defTabSz="914400" rtl="0" eaLnBrk="1" latinLnBrk="0" hangingPunct="1">
-              <a:defRPr kern="1200">
-                <a:solidFill>
-                  <a:schemeClr val="tx1"/>
-                </a:solidFill>
-                <a:latin typeface="Arial" charset="0"/>
-                <a:ea typeface="+mn-ea"/>
-                <a:cs typeface="Arial" charset="0"/>
-              </a:defRPr>
-            </a:lvl8pPr>
-            <a:lvl9pPr marL="3657600" algn="l" defTabSz="914400" rtl="0" eaLnBrk="1" latinLnBrk="0" hangingPunct="1">
-              <a:defRPr kern="1200">
-                <a:solidFill>
-                  <a:schemeClr val="tx1"/>
-                </a:solidFill>
-                <a:latin typeface="Arial" charset="0"/>
-                <a:ea typeface="+mn-ea"/>
-                <a:cs typeface="Arial" charset="0"/>
-              </a:defRPr>
-            </a:lvl9pPr>
-          </a:lstStyle>
-          <a:p>
-            <a:r>
-              <a:rPr lang="en-US" sz="1100" dirty="0">
-                <a:latin typeface="Arial"/>
-                <a:cs typeface="Arial"/>
-              </a:rPr>
-              <a:t>Chia-Ling Yang | </a:t>
-            </a:r>
-            <a:r>
-              <a:rPr lang="en-GB" sz="1100" b="0" i="0" u="none" strike="noStrike" dirty="0">
-                <a:effectLst/>
-                <a:latin typeface="Arial" panose="020B0604020202020204" pitchFamily="34" charset="0"/>
-              </a:rPr>
-              <a:t>Exploring Reinforcement Learning Solutions for EV-aware Optimal Power Flow Under Uncertainty</a:t>
-            </a:r>
-            <a:endParaRPr lang="en-US" sz="1100" dirty="0">
-              <a:latin typeface="Arial"/>
-              <a:cs typeface="Arial"/>
-            </a:endParaRPr>
-          </a:p>
-        </p:txBody>
-      </p:sp>
-    </p:spTree>
-    <p:extLst>
-      <p:ext uri="{BB962C8B-B14F-4D97-AF65-F5344CB8AC3E}">
-        <p14:creationId xmlns:p14="http://schemas.microsoft.com/office/powerpoint/2010/main" val="3860156319"/>
       </p:ext>
     </p:extLst>
   </p:cSld>
@@ -30104,35 +31841,10 @@
       </p:grpSpPr>
       <p:sp>
         <p:nvSpPr>
-          <p:cNvPr id="2" name="Content Placeholder 1">
+          <p:cNvPr id="2" name="Title 1">
             <a:extLst>
               <a:ext uri="{FF2B5EF4-FFF2-40B4-BE49-F238E27FC236}">
-                <a16:creationId xmlns:a16="http://schemas.microsoft.com/office/drawing/2014/main" id="{1CD2F961-05C2-522B-39A1-74AEFCB64A51}"/>
-              </a:ext>
-            </a:extLst>
-          </p:cNvPr>
-          <p:cNvSpPr>
-            <a:spLocks noGrp="1"/>
-          </p:cNvSpPr>
-          <p:nvPr>
-            <p:ph idx="1"/>
-          </p:nvPr>
-        </p:nvSpPr>
-        <p:spPr/>
-        <p:txBody>
-          <a:bodyPr/>
-          <a:lstStyle/>
-          <a:p>
-            <a:endParaRPr lang="en-GB" dirty="0"/>
-          </a:p>
-        </p:txBody>
-      </p:sp>
-      <p:sp>
-        <p:nvSpPr>
-          <p:cNvPr id="3" name="Title 2">
-            <a:extLst>
-              <a:ext uri="{FF2B5EF4-FFF2-40B4-BE49-F238E27FC236}">
-                <a16:creationId xmlns:a16="http://schemas.microsoft.com/office/drawing/2014/main" id="{330A6640-DCB1-B2DE-7DF0-B33552471931}"/>
+                <a16:creationId xmlns:a16="http://schemas.microsoft.com/office/drawing/2014/main" id="{1BFB172F-3F32-DE9C-0EAB-7D8486ECEC79}"/>
               </a:ext>
             </a:extLst>
           </p:cNvPr>
@@ -30155,217 +31867,15 @@
           <a:p>
             <a:r>
               <a:rPr lang="en-GB" dirty="0"/>
-              <a:t>Assumptions</a:t>
+              <a:t>Implementation - Training</a:t>
             </a:r>
-          </a:p>
-        </p:txBody>
-      </p:sp>
-      <p:sp>
-        <p:nvSpPr>
-          <p:cNvPr id="4" name="Slide Number Placeholder 3">
-            <a:extLst>
-              <a:ext uri="{FF2B5EF4-FFF2-40B4-BE49-F238E27FC236}">
-                <a16:creationId xmlns:a16="http://schemas.microsoft.com/office/drawing/2014/main" id="{72D8B1F9-D91A-D57A-9DA1-037B38FF2C3C}"/>
-              </a:ext>
-            </a:extLst>
-          </p:cNvPr>
-          <p:cNvSpPr>
-            <a:spLocks noGrp="1"/>
-          </p:cNvSpPr>
-          <p:nvPr>
-            <p:ph type="sldNum" sz="quarter" idx="11"/>
-          </p:nvPr>
-        </p:nvSpPr>
-        <p:spPr/>
-        <p:txBody>
-          <a:bodyPr/>
-          <a:lstStyle/>
-          <a:p>
-            <a:fld id="{CE58CB1E-F828-4F11-99E0-327109AF9DA4}" type="slidenum">
-              <a:rPr lang="de-DE" smtClean="0"/>
-              <a:pPr/>
-              <a:t>20</a:t>
-            </a:fld>
-            <a:endParaRPr lang="de-DE"/>
-          </a:p>
-        </p:txBody>
-      </p:sp>
-      <p:sp>
-        <p:nvSpPr>
-          <p:cNvPr id="6" name="Fußzeilenplatzhalter 4">
-            <a:extLst>
-              <a:ext uri="{FF2B5EF4-FFF2-40B4-BE49-F238E27FC236}">
-                <a16:creationId xmlns:a16="http://schemas.microsoft.com/office/drawing/2014/main" id="{9B4DF47D-2ED0-EAD2-B1B0-96A4301B23FE}"/>
-              </a:ext>
-            </a:extLst>
-          </p:cNvPr>
-          <p:cNvSpPr txBox="1">
-            <a:spLocks/>
-          </p:cNvSpPr>
-          <p:nvPr/>
-        </p:nvSpPr>
-        <p:spPr>
-          <a:xfrm>
-            <a:off x="311162" y="4854985"/>
-            <a:ext cx="7795890" cy="273844"/>
-          </a:xfrm>
-          <a:prstGeom prst="rect">
-            <a:avLst/>
-          </a:prstGeom>
-        </p:spPr>
-        <p:txBody>
-          <a:bodyPr/>
-          <a:lstStyle>
-            <a:defPPr>
-              <a:defRPr lang="de-DE"/>
-            </a:defPPr>
-            <a:lvl1pPr algn="l" rtl="0" fontAlgn="base">
-              <a:spcBef>
-                <a:spcPct val="0"/>
-              </a:spcBef>
-              <a:spcAft>
-                <a:spcPct val="0"/>
-              </a:spcAft>
-              <a:defRPr kern="1200">
-                <a:solidFill>
-                  <a:schemeClr val="tx1"/>
-                </a:solidFill>
-                <a:latin typeface="Arial" charset="0"/>
-                <a:ea typeface="+mn-ea"/>
-                <a:cs typeface="Arial" charset="0"/>
-              </a:defRPr>
-            </a:lvl1pPr>
-            <a:lvl2pPr marL="457200" algn="l" rtl="0" fontAlgn="base">
-              <a:spcBef>
-                <a:spcPct val="0"/>
-              </a:spcBef>
-              <a:spcAft>
-                <a:spcPct val="0"/>
-              </a:spcAft>
-              <a:defRPr kern="1200">
-                <a:solidFill>
-                  <a:schemeClr val="tx1"/>
-                </a:solidFill>
-                <a:latin typeface="Arial" charset="0"/>
-                <a:ea typeface="+mn-ea"/>
-                <a:cs typeface="Arial" charset="0"/>
-              </a:defRPr>
-            </a:lvl2pPr>
-            <a:lvl3pPr marL="914400" algn="l" rtl="0" fontAlgn="base">
-              <a:spcBef>
-                <a:spcPct val="0"/>
-              </a:spcBef>
-              <a:spcAft>
-                <a:spcPct val="0"/>
-              </a:spcAft>
-              <a:defRPr kern="1200">
-                <a:solidFill>
-                  <a:schemeClr val="tx1"/>
-                </a:solidFill>
-                <a:latin typeface="Arial" charset="0"/>
-                <a:ea typeface="+mn-ea"/>
-                <a:cs typeface="Arial" charset="0"/>
-              </a:defRPr>
-            </a:lvl3pPr>
-            <a:lvl4pPr marL="1371600" algn="l" rtl="0" fontAlgn="base">
-              <a:spcBef>
-                <a:spcPct val="0"/>
-              </a:spcBef>
-              <a:spcAft>
-                <a:spcPct val="0"/>
-              </a:spcAft>
-              <a:defRPr kern="1200">
-                <a:solidFill>
-                  <a:schemeClr val="tx1"/>
-                </a:solidFill>
-                <a:latin typeface="Arial" charset="0"/>
-                <a:ea typeface="+mn-ea"/>
-                <a:cs typeface="Arial" charset="0"/>
-              </a:defRPr>
-            </a:lvl4pPr>
-            <a:lvl5pPr marL="1828800" algn="l" rtl="0" fontAlgn="base">
-              <a:spcBef>
-                <a:spcPct val="0"/>
-              </a:spcBef>
-              <a:spcAft>
-                <a:spcPct val="0"/>
-              </a:spcAft>
-              <a:defRPr kern="1200">
-                <a:solidFill>
-                  <a:schemeClr val="tx1"/>
-                </a:solidFill>
-                <a:latin typeface="Arial" charset="0"/>
-                <a:ea typeface="+mn-ea"/>
-                <a:cs typeface="Arial" charset="0"/>
-              </a:defRPr>
-            </a:lvl5pPr>
-            <a:lvl6pPr marL="2286000" algn="l" defTabSz="914400" rtl="0" eaLnBrk="1" latinLnBrk="0" hangingPunct="1">
-              <a:defRPr kern="1200">
-                <a:solidFill>
-                  <a:schemeClr val="tx1"/>
-                </a:solidFill>
-                <a:latin typeface="Arial" charset="0"/>
-                <a:ea typeface="+mn-ea"/>
-                <a:cs typeface="Arial" charset="0"/>
-              </a:defRPr>
-            </a:lvl6pPr>
-            <a:lvl7pPr marL="2743200" algn="l" defTabSz="914400" rtl="0" eaLnBrk="1" latinLnBrk="0" hangingPunct="1">
-              <a:defRPr kern="1200">
-                <a:solidFill>
-                  <a:schemeClr val="tx1"/>
-                </a:solidFill>
-                <a:latin typeface="Arial" charset="0"/>
-                <a:ea typeface="+mn-ea"/>
-                <a:cs typeface="Arial" charset="0"/>
-              </a:defRPr>
-            </a:lvl7pPr>
-            <a:lvl8pPr marL="3200400" algn="l" defTabSz="914400" rtl="0" eaLnBrk="1" latinLnBrk="0" hangingPunct="1">
-              <a:defRPr kern="1200">
-                <a:solidFill>
-                  <a:schemeClr val="tx1"/>
-                </a:solidFill>
-                <a:latin typeface="Arial" charset="0"/>
-                <a:ea typeface="+mn-ea"/>
-                <a:cs typeface="Arial" charset="0"/>
-              </a:defRPr>
-            </a:lvl8pPr>
-            <a:lvl9pPr marL="3657600" algn="l" defTabSz="914400" rtl="0" eaLnBrk="1" latinLnBrk="0" hangingPunct="1">
-              <a:defRPr kern="1200">
-                <a:solidFill>
-                  <a:schemeClr val="tx1"/>
-                </a:solidFill>
-                <a:latin typeface="Arial" charset="0"/>
-                <a:ea typeface="+mn-ea"/>
-                <a:cs typeface="Arial" charset="0"/>
-              </a:defRPr>
-            </a:lvl9pPr>
-          </a:lstStyle>
-          <a:p>
-            <a:r>
-              <a:rPr lang="en-US" sz="1100" dirty="0">
-                <a:latin typeface="Arial"/>
-                <a:cs typeface="Arial"/>
-              </a:rPr>
-              <a:t>Chia-Ling Yang | </a:t>
-            </a:r>
-            <a:r>
-              <a:rPr lang="en-GB" sz="1100" b="0" i="0" u="none" strike="noStrike" dirty="0">
-                <a:effectLst/>
-                <a:latin typeface="Arial" panose="020B0604020202020204" pitchFamily="34" charset="0"/>
-              </a:rPr>
-              <a:t>Exploring Reinforcement Learning Solutions for EV-aware Optimal Power Flow Under Uncertainty</a:t>
-            </a:r>
-            <a:endParaRPr lang="en-US" sz="1100" dirty="0">
-              <a:latin typeface="Arial"/>
-              <a:cs typeface="Arial"/>
-            </a:endParaRPr>
           </a:p>
         </p:txBody>
       </p:sp>
     </p:spTree>
     <p:extLst>
       <p:ext uri="{BB962C8B-B14F-4D97-AF65-F5344CB8AC3E}">
-        <p14:creationId xmlns:p14="http://schemas.microsoft.com/office/powerpoint/2010/main" val="3509784463"/>
+        <p14:creationId xmlns:p14="http://schemas.microsoft.com/office/powerpoint/2010/main" val="3902790334"/>
       </p:ext>
     </p:extLst>
   </p:cSld>
@@ -30413,7 +31923,28 @@
           <a:bodyPr/>
           <a:lstStyle/>
           <a:p>
-            <a:endParaRPr lang="en-GB" dirty="0"/>
+            <a:r>
+              <a:rPr lang="en-GB" dirty="0"/>
+              <a:t>Environment:</a:t>
+            </a:r>
+          </a:p>
+          <a:p>
+            <a:r>
+              <a:rPr lang="en-GB" dirty="0"/>
+              <a:t>State:</a:t>
+            </a:r>
+          </a:p>
+          <a:p>
+            <a:r>
+              <a:rPr lang="en-GB" dirty="0"/>
+              <a:t>Action:</a:t>
+            </a:r>
+          </a:p>
+          <a:p>
+            <a:r>
+              <a:rPr lang="en-GB" dirty="0"/>
+              <a:t>Reward:</a:t>
+            </a:r>
           </a:p>
         </p:txBody>
       </p:sp>
@@ -30445,13 +31976,8 @@
           <a:p>
             <a:r>
               <a:rPr lang="en-GB" dirty="0"/>
-              <a:t>Neural Network </a:t>
+              <a:t>Critical Components in RL</a:t>
             </a:r>
-            <a:r>
-              <a:rPr lang="en-GB" dirty="0" err="1"/>
-              <a:t>Architechture</a:t>
-            </a:r>
-            <a:endParaRPr lang="en-GB" dirty="0"/>
           </a:p>
         </p:txBody>
       </p:sp>
@@ -30660,7 +32186,7 @@
     </p:spTree>
     <p:extLst>
       <p:ext uri="{BB962C8B-B14F-4D97-AF65-F5344CB8AC3E}">
-        <p14:creationId xmlns:p14="http://schemas.microsoft.com/office/powerpoint/2010/main" val="471611025"/>
+        <p14:creationId xmlns:p14="http://schemas.microsoft.com/office/powerpoint/2010/main" val="457143516"/>
       </p:ext>
     </p:extLst>
   </p:cSld>
@@ -30708,6 +32234,24 @@
           <a:bodyPr/>
           <a:lstStyle/>
           <a:p>
+            <a:r>
+              <a:rPr lang="en-GB" dirty="0"/>
+              <a:t>Renewable power generation</a:t>
+            </a:r>
+          </a:p>
+          <a:p>
+            <a:r>
+              <a:rPr lang="en-GB" dirty="0"/>
+              <a:t>Power consumption</a:t>
+            </a:r>
+          </a:p>
+          <a:p>
+            <a:r>
+              <a:rPr lang="en-GB" dirty="0"/>
+              <a:t>Charging/discharging demands</a:t>
+            </a:r>
+          </a:p>
+          <a:p>
             <a:endParaRPr lang="en-GB" dirty="0"/>
           </a:p>
         </p:txBody>
@@ -30740,7 +32284,7 @@
           <a:p>
             <a:r>
               <a:rPr lang="en-GB" dirty="0"/>
-              <a:t>Training Performance</a:t>
+              <a:t>Uncertainty</a:t>
             </a:r>
           </a:p>
         </p:txBody>
@@ -30950,6 +32494,881 @@
     </p:spTree>
     <p:extLst>
       <p:ext uri="{BB962C8B-B14F-4D97-AF65-F5344CB8AC3E}">
+        <p14:creationId xmlns:p14="http://schemas.microsoft.com/office/powerpoint/2010/main" val="3860156319"/>
+      </p:ext>
+    </p:extLst>
+  </p:cSld>
+  <p:clrMapOvr>
+    <a:masterClrMapping/>
+  </p:clrMapOvr>
+</p:sld>
+</file>
+
+<file path=ppt/slides/slide23.xml><?xml version="1.0" encoding="utf-8"?>
+<p:sld xmlns:a="http://schemas.openxmlformats.org/drawingml/2006/main" xmlns:r="http://schemas.openxmlformats.org/officeDocument/2006/relationships" xmlns:p="http://schemas.openxmlformats.org/presentationml/2006/main">
+  <p:cSld>
+    <p:spTree>
+      <p:nvGrpSpPr>
+        <p:cNvPr id="1" name=""/>
+        <p:cNvGrpSpPr/>
+        <p:nvPr/>
+      </p:nvGrpSpPr>
+      <p:grpSpPr>
+        <a:xfrm>
+          <a:off x="0" y="0"/>
+          <a:ext cx="0" cy="0"/>
+          <a:chOff x="0" y="0"/>
+          <a:chExt cx="0" cy="0"/>
+        </a:xfrm>
+      </p:grpSpPr>
+      <p:sp>
+        <p:nvSpPr>
+          <p:cNvPr id="2" name="Content Placeholder 1">
+            <a:extLst>
+              <a:ext uri="{FF2B5EF4-FFF2-40B4-BE49-F238E27FC236}">
+                <a16:creationId xmlns:a16="http://schemas.microsoft.com/office/drawing/2014/main" id="{1CD2F961-05C2-522B-39A1-74AEFCB64A51}"/>
+              </a:ext>
+            </a:extLst>
+          </p:cNvPr>
+          <p:cNvSpPr>
+            <a:spLocks noGrp="1"/>
+          </p:cNvSpPr>
+          <p:nvPr>
+            <p:ph idx="1"/>
+          </p:nvPr>
+        </p:nvSpPr>
+        <p:spPr/>
+        <p:txBody>
+          <a:bodyPr/>
+          <a:lstStyle/>
+          <a:p>
+            <a:endParaRPr lang="en-GB" dirty="0"/>
+          </a:p>
+        </p:txBody>
+      </p:sp>
+      <p:sp>
+        <p:nvSpPr>
+          <p:cNvPr id="3" name="Title 2">
+            <a:extLst>
+              <a:ext uri="{FF2B5EF4-FFF2-40B4-BE49-F238E27FC236}">
+                <a16:creationId xmlns:a16="http://schemas.microsoft.com/office/drawing/2014/main" id="{330A6640-DCB1-B2DE-7DF0-B33552471931}"/>
+              </a:ext>
+            </a:extLst>
+          </p:cNvPr>
+          <p:cNvSpPr>
+            <a:spLocks noGrp="1"/>
+          </p:cNvSpPr>
+          <p:nvPr>
+            <p:ph type="title"/>
+          </p:nvPr>
+        </p:nvSpPr>
+        <p:spPr>
+          <a:xfrm>
+            <a:off x="319090" y="972000"/>
+            <a:ext cx="8508999" cy="380745"/>
+          </a:xfrm>
+        </p:spPr>
+        <p:txBody>
+          <a:bodyPr/>
+          <a:lstStyle/>
+          <a:p>
+            <a:r>
+              <a:rPr lang="en-GB" dirty="0"/>
+              <a:t>Assumptions</a:t>
+            </a:r>
+          </a:p>
+        </p:txBody>
+      </p:sp>
+      <p:sp>
+        <p:nvSpPr>
+          <p:cNvPr id="4" name="Slide Number Placeholder 3">
+            <a:extLst>
+              <a:ext uri="{FF2B5EF4-FFF2-40B4-BE49-F238E27FC236}">
+                <a16:creationId xmlns:a16="http://schemas.microsoft.com/office/drawing/2014/main" id="{72D8B1F9-D91A-D57A-9DA1-037B38FF2C3C}"/>
+              </a:ext>
+            </a:extLst>
+          </p:cNvPr>
+          <p:cNvSpPr>
+            <a:spLocks noGrp="1"/>
+          </p:cNvSpPr>
+          <p:nvPr>
+            <p:ph type="sldNum" sz="quarter" idx="11"/>
+          </p:nvPr>
+        </p:nvSpPr>
+        <p:spPr/>
+        <p:txBody>
+          <a:bodyPr/>
+          <a:lstStyle/>
+          <a:p>
+            <a:fld id="{CE58CB1E-F828-4F11-99E0-327109AF9DA4}" type="slidenum">
+              <a:rPr lang="de-DE" smtClean="0"/>
+              <a:pPr/>
+              <a:t>23</a:t>
+            </a:fld>
+            <a:endParaRPr lang="de-DE"/>
+          </a:p>
+        </p:txBody>
+      </p:sp>
+      <p:sp>
+        <p:nvSpPr>
+          <p:cNvPr id="6" name="Fußzeilenplatzhalter 4">
+            <a:extLst>
+              <a:ext uri="{FF2B5EF4-FFF2-40B4-BE49-F238E27FC236}">
+                <a16:creationId xmlns:a16="http://schemas.microsoft.com/office/drawing/2014/main" id="{9B4DF47D-2ED0-EAD2-B1B0-96A4301B23FE}"/>
+              </a:ext>
+            </a:extLst>
+          </p:cNvPr>
+          <p:cNvSpPr txBox="1">
+            <a:spLocks/>
+          </p:cNvSpPr>
+          <p:nvPr/>
+        </p:nvSpPr>
+        <p:spPr>
+          <a:xfrm>
+            <a:off x="311162" y="4854985"/>
+            <a:ext cx="7795890" cy="273844"/>
+          </a:xfrm>
+          <a:prstGeom prst="rect">
+            <a:avLst/>
+          </a:prstGeom>
+        </p:spPr>
+        <p:txBody>
+          <a:bodyPr/>
+          <a:lstStyle>
+            <a:defPPr>
+              <a:defRPr lang="de-DE"/>
+            </a:defPPr>
+            <a:lvl1pPr algn="l" rtl="0" fontAlgn="base">
+              <a:spcBef>
+                <a:spcPct val="0"/>
+              </a:spcBef>
+              <a:spcAft>
+                <a:spcPct val="0"/>
+              </a:spcAft>
+              <a:defRPr kern="1200">
+                <a:solidFill>
+                  <a:schemeClr val="tx1"/>
+                </a:solidFill>
+                <a:latin typeface="Arial" charset="0"/>
+                <a:ea typeface="+mn-ea"/>
+                <a:cs typeface="Arial" charset="0"/>
+              </a:defRPr>
+            </a:lvl1pPr>
+            <a:lvl2pPr marL="457200" algn="l" rtl="0" fontAlgn="base">
+              <a:spcBef>
+                <a:spcPct val="0"/>
+              </a:spcBef>
+              <a:spcAft>
+                <a:spcPct val="0"/>
+              </a:spcAft>
+              <a:defRPr kern="1200">
+                <a:solidFill>
+                  <a:schemeClr val="tx1"/>
+                </a:solidFill>
+                <a:latin typeface="Arial" charset="0"/>
+                <a:ea typeface="+mn-ea"/>
+                <a:cs typeface="Arial" charset="0"/>
+              </a:defRPr>
+            </a:lvl2pPr>
+            <a:lvl3pPr marL="914400" algn="l" rtl="0" fontAlgn="base">
+              <a:spcBef>
+                <a:spcPct val="0"/>
+              </a:spcBef>
+              <a:spcAft>
+                <a:spcPct val="0"/>
+              </a:spcAft>
+              <a:defRPr kern="1200">
+                <a:solidFill>
+                  <a:schemeClr val="tx1"/>
+                </a:solidFill>
+                <a:latin typeface="Arial" charset="0"/>
+                <a:ea typeface="+mn-ea"/>
+                <a:cs typeface="Arial" charset="0"/>
+              </a:defRPr>
+            </a:lvl3pPr>
+            <a:lvl4pPr marL="1371600" algn="l" rtl="0" fontAlgn="base">
+              <a:spcBef>
+                <a:spcPct val="0"/>
+              </a:spcBef>
+              <a:spcAft>
+                <a:spcPct val="0"/>
+              </a:spcAft>
+              <a:defRPr kern="1200">
+                <a:solidFill>
+                  <a:schemeClr val="tx1"/>
+                </a:solidFill>
+                <a:latin typeface="Arial" charset="0"/>
+                <a:ea typeface="+mn-ea"/>
+                <a:cs typeface="Arial" charset="0"/>
+              </a:defRPr>
+            </a:lvl4pPr>
+            <a:lvl5pPr marL="1828800" algn="l" rtl="0" fontAlgn="base">
+              <a:spcBef>
+                <a:spcPct val="0"/>
+              </a:spcBef>
+              <a:spcAft>
+                <a:spcPct val="0"/>
+              </a:spcAft>
+              <a:defRPr kern="1200">
+                <a:solidFill>
+                  <a:schemeClr val="tx1"/>
+                </a:solidFill>
+                <a:latin typeface="Arial" charset="0"/>
+                <a:ea typeface="+mn-ea"/>
+                <a:cs typeface="Arial" charset="0"/>
+              </a:defRPr>
+            </a:lvl5pPr>
+            <a:lvl6pPr marL="2286000" algn="l" defTabSz="914400" rtl="0" eaLnBrk="1" latinLnBrk="0" hangingPunct="1">
+              <a:defRPr kern="1200">
+                <a:solidFill>
+                  <a:schemeClr val="tx1"/>
+                </a:solidFill>
+                <a:latin typeface="Arial" charset="0"/>
+                <a:ea typeface="+mn-ea"/>
+                <a:cs typeface="Arial" charset="0"/>
+              </a:defRPr>
+            </a:lvl6pPr>
+            <a:lvl7pPr marL="2743200" algn="l" defTabSz="914400" rtl="0" eaLnBrk="1" latinLnBrk="0" hangingPunct="1">
+              <a:defRPr kern="1200">
+                <a:solidFill>
+                  <a:schemeClr val="tx1"/>
+                </a:solidFill>
+                <a:latin typeface="Arial" charset="0"/>
+                <a:ea typeface="+mn-ea"/>
+                <a:cs typeface="Arial" charset="0"/>
+              </a:defRPr>
+            </a:lvl7pPr>
+            <a:lvl8pPr marL="3200400" algn="l" defTabSz="914400" rtl="0" eaLnBrk="1" latinLnBrk="0" hangingPunct="1">
+              <a:defRPr kern="1200">
+                <a:solidFill>
+                  <a:schemeClr val="tx1"/>
+                </a:solidFill>
+                <a:latin typeface="Arial" charset="0"/>
+                <a:ea typeface="+mn-ea"/>
+                <a:cs typeface="Arial" charset="0"/>
+              </a:defRPr>
+            </a:lvl8pPr>
+            <a:lvl9pPr marL="3657600" algn="l" defTabSz="914400" rtl="0" eaLnBrk="1" latinLnBrk="0" hangingPunct="1">
+              <a:defRPr kern="1200">
+                <a:solidFill>
+                  <a:schemeClr val="tx1"/>
+                </a:solidFill>
+                <a:latin typeface="Arial" charset="0"/>
+                <a:ea typeface="+mn-ea"/>
+                <a:cs typeface="Arial" charset="0"/>
+              </a:defRPr>
+            </a:lvl9pPr>
+          </a:lstStyle>
+          <a:p>
+            <a:r>
+              <a:rPr lang="en-US" sz="1100" dirty="0">
+                <a:latin typeface="Arial"/>
+                <a:cs typeface="Arial"/>
+              </a:rPr>
+              <a:t>Chia-Ling Yang | </a:t>
+            </a:r>
+            <a:r>
+              <a:rPr lang="en-GB" sz="1100" b="0" i="0" u="none" strike="noStrike" dirty="0">
+                <a:effectLst/>
+                <a:latin typeface="Arial" panose="020B0604020202020204" pitchFamily="34" charset="0"/>
+              </a:rPr>
+              <a:t>Exploring Reinforcement Learning Solutions for EV-aware Optimal Power Flow Under Uncertainty</a:t>
+            </a:r>
+            <a:endParaRPr lang="en-US" sz="1100" dirty="0">
+              <a:latin typeface="Arial"/>
+              <a:cs typeface="Arial"/>
+            </a:endParaRPr>
+          </a:p>
+        </p:txBody>
+      </p:sp>
+    </p:spTree>
+    <p:extLst>
+      <p:ext uri="{BB962C8B-B14F-4D97-AF65-F5344CB8AC3E}">
+        <p14:creationId xmlns:p14="http://schemas.microsoft.com/office/powerpoint/2010/main" val="3509784463"/>
+      </p:ext>
+    </p:extLst>
+  </p:cSld>
+  <p:clrMapOvr>
+    <a:masterClrMapping/>
+  </p:clrMapOvr>
+</p:sld>
+</file>
+
+<file path=ppt/slides/slide24.xml><?xml version="1.0" encoding="utf-8"?>
+<p:sld xmlns:a="http://schemas.openxmlformats.org/drawingml/2006/main" xmlns:r="http://schemas.openxmlformats.org/officeDocument/2006/relationships" xmlns:p="http://schemas.openxmlformats.org/presentationml/2006/main">
+  <p:cSld>
+    <p:spTree>
+      <p:nvGrpSpPr>
+        <p:cNvPr id="1" name=""/>
+        <p:cNvGrpSpPr/>
+        <p:nvPr/>
+      </p:nvGrpSpPr>
+      <p:grpSpPr>
+        <a:xfrm>
+          <a:off x="0" y="0"/>
+          <a:ext cx="0" cy="0"/>
+          <a:chOff x="0" y="0"/>
+          <a:chExt cx="0" cy="0"/>
+        </a:xfrm>
+      </p:grpSpPr>
+      <p:sp>
+        <p:nvSpPr>
+          <p:cNvPr id="2" name="Content Placeholder 1">
+            <a:extLst>
+              <a:ext uri="{FF2B5EF4-FFF2-40B4-BE49-F238E27FC236}">
+                <a16:creationId xmlns:a16="http://schemas.microsoft.com/office/drawing/2014/main" id="{1CD2F961-05C2-522B-39A1-74AEFCB64A51}"/>
+              </a:ext>
+            </a:extLst>
+          </p:cNvPr>
+          <p:cNvSpPr>
+            <a:spLocks noGrp="1"/>
+          </p:cNvSpPr>
+          <p:nvPr>
+            <p:ph idx="1"/>
+          </p:nvPr>
+        </p:nvSpPr>
+        <p:spPr/>
+        <p:txBody>
+          <a:bodyPr/>
+          <a:lstStyle/>
+          <a:p>
+            <a:endParaRPr lang="en-GB" dirty="0"/>
+          </a:p>
+        </p:txBody>
+      </p:sp>
+      <p:sp>
+        <p:nvSpPr>
+          <p:cNvPr id="3" name="Title 2">
+            <a:extLst>
+              <a:ext uri="{FF2B5EF4-FFF2-40B4-BE49-F238E27FC236}">
+                <a16:creationId xmlns:a16="http://schemas.microsoft.com/office/drawing/2014/main" id="{330A6640-DCB1-B2DE-7DF0-B33552471931}"/>
+              </a:ext>
+            </a:extLst>
+          </p:cNvPr>
+          <p:cNvSpPr>
+            <a:spLocks noGrp="1"/>
+          </p:cNvSpPr>
+          <p:nvPr>
+            <p:ph type="title"/>
+          </p:nvPr>
+        </p:nvSpPr>
+        <p:spPr>
+          <a:xfrm>
+            <a:off x="319090" y="972000"/>
+            <a:ext cx="8508999" cy="380745"/>
+          </a:xfrm>
+        </p:spPr>
+        <p:txBody>
+          <a:bodyPr/>
+          <a:lstStyle/>
+          <a:p>
+            <a:r>
+              <a:rPr lang="en-GB" dirty="0"/>
+              <a:t>Neural Network </a:t>
+            </a:r>
+            <a:r>
+              <a:rPr lang="en-GB" dirty="0" err="1"/>
+              <a:t>Architechture</a:t>
+            </a:r>
+            <a:endParaRPr lang="en-GB" dirty="0"/>
+          </a:p>
+        </p:txBody>
+      </p:sp>
+      <p:sp>
+        <p:nvSpPr>
+          <p:cNvPr id="4" name="Slide Number Placeholder 3">
+            <a:extLst>
+              <a:ext uri="{FF2B5EF4-FFF2-40B4-BE49-F238E27FC236}">
+                <a16:creationId xmlns:a16="http://schemas.microsoft.com/office/drawing/2014/main" id="{72D8B1F9-D91A-D57A-9DA1-037B38FF2C3C}"/>
+              </a:ext>
+            </a:extLst>
+          </p:cNvPr>
+          <p:cNvSpPr>
+            <a:spLocks noGrp="1"/>
+          </p:cNvSpPr>
+          <p:nvPr>
+            <p:ph type="sldNum" sz="quarter" idx="11"/>
+          </p:nvPr>
+        </p:nvSpPr>
+        <p:spPr/>
+        <p:txBody>
+          <a:bodyPr/>
+          <a:lstStyle/>
+          <a:p>
+            <a:fld id="{CE58CB1E-F828-4F11-99E0-327109AF9DA4}" type="slidenum">
+              <a:rPr lang="de-DE" smtClean="0"/>
+              <a:pPr/>
+              <a:t>24</a:t>
+            </a:fld>
+            <a:endParaRPr lang="de-DE"/>
+          </a:p>
+        </p:txBody>
+      </p:sp>
+      <p:sp>
+        <p:nvSpPr>
+          <p:cNvPr id="6" name="Fußzeilenplatzhalter 4">
+            <a:extLst>
+              <a:ext uri="{FF2B5EF4-FFF2-40B4-BE49-F238E27FC236}">
+                <a16:creationId xmlns:a16="http://schemas.microsoft.com/office/drawing/2014/main" id="{9B4DF47D-2ED0-EAD2-B1B0-96A4301B23FE}"/>
+              </a:ext>
+            </a:extLst>
+          </p:cNvPr>
+          <p:cNvSpPr txBox="1">
+            <a:spLocks/>
+          </p:cNvSpPr>
+          <p:nvPr/>
+        </p:nvSpPr>
+        <p:spPr>
+          <a:xfrm>
+            <a:off x="311162" y="4854985"/>
+            <a:ext cx="7795890" cy="273844"/>
+          </a:xfrm>
+          <a:prstGeom prst="rect">
+            <a:avLst/>
+          </a:prstGeom>
+        </p:spPr>
+        <p:txBody>
+          <a:bodyPr/>
+          <a:lstStyle>
+            <a:defPPr>
+              <a:defRPr lang="de-DE"/>
+            </a:defPPr>
+            <a:lvl1pPr algn="l" rtl="0" fontAlgn="base">
+              <a:spcBef>
+                <a:spcPct val="0"/>
+              </a:spcBef>
+              <a:spcAft>
+                <a:spcPct val="0"/>
+              </a:spcAft>
+              <a:defRPr kern="1200">
+                <a:solidFill>
+                  <a:schemeClr val="tx1"/>
+                </a:solidFill>
+                <a:latin typeface="Arial" charset="0"/>
+                <a:ea typeface="+mn-ea"/>
+                <a:cs typeface="Arial" charset="0"/>
+              </a:defRPr>
+            </a:lvl1pPr>
+            <a:lvl2pPr marL="457200" algn="l" rtl="0" fontAlgn="base">
+              <a:spcBef>
+                <a:spcPct val="0"/>
+              </a:spcBef>
+              <a:spcAft>
+                <a:spcPct val="0"/>
+              </a:spcAft>
+              <a:defRPr kern="1200">
+                <a:solidFill>
+                  <a:schemeClr val="tx1"/>
+                </a:solidFill>
+                <a:latin typeface="Arial" charset="0"/>
+                <a:ea typeface="+mn-ea"/>
+                <a:cs typeface="Arial" charset="0"/>
+              </a:defRPr>
+            </a:lvl2pPr>
+            <a:lvl3pPr marL="914400" algn="l" rtl="0" fontAlgn="base">
+              <a:spcBef>
+                <a:spcPct val="0"/>
+              </a:spcBef>
+              <a:spcAft>
+                <a:spcPct val="0"/>
+              </a:spcAft>
+              <a:defRPr kern="1200">
+                <a:solidFill>
+                  <a:schemeClr val="tx1"/>
+                </a:solidFill>
+                <a:latin typeface="Arial" charset="0"/>
+                <a:ea typeface="+mn-ea"/>
+                <a:cs typeface="Arial" charset="0"/>
+              </a:defRPr>
+            </a:lvl3pPr>
+            <a:lvl4pPr marL="1371600" algn="l" rtl="0" fontAlgn="base">
+              <a:spcBef>
+                <a:spcPct val="0"/>
+              </a:spcBef>
+              <a:spcAft>
+                <a:spcPct val="0"/>
+              </a:spcAft>
+              <a:defRPr kern="1200">
+                <a:solidFill>
+                  <a:schemeClr val="tx1"/>
+                </a:solidFill>
+                <a:latin typeface="Arial" charset="0"/>
+                <a:ea typeface="+mn-ea"/>
+                <a:cs typeface="Arial" charset="0"/>
+              </a:defRPr>
+            </a:lvl4pPr>
+            <a:lvl5pPr marL="1828800" algn="l" rtl="0" fontAlgn="base">
+              <a:spcBef>
+                <a:spcPct val="0"/>
+              </a:spcBef>
+              <a:spcAft>
+                <a:spcPct val="0"/>
+              </a:spcAft>
+              <a:defRPr kern="1200">
+                <a:solidFill>
+                  <a:schemeClr val="tx1"/>
+                </a:solidFill>
+                <a:latin typeface="Arial" charset="0"/>
+                <a:ea typeface="+mn-ea"/>
+                <a:cs typeface="Arial" charset="0"/>
+              </a:defRPr>
+            </a:lvl5pPr>
+            <a:lvl6pPr marL="2286000" algn="l" defTabSz="914400" rtl="0" eaLnBrk="1" latinLnBrk="0" hangingPunct="1">
+              <a:defRPr kern="1200">
+                <a:solidFill>
+                  <a:schemeClr val="tx1"/>
+                </a:solidFill>
+                <a:latin typeface="Arial" charset="0"/>
+                <a:ea typeface="+mn-ea"/>
+                <a:cs typeface="Arial" charset="0"/>
+              </a:defRPr>
+            </a:lvl6pPr>
+            <a:lvl7pPr marL="2743200" algn="l" defTabSz="914400" rtl="0" eaLnBrk="1" latinLnBrk="0" hangingPunct="1">
+              <a:defRPr kern="1200">
+                <a:solidFill>
+                  <a:schemeClr val="tx1"/>
+                </a:solidFill>
+                <a:latin typeface="Arial" charset="0"/>
+                <a:ea typeface="+mn-ea"/>
+                <a:cs typeface="Arial" charset="0"/>
+              </a:defRPr>
+            </a:lvl7pPr>
+            <a:lvl8pPr marL="3200400" algn="l" defTabSz="914400" rtl="0" eaLnBrk="1" latinLnBrk="0" hangingPunct="1">
+              <a:defRPr kern="1200">
+                <a:solidFill>
+                  <a:schemeClr val="tx1"/>
+                </a:solidFill>
+                <a:latin typeface="Arial" charset="0"/>
+                <a:ea typeface="+mn-ea"/>
+                <a:cs typeface="Arial" charset="0"/>
+              </a:defRPr>
+            </a:lvl8pPr>
+            <a:lvl9pPr marL="3657600" algn="l" defTabSz="914400" rtl="0" eaLnBrk="1" latinLnBrk="0" hangingPunct="1">
+              <a:defRPr kern="1200">
+                <a:solidFill>
+                  <a:schemeClr val="tx1"/>
+                </a:solidFill>
+                <a:latin typeface="Arial" charset="0"/>
+                <a:ea typeface="+mn-ea"/>
+                <a:cs typeface="Arial" charset="0"/>
+              </a:defRPr>
+            </a:lvl9pPr>
+          </a:lstStyle>
+          <a:p>
+            <a:r>
+              <a:rPr lang="en-US" sz="1100" dirty="0">
+                <a:latin typeface="Arial"/>
+                <a:cs typeface="Arial"/>
+              </a:rPr>
+              <a:t>Chia-Ling Yang | </a:t>
+            </a:r>
+            <a:r>
+              <a:rPr lang="en-GB" sz="1100" b="0" i="0" u="none" strike="noStrike" dirty="0">
+                <a:effectLst/>
+                <a:latin typeface="Arial" panose="020B0604020202020204" pitchFamily="34" charset="0"/>
+              </a:rPr>
+              <a:t>Exploring Reinforcement Learning Solutions for EV-aware Optimal Power Flow Under Uncertainty</a:t>
+            </a:r>
+            <a:endParaRPr lang="en-US" sz="1100" dirty="0">
+              <a:latin typeface="Arial"/>
+              <a:cs typeface="Arial"/>
+            </a:endParaRPr>
+          </a:p>
+        </p:txBody>
+      </p:sp>
+    </p:spTree>
+    <p:extLst>
+      <p:ext uri="{BB962C8B-B14F-4D97-AF65-F5344CB8AC3E}">
+        <p14:creationId xmlns:p14="http://schemas.microsoft.com/office/powerpoint/2010/main" val="471611025"/>
+      </p:ext>
+    </p:extLst>
+  </p:cSld>
+  <p:clrMapOvr>
+    <a:masterClrMapping/>
+  </p:clrMapOvr>
+</p:sld>
+</file>
+
+<file path=ppt/slides/slide25.xml><?xml version="1.0" encoding="utf-8"?>
+<p:sld xmlns:a="http://schemas.openxmlformats.org/drawingml/2006/main" xmlns:r="http://schemas.openxmlformats.org/officeDocument/2006/relationships" xmlns:p="http://schemas.openxmlformats.org/presentationml/2006/main">
+  <p:cSld>
+    <p:spTree>
+      <p:nvGrpSpPr>
+        <p:cNvPr id="1" name=""/>
+        <p:cNvGrpSpPr/>
+        <p:nvPr/>
+      </p:nvGrpSpPr>
+      <p:grpSpPr>
+        <a:xfrm>
+          <a:off x="0" y="0"/>
+          <a:ext cx="0" cy="0"/>
+          <a:chOff x="0" y="0"/>
+          <a:chExt cx="0" cy="0"/>
+        </a:xfrm>
+      </p:grpSpPr>
+      <p:sp>
+        <p:nvSpPr>
+          <p:cNvPr id="2" name="Content Placeholder 1">
+            <a:extLst>
+              <a:ext uri="{FF2B5EF4-FFF2-40B4-BE49-F238E27FC236}">
+                <a16:creationId xmlns:a16="http://schemas.microsoft.com/office/drawing/2014/main" id="{1CD2F961-05C2-522B-39A1-74AEFCB64A51}"/>
+              </a:ext>
+            </a:extLst>
+          </p:cNvPr>
+          <p:cNvSpPr>
+            <a:spLocks noGrp="1"/>
+          </p:cNvSpPr>
+          <p:nvPr>
+            <p:ph idx="1"/>
+          </p:nvPr>
+        </p:nvSpPr>
+        <p:spPr/>
+        <p:txBody>
+          <a:bodyPr/>
+          <a:lstStyle/>
+          <a:p>
+            <a:endParaRPr lang="en-GB" dirty="0"/>
+          </a:p>
+        </p:txBody>
+      </p:sp>
+      <p:sp>
+        <p:nvSpPr>
+          <p:cNvPr id="3" name="Title 2">
+            <a:extLst>
+              <a:ext uri="{FF2B5EF4-FFF2-40B4-BE49-F238E27FC236}">
+                <a16:creationId xmlns:a16="http://schemas.microsoft.com/office/drawing/2014/main" id="{330A6640-DCB1-B2DE-7DF0-B33552471931}"/>
+              </a:ext>
+            </a:extLst>
+          </p:cNvPr>
+          <p:cNvSpPr>
+            <a:spLocks noGrp="1"/>
+          </p:cNvSpPr>
+          <p:nvPr>
+            <p:ph type="title"/>
+          </p:nvPr>
+        </p:nvSpPr>
+        <p:spPr>
+          <a:xfrm>
+            <a:off x="319090" y="972000"/>
+            <a:ext cx="8508999" cy="380745"/>
+          </a:xfrm>
+        </p:spPr>
+        <p:txBody>
+          <a:bodyPr/>
+          <a:lstStyle/>
+          <a:p>
+            <a:r>
+              <a:rPr lang="en-GB" dirty="0"/>
+              <a:t>Training Performance</a:t>
+            </a:r>
+          </a:p>
+        </p:txBody>
+      </p:sp>
+      <p:sp>
+        <p:nvSpPr>
+          <p:cNvPr id="4" name="Slide Number Placeholder 3">
+            <a:extLst>
+              <a:ext uri="{FF2B5EF4-FFF2-40B4-BE49-F238E27FC236}">
+                <a16:creationId xmlns:a16="http://schemas.microsoft.com/office/drawing/2014/main" id="{72D8B1F9-D91A-D57A-9DA1-037B38FF2C3C}"/>
+              </a:ext>
+            </a:extLst>
+          </p:cNvPr>
+          <p:cNvSpPr>
+            <a:spLocks noGrp="1"/>
+          </p:cNvSpPr>
+          <p:nvPr>
+            <p:ph type="sldNum" sz="quarter" idx="11"/>
+          </p:nvPr>
+        </p:nvSpPr>
+        <p:spPr/>
+        <p:txBody>
+          <a:bodyPr/>
+          <a:lstStyle/>
+          <a:p>
+            <a:fld id="{CE58CB1E-F828-4F11-99E0-327109AF9DA4}" type="slidenum">
+              <a:rPr lang="de-DE" smtClean="0"/>
+              <a:pPr/>
+              <a:t>25</a:t>
+            </a:fld>
+            <a:endParaRPr lang="de-DE"/>
+          </a:p>
+        </p:txBody>
+      </p:sp>
+      <p:sp>
+        <p:nvSpPr>
+          <p:cNvPr id="6" name="Fußzeilenplatzhalter 4">
+            <a:extLst>
+              <a:ext uri="{FF2B5EF4-FFF2-40B4-BE49-F238E27FC236}">
+                <a16:creationId xmlns:a16="http://schemas.microsoft.com/office/drawing/2014/main" id="{9B4DF47D-2ED0-EAD2-B1B0-96A4301B23FE}"/>
+              </a:ext>
+            </a:extLst>
+          </p:cNvPr>
+          <p:cNvSpPr txBox="1">
+            <a:spLocks/>
+          </p:cNvSpPr>
+          <p:nvPr/>
+        </p:nvSpPr>
+        <p:spPr>
+          <a:xfrm>
+            <a:off x="311162" y="4854985"/>
+            <a:ext cx="7795890" cy="273844"/>
+          </a:xfrm>
+          <a:prstGeom prst="rect">
+            <a:avLst/>
+          </a:prstGeom>
+        </p:spPr>
+        <p:txBody>
+          <a:bodyPr/>
+          <a:lstStyle>
+            <a:defPPr>
+              <a:defRPr lang="de-DE"/>
+            </a:defPPr>
+            <a:lvl1pPr algn="l" rtl="0" fontAlgn="base">
+              <a:spcBef>
+                <a:spcPct val="0"/>
+              </a:spcBef>
+              <a:spcAft>
+                <a:spcPct val="0"/>
+              </a:spcAft>
+              <a:defRPr kern="1200">
+                <a:solidFill>
+                  <a:schemeClr val="tx1"/>
+                </a:solidFill>
+                <a:latin typeface="Arial" charset="0"/>
+                <a:ea typeface="+mn-ea"/>
+                <a:cs typeface="Arial" charset="0"/>
+              </a:defRPr>
+            </a:lvl1pPr>
+            <a:lvl2pPr marL="457200" algn="l" rtl="0" fontAlgn="base">
+              <a:spcBef>
+                <a:spcPct val="0"/>
+              </a:spcBef>
+              <a:spcAft>
+                <a:spcPct val="0"/>
+              </a:spcAft>
+              <a:defRPr kern="1200">
+                <a:solidFill>
+                  <a:schemeClr val="tx1"/>
+                </a:solidFill>
+                <a:latin typeface="Arial" charset="0"/>
+                <a:ea typeface="+mn-ea"/>
+                <a:cs typeface="Arial" charset="0"/>
+              </a:defRPr>
+            </a:lvl2pPr>
+            <a:lvl3pPr marL="914400" algn="l" rtl="0" fontAlgn="base">
+              <a:spcBef>
+                <a:spcPct val="0"/>
+              </a:spcBef>
+              <a:spcAft>
+                <a:spcPct val="0"/>
+              </a:spcAft>
+              <a:defRPr kern="1200">
+                <a:solidFill>
+                  <a:schemeClr val="tx1"/>
+                </a:solidFill>
+                <a:latin typeface="Arial" charset="0"/>
+                <a:ea typeface="+mn-ea"/>
+                <a:cs typeface="Arial" charset="0"/>
+              </a:defRPr>
+            </a:lvl3pPr>
+            <a:lvl4pPr marL="1371600" algn="l" rtl="0" fontAlgn="base">
+              <a:spcBef>
+                <a:spcPct val="0"/>
+              </a:spcBef>
+              <a:spcAft>
+                <a:spcPct val="0"/>
+              </a:spcAft>
+              <a:defRPr kern="1200">
+                <a:solidFill>
+                  <a:schemeClr val="tx1"/>
+                </a:solidFill>
+                <a:latin typeface="Arial" charset="0"/>
+                <a:ea typeface="+mn-ea"/>
+                <a:cs typeface="Arial" charset="0"/>
+              </a:defRPr>
+            </a:lvl4pPr>
+            <a:lvl5pPr marL="1828800" algn="l" rtl="0" fontAlgn="base">
+              <a:spcBef>
+                <a:spcPct val="0"/>
+              </a:spcBef>
+              <a:spcAft>
+                <a:spcPct val="0"/>
+              </a:spcAft>
+              <a:defRPr kern="1200">
+                <a:solidFill>
+                  <a:schemeClr val="tx1"/>
+                </a:solidFill>
+                <a:latin typeface="Arial" charset="0"/>
+                <a:ea typeface="+mn-ea"/>
+                <a:cs typeface="Arial" charset="0"/>
+              </a:defRPr>
+            </a:lvl5pPr>
+            <a:lvl6pPr marL="2286000" algn="l" defTabSz="914400" rtl="0" eaLnBrk="1" latinLnBrk="0" hangingPunct="1">
+              <a:defRPr kern="1200">
+                <a:solidFill>
+                  <a:schemeClr val="tx1"/>
+                </a:solidFill>
+                <a:latin typeface="Arial" charset="0"/>
+                <a:ea typeface="+mn-ea"/>
+                <a:cs typeface="Arial" charset="0"/>
+              </a:defRPr>
+            </a:lvl6pPr>
+            <a:lvl7pPr marL="2743200" algn="l" defTabSz="914400" rtl="0" eaLnBrk="1" latinLnBrk="0" hangingPunct="1">
+              <a:defRPr kern="1200">
+                <a:solidFill>
+                  <a:schemeClr val="tx1"/>
+                </a:solidFill>
+                <a:latin typeface="Arial" charset="0"/>
+                <a:ea typeface="+mn-ea"/>
+                <a:cs typeface="Arial" charset="0"/>
+              </a:defRPr>
+            </a:lvl7pPr>
+            <a:lvl8pPr marL="3200400" algn="l" defTabSz="914400" rtl="0" eaLnBrk="1" latinLnBrk="0" hangingPunct="1">
+              <a:defRPr kern="1200">
+                <a:solidFill>
+                  <a:schemeClr val="tx1"/>
+                </a:solidFill>
+                <a:latin typeface="Arial" charset="0"/>
+                <a:ea typeface="+mn-ea"/>
+                <a:cs typeface="Arial" charset="0"/>
+              </a:defRPr>
+            </a:lvl8pPr>
+            <a:lvl9pPr marL="3657600" algn="l" defTabSz="914400" rtl="0" eaLnBrk="1" latinLnBrk="0" hangingPunct="1">
+              <a:defRPr kern="1200">
+                <a:solidFill>
+                  <a:schemeClr val="tx1"/>
+                </a:solidFill>
+                <a:latin typeface="Arial" charset="0"/>
+                <a:ea typeface="+mn-ea"/>
+                <a:cs typeface="Arial" charset="0"/>
+              </a:defRPr>
+            </a:lvl9pPr>
+          </a:lstStyle>
+          <a:p>
+            <a:r>
+              <a:rPr lang="en-US" sz="1100" dirty="0">
+                <a:latin typeface="Arial"/>
+                <a:cs typeface="Arial"/>
+              </a:rPr>
+              <a:t>Chia-Ling Yang | </a:t>
+            </a:r>
+            <a:r>
+              <a:rPr lang="en-GB" sz="1100" b="0" i="0" u="none" strike="noStrike" dirty="0">
+                <a:effectLst/>
+                <a:latin typeface="Arial" panose="020B0604020202020204" pitchFamily="34" charset="0"/>
+              </a:rPr>
+              <a:t>Exploring Reinforcement Learning Solutions for EV-aware Optimal Power Flow Under Uncertainty</a:t>
+            </a:r>
+            <a:endParaRPr lang="en-US" sz="1100" dirty="0">
+              <a:latin typeface="Arial"/>
+              <a:cs typeface="Arial"/>
+            </a:endParaRPr>
+          </a:p>
+        </p:txBody>
+      </p:sp>
+    </p:spTree>
+    <p:extLst>
+      <p:ext uri="{BB962C8B-B14F-4D97-AF65-F5344CB8AC3E}">
         <p14:creationId xmlns:p14="http://schemas.microsoft.com/office/powerpoint/2010/main" val="3279206508"/>
       </p:ext>
     </p:extLst>
@@ -30960,7 +33379,7 @@
 </p:sld>
 </file>
 
-<file path=ppt/slides/slide23.xml><?xml version="1.0" encoding="utf-8"?>
+<file path=ppt/slides/slide26.xml><?xml version="1.0" encoding="utf-8"?>
 <p:sld xmlns:a="http://schemas.openxmlformats.org/drawingml/2006/main" xmlns:r="http://schemas.openxmlformats.org/officeDocument/2006/relationships" xmlns:p="http://schemas.openxmlformats.org/presentationml/2006/main">
   <p:cSld>
     <p:spTree>
@@ -31023,7 +33442,7 @@
 </p:sld>
 </file>
 
-<file path=ppt/slides/slide24.xml><?xml version="1.0" encoding="utf-8"?>
+<file path=ppt/slides/slide27.xml><?xml version="1.0" encoding="utf-8"?>
 <p:sld xmlns:a="http://schemas.openxmlformats.org/drawingml/2006/main" xmlns:r="http://schemas.openxmlformats.org/officeDocument/2006/relationships" xmlns:p="http://schemas.openxmlformats.org/presentationml/2006/main">
   <p:cSld>
     <p:spTree>
@@ -31114,7 +33533,7 @@
             <a:fld id="{CE58CB1E-F828-4F11-99E0-327109AF9DA4}" type="slidenum">
               <a:rPr lang="de-DE" smtClean="0"/>
               <a:pPr/>
-              <a:t>24</a:t>
+              <a:t>27</a:t>
             </a:fld>
             <a:endParaRPr lang="de-DE"/>
           </a:p>
@@ -41461,7 +43880,109 @@
               <a:rPr lang="en-GB" sz="1600" dirty="0">
                 <a:latin typeface="+mn-lt"/>
               </a:rPr>
-              <a:t>Set and notation</a:t>
+              <a:t>Set and index</a:t>
+            </a:r>
+          </a:p>
+        </p:txBody>
+      </p:sp>
+      <p:pic>
+        <p:nvPicPr>
+          <p:cNvPr id="2" name="Picture 1">
+            <a:extLst>
+              <a:ext uri="{FF2B5EF4-FFF2-40B4-BE49-F238E27FC236}">
+                <a16:creationId xmlns:a16="http://schemas.microsoft.com/office/drawing/2014/main" id="{00C6B04C-2EFA-36E7-7AC5-45CA2A7354AC}"/>
+              </a:ext>
+            </a:extLst>
+          </p:cNvPr>
+          <p:cNvPicPr>
+            <a:picLocks noChangeAspect="1"/>
+          </p:cNvPicPr>
+          <p:nvPr/>
+        </p:nvPicPr>
+        <p:blipFill>
+          <a:blip r:embed="rId3"/>
+          <a:stretch>
+            <a:fillRect/>
+          </a:stretch>
+        </p:blipFill>
+        <p:spPr>
+          <a:xfrm>
+            <a:off x="731520" y="2070989"/>
+            <a:ext cx="3224465" cy="1468241"/>
+          </a:xfrm>
+          <a:prstGeom prst="rect">
+            <a:avLst/>
+          </a:prstGeom>
+        </p:spPr>
+      </p:pic>
+      <p:pic>
+        <p:nvPicPr>
+          <p:cNvPr id="12" name="Picture 11">
+            <a:extLst>
+              <a:ext uri="{FF2B5EF4-FFF2-40B4-BE49-F238E27FC236}">
+                <a16:creationId xmlns:a16="http://schemas.microsoft.com/office/drawing/2014/main" id="{CB84D0B1-B121-764C-E1E5-4F372AAC420A}"/>
+              </a:ext>
+            </a:extLst>
+          </p:cNvPr>
+          <p:cNvPicPr>
+            <a:picLocks noChangeAspect="1"/>
+          </p:cNvPicPr>
+          <p:nvPr/>
+        </p:nvPicPr>
+        <p:blipFill>
+          <a:blip r:embed="rId4"/>
+          <a:stretch>
+            <a:fillRect/>
+          </a:stretch>
+        </p:blipFill>
+        <p:spPr>
+          <a:xfrm>
+            <a:off x="4629150" y="2070989"/>
+            <a:ext cx="3783330" cy="2474810"/>
+          </a:xfrm>
+          <a:prstGeom prst="rect">
+            <a:avLst/>
+          </a:prstGeom>
+        </p:spPr>
+      </p:pic>
+      <p:sp>
+        <p:nvSpPr>
+          <p:cNvPr id="13" name="TextBox 12">
+            <a:extLst>
+              <a:ext uri="{FF2B5EF4-FFF2-40B4-BE49-F238E27FC236}">
+                <a16:creationId xmlns:a16="http://schemas.microsoft.com/office/drawing/2014/main" id="{690B2CCB-75C6-8848-1957-10C934047158}"/>
+              </a:ext>
+            </a:extLst>
+          </p:cNvPr>
+          <p:cNvSpPr txBox="1"/>
+          <p:nvPr/>
+        </p:nvSpPr>
+        <p:spPr>
+          <a:xfrm>
+            <a:off x="4770120" y="1761067"/>
+            <a:ext cx="2801406" cy="257250"/>
+          </a:xfrm>
+          <a:prstGeom prst="rect">
+            <a:avLst/>
+          </a:prstGeom>
+          <a:noFill/>
+        </p:spPr>
+        <p:txBody>
+          <a:bodyPr wrap="square" lIns="0" tIns="0" rIns="0" bIns="0" rtlCol="0">
+            <a:spAutoFit/>
+          </a:bodyPr>
+          <a:lstStyle/>
+          <a:p>
+            <a:pPr>
+              <a:lnSpc>
+                <a:spcPct val="114000"/>
+              </a:lnSpc>
+            </a:pPr>
+            <a:r>
+              <a:rPr lang="en-GB" sz="1600" dirty="0">
+                <a:latin typeface="+mn-lt"/>
+              </a:rPr>
+              <a:t>Decision variable</a:t>
             </a:r>
           </a:p>
         </p:txBody>
@@ -42123,209 +44644,6 @@
           </p:txBody>
         </p:sp>
       </p:grpSp>
-      <mc:AlternateContent xmlns:mc="http://schemas.openxmlformats.org/markup-compatibility/2006" xmlns:a14="http://schemas.microsoft.com/office/drawing/2010/main">
-        <mc:Choice Requires="a14">
-          <p:sp>
-            <p:nvSpPr>
-              <p:cNvPr id="17" name="TextBox 16">
-                <a:extLst>
-                  <a:ext uri="{FF2B5EF4-FFF2-40B4-BE49-F238E27FC236}">
-                    <a16:creationId xmlns:a16="http://schemas.microsoft.com/office/drawing/2014/main" id="{664AC41C-8339-027F-02E7-855B9D190030}"/>
-                  </a:ext>
-                </a:extLst>
-              </p:cNvPr>
-              <p:cNvSpPr txBox="1"/>
-              <p:nvPr/>
-            </p:nvSpPr>
-            <p:spPr>
-              <a:xfrm>
-                <a:off x="6552399" y="1601629"/>
-                <a:ext cx="1408655" cy="681469"/>
-              </a:xfrm>
-              <a:prstGeom prst="rect">
-                <a:avLst/>
-              </a:prstGeom>
-              <a:noFill/>
-            </p:spPr>
-            <p:txBody>
-              <a:bodyPr wrap="none" lIns="0" tIns="0" rIns="0" bIns="0" rtlCol="0">
-                <a:spAutoFit/>
-              </a:bodyPr>
-              <a:lstStyle/>
-              <a:p>
-                <a:pPr>
-                  <a:lnSpc>
-                    <a:spcPct val="114000"/>
-                  </a:lnSpc>
-                </a:pPr>
-                <a14:m>
-                  <m:oMathPara xmlns:m="http://schemas.openxmlformats.org/officeDocument/2006/math">
-                    <m:oMathParaPr>
-                      <m:jc m:val="centerGroup"/>
-                    </m:oMathParaPr>
-                    <m:oMath xmlns:m="http://schemas.openxmlformats.org/officeDocument/2006/math">
-                      <m:r>
-                        <a:rPr lang="en-US" sz="1600" b="0" i="1" smtClean="0">
-                          <a:latin typeface="Cambria Math" panose="02040503050406030204" pitchFamily="18" charset="0"/>
-                        </a:rPr>
-                        <m:t>𝑚𝑎𝑥</m:t>
-                      </m:r>
-                      <m:nary>
-                        <m:naryPr>
-                          <m:chr m:val="∑"/>
-                          <m:supHide m:val="on"/>
-                          <m:ctrlPr>
-                            <a:rPr lang="en-GB" sz="1600" i="1" smtClean="0">
-                              <a:latin typeface="Cambria Math" panose="02040503050406030204" pitchFamily="18" charset="0"/>
-                            </a:rPr>
-                          </m:ctrlPr>
-                        </m:naryPr>
-                        <m:sub>
-                          <m:r>
-                            <m:rPr>
-                              <m:brk m:alnAt="7"/>
-                            </m:rPr>
-                            <a:rPr lang="en-US" sz="1600" b="0" i="1" smtClean="0">
-                              <a:latin typeface="Cambria Math" panose="02040503050406030204" pitchFamily="18" charset="0"/>
-                            </a:rPr>
-                            <m:t>𝑖</m:t>
-                          </m:r>
-                          <m:r>
-                            <a:rPr lang="en-US" sz="1600" b="0" i="1" smtClean="0">
-                              <a:latin typeface="Cambria Math" panose="02040503050406030204" pitchFamily="18" charset="0"/>
-                              <a:ea typeface="Cambria Math" panose="02040503050406030204" pitchFamily="18" charset="0"/>
-                            </a:rPr>
-                            <m:t>∈</m:t>
-                          </m:r>
-                          <m:r>
-                            <a:rPr lang="en-US" sz="1600" b="0" i="1" smtClean="0">
-                              <a:latin typeface="Cambria Math" panose="02040503050406030204" pitchFamily="18" charset="0"/>
-                              <a:ea typeface="Cambria Math" panose="02040503050406030204" pitchFamily="18" charset="0"/>
-                            </a:rPr>
-                            <m:t>𝐺</m:t>
-                          </m:r>
-                        </m:sub>
-                        <m:sup/>
-                        <m:e>
-                          <m:sSub>
-                            <m:sSubPr>
-                              <m:ctrlPr>
-                                <a:rPr lang="en-GB" sz="1600" i="1" smtClean="0">
-                                  <a:latin typeface="Cambria Math" panose="02040503050406030204" pitchFamily="18" charset="0"/>
-                                </a:rPr>
-                              </m:ctrlPr>
-                            </m:sSubPr>
-                            <m:e>
-                              <m:r>
-                                <a:rPr lang="en-US" sz="1600" b="0" i="1" smtClean="0">
-                                  <a:latin typeface="Cambria Math" panose="02040503050406030204" pitchFamily="18" charset="0"/>
-                                </a:rPr>
-                                <m:t>𝐶</m:t>
-                              </m:r>
-                            </m:e>
-                            <m:sub>
-                              <m:r>
-                                <a:rPr lang="en-US" sz="1600" b="0" i="1" smtClean="0">
-                                  <a:latin typeface="Cambria Math" panose="02040503050406030204" pitchFamily="18" charset="0"/>
-                                </a:rPr>
-                                <m:t>𝐺</m:t>
-                              </m:r>
-                            </m:sub>
-                          </m:sSub>
-                          <m:r>
-                            <a:rPr lang="en-US" sz="1600" b="0" i="1" smtClean="0">
-                              <a:latin typeface="Cambria Math" panose="02040503050406030204" pitchFamily="18" charset="0"/>
-                            </a:rPr>
-                            <m:t>(</m:t>
-                          </m:r>
-                          <m:sSub>
-                            <m:sSubPr>
-                              <m:ctrlPr>
-                                <a:rPr lang="en-US" sz="1600" b="0" i="1" smtClean="0">
-                                  <a:latin typeface="Cambria Math" panose="02040503050406030204" pitchFamily="18" charset="0"/>
-                                </a:rPr>
-                              </m:ctrlPr>
-                            </m:sSubPr>
-                            <m:e>
-                              <m:r>
-                                <a:rPr lang="en-US" sz="1600" b="0" i="1" smtClean="0">
-                                  <a:latin typeface="Cambria Math" panose="02040503050406030204" pitchFamily="18" charset="0"/>
-                                </a:rPr>
-                                <m:t>𝑃</m:t>
-                              </m:r>
-                            </m:e>
-                            <m:sub>
-                              <m:r>
-                                <a:rPr lang="en-US" sz="1600" b="0" i="1" smtClean="0">
-                                  <a:latin typeface="Cambria Math" panose="02040503050406030204" pitchFamily="18" charset="0"/>
-                                </a:rPr>
-                                <m:t>𝐺</m:t>
-                              </m:r>
-                            </m:sub>
-                          </m:sSub>
-                          <m:r>
-                            <a:rPr lang="en-US" sz="1600" b="0" i="1" smtClean="0">
-                              <a:latin typeface="Cambria Math" panose="02040503050406030204" pitchFamily="18" charset="0"/>
-                            </a:rPr>
-                            <m:t>)</m:t>
-                          </m:r>
-                        </m:e>
-                      </m:nary>
-                    </m:oMath>
-                  </m:oMathPara>
-                </a14:m>
-                <a:endParaRPr lang="en-GB" sz="1600" dirty="0" err="1">
-                  <a:latin typeface="+mn-lt"/>
-                </a:endParaRPr>
-              </a:p>
-            </p:txBody>
-          </p:sp>
-        </mc:Choice>
-        <mc:Fallback xmlns="">
-          <p:sp>
-            <p:nvSpPr>
-              <p:cNvPr id="17" name="TextBox 16">
-                <a:extLst>
-                  <a:ext uri="{FF2B5EF4-FFF2-40B4-BE49-F238E27FC236}">
-                    <a16:creationId xmlns:a16="http://schemas.microsoft.com/office/drawing/2014/main" id="{664AC41C-8339-027F-02E7-855B9D190030}"/>
-                  </a:ext>
-                </a:extLst>
-              </p:cNvPr>
-              <p:cNvSpPr txBox="1">
-                <a:spLocks noRot="1" noChangeAspect="1" noMove="1" noResize="1" noEditPoints="1" noAdjustHandles="1" noChangeArrowheads="1" noChangeShapeType="1" noTextEdit="1"/>
-              </p:cNvSpPr>
-              <p:nvPr/>
-            </p:nvSpPr>
-            <p:spPr>
-              <a:xfrm>
-                <a:off x="6552399" y="1601629"/>
-                <a:ext cx="1408655" cy="681469"/>
-              </a:xfrm>
-              <a:prstGeom prst="rect">
-                <a:avLst/>
-              </a:prstGeom>
-              <a:blipFill>
-                <a:blip r:embed="rId3"/>
-                <a:stretch>
-                  <a:fillRect l="-23423" t="-120370" r="-4505" b="-185185"/>
-                </a:stretch>
-              </a:blipFill>
-            </p:spPr>
-            <p:txBody>
-              <a:bodyPr/>
-              <a:lstStyle/>
-              <a:p>
-                <a:r>
-                  <a:rPr lang="en-GB">
-                    <a:noFill/>
-                  </a:rPr>
-                  <a:t> </a:t>
-                </a:r>
-              </a:p>
-            </p:txBody>
-          </p:sp>
-        </mc:Fallback>
-      </mc:AlternateContent>
       <p:sp>
         <p:nvSpPr>
           <p:cNvPr id="18" name="TextBox 17">
@@ -42340,7 +44658,7 @@
         </p:nvSpPr>
         <p:spPr>
           <a:xfrm>
-            <a:off x="731520" y="1813739"/>
+            <a:off x="452911" y="1533209"/>
             <a:ext cx="2801406" cy="257250"/>
           </a:xfrm>
           <a:prstGeom prst="rect">
@@ -42363,15 +44681,175 @@
               <a:rPr lang="en-GB" sz="1600" dirty="0">
                 <a:latin typeface="+mn-lt"/>
               </a:rPr>
-              <a:t>Objective and Constraints</a:t>
+              <a:t>Parameters</a:t>
             </a:r>
           </a:p>
         </p:txBody>
       </p:sp>
+      <p:grpSp>
+        <p:nvGrpSpPr>
+          <p:cNvPr id="17" name="Group 16">
+            <a:extLst>
+              <a:ext uri="{FF2B5EF4-FFF2-40B4-BE49-F238E27FC236}">
+                <a16:creationId xmlns:a16="http://schemas.microsoft.com/office/drawing/2014/main" id="{BB00F528-07BD-CC91-132F-64D383255198}"/>
+              </a:ext>
+            </a:extLst>
+          </p:cNvPr>
+          <p:cNvGrpSpPr/>
+          <p:nvPr/>
+        </p:nvGrpSpPr>
+        <p:grpSpPr>
+          <a:xfrm>
+            <a:off x="452911" y="1835463"/>
+            <a:ext cx="3911627" cy="2705294"/>
+            <a:chOff x="463090" y="2099331"/>
+            <a:chExt cx="4536000" cy="3093408"/>
+          </a:xfrm>
+        </p:grpSpPr>
+        <p:pic>
+          <p:nvPicPr>
+            <p:cNvPr id="14" name="Picture 13">
+              <a:extLst>
+                <a:ext uri="{FF2B5EF4-FFF2-40B4-BE49-F238E27FC236}">
+                  <a16:creationId xmlns:a16="http://schemas.microsoft.com/office/drawing/2014/main" id="{D5CF49EA-F5C3-899C-E235-72FABC5BFEBD}"/>
+                </a:ext>
+              </a:extLst>
+            </p:cNvPr>
+            <p:cNvPicPr>
+              <a:picLocks noChangeAspect="1"/>
+            </p:cNvPicPr>
+            <p:nvPr/>
+          </p:nvPicPr>
+          <p:blipFill rotWithShape="1">
+            <a:blip r:embed="rId3"/>
+            <a:srcRect l="3077" t="5682"/>
+            <a:stretch/>
+          </p:blipFill>
+          <p:spPr>
+            <a:xfrm>
+              <a:off x="463090" y="2099331"/>
+              <a:ext cx="4536000" cy="1321411"/>
+            </a:xfrm>
+            <a:prstGeom prst="rect">
+              <a:avLst/>
+            </a:prstGeom>
+          </p:spPr>
+        </p:pic>
+        <p:pic>
+          <p:nvPicPr>
+            <p:cNvPr id="16" name="Picture 15">
+              <a:extLst>
+                <a:ext uri="{FF2B5EF4-FFF2-40B4-BE49-F238E27FC236}">
+                  <a16:creationId xmlns:a16="http://schemas.microsoft.com/office/drawing/2014/main" id="{8EBA1F79-9EA7-B448-605D-D211125503D8}"/>
+                </a:ext>
+              </a:extLst>
+            </p:cNvPr>
+            <p:cNvPicPr>
+              <a:picLocks noChangeAspect="1"/>
+            </p:cNvPicPr>
+            <p:nvPr/>
+          </p:nvPicPr>
+          <p:blipFill>
+            <a:blip r:embed="rId4"/>
+            <a:stretch>
+              <a:fillRect/>
+            </a:stretch>
+          </p:blipFill>
+          <p:spPr>
+            <a:xfrm>
+              <a:off x="463090" y="3415824"/>
+              <a:ext cx="4536000" cy="1776915"/>
+            </a:xfrm>
+            <a:prstGeom prst="rect">
+              <a:avLst/>
+            </a:prstGeom>
+          </p:spPr>
+        </p:pic>
+      </p:grpSp>
+      <p:grpSp>
+        <p:nvGrpSpPr>
+          <p:cNvPr id="21" name="Group 20">
+            <a:extLst>
+              <a:ext uri="{FF2B5EF4-FFF2-40B4-BE49-F238E27FC236}">
+                <a16:creationId xmlns:a16="http://schemas.microsoft.com/office/drawing/2014/main" id="{075D22F2-0356-3ABE-E08C-007EA834080F}"/>
+              </a:ext>
+            </a:extLst>
+          </p:cNvPr>
+          <p:cNvGrpSpPr/>
+          <p:nvPr/>
+        </p:nvGrpSpPr>
+        <p:grpSpPr>
+          <a:xfrm>
+            <a:off x="4572000" y="822778"/>
+            <a:ext cx="3970374" cy="3963627"/>
+            <a:chOff x="4939418" y="984738"/>
+            <a:chExt cx="3970374" cy="3963627"/>
+          </a:xfrm>
+        </p:grpSpPr>
+        <p:pic>
+          <p:nvPicPr>
+            <p:cNvPr id="19" name="Picture 18">
+              <a:extLst>
+                <a:ext uri="{FF2B5EF4-FFF2-40B4-BE49-F238E27FC236}">
+                  <a16:creationId xmlns:a16="http://schemas.microsoft.com/office/drawing/2014/main" id="{392ACFD8-1556-6396-3D1C-A5CE86FBECA5}"/>
+                </a:ext>
+              </a:extLst>
+            </p:cNvPr>
+            <p:cNvPicPr>
+              <a:picLocks noChangeAspect="1"/>
+            </p:cNvPicPr>
+            <p:nvPr/>
+          </p:nvPicPr>
+          <p:blipFill>
+            <a:blip r:embed="rId5"/>
+            <a:stretch>
+              <a:fillRect/>
+            </a:stretch>
+          </p:blipFill>
+          <p:spPr>
+            <a:xfrm>
+              <a:off x="5010064" y="1305487"/>
+              <a:ext cx="3822774" cy="3642878"/>
+            </a:xfrm>
+            <a:prstGeom prst="rect">
+              <a:avLst/>
+            </a:prstGeom>
+          </p:spPr>
+        </p:pic>
+        <p:pic>
+          <p:nvPicPr>
+            <p:cNvPr id="20" name="Picture 19">
+              <a:extLst>
+                <a:ext uri="{FF2B5EF4-FFF2-40B4-BE49-F238E27FC236}">
+                  <a16:creationId xmlns:a16="http://schemas.microsoft.com/office/drawing/2014/main" id="{F59CFA91-4338-2929-54A8-9A9296ECD415}"/>
+                </a:ext>
+              </a:extLst>
+            </p:cNvPr>
+            <p:cNvPicPr>
+              <a:picLocks noChangeAspect="1"/>
+            </p:cNvPicPr>
+            <p:nvPr/>
+          </p:nvPicPr>
+          <p:blipFill rotWithShape="1">
+            <a:blip r:embed="rId3"/>
+            <a:srcRect l="3077" t="5682" b="70582"/>
+            <a:stretch/>
+          </p:blipFill>
+          <p:spPr>
+            <a:xfrm>
+              <a:off x="4939418" y="984738"/>
+              <a:ext cx="3970374" cy="291079"/>
+            </a:xfrm>
+            <a:prstGeom prst="rect">
+              <a:avLst/>
+            </a:prstGeom>
+          </p:spPr>
+        </p:pic>
+      </p:grpSp>
     </p:spTree>
     <p:extLst>
       <p:ext uri="{BB962C8B-B14F-4D97-AF65-F5344CB8AC3E}">
-        <p14:creationId xmlns:p14="http://schemas.microsoft.com/office/powerpoint/2010/main" val="3045940691"/>
+        <p14:creationId xmlns:p14="http://schemas.microsoft.com/office/powerpoint/2010/main" val="864269010"/>
       </p:ext>
     </p:extLst>
   </p:cSld>
